--- a/JavaScript.pptx
+++ b/JavaScript.pptx
@@ -12,6 +12,11 @@
     <p:sldId id="260" r:id="rId6"/>
     <p:sldId id="261" r:id="rId7"/>
     <p:sldId id="262" r:id="rId8"/>
+    <p:sldId id="263" r:id="rId9"/>
+    <p:sldId id="264" r:id="rId10"/>
+    <p:sldId id="265" r:id="rId11"/>
+    <p:sldId id="266" r:id="rId12"/>
+    <p:sldId id="267" r:id="rId13"/>
   </p:sldIdLst>
   <p:sldSz cx="12192000" cy="6858000"/>
   <p:notesSz cx="6858000" cy="9144000"/>
@@ -110,6 +115,11 @@
       </a:defRPr>
     </a:lvl9pPr>
   </p:defaultTextStyle>
+  <p:extLst>
+    <p:ext uri="{EFAFB233-063F-42B5-8137-9DF3F51BA10A}">
+      <p15:sldGuideLst xmlns:p15="http://schemas.microsoft.com/office/powerpoint/2012/main"/>
+    </p:ext>
+  </p:extLst>
 </p:presentation>
 </file>
 
@@ -432,7 +442,7 @@
           <a:p>
             <a:fld id="{4BAACB4A-D2BC-4616-96DC-36385AED944F}" type="datetimeFigureOut">
               <a:rPr lang="en-US" smtClean="0"/>
-              <a:t>8/6/2024</a:t>
+              <a:t>8/7/2024</a:t>
             </a:fld>
             <a:endParaRPr lang="en-US"/>
           </a:p>
@@ -630,7 +640,7 @@
           <a:p>
             <a:fld id="{4BAACB4A-D2BC-4616-96DC-36385AED944F}" type="datetimeFigureOut">
               <a:rPr lang="en-US" smtClean="0"/>
-              <a:t>8/6/2024</a:t>
+              <a:t>8/7/2024</a:t>
             </a:fld>
             <a:endParaRPr lang="en-US"/>
           </a:p>
@@ -838,7 +848,7 @@
           <a:p>
             <a:fld id="{4BAACB4A-D2BC-4616-96DC-36385AED944F}" type="datetimeFigureOut">
               <a:rPr lang="en-US" smtClean="0"/>
-              <a:t>8/6/2024</a:t>
+              <a:t>8/7/2024</a:t>
             </a:fld>
             <a:endParaRPr lang="en-US"/>
           </a:p>
@@ -1036,7 +1046,7 @@
           <a:p>
             <a:fld id="{4BAACB4A-D2BC-4616-96DC-36385AED944F}" type="datetimeFigureOut">
               <a:rPr lang="en-US" smtClean="0"/>
-              <a:t>8/6/2024</a:t>
+              <a:t>8/7/2024</a:t>
             </a:fld>
             <a:endParaRPr lang="en-US"/>
           </a:p>
@@ -1311,7 +1321,7 @@
           <a:p>
             <a:fld id="{4BAACB4A-D2BC-4616-96DC-36385AED944F}" type="datetimeFigureOut">
               <a:rPr lang="en-US" smtClean="0"/>
-              <a:t>8/6/2024</a:t>
+              <a:t>8/7/2024</a:t>
             </a:fld>
             <a:endParaRPr lang="en-US"/>
           </a:p>
@@ -1576,7 +1586,7 @@
           <a:p>
             <a:fld id="{4BAACB4A-D2BC-4616-96DC-36385AED944F}" type="datetimeFigureOut">
               <a:rPr lang="en-US" smtClean="0"/>
-              <a:t>8/6/2024</a:t>
+              <a:t>8/7/2024</a:t>
             </a:fld>
             <a:endParaRPr lang="en-US"/>
           </a:p>
@@ -1988,7 +1998,7 @@
           <a:p>
             <a:fld id="{4BAACB4A-D2BC-4616-96DC-36385AED944F}" type="datetimeFigureOut">
               <a:rPr lang="en-US" smtClean="0"/>
-              <a:t>8/6/2024</a:t>
+              <a:t>8/7/2024</a:t>
             </a:fld>
             <a:endParaRPr lang="en-US"/>
           </a:p>
@@ -2129,7 +2139,7 @@
           <a:p>
             <a:fld id="{4BAACB4A-D2BC-4616-96DC-36385AED944F}" type="datetimeFigureOut">
               <a:rPr lang="en-US" smtClean="0"/>
-              <a:t>8/6/2024</a:t>
+              <a:t>8/7/2024</a:t>
             </a:fld>
             <a:endParaRPr lang="en-US"/>
           </a:p>
@@ -2242,7 +2252,7 @@
           <a:p>
             <a:fld id="{4BAACB4A-D2BC-4616-96DC-36385AED944F}" type="datetimeFigureOut">
               <a:rPr lang="en-US" smtClean="0"/>
-              <a:t>8/6/2024</a:t>
+              <a:t>8/7/2024</a:t>
             </a:fld>
             <a:endParaRPr lang="en-US"/>
           </a:p>
@@ -2553,7 +2563,7 @@
           <a:p>
             <a:fld id="{4BAACB4A-D2BC-4616-96DC-36385AED944F}" type="datetimeFigureOut">
               <a:rPr lang="en-US" smtClean="0"/>
-              <a:t>8/6/2024</a:t>
+              <a:t>8/7/2024</a:t>
             </a:fld>
             <a:endParaRPr lang="en-US"/>
           </a:p>
@@ -2841,7 +2851,7 @@
           <a:p>
             <a:fld id="{4BAACB4A-D2BC-4616-96DC-36385AED944F}" type="datetimeFigureOut">
               <a:rPr lang="en-US" smtClean="0"/>
-              <a:t>8/6/2024</a:t>
+              <a:t>8/7/2024</a:t>
             </a:fld>
             <a:endParaRPr lang="en-US"/>
           </a:p>
@@ -3082,7 +3092,7 @@
           <a:p>
             <a:fld id="{4BAACB4A-D2BC-4616-96DC-36385AED944F}" type="datetimeFigureOut">
               <a:rPr lang="en-US" smtClean="0"/>
-              <a:t>8/6/2024</a:t>
+              <a:t>8/7/2024</a:t>
             </a:fld>
             <a:endParaRPr lang="en-US"/>
           </a:p>
@@ -3540,6 +3550,434 @@
 </p:sld>
 </file>
 
+<file path=ppt/slides/slide10.xml><?xml version="1.0" encoding="utf-8"?>
+<p:sld xmlns:a="http://schemas.openxmlformats.org/drawingml/2006/main" xmlns:r="http://schemas.openxmlformats.org/officeDocument/2006/relationships" xmlns:p="http://schemas.openxmlformats.org/presentationml/2006/main">
+  <p:cSld>
+    <p:spTree>
+      <p:nvGrpSpPr>
+        <p:cNvPr id="1" name=""/>
+        <p:cNvGrpSpPr/>
+        <p:nvPr/>
+      </p:nvGrpSpPr>
+      <p:grpSpPr>
+        <a:xfrm>
+          <a:off x="0" y="0"/>
+          <a:ext cx="0" cy="0"/>
+          <a:chOff x="0" y="0"/>
+          <a:chExt cx="0" cy="0"/>
+        </a:xfrm>
+      </p:grpSpPr>
+      <p:sp>
+        <p:nvSpPr>
+          <p:cNvPr id="2" name="Title 1">
+            <a:extLst>
+              <a:ext uri="{FF2B5EF4-FFF2-40B4-BE49-F238E27FC236}">
+                <a16:creationId xmlns:a16="http://schemas.microsoft.com/office/drawing/2014/main" id="{C9BE8A53-2ADF-67E1-FFD3-11B93B1BEA99}"/>
+              </a:ext>
+            </a:extLst>
+          </p:cNvPr>
+          <p:cNvSpPr>
+            <a:spLocks noGrp="1"/>
+          </p:cNvSpPr>
+          <p:nvPr>
+            <p:ph type="title"/>
+          </p:nvPr>
+        </p:nvSpPr>
+        <p:spPr/>
+        <p:txBody>
+          <a:bodyPr/>
+          <a:lstStyle/>
+          <a:p>
+            <a:r>
+              <a:rPr lang="en-US" dirty="0"/>
+              <a:t>THE 7 PRIMITIVE DATA TYPES</a:t>
+            </a:r>
+          </a:p>
+        </p:txBody>
+      </p:sp>
+      <p:sp>
+        <p:nvSpPr>
+          <p:cNvPr id="3" name="Content Placeholder 2">
+            <a:extLst>
+              <a:ext uri="{FF2B5EF4-FFF2-40B4-BE49-F238E27FC236}">
+                <a16:creationId xmlns:a16="http://schemas.microsoft.com/office/drawing/2014/main" id="{A2CB715D-EAF0-408A-7223-22CC044407EF}"/>
+              </a:ext>
+            </a:extLst>
+          </p:cNvPr>
+          <p:cNvSpPr>
+            <a:spLocks noGrp="1"/>
+          </p:cNvSpPr>
+          <p:nvPr>
+            <p:ph idx="1"/>
+          </p:nvPr>
+        </p:nvSpPr>
+        <p:spPr>
+          <a:xfrm>
+            <a:off x="838200" y="1825625"/>
+            <a:ext cx="10515600" cy="3167289"/>
+          </a:xfrm>
+        </p:spPr>
+        <p:txBody>
+          <a:bodyPr>
+            <a:normAutofit lnSpcReduction="10000"/>
+          </a:bodyPr>
+          <a:lstStyle/>
+          <a:p>
+            <a:pPr marL="514350" indent="-514350">
+              <a:buFont typeface="+mj-lt"/>
+              <a:buAutoNum type="arabicPeriod"/>
+            </a:pPr>
+            <a:r>
+              <a:rPr lang="en-US" sz="2000" dirty="0"/>
+              <a:t>Number: Floating point numbers </a:t>
+            </a:r>
+            <a:r>
+              <a:rPr lang="en-US" sz="2000" dirty="0">
+                <a:sym typeface="Wingdings" panose="05000000000000000000" pitchFamily="2" charset="2"/>
+              </a:rPr>
+              <a:t> used for decimals and integers.	Let age = 23;</a:t>
+            </a:r>
+          </a:p>
+          <a:p>
+            <a:pPr marL="514350" indent="-514350">
+              <a:buFont typeface="+mj-lt"/>
+              <a:buAutoNum type="arabicPeriod"/>
+            </a:pPr>
+            <a:r>
+              <a:rPr lang="en-US" sz="2000" dirty="0">
+                <a:sym typeface="Wingdings" panose="05000000000000000000" pitchFamily="2" charset="2"/>
+              </a:rPr>
+              <a:t>String: Sequence of characters  used for text.			let </a:t>
+            </a:r>
+            <a:r>
+              <a:rPr lang="en-US" sz="2000" dirty="0" err="1">
+                <a:sym typeface="Wingdings" panose="05000000000000000000" pitchFamily="2" charset="2"/>
+              </a:rPr>
+              <a:t>firstName</a:t>
+            </a:r>
+            <a:r>
+              <a:rPr lang="en-US" sz="2000" dirty="0">
+                <a:sym typeface="Wingdings" panose="05000000000000000000" pitchFamily="2" charset="2"/>
+              </a:rPr>
+              <a:t> = ‘Ram’;</a:t>
+            </a:r>
+          </a:p>
+          <a:p>
+            <a:pPr marL="514350" indent="-514350">
+              <a:buFont typeface="+mj-lt"/>
+              <a:buAutoNum type="arabicPeriod"/>
+            </a:pPr>
+            <a:r>
+              <a:rPr lang="en-US" sz="2000" dirty="0">
+                <a:sym typeface="Wingdings" panose="05000000000000000000" pitchFamily="2" charset="2"/>
+              </a:rPr>
+              <a:t>Boolean: Logical type that can only be true or false  used for taking decisions	</a:t>
+            </a:r>
+          </a:p>
+          <a:p>
+            <a:pPr marL="0" indent="0">
+              <a:buNone/>
+            </a:pPr>
+            <a:r>
+              <a:rPr lang="en-US" sz="2000" dirty="0">
+                <a:sym typeface="Wingdings" panose="05000000000000000000" pitchFamily="2" charset="2"/>
+              </a:rPr>
+              <a:t>let </a:t>
+            </a:r>
+            <a:r>
+              <a:rPr lang="en-US" sz="2000" dirty="0" err="1">
+                <a:sym typeface="Wingdings" panose="05000000000000000000" pitchFamily="2" charset="2"/>
+              </a:rPr>
+              <a:t>fullAge</a:t>
+            </a:r>
+            <a:r>
+              <a:rPr lang="en-US" sz="2000" dirty="0">
+                <a:sym typeface="Wingdings" panose="05000000000000000000" pitchFamily="2" charset="2"/>
+              </a:rPr>
+              <a:t> = true;</a:t>
+            </a:r>
+          </a:p>
+          <a:p>
+            <a:pPr marL="457200" indent="-457200">
+              <a:buAutoNum type="arabicPeriod" startAt="4"/>
+            </a:pPr>
+            <a:r>
+              <a:rPr lang="en-US" sz="2000" dirty="0">
+                <a:sym typeface="Wingdings" panose="05000000000000000000" pitchFamily="2" charset="2"/>
+              </a:rPr>
+              <a:t>Undefined: Value taken by a variable that is not yet defined (‘empty value’)</a:t>
+            </a:r>
+          </a:p>
+          <a:p>
+            <a:pPr marL="457200" indent="-457200">
+              <a:buAutoNum type="arabicPeriod" startAt="4"/>
+            </a:pPr>
+            <a:r>
+              <a:rPr lang="en-US" sz="2000" dirty="0">
+                <a:sym typeface="Wingdings" panose="05000000000000000000" pitchFamily="2" charset="2"/>
+              </a:rPr>
+              <a:t>Null: Also means ‘empty value’</a:t>
+            </a:r>
+          </a:p>
+          <a:p>
+            <a:pPr marL="457200" indent="-457200">
+              <a:buAutoNum type="arabicPeriod" startAt="4"/>
+            </a:pPr>
+            <a:r>
+              <a:rPr lang="en-US" sz="2000" dirty="0">
+                <a:sym typeface="Wingdings" panose="05000000000000000000" pitchFamily="2" charset="2"/>
+              </a:rPr>
+              <a:t>Symbol (ES2015): Value that is unique and cannot be changed (not useful for now)</a:t>
+            </a:r>
+          </a:p>
+          <a:p>
+            <a:pPr marL="457200" indent="-457200">
+              <a:buAutoNum type="arabicPeriod" startAt="4"/>
+            </a:pPr>
+            <a:r>
+              <a:rPr lang="en-US" sz="2000" dirty="0" err="1">
+                <a:sym typeface="Wingdings" panose="05000000000000000000" pitchFamily="2" charset="2"/>
+              </a:rPr>
+              <a:t>BigInt</a:t>
+            </a:r>
+            <a:r>
+              <a:rPr lang="en-US" sz="2000" dirty="0">
+                <a:sym typeface="Wingdings" panose="05000000000000000000" pitchFamily="2" charset="2"/>
+              </a:rPr>
+              <a:t> (ES2020): Larger integers than the Number type can hold</a:t>
+            </a:r>
+            <a:endParaRPr lang="en-US" sz="2000" dirty="0"/>
+          </a:p>
+        </p:txBody>
+      </p:sp>
+      <p:sp>
+        <p:nvSpPr>
+          <p:cNvPr id="4" name="TextBox 3">
+            <a:extLst>
+              <a:ext uri="{FF2B5EF4-FFF2-40B4-BE49-F238E27FC236}">
+                <a16:creationId xmlns:a16="http://schemas.microsoft.com/office/drawing/2014/main" id="{AFB54F01-0D16-CF9F-5474-101B7CCD8E12}"/>
+              </a:ext>
+            </a:extLst>
+          </p:cNvPr>
+          <p:cNvSpPr txBox="1"/>
+          <p:nvPr/>
+        </p:nvSpPr>
+        <p:spPr>
+          <a:xfrm>
+            <a:off x="1514007" y="5127851"/>
+            <a:ext cx="8289561" cy="646331"/>
+          </a:xfrm>
+          <a:prstGeom prst="rect">
+            <a:avLst/>
+          </a:prstGeom>
+          <a:noFill/>
+        </p:spPr>
+        <p:txBody>
+          <a:bodyPr wrap="square" rtlCol="0">
+            <a:spAutoFit/>
+          </a:bodyPr>
+          <a:lstStyle/>
+          <a:p>
+            <a:r>
+              <a:rPr lang="en-US" dirty="0"/>
+              <a:t>JavaScript has dynamic typing: We do not have to manually define the data type of the value stored in a variable. Instead, data types are determined automatically.</a:t>
+            </a:r>
+          </a:p>
+        </p:txBody>
+      </p:sp>
+      <p:sp>
+        <p:nvSpPr>
+          <p:cNvPr id="5" name="TextBox 4">
+            <a:extLst>
+              <a:ext uri="{FF2B5EF4-FFF2-40B4-BE49-F238E27FC236}">
+                <a16:creationId xmlns:a16="http://schemas.microsoft.com/office/drawing/2014/main" id="{05D87552-13BA-9A3C-FD87-11FD45B13AA1}"/>
+              </a:ext>
+            </a:extLst>
+          </p:cNvPr>
+          <p:cNvSpPr txBox="1"/>
+          <p:nvPr/>
+        </p:nvSpPr>
+        <p:spPr>
+          <a:xfrm>
+            <a:off x="4796853" y="6171729"/>
+            <a:ext cx="3002360" cy="369332"/>
+          </a:xfrm>
+          <a:prstGeom prst="rect">
+            <a:avLst/>
+          </a:prstGeom>
+          <a:noFill/>
+        </p:spPr>
+        <p:txBody>
+          <a:bodyPr wrap="none" rtlCol="0">
+            <a:spAutoFit/>
+          </a:bodyPr>
+          <a:lstStyle/>
+          <a:p>
+            <a:r>
+              <a:rPr lang="en-US" b="1" dirty="0">
+                <a:solidFill>
+                  <a:srgbClr val="FF0000"/>
+                </a:solidFill>
+              </a:rPr>
+              <a:t>Value has type, NOT variable!</a:t>
+            </a:r>
+          </a:p>
+        </p:txBody>
+      </p:sp>
+    </p:spTree>
+    <p:extLst>
+      <p:ext uri="{BB962C8B-B14F-4D97-AF65-F5344CB8AC3E}">
+        <p14:creationId xmlns:p14="http://schemas.microsoft.com/office/powerpoint/2010/main" val="4113805003"/>
+      </p:ext>
+    </p:extLst>
+  </p:cSld>
+  <p:clrMapOvr>
+    <a:masterClrMapping/>
+  </p:clrMapOvr>
+</p:sld>
+</file>
+
+<file path=ppt/slides/slide11.xml><?xml version="1.0" encoding="utf-8"?>
+<p:sld xmlns:a="http://schemas.openxmlformats.org/drawingml/2006/main" xmlns:r="http://schemas.openxmlformats.org/officeDocument/2006/relationships" xmlns:p="http://schemas.openxmlformats.org/presentationml/2006/main">
+  <p:cSld>
+    <p:spTree>
+      <p:nvGrpSpPr>
+        <p:cNvPr id="1" name=""/>
+        <p:cNvGrpSpPr/>
+        <p:nvPr/>
+      </p:nvGrpSpPr>
+      <p:grpSpPr>
+        <a:xfrm>
+          <a:off x="0" y="0"/>
+          <a:ext cx="0" cy="0"/>
+          <a:chOff x="0" y="0"/>
+          <a:chExt cx="0" cy="0"/>
+        </a:xfrm>
+      </p:grpSpPr>
+      <p:sp>
+        <p:nvSpPr>
+          <p:cNvPr id="2" name="Title 1">
+            <a:extLst>
+              <a:ext uri="{FF2B5EF4-FFF2-40B4-BE49-F238E27FC236}">
+                <a16:creationId xmlns:a16="http://schemas.microsoft.com/office/drawing/2014/main" id="{CD9F136F-3188-A26E-FFED-E6452100F0C1}"/>
+              </a:ext>
+            </a:extLst>
+          </p:cNvPr>
+          <p:cNvSpPr>
+            <a:spLocks noGrp="1"/>
+          </p:cNvSpPr>
+          <p:nvPr>
+            <p:ph type="title"/>
+          </p:nvPr>
+        </p:nvSpPr>
+        <p:spPr/>
+        <p:txBody>
+          <a:bodyPr/>
+          <a:lstStyle/>
+          <a:p>
+            <a:r>
+              <a:rPr lang="en-US" dirty="0"/>
+              <a:t>LET, CONST AND VAR	</a:t>
+            </a:r>
+          </a:p>
+        </p:txBody>
+      </p:sp>
+      <p:sp>
+        <p:nvSpPr>
+          <p:cNvPr id="3" name="Content Placeholder 2">
+            <a:extLst>
+              <a:ext uri="{FF2B5EF4-FFF2-40B4-BE49-F238E27FC236}">
+                <a16:creationId xmlns:a16="http://schemas.microsoft.com/office/drawing/2014/main" id="{12FEF0E0-9FB0-5A09-8D81-29A487BE4210}"/>
+              </a:ext>
+            </a:extLst>
+          </p:cNvPr>
+          <p:cNvSpPr>
+            <a:spLocks noGrp="1"/>
+          </p:cNvSpPr>
+          <p:nvPr>
+            <p:ph idx="1"/>
+          </p:nvPr>
+        </p:nvSpPr>
+        <p:spPr/>
+        <p:txBody>
+          <a:bodyPr/>
+          <a:lstStyle/>
+          <a:p>
+            <a:endParaRPr lang="en-US" dirty="0"/>
+          </a:p>
+        </p:txBody>
+      </p:sp>
+    </p:spTree>
+    <p:extLst>
+      <p:ext uri="{BB962C8B-B14F-4D97-AF65-F5344CB8AC3E}">
+        <p14:creationId xmlns:p14="http://schemas.microsoft.com/office/powerpoint/2010/main" val="2600504182"/>
+      </p:ext>
+    </p:extLst>
+  </p:cSld>
+  <p:clrMapOvr>
+    <a:masterClrMapping/>
+  </p:clrMapOvr>
+</p:sld>
+</file>
+
+<file path=ppt/slides/slide12.xml><?xml version="1.0" encoding="utf-8"?>
+<p:sld xmlns:a="http://schemas.openxmlformats.org/drawingml/2006/main" xmlns:r="http://schemas.openxmlformats.org/officeDocument/2006/relationships" xmlns:p="http://schemas.openxmlformats.org/presentationml/2006/main">
+  <p:cSld>
+    <p:spTree>
+      <p:nvGrpSpPr>
+        <p:cNvPr id="1" name=""/>
+        <p:cNvGrpSpPr/>
+        <p:nvPr/>
+      </p:nvGrpSpPr>
+      <p:grpSpPr>
+        <a:xfrm>
+          <a:off x="0" y="0"/>
+          <a:ext cx="0" cy="0"/>
+          <a:chOff x="0" y="0"/>
+          <a:chExt cx="0" cy="0"/>
+        </a:xfrm>
+      </p:grpSpPr>
+      <p:sp>
+        <p:nvSpPr>
+          <p:cNvPr id="2" name="Title 1">
+            <a:extLst>
+              <a:ext uri="{FF2B5EF4-FFF2-40B4-BE49-F238E27FC236}">
+                <a16:creationId xmlns:a16="http://schemas.microsoft.com/office/drawing/2014/main" id="{D7A2A961-F654-9DDF-92BE-6FCF064609DB}"/>
+              </a:ext>
+            </a:extLst>
+          </p:cNvPr>
+          <p:cNvSpPr>
+            <a:spLocks noGrp="1"/>
+          </p:cNvSpPr>
+          <p:nvPr>
+            <p:ph type="title"/>
+          </p:nvPr>
+        </p:nvSpPr>
+        <p:spPr/>
+        <p:txBody>
+          <a:bodyPr/>
+          <a:lstStyle/>
+          <a:p>
+            <a:r>
+              <a:rPr lang="en-US" dirty="0"/>
+              <a:t>BASIC OPERATORS</a:t>
+            </a:r>
+          </a:p>
+        </p:txBody>
+      </p:sp>
+    </p:spTree>
+    <p:extLst>
+      <p:ext uri="{BB962C8B-B14F-4D97-AF65-F5344CB8AC3E}">
+        <p14:creationId xmlns:p14="http://schemas.microsoft.com/office/powerpoint/2010/main" val="2825151904"/>
+      </p:ext>
+    </p:extLst>
+  </p:cSld>
+  <p:clrMapOvr>
+    <a:masterClrMapping/>
+  </p:clrMapOvr>
+</p:sld>
+</file>
+
 <file path=ppt/slides/slide2.xml><?xml version="1.0" encoding="utf-8"?>
 <p:sld xmlns:a="http://schemas.openxmlformats.org/drawingml/2006/main" xmlns:r="http://schemas.openxmlformats.org/officeDocument/2006/relationships" xmlns:p="http://schemas.openxmlformats.org/presentationml/2006/main">
   <p:cSld>
@@ -4029,8 +4467,8 @@
           </a:p>
         </p:txBody>
       </p:sp>
-      <mc:AlternateContent xmlns:mc="http://schemas.openxmlformats.org/markup-compatibility/2006">
-        <mc:Choice xmlns:p14="http://schemas.microsoft.com/office/powerpoint/2010/main" xmlns:aink="http://schemas.microsoft.com/office/drawing/2016/ink" Requires="p14 aink">
+      <mc:AlternateContent xmlns:mc="http://schemas.openxmlformats.org/markup-compatibility/2006" xmlns:p14="http://schemas.microsoft.com/office/powerpoint/2010/main" xmlns:aink="http://schemas.microsoft.com/office/drawing/2016/ink">
+        <mc:Choice Requires="p14 aink">
           <p:contentPart p14:bwMode="auto" r:id="rId2">
             <p14:nvContentPartPr>
               <p14:cNvPr id="6" name="Ink 5">
@@ -4049,7 +4487,7 @@
             </p14:xfrm>
           </p:contentPart>
         </mc:Choice>
-        <mc:Fallback>
+        <mc:Fallback xmlns="">
           <p:pic>
             <p:nvPicPr>
               <p:cNvPr id="6" name="Ink 5">
@@ -4115,8 +4553,8 @@
           </a:p>
         </p:txBody>
       </p:sp>
-      <mc:AlternateContent xmlns:mc="http://schemas.openxmlformats.org/markup-compatibility/2006">
-        <mc:Choice xmlns:p14="http://schemas.microsoft.com/office/powerpoint/2010/main" Requires="p14">
+      <mc:AlternateContent xmlns:mc="http://schemas.openxmlformats.org/markup-compatibility/2006" xmlns:p14="http://schemas.microsoft.com/office/powerpoint/2010/main">
+        <mc:Choice Requires="p14">
           <p:contentPart p14:bwMode="auto" r:id="rId4">
             <p14:nvContentPartPr>
               <p14:cNvPr id="8" name="Ink 7">
@@ -4135,7 +4573,7 @@
             </p14:xfrm>
           </p:contentPart>
         </mc:Choice>
-        <mc:Fallback>
+        <mc:Fallback xmlns="">
           <p:pic>
             <p:nvPicPr>
               <p:cNvPr id="8" name="Ink 7">
@@ -4205,8 +4643,8 @@
           </a:p>
         </p:txBody>
       </p:sp>
-      <mc:AlternateContent xmlns:mc="http://schemas.openxmlformats.org/markup-compatibility/2006">
-        <mc:Choice xmlns:p14="http://schemas.microsoft.com/office/powerpoint/2010/main" Requires="p14">
+      <mc:AlternateContent xmlns:mc="http://schemas.openxmlformats.org/markup-compatibility/2006" xmlns:p14="http://schemas.microsoft.com/office/powerpoint/2010/main">
+        <mc:Choice Requires="p14">
           <p:contentPart p14:bwMode="auto" r:id="rId6">
             <p14:nvContentPartPr>
               <p14:cNvPr id="10" name="Ink 9">
@@ -4225,7 +4663,7 @@
             </p14:xfrm>
           </p:contentPart>
         </mc:Choice>
-        <mc:Fallback>
+        <mc:Fallback xmlns="">
           <p:pic>
             <p:nvPicPr>
               <p:cNvPr id="10" name="Ink 9">
@@ -4256,8 +4694,8 @@
           </p:pic>
         </mc:Fallback>
       </mc:AlternateContent>
-      <mc:AlternateContent xmlns:mc="http://schemas.openxmlformats.org/markup-compatibility/2006">
-        <mc:Choice xmlns:p14="http://schemas.microsoft.com/office/powerpoint/2010/main" Requires="p14">
+      <mc:AlternateContent xmlns:mc="http://schemas.openxmlformats.org/markup-compatibility/2006" xmlns:p14="http://schemas.microsoft.com/office/powerpoint/2010/main">
+        <mc:Choice Requires="p14">
           <p:contentPart p14:bwMode="auto" r:id="rId8">
             <p14:nvContentPartPr>
               <p14:cNvPr id="11" name="Ink 10">
@@ -4276,7 +4714,7 @@
             </p14:xfrm>
           </p:contentPart>
         </mc:Choice>
-        <mc:Fallback>
+        <mc:Fallback xmlns="">
           <p:pic>
             <p:nvPicPr>
               <p:cNvPr id="11" name="Ink 10">
@@ -4342,8 +4780,8 @@
           </a:p>
         </p:txBody>
       </p:sp>
-      <mc:AlternateContent xmlns:mc="http://schemas.openxmlformats.org/markup-compatibility/2006">
-        <mc:Choice xmlns:p14="http://schemas.microsoft.com/office/powerpoint/2010/main" Requires="p14">
+      <mc:AlternateContent xmlns:mc="http://schemas.openxmlformats.org/markup-compatibility/2006" xmlns:p14="http://schemas.microsoft.com/office/powerpoint/2010/main">
+        <mc:Choice Requires="p14">
           <p:contentPart p14:bwMode="auto" r:id="rId10">
             <p14:nvContentPartPr>
               <p14:cNvPr id="13" name="Ink 12">
@@ -4362,7 +4800,7 @@
             </p14:xfrm>
           </p:contentPart>
         </mc:Choice>
-        <mc:Fallback>
+        <mc:Fallback xmlns="">
           <p:pic>
             <p:nvPicPr>
               <p:cNvPr id="13" name="Ink 12">
@@ -6482,8 +6920,8 @@
           </a:p>
         </p:txBody>
       </p:sp>
-      <mc:AlternateContent xmlns:mc="http://schemas.openxmlformats.org/markup-compatibility/2006">
-        <mc:Choice xmlns:p14="http://schemas.microsoft.com/office/powerpoint/2010/main" Requires="p14">
+      <mc:AlternateContent xmlns:mc="http://schemas.openxmlformats.org/markup-compatibility/2006" xmlns:p14="http://schemas.microsoft.com/office/powerpoint/2010/main">
+        <mc:Choice Requires="p14">
           <p:contentPart p14:bwMode="auto" r:id="rId2">
             <p14:nvContentPartPr>
               <p14:cNvPr id="23" name="Ink 22">
@@ -6502,7 +6940,7 @@
             </p14:xfrm>
           </p:contentPart>
         </mc:Choice>
-        <mc:Fallback>
+        <mc:Fallback xmlns="">
           <p:pic>
             <p:nvPicPr>
               <p:cNvPr id="23" name="Ink 22">
@@ -6680,6 +7118,464 @@
     <p:extLst>
       <p:ext uri="{BB962C8B-B14F-4D97-AF65-F5344CB8AC3E}">
         <p14:creationId xmlns:p14="http://schemas.microsoft.com/office/powerpoint/2010/main" val="901602365"/>
+      </p:ext>
+    </p:extLst>
+  </p:cSld>
+  <p:clrMapOvr>
+    <a:masterClrMapping/>
+  </p:clrMapOvr>
+</p:sld>
+</file>
+
+<file path=ppt/slides/slide8.xml><?xml version="1.0" encoding="utf-8"?>
+<p:sld xmlns:a="http://schemas.openxmlformats.org/drawingml/2006/main" xmlns:r="http://schemas.openxmlformats.org/officeDocument/2006/relationships" xmlns:p="http://schemas.openxmlformats.org/presentationml/2006/main">
+  <p:cSld>
+    <p:spTree>
+      <p:nvGrpSpPr>
+        <p:cNvPr id="1" name=""/>
+        <p:cNvGrpSpPr/>
+        <p:nvPr/>
+      </p:nvGrpSpPr>
+      <p:grpSpPr>
+        <a:xfrm>
+          <a:off x="0" y="0"/>
+          <a:ext cx="0" cy="0"/>
+          <a:chOff x="0" y="0"/>
+          <a:chExt cx="0" cy="0"/>
+        </a:xfrm>
+      </p:grpSpPr>
+      <p:sp>
+        <p:nvSpPr>
+          <p:cNvPr id="2" name="Title 1">
+            <a:extLst>
+              <a:ext uri="{FF2B5EF4-FFF2-40B4-BE49-F238E27FC236}">
+                <a16:creationId xmlns:a16="http://schemas.microsoft.com/office/drawing/2014/main" id="{E2BD0BB0-9C23-FD36-0455-407416B94C30}"/>
+              </a:ext>
+            </a:extLst>
+          </p:cNvPr>
+          <p:cNvSpPr>
+            <a:spLocks noGrp="1"/>
+          </p:cNvSpPr>
+          <p:nvPr>
+            <p:ph type="title"/>
+          </p:nvPr>
+        </p:nvSpPr>
+        <p:spPr>
+          <a:xfrm>
+            <a:off x="4729843" y="2103437"/>
+            <a:ext cx="2732314" cy="1325563"/>
+          </a:xfrm>
+        </p:spPr>
+        <p:txBody>
+          <a:bodyPr/>
+          <a:lstStyle/>
+          <a:p>
+            <a:r>
+              <a:rPr lang="en-US" dirty="0"/>
+              <a:t>Data Types</a:t>
+            </a:r>
+          </a:p>
+        </p:txBody>
+      </p:sp>
+    </p:spTree>
+    <p:extLst>
+      <p:ext uri="{BB962C8B-B14F-4D97-AF65-F5344CB8AC3E}">
+        <p14:creationId xmlns:p14="http://schemas.microsoft.com/office/powerpoint/2010/main" val="2325494601"/>
+      </p:ext>
+    </p:extLst>
+  </p:cSld>
+  <p:clrMapOvr>
+    <a:masterClrMapping/>
+  </p:clrMapOvr>
+</p:sld>
+</file>
+
+<file path=ppt/slides/slide9.xml><?xml version="1.0" encoding="utf-8"?>
+<p:sld xmlns:a="http://schemas.openxmlformats.org/drawingml/2006/main" xmlns:r="http://schemas.openxmlformats.org/officeDocument/2006/relationships" xmlns:p="http://schemas.openxmlformats.org/presentationml/2006/main">
+  <p:cSld>
+    <p:spTree>
+      <p:nvGrpSpPr>
+        <p:cNvPr id="1" name=""/>
+        <p:cNvGrpSpPr/>
+        <p:nvPr/>
+      </p:nvGrpSpPr>
+      <p:grpSpPr>
+        <a:xfrm>
+          <a:off x="0" y="0"/>
+          <a:ext cx="0" cy="0"/>
+          <a:chOff x="0" y="0"/>
+          <a:chExt cx="0" cy="0"/>
+        </a:xfrm>
+      </p:grpSpPr>
+      <p:sp>
+        <p:nvSpPr>
+          <p:cNvPr id="2" name="Title 1">
+            <a:extLst>
+              <a:ext uri="{FF2B5EF4-FFF2-40B4-BE49-F238E27FC236}">
+                <a16:creationId xmlns:a16="http://schemas.microsoft.com/office/drawing/2014/main" id="{586401C5-3ECA-4913-2280-7C7BA3B46ACF}"/>
+              </a:ext>
+            </a:extLst>
+          </p:cNvPr>
+          <p:cNvSpPr>
+            <a:spLocks noGrp="1"/>
+          </p:cNvSpPr>
+          <p:nvPr>
+            <p:ph type="title"/>
+          </p:nvPr>
+        </p:nvSpPr>
+        <p:spPr/>
+        <p:txBody>
+          <a:bodyPr/>
+          <a:lstStyle/>
+          <a:p>
+            <a:r>
+              <a:rPr lang="en-US" dirty="0"/>
+              <a:t>OBJECTS AND PRIMITIVES</a:t>
+            </a:r>
+          </a:p>
+        </p:txBody>
+      </p:sp>
+      <p:sp>
+        <p:nvSpPr>
+          <p:cNvPr id="4" name="TextBox 3">
+            <a:extLst>
+              <a:ext uri="{FF2B5EF4-FFF2-40B4-BE49-F238E27FC236}">
+                <a16:creationId xmlns:a16="http://schemas.microsoft.com/office/drawing/2014/main" id="{34F7AB5E-AB33-86A1-8085-DB59C87B8C7E}"/>
+              </a:ext>
+            </a:extLst>
+          </p:cNvPr>
+          <p:cNvSpPr txBox="1"/>
+          <p:nvPr/>
+        </p:nvSpPr>
+        <p:spPr>
+          <a:xfrm>
+            <a:off x="5544457" y="2220686"/>
+            <a:ext cx="790858" cy="369332"/>
+          </a:xfrm>
+          <a:prstGeom prst="rect">
+            <a:avLst/>
+          </a:prstGeom>
+          <a:noFill/>
+        </p:spPr>
+        <p:txBody>
+          <a:bodyPr wrap="none" rtlCol="0">
+            <a:spAutoFit/>
+          </a:bodyPr>
+          <a:lstStyle/>
+          <a:p>
+            <a:r>
+              <a:rPr lang="en-US" dirty="0"/>
+              <a:t>VALUE</a:t>
+            </a:r>
+          </a:p>
+        </p:txBody>
+      </p:sp>
+      <p:sp>
+        <p:nvSpPr>
+          <p:cNvPr id="5" name="Oval 4">
+            <a:extLst>
+              <a:ext uri="{FF2B5EF4-FFF2-40B4-BE49-F238E27FC236}">
+                <a16:creationId xmlns:a16="http://schemas.microsoft.com/office/drawing/2014/main" id="{13BBE457-15D0-BBCA-AE3B-E0BE04B248F4}"/>
+              </a:ext>
+            </a:extLst>
+          </p:cNvPr>
+          <p:cNvSpPr/>
+          <p:nvPr/>
+        </p:nvSpPr>
+        <p:spPr>
+          <a:xfrm>
+            <a:off x="1872343" y="2989943"/>
+            <a:ext cx="2844800" cy="2206171"/>
+          </a:xfrm>
+          <a:prstGeom prst="ellipse">
+            <a:avLst/>
+          </a:prstGeom>
+          <a:solidFill>
+            <a:schemeClr val="accent4">
+              <a:lumMod val="60000"/>
+              <a:lumOff val="40000"/>
+            </a:schemeClr>
+          </a:solidFill>
+        </p:spPr>
+        <p:style>
+          <a:lnRef idx="2">
+            <a:schemeClr val="accent1">
+              <a:shade val="15000"/>
+            </a:schemeClr>
+          </a:lnRef>
+          <a:fillRef idx="1">
+            <a:schemeClr val="accent1"/>
+          </a:fillRef>
+          <a:effectRef idx="0">
+            <a:schemeClr val="accent1"/>
+          </a:effectRef>
+          <a:fontRef idx="minor">
+            <a:schemeClr val="lt1"/>
+          </a:fontRef>
+        </p:style>
+        <p:txBody>
+          <a:bodyPr rtlCol="0" anchor="ctr"/>
+          <a:lstStyle/>
+          <a:p>
+            <a:pPr algn="ctr"/>
+            <a:r>
+              <a:rPr lang="en-US" dirty="0">
+                <a:ln w="0"/>
+                <a:solidFill>
+                  <a:schemeClr val="tx1"/>
+                </a:solidFill>
+                <a:effectLst>
+                  <a:outerShdw blurRad="38100" dist="19050" dir="2700000" algn="tl" rotWithShape="0">
+                    <a:schemeClr val="dk1">
+                      <a:alpha val="40000"/>
+                    </a:schemeClr>
+                  </a:outerShdw>
+                </a:effectLst>
+              </a:rPr>
+              <a:t>OBJECT</a:t>
+            </a:r>
+          </a:p>
+        </p:txBody>
+      </p:sp>
+      <p:sp>
+        <p:nvSpPr>
+          <p:cNvPr id="6" name="Oval 5">
+            <a:extLst>
+              <a:ext uri="{FF2B5EF4-FFF2-40B4-BE49-F238E27FC236}">
+                <a16:creationId xmlns:a16="http://schemas.microsoft.com/office/drawing/2014/main" id="{E47A1944-CB5C-A374-137C-DD9228D9CCDF}"/>
+              </a:ext>
+            </a:extLst>
+          </p:cNvPr>
+          <p:cNvSpPr/>
+          <p:nvPr/>
+        </p:nvSpPr>
+        <p:spPr>
+          <a:xfrm>
+            <a:off x="7474859" y="2989943"/>
+            <a:ext cx="2844800" cy="2206171"/>
+          </a:xfrm>
+          <a:prstGeom prst="ellipse">
+            <a:avLst/>
+          </a:prstGeom>
+        </p:spPr>
+        <p:style>
+          <a:lnRef idx="2">
+            <a:schemeClr val="accent1">
+              <a:shade val="15000"/>
+            </a:schemeClr>
+          </a:lnRef>
+          <a:fillRef idx="1">
+            <a:schemeClr val="accent1"/>
+          </a:fillRef>
+          <a:effectRef idx="0">
+            <a:schemeClr val="accent1"/>
+          </a:effectRef>
+          <a:fontRef idx="minor">
+            <a:schemeClr val="lt1"/>
+          </a:fontRef>
+        </p:style>
+        <p:txBody>
+          <a:bodyPr rtlCol="0" anchor="ctr"/>
+          <a:lstStyle/>
+          <a:p>
+            <a:pPr algn="ctr"/>
+            <a:r>
+              <a:rPr lang="en-US" dirty="0">
+                <a:ln w="0"/>
+                <a:solidFill>
+                  <a:schemeClr val="tx1"/>
+                </a:solidFill>
+                <a:effectLst>
+                  <a:outerShdw blurRad="38100" dist="19050" dir="2700000" algn="tl" rotWithShape="0">
+                    <a:schemeClr val="dk1">
+                      <a:alpha val="40000"/>
+                    </a:schemeClr>
+                  </a:outerShdw>
+                </a:effectLst>
+              </a:rPr>
+              <a:t>PRIMITIVE</a:t>
+            </a:r>
+          </a:p>
+        </p:txBody>
+      </p:sp>
+      <p:cxnSp>
+        <p:nvCxnSpPr>
+          <p:cNvPr id="8" name="Straight Arrow Connector 7">
+            <a:extLst>
+              <a:ext uri="{FF2B5EF4-FFF2-40B4-BE49-F238E27FC236}">
+                <a16:creationId xmlns:a16="http://schemas.microsoft.com/office/drawing/2014/main" id="{70C99B3F-9C31-AD01-6817-9A1D920AEBFF}"/>
+              </a:ext>
+            </a:extLst>
+          </p:cNvPr>
+          <p:cNvCxnSpPr/>
+          <p:nvPr/>
+        </p:nvCxnSpPr>
+        <p:spPr>
+          <a:xfrm flipH="1">
+            <a:off x="4992914" y="2590018"/>
+            <a:ext cx="551543" cy="704725"/>
+          </a:xfrm>
+          <a:prstGeom prst="straightConnector1">
+            <a:avLst/>
+          </a:prstGeom>
+          <a:ln>
+            <a:tailEnd type="triangle"/>
+          </a:ln>
+        </p:spPr>
+        <p:style>
+          <a:lnRef idx="1">
+            <a:schemeClr val="accent1"/>
+          </a:lnRef>
+          <a:fillRef idx="0">
+            <a:schemeClr val="accent1"/>
+          </a:fillRef>
+          <a:effectRef idx="0">
+            <a:schemeClr val="accent1"/>
+          </a:effectRef>
+          <a:fontRef idx="minor">
+            <a:schemeClr val="tx1"/>
+          </a:fontRef>
+        </p:style>
+      </p:cxnSp>
+      <p:cxnSp>
+        <p:nvCxnSpPr>
+          <p:cNvPr id="10" name="Straight Arrow Connector 9">
+            <a:extLst>
+              <a:ext uri="{FF2B5EF4-FFF2-40B4-BE49-F238E27FC236}">
+                <a16:creationId xmlns:a16="http://schemas.microsoft.com/office/drawing/2014/main" id="{8A0F0666-864C-D6C2-0295-BAA2230FF102}"/>
+              </a:ext>
+            </a:extLst>
+          </p:cNvPr>
+          <p:cNvCxnSpPr/>
+          <p:nvPr/>
+        </p:nvCxnSpPr>
+        <p:spPr>
+          <a:xfrm>
+            <a:off x="6335315" y="2590018"/>
+            <a:ext cx="1139544" cy="603125"/>
+          </a:xfrm>
+          <a:prstGeom prst="straightConnector1">
+            <a:avLst/>
+          </a:prstGeom>
+          <a:ln>
+            <a:tailEnd type="triangle"/>
+          </a:ln>
+        </p:spPr>
+        <p:style>
+          <a:lnRef idx="1">
+            <a:schemeClr val="accent1"/>
+          </a:lnRef>
+          <a:fillRef idx="0">
+            <a:schemeClr val="accent1"/>
+          </a:fillRef>
+          <a:effectRef idx="0">
+            <a:schemeClr val="accent1"/>
+          </a:effectRef>
+          <a:fontRef idx="minor">
+            <a:schemeClr val="tx1"/>
+          </a:fontRef>
+        </p:style>
+      </p:cxnSp>
+      <p:sp>
+        <p:nvSpPr>
+          <p:cNvPr id="11" name="TextBox 10">
+            <a:extLst>
+              <a:ext uri="{FF2B5EF4-FFF2-40B4-BE49-F238E27FC236}">
+                <a16:creationId xmlns:a16="http://schemas.microsoft.com/office/drawing/2014/main" id="{E4BA339A-AD15-FC4B-2C32-0089196F07EA}"/>
+              </a:ext>
+            </a:extLst>
+          </p:cNvPr>
+          <p:cNvSpPr txBox="1"/>
+          <p:nvPr/>
+        </p:nvSpPr>
+        <p:spPr>
+          <a:xfrm>
+            <a:off x="1872341" y="5196114"/>
+            <a:ext cx="2554515" cy="923330"/>
+          </a:xfrm>
+          <a:prstGeom prst="rect">
+            <a:avLst/>
+          </a:prstGeom>
+          <a:noFill/>
+        </p:spPr>
+        <p:txBody>
+          <a:bodyPr wrap="square" rtlCol="0">
+            <a:spAutoFit/>
+          </a:bodyPr>
+          <a:lstStyle/>
+          <a:p>
+            <a:r>
+              <a:rPr lang="en-US" dirty="0"/>
+              <a:t>let me  = {</a:t>
+            </a:r>
+          </a:p>
+          <a:p>
+            <a:r>
+              <a:rPr lang="en-US" dirty="0"/>
+              <a:t>	Name: ‘Ram’</a:t>
+            </a:r>
+          </a:p>
+          <a:p>
+            <a:r>
+              <a:rPr lang="en-US" dirty="0"/>
+              <a:t>}</a:t>
+            </a:r>
+          </a:p>
+        </p:txBody>
+      </p:sp>
+      <p:sp>
+        <p:nvSpPr>
+          <p:cNvPr id="12" name="TextBox 11">
+            <a:extLst>
+              <a:ext uri="{FF2B5EF4-FFF2-40B4-BE49-F238E27FC236}">
+                <a16:creationId xmlns:a16="http://schemas.microsoft.com/office/drawing/2014/main" id="{9D796D5F-907C-BCD9-E700-CB3A1D2711BE}"/>
+              </a:ext>
+            </a:extLst>
+          </p:cNvPr>
+          <p:cNvSpPr txBox="1"/>
+          <p:nvPr/>
+        </p:nvSpPr>
+        <p:spPr>
+          <a:xfrm>
+            <a:off x="7620001" y="5196114"/>
+            <a:ext cx="2554515" cy="646331"/>
+          </a:xfrm>
+          <a:prstGeom prst="rect">
+            <a:avLst/>
+          </a:prstGeom>
+          <a:noFill/>
+        </p:spPr>
+        <p:txBody>
+          <a:bodyPr wrap="square" rtlCol="0">
+            <a:spAutoFit/>
+          </a:bodyPr>
+          <a:lstStyle/>
+          <a:p>
+            <a:r>
+              <a:rPr lang="en-US" dirty="0"/>
+              <a:t>let </a:t>
+            </a:r>
+            <a:r>
+              <a:rPr lang="en-US" dirty="0" err="1"/>
+              <a:t>firstName</a:t>
+            </a:r>
+            <a:r>
+              <a:rPr lang="en-US" dirty="0"/>
+              <a:t> = ‘ram’;</a:t>
+            </a:r>
+          </a:p>
+          <a:p>
+            <a:r>
+              <a:rPr lang="en-US" dirty="0"/>
+              <a:t>Let  age = 30;</a:t>
+            </a:r>
+          </a:p>
+        </p:txBody>
+      </p:sp>
+    </p:spTree>
+    <p:extLst>
+      <p:ext uri="{BB962C8B-B14F-4D97-AF65-F5344CB8AC3E}">
+        <p14:creationId xmlns:p14="http://schemas.microsoft.com/office/powerpoint/2010/main" val="2662636142"/>
       </p:ext>
     </p:extLst>
   </p:cSld>

--- a/JavaScript.pptx
+++ b/JavaScript.pptx
@@ -17,6 +17,7 @@
     <p:sldId id="265" r:id="rId11"/>
     <p:sldId id="266" r:id="rId12"/>
     <p:sldId id="267" r:id="rId13"/>
+    <p:sldId id="268" r:id="rId14"/>
   </p:sldIdLst>
   <p:sldSz cx="12192000" cy="6858000"/>
   <p:notesSz cx="6858000" cy="9144000"/>
@@ -442,7 +443,7 @@
           <a:p>
             <a:fld id="{4BAACB4A-D2BC-4616-96DC-36385AED944F}" type="datetimeFigureOut">
               <a:rPr lang="en-US" smtClean="0"/>
-              <a:t>8/7/2024</a:t>
+              <a:t>8/8/2024</a:t>
             </a:fld>
             <a:endParaRPr lang="en-US"/>
           </a:p>
@@ -640,7 +641,7 @@
           <a:p>
             <a:fld id="{4BAACB4A-D2BC-4616-96DC-36385AED944F}" type="datetimeFigureOut">
               <a:rPr lang="en-US" smtClean="0"/>
-              <a:t>8/7/2024</a:t>
+              <a:t>8/8/2024</a:t>
             </a:fld>
             <a:endParaRPr lang="en-US"/>
           </a:p>
@@ -848,7 +849,7 @@
           <a:p>
             <a:fld id="{4BAACB4A-D2BC-4616-96DC-36385AED944F}" type="datetimeFigureOut">
               <a:rPr lang="en-US" smtClean="0"/>
-              <a:t>8/7/2024</a:t>
+              <a:t>8/8/2024</a:t>
             </a:fld>
             <a:endParaRPr lang="en-US"/>
           </a:p>
@@ -1046,7 +1047,7 @@
           <a:p>
             <a:fld id="{4BAACB4A-D2BC-4616-96DC-36385AED944F}" type="datetimeFigureOut">
               <a:rPr lang="en-US" smtClean="0"/>
-              <a:t>8/7/2024</a:t>
+              <a:t>8/8/2024</a:t>
             </a:fld>
             <a:endParaRPr lang="en-US"/>
           </a:p>
@@ -1321,7 +1322,7 @@
           <a:p>
             <a:fld id="{4BAACB4A-D2BC-4616-96DC-36385AED944F}" type="datetimeFigureOut">
               <a:rPr lang="en-US" smtClean="0"/>
-              <a:t>8/7/2024</a:t>
+              <a:t>8/8/2024</a:t>
             </a:fld>
             <a:endParaRPr lang="en-US"/>
           </a:p>
@@ -1586,7 +1587,7 @@
           <a:p>
             <a:fld id="{4BAACB4A-D2BC-4616-96DC-36385AED944F}" type="datetimeFigureOut">
               <a:rPr lang="en-US" smtClean="0"/>
-              <a:t>8/7/2024</a:t>
+              <a:t>8/8/2024</a:t>
             </a:fld>
             <a:endParaRPr lang="en-US"/>
           </a:p>
@@ -1998,7 +1999,7 @@
           <a:p>
             <a:fld id="{4BAACB4A-D2BC-4616-96DC-36385AED944F}" type="datetimeFigureOut">
               <a:rPr lang="en-US" smtClean="0"/>
-              <a:t>8/7/2024</a:t>
+              <a:t>8/8/2024</a:t>
             </a:fld>
             <a:endParaRPr lang="en-US"/>
           </a:p>
@@ -2139,7 +2140,7 @@
           <a:p>
             <a:fld id="{4BAACB4A-D2BC-4616-96DC-36385AED944F}" type="datetimeFigureOut">
               <a:rPr lang="en-US" smtClean="0"/>
-              <a:t>8/7/2024</a:t>
+              <a:t>8/8/2024</a:t>
             </a:fld>
             <a:endParaRPr lang="en-US"/>
           </a:p>
@@ -2252,7 +2253,7 @@
           <a:p>
             <a:fld id="{4BAACB4A-D2BC-4616-96DC-36385AED944F}" type="datetimeFigureOut">
               <a:rPr lang="en-US" smtClean="0"/>
-              <a:t>8/7/2024</a:t>
+              <a:t>8/8/2024</a:t>
             </a:fld>
             <a:endParaRPr lang="en-US"/>
           </a:p>
@@ -2563,7 +2564,7 @@
           <a:p>
             <a:fld id="{4BAACB4A-D2BC-4616-96DC-36385AED944F}" type="datetimeFigureOut">
               <a:rPr lang="en-US" smtClean="0"/>
-              <a:t>8/7/2024</a:t>
+              <a:t>8/8/2024</a:t>
             </a:fld>
             <a:endParaRPr lang="en-US"/>
           </a:p>
@@ -2851,7 +2852,7 @@
           <a:p>
             <a:fld id="{4BAACB4A-D2BC-4616-96DC-36385AED944F}" type="datetimeFigureOut">
               <a:rPr lang="en-US" smtClean="0"/>
-              <a:t>8/7/2024</a:t>
+              <a:t>8/8/2024</a:t>
             </a:fld>
             <a:endParaRPr lang="en-US"/>
           </a:p>
@@ -3092,7 +3093,7 @@
           <a:p>
             <a:fld id="{4BAACB4A-D2BC-4616-96DC-36385AED944F}" type="datetimeFigureOut">
               <a:rPr lang="en-US" smtClean="0"/>
-              <a:t>8/7/2024</a:t>
+              <a:t>8/8/2024</a:t>
             </a:fld>
             <a:endParaRPr lang="en-US"/>
           </a:p>
@@ -3978,6 +3979,89 @@
 </p:sld>
 </file>
 
+<file path=ppt/slides/slide13.xml><?xml version="1.0" encoding="utf-8"?>
+<p:sld xmlns:a="http://schemas.openxmlformats.org/drawingml/2006/main" xmlns:r="http://schemas.openxmlformats.org/officeDocument/2006/relationships" xmlns:p="http://schemas.openxmlformats.org/presentationml/2006/main">
+  <p:cSld>
+    <p:spTree>
+      <p:nvGrpSpPr>
+        <p:cNvPr id="1" name=""/>
+        <p:cNvGrpSpPr/>
+        <p:nvPr/>
+      </p:nvGrpSpPr>
+      <p:grpSpPr>
+        <a:xfrm>
+          <a:off x="0" y="0"/>
+          <a:ext cx="0" cy="0"/>
+          <a:chOff x="0" y="0"/>
+          <a:chExt cx="0" cy="0"/>
+        </a:xfrm>
+      </p:grpSpPr>
+      <p:sp>
+        <p:nvSpPr>
+          <p:cNvPr id="2" name="Title 1">
+            <a:extLst>
+              <a:ext uri="{FF2B5EF4-FFF2-40B4-BE49-F238E27FC236}">
+                <a16:creationId xmlns:a16="http://schemas.microsoft.com/office/drawing/2014/main" id="{9C997EB4-0B17-530A-D8BE-91C06D53DB8E}"/>
+              </a:ext>
+            </a:extLst>
+          </p:cNvPr>
+          <p:cNvSpPr>
+            <a:spLocks noGrp="1"/>
+          </p:cNvSpPr>
+          <p:nvPr>
+            <p:ph type="title"/>
+          </p:nvPr>
+        </p:nvSpPr>
+        <p:spPr/>
+        <p:txBody>
+          <a:bodyPr/>
+          <a:lstStyle/>
+          <a:p>
+            <a:r>
+              <a:rPr lang="en-US" dirty="0"/>
+              <a:t>OPERATOR PRECEDENCE</a:t>
+            </a:r>
+          </a:p>
+        </p:txBody>
+      </p:sp>
+      <p:sp>
+        <p:nvSpPr>
+          <p:cNvPr id="3" name="Content Placeholder 2">
+            <a:extLst>
+              <a:ext uri="{FF2B5EF4-FFF2-40B4-BE49-F238E27FC236}">
+                <a16:creationId xmlns:a16="http://schemas.microsoft.com/office/drawing/2014/main" id="{CF17852B-FDA7-CFC9-FD31-955D04D675F4}"/>
+              </a:ext>
+            </a:extLst>
+          </p:cNvPr>
+          <p:cNvSpPr>
+            <a:spLocks noGrp="1"/>
+          </p:cNvSpPr>
+          <p:nvPr>
+            <p:ph idx="1"/>
+          </p:nvPr>
+        </p:nvSpPr>
+        <p:spPr/>
+        <p:txBody>
+          <a:bodyPr/>
+          <a:lstStyle/>
+          <a:p>
+            <a:endParaRPr lang="en-US" dirty="0"/>
+          </a:p>
+        </p:txBody>
+      </p:sp>
+    </p:spTree>
+    <p:extLst>
+      <p:ext uri="{BB962C8B-B14F-4D97-AF65-F5344CB8AC3E}">
+        <p14:creationId xmlns:p14="http://schemas.microsoft.com/office/powerpoint/2010/main" val="2345214764"/>
+      </p:ext>
+    </p:extLst>
+  </p:cSld>
+  <p:clrMapOvr>
+    <a:masterClrMapping/>
+  </p:clrMapOvr>
+</p:sld>
+</file>
+
 <file path=ppt/slides/slide2.xml><?xml version="1.0" encoding="utf-8"?>
 <p:sld xmlns:a="http://schemas.openxmlformats.org/drawingml/2006/main" xmlns:r="http://schemas.openxmlformats.org/officeDocument/2006/relationships" xmlns:p="http://schemas.openxmlformats.org/presentationml/2006/main">
   <p:cSld>

--- a/JavaScript.pptx
+++ b/JavaScript.pptx
@@ -18,6 +18,9 @@
     <p:sldId id="266" r:id="rId12"/>
     <p:sldId id="267" r:id="rId13"/>
     <p:sldId id="268" r:id="rId14"/>
+    <p:sldId id="269" r:id="rId15"/>
+    <p:sldId id="270" r:id="rId16"/>
+    <p:sldId id="271" r:id="rId17"/>
   </p:sldIdLst>
   <p:sldSz cx="12192000" cy="6858000"/>
   <p:notesSz cx="6858000" cy="9144000"/>
@@ -443,7 +446,7 @@
           <a:p>
             <a:fld id="{4BAACB4A-D2BC-4616-96DC-36385AED944F}" type="datetimeFigureOut">
               <a:rPr lang="en-US" smtClean="0"/>
-              <a:t>8/8/2024</a:t>
+              <a:t>8/9/2024</a:t>
             </a:fld>
             <a:endParaRPr lang="en-US"/>
           </a:p>
@@ -641,7 +644,7 @@
           <a:p>
             <a:fld id="{4BAACB4A-D2BC-4616-96DC-36385AED944F}" type="datetimeFigureOut">
               <a:rPr lang="en-US" smtClean="0"/>
-              <a:t>8/8/2024</a:t>
+              <a:t>8/9/2024</a:t>
             </a:fld>
             <a:endParaRPr lang="en-US"/>
           </a:p>
@@ -849,7 +852,7 @@
           <a:p>
             <a:fld id="{4BAACB4A-D2BC-4616-96DC-36385AED944F}" type="datetimeFigureOut">
               <a:rPr lang="en-US" smtClean="0"/>
-              <a:t>8/8/2024</a:t>
+              <a:t>8/9/2024</a:t>
             </a:fld>
             <a:endParaRPr lang="en-US"/>
           </a:p>
@@ -1047,7 +1050,7 @@
           <a:p>
             <a:fld id="{4BAACB4A-D2BC-4616-96DC-36385AED944F}" type="datetimeFigureOut">
               <a:rPr lang="en-US" smtClean="0"/>
-              <a:t>8/8/2024</a:t>
+              <a:t>8/9/2024</a:t>
             </a:fld>
             <a:endParaRPr lang="en-US"/>
           </a:p>
@@ -1322,7 +1325,7 @@
           <a:p>
             <a:fld id="{4BAACB4A-D2BC-4616-96DC-36385AED944F}" type="datetimeFigureOut">
               <a:rPr lang="en-US" smtClean="0"/>
-              <a:t>8/8/2024</a:t>
+              <a:t>8/9/2024</a:t>
             </a:fld>
             <a:endParaRPr lang="en-US"/>
           </a:p>
@@ -1587,7 +1590,7 @@
           <a:p>
             <a:fld id="{4BAACB4A-D2BC-4616-96DC-36385AED944F}" type="datetimeFigureOut">
               <a:rPr lang="en-US" smtClean="0"/>
-              <a:t>8/8/2024</a:t>
+              <a:t>8/9/2024</a:t>
             </a:fld>
             <a:endParaRPr lang="en-US"/>
           </a:p>
@@ -1999,7 +2002,7 @@
           <a:p>
             <a:fld id="{4BAACB4A-D2BC-4616-96DC-36385AED944F}" type="datetimeFigureOut">
               <a:rPr lang="en-US" smtClean="0"/>
-              <a:t>8/8/2024</a:t>
+              <a:t>8/9/2024</a:t>
             </a:fld>
             <a:endParaRPr lang="en-US"/>
           </a:p>
@@ -2140,7 +2143,7 @@
           <a:p>
             <a:fld id="{4BAACB4A-D2BC-4616-96DC-36385AED944F}" type="datetimeFigureOut">
               <a:rPr lang="en-US" smtClean="0"/>
-              <a:t>8/8/2024</a:t>
+              <a:t>8/9/2024</a:t>
             </a:fld>
             <a:endParaRPr lang="en-US"/>
           </a:p>
@@ -2253,7 +2256,7 @@
           <a:p>
             <a:fld id="{4BAACB4A-D2BC-4616-96DC-36385AED944F}" type="datetimeFigureOut">
               <a:rPr lang="en-US" smtClean="0"/>
-              <a:t>8/8/2024</a:t>
+              <a:t>8/9/2024</a:t>
             </a:fld>
             <a:endParaRPr lang="en-US"/>
           </a:p>
@@ -2564,7 +2567,7 @@
           <a:p>
             <a:fld id="{4BAACB4A-D2BC-4616-96DC-36385AED944F}" type="datetimeFigureOut">
               <a:rPr lang="en-US" smtClean="0"/>
-              <a:t>8/8/2024</a:t>
+              <a:t>8/9/2024</a:t>
             </a:fld>
             <a:endParaRPr lang="en-US"/>
           </a:p>
@@ -2852,7 +2855,7 @@
           <a:p>
             <a:fld id="{4BAACB4A-D2BC-4616-96DC-36385AED944F}" type="datetimeFigureOut">
               <a:rPr lang="en-US" smtClean="0"/>
-              <a:t>8/8/2024</a:t>
+              <a:t>8/9/2024</a:t>
             </a:fld>
             <a:endParaRPr lang="en-US"/>
           </a:p>
@@ -3093,7 +3096,7 @@
           <a:p>
             <a:fld id="{4BAACB4A-D2BC-4616-96DC-36385AED944F}" type="datetimeFigureOut">
               <a:rPr lang="en-US" smtClean="0"/>
-              <a:t>8/8/2024</a:t>
+              <a:t>8/9/2024</a:t>
             </a:fld>
             <a:endParaRPr lang="en-US"/>
           </a:p>
@@ -4062,6 +4065,180 @@
 </p:sld>
 </file>
 
+<file path=ppt/slides/slide14.xml><?xml version="1.0" encoding="utf-8"?>
+<p:sld xmlns:a="http://schemas.openxmlformats.org/drawingml/2006/main" xmlns:r="http://schemas.openxmlformats.org/officeDocument/2006/relationships" xmlns:p="http://schemas.openxmlformats.org/presentationml/2006/main">
+  <p:cSld>
+    <p:spTree>
+      <p:nvGrpSpPr>
+        <p:cNvPr id="1" name=""/>
+        <p:cNvGrpSpPr/>
+        <p:nvPr/>
+      </p:nvGrpSpPr>
+      <p:grpSpPr>
+        <a:xfrm>
+          <a:off x="0" y="0"/>
+          <a:ext cx="0" cy="0"/>
+          <a:chOff x="0" y="0"/>
+          <a:chExt cx="0" cy="0"/>
+        </a:xfrm>
+      </p:grpSpPr>
+      <p:sp>
+        <p:nvSpPr>
+          <p:cNvPr id="2" name="Title 1">
+            <a:extLst>
+              <a:ext uri="{FF2B5EF4-FFF2-40B4-BE49-F238E27FC236}">
+                <a16:creationId xmlns:a16="http://schemas.microsoft.com/office/drawing/2014/main" id="{D6B83636-A428-B3A6-6233-3A4898CA147E}"/>
+              </a:ext>
+            </a:extLst>
+          </p:cNvPr>
+          <p:cNvSpPr>
+            <a:spLocks noGrp="1"/>
+          </p:cNvSpPr>
+          <p:nvPr>
+            <p:ph type="title"/>
+          </p:nvPr>
+        </p:nvSpPr>
+        <p:spPr/>
+        <p:txBody>
+          <a:bodyPr/>
+          <a:lstStyle/>
+          <a:p>
+            <a:r>
+              <a:rPr lang="en-US" dirty="0"/>
+              <a:t>Strings and Template Literals</a:t>
+            </a:r>
+          </a:p>
+        </p:txBody>
+      </p:sp>
+    </p:spTree>
+    <p:extLst>
+      <p:ext uri="{BB962C8B-B14F-4D97-AF65-F5344CB8AC3E}">
+        <p14:creationId xmlns:p14="http://schemas.microsoft.com/office/powerpoint/2010/main" val="375952691"/>
+      </p:ext>
+    </p:extLst>
+  </p:cSld>
+  <p:clrMapOvr>
+    <a:masterClrMapping/>
+  </p:clrMapOvr>
+</p:sld>
+</file>
+
+<file path=ppt/slides/slide15.xml><?xml version="1.0" encoding="utf-8"?>
+<p:sld xmlns:a="http://schemas.openxmlformats.org/drawingml/2006/main" xmlns:r="http://schemas.openxmlformats.org/officeDocument/2006/relationships" xmlns:p="http://schemas.openxmlformats.org/presentationml/2006/main">
+  <p:cSld>
+    <p:spTree>
+      <p:nvGrpSpPr>
+        <p:cNvPr id="1" name=""/>
+        <p:cNvGrpSpPr/>
+        <p:nvPr/>
+      </p:nvGrpSpPr>
+      <p:grpSpPr>
+        <a:xfrm>
+          <a:off x="0" y="0"/>
+          <a:ext cx="0" cy="0"/>
+          <a:chOff x="0" y="0"/>
+          <a:chExt cx="0" cy="0"/>
+        </a:xfrm>
+      </p:grpSpPr>
+      <p:sp>
+        <p:nvSpPr>
+          <p:cNvPr id="2" name="Title 1">
+            <a:extLst>
+              <a:ext uri="{FF2B5EF4-FFF2-40B4-BE49-F238E27FC236}">
+                <a16:creationId xmlns:a16="http://schemas.microsoft.com/office/drawing/2014/main" id="{4A1384B8-41EE-9518-9FFB-6CB85CB9C823}"/>
+              </a:ext>
+            </a:extLst>
+          </p:cNvPr>
+          <p:cNvSpPr>
+            <a:spLocks noGrp="1"/>
+          </p:cNvSpPr>
+          <p:nvPr>
+            <p:ph type="title"/>
+          </p:nvPr>
+        </p:nvSpPr>
+        <p:spPr/>
+        <p:txBody>
+          <a:bodyPr/>
+          <a:lstStyle/>
+          <a:p>
+            <a:r>
+              <a:rPr lang="en-US" dirty="0"/>
+              <a:t>Taking Decisions: if/else Statements</a:t>
+            </a:r>
+          </a:p>
+        </p:txBody>
+      </p:sp>
+    </p:spTree>
+    <p:extLst>
+      <p:ext uri="{BB962C8B-B14F-4D97-AF65-F5344CB8AC3E}">
+        <p14:creationId xmlns:p14="http://schemas.microsoft.com/office/powerpoint/2010/main" val="3914703702"/>
+      </p:ext>
+    </p:extLst>
+  </p:cSld>
+  <p:clrMapOvr>
+    <a:masterClrMapping/>
+  </p:clrMapOvr>
+</p:sld>
+</file>
+
+<file path=ppt/slides/slide16.xml><?xml version="1.0" encoding="utf-8"?>
+<p:sld xmlns:a="http://schemas.openxmlformats.org/drawingml/2006/main" xmlns:r="http://schemas.openxmlformats.org/officeDocument/2006/relationships" xmlns:p="http://schemas.openxmlformats.org/presentationml/2006/main">
+  <p:cSld>
+    <p:spTree>
+      <p:nvGrpSpPr>
+        <p:cNvPr id="1" name=""/>
+        <p:cNvGrpSpPr/>
+        <p:nvPr/>
+      </p:nvGrpSpPr>
+      <p:grpSpPr>
+        <a:xfrm>
+          <a:off x="0" y="0"/>
+          <a:ext cx="0" cy="0"/>
+          <a:chOff x="0" y="0"/>
+          <a:chExt cx="0" cy="0"/>
+        </a:xfrm>
+      </p:grpSpPr>
+      <p:sp>
+        <p:nvSpPr>
+          <p:cNvPr id="2" name="Title 1">
+            <a:extLst>
+              <a:ext uri="{FF2B5EF4-FFF2-40B4-BE49-F238E27FC236}">
+                <a16:creationId xmlns:a16="http://schemas.microsoft.com/office/drawing/2014/main" id="{545EC248-487B-2166-44CA-EAB8C33DBCFE}"/>
+              </a:ext>
+            </a:extLst>
+          </p:cNvPr>
+          <p:cNvSpPr>
+            <a:spLocks noGrp="1"/>
+          </p:cNvSpPr>
+          <p:nvPr>
+            <p:ph type="title"/>
+          </p:nvPr>
+        </p:nvSpPr>
+        <p:spPr/>
+        <p:txBody>
+          <a:bodyPr/>
+          <a:lstStyle/>
+          <a:p>
+            <a:r>
+              <a:rPr lang="en-US" dirty="0"/>
+              <a:t>Type Conversion and Coercion</a:t>
+            </a:r>
+          </a:p>
+        </p:txBody>
+      </p:sp>
+    </p:spTree>
+    <p:extLst>
+      <p:ext uri="{BB962C8B-B14F-4D97-AF65-F5344CB8AC3E}">
+        <p14:creationId xmlns:p14="http://schemas.microsoft.com/office/powerpoint/2010/main" val="3476869434"/>
+      </p:ext>
+    </p:extLst>
+  </p:cSld>
+  <p:clrMapOvr>
+    <a:masterClrMapping/>
+  </p:clrMapOvr>
+</p:sld>
+</file>
+
 <file path=ppt/slides/slide2.xml><?xml version="1.0" encoding="utf-8"?>
 <p:sld xmlns:a="http://schemas.openxmlformats.org/drawingml/2006/main" xmlns:r="http://schemas.openxmlformats.org/officeDocument/2006/relationships" xmlns:p="http://schemas.openxmlformats.org/presentationml/2006/main">
   <p:cSld>

--- a/JavaScript.pptx
+++ b/JavaScript.pptx
@@ -4,6 +4,9 @@
   <p:sldMasterIdLst>
     <p:sldMasterId id="2147483648" r:id="rId1"/>
   </p:sldMasterIdLst>
+  <p:notesMasterIdLst>
+    <p:notesMasterId r:id="rId23"/>
+  </p:notesMasterIdLst>
   <p:sldIdLst>
     <p:sldId id="256" r:id="rId2"/>
     <p:sldId id="257" r:id="rId3"/>
@@ -21,6 +24,11 @@
     <p:sldId id="269" r:id="rId15"/>
     <p:sldId id="270" r:id="rId16"/>
     <p:sldId id="271" r:id="rId17"/>
+    <p:sldId id="272" r:id="rId18"/>
+    <p:sldId id="273" r:id="rId19"/>
+    <p:sldId id="274" r:id="rId20"/>
+    <p:sldId id="275" r:id="rId21"/>
+    <p:sldId id="276" r:id="rId22"/>
   </p:sldIdLst>
   <p:sldSz cx="12192000" cy="6858000"/>
   <p:notesSz cx="6858000" cy="9144000"/>
@@ -156,6 +164,34 @@
     </inkml:brush>
   </inkml:definitions>
   <inkml:trace contextRef="#ctx0" brushRef="#br0">4304 3431 24575,'0'0'0,"0"-7"0,-8-3 0,-8 2 0,-9-7 0,-6-6 0,-6 1 0,-2 3 0,-2 4 0,-1-3 0,0 3 0,1 3 0,-1 3 0,1 3 0,0-7 0,1 2 0,-1 1 0,-7 1 0,8-5 0,-8 1 0,1 2 0,0 1 0,2-4 0,-7 1 0,1-7 0,1 3 0,2 2 0,3 3 0,2 4 0,1 2 0,2-5 0,0 1 0,0-8 0,0 1 0,0 3 0,0-6 0,0 4 0,-1 2 0,1 4 0,-8-6 0,-1 3 0,9-6 0,1 1 0,2 4 0,0 2 0,-8 4 0,-1 3 0,-1 2 0,9-8 0,1 1 0,10-7 0,0-8 0,-1 2 0,-3-5 0,-2-3 0,5-4 0,-2-12 0,-1 7 0,-11-10 0,-10-8 0,-10-8 0,-9-7 0,3 4 0,4-4 0,15 6 0,-2 14 0,4 7 0,11 5 0,2 2 0,1 0 0,-9 1 0,-10-10 0,-1-1 0,0-8 0,2 0 0,3 2 0,10 3 0,4 3 0,1 10 0,7 3 0,-1 10 0,7-1 0,5-2 0,6-3 0,3-3 0,-4 5 0,-7-2 0,1-1 0,2-3 0,-5-2 0,-4 6 0,2-16 0,4-3 0,-3 7 0,3 1 0,-3 9 0,3 2 0,-4 0 0,3-2 0,5-2 0,3-2 0,-4-3 0,2 0 0,3-1 0,2-9 0,3 0 0,1 0 0,-5 9 0,-1 3 0,1 2 0,2 0 0,2-2 0,1 0 0,2-1 0,0-1 0,1-1 0,1 0 0,-1-1 0,-8 9 0,-8 8 0,0 16 0,-7 7 0,-5 5 0,-5 10 0,4 8 0,7 7 0,-2-2 0,6 3 0,-3 3 0,4 1 0,-4 3 0,4 2 0,3 1 0,-3-8 0,-5-8 0,2 1 0,4 0 0,-3 4 0,-5-4 0,3 2 0,4 3 0,-2 3 0,-5-6 0,3 3 0,4 1 0,6 2 0,3 3 0,-4-6 0,-6-7 0,2 0 0,1-14 0,4-12 0,12-22 0,12-18 0,1-8 0,1-11 0,5 8 0,5-5 0,5 5 0,5 2 0,2-4 0,-5 3 0,0 3 0,1 2 0,-7 3 0,3 10 0,0 2 0,-5 1 0,-5-1 0,2 6 0,2 7 0,-2-2 0,3 6 0,4 4 0,4 4 0,3 4 0,2 2 0,-5 10 0,-8 9 0,1 0 0,0-1 0,5 4 0,2-3 0,-4 5 0,2 3 0,-7 6 0,2-5 0,-5 3 0,3-5 0,3-7 0,-4 2 0,4-4 0,3 4 0,3-3 0,3 5 0,3 4 0,1-2 0,1-5 0,-7 2 0,0 5 0,-1 3 0,3 6 0,0-6 0,-5 3 0,0 1 0,-6 2 0,-7 2 0,2-6 0,4-7 0,4-7 0,-4 1 0,-3 3 0,1-2 0,-4 5 0,-4-5 0</inkml:trace>
+</inkml:ink>
+</file>
+
+<file path=ppt/ink/ink10.xml><?xml version="1.0" encoding="utf-8"?>
+<inkml:ink xmlns:inkml="http://www.w3.org/2003/InkML">
+  <inkml:definitions>
+    <inkml:context xml:id="ctx0">
+      <inkml:inkSource xml:id="inkSrc0">
+        <inkml:traceFormat>
+          <inkml:channel name="X" type="integer" min="-2.14748E9" max="2.14748E9" units="cm"/>
+          <inkml:channel name="Y" type="integer" min="-2.14748E9" max="2.14748E9" units="cm"/>
+          <inkml:channel name="F" type="integer" max="32767" units="dev"/>
+        </inkml:traceFormat>
+        <inkml:channelProperties>
+          <inkml:channelProperty channel="X" name="resolution" value="1000" units="1/cm"/>
+          <inkml:channelProperty channel="Y" name="resolution" value="1000" units="1/cm"/>
+          <inkml:channelProperty channel="F" name="resolution" value="0" units="1/dev"/>
+        </inkml:channelProperties>
+      </inkml:inkSource>
+      <inkml:timestamp xml:id="ts0" timeString="2024-08-14T13:45:05.489"/>
+    </inkml:context>
+    <inkml:brush xml:id="br0">
+      <inkml:brushProperty name="width" value="0.1" units="cm"/>
+      <inkml:brushProperty name="height" value="0.1" units="cm"/>
+      <inkml:brushProperty name="color" value="#FFC114"/>
+    </inkml:brush>
+  </inkml:definitions>
+  <inkml:trace contextRef="#ctx0" brushRef="#br0">0 1386 24575,'5'-1'0,"0"-1"0,0 0 0,0 0 0,0 0 0,0-1 0,-1 1 0,1-1 0,-1 0 0,0-1 0,0 1 0,0-1 0,-1 1 0,1-1 0,4-7 0,15-12 0,20-15 0,106-86 0,-54 50 0,135-95 0,-199 148 0,37-36 0,-2 1 0,-49 41 0,-1 0 0,0-1 0,19-26 0,-22 25 0,2 0 0,0 1 0,20-17 0,28-19 0,-36 29 0,0 1 0,1 2 0,58-33 0,-42 29 0,-1-2 0,51-41 0,-47 33 0,-4 3 0,123-82 0,-124 86-9,38-33 0,-36 26-1338,-22 17-5479</inkml:trace>
 </inkml:ink>
 </file>
 
@@ -299,6 +335,525 @@
 </inkml:ink>
 </file>
 
+<file path=ppt/ink/ink7.xml><?xml version="1.0" encoding="utf-8"?>
+<inkml:ink xmlns:inkml="http://www.w3.org/2003/InkML">
+  <inkml:definitions>
+    <inkml:context xml:id="ctx0">
+      <inkml:inkSource xml:id="inkSrc0">
+        <inkml:traceFormat>
+          <inkml:channel name="X" type="integer" min="-2.14748E9" max="2.14748E9" units="cm"/>
+          <inkml:channel name="Y" type="integer" min="-2.14748E9" max="2.14748E9" units="cm"/>
+          <inkml:channel name="F" type="integer" max="32767" units="dev"/>
+        </inkml:traceFormat>
+        <inkml:channelProperties>
+          <inkml:channelProperty channel="X" name="resolution" value="1000" units="1/cm"/>
+          <inkml:channelProperty channel="Y" name="resolution" value="1000" units="1/cm"/>
+          <inkml:channelProperty channel="F" name="resolution" value="0" units="1/dev"/>
+        </inkml:channelProperties>
+      </inkml:inkSource>
+      <inkml:timestamp xml:id="ts0" timeString="2024-08-14T13:42:58.800"/>
+    </inkml:context>
+    <inkml:brush xml:id="br0">
+      <inkml:brushProperty name="width" value="0.1" units="cm"/>
+      <inkml:brushProperty name="height" value="0.1" units="cm"/>
+      <inkml:brushProperty name="color" value="#FFC114"/>
+    </inkml:brush>
+  </inkml:definitions>
+  <inkml:trace contextRef="#ctx0" brushRef="#br0">0 1386 24575,'5'-1'0,"0"-1"0,0 0 0,0 0 0,0 0 0,0-1 0,-1 1 0,1-1 0,-1 0 0,0-1 0,0 1 0,0-1 0,-1 1 0,1-1 0,4-7 0,15-12 0,20-15 0,106-86 0,-54 50 0,135-95 0,-199 148 0,37-36 0,-2 1 0,-49 41 0,-1 0 0,0-1 0,19-26 0,-22 25 0,2 0 0,0 1 0,20-17 0,28-19 0,-36 29 0,0 1 0,1 2 0,58-33 0,-42 29 0,-1-2 0,51-41 0,-47 33 0,-4 3 0,123-82 0,-124 86-9,38-33 0,-36 26-1338,-22 17-5479</inkml:trace>
+</inkml:ink>
+</file>
+
+<file path=ppt/ink/ink8.xml><?xml version="1.0" encoding="utf-8"?>
+<inkml:ink xmlns:inkml="http://www.w3.org/2003/InkML">
+  <inkml:definitions>
+    <inkml:context xml:id="ctx0">
+      <inkml:inkSource xml:id="inkSrc0">
+        <inkml:traceFormat>
+          <inkml:channel name="X" type="integer" min="-2.14748E9" max="2.14748E9" units="cm"/>
+          <inkml:channel name="Y" type="integer" min="-2.14748E9" max="2.14748E9" units="cm"/>
+        </inkml:traceFormat>
+        <inkml:channelProperties>
+          <inkml:channelProperty channel="X" name="resolution" value="1000" units="1/cm"/>
+          <inkml:channelProperty channel="Y" name="resolution" value="1000" units="1/cm"/>
+        </inkml:channelProperties>
+      </inkml:inkSource>
+      <inkml:timestamp xml:id="ts0" timeString="2024-08-14T13:43:09.748"/>
+    </inkml:context>
+    <inkml:brush xml:id="br0">
+      <inkml:brushProperty name="width" value="0.3" units="cm"/>
+      <inkml:brushProperty name="height" value="0.6" units="cm"/>
+      <inkml:brushProperty name="color" value="#FFFC00"/>
+      <inkml:brushProperty name="tip" value="rectangle"/>
+      <inkml:brushProperty name="rasterOp" value="maskPen"/>
+      <inkml:brushProperty name="ignorePressure" value="1"/>
+    </inkml:brush>
+  </inkml:definitions>
+  <inkml:trace contextRef="#ctx0" brushRef="#br0">1 1,'0'0</inkml:trace>
+</inkml:ink>
+</file>
+
+<file path=ppt/ink/ink9.xml><?xml version="1.0" encoding="utf-8"?>
+<inkml:ink xmlns:inkml="http://www.w3.org/2003/InkML">
+  <inkml:definitions>
+    <inkml:context xml:id="ctx0">
+      <inkml:inkSource xml:id="inkSrc0">
+        <inkml:traceFormat>
+          <inkml:channel name="X" type="integer" min="-2.14748E9" max="2.14748E9" units="cm"/>
+          <inkml:channel name="Y" type="integer" min="-2.14748E9" max="2.14748E9" units="cm"/>
+        </inkml:traceFormat>
+        <inkml:channelProperties>
+          <inkml:channelProperty channel="X" name="resolution" value="1000" units="1/cm"/>
+          <inkml:channelProperty channel="Y" name="resolution" value="1000" units="1/cm"/>
+        </inkml:channelProperties>
+      </inkml:inkSource>
+      <inkml:timestamp xml:id="ts0" timeString="2024-08-14T13:43:13.829"/>
+    </inkml:context>
+    <inkml:brush xml:id="br0">
+      <inkml:brushProperty name="width" value="0.3" units="cm"/>
+      <inkml:brushProperty name="height" value="0.6" units="cm"/>
+      <inkml:brushProperty name="color" value="#FFFC00"/>
+      <inkml:brushProperty name="tip" value="rectangle"/>
+      <inkml:brushProperty name="rasterOp" value="maskPen"/>
+      <inkml:brushProperty name="ignorePressure" value="1"/>
+    </inkml:brush>
+  </inkml:definitions>
+  <inkml:trace contextRef="#ctx0" brushRef="#br0">1 1,'0'0</inkml:trace>
+</inkml:ink>
+</file>
+
+<file path=ppt/notesMasters/notesMaster1.xml><?xml version="1.0" encoding="utf-8"?>
+<p:notesMaster xmlns:a="http://schemas.openxmlformats.org/drawingml/2006/main" xmlns:r="http://schemas.openxmlformats.org/officeDocument/2006/relationships" xmlns:p="http://schemas.openxmlformats.org/presentationml/2006/main">
+  <p:cSld>
+    <p:bg>
+      <p:bgRef idx="1001">
+        <a:schemeClr val="bg1"/>
+      </p:bgRef>
+    </p:bg>
+    <p:spTree>
+      <p:nvGrpSpPr>
+        <p:cNvPr id="1" name=""/>
+        <p:cNvGrpSpPr/>
+        <p:nvPr/>
+      </p:nvGrpSpPr>
+      <p:grpSpPr>
+        <a:xfrm>
+          <a:off x="0" y="0"/>
+          <a:ext cx="0" cy="0"/>
+          <a:chOff x="0" y="0"/>
+          <a:chExt cx="0" cy="0"/>
+        </a:xfrm>
+      </p:grpSpPr>
+      <p:sp>
+        <p:nvSpPr>
+          <p:cNvPr id="2" name="Header Placeholder 1"/>
+          <p:cNvSpPr>
+            <a:spLocks noGrp="1"/>
+          </p:cNvSpPr>
+          <p:nvPr>
+            <p:ph type="hdr" sz="quarter"/>
+          </p:nvPr>
+        </p:nvSpPr>
+        <p:spPr>
+          <a:xfrm>
+            <a:off x="0" y="0"/>
+            <a:ext cx="2971800" cy="458788"/>
+          </a:xfrm>
+          <a:prstGeom prst="rect">
+            <a:avLst/>
+          </a:prstGeom>
+        </p:spPr>
+        <p:txBody>
+          <a:bodyPr vert="horz" lIns="91440" tIns="45720" rIns="91440" bIns="45720" rtlCol="0"/>
+          <a:lstStyle>
+            <a:lvl1pPr algn="l">
+              <a:defRPr sz="1200"/>
+            </a:lvl1pPr>
+          </a:lstStyle>
+          <a:p>
+            <a:endParaRPr lang="en-US"/>
+          </a:p>
+        </p:txBody>
+      </p:sp>
+      <p:sp>
+        <p:nvSpPr>
+          <p:cNvPr id="3" name="Date Placeholder 2"/>
+          <p:cNvSpPr>
+            <a:spLocks noGrp="1"/>
+          </p:cNvSpPr>
+          <p:nvPr>
+            <p:ph type="dt" idx="1"/>
+          </p:nvPr>
+        </p:nvSpPr>
+        <p:spPr>
+          <a:xfrm>
+            <a:off x="3884613" y="0"/>
+            <a:ext cx="2971800" cy="458788"/>
+          </a:xfrm>
+          <a:prstGeom prst="rect">
+            <a:avLst/>
+          </a:prstGeom>
+        </p:spPr>
+        <p:txBody>
+          <a:bodyPr vert="horz" lIns="91440" tIns="45720" rIns="91440" bIns="45720" rtlCol="0"/>
+          <a:lstStyle>
+            <a:lvl1pPr algn="r">
+              <a:defRPr sz="1200"/>
+            </a:lvl1pPr>
+          </a:lstStyle>
+          <a:p>
+            <a:fld id="{19F43255-63C2-45C3-A55E-F07DF58CF366}" type="datetimeFigureOut">
+              <a:rPr lang="en-US" smtClean="0"/>
+              <a:t>8/14/2024</a:t>
+            </a:fld>
+            <a:endParaRPr lang="en-US"/>
+          </a:p>
+        </p:txBody>
+      </p:sp>
+      <p:sp>
+        <p:nvSpPr>
+          <p:cNvPr id="4" name="Slide Image Placeholder 3"/>
+          <p:cNvSpPr>
+            <a:spLocks noGrp="1" noRot="1" noChangeAspect="1"/>
+          </p:cNvSpPr>
+          <p:nvPr>
+            <p:ph type="sldImg" idx="2"/>
+          </p:nvPr>
+        </p:nvSpPr>
+        <p:spPr>
+          <a:xfrm>
+            <a:off x="685800" y="1143000"/>
+            <a:ext cx="5486400" cy="3086100"/>
+          </a:xfrm>
+          <a:prstGeom prst="rect">
+            <a:avLst/>
+          </a:prstGeom>
+          <a:noFill/>
+          <a:ln w="12700">
+            <a:solidFill>
+              <a:prstClr val="black"/>
+            </a:solidFill>
+          </a:ln>
+        </p:spPr>
+        <p:txBody>
+          <a:bodyPr vert="horz" lIns="91440" tIns="45720" rIns="91440" bIns="45720" rtlCol="0" anchor="ctr"/>
+          <a:lstStyle/>
+          <a:p>
+            <a:endParaRPr lang="en-US"/>
+          </a:p>
+        </p:txBody>
+      </p:sp>
+      <p:sp>
+        <p:nvSpPr>
+          <p:cNvPr id="5" name="Notes Placeholder 4"/>
+          <p:cNvSpPr>
+            <a:spLocks noGrp="1"/>
+          </p:cNvSpPr>
+          <p:nvPr>
+            <p:ph type="body" sz="quarter" idx="3"/>
+          </p:nvPr>
+        </p:nvSpPr>
+        <p:spPr>
+          <a:xfrm>
+            <a:off x="685800" y="4400550"/>
+            <a:ext cx="5486400" cy="3600450"/>
+          </a:xfrm>
+          <a:prstGeom prst="rect">
+            <a:avLst/>
+          </a:prstGeom>
+        </p:spPr>
+        <p:txBody>
+          <a:bodyPr vert="horz" lIns="91440" tIns="45720" rIns="91440" bIns="45720" rtlCol="0"/>
+          <a:lstStyle/>
+          <a:p>
+            <a:pPr lvl="0"/>
+            <a:r>
+              <a:rPr lang="en-US"/>
+              <a:t>Click to edit Master text styles</a:t>
+            </a:r>
+          </a:p>
+          <a:p>
+            <a:pPr lvl="1"/>
+            <a:r>
+              <a:rPr lang="en-US"/>
+              <a:t>Second level</a:t>
+            </a:r>
+          </a:p>
+          <a:p>
+            <a:pPr lvl="2"/>
+            <a:r>
+              <a:rPr lang="en-US"/>
+              <a:t>Third level</a:t>
+            </a:r>
+          </a:p>
+          <a:p>
+            <a:pPr lvl="3"/>
+            <a:r>
+              <a:rPr lang="en-US"/>
+              <a:t>Fourth level</a:t>
+            </a:r>
+          </a:p>
+          <a:p>
+            <a:pPr lvl="4"/>
+            <a:r>
+              <a:rPr lang="en-US"/>
+              <a:t>Fifth level</a:t>
+            </a:r>
+          </a:p>
+        </p:txBody>
+      </p:sp>
+      <p:sp>
+        <p:nvSpPr>
+          <p:cNvPr id="6" name="Footer Placeholder 5"/>
+          <p:cNvSpPr>
+            <a:spLocks noGrp="1"/>
+          </p:cNvSpPr>
+          <p:nvPr>
+            <p:ph type="ftr" sz="quarter" idx="4"/>
+          </p:nvPr>
+        </p:nvSpPr>
+        <p:spPr>
+          <a:xfrm>
+            <a:off x="0" y="8685213"/>
+            <a:ext cx="2971800" cy="458787"/>
+          </a:xfrm>
+          <a:prstGeom prst="rect">
+            <a:avLst/>
+          </a:prstGeom>
+        </p:spPr>
+        <p:txBody>
+          <a:bodyPr vert="horz" lIns="91440" tIns="45720" rIns="91440" bIns="45720" rtlCol="0" anchor="b"/>
+          <a:lstStyle>
+            <a:lvl1pPr algn="l">
+              <a:defRPr sz="1200"/>
+            </a:lvl1pPr>
+          </a:lstStyle>
+          <a:p>
+            <a:endParaRPr lang="en-US"/>
+          </a:p>
+        </p:txBody>
+      </p:sp>
+      <p:sp>
+        <p:nvSpPr>
+          <p:cNvPr id="7" name="Slide Number Placeholder 6"/>
+          <p:cNvSpPr>
+            <a:spLocks noGrp="1"/>
+          </p:cNvSpPr>
+          <p:nvPr>
+            <p:ph type="sldNum" sz="quarter" idx="5"/>
+          </p:nvPr>
+        </p:nvSpPr>
+        <p:spPr>
+          <a:xfrm>
+            <a:off x="3884613" y="8685213"/>
+            <a:ext cx="2971800" cy="458787"/>
+          </a:xfrm>
+          <a:prstGeom prst="rect">
+            <a:avLst/>
+          </a:prstGeom>
+        </p:spPr>
+        <p:txBody>
+          <a:bodyPr vert="horz" lIns="91440" tIns="45720" rIns="91440" bIns="45720" rtlCol="0" anchor="b"/>
+          <a:lstStyle>
+            <a:lvl1pPr algn="r">
+              <a:defRPr sz="1200"/>
+            </a:lvl1pPr>
+          </a:lstStyle>
+          <a:p>
+            <a:fld id="{5072F109-69DB-4CB0-8BEF-7FE84EE69E9F}" type="slidenum">
+              <a:rPr lang="en-US" smtClean="0"/>
+              <a:t>‹#›</a:t>
+            </a:fld>
+            <a:endParaRPr lang="en-US"/>
+          </a:p>
+        </p:txBody>
+      </p:sp>
+    </p:spTree>
+    <p:extLst>
+      <p:ext uri="{BB962C8B-B14F-4D97-AF65-F5344CB8AC3E}">
+        <p14:creationId xmlns:p14="http://schemas.microsoft.com/office/powerpoint/2010/main" val="1668105841"/>
+      </p:ext>
+    </p:extLst>
+  </p:cSld>
+  <p:clrMap bg1="lt1" tx1="dk1" bg2="lt2" tx2="dk2" accent1="accent1" accent2="accent2" accent3="accent3" accent4="accent4" accent5="accent5" accent6="accent6" hlink="hlink" folHlink="folHlink"/>
+  <p:notesStyle>
+    <a:lvl1pPr marL="0" algn="l" defTabSz="914400" rtl="0" eaLnBrk="1" latinLnBrk="0" hangingPunct="1">
+      <a:defRPr sz="1200" kern="1200">
+        <a:solidFill>
+          <a:schemeClr val="tx1"/>
+        </a:solidFill>
+        <a:latin typeface="+mn-lt"/>
+        <a:ea typeface="+mn-ea"/>
+        <a:cs typeface="+mn-cs"/>
+      </a:defRPr>
+    </a:lvl1pPr>
+    <a:lvl2pPr marL="457200" algn="l" defTabSz="914400" rtl="0" eaLnBrk="1" latinLnBrk="0" hangingPunct="1">
+      <a:defRPr sz="1200" kern="1200">
+        <a:solidFill>
+          <a:schemeClr val="tx1"/>
+        </a:solidFill>
+        <a:latin typeface="+mn-lt"/>
+        <a:ea typeface="+mn-ea"/>
+        <a:cs typeface="+mn-cs"/>
+      </a:defRPr>
+    </a:lvl2pPr>
+    <a:lvl3pPr marL="914400" algn="l" defTabSz="914400" rtl="0" eaLnBrk="1" latinLnBrk="0" hangingPunct="1">
+      <a:defRPr sz="1200" kern="1200">
+        <a:solidFill>
+          <a:schemeClr val="tx1"/>
+        </a:solidFill>
+        <a:latin typeface="+mn-lt"/>
+        <a:ea typeface="+mn-ea"/>
+        <a:cs typeface="+mn-cs"/>
+      </a:defRPr>
+    </a:lvl3pPr>
+    <a:lvl4pPr marL="1371600" algn="l" defTabSz="914400" rtl="0" eaLnBrk="1" latinLnBrk="0" hangingPunct="1">
+      <a:defRPr sz="1200" kern="1200">
+        <a:solidFill>
+          <a:schemeClr val="tx1"/>
+        </a:solidFill>
+        <a:latin typeface="+mn-lt"/>
+        <a:ea typeface="+mn-ea"/>
+        <a:cs typeface="+mn-cs"/>
+      </a:defRPr>
+    </a:lvl4pPr>
+    <a:lvl5pPr marL="1828800" algn="l" defTabSz="914400" rtl="0" eaLnBrk="1" latinLnBrk="0" hangingPunct="1">
+      <a:defRPr sz="1200" kern="1200">
+        <a:solidFill>
+          <a:schemeClr val="tx1"/>
+        </a:solidFill>
+        <a:latin typeface="+mn-lt"/>
+        <a:ea typeface="+mn-ea"/>
+        <a:cs typeface="+mn-cs"/>
+      </a:defRPr>
+    </a:lvl5pPr>
+    <a:lvl6pPr marL="2286000" algn="l" defTabSz="914400" rtl="0" eaLnBrk="1" latinLnBrk="0" hangingPunct="1">
+      <a:defRPr sz="1200" kern="1200">
+        <a:solidFill>
+          <a:schemeClr val="tx1"/>
+        </a:solidFill>
+        <a:latin typeface="+mn-lt"/>
+        <a:ea typeface="+mn-ea"/>
+        <a:cs typeface="+mn-cs"/>
+      </a:defRPr>
+    </a:lvl6pPr>
+    <a:lvl7pPr marL="2743200" algn="l" defTabSz="914400" rtl="0" eaLnBrk="1" latinLnBrk="0" hangingPunct="1">
+      <a:defRPr sz="1200" kern="1200">
+        <a:solidFill>
+          <a:schemeClr val="tx1"/>
+        </a:solidFill>
+        <a:latin typeface="+mn-lt"/>
+        <a:ea typeface="+mn-ea"/>
+        <a:cs typeface="+mn-cs"/>
+      </a:defRPr>
+    </a:lvl7pPr>
+    <a:lvl8pPr marL="3200400" algn="l" defTabSz="914400" rtl="0" eaLnBrk="1" latinLnBrk="0" hangingPunct="1">
+      <a:defRPr sz="1200" kern="1200">
+        <a:solidFill>
+          <a:schemeClr val="tx1"/>
+        </a:solidFill>
+        <a:latin typeface="+mn-lt"/>
+        <a:ea typeface="+mn-ea"/>
+        <a:cs typeface="+mn-cs"/>
+      </a:defRPr>
+    </a:lvl8pPr>
+    <a:lvl9pPr marL="3657600" algn="l" defTabSz="914400" rtl="0" eaLnBrk="1" latinLnBrk="0" hangingPunct="1">
+      <a:defRPr sz="1200" kern="1200">
+        <a:solidFill>
+          <a:schemeClr val="tx1"/>
+        </a:solidFill>
+        <a:latin typeface="+mn-lt"/>
+        <a:ea typeface="+mn-ea"/>
+        <a:cs typeface="+mn-cs"/>
+      </a:defRPr>
+    </a:lvl9pPr>
+  </p:notesStyle>
+</p:notesMaster>
+</file>
+
+<file path=ppt/notesSlides/notesSlide1.xml><?xml version="1.0" encoding="utf-8"?>
+<p:notes xmlns:a="http://schemas.openxmlformats.org/drawingml/2006/main" xmlns:r="http://schemas.openxmlformats.org/officeDocument/2006/relationships" xmlns:p="http://schemas.openxmlformats.org/presentationml/2006/main">
+  <p:cSld>
+    <p:spTree>
+      <p:nvGrpSpPr>
+        <p:cNvPr id="1" name=""/>
+        <p:cNvGrpSpPr/>
+        <p:nvPr/>
+      </p:nvGrpSpPr>
+      <p:grpSpPr>
+        <a:xfrm>
+          <a:off x="0" y="0"/>
+          <a:ext cx="0" cy="0"/>
+          <a:chOff x="0" y="0"/>
+          <a:chExt cx="0" cy="0"/>
+        </a:xfrm>
+      </p:grpSpPr>
+      <p:sp>
+        <p:nvSpPr>
+          <p:cNvPr id="2" name="Slide Image Placeholder 1"/>
+          <p:cNvSpPr>
+            <a:spLocks noGrp="1" noRot="1" noChangeAspect="1"/>
+          </p:cNvSpPr>
+          <p:nvPr>
+            <p:ph type="sldImg"/>
+          </p:nvPr>
+        </p:nvSpPr>
+        <p:spPr/>
+      </p:sp>
+      <p:sp>
+        <p:nvSpPr>
+          <p:cNvPr id="3" name="Notes Placeholder 2"/>
+          <p:cNvSpPr>
+            <a:spLocks noGrp="1"/>
+          </p:cNvSpPr>
+          <p:nvPr>
+            <p:ph type="body" idx="1"/>
+          </p:nvPr>
+        </p:nvSpPr>
+        <p:spPr/>
+        <p:txBody>
+          <a:bodyPr/>
+          <a:lstStyle/>
+          <a:p>
+            <a:endParaRPr lang="en-US" dirty="0"/>
+          </a:p>
+        </p:txBody>
+      </p:sp>
+      <p:sp>
+        <p:nvSpPr>
+          <p:cNvPr id="4" name="Slide Number Placeholder 3"/>
+          <p:cNvSpPr>
+            <a:spLocks noGrp="1"/>
+          </p:cNvSpPr>
+          <p:nvPr>
+            <p:ph type="sldNum" sz="quarter" idx="5"/>
+          </p:nvPr>
+        </p:nvSpPr>
+        <p:spPr/>
+        <p:txBody>
+          <a:bodyPr/>
+          <a:lstStyle/>
+          <a:p>
+            <a:fld id="{5072F109-69DB-4CB0-8BEF-7FE84EE69E9F}" type="slidenum">
+              <a:rPr lang="en-US" smtClean="0"/>
+              <a:t>19</a:t>
+            </a:fld>
+            <a:endParaRPr lang="en-US"/>
+          </a:p>
+        </p:txBody>
+      </p:sp>
+    </p:spTree>
+    <p:extLst>
+      <p:ext uri="{BB962C8B-B14F-4D97-AF65-F5344CB8AC3E}">
+        <p14:creationId xmlns:p14="http://schemas.microsoft.com/office/powerpoint/2010/main" val="3310340861"/>
+      </p:ext>
+    </p:extLst>
+  </p:cSld>
+  <p:clrMapOvr>
+    <a:masterClrMapping/>
+  </p:clrMapOvr>
+</p:notes>
+</file>
+
 <file path=ppt/slideLayouts/slideLayout1.xml><?xml version="1.0" encoding="utf-8"?>
 <p:sldLayout xmlns:a="http://schemas.openxmlformats.org/drawingml/2006/main" xmlns:r="http://schemas.openxmlformats.org/officeDocument/2006/relationships" xmlns:p="http://schemas.openxmlformats.org/presentationml/2006/main" type="title" preserve="1">
   <p:cSld name="Title Slide">
@@ -446,7 +1001,7 @@
           <a:p>
             <a:fld id="{4BAACB4A-D2BC-4616-96DC-36385AED944F}" type="datetimeFigureOut">
               <a:rPr lang="en-US" smtClean="0"/>
-              <a:t>8/9/2024</a:t>
+              <a:t>8/14/2024</a:t>
             </a:fld>
             <a:endParaRPr lang="en-US"/>
           </a:p>
@@ -644,7 +1199,7 @@
           <a:p>
             <a:fld id="{4BAACB4A-D2BC-4616-96DC-36385AED944F}" type="datetimeFigureOut">
               <a:rPr lang="en-US" smtClean="0"/>
-              <a:t>8/9/2024</a:t>
+              <a:t>8/14/2024</a:t>
             </a:fld>
             <a:endParaRPr lang="en-US"/>
           </a:p>
@@ -852,7 +1407,7 @@
           <a:p>
             <a:fld id="{4BAACB4A-D2BC-4616-96DC-36385AED944F}" type="datetimeFigureOut">
               <a:rPr lang="en-US" smtClean="0"/>
-              <a:t>8/9/2024</a:t>
+              <a:t>8/14/2024</a:t>
             </a:fld>
             <a:endParaRPr lang="en-US"/>
           </a:p>
@@ -1050,7 +1605,7 @@
           <a:p>
             <a:fld id="{4BAACB4A-D2BC-4616-96DC-36385AED944F}" type="datetimeFigureOut">
               <a:rPr lang="en-US" smtClean="0"/>
-              <a:t>8/9/2024</a:t>
+              <a:t>8/14/2024</a:t>
             </a:fld>
             <a:endParaRPr lang="en-US"/>
           </a:p>
@@ -1325,7 +1880,7 @@
           <a:p>
             <a:fld id="{4BAACB4A-D2BC-4616-96DC-36385AED944F}" type="datetimeFigureOut">
               <a:rPr lang="en-US" smtClean="0"/>
-              <a:t>8/9/2024</a:t>
+              <a:t>8/14/2024</a:t>
             </a:fld>
             <a:endParaRPr lang="en-US"/>
           </a:p>
@@ -1590,7 +2145,7 @@
           <a:p>
             <a:fld id="{4BAACB4A-D2BC-4616-96DC-36385AED944F}" type="datetimeFigureOut">
               <a:rPr lang="en-US" smtClean="0"/>
-              <a:t>8/9/2024</a:t>
+              <a:t>8/14/2024</a:t>
             </a:fld>
             <a:endParaRPr lang="en-US"/>
           </a:p>
@@ -2002,7 +2557,7 @@
           <a:p>
             <a:fld id="{4BAACB4A-D2BC-4616-96DC-36385AED944F}" type="datetimeFigureOut">
               <a:rPr lang="en-US" smtClean="0"/>
-              <a:t>8/9/2024</a:t>
+              <a:t>8/14/2024</a:t>
             </a:fld>
             <a:endParaRPr lang="en-US"/>
           </a:p>
@@ -2143,7 +2698,7 @@
           <a:p>
             <a:fld id="{4BAACB4A-D2BC-4616-96DC-36385AED944F}" type="datetimeFigureOut">
               <a:rPr lang="en-US" smtClean="0"/>
-              <a:t>8/9/2024</a:t>
+              <a:t>8/14/2024</a:t>
             </a:fld>
             <a:endParaRPr lang="en-US"/>
           </a:p>
@@ -2256,7 +2811,7 @@
           <a:p>
             <a:fld id="{4BAACB4A-D2BC-4616-96DC-36385AED944F}" type="datetimeFigureOut">
               <a:rPr lang="en-US" smtClean="0"/>
-              <a:t>8/9/2024</a:t>
+              <a:t>8/14/2024</a:t>
             </a:fld>
             <a:endParaRPr lang="en-US"/>
           </a:p>
@@ -2567,7 +3122,7 @@
           <a:p>
             <a:fld id="{4BAACB4A-D2BC-4616-96DC-36385AED944F}" type="datetimeFigureOut">
               <a:rPr lang="en-US" smtClean="0"/>
-              <a:t>8/9/2024</a:t>
+              <a:t>8/14/2024</a:t>
             </a:fld>
             <a:endParaRPr lang="en-US"/>
           </a:p>
@@ -2855,7 +3410,7 @@
           <a:p>
             <a:fld id="{4BAACB4A-D2BC-4616-96DC-36385AED944F}" type="datetimeFigureOut">
               <a:rPr lang="en-US" smtClean="0"/>
-              <a:t>8/9/2024</a:t>
+              <a:t>8/14/2024</a:t>
             </a:fld>
             <a:endParaRPr lang="en-US"/>
           </a:p>
@@ -3096,7 +3651,7 @@
           <a:p>
             <a:fld id="{4BAACB4A-D2BC-4616-96DC-36385AED944F}" type="datetimeFigureOut">
               <a:rPr lang="en-US" smtClean="0"/>
-              <a:t>8/9/2024</a:t>
+              <a:t>8/14/2024</a:t>
             </a:fld>
             <a:endParaRPr lang="en-US"/>
           </a:p>
@@ -4027,31 +4582,6 @@
           </a:p>
         </p:txBody>
       </p:sp>
-      <p:sp>
-        <p:nvSpPr>
-          <p:cNvPr id="3" name="Content Placeholder 2">
-            <a:extLst>
-              <a:ext uri="{FF2B5EF4-FFF2-40B4-BE49-F238E27FC236}">
-                <a16:creationId xmlns:a16="http://schemas.microsoft.com/office/drawing/2014/main" id="{CF17852B-FDA7-CFC9-FD31-955D04D675F4}"/>
-              </a:ext>
-            </a:extLst>
-          </p:cNvPr>
-          <p:cNvSpPr>
-            <a:spLocks noGrp="1"/>
-          </p:cNvSpPr>
-          <p:nvPr>
-            <p:ph idx="1"/>
-          </p:nvPr>
-        </p:nvSpPr>
-        <p:spPr/>
-        <p:txBody>
-          <a:bodyPr/>
-          <a:lstStyle/>
-          <a:p>
-            <a:endParaRPr lang="en-US" dirty="0"/>
-          </a:p>
-        </p:txBody>
-      </p:sp>
     </p:spTree>
     <p:extLst>
       <p:ext uri="{BB962C8B-B14F-4D97-AF65-F5344CB8AC3E}">
@@ -4239,6 +4769,1134 @@
 </p:sld>
 </file>
 
+<file path=ppt/slides/slide17.xml><?xml version="1.0" encoding="utf-8"?>
+<p:sld xmlns:a="http://schemas.openxmlformats.org/drawingml/2006/main" xmlns:r="http://schemas.openxmlformats.org/officeDocument/2006/relationships" xmlns:p="http://schemas.openxmlformats.org/presentationml/2006/main">
+  <p:cSld>
+    <p:spTree>
+      <p:nvGrpSpPr>
+        <p:cNvPr id="1" name=""/>
+        <p:cNvGrpSpPr/>
+        <p:nvPr/>
+      </p:nvGrpSpPr>
+      <p:grpSpPr>
+        <a:xfrm>
+          <a:off x="0" y="0"/>
+          <a:ext cx="0" cy="0"/>
+          <a:chOff x="0" y="0"/>
+          <a:chExt cx="0" cy="0"/>
+        </a:xfrm>
+      </p:grpSpPr>
+      <p:sp>
+        <p:nvSpPr>
+          <p:cNvPr id="2" name="Title 1">
+            <a:extLst>
+              <a:ext uri="{FF2B5EF4-FFF2-40B4-BE49-F238E27FC236}">
+                <a16:creationId xmlns:a16="http://schemas.microsoft.com/office/drawing/2014/main" id="{6322AD28-0BAD-A565-C1FA-19CE882246A2}"/>
+              </a:ext>
+            </a:extLst>
+          </p:cNvPr>
+          <p:cNvSpPr>
+            <a:spLocks noGrp="1"/>
+          </p:cNvSpPr>
+          <p:nvPr>
+            <p:ph type="title"/>
+          </p:nvPr>
+        </p:nvSpPr>
+        <p:spPr/>
+        <p:txBody>
+          <a:bodyPr/>
+          <a:lstStyle/>
+          <a:p>
+            <a:r>
+              <a:rPr lang="en-US" dirty="0"/>
+              <a:t>Truthy and </a:t>
+            </a:r>
+            <a:r>
+              <a:rPr lang="en-US" dirty="0" err="1"/>
+              <a:t>Falsy</a:t>
+            </a:r>
+            <a:r>
+              <a:rPr lang="en-US" dirty="0"/>
+              <a:t> Value</a:t>
+            </a:r>
+          </a:p>
+        </p:txBody>
+      </p:sp>
+    </p:spTree>
+    <p:extLst>
+      <p:ext uri="{BB962C8B-B14F-4D97-AF65-F5344CB8AC3E}">
+        <p14:creationId xmlns:p14="http://schemas.microsoft.com/office/powerpoint/2010/main" val="3454084493"/>
+      </p:ext>
+    </p:extLst>
+  </p:cSld>
+  <p:clrMapOvr>
+    <a:masterClrMapping/>
+  </p:clrMapOvr>
+</p:sld>
+</file>
+
+<file path=ppt/slides/slide18.xml><?xml version="1.0" encoding="utf-8"?>
+<p:sld xmlns:a="http://schemas.openxmlformats.org/drawingml/2006/main" xmlns:r="http://schemas.openxmlformats.org/officeDocument/2006/relationships" xmlns:p="http://schemas.openxmlformats.org/presentationml/2006/main">
+  <p:cSld>
+    <p:spTree>
+      <p:nvGrpSpPr>
+        <p:cNvPr id="1" name=""/>
+        <p:cNvGrpSpPr/>
+        <p:nvPr/>
+      </p:nvGrpSpPr>
+      <p:grpSpPr>
+        <a:xfrm>
+          <a:off x="0" y="0"/>
+          <a:ext cx="0" cy="0"/>
+          <a:chOff x="0" y="0"/>
+          <a:chExt cx="0" cy="0"/>
+        </a:xfrm>
+      </p:grpSpPr>
+      <p:sp>
+        <p:nvSpPr>
+          <p:cNvPr id="2" name="Title 1">
+            <a:extLst>
+              <a:ext uri="{FF2B5EF4-FFF2-40B4-BE49-F238E27FC236}">
+                <a16:creationId xmlns:a16="http://schemas.microsoft.com/office/drawing/2014/main" id="{A2B0942C-94A2-758C-B3C6-D1CE7F6C26F8}"/>
+              </a:ext>
+            </a:extLst>
+          </p:cNvPr>
+          <p:cNvSpPr>
+            <a:spLocks noGrp="1"/>
+          </p:cNvSpPr>
+          <p:nvPr>
+            <p:ph type="title"/>
+          </p:nvPr>
+        </p:nvSpPr>
+        <p:spPr/>
+        <p:txBody>
+          <a:bodyPr/>
+          <a:lstStyle/>
+          <a:p>
+            <a:r>
+              <a:rPr lang="en-US" dirty="0"/>
+              <a:t>Equality Operators: = = vs = = =</a:t>
+            </a:r>
+          </a:p>
+        </p:txBody>
+      </p:sp>
+    </p:spTree>
+    <p:extLst>
+      <p:ext uri="{BB962C8B-B14F-4D97-AF65-F5344CB8AC3E}">
+        <p14:creationId xmlns:p14="http://schemas.microsoft.com/office/powerpoint/2010/main" val="118211282"/>
+      </p:ext>
+    </p:extLst>
+  </p:cSld>
+  <p:clrMapOvr>
+    <a:masterClrMapping/>
+  </p:clrMapOvr>
+</p:sld>
+</file>
+
+<file path=ppt/slides/slide19.xml><?xml version="1.0" encoding="utf-8"?>
+<p:sld xmlns:a="http://schemas.openxmlformats.org/drawingml/2006/main" xmlns:r="http://schemas.openxmlformats.org/officeDocument/2006/relationships" xmlns:p="http://schemas.openxmlformats.org/presentationml/2006/main">
+  <p:cSld>
+    <p:spTree>
+      <p:nvGrpSpPr>
+        <p:cNvPr id="1" name=""/>
+        <p:cNvGrpSpPr/>
+        <p:nvPr/>
+      </p:nvGrpSpPr>
+      <p:grpSpPr>
+        <a:xfrm>
+          <a:off x="0" y="0"/>
+          <a:ext cx="0" cy="0"/>
+          <a:chOff x="0" y="0"/>
+          <a:chExt cx="0" cy="0"/>
+        </a:xfrm>
+      </p:grpSpPr>
+      <p:sp>
+        <p:nvSpPr>
+          <p:cNvPr id="2" name="Title 1">
+            <a:extLst>
+              <a:ext uri="{FF2B5EF4-FFF2-40B4-BE49-F238E27FC236}">
+                <a16:creationId xmlns:a16="http://schemas.microsoft.com/office/drawing/2014/main" id="{00332674-6D1E-CF06-F504-F133C56CECDC}"/>
+              </a:ext>
+            </a:extLst>
+          </p:cNvPr>
+          <p:cNvSpPr>
+            <a:spLocks noGrp="1"/>
+          </p:cNvSpPr>
+          <p:nvPr>
+            <p:ph type="title"/>
+          </p:nvPr>
+        </p:nvSpPr>
+        <p:spPr/>
+        <p:txBody>
+          <a:bodyPr/>
+          <a:lstStyle/>
+          <a:p>
+            <a:r>
+              <a:rPr lang="en-US" dirty="0"/>
+              <a:t>Boolean Logic: AND, OR &amp; NOT Operators</a:t>
+            </a:r>
+          </a:p>
+        </p:txBody>
+      </p:sp>
+      <p:sp>
+        <p:nvSpPr>
+          <p:cNvPr id="4" name="TextBox 3">
+            <a:extLst>
+              <a:ext uri="{FF2B5EF4-FFF2-40B4-BE49-F238E27FC236}">
+                <a16:creationId xmlns:a16="http://schemas.microsoft.com/office/drawing/2014/main" id="{6307A711-DA89-625E-6ADF-9DF093CCE0D2}"/>
+              </a:ext>
+            </a:extLst>
+          </p:cNvPr>
+          <p:cNvSpPr txBox="1"/>
+          <p:nvPr/>
+        </p:nvSpPr>
+        <p:spPr>
+          <a:xfrm>
+            <a:off x="725714" y="5167086"/>
+            <a:ext cx="2897268" cy="1477328"/>
+          </a:xfrm>
+          <a:prstGeom prst="rect">
+            <a:avLst/>
+          </a:prstGeom>
+          <a:noFill/>
+        </p:spPr>
+        <p:txBody>
+          <a:bodyPr wrap="none" rtlCol="0">
+            <a:spAutoFit/>
+          </a:bodyPr>
+          <a:lstStyle/>
+          <a:p>
+            <a:r>
+              <a:rPr lang="en-US" dirty="0"/>
+              <a:t>Example:</a:t>
+            </a:r>
+          </a:p>
+          <a:p>
+            <a:r>
+              <a:rPr lang="en-US" dirty="0"/>
+              <a:t>A: Ram has a driver’s license.</a:t>
+            </a:r>
+          </a:p>
+          <a:p>
+            <a:r>
+              <a:rPr lang="en-US" dirty="0"/>
+              <a:t>B: Ram has good vision.</a:t>
+            </a:r>
+          </a:p>
+          <a:p>
+            <a:endParaRPr lang="en-US" dirty="0"/>
+          </a:p>
+          <a:p>
+            <a:r>
+              <a:rPr lang="en-US" dirty="0"/>
+              <a:t>True when ALL are true</a:t>
+            </a:r>
+          </a:p>
+        </p:txBody>
+      </p:sp>
+      <p:sp>
+        <p:nvSpPr>
+          <p:cNvPr id="5" name="TextBox 4">
+            <a:extLst>
+              <a:ext uri="{FF2B5EF4-FFF2-40B4-BE49-F238E27FC236}">
+                <a16:creationId xmlns:a16="http://schemas.microsoft.com/office/drawing/2014/main" id="{F26D97FD-A1BF-8D11-5FA9-3F83EC74F99D}"/>
+              </a:ext>
+            </a:extLst>
+          </p:cNvPr>
+          <p:cNvSpPr txBox="1"/>
+          <p:nvPr/>
+        </p:nvSpPr>
+        <p:spPr>
+          <a:xfrm>
+            <a:off x="1132114" y="1509486"/>
+            <a:ext cx="973343" cy="369332"/>
+          </a:xfrm>
+          <a:prstGeom prst="rect">
+            <a:avLst/>
+          </a:prstGeom>
+          <a:noFill/>
+        </p:spPr>
+        <p:txBody>
+          <a:bodyPr wrap="none" rtlCol="0">
+            <a:spAutoFit/>
+          </a:bodyPr>
+          <a:lstStyle/>
+          <a:p>
+            <a:r>
+              <a:rPr lang="en-US" dirty="0"/>
+              <a:t>A AND B</a:t>
+            </a:r>
+          </a:p>
+        </p:txBody>
+      </p:sp>
+      <p:sp>
+        <p:nvSpPr>
+          <p:cNvPr id="6" name="TextBox 5">
+            <a:extLst>
+              <a:ext uri="{FF2B5EF4-FFF2-40B4-BE49-F238E27FC236}">
+                <a16:creationId xmlns:a16="http://schemas.microsoft.com/office/drawing/2014/main" id="{8361BCDB-A855-B916-4E88-68A7CDA2AB0C}"/>
+              </a:ext>
+            </a:extLst>
+          </p:cNvPr>
+          <p:cNvSpPr txBox="1"/>
+          <p:nvPr/>
+        </p:nvSpPr>
+        <p:spPr>
+          <a:xfrm>
+            <a:off x="1132113" y="1878818"/>
+            <a:ext cx="2687274" cy="646331"/>
+          </a:xfrm>
+          <a:prstGeom prst="rect">
+            <a:avLst/>
+          </a:prstGeom>
+          <a:noFill/>
+        </p:spPr>
+        <p:txBody>
+          <a:bodyPr wrap="none" rtlCol="0">
+            <a:spAutoFit/>
+          </a:bodyPr>
+          <a:lstStyle/>
+          <a:p>
+            <a:r>
+              <a:rPr lang="en-US" dirty="0"/>
+              <a:t>“Ram has a driver’s license</a:t>
+            </a:r>
+          </a:p>
+          <a:p>
+            <a:r>
+              <a:rPr lang="en-US" dirty="0"/>
+              <a:t>AND good vision</a:t>
+            </a:r>
+          </a:p>
+        </p:txBody>
+      </p:sp>
+      <p:graphicFrame>
+        <p:nvGraphicFramePr>
+          <p:cNvPr id="7" name="Table 6">
+            <a:extLst>
+              <a:ext uri="{FF2B5EF4-FFF2-40B4-BE49-F238E27FC236}">
+                <a16:creationId xmlns:a16="http://schemas.microsoft.com/office/drawing/2014/main" id="{A9811B61-49F0-CA51-9B36-5FFC91079CE0}"/>
+              </a:ext>
+            </a:extLst>
+          </p:cNvPr>
+          <p:cNvGraphicFramePr>
+            <a:graphicFrameLocks noGrp="1"/>
+          </p:cNvGraphicFramePr>
+          <p:nvPr>
+            <p:extLst>
+              <p:ext uri="{D42A27DB-BD31-4B8C-83A1-F6EECF244321}">
+                <p14:modId xmlns:p14="http://schemas.microsoft.com/office/powerpoint/2010/main" val="3795021444"/>
+              </p:ext>
+            </p:extLst>
+          </p:nvPr>
+        </p:nvGraphicFramePr>
+        <p:xfrm>
+          <a:off x="957944" y="2707230"/>
+          <a:ext cx="3135087" cy="2271726"/>
+        </p:xfrm>
+        <a:graphic>
+          <a:graphicData uri="http://schemas.openxmlformats.org/drawingml/2006/table">
+            <a:tbl>
+              <a:tblPr firstRow="1" bandRow="1">
+                <a:tableStyleId>{5C22544A-7EE6-4342-B048-85BDC9FD1C3A}</a:tableStyleId>
+              </a:tblPr>
+              <a:tblGrid>
+                <a:gridCol w="1045029">
+                  <a:extLst>
+                    <a:ext uri="{9D8B030D-6E8A-4147-A177-3AD203B41FA5}">
+                      <a16:colId xmlns:a16="http://schemas.microsoft.com/office/drawing/2014/main" val="2673123383"/>
+                    </a:ext>
+                  </a:extLst>
+                </a:gridCol>
+                <a:gridCol w="1045029">
+                  <a:extLst>
+                    <a:ext uri="{9D8B030D-6E8A-4147-A177-3AD203B41FA5}">
+                      <a16:colId xmlns:a16="http://schemas.microsoft.com/office/drawing/2014/main" val="3119430063"/>
+                    </a:ext>
+                  </a:extLst>
+                </a:gridCol>
+                <a:gridCol w="1045029">
+                  <a:extLst>
+                    <a:ext uri="{9D8B030D-6E8A-4147-A177-3AD203B41FA5}">
+                      <a16:colId xmlns:a16="http://schemas.microsoft.com/office/drawing/2014/main" val="2610850077"/>
+                    </a:ext>
+                  </a:extLst>
+                </a:gridCol>
+              </a:tblGrid>
+              <a:tr h="757242">
+                <a:tc>
+                  <a:txBody>
+                    <a:bodyPr/>
+                    <a:lstStyle/>
+                    <a:p>
+                      <a:pPr algn="ctr"/>
+                      <a:r>
+                        <a:rPr lang="en-US" dirty="0"/>
+                        <a:t>AND</a:t>
+                      </a:r>
+                    </a:p>
+                  </a:txBody>
+                  <a:tcPr anchor="ctr"/>
+                </a:tc>
+                <a:tc>
+                  <a:txBody>
+                    <a:bodyPr/>
+                    <a:lstStyle/>
+                    <a:p>
+                      <a:pPr algn="ctr"/>
+                      <a:r>
+                        <a:rPr lang="en-US" dirty="0"/>
+                        <a:t>TRUE</a:t>
+                      </a:r>
+                    </a:p>
+                  </a:txBody>
+                  <a:tcPr anchor="ctr"/>
+                </a:tc>
+                <a:tc>
+                  <a:txBody>
+                    <a:bodyPr/>
+                    <a:lstStyle/>
+                    <a:p>
+                      <a:pPr algn="ctr"/>
+                      <a:r>
+                        <a:rPr lang="en-US" dirty="0"/>
+                        <a:t>FALSE</a:t>
+                      </a:r>
+                    </a:p>
+                  </a:txBody>
+                  <a:tcPr anchor="ctr"/>
+                </a:tc>
+                <a:extLst>
+                  <a:ext uri="{0D108BD9-81ED-4DB2-BD59-A6C34878D82A}">
+                    <a16:rowId xmlns:a16="http://schemas.microsoft.com/office/drawing/2014/main" val="1744410627"/>
+                  </a:ext>
+                </a:extLst>
+              </a:tr>
+              <a:tr h="757242">
+                <a:tc>
+                  <a:txBody>
+                    <a:bodyPr/>
+                    <a:lstStyle/>
+                    <a:p>
+                      <a:pPr algn="ctr"/>
+                      <a:r>
+                        <a:rPr lang="en-US" dirty="0"/>
+                        <a:t>TRUE</a:t>
+                      </a:r>
+                    </a:p>
+                  </a:txBody>
+                  <a:tcPr anchor="ctr"/>
+                </a:tc>
+                <a:tc>
+                  <a:txBody>
+                    <a:bodyPr/>
+                    <a:lstStyle/>
+                    <a:p>
+                      <a:pPr algn="ctr"/>
+                      <a:r>
+                        <a:rPr lang="en-US" dirty="0"/>
+                        <a:t>True</a:t>
+                      </a:r>
+                    </a:p>
+                  </a:txBody>
+                  <a:tcPr anchor="ctr"/>
+                </a:tc>
+                <a:tc>
+                  <a:txBody>
+                    <a:bodyPr/>
+                    <a:lstStyle/>
+                    <a:p>
+                      <a:pPr algn="ctr"/>
+                      <a:r>
+                        <a:rPr lang="en-US" dirty="0"/>
+                        <a:t>False</a:t>
+                      </a:r>
+                    </a:p>
+                  </a:txBody>
+                  <a:tcPr anchor="ctr"/>
+                </a:tc>
+                <a:extLst>
+                  <a:ext uri="{0D108BD9-81ED-4DB2-BD59-A6C34878D82A}">
+                    <a16:rowId xmlns:a16="http://schemas.microsoft.com/office/drawing/2014/main" val="3632210902"/>
+                  </a:ext>
+                </a:extLst>
+              </a:tr>
+              <a:tr h="757242">
+                <a:tc>
+                  <a:txBody>
+                    <a:bodyPr/>
+                    <a:lstStyle/>
+                    <a:p>
+                      <a:pPr algn="ctr"/>
+                      <a:r>
+                        <a:rPr lang="en-US" dirty="0"/>
+                        <a:t>FALSE</a:t>
+                      </a:r>
+                    </a:p>
+                  </a:txBody>
+                  <a:tcPr anchor="ctr"/>
+                </a:tc>
+                <a:tc>
+                  <a:txBody>
+                    <a:bodyPr/>
+                    <a:lstStyle/>
+                    <a:p>
+                      <a:pPr algn="ctr"/>
+                      <a:r>
+                        <a:rPr lang="en-US" dirty="0"/>
+                        <a:t>False</a:t>
+                      </a:r>
+                    </a:p>
+                  </a:txBody>
+                  <a:tcPr anchor="ctr"/>
+                </a:tc>
+                <a:tc>
+                  <a:txBody>
+                    <a:bodyPr/>
+                    <a:lstStyle/>
+                    <a:p>
+                      <a:pPr algn="ctr"/>
+                      <a:r>
+                        <a:rPr lang="en-US" dirty="0"/>
+                        <a:t>False</a:t>
+                      </a:r>
+                    </a:p>
+                  </a:txBody>
+                  <a:tcPr anchor="ctr"/>
+                </a:tc>
+                <a:extLst>
+                  <a:ext uri="{0D108BD9-81ED-4DB2-BD59-A6C34878D82A}">
+                    <a16:rowId xmlns:a16="http://schemas.microsoft.com/office/drawing/2014/main" val="3362823379"/>
+                  </a:ext>
+                </a:extLst>
+              </a:tr>
+            </a:tbl>
+          </a:graphicData>
+        </a:graphic>
+      </p:graphicFrame>
+      <mc:AlternateContent xmlns:mc="http://schemas.openxmlformats.org/markup-compatibility/2006">
+        <mc:Choice xmlns:p14="http://schemas.microsoft.com/office/powerpoint/2010/main" Requires="p14">
+          <p:contentPart p14:bwMode="auto" r:id="rId3">
+            <p14:nvContentPartPr>
+              <p14:cNvPr id="8" name="Ink 7">
+                <a:extLst>
+                  <a:ext uri="{FF2B5EF4-FFF2-40B4-BE49-F238E27FC236}">
+                    <a16:creationId xmlns:a16="http://schemas.microsoft.com/office/drawing/2014/main" id="{4F16F5C3-B3C3-31BE-6C15-B4D062D6AA06}"/>
+                  </a:ext>
+                </a:extLst>
+              </p14:cNvPr>
+              <p14:cNvContentPartPr/>
+              <p14:nvPr/>
+            </p14:nvContentPartPr>
+            <p14:xfrm>
+              <a:off x="1610674" y="3245223"/>
+              <a:ext cx="645840" cy="499320"/>
+            </p14:xfrm>
+          </p:contentPart>
+        </mc:Choice>
+        <mc:Fallback>
+          <p:pic>
+            <p:nvPicPr>
+              <p:cNvPr id="8" name="Ink 7">
+                <a:extLst>
+                  <a:ext uri="{FF2B5EF4-FFF2-40B4-BE49-F238E27FC236}">
+                    <a16:creationId xmlns:a16="http://schemas.microsoft.com/office/drawing/2014/main" id="{4F16F5C3-B3C3-31BE-6C15-B4D062D6AA06}"/>
+                  </a:ext>
+                </a:extLst>
+              </p:cNvPr>
+              <p:cNvPicPr/>
+              <p:nvPr/>
+            </p:nvPicPr>
+            <p:blipFill>
+              <a:blip r:embed="rId4"/>
+              <a:stretch>
+                <a:fillRect/>
+              </a:stretch>
+            </p:blipFill>
+            <p:spPr>
+              <a:xfrm>
+                <a:off x="1592674" y="3227583"/>
+                <a:ext cx="681480" cy="534960"/>
+              </a:xfrm>
+              <a:prstGeom prst="rect">
+                <a:avLst/>
+              </a:prstGeom>
+            </p:spPr>
+          </p:pic>
+        </mc:Fallback>
+      </mc:AlternateContent>
+      <mc:AlternateContent xmlns:mc="http://schemas.openxmlformats.org/markup-compatibility/2006">
+        <mc:Choice xmlns:p14="http://schemas.microsoft.com/office/powerpoint/2010/main" Requires="p14">
+          <p:contentPart p14:bwMode="auto" r:id="rId5">
+            <p14:nvContentPartPr>
+              <p14:cNvPr id="9" name="Ink 8">
+                <a:extLst>
+                  <a:ext uri="{FF2B5EF4-FFF2-40B4-BE49-F238E27FC236}">
+                    <a16:creationId xmlns:a16="http://schemas.microsoft.com/office/drawing/2014/main" id="{FDE9FE0F-871B-3BE0-16AB-3AD72C24D79E}"/>
+                  </a:ext>
+                </a:extLst>
+              </p14:cNvPr>
+              <p14:cNvContentPartPr/>
+              <p14:nvPr/>
+            </p14:nvContentPartPr>
+            <p14:xfrm>
+              <a:off x="-798806" y="1944183"/>
+              <a:ext cx="360" cy="360"/>
+            </p14:xfrm>
+          </p:contentPart>
+        </mc:Choice>
+        <mc:Fallback>
+          <p:pic>
+            <p:nvPicPr>
+              <p:cNvPr id="9" name="Ink 8">
+                <a:extLst>
+                  <a:ext uri="{FF2B5EF4-FFF2-40B4-BE49-F238E27FC236}">
+                    <a16:creationId xmlns:a16="http://schemas.microsoft.com/office/drawing/2014/main" id="{FDE9FE0F-871B-3BE0-16AB-3AD72C24D79E}"/>
+                  </a:ext>
+                </a:extLst>
+              </p:cNvPr>
+              <p:cNvPicPr/>
+              <p:nvPr/>
+            </p:nvPicPr>
+            <p:blipFill>
+              <a:blip r:embed="rId6"/>
+              <a:stretch>
+                <a:fillRect/>
+              </a:stretch>
+            </p:blipFill>
+            <p:spPr>
+              <a:xfrm>
+                <a:off x="-852446" y="1836543"/>
+                <a:ext cx="108000" cy="216000"/>
+              </a:xfrm>
+              <a:prstGeom prst="rect">
+                <a:avLst/>
+              </a:prstGeom>
+            </p:spPr>
+          </p:pic>
+        </mc:Fallback>
+      </mc:AlternateContent>
+      <mc:AlternateContent xmlns:mc="http://schemas.openxmlformats.org/markup-compatibility/2006">
+        <mc:Choice xmlns:p14="http://schemas.microsoft.com/office/powerpoint/2010/main" Requires="p14">
+          <p:contentPart p14:bwMode="auto" r:id="rId7">
+            <p14:nvContentPartPr>
+              <p14:cNvPr id="10" name="Ink 9">
+                <a:extLst>
+                  <a:ext uri="{FF2B5EF4-FFF2-40B4-BE49-F238E27FC236}">
+                    <a16:creationId xmlns:a16="http://schemas.microsoft.com/office/drawing/2014/main" id="{ED49B343-1314-2D96-6447-A73A11D445FE}"/>
+                  </a:ext>
+                </a:extLst>
+              </p14:cNvPr>
+              <p14:cNvContentPartPr/>
+              <p14:nvPr/>
+            </p14:nvContentPartPr>
+            <p14:xfrm>
+              <a:off x="-1292006" y="1029783"/>
+              <a:ext cx="360" cy="360"/>
+            </p14:xfrm>
+          </p:contentPart>
+        </mc:Choice>
+        <mc:Fallback>
+          <p:pic>
+            <p:nvPicPr>
+              <p:cNvPr id="10" name="Ink 9">
+                <a:extLst>
+                  <a:ext uri="{FF2B5EF4-FFF2-40B4-BE49-F238E27FC236}">
+                    <a16:creationId xmlns:a16="http://schemas.microsoft.com/office/drawing/2014/main" id="{ED49B343-1314-2D96-6447-A73A11D445FE}"/>
+                  </a:ext>
+                </a:extLst>
+              </p:cNvPr>
+              <p:cNvPicPr/>
+              <p:nvPr/>
+            </p:nvPicPr>
+            <p:blipFill>
+              <a:blip r:embed="rId6"/>
+              <a:stretch>
+                <a:fillRect/>
+              </a:stretch>
+            </p:blipFill>
+            <p:spPr>
+              <a:xfrm>
+                <a:off x="-1345646" y="922143"/>
+                <a:ext cx="108000" cy="216000"/>
+              </a:xfrm>
+              <a:prstGeom prst="rect">
+                <a:avLst/>
+              </a:prstGeom>
+            </p:spPr>
+          </p:pic>
+        </mc:Fallback>
+      </mc:AlternateContent>
+      <p:sp>
+        <p:nvSpPr>
+          <p:cNvPr id="11" name="TextBox 10">
+            <a:extLst>
+              <a:ext uri="{FF2B5EF4-FFF2-40B4-BE49-F238E27FC236}">
+                <a16:creationId xmlns:a16="http://schemas.microsoft.com/office/drawing/2014/main" id="{5FA74CE8-2CCA-7F1D-97E4-10CE66FF699C}"/>
+              </a:ext>
+            </a:extLst>
+          </p:cNvPr>
+          <p:cNvSpPr txBox="1"/>
+          <p:nvPr/>
+        </p:nvSpPr>
+        <p:spPr>
+          <a:xfrm>
+            <a:off x="4386360" y="5101901"/>
+            <a:ext cx="2897268" cy="1477328"/>
+          </a:xfrm>
+          <a:prstGeom prst="rect">
+            <a:avLst/>
+          </a:prstGeom>
+          <a:noFill/>
+        </p:spPr>
+        <p:txBody>
+          <a:bodyPr wrap="none" rtlCol="0">
+            <a:spAutoFit/>
+          </a:bodyPr>
+          <a:lstStyle/>
+          <a:p>
+            <a:r>
+              <a:rPr lang="en-US" dirty="0"/>
+              <a:t>Example:</a:t>
+            </a:r>
+          </a:p>
+          <a:p>
+            <a:r>
+              <a:rPr lang="en-US" dirty="0"/>
+              <a:t>A: Ram has a driver’s license.</a:t>
+            </a:r>
+          </a:p>
+          <a:p>
+            <a:r>
+              <a:rPr lang="en-US" dirty="0"/>
+              <a:t>B: Ram has good vision.</a:t>
+            </a:r>
+          </a:p>
+          <a:p>
+            <a:endParaRPr lang="en-US" dirty="0"/>
+          </a:p>
+          <a:p>
+            <a:r>
+              <a:rPr lang="en-US" dirty="0"/>
+              <a:t>True when ONE is true.</a:t>
+            </a:r>
+          </a:p>
+        </p:txBody>
+      </p:sp>
+      <p:sp>
+        <p:nvSpPr>
+          <p:cNvPr id="12" name="TextBox 11">
+            <a:extLst>
+              <a:ext uri="{FF2B5EF4-FFF2-40B4-BE49-F238E27FC236}">
+                <a16:creationId xmlns:a16="http://schemas.microsoft.com/office/drawing/2014/main" id="{AE9C1C8C-4D12-3C40-0963-11C62AA55C1D}"/>
+              </a:ext>
+            </a:extLst>
+          </p:cNvPr>
+          <p:cNvSpPr txBox="1"/>
+          <p:nvPr/>
+        </p:nvSpPr>
+        <p:spPr>
+          <a:xfrm>
+            <a:off x="4792760" y="1444301"/>
+            <a:ext cx="825867" cy="369332"/>
+          </a:xfrm>
+          <a:prstGeom prst="rect">
+            <a:avLst/>
+          </a:prstGeom>
+          <a:noFill/>
+        </p:spPr>
+        <p:txBody>
+          <a:bodyPr wrap="none" rtlCol="0">
+            <a:spAutoFit/>
+          </a:bodyPr>
+          <a:lstStyle/>
+          <a:p>
+            <a:r>
+              <a:rPr lang="en-US" dirty="0"/>
+              <a:t>A OR B</a:t>
+            </a:r>
+          </a:p>
+        </p:txBody>
+      </p:sp>
+      <p:sp>
+        <p:nvSpPr>
+          <p:cNvPr id="13" name="TextBox 12">
+            <a:extLst>
+              <a:ext uri="{FF2B5EF4-FFF2-40B4-BE49-F238E27FC236}">
+                <a16:creationId xmlns:a16="http://schemas.microsoft.com/office/drawing/2014/main" id="{940A423C-725A-59A6-F528-1E8E6C5C21A4}"/>
+              </a:ext>
+            </a:extLst>
+          </p:cNvPr>
+          <p:cNvSpPr txBox="1"/>
+          <p:nvPr/>
+        </p:nvSpPr>
+        <p:spPr>
+          <a:xfrm>
+            <a:off x="4792759" y="1813633"/>
+            <a:ext cx="2687274" cy="646331"/>
+          </a:xfrm>
+          <a:prstGeom prst="rect">
+            <a:avLst/>
+          </a:prstGeom>
+          <a:noFill/>
+        </p:spPr>
+        <p:txBody>
+          <a:bodyPr wrap="none" rtlCol="0">
+            <a:spAutoFit/>
+          </a:bodyPr>
+          <a:lstStyle/>
+          <a:p>
+            <a:r>
+              <a:rPr lang="en-US" dirty="0"/>
+              <a:t>“Ram has a driver’s license</a:t>
+            </a:r>
+          </a:p>
+          <a:p>
+            <a:r>
+              <a:rPr lang="en-US" dirty="0"/>
+              <a:t>OR good vision</a:t>
+            </a:r>
+          </a:p>
+        </p:txBody>
+      </p:sp>
+      <p:graphicFrame>
+        <p:nvGraphicFramePr>
+          <p:cNvPr id="14" name="Table 13">
+            <a:extLst>
+              <a:ext uri="{FF2B5EF4-FFF2-40B4-BE49-F238E27FC236}">
+                <a16:creationId xmlns:a16="http://schemas.microsoft.com/office/drawing/2014/main" id="{4B290D84-057A-57F7-73C9-5D208AD2F9C8}"/>
+              </a:ext>
+            </a:extLst>
+          </p:cNvPr>
+          <p:cNvGraphicFramePr>
+            <a:graphicFrameLocks noGrp="1"/>
+          </p:cNvGraphicFramePr>
+          <p:nvPr>
+            <p:extLst>
+              <p:ext uri="{D42A27DB-BD31-4B8C-83A1-F6EECF244321}">
+                <p14:modId xmlns:p14="http://schemas.microsoft.com/office/powerpoint/2010/main" val="1700577631"/>
+              </p:ext>
+            </p:extLst>
+          </p:nvPr>
+        </p:nvGraphicFramePr>
+        <p:xfrm>
+          <a:off x="4618590" y="2642045"/>
+          <a:ext cx="3135087" cy="2271726"/>
+        </p:xfrm>
+        <a:graphic>
+          <a:graphicData uri="http://schemas.openxmlformats.org/drawingml/2006/table">
+            <a:tbl>
+              <a:tblPr firstRow="1" bandRow="1">
+                <a:tableStyleId>{5C22544A-7EE6-4342-B048-85BDC9FD1C3A}</a:tableStyleId>
+              </a:tblPr>
+              <a:tblGrid>
+                <a:gridCol w="1045029">
+                  <a:extLst>
+                    <a:ext uri="{9D8B030D-6E8A-4147-A177-3AD203B41FA5}">
+                      <a16:colId xmlns:a16="http://schemas.microsoft.com/office/drawing/2014/main" val="2673123383"/>
+                    </a:ext>
+                  </a:extLst>
+                </a:gridCol>
+                <a:gridCol w="1045029">
+                  <a:extLst>
+                    <a:ext uri="{9D8B030D-6E8A-4147-A177-3AD203B41FA5}">
+                      <a16:colId xmlns:a16="http://schemas.microsoft.com/office/drawing/2014/main" val="3119430063"/>
+                    </a:ext>
+                  </a:extLst>
+                </a:gridCol>
+                <a:gridCol w="1045029">
+                  <a:extLst>
+                    <a:ext uri="{9D8B030D-6E8A-4147-A177-3AD203B41FA5}">
+                      <a16:colId xmlns:a16="http://schemas.microsoft.com/office/drawing/2014/main" val="2610850077"/>
+                    </a:ext>
+                  </a:extLst>
+                </a:gridCol>
+              </a:tblGrid>
+              <a:tr h="757242">
+                <a:tc>
+                  <a:txBody>
+                    <a:bodyPr/>
+                    <a:lstStyle/>
+                    <a:p>
+                      <a:pPr algn="ctr"/>
+                      <a:r>
+                        <a:rPr lang="en-US" dirty="0"/>
+                        <a:t>OR</a:t>
+                      </a:r>
+                    </a:p>
+                  </a:txBody>
+                  <a:tcPr anchor="ctr"/>
+                </a:tc>
+                <a:tc>
+                  <a:txBody>
+                    <a:bodyPr/>
+                    <a:lstStyle/>
+                    <a:p>
+                      <a:pPr algn="ctr"/>
+                      <a:r>
+                        <a:rPr lang="en-US" dirty="0"/>
+                        <a:t>TRUE</a:t>
+                      </a:r>
+                    </a:p>
+                  </a:txBody>
+                  <a:tcPr anchor="ctr"/>
+                </a:tc>
+                <a:tc>
+                  <a:txBody>
+                    <a:bodyPr/>
+                    <a:lstStyle/>
+                    <a:p>
+                      <a:pPr algn="ctr"/>
+                      <a:r>
+                        <a:rPr lang="en-US" dirty="0"/>
+                        <a:t>FALSE</a:t>
+                      </a:r>
+                    </a:p>
+                  </a:txBody>
+                  <a:tcPr anchor="ctr"/>
+                </a:tc>
+                <a:extLst>
+                  <a:ext uri="{0D108BD9-81ED-4DB2-BD59-A6C34878D82A}">
+                    <a16:rowId xmlns:a16="http://schemas.microsoft.com/office/drawing/2014/main" val="1744410627"/>
+                  </a:ext>
+                </a:extLst>
+              </a:tr>
+              <a:tr h="757242">
+                <a:tc>
+                  <a:txBody>
+                    <a:bodyPr/>
+                    <a:lstStyle/>
+                    <a:p>
+                      <a:pPr algn="ctr"/>
+                      <a:r>
+                        <a:rPr lang="en-US" dirty="0"/>
+                        <a:t>TRUE</a:t>
+                      </a:r>
+                    </a:p>
+                  </a:txBody>
+                  <a:tcPr anchor="ctr"/>
+                </a:tc>
+                <a:tc>
+                  <a:txBody>
+                    <a:bodyPr/>
+                    <a:lstStyle/>
+                    <a:p>
+                      <a:pPr algn="ctr"/>
+                      <a:r>
+                        <a:rPr lang="en-US" dirty="0"/>
+                        <a:t>True</a:t>
+                      </a:r>
+                    </a:p>
+                  </a:txBody>
+                  <a:tcPr anchor="ctr"/>
+                </a:tc>
+                <a:tc>
+                  <a:txBody>
+                    <a:bodyPr/>
+                    <a:lstStyle/>
+                    <a:p>
+                      <a:pPr algn="ctr"/>
+                      <a:r>
+                        <a:rPr lang="en-US" dirty="0"/>
+                        <a:t>True</a:t>
+                      </a:r>
+                    </a:p>
+                  </a:txBody>
+                  <a:tcPr anchor="ctr"/>
+                </a:tc>
+                <a:extLst>
+                  <a:ext uri="{0D108BD9-81ED-4DB2-BD59-A6C34878D82A}">
+                    <a16:rowId xmlns:a16="http://schemas.microsoft.com/office/drawing/2014/main" val="3632210902"/>
+                  </a:ext>
+                </a:extLst>
+              </a:tr>
+              <a:tr h="757242">
+                <a:tc>
+                  <a:txBody>
+                    <a:bodyPr/>
+                    <a:lstStyle/>
+                    <a:p>
+                      <a:pPr algn="ctr"/>
+                      <a:r>
+                        <a:rPr lang="en-US" dirty="0"/>
+                        <a:t>FALSE</a:t>
+                      </a:r>
+                    </a:p>
+                  </a:txBody>
+                  <a:tcPr anchor="ctr"/>
+                </a:tc>
+                <a:tc>
+                  <a:txBody>
+                    <a:bodyPr/>
+                    <a:lstStyle/>
+                    <a:p>
+                      <a:pPr algn="ctr"/>
+                      <a:r>
+                        <a:rPr lang="en-US" dirty="0"/>
+                        <a:t>True</a:t>
+                      </a:r>
+                    </a:p>
+                  </a:txBody>
+                  <a:tcPr anchor="ctr"/>
+                </a:tc>
+                <a:tc>
+                  <a:txBody>
+                    <a:bodyPr/>
+                    <a:lstStyle/>
+                    <a:p>
+                      <a:pPr algn="ctr"/>
+                      <a:r>
+                        <a:rPr lang="en-US" dirty="0"/>
+                        <a:t>False</a:t>
+                      </a:r>
+                    </a:p>
+                  </a:txBody>
+                  <a:tcPr anchor="ctr"/>
+                </a:tc>
+                <a:extLst>
+                  <a:ext uri="{0D108BD9-81ED-4DB2-BD59-A6C34878D82A}">
+                    <a16:rowId xmlns:a16="http://schemas.microsoft.com/office/drawing/2014/main" val="3362823379"/>
+                  </a:ext>
+                </a:extLst>
+              </a:tr>
+            </a:tbl>
+          </a:graphicData>
+        </a:graphic>
+      </p:graphicFrame>
+      <mc:AlternateContent xmlns:mc="http://schemas.openxmlformats.org/markup-compatibility/2006">
+        <mc:Choice xmlns:p14="http://schemas.microsoft.com/office/powerpoint/2010/main" Requires="p14">
+          <p:contentPart p14:bwMode="auto" r:id="rId8">
+            <p14:nvContentPartPr>
+              <p14:cNvPr id="15" name="Ink 14">
+                <a:extLst>
+                  <a:ext uri="{FF2B5EF4-FFF2-40B4-BE49-F238E27FC236}">
+                    <a16:creationId xmlns:a16="http://schemas.microsoft.com/office/drawing/2014/main" id="{8FFBF602-A332-AEEB-0118-9ECD09AC7B25}"/>
+                  </a:ext>
+                </a:extLst>
+              </p14:cNvPr>
+              <p14:cNvContentPartPr/>
+              <p14:nvPr/>
+            </p14:nvContentPartPr>
+            <p14:xfrm>
+              <a:off x="5271320" y="3180038"/>
+              <a:ext cx="645840" cy="499320"/>
+            </p14:xfrm>
+          </p:contentPart>
+        </mc:Choice>
+        <mc:Fallback>
+          <p:pic>
+            <p:nvPicPr>
+              <p:cNvPr id="15" name="Ink 14">
+                <a:extLst>
+                  <a:ext uri="{FF2B5EF4-FFF2-40B4-BE49-F238E27FC236}">
+                    <a16:creationId xmlns:a16="http://schemas.microsoft.com/office/drawing/2014/main" id="{8FFBF602-A332-AEEB-0118-9ECD09AC7B25}"/>
+                  </a:ext>
+                </a:extLst>
+              </p:cNvPr>
+              <p:cNvPicPr/>
+              <p:nvPr/>
+            </p:nvPicPr>
+            <p:blipFill>
+              <a:blip r:embed="rId4"/>
+              <a:stretch>
+                <a:fillRect/>
+              </a:stretch>
+            </p:blipFill>
+            <p:spPr>
+              <a:xfrm>
+                <a:off x="5253320" y="3162398"/>
+                <a:ext cx="681480" cy="534960"/>
+              </a:xfrm>
+              <a:prstGeom prst="rect">
+                <a:avLst/>
+              </a:prstGeom>
+            </p:spPr>
+          </p:pic>
+        </mc:Fallback>
+      </mc:AlternateContent>
+      <p:sp>
+        <p:nvSpPr>
+          <p:cNvPr id="16" name="TextBox 15">
+            <a:extLst>
+              <a:ext uri="{FF2B5EF4-FFF2-40B4-BE49-F238E27FC236}">
+                <a16:creationId xmlns:a16="http://schemas.microsoft.com/office/drawing/2014/main" id="{F37D0E26-E67A-5B49-C784-354E7F7EDDBE}"/>
+              </a:ext>
+            </a:extLst>
+          </p:cNvPr>
+          <p:cNvSpPr txBox="1"/>
+          <p:nvPr/>
+        </p:nvSpPr>
+        <p:spPr>
+          <a:xfrm>
+            <a:off x="8453405" y="1506022"/>
+            <a:ext cx="1475532" cy="369332"/>
+          </a:xfrm>
+          <a:prstGeom prst="rect">
+            <a:avLst/>
+          </a:prstGeom>
+          <a:noFill/>
+        </p:spPr>
+        <p:txBody>
+          <a:bodyPr wrap="none" rtlCol="0">
+            <a:spAutoFit/>
+          </a:bodyPr>
+          <a:lstStyle/>
+          <a:p>
+            <a:r>
+              <a:rPr lang="en-US" dirty="0"/>
+              <a:t>NOT A, NOT B</a:t>
+            </a:r>
+          </a:p>
+        </p:txBody>
+      </p:sp>
+      <p:sp>
+        <p:nvSpPr>
+          <p:cNvPr id="17" name="TextBox 16">
+            <a:extLst>
+              <a:ext uri="{FF2B5EF4-FFF2-40B4-BE49-F238E27FC236}">
+                <a16:creationId xmlns:a16="http://schemas.microsoft.com/office/drawing/2014/main" id="{B508E060-AAB6-95A2-A652-2E29EBD9FFBF}"/>
+              </a:ext>
+            </a:extLst>
+          </p:cNvPr>
+          <p:cNvSpPr txBox="1"/>
+          <p:nvPr/>
+        </p:nvSpPr>
+        <p:spPr>
+          <a:xfrm>
+            <a:off x="8585300" y="1944183"/>
+            <a:ext cx="2368597" cy="369332"/>
+          </a:xfrm>
+          <a:prstGeom prst="rect">
+            <a:avLst/>
+          </a:prstGeom>
+          <a:noFill/>
+        </p:spPr>
+        <p:txBody>
+          <a:bodyPr wrap="none" rtlCol="0">
+            <a:spAutoFit/>
+          </a:bodyPr>
+          <a:lstStyle/>
+          <a:p>
+            <a:r>
+              <a:rPr lang="en-US" dirty="0"/>
+              <a:t>Inverts true/false Value</a:t>
+            </a:r>
+          </a:p>
+        </p:txBody>
+      </p:sp>
+    </p:spTree>
+    <p:extLst>
+      <p:ext uri="{BB962C8B-B14F-4D97-AF65-F5344CB8AC3E}">
+        <p14:creationId xmlns:p14="http://schemas.microsoft.com/office/powerpoint/2010/main" val="3125962936"/>
+      </p:ext>
+    </p:extLst>
+  </p:cSld>
+  <p:clrMapOvr>
+    <a:masterClrMapping/>
+  </p:clrMapOvr>
+</p:sld>
+</file>
+
 <file path=ppt/slides/slide2.xml><?xml version="1.0" encoding="utf-8"?>
 <p:sld xmlns:a="http://schemas.openxmlformats.org/drawingml/2006/main" xmlns:r="http://schemas.openxmlformats.org/officeDocument/2006/relationships" xmlns:p="http://schemas.openxmlformats.org/presentationml/2006/main">
   <p:cSld>
@@ -4445,6 +6103,301 @@
     <p:extLst>
       <p:ext uri="{BB962C8B-B14F-4D97-AF65-F5344CB8AC3E}">
         <p14:creationId xmlns:p14="http://schemas.microsoft.com/office/powerpoint/2010/main" val="1780757029"/>
+      </p:ext>
+    </p:extLst>
+  </p:cSld>
+  <p:clrMapOvr>
+    <a:masterClrMapping/>
+  </p:clrMapOvr>
+</p:sld>
+</file>
+
+<file path=ppt/slides/slide20.xml><?xml version="1.0" encoding="utf-8"?>
+<p:sld xmlns:a="http://schemas.openxmlformats.org/drawingml/2006/main" xmlns:r="http://schemas.openxmlformats.org/officeDocument/2006/relationships" xmlns:p="http://schemas.openxmlformats.org/presentationml/2006/main">
+  <p:cSld>
+    <p:spTree>
+      <p:nvGrpSpPr>
+        <p:cNvPr id="1" name=""/>
+        <p:cNvGrpSpPr/>
+        <p:nvPr/>
+      </p:nvGrpSpPr>
+      <p:grpSpPr>
+        <a:xfrm>
+          <a:off x="0" y="0"/>
+          <a:ext cx="0" cy="0"/>
+          <a:chOff x="0" y="0"/>
+          <a:chExt cx="0" cy="0"/>
+        </a:xfrm>
+      </p:grpSpPr>
+      <p:sp>
+        <p:nvSpPr>
+          <p:cNvPr id="4" name="TextBox 3">
+            <a:extLst>
+              <a:ext uri="{FF2B5EF4-FFF2-40B4-BE49-F238E27FC236}">
+                <a16:creationId xmlns:a16="http://schemas.microsoft.com/office/drawing/2014/main" id="{BCC7DA70-C38E-361A-6E65-EFA44C9D228A}"/>
+              </a:ext>
+            </a:extLst>
+          </p:cNvPr>
+          <p:cNvSpPr txBox="1"/>
+          <p:nvPr/>
+        </p:nvSpPr>
+        <p:spPr>
+          <a:xfrm>
+            <a:off x="5486400" y="537029"/>
+            <a:ext cx="889667" cy="369332"/>
+          </a:xfrm>
+          <a:prstGeom prst="rect">
+            <a:avLst/>
+          </a:prstGeom>
+          <a:noFill/>
+        </p:spPr>
+        <p:txBody>
+          <a:bodyPr wrap="none" rtlCol="0">
+            <a:spAutoFit/>
+          </a:bodyPr>
+          <a:lstStyle/>
+          <a:p>
+            <a:r>
+              <a:rPr lang="en-US" dirty="0"/>
+              <a:t>Age=16</a:t>
+            </a:r>
+          </a:p>
+        </p:txBody>
+      </p:sp>
+      <p:sp>
+        <p:nvSpPr>
+          <p:cNvPr id="5" name="TextBox 4">
+            <a:extLst>
+              <a:ext uri="{FF2B5EF4-FFF2-40B4-BE49-F238E27FC236}">
+                <a16:creationId xmlns:a16="http://schemas.microsoft.com/office/drawing/2014/main" id="{0045FE2A-22CA-4B89-3722-8433841A6423}"/>
+              </a:ext>
+            </a:extLst>
+          </p:cNvPr>
+          <p:cNvSpPr txBox="1"/>
+          <p:nvPr/>
+        </p:nvSpPr>
+        <p:spPr>
+          <a:xfrm>
+            <a:off x="537029" y="696686"/>
+            <a:ext cx="4312719" cy="923330"/>
+          </a:xfrm>
+          <a:prstGeom prst="rect">
+            <a:avLst/>
+          </a:prstGeom>
+          <a:noFill/>
+        </p:spPr>
+        <p:txBody>
+          <a:bodyPr wrap="none" rtlCol="0">
+            <a:spAutoFit/>
+          </a:bodyPr>
+          <a:lstStyle/>
+          <a:p>
+            <a:r>
+              <a:rPr lang="en-US" dirty="0"/>
+              <a:t>Boolean Variables</a:t>
+            </a:r>
+          </a:p>
+          <a:p>
+            <a:r>
+              <a:rPr lang="en-US" dirty="0"/>
+              <a:t>A: Age is greater or equal 20		false</a:t>
+            </a:r>
+          </a:p>
+          <a:p>
+            <a:r>
+              <a:rPr lang="en-US" dirty="0"/>
+              <a:t>B: Age is less than 30.		true</a:t>
+            </a:r>
+          </a:p>
+        </p:txBody>
+      </p:sp>
+      <p:sp>
+        <p:nvSpPr>
+          <p:cNvPr id="6" name="TextBox 5">
+            <a:extLst>
+              <a:ext uri="{FF2B5EF4-FFF2-40B4-BE49-F238E27FC236}">
+                <a16:creationId xmlns:a16="http://schemas.microsoft.com/office/drawing/2014/main" id="{8825BDBF-D3E1-59EA-175C-65619BE57A42}"/>
+              </a:ext>
+            </a:extLst>
+          </p:cNvPr>
+          <p:cNvSpPr txBox="1"/>
+          <p:nvPr/>
+        </p:nvSpPr>
+        <p:spPr>
+          <a:xfrm>
+            <a:off x="798286" y="2220686"/>
+            <a:ext cx="3556000" cy="3139321"/>
+          </a:xfrm>
+          <a:prstGeom prst="rect">
+            <a:avLst/>
+          </a:prstGeom>
+          <a:noFill/>
+        </p:spPr>
+        <p:txBody>
+          <a:bodyPr wrap="square" rtlCol="0">
+            <a:spAutoFit/>
+          </a:bodyPr>
+          <a:lstStyle/>
+          <a:p>
+            <a:r>
+              <a:rPr lang="en-US" dirty="0"/>
+              <a:t>Let’s use operators!</a:t>
+            </a:r>
+          </a:p>
+          <a:p>
+            <a:endParaRPr lang="en-US" dirty="0"/>
+          </a:p>
+          <a:p>
+            <a:r>
+              <a:rPr lang="en-US" b="1" dirty="0"/>
+              <a:t>!</a:t>
+            </a:r>
+            <a:r>
+              <a:rPr lang="en-US" dirty="0"/>
+              <a:t>A (false)			true</a:t>
+            </a:r>
+          </a:p>
+          <a:p>
+            <a:endParaRPr lang="en-US" dirty="0"/>
+          </a:p>
+          <a:p>
+            <a:r>
+              <a:rPr lang="en-US" dirty="0"/>
+              <a:t>A (false) </a:t>
+            </a:r>
+            <a:r>
+              <a:rPr lang="en-US" b="1" dirty="0"/>
+              <a:t>AND</a:t>
+            </a:r>
+            <a:r>
+              <a:rPr lang="en-US" dirty="0"/>
+              <a:t> B (true)	false</a:t>
+            </a:r>
+          </a:p>
+          <a:p>
+            <a:endParaRPr lang="en-US" dirty="0"/>
+          </a:p>
+          <a:p>
+            <a:r>
+              <a:rPr lang="en-US" dirty="0"/>
+              <a:t>A (false) </a:t>
+            </a:r>
+            <a:r>
+              <a:rPr lang="en-US" b="1" dirty="0"/>
+              <a:t>OR</a:t>
+            </a:r>
+            <a:r>
+              <a:rPr lang="en-US" dirty="0"/>
+              <a:t> B (true)	true</a:t>
+            </a:r>
+          </a:p>
+          <a:p>
+            <a:endParaRPr lang="en-US" dirty="0"/>
+          </a:p>
+          <a:p>
+            <a:r>
+              <a:rPr lang="en-US" dirty="0"/>
+              <a:t>!A (true) AND B(true)	true</a:t>
+            </a:r>
+          </a:p>
+          <a:p>
+            <a:endParaRPr lang="en-US" dirty="0"/>
+          </a:p>
+          <a:p>
+            <a:r>
+              <a:rPr lang="en-US" dirty="0"/>
+              <a:t>A (false) OR !B (false)	false</a:t>
+            </a:r>
+          </a:p>
+        </p:txBody>
+      </p:sp>
+    </p:spTree>
+    <p:extLst>
+      <p:ext uri="{BB962C8B-B14F-4D97-AF65-F5344CB8AC3E}">
+        <p14:creationId xmlns:p14="http://schemas.microsoft.com/office/powerpoint/2010/main" val="2324744198"/>
+      </p:ext>
+    </p:extLst>
+  </p:cSld>
+  <p:clrMapOvr>
+    <a:masterClrMapping/>
+  </p:clrMapOvr>
+</p:sld>
+</file>
+
+<file path=ppt/slides/slide21.xml><?xml version="1.0" encoding="utf-8"?>
+<p:sld xmlns:a="http://schemas.openxmlformats.org/drawingml/2006/main" xmlns:r="http://schemas.openxmlformats.org/officeDocument/2006/relationships" xmlns:p="http://schemas.openxmlformats.org/presentationml/2006/main">
+  <p:cSld>
+    <p:spTree>
+      <p:nvGrpSpPr>
+        <p:cNvPr id="1" name=""/>
+        <p:cNvGrpSpPr/>
+        <p:nvPr/>
+      </p:nvGrpSpPr>
+      <p:grpSpPr>
+        <a:xfrm>
+          <a:off x="0" y="0"/>
+          <a:ext cx="0" cy="0"/>
+          <a:chOff x="0" y="0"/>
+          <a:chExt cx="0" cy="0"/>
+        </a:xfrm>
+      </p:grpSpPr>
+      <p:sp>
+        <p:nvSpPr>
+          <p:cNvPr id="2" name="Title 1">
+            <a:extLst>
+              <a:ext uri="{FF2B5EF4-FFF2-40B4-BE49-F238E27FC236}">
+                <a16:creationId xmlns:a16="http://schemas.microsoft.com/office/drawing/2014/main" id="{FC16CD13-95E2-349D-F1FF-41CC3870B90D}"/>
+              </a:ext>
+            </a:extLst>
+          </p:cNvPr>
+          <p:cNvSpPr>
+            <a:spLocks noGrp="1"/>
+          </p:cNvSpPr>
+          <p:nvPr>
+            <p:ph type="title"/>
+          </p:nvPr>
+        </p:nvSpPr>
+        <p:spPr/>
+        <p:txBody>
+          <a:bodyPr/>
+          <a:lstStyle/>
+          <a:p>
+            <a:r>
+              <a:rPr lang="en-US" dirty="0"/>
+              <a:t>Switch</a:t>
+            </a:r>
+          </a:p>
+        </p:txBody>
+      </p:sp>
+      <p:sp>
+        <p:nvSpPr>
+          <p:cNvPr id="3" name="Content Placeholder 2">
+            <a:extLst>
+              <a:ext uri="{FF2B5EF4-FFF2-40B4-BE49-F238E27FC236}">
+                <a16:creationId xmlns:a16="http://schemas.microsoft.com/office/drawing/2014/main" id="{1053CBBD-600F-3F32-03C9-3420C955DFC4}"/>
+              </a:ext>
+            </a:extLst>
+          </p:cNvPr>
+          <p:cNvSpPr>
+            <a:spLocks noGrp="1"/>
+          </p:cNvSpPr>
+          <p:nvPr>
+            <p:ph idx="1"/>
+          </p:nvPr>
+        </p:nvSpPr>
+        <p:spPr/>
+        <p:txBody>
+          <a:bodyPr/>
+          <a:lstStyle/>
+          <a:p>
+            <a:endParaRPr lang="en-US"/>
+          </a:p>
+        </p:txBody>
+      </p:sp>
+    </p:spTree>
+    <p:extLst>
+      <p:ext uri="{BB962C8B-B14F-4D97-AF65-F5344CB8AC3E}">
+        <p14:creationId xmlns:p14="http://schemas.microsoft.com/office/powerpoint/2010/main" val="720423307"/>
       </p:ext>
     </p:extLst>
   </p:cSld>
@@ -8139,4 +10092,299 @@
     </a:ext>
   </a:extLst>
 </a:theme>
+</file>
+
+<file path=ppt/theme/theme2.xml><?xml version="1.0" encoding="utf-8"?>
+<a:theme xmlns:a="http://schemas.openxmlformats.org/drawingml/2006/main" name="Office Theme">
+  <a:themeElements>
+    <a:clrScheme name="Office">
+      <a:dk1>
+        <a:sysClr val="windowText" lastClr="000000"/>
+      </a:dk1>
+      <a:lt1>
+        <a:sysClr val="window" lastClr="FFFFFF"/>
+      </a:lt1>
+      <a:dk2>
+        <a:srgbClr val="44546A"/>
+      </a:dk2>
+      <a:lt2>
+        <a:srgbClr val="E7E6E6"/>
+      </a:lt2>
+      <a:accent1>
+        <a:srgbClr val="4472C4"/>
+      </a:accent1>
+      <a:accent2>
+        <a:srgbClr val="ED7D31"/>
+      </a:accent2>
+      <a:accent3>
+        <a:srgbClr val="A5A5A5"/>
+      </a:accent3>
+      <a:accent4>
+        <a:srgbClr val="FFC000"/>
+      </a:accent4>
+      <a:accent5>
+        <a:srgbClr val="5B9BD5"/>
+      </a:accent5>
+      <a:accent6>
+        <a:srgbClr val="70AD47"/>
+      </a:accent6>
+      <a:hlink>
+        <a:srgbClr val="0563C1"/>
+      </a:hlink>
+      <a:folHlink>
+        <a:srgbClr val="954F72"/>
+      </a:folHlink>
+    </a:clrScheme>
+    <a:fontScheme name="Office">
+      <a:majorFont>
+        <a:latin typeface="Calibri Light" panose="020F0302020204030204"/>
+        <a:ea typeface=""/>
+        <a:cs typeface=""/>
+        <a:font script="Jpan" typeface="游ゴシック Light"/>
+        <a:font script="Hang" typeface="맑은 고딕"/>
+        <a:font script="Hans" typeface="等线 Light"/>
+        <a:font script="Hant" typeface="新細明體"/>
+        <a:font script="Arab" typeface="Times New Roman"/>
+        <a:font script="Hebr" typeface="Times New Roman"/>
+        <a:font script="Thai" typeface="Angsana New"/>
+        <a:font script="Ethi" typeface="Nyala"/>
+        <a:font script="Beng" typeface="Vrinda"/>
+        <a:font script="Gujr" typeface="Shruti"/>
+        <a:font script="Khmr" typeface="MoolBoran"/>
+        <a:font script="Knda" typeface="Tunga"/>
+        <a:font script="Guru" typeface="Raavi"/>
+        <a:font script="Cans" typeface="Euphemia"/>
+        <a:font script="Cher" typeface="Plantagenet Cherokee"/>
+        <a:font script="Yiii" typeface="Microsoft Yi Baiti"/>
+        <a:font script="Tibt" typeface="Microsoft Himalaya"/>
+        <a:font script="Thaa" typeface="MV Boli"/>
+        <a:font script="Deva" typeface="Mangal"/>
+        <a:font script="Telu" typeface="Gautami"/>
+        <a:font script="Taml" typeface="Latha"/>
+        <a:font script="Syrc" typeface="Estrangelo Edessa"/>
+        <a:font script="Orya" typeface="Kalinga"/>
+        <a:font script="Mlym" typeface="Kartika"/>
+        <a:font script="Laoo" typeface="DokChampa"/>
+        <a:font script="Sinh" typeface="Iskoola Pota"/>
+        <a:font script="Mong" typeface="Mongolian Baiti"/>
+        <a:font script="Viet" typeface="Times New Roman"/>
+        <a:font script="Uigh" typeface="Microsoft Uighur"/>
+        <a:font script="Geor" typeface="Sylfaen"/>
+        <a:font script="Armn" typeface="Arial"/>
+        <a:font script="Bugi" typeface="Leelawadee UI"/>
+        <a:font script="Bopo" typeface="Microsoft JhengHei"/>
+        <a:font script="Java" typeface="Javanese Text"/>
+        <a:font script="Lisu" typeface="Segoe UI"/>
+        <a:font script="Mymr" typeface="Myanmar Text"/>
+        <a:font script="Nkoo" typeface="Ebrima"/>
+        <a:font script="Olck" typeface="Nirmala UI"/>
+        <a:font script="Osma" typeface="Ebrima"/>
+        <a:font script="Phag" typeface="Phagspa"/>
+        <a:font script="Syrn" typeface="Estrangelo Edessa"/>
+        <a:font script="Syrj" typeface="Estrangelo Edessa"/>
+        <a:font script="Syre" typeface="Estrangelo Edessa"/>
+        <a:font script="Sora" typeface="Nirmala UI"/>
+        <a:font script="Tale" typeface="Microsoft Tai Le"/>
+        <a:font script="Talu" typeface="Microsoft New Tai Lue"/>
+        <a:font script="Tfng" typeface="Ebrima"/>
+      </a:majorFont>
+      <a:minorFont>
+        <a:latin typeface="Calibri" panose="020F0502020204030204"/>
+        <a:ea typeface=""/>
+        <a:cs typeface=""/>
+        <a:font script="Jpan" typeface="游ゴシック"/>
+        <a:font script="Hang" typeface="맑은 고딕"/>
+        <a:font script="Hans" typeface="等线"/>
+        <a:font script="Hant" typeface="新細明體"/>
+        <a:font script="Arab" typeface="Arial"/>
+        <a:font script="Hebr" typeface="Arial"/>
+        <a:font script="Thai" typeface="Cordia New"/>
+        <a:font script="Ethi" typeface="Nyala"/>
+        <a:font script="Beng" typeface="Vrinda"/>
+        <a:font script="Gujr" typeface="Shruti"/>
+        <a:font script="Khmr" typeface="DaunPenh"/>
+        <a:font script="Knda" typeface="Tunga"/>
+        <a:font script="Guru" typeface="Raavi"/>
+        <a:font script="Cans" typeface="Euphemia"/>
+        <a:font script="Cher" typeface="Plantagenet Cherokee"/>
+        <a:font script="Yiii" typeface="Microsoft Yi Baiti"/>
+        <a:font script="Tibt" typeface="Microsoft Himalaya"/>
+        <a:font script="Thaa" typeface="MV Boli"/>
+        <a:font script="Deva" typeface="Mangal"/>
+        <a:font script="Telu" typeface="Gautami"/>
+        <a:font script="Taml" typeface="Latha"/>
+        <a:font script="Syrc" typeface="Estrangelo Edessa"/>
+        <a:font script="Orya" typeface="Kalinga"/>
+        <a:font script="Mlym" typeface="Kartika"/>
+        <a:font script="Laoo" typeface="DokChampa"/>
+        <a:font script="Sinh" typeface="Iskoola Pota"/>
+        <a:font script="Mong" typeface="Mongolian Baiti"/>
+        <a:font script="Viet" typeface="Arial"/>
+        <a:font script="Uigh" typeface="Microsoft Uighur"/>
+        <a:font script="Geor" typeface="Sylfaen"/>
+        <a:font script="Armn" typeface="Arial"/>
+        <a:font script="Bugi" typeface="Leelawadee UI"/>
+        <a:font script="Bopo" typeface="Microsoft JhengHei"/>
+        <a:font script="Java" typeface="Javanese Text"/>
+        <a:font script="Lisu" typeface="Segoe UI"/>
+        <a:font script="Mymr" typeface="Myanmar Text"/>
+        <a:font script="Nkoo" typeface="Ebrima"/>
+        <a:font script="Olck" typeface="Nirmala UI"/>
+        <a:font script="Osma" typeface="Ebrima"/>
+        <a:font script="Phag" typeface="Phagspa"/>
+        <a:font script="Syrn" typeface="Estrangelo Edessa"/>
+        <a:font script="Syrj" typeface="Estrangelo Edessa"/>
+        <a:font script="Syre" typeface="Estrangelo Edessa"/>
+        <a:font script="Sora" typeface="Nirmala UI"/>
+        <a:font script="Tale" typeface="Microsoft Tai Le"/>
+        <a:font script="Talu" typeface="Microsoft New Tai Lue"/>
+        <a:font script="Tfng" typeface="Ebrima"/>
+      </a:minorFont>
+    </a:fontScheme>
+    <a:fmtScheme name="Office">
+      <a:fillStyleLst>
+        <a:solidFill>
+          <a:schemeClr val="phClr"/>
+        </a:solidFill>
+        <a:gradFill rotWithShape="1">
+          <a:gsLst>
+            <a:gs pos="0">
+              <a:schemeClr val="phClr">
+                <a:lumMod val="110000"/>
+                <a:satMod val="105000"/>
+                <a:tint val="67000"/>
+              </a:schemeClr>
+            </a:gs>
+            <a:gs pos="50000">
+              <a:schemeClr val="phClr">
+                <a:lumMod val="105000"/>
+                <a:satMod val="103000"/>
+                <a:tint val="73000"/>
+              </a:schemeClr>
+            </a:gs>
+            <a:gs pos="100000">
+              <a:schemeClr val="phClr">
+                <a:lumMod val="105000"/>
+                <a:satMod val="109000"/>
+                <a:tint val="81000"/>
+              </a:schemeClr>
+            </a:gs>
+          </a:gsLst>
+          <a:lin ang="5400000" scaled="0"/>
+        </a:gradFill>
+        <a:gradFill rotWithShape="1">
+          <a:gsLst>
+            <a:gs pos="0">
+              <a:schemeClr val="phClr">
+                <a:satMod val="103000"/>
+                <a:lumMod val="102000"/>
+                <a:tint val="94000"/>
+              </a:schemeClr>
+            </a:gs>
+            <a:gs pos="50000">
+              <a:schemeClr val="phClr">
+                <a:satMod val="110000"/>
+                <a:lumMod val="100000"/>
+                <a:shade val="100000"/>
+              </a:schemeClr>
+            </a:gs>
+            <a:gs pos="100000">
+              <a:schemeClr val="phClr">
+                <a:lumMod val="99000"/>
+                <a:satMod val="120000"/>
+                <a:shade val="78000"/>
+              </a:schemeClr>
+            </a:gs>
+          </a:gsLst>
+          <a:lin ang="5400000" scaled="0"/>
+        </a:gradFill>
+      </a:fillStyleLst>
+      <a:lnStyleLst>
+        <a:ln w="6350" cap="flat" cmpd="sng" algn="ctr">
+          <a:solidFill>
+            <a:schemeClr val="phClr"/>
+          </a:solidFill>
+          <a:prstDash val="solid"/>
+          <a:miter lim="800000"/>
+        </a:ln>
+        <a:ln w="12700" cap="flat" cmpd="sng" algn="ctr">
+          <a:solidFill>
+            <a:schemeClr val="phClr"/>
+          </a:solidFill>
+          <a:prstDash val="solid"/>
+          <a:miter lim="800000"/>
+        </a:ln>
+        <a:ln w="19050" cap="flat" cmpd="sng" algn="ctr">
+          <a:solidFill>
+            <a:schemeClr val="phClr"/>
+          </a:solidFill>
+          <a:prstDash val="solid"/>
+          <a:miter lim="800000"/>
+        </a:ln>
+      </a:lnStyleLst>
+      <a:effectStyleLst>
+        <a:effectStyle>
+          <a:effectLst/>
+        </a:effectStyle>
+        <a:effectStyle>
+          <a:effectLst/>
+        </a:effectStyle>
+        <a:effectStyle>
+          <a:effectLst>
+            <a:outerShdw blurRad="57150" dist="19050" dir="5400000" algn="ctr" rotWithShape="0">
+              <a:srgbClr val="000000">
+                <a:alpha val="63000"/>
+              </a:srgbClr>
+            </a:outerShdw>
+          </a:effectLst>
+        </a:effectStyle>
+      </a:effectStyleLst>
+      <a:bgFillStyleLst>
+        <a:solidFill>
+          <a:schemeClr val="phClr"/>
+        </a:solidFill>
+        <a:solidFill>
+          <a:schemeClr val="phClr">
+            <a:tint val="95000"/>
+            <a:satMod val="170000"/>
+          </a:schemeClr>
+        </a:solidFill>
+        <a:gradFill rotWithShape="1">
+          <a:gsLst>
+            <a:gs pos="0">
+              <a:schemeClr val="phClr">
+                <a:tint val="93000"/>
+                <a:satMod val="150000"/>
+                <a:shade val="98000"/>
+                <a:lumMod val="102000"/>
+              </a:schemeClr>
+            </a:gs>
+            <a:gs pos="50000">
+              <a:schemeClr val="phClr">
+                <a:tint val="98000"/>
+                <a:satMod val="130000"/>
+                <a:shade val="90000"/>
+                <a:lumMod val="103000"/>
+              </a:schemeClr>
+            </a:gs>
+            <a:gs pos="100000">
+              <a:schemeClr val="phClr">
+                <a:shade val="63000"/>
+                <a:satMod val="120000"/>
+              </a:schemeClr>
+            </a:gs>
+          </a:gsLst>
+          <a:lin ang="5400000" scaled="0"/>
+        </a:gradFill>
+      </a:bgFillStyleLst>
+    </a:fmtScheme>
+  </a:themeElements>
+  <a:objectDefaults/>
+  <a:extraClrSchemeLst/>
+  <a:extLst>
+    <a:ext uri="{05A4C25C-085E-4340-85A3-A5531E510DB2}">
+      <thm15:themeFamily xmlns:thm15="http://schemas.microsoft.com/office/thememl/2012/main" name="Office Theme" id="{62F939B6-93AF-4DB8-9C6B-D6C7DFDC589F}" vid="{4A3C46E8-61CC-4603-A589-7422A47A8E4A}"/>
+    </a:ext>
+  </a:extLst>
+</a:theme>
 </file>
--- a/JavaScript.pptx
+++ b/JavaScript.pptx
@@ -5,7 +5,7 @@
     <p:sldMasterId id="2147483648" r:id="rId1"/>
   </p:sldMasterIdLst>
   <p:notesMasterIdLst>
-    <p:notesMasterId r:id="rId23"/>
+    <p:notesMasterId r:id="rId25"/>
   </p:notesMasterIdLst>
   <p:sldIdLst>
     <p:sldId id="256" r:id="rId2"/>
@@ -29,6 +29,8 @@
     <p:sldId id="274" r:id="rId20"/>
     <p:sldId id="275" r:id="rId21"/>
     <p:sldId id="276" r:id="rId22"/>
+    <p:sldId id="277" r:id="rId23"/>
+    <p:sldId id="278" r:id="rId24"/>
   </p:sldIdLst>
   <p:sldSz cx="12192000" cy="6858000"/>
   <p:notesSz cx="6858000" cy="9144000"/>
@@ -503,7 +505,7 @@
           <a:p>
             <a:fld id="{19F43255-63C2-45C3-A55E-F07DF58CF366}" type="datetimeFigureOut">
               <a:rPr lang="en-US" smtClean="0"/>
-              <a:t>8/14/2024</a:t>
+              <a:t>8/16/2024</a:t>
             </a:fld>
             <a:endParaRPr lang="en-US"/>
           </a:p>
@@ -1001,7 +1003,7 @@
           <a:p>
             <a:fld id="{4BAACB4A-D2BC-4616-96DC-36385AED944F}" type="datetimeFigureOut">
               <a:rPr lang="en-US" smtClean="0"/>
-              <a:t>8/14/2024</a:t>
+              <a:t>8/16/2024</a:t>
             </a:fld>
             <a:endParaRPr lang="en-US"/>
           </a:p>
@@ -1199,7 +1201,7 @@
           <a:p>
             <a:fld id="{4BAACB4A-D2BC-4616-96DC-36385AED944F}" type="datetimeFigureOut">
               <a:rPr lang="en-US" smtClean="0"/>
-              <a:t>8/14/2024</a:t>
+              <a:t>8/16/2024</a:t>
             </a:fld>
             <a:endParaRPr lang="en-US"/>
           </a:p>
@@ -1407,7 +1409,7 @@
           <a:p>
             <a:fld id="{4BAACB4A-D2BC-4616-96DC-36385AED944F}" type="datetimeFigureOut">
               <a:rPr lang="en-US" smtClean="0"/>
-              <a:t>8/14/2024</a:t>
+              <a:t>8/16/2024</a:t>
             </a:fld>
             <a:endParaRPr lang="en-US"/>
           </a:p>
@@ -1605,7 +1607,7 @@
           <a:p>
             <a:fld id="{4BAACB4A-D2BC-4616-96DC-36385AED944F}" type="datetimeFigureOut">
               <a:rPr lang="en-US" smtClean="0"/>
-              <a:t>8/14/2024</a:t>
+              <a:t>8/16/2024</a:t>
             </a:fld>
             <a:endParaRPr lang="en-US"/>
           </a:p>
@@ -1880,7 +1882,7 @@
           <a:p>
             <a:fld id="{4BAACB4A-D2BC-4616-96DC-36385AED944F}" type="datetimeFigureOut">
               <a:rPr lang="en-US" smtClean="0"/>
-              <a:t>8/14/2024</a:t>
+              <a:t>8/16/2024</a:t>
             </a:fld>
             <a:endParaRPr lang="en-US"/>
           </a:p>
@@ -2145,7 +2147,7 @@
           <a:p>
             <a:fld id="{4BAACB4A-D2BC-4616-96DC-36385AED944F}" type="datetimeFigureOut">
               <a:rPr lang="en-US" smtClean="0"/>
-              <a:t>8/14/2024</a:t>
+              <a:t>8/16/2024</a:t>
             </a:fld>
             <a:endParaRPr lang="en-US"/>
           </a:p>
@@ -2557,7 +2559,7 @@
           <a:p>
             <a:fld id="{4BAACB4A-D2BC-4616-96DC-36385AED944F}" type="datetimeFigureOut">
               <a:rPr lang="en-US" smtClean="0"/>
-              <a:t>8/14/2024</a:t>
+              <a:t>8/16/2024</a:t>
             </a:fld>
             <a:endParaRPr lang="en-US"/>
           </a:p>
@@ -2698,7 +2700,7 @@
           <a:p>
             <a:fld id="{4BAACB4A-D2BC-4616-96DC-36385AED944F}" type="datetimeFigureOut">
               <a:rPr lang="en-US" smtClean="0"/>
-              <a:t>8/14/2024</a:t>
+              <a:t>8/16/2024</a:t>
             </a:fld>
             <a:endParaRPr lang="en-US"/>
           </a:p>
@@ -2811,7 +2813,7 @@
           <a:p>
             <a:fld id="{4BAACB4A-D2BC-4616-96DC-36385AED944F}" type="datetimeFigureOut">
               <a:rPr lang="en-US" smtClean="0"/>
-              <a:t>8/14/2024</a:t>
+              <a:t>8/16/2024</a:t>
             </a:fld>
             <a:endParaRPr lang="en-US"/>
           </a:p>
@@ -3122,7 +3124,7 @@
           <a:p>
             <a:fld id="{4BAACB4A-D2BC-4616-96DC-36385AED944F}" type="datetimeFigureOut">
               <a:rPr lang="en-US" smtClean="0"/>
-              <a:t>8/14/2024</a:t>
+              <a:t>8/16/2024</a:t>
             </a:fld>
             <a:endParaRPr lang="en-US"/>
           </a:p>
@@ -3410,7 +3412,7 @@
           <a:p>
             <a:fld id="{4BAACB4A-D2BC-4616-96DC-36385AED944F}" type="datetimeFigureOut">
               <a:rPr lang="en-US" smtClean="0"/>
-              <a:t>8/14/2024</a:t>
+              <a:t>8/16/2024</a:t>
             </a:fld>
             <a:endParaRPr lang="en-US"/>
           </a:p>
@@ -3651,7 +3653,7 @@
           <a:p>
             <a:fld id="{4BAACB4A-D2BC-4616-96DC-36385AED944F}" type="datetimeFigureOut">
               <a:rPr lang="en-US" smtClean="0"/>
-              <a:t>8/14/2024</a:t>
+              <a:t>8/16/2024</a:t>
             </a:fld>
             <a:endParaRPr lang="en-US"/>
           </a:p>
@@ -5274,8 +5276,8 @@
           </a:graphicData>
         </a:graphic>
       </p:graphicFrame>
-      <mc:AlternateContent xmlns:mc="http://schemas.openxmlformats.org/markup-compatibility/2006">
-        <mc:Choice xmlns:p14="http://schemas.microsoft.com/office/powerpoint/2010/main" Requires="p14">
+      <mc:AlternateContent xmlns:mc="http://schemas.openxmlformats.org/markup-compatibility/2006" xmlns:p14="http://schemas.microsoft.com/office/powerpoint/2010/main">
+        <mc:Choice Requires="p14">
           <p:contentPart p14:bwMode="auto" r:id="rId3">
             <p14:nvContentPartPr>
               <p14:cNvPr id="8" name="Ink 7">
@@ -5294,7 +5296,7 @@
             </p14:xfrm>
           </p:contentPart>
         </mc:Choice>
-        <mc:Fallback>
+        <mc:Fallback xmlns="">
           <p:pic>
             <p:nvPicPr>
               <p:cNvPr id="8" name="Ink 7">
@@ -5325,8 +5327,8 @@
           </p:pic>
         </mc:Fallback>
       </mc:AlternateContent>
-      <mc:AlternateContent xmlns:mc="http://schemas.openxmlformats.org/markup-compatibility/2006">
-        <mc:Choice xmlns:p14="http://schemas.microsoft.com/office/powerpoint/2010/main" Requires="p14">
+      <mc:AlternateContent xmlns:mc="http://schemas.openxmlformats.org/markup-compatibility/2006" xmlns:p14="http://schemas.microsoft.com/office/powerpoint/2010/main">
+        <mc:Choice Requires="p14">
           <p:contentPart p14:bwMode="auto" r:id="rId5">
             <p14:nvContentPartPr>
               <p14:cNvPr id="9" name="Ink 8">
@@ -5345,7 +5347,7 @@
             </p14:xfrm>
           </p:contentPart>
         </mc:Choice>
-        <mc:Fallback>
+        <mc:Fallback xmlns="">
           <p:pic>
             <p:nvPicPr>
               <p:cNvPr id="9" name="Ink 8">
@@ -5376,8 +5378,8 @@
           </p:pic>
         </mc:Fallback>
       </mc:AlternateContent>
-      <mc:AlternateContent xmlns:mc="http://schemas.openxmlformats.org/markup-compatibility/2006">
-        <mc:Choice xmlns:p14="http://schemas.microsoft.com/office/powerpoint/2010/main" Requires="p14">
+      <mc:AlternateContent xmlns:mc="http://schemas.openxmlformats.org/markup-compatibility/2006" xmlns:p14="http://schemas.microsoft.com/office/powerpoint/2010/main">
+        <mc:Choice Requires="p14">
           <p:contentPart p14:bwMode="auto" r:id="rId7">
             <p14:nvContentPartPr>
               <p14:cNvPr id="10" name="Ink 9">
@@ -5396,7 +5398,7 @@
             </p14:xfrm>
           </p:contentPart>
         </mc:Choice>
-        <mc:Fallback>
+        <mc:Fallback xmlns="">
           <p:pic>
             <p:nvPicPr>
               <p:cNvPr id="10" name="Ink 9">
@@ -5763,8 +5765,8 @@
           </a:graphicData>
         </a:graphic>
       </p:graphicFrame>
-      <mc:AlternateContent xmlns:mc="http://schemas.openxmlformats.org/markup-compatibility/2006">
-        <mc:Choice xmlns:p14="http://schemas.microsoft.com/office/powerpoint/2010/main" Requires="p14">
+      <mc:AlternateContent xmlns:mc="http://schemas.openxmlformats.org/markup-compatibility/2006" xmlns:p14="http://schemas.microsoft.com/office/powerpoint/2010/main">
+        <mc:Choice Requires="p14">
           <p:contentPart p14:bwMode="auto" r:id="rId8">
             <p14:nvContentPartPr>
               <p14:cNvPr id="15" name="Ink 14">
@@ -5783,7 +5785,7 @@
             </p14:xfrm>
           </p:contentPart>
         </mc:Choice>
-        <mc:Fallback>
+        <mc:Fallback xmlns="">
           <p:pic>
             <p:nvPicPr>
               <p:cNvPr id="15" name="Ink 14">
@@ -6398,6 +6400,122 @@
     <p:extLst>
       <p:ext uri="{BB962C8B-B14F-4D97-AF65-F5344CB8AC3E}">
         <p14:creationId xmlns:p14="http://schemas.microsoft.com/office/powerpoint/2010/main" val="720423307"/>
+      </p:ext>
+    </p:extLst>
+  </p:cSld>
+  <p:clrMapOvr>
+    <a:masterClrMapping/>
+  </p:clrMapOvr>
+</p:sld>
+</file>
+
+<file path=ppt/slides/slide22.xml><?xml version="1.0" encoding="utf-8"?>
+<p:sld xmlns:a="http://schemas.openxmlformats.org/drawingml/2006/main" xmlns:r="http://schemas.openxmlformats.org/officeDocument/2006/relationships" xmlns:p="http://schemas.openxmlformats.org/presentationml/2006/main">
+  <p:cSld>
+    <p:spTree>
+      <p:nvGrpSpPr>
+        <p:cNvPr id="1" name=""/>
+        <p:cNvGrpSpPr/>
+        <p:nvPr/>
+      </p:nvGrpSpPr>
+      <p:grpSpPr>
+        <a:xfrm>
+          <a:off x="0" y="0"/>
+          <a:ext cx="0" cy="0"/>
+          <a:chOff x="0" y="0"/>
+          <a:chExt cx="0" cy="0"/>
+        </a:xfrm>
+      </p:grpSpPr>
+      <p:sp>
+        <p:nvSpPr>
+          <p:cNvPr id="2" name="Title 1">
+            <a:extLst>
+              <a:ext uri="{FF2B5EF4-FFF2-40B4-BE49-F238E27FC236}">
+                <a16:creationId xmlns:a16="http://schemas.microsoft.com/office/drawing/2014/main" id="{FE53DCF3-3DE0-C263-31A9-4CC8745BB320}"/>
+              </a:ext>
+            </a:extLst>
+          </p:cNvPr>
+          <p:cNvSpPr>
+            <a:spLocks noGrp="1"/>
+          </p:cNvSpPr>
+          <p:nvPr>
+            <p:ph type="title"/>
+          </p:nvPr>
+        </p:nvSpPr>
+        <p:spPr/>
+        <p:txBody>
+          <a:bodyPr/>
+          <a:lstStyle/>
+          <a:p>
+            <a:r>
+              <a:rPr lang="en-US" dirty="0"/>
+              <a:t>Statements and Expressions</a:t>
+            </a:r>
+          </a:p>
+        </p:txBody>
+      </p:sp>
+    </p:spTree>
+    <p:extLst>
+      <p:ext uri="{BB962C8B-B14F-4D97-AF65-F5344CB8AC3E}">
+        <p14:creationId xmlns:p14="http://schemas.microsoft.com/office/powerpoint/2010/main" val="4226415827"/>
+      </p:ext>
+    </p:extLst>
+  </p:cSld>
+  <p:clrMapOvr>
+    <a:masterClrMapping/>
+  </p:clrMapOvr>
+</p:sld>
+</file>
+
+<file path=ppt/slides/slide23.xml><?xml version="1.0" encoding="utf-8"?>
+<p:sld xmlns:a="http://schemas.openxmlformats.org/drawingml/2006/main" xmlns:r="http://schemas.openxmlformats.org/officeDocument/2006/relationships" xmlns:p="http://schemas.openxmlformats.org/presentationml/2006/main">
+  <p:cSld>
+    <p:spTree>
+      <p:nvGrpSpPr>
+        <p:cNvPr id="1" name=""/>
+        <p:cNvGrpSpPr/>
+        <p:nvPr/>
+      </p:nvGrpSpPr>
+      <p:grpSpPr>
+        <a:xfrm>
+          <a:off x="0" y="0"/>
+          <a:ext cx="0" cy="0"/>
+          <a:chOff x="0" y="0"/>
+          <a:chExt cx="0" cy="0"/>
+        </a:xfrm>
+      </p:grpSpPr>
+      <p:sp>
+        <p:nvSpPr>
+          <p:cNvPr id="2" name="Title 1">
+            <a:extLst>
+              <a:ext uri="{FF2B5EF4-FFF2-40B4-BE49-F238E27FC236}">
+                <a16:creationId xmlns:a16="http://schemas.microsoft.com/office/drawing/2014/main" id="{A1CB8AA7-74C6-3D07-69C2-1900411F0D54}"/>
+              </a:ext>
+            </a:extLst>
+          </p:cNvPr>
+          <p:cNvSpPr>
+            <a:spLocks noGrp="1"/>
+          </p:cNvSpPr>
+          <p:nvPr>
+            <p:ph type="title"/>
+          </p:nvPr>
+        </p:nvSpPr>
+        <p:spPr/>
+        <p:txBody>
+          <a:bodyPr/>
+          <a:lstStyle/>
+          <a:p>
+            <a:r>
+              <a:rPr lang="en-US" dirty="0"/>
+              <a:t>The Conditional (Ternary) Operator</a:t>
+            </a:r>
+          </a:p>
+        </p:txBody>
+      </p:sp>
+    </p:spTree>
+    <p:extLst>
+      <p:ext uri="{BB962C8B-B14F-4D97-AF65-F5344CB8AC3E}">
+        <p14:creationId xmlns:p14="http://schemas.microsoft.com/office/powerpoint/2010/main" val="4250583957"/>
       </p:ext>
     </p:extLst>
   </p:cSld>

--- a/JavaScript.pptx
+++ b/JavaScript.pptx
@@ -5,7 +5,7 @@
     <p:sldMasterId id="2147483648" r:id="rId1"/>
   </p:sldMasterIdLst>
   <p:notesMasterIdLst>
-    <p:notesMasterId r:id="rId25"/>
+    <p:notesMasterId r:id="rId30"/>
   </p:notesMasterIdLst>
   <p:sldIdLst>
     <p:sldId id="256" r:id="rId2"/>
@@ -31,6 +31,11 @@
     <p:sldId id="276" r:id="rId22"/>
     <p:sldId id="277" r:id="rId23"/>
     <p:sldId id="278" r:id="rId24"/>
+    <p:sldId id="279" r:id="rId25"/>
+    <p:sldId id="280" r:id="rId26"/>
+    <p:sldId id="281" r:id="rId27"/>
+    <p:sldId id="282" r:id="rId28"/>
+    <p:sldId id="283" r:id="rId29"/>
   </p:sldIdLst>
   <p:sldSz cx="12192000" cy="6858000"/>
   <p:notesSz cx="6858000" cy="9144000"/>
@@ -505,7 +510,7 @@
           <a:p>
             <a:fld id="{19F43255-63C2-45C3-A55E-F07DF58CF366}" type="datetimeFigureOut">
               <a:rPr lang="en-US" smtClean="0"/>
-              <a:t>8/16/2024</a:t>
+              <a:t>8/21/2024</a:t>
             </a:fld>
             <a:endParaRPr lang="en-US"/>
           </a:p>
@@ -1003,7 +1008,7 @@
           <a:p>
             <a:fld id="{4BAACB4A-D2BC-4616-96DC-36385AED944F}" type="datetimeFigureOut">
               <a:rPr lang="en-US" smtClean="0"/>
-              <a:t>8/16/2024</a:t>
+              <a:t>8/21/2024</a:t>
             </a:fld>
             <a:endParaRPr lang="en-US"/>
           </a:p>
@@ -1201,7 +1206,7 @@
           <a:p>
             <a:fld id="{4BAACB4A-D2BC-4616-96DC-36385AED944F}" type="datetimeFigureOut">
               <a:rPr lang="en-US" smtClean="0"/>
-              <a:t>8/16/2024</a:t>
+              <a:t>8/21/2024</a:t>
             </a:fld>
             <a:endParaRPr lang="en-US"/>
           </a:p>
@@ -1409,7 +1414,7 @@
           <a:p>
             <a:fld id="{4BAACB4A-D2BC-4616-96DC-36385AED944F}" type="datetimeFigureOut">
               <a:rPr lang="en-US" smtClean="0"/>
-              <a:t>8/16/2024</a:t>
+              <a:t>8/21/2024</a:t>
             </a:fld>
             <a:endParaRPr lang="en-US"/>
           </a:p>
@@ -1607,7 +1612,7 @@
           <a:p>
             <a:fld id="{4BAACB4A-D2BC-4616-96DC-36385AED944F}" type="datetimeFigureOut">
               <a:rPr lang="en-US" smtClean="0"/>
-              <a:t>8/16/2024</a:t>
+              <a:t>8/21/2024</a:t>
             </a:fld>
             <a:endParaRPr lang="en-US"/>
           </a:p>
@@ -1882,7 +1887,7 @@
           <a:p>
             <a:fld id="{4BAACB4A-D2BC-4616-96DC-36385AED944F}" type="datetimeFigureOut">
               <a:rPr lang="en-US" smtClean="0"/>
-              <a:t>8/16/2024</a:t>
+              <a:t>8/21/2024</a:t>
             </a:fld>
             <a:endParaRPr lang="en-US"/>
           </a:p>
@@ -2147,7 +2152,7 @@
           <a:p>
             <a:fld id="{4BAACB4A-D2BC-4616-96DC-36385AED944F}" type="datetimeFigureOut">
               <a:rPr lang="en-US" smtClean="0"/>
-              <a:t>8/16/2024</a:t>
+              <a:t>8/21/2024</a:t>
             </a:fld>
             <a:endParaRPr lang="en-US"/>
           </a:p>
@@ -2559,7 +2564,7 @@
           <a:p>
             <a:fld id="{4BAACB4A-D2BC-4616-96DC-36385AED944F}" type="datetimeFigureOut">
               <a:rPr lang="en-US" smtClean="0"/>
-              <a:t>8/16/2024</a:t>
+              <a:t>8/21/2024</a:t>
             </a:fld>
             <a:endParaRPr lang="en-US"/>
           </a:p>
@@ -2700,7 +2705,7 @@
           <a:p>
             <a:fld id="{4BAACB4A-D2BC-4616-96DC-36385AED944F}" type="datetimeFigureOut">
               <a:rPr lang="en-US" smtClean="0"/>
-              <a:t>8/16/2024</a:t>
+              <a:t>8/21/2024</a:t>
             </a:fld>
             <a:endParaRPr lang="en-US"/>
           </a:p>
@@ -2813,7 +2818,7 @@
           <a:p>
             <a:fld id="{4BAACB4A-D2BC-4616-96DC-36385AED944F}" type="datetimeFigureOut">
               <a:rPr lang="en-US" smtClean="0"/>
-              <a:t>8/16/2024</a:t>
+              <a:t>8/21/2024</a:t>
             </a:fld>
             <a:endParaRPr lang="en-US"/>
           </a:p>
@@ -3124,7 +3129,7 @@
           <a:p>
             <a:fld id="{4BAACB4A-D2BC-4616-96DC-36385AED944F}" type="datetimeFigureOut">
               <a:rPr lang="en-US" smtClean="0"/>
-              <a:t>8/16/2024</a:t>
+              <a:t>8/21/2024</a:t>
             </a:fld>
             <a:endParaRPr lang="en-US"/>
           </a:p>
@@ -3412,7 +3417,7 @@
           <a:p>
             <a:fld id="{4BAACB4A-D2BC-4616-96DC-36385AED944F}" type="datetimeFigureOut">
               <a:rPr lang="en-US" smtClean="0"/>
-              <a:t>8/16/2024</a:t>
+              <a:t>8/21/2024</a:t>
             </a:fld>
             <a:endParaRPr lang="en-US"/>
           </a:p>
@@ -3653,7 +3658,7 @@
           <a:p>
             <a:fld id="{4BAACB4A-D2BC-4616-96DC-36385AED944F}" type="datetimeFigureOut">
               <a:rPr lang="en-US" smtClean="0"/>
-              <a:t>8/16/2024</a:t>
+              <a:t>8/21/2024</a:t>
             </a:fld>
             <a:endParaRPr lang="en-US"/>
           </a:p>
@@ -6516,6 +6521,981 @@
     <p:extLst>
       <p:ext uri="{BB962C8B-B14F-4D97-AF65-F5344CB8AC3E}">
         <p14:creationId xmlns:p14="http://schemas.microsoft.com/office/powerpoint/2010/main" val="4250583957"/>
+      </p:ext>
+    </p:extLst>
+  </p:cSld>
+  <p:clrMapOvr>
+    <a:masterClrMapping/>
+  </p:clrMapOvr>
+</p:sld>
+</file>
+
+<file path=ppt/slides/slide24.xml><?xml version="1.0" encoding="utf-8"?>
+<p:sld xmlns:a="http://schemas.openxmlformats.org/drawingml/2006/main" xmlns:r="http://schemas.openxmlformats.org/officeDocument/2006/relationships" xmlns:p="http://schemas.openxmlformats.org/presentationml/2006/main">
+  <p:cSld>
+    <p:spTree>
+      <p:nvGrpSpPr>
+        <p:cNvPr id="1" name=""/>
+        <p:cNvGrpSpPr/>
+        <p:nvPr/>
+      </p:nvGrpSpPr>
+      <p:grpSpPr>
+        <a:xfrm>
+          <a:off x="0" y="0"/>
+          <a:ext cx="0" cy="0"/>
+          <a:chOff x="0" y="0"/>
+          <a:chExt cx="0" cy="0"/>
+        </a:xfrm>
+      </p:grpSpPr>
+      <p:sp>
+        <p:nvSpPr>
+          <p:cNvPr id="2" name="Title 1">
+            <a:extLst>
+              <a:ext uri="{FF2B5EF4-FFF2-40B4-BE49-F238E27FC236}">
+                <a16:creationId xmlns:a16="http://schemas.microsoft.com/office/drawing/2014/main" id="{E9F340B3-575B-C233-36CF-9CB5B77DC8FB}"/>
+              </a:ext>
+            </a:extLst>
+          </p:cNvPr>
+          <p:cNvSpPr>
+            <a:spLocks noGrp="1"/>
+          </p:cNvSpPr>
+          <p:nvPr>
+            <p:ph type="title"/>
+          </p:nvPr>
+        </p:nvSpPr>
+        <p:spPr/>
+        <p:txBody>
+          <a:bodyPr/>
+          <a:lstStyle/>
+          <a:p>
+            <a:r>
+              <a:rPr lang="en-US" dirty="0"/>
+              <a:t>Brief History of JavaScript</a:t>
+            </a:r>
+          </a:p>
+        </p:txBody>
+      </p:sp>
+      <p:sp>
+        <p:nvSpPr>
+          <p:cNvPr id="3" name="Content Placeholder 2">
+            <a:extLst>
+              <a:ext uri="{FF2B5EF4-FFF2-40B4-BE49-F238E27FC236}">
+                <a16:creationId xmlns:a16="http://schemas.microsoft.com/office/drawing/2014/main" id="{CFC07CB5-FA10-BC97-A791-90DB17449016}"/>
+              </a:ext>
+            </a:extLst>
+          </p:cNvPr>
+          <p:cNvSpPr>
+            <a:spLocks noGrp="1"/>
+          </p:cNvSpPr>
+          <p:nvPr>
+            <p:ph idx="1"/>
+          </p:nvPr>
+        </p:nvSpPr>
+        <p:spPr/>
+        <p:txBody>
+          <a:bodyPr>
+            <a:normAutofit fontScale="92500" lnSpcReduction="20000"/>
+          </a:bodyPr>
+          <a:lstStyle/>
+          <a:p>
+            <a:pPr marL="0" indent="0">
+              <a:buNone/>
+            </a:pPr>
+            <a:r>
+              <a:rPr lang="en-US" dirty="0"/>
+              <a:t>1995 – Brendan </a:t>
+            </a:r>
+            <a:r>
+              <a:rPr lang="en-US" dirty="0" err="1"/>
+              <a:t>Eich</a:t>
+            </a:r>
+            <a:r>
+              <a:rPr lang="en-US" dirty="0"/>
+              <a:t> – first version of JavaScript in just 10 days. It was called Mocha</a:t>
+            </a:r>
+          </a:p>
+          <a:p>
+            <a:pPr marL="0" indent="0">
+              <a:buNone/>
+            </a:pPr>
+            <a:r>
+              <a:rPr lang="en-US" dirty="0"/>
+              <a:t>1996 – Mocha changes to </a:t>
+            </a:r>
+            <a:r>
+              <a:rPr lang="en-US" dirty="0" err="1"/>
+              <a:t>LiveScript</a:t>
+            </a:r>
+            <a:r>
+              <a:rPr lang="en-US" dirty="0"/>
+              <a:t> and then to JavaScript, nothing to do with Java.</a:t>
+            </a:r>
+          </a:p>
+          <a:p>
+            <a:pPr marL="0" indent="0">
+              <a:buNone/>
+            </a:pPr>
+            <a:r>
+              <a:rPr lang="en-US" dirty="0"/>
+              <a:t>Microsoft launches IE, copying JavaScript from Netscape and calling it Jscript.</a:t>
+            </a:r>
+          </a:p>
+          <a:p>
+            <a:pPr marL="0" indent="0">
+              <a:buNone/>
+            </a:pPr>
+            <a:r>
+              <a:rPr lang="en-US" dirty="0"/>
+              <a:t>1997 – ECMA releases ECMAScript 1 (ES1) the first official standard for JavaScript.</a:t>
+            </a:r>
+          </a:p>
+          <a:p>
+            <a:pPr marL="0" indent="0">
+              <a:buNone/>
+            </a:pPr>
+            <a:r>
+              <a:rPr lang="en-US" dirty="0"/>
+              <a:t>2009 – ES5 (ECMAScript5) is released with lots of great new features;</a:t>
+            </a:r>
+          </a:p>
+          <a:p>
+            <a:pPr marL="0" indent="0">
+              <a:buNone/>
+            </a:pPr>
+            <a:r>
+              <a:rPr lang="en-US" dirty="0"/>
+              <a:t>2015 – ES6 /ES2015 (ECMAScript 2015) was released: the biggest update to the language ever!</a:t>
+            </a:r>
+          </a:p>
+          <a:p>
+            <a:pPr marL="0" indent="0">
+              <a:buNone/>
+            </a:pPr>
+            <a:r>
+              <a:rPr lang="en-US" dirty="0"/>
+              <a:t>Annual release cycle</a:t>
+            </a:r>
+          </a:p>
+          <a:p>
+            <a:pPr marL="0" indent="0">
+              <a:buNone/>
+            </a:pPr>
+            <a:r>
+              <a:rPr lang="en-US" dirty="0"/>
+              <a:t>2016 – </a:t>
+            </a:r>
+            <a:r>
+              <a:rPr lang="en-US" dirty="0" err="1"/>
+              <a:t>cont</a:t>
+            </a:r>
+            <a:r>
+              <a:rPr lang="en-US" dirty="0"/>
+              <a:t>… - ES2016/ES2017/…ES/3017</a:t>
+            </a:r>
+          </a:p>
+        </p:txBody>
+      </p:sp>
+    </p:spTree>
+    <p:extLst>
+      <p:ext uri="{BB962C8B-B14F-4D97-AF65-F5344CB8AC3E}">
+        <p14:creationId xmlns:p14="http://schemas.microsoft.com/office/powerpoint/2010/main" val="1659931122"/>
+      </p:ext>
+    </p:extLst>
+  </p:cSld>
+  <p:clrMapOvr>
+    <a:masterClrMapping/>
+  </p:clrMapOvr>
+</p:sld>
+</file>
+
+<file path=ppt/slides/slide25.xml><?xml version="1.0" encoding="utf-8"?>
+<p:sld xmlns:a="http://schemas.openxmlformats.org/drawingml/2006/main" xmlns:r="http://schemas.openxmlformats.org/officeDocument/2006/relationships" xmlns:p="http://schemas.openxmlformats.org/presentationml/2006/main">
+  <p:cSld>
+    <p:spTree>
+      <p:nvGrpSpPr>
+        <p:cNvPr id="1" name=""/>
+        <p:cNvGrpSpPr/>
+        <p:nvPr/>
+      </p:nvGrpSpPr>
+      <p:grpSpPr>
+        <a:xfrm>
+          <a:off x="0" y="0"/>
+          <a:ext cx="0" cy="0"/>
+          <a:chOff x="0" y="0"/>
+          <a:chExt cx="0" cy="0"/>
+        </a:xfrm>
+      </p:grpSpPr>
+      <p:sp>
+        <p:nvSpPr>
+          <p:cNvPr id="2" name="Title 1">
+            <a:extLst>
+              <a:ext uri="{FF2B5EF4-FFF2-40B4-BE49-F238E27FC236}">
+                <a16:creationId xmlns:a16="http://schemas.microsoft.com/office/drawing/2014/main" id="{3EC8794B-47A5-4568-EBF1-D5AAEFBC40FC}"/>
+              </a:ext>
+            </a:extLst>
+          </p:cNvPr>
+          <p:cNvSpPr>
+            <a:spLocks noGrp="1"/>
+          </p:cNvSpPr>
+          <p:nvPr>
+            <p:ph type="title"/>
+          </p:nvPr>
+        </p:nvSpPr>
+        <p:spPr/>
+        <p:txBody>
+          <a:bodyPr/>
+          <a:lstStyle/>
+          <a:p>
+            <a:r>
+              <a:rPr lang="en-US" dirty="0"/>
+              <a:t>Don’t Break the WEB!</a:t>
+            </a:r>
+          </a:p>
+        </p:txBody>
+      </p:sp>
+      <p:sp>
+        <p:nvSpPr>
+          <p:cNvPr id="4" name="Title 1">
+            <a:extLst>
+              <a:ext uri="{FF2B5EF4-FFF2-40B4-BE49-F238E27FC236}">
+                <a16:creationId xmlns:a16="http://schemas.microsoft.com/office/drawing/2014/main" id="{86696B6F-1A27-D64A-3A3B-A4C0DDFC21F5}"/>
+              </a:ext>
+            </a:extLst>
+          </p:cNvPr>
+          <p:cNvSpPr txBox="1">
+            <a:spLocks/>
+          </p:cNvSpPr>
+          <p:nvPr/>
+        </p:nvSpPr>
+        <p:spPr>
+          <a:xfrm>
+            <a:off x="954314" y="1690688"/>
+            <a:ext cx="4720772" cy="4260169"/>
+          </a:xfrm>
+          <a:prstGeom prst="rect">
+            <a:avLst/>
+          </a:prstGeom>
+        </p:spPr>
+        <p:txBody>
+          <a:bodyPr vert="horz" lIns="91440" tIns="45720" rIns="91440" bIns="45720" rtlCol="0" anchor="ctr">
+            <a:normAutofit/>
+          </a:bodyPr>
+          <a:lstStyle>
+            <a:lvl1pPr algn="l" defTabSz="914400" rtl="0" eaLnBrk="1" latinLnBrk="0" hangingPunct="1">
+              <a:lnSpc>
+                <a:spcPct val="90000"/>
+              </a:lnSpc>
+              <a:spcBef>
+                <a:spcPct val="0"/>
+              </a:spcBef>
+              <a:buNone/>
+              <a:defRPr sz="4400" kern="1200">
+                <a:solidFill>
+                  <a:schemeClr val="tx1"/>
+                </a:solidFill>
+                <a:latin typeface="+mj-lt"/>
+                <a:ea typeface="+mj-ea"/>
+                <a:cs typeface="+mj-cs"/>
+              </a:defRPr>
+            </a:lvl1pPr>
+          </a:lstStyle>
+          <a:p>
+            <a:r>
+              <a:rPr lang="en-US" dirty="0"/>
+              <a:t>1997 – 2024</a:t>
+            </a:r>
+          </a:p>
+          <a:p>
+            <a:endParaRPr lang="en-US" dirty="0"/>
+          </a:p>
+        </p:txBody>
+      </p:sp>
+      <p:sp>
+        <p:nvSpPr>
+          <p:cNvPr id="5" name="Title 1">
+            <a:extLst>
+              <a:ext uri="{FF2B5EF4-FFF2-40B4-BE49-F238E27FC236}">
+                <a16:creationId xmlns:a16="http://schemas.microsoft.com/office/drawing/2014/main" id="{209EAC74-3C71-B9A9-49C1-2530493DA10A}"/>
+              </a:ext>
+            </a:extLst>
+          </p:cNvPr>
+          <p:cNvSpPr txBox="1">
+            <a:spLocks/>
+          </p:cNvSpPr>
+          <p:nvPr/>
+        </p:nvSpPr>
+        <p:spPr>
+          <a:xfrm>
+            <a:off x="6096000" y="1393372"/>
+            <a:ext cx="4862286" cy="2182132"/>
+          </a:xfrm>
+          <a:prstGeom prst="rect">
+            <a:avLst/>
+          </a:prstGeom>
+        </p:spPr>
+        <p:txBody>
+          <a:bodyPr vert="horz" lIns="91440" tIns="45720" rIns="91440" bIns="45720" rtlCol="0" anchor="ctr">
+            <a:normAutofit/>
+          </a:bodyPr>
+          <a:lstStyle>
+            <a:lvl1pPr algn="l" defTabSz="914400" rtl="0" eaLnBrk="1" latinLnBrk="0" hangingPunct="1">
+              <a:lnSpc>
+                <a:spcPct val="90000"/>
+              </a:lnSpc>
+              <a:spcBef>
+                <a:spcPct val="0"/>
+              </a:spcBef>
+              <a:buNone/>
+              <a:defRPr sz="4400" kern="1200">
+                <a:solidFill>
+                  <a:schemeClr val="tx1"/>
+                </a:solidFill>
+                <a:latin typeface="+mj-lt"/>
+                <a:ea typeface="+mj-ea"/>
+                <a:cs typeface="+mj-cs"/>
+              </a:defRPr>
+            </a:lvl1pPr>
+          </a:lstStyle>
+          <a:p>
+            <a:r>
+              <a:rPr lang="en-US" sz="2800" dirty="0"/>
+              <a:t>Old features are never removed.</a:t>
+            </a:r>
+          </a:p>
+          <a:p>
+            <a:endParaRPr lang="en-US" sz="2800" dirty="0"/>
+          </a:p>
+          <a:p>
+            <a:r>
+              <a:rPr lang="en-US" sz="2800" dirty="0"/>
+              <a:t>Incremental updates(releases)</a:t>
+            </a:r>
+          </a:p>
+          <a:p>
+            <a:endParaRPr lang="en-US" sz="2800" dirty="0"/>
+          </a:p>
+          <a:p>
+            <a:r>
+              <a:rPr lang="en-US" sz="2800" dirty="0"/>
+              <a:t>Website keep working forever!</a:t>
+            </a:r>
+          </a:p>
+        </p:txBody>
+      </p:sp>
+    </p:spTree>
+    <p:extLst>
+      <p:ext uri="{BB962C8B-B14F-4D97-AF65-F5344CB8AC3E}">
+        <p14:creationId xmlns:p14="http://schemas.microsoft.com/office/powerpoint/2010/main" val="2076077039"/>
+      </p:ext>
+    </p:extLst>
+  </p:cSld>
+  <p:clrMapOvr>
+    <a:masterClrMapping/>
+  </p:clrMapOvr>
+</p:sld>
+</file>
+
+<file path=ppt/slides/slide26.xml><?xml version="1.0" encoding="utf-8"?>
+<p:sld xmlns:a="http://schemas.openxmlformats.org/drawingml/2006/main" xmlns:r="http://schemas.openxmlformats.org/officeDocument/2006/relationships" xmlns:p="http://schemas.openxmlformats.org/presentationml/2006/main">
+  <p:cSld>
+    <p:spTree>
+      <p:nvGrpSpPr>
+        <p:cNvPr id="1" name=""/>
+        <p:cNvGrpSpPr/>
+        <p:nvPr/>
+      </p:nvGrpSpPr>
+      <p:grpSpPr>
+        <a:xfrm>
+          <a:off x="0" y="0"/>
+          <a:ext cx="0" cy="0"/>
+          <a:chOff x="0" y="0"/>
+          <a:chExt cx="0" cy="0"/>
+        </a:xfrm>
+      </p:grpSpPr>
+      <p:sp>
+        <p:nvSpPr>
+          <p:cNvPr id="2" name="Title 1">
+            <a:extLst>
+              <a:ext uri="{FF2B5EF4-FFF2-40B4-BE49-F238E27FC236}">
+                <a16:creationId xmlns:a16="http://schemas.microsoft.com/office/drawing/2014/main" id="{B5A02C22-66F9-4EE7-68BC-520673602326}"/>
+              </a:ext>
+            </a:extLst>
+          </p:cNvPr>
+          <p:cNvSpPr>
+            <a:spLocks noGrp="1"/>
+          </p:cNvSpPr>
+          <p:nvPr>
+            <p:ph type="title"/>
+          </p:nvPr>
+        </p:nvSpPr>
+        <p:spPr/>
+        <p:txBody>
+          <a:bodyPr/>
+          <a:lstStyle/>
+          <a:p>
+            <a:r>
+              <a:rPr lang="en-US" dirty="0"/>
+              <a:t>Modern JavaScript </a:t>
+            </a:r>
+          </a:p>
+        </p:txBody>
+      </p:sp>
+      <p:sp>
+        <p:nvSpPr>
+          <p:cNvPr id="3" name="Content Placeholder 2">
+            <a:extLst>
+              <a:ext uri="{FF2B5EF4-FFF2-40B4-BE49-F238E27FC236}">
+                <a16:creationId xmlns:a16="http://schemas.microsoft.com/office/drawing/2014/main" id="{FDD48F30-8452-770B-E240-1AFD5BF92A85}"/>
+              </a:ext>
+            </a:extLst>
+          </p:cNvPr>
+          <p:cNvSpPr>
+            <a:spLocks noGrp="1"/>
+          </p:cNvSpPr>
+          <p:nvPr>
+            <p:ph idx="1"/>
+          </p:nvPr>
+        </p:nvSpPr>
+        <p:spPr>
+          <a:xfrm>
+            <a:off x="838200" y="1825625"/>
+            <a:ext cx="5127171" cy="4351338"/>
+          </a:xfrm>
+        </p:spPr>
+        <p:txBody>
+          <a:bodyPr/>
+          <a:lstStyle/>
+          <a:p>
+            <a:pPr marL="0" indent="0">
+              <a:buNone/>
+            </a:pPr>
+            <a:r>
+              <a:rPr lang="en-US" dirty="0"/>
+              <a:t>ES5 : Fully supported in all browsers (IE )</a:t>
+            </a:r>
+          </a:p>
+          <a:p>
+            <a:pPr marL="0" indent="0">
+              <a:buNone/>
+            </a:pPr>
+            <a:r>
+              <a:rPr lang="en-US" dirty="0"/>
+              <a:t>Ready to be used today.</a:t>
+            </a:r>
+          </a:p>
+          <a:p>
+            <a:pPr marL="0" indent="0">
+              <a:buNone/>
+            </a:pPr>
+            <a:endParaRPr lang="en-US" dirty="0"/>
+          </a:p>
+          <a:p>
+            <a:pPr marL="0" indent="0">
+              <a:buNone/>
+            </a:pPr>
+            <a:r>
+              <a:rPr lang="en-US" dirty="0"/>
+              <a:t>ES6/ES2015 : ES6+ Well supported in all modern browsers;</a:t>
+            </a:r>
+          </a:p>
+          <a:p>
+            <a:pPr marL="0" indent="0">
+              <a:buNone/>
+            </a:pPr>
+            <a:r>
+              <a:rPr lang="en-US" dirty="0"/>
+              <a:t>No support in older browsers;</a:t>
+            </a:r>
+          </a:p>
+          <a:p>
+            <a:pPr marL="0" indent="0">
+              <a:buNone/>
+            </a:pPr>
+            <a:r>
+              <a:rPr lang="en-US" dirty="0"/>
+              <a:t>Transpiling and polyfilling</a:t>
+            </a:r>
+          </a:p>
+          <a:p>
+            <a:pPr marL="0" indent="0">
+              <a:buNone/>
+            </a:pPr>
+            <a:endParaRPr lang="en-US" dirty="0"/>
+          </a:p>
+          <a:p>
+            <a:pPr marL="0" indent="0">
+              <a:buNone/>
+            </a:pPr>
+            <a:endParaRPr lang="en-US" dirty="0"/>
+          </a:p>
+        </p:txBody>
+      </p:sp>
+      <p:sp>
+        <p:nvSpPr>
+          <p:cNvPr id="4" name="Content Placeholder 2">
+            <a:extLst>
+              <a:ext uri="{FF2B5EF4-FFF2-40B4-BE49-F238E27FC236}">
+                <a16:creationId xmlns:a16="http://schemas.microsoft.com/office/drawing/2014/main" id="{568F3B48-EF87-D2CD-8FF0-688F8FF51445}"/>
+              </a:ext>
+            </a:extLst>
+          </p:cNvPr>
+          <p:cNvSpPr txBox="1">
+            <a:spLocks/>
+          </p:cNvSpPr>
+          <p:nvPr/>
+        </p:nvSpPr>
+        <p:spPr>
+          <a:xfrm>
+            <a:off x="6803571" y="1825625"/>
+            <a:ext cx="5127171" cy="4351338"/>
+          </a:xfrm>
+          <a:prstGeom prst="rect">
+            <a:avLst/>
+          </a:prstGeom>
+        </p:spPr>
+        <p:txBody>
+          <a:bodyPr vert="horz" lIns="91440" tIns="45720" rIns="91440" bIns="45720" rtlCol="0">
+            <a:normAutofit/>
+          </a:bodyPr>
+          <a:lstStyle>
+            <a:lvl1pPr marL="228600" indent="-228600" algn="l" defTabSz="914400" rtl="0" eaLnBrk="1" latinLnBrk="0" hangingPunct="1">
+              <a:lnSpc>
+                <a:spcPct val="90000"/>
+              </a:lnSpc>
+              <a:spcBef>
+                <a:spcPts val="1000"/>
+              </a:spcBef>
+              <a:buFont typeface="Arial" panose="020B0604020202020204" pitchFamily="34" charset="0"/>
+              <a:buChar char="•"/>
+              <a:defRPr sz="2800" kern="1200">
+                <a:solidFill>
+                  <a:schemeClr val="tx1"/>
+                </a:solidFill>
+                <a:latin typeface="+mn-lt"/>
+                <a:ea typeface="+mn-ea"/>
+                <a:cs typeface="+mn-cs"/>
+              </a:defRPr>
+            </a:lvl1pPr>
+            <a:lvl2pPr marL="685800" indent="-228600" algn="l" defTabSz="914400" rtl="0" eaLnBrk="1" latinLnBrk="0" hangingPunct="1">
+              <a:lnSpc>
+                <a:spcPct val="90000"/>
+              </a:lnSpc>
+              <a:spcBef>
+                <a:spcPts val="500"/>
+              </a:spcBef>
+              <a:buFont typeface="Arial" panose="020B0604020202020204" pitchFamily="34" charset="0"/>
+              <a:buChar char="•"/>
+              <a:defRPr sz="2400" kern="1200">
+                <a:solidFill>
+                  <a:schemeClr val="tx1"/>
+                </a:solidFill>
+                <a:latin typeface="+mn-lt"/>
+                <a:ea typeface="+mn-ea"/>
+                <a:cs typeface="+mn-cs"/>
+              </a:defRPr>
+            </a:lvl2pPr>
+            <a:lvl3pPr marL="1143000" indent="-228600" algn="l" defTabSz="914400" rtl="0" eaLnBrk="1" latinLnBrk="0" hangingPunct="1">
+              <a:lnSpc>
+                <a:spcPct val="90000"/>
+              </a:lnSpc>
+              <a:spcBef>
+                <a:spcPts val="500"/>
+              </a:spcBef>
+              <a:buFont typeface="Arial" panose="020B0604020202020204" pitchFamily="34" charset="0"/>
+              <a:buChar char="•"/>
+              <a:defRPr sz="2000" kern="1200">
+                <a:solidFill>
+                  <a:schemeClr val="tx1"/>
+                </a:solidFill>
+                <a:latin typeface="+mn-lt"/>
+                <a:ea typeface="+mn-ea"/>
+                <a:cs typeface="+mn-cs"/>
+              </a:defRPr>
+            </a:lvl3pPr>
+            <a:lvl4pPr marL="1600200" indent="-228600" algn="l" defTabSz="914400" rtl="0" eaLnBrk="1" latinLnBrk="0" hangingPunct="1">
+              <a:lnSpc>
+                <a:spcPct val="90000"/>
+              </a:lnSpc>
+              <a:spcBef>
+                <a:spcPts val="500"/>
+              </a:spcBef>
+              <a:buFont typeface="Arial" panose="020B0604020202020204" pitchFamily="34" charset="0"/>
+              <a:buChar char="•"/>
+              <a:defRPr sz="1800" kern="1200">
+                <a:solidFill>
+                  <a:schemeClr val="tx1"/>
+                </a:solidFill>
+                <a:latin typeface="+mn-lt"/>
+                <a:ea typeface="+mn-ea"/>
+                <a:cs typeface="+mn-cs"/>
+              </a:defRPr>
+            </a:lvl4pPr>
+            <a:lvl5pPr marL="2057400" indent="-228600" algn="l" defTabSz="914400" rtl="0" eaLnBrk="1" latinLnBrk="0" hangingPunct="1">
+              <a:lnSpc>
+                <a:spcPct val="90000"/>
+              </a:lnSpc>
+              <a:spcBef>
+                <a:spcPts val="500"/>
+              </a:spcBef>
+              <a:buFont typeface="Arial" panose="020B0604020202020204" pitchFamily="34" charset="0"/>
+              <a:buChar char="•"/>
+              <a:defRPr sz="1800" kern="1200">
+                <a:solidFill>
+                  <a:schemeClr val="tx1"/>
+                </a:solidFill>
+                <a:latin typeface="+mn-lt"/>
+                <a:ea typeface="+mn-ea"/>
+                <a:cs typeface="+mn-cs"/>
+              </a:defRPr>
+            </a:lvl5pPr>
+            <a:lvl6pPr marL="2514600" indent="-228600" algn="l" defTabSz="914400" rtl="0" eaLnBrk="1" latinLnBrk="0" hangingPunct="1">
+              <a:lnSpc>
+                <a:spcPct val="90000"/>
+              </a:lnSpc>
+              <a:spcBef>
+                <a:spcPts val="500"/>
+              </a:spcBef>
+              <a:buFont typeface="Arial" panose="020B0604020202020204" pitchFamily="34" charset="0"/>
+              <a:buChar char="•"/>
+              <a:defRPr sz="1800" kern="1200">
+                <a:solidFill>
+                  <a:schemeClr val="tx1"/>
+                </a:solidFill>
+                <a:latin typeface="+mn-lt"/>
+                <a:ea typeface="+mn-ea"/>
+                <a:cs typeface="+mn-cs"/>
+              </a:defRPr>
+            </a:lvl6pPr>
+            <a:lvl7pPr marL="2971800" indent="-228600" algn="l" defTabSz="914400" rtl="0" eaLnBrk="1" latinLnBrk="0" hangingPunct="1">
+              <a:lnSpc>
+                <a:spcPct val="90000"/>
+              </a:lnSpc>
+              <a:spcBef>
+                <a:spcPts val="500"/>
+              </a:spcBef>
+              <a:buFont typeface="Arial" panose="020B0604020202020204" pitchFamily="34" charset="0"/>
+              <a:buChar char="•"/>
+              <a:defRPr sz="1800" kern="1200">
+                <a:solidFill>
+                  <a:schemeClr val="tx1"/>
+                </a:solidFill>
+                <a:latin typeface="+mn-lt"/>
+                <a:ea typeface="+mn-ea"/>
+                <a:cs typeface="+mn-cs"/>
+              </a:defRPr>
+            </a:lvl7pPr>
+            <a:lvl8pPr marL="3429000" indent="-228600" algn="l" defTabSz="914400" rtl="0" eaLnBrk="1" latinLnBrk="0" hangingPunct="1">
+              <a:lnSpc>
+                <a:spcPct val="90000"/>
+              </a:lnSpc>
+              <a:spcBef>
+                <a:spcPts val="500"/>
+              </a:spcBef>
+              <a:buFont typeface="Arial" panose="020B0604020202020204" pitchFamily="34" charset="0"/>
+              <a:buChar char="•"/>
+              <a:defRPr sz="1800" kern="1200">
+                <a:solidFill>
+                  <a:schemeClr val="tx1"/>
+                </a:solidFill>
+                <a:latin typeface="+mn-lt"/>
+                <a:ea typeface="+mn-ea"/>
+                <a:cs typeface="+mn-cs"/>
+              </a:defRPr>
+            </a:lvl8pPr>
+            <a:lvl9pPr marL="3886200" indent="-228600" algn="l" defTabSz="914400" rtl="0" eaLnBrk="1" latinLnBrk="0" hangingPunct="1">
+              <a:lnSpc>
+                <a:spcPct val="90000"/>
+              </a:lnSpc>
+              <a:spcBef>
+                <a:spcPts val="500"/>
+              </a:spcBef>
+              <a:buFont typeface="Arial" panose="020B0604020202020204" pitchFamily="34" charset="0"/>
+              <a:buChar char="•"/>
+              <a:defRPr sz="1800" kern="1200">
+                <a:solidFill>
+                  <a:schemeClr val="tx1"/>
+                </a:solidFill>
+                <a:latin typeface="+mn-lt"/>
+                <a:ea typeface="+mn-ea"/>
+                <a:cs typeface="+mn-cs"/>
+              </a:defRPr>
+            </a:lvl9pPr>
+          </a:lstStyle>
+          <a:p>
+            <a:pPr marL="0" indent="0">
+              <a:buFont typeface="Arial" panose="020B0604020202020204" pitchFamily="34" charset="0"/>
+              <a:buNone/>
+            </a:pPr>
+            <a:r>
+              <a:rPr lang="en-US" dirty="0"/>
+              <a:t>During development</a:t>
+            </a:r>
+          </a:p>
+          <a:p>
+            <a:pPr marL="0" indent="0">
+              <a:buFont typeface="Arial" panose="020B0604020202020204" pitchFamily="34" charset="0"/>
+              <a:buNone/>
+            </a:pPr>
+            <a:r>
+              <a:rPr lang="en-US" dirty="0"/>
+              <a:t>Google Chrome</a:t>
+            </a:r>
+          </a:p>
+          <a:p>
+            <a:pPr marL="0" indent="0">
+              <a:buFont typeface="Arial" panose="020B0604020202020204" pitchFamily="34" charset="0"/>
+              <a:buNone/>
+            </a:pPr>
+            <a:endParaRPr lang="en-US" dirty="0"/>
+          </a:p>
+          <a:p>
+            <a:pPr marL="0" indent="0">
+              <a:buFont typeface="Arial" panose="020B0604020202020204" pitchFamily="34" charset="0"/>
+              <a:buNone/>
+            </a:pPr>
+            <a:r>
+              <a:rPr lang="en-US" dirty="0"/>
+              <a:t>During production</a:t>
+            </a:r>
+          </a:p>
+          <a:p>
+            <a:pPr marL="0" indent="0">
+              <a:buFont typeface="Arial" panose="020B0604020202020204" pitchFamily="34" charset="0"/>
+              <a:buNone/>
+            </a:pPr>
+            <a:r>
+              <a:rPr lang="en-US" dirty="0"/>
+              <a:t>Use of Babel to </a:t>
+            </a:r>
+            <a:r>
+              <a:rPr lang="en-US" dirty="0" err="1"/>
+              <a:t>transiple</a:t>
+            </a:r>
+            <a:r>
+              <a:rPr lang="en-US" dirty="0"/>
+              <a:t> and </a:t>
+            </a:r>
+            <a:r>
+              <a:rPr lang="en-US" dirty="0" err="1"/>
+              <a:t>polyfil</a:t>
+            </a:r>
+            <a:r>
+              <a:rPr lang="en-US" dirty="0"/>
+              <a:t> in code ( converting back to ES5 to ensure browser compatibility for all users.)</a:t>
+            </a:r>
+          </a:p>
+        </p:txBody>
+      </p:sp>
+    </p:spTree>
+    <p:extLst>
+      <p:ext uri="{BB962C8B-B14F-4D97-AF65-F5344CB8AC3E}">
+        <p14:creationId xmlns:p14="http://schemas.microsoft.com/office/powerpoint/2010/main" val="1387823357"/>
+      </p:ext>
+    </p:extLst>
+  </p:cSld>
+  <p:clrMapOvr>
+    <a:masterClrMapping/>
+  </p:clrMapOvr>
+</p:sld>
+</file>
+
+<file path=ppt/slides/slide27.xml><?xml version="1.0" encoding="utf-8"?>
+<p:sld xmlns:a="http://schemas.openxmlformats.org/drawingml/2006/main" xmlns:r="http://schemas.openxmlformats.org/officeDocument/2006/relationships" xmlns:p="http://schemas.openxmlformats.org/presentationml/2006/main">
+  <p:cSld>
+    <p:spTree>
+      <p:nvGrpSpPr>
+        <p:cNvPr id="1" name=""/>
+        <p:cNvGrpSpPr/>
+        <p:nvPr/>
+      </p:nvGrpSpPr>
+      <p:grpSpPr>
+        <a:xfrm>
+          <a:off x="0" y="0"/>
+          <a:ext cx="0" cy="0"/>
+          <a:chOff x="0" y="0"/>
+          <a:chExt cx="0" cy="0"/>
+        </a:xfrm>
+      </p:grpSpPr>
+      <p:sp>
+        <p:nvSpPr>
+          <p:cNvPr id="3" name="Content Placeholder 2">
+            <a:extLst>
+              <a:ext uri="{FF2B5EF4-FFF2-40B4-BE49-F238E27FC236}">
+                <a16:creationId xmlns:a16="http://schemas.microsoft.com/office/drawing/2014/main" id="{95FA5D23-F8AF-55DE-FB9C-228F1FA17C77}"/>
+              </a:ext>
+            </a:extLst>
+          </p:cNvPr>
+          <p:cNvSpPr>
+            <a:spLocks noGrp="1"/>
+          </p:cNvSpPr>
+          <p:nvPr>
+            <p:ph idx="1"/>
+          </p:nvPr>
+        </p:nvSpPr>
+        <p:spPr>
+          <a:xfrm>
+            <a:off x="838200" y="667657"/>
+            <a:ext cx="10515600" cy="5509306"/>
+          </a:xfrm>
+        </p:spPr>
+        <p:txBody>
+          <a:bodyPr/>
+          <a:lstStyle/>
+          <a:p>
+            <a:pPr marL="0" indent="0">
+              <a:buNone/>
+            </a:pPr>
+            <a:r>
+              <a:rPr lang="en-US" dirty="0"/>
+              <a:t>Learn modern JavaScript from the beginning!</a:t>
+            </a:r>
+          </a:p>
+          <a:p>
+            <a:pPr marL="0" indent="0">
+              <a:buNone/>
+            </a:pPr>
+            <a:endParaRPr lang="en-US" dirty="0"/>
+          </a:p>
+          <a:p>
+            <a:pPr marL="0" indent="0">
+              <a:buNone/>
+            </a:pPr>
+            <a:r>
+              <a:rPr lang="en-US" dirty="0"/>
+              <a:t>But , also learn how some things used to be done before moder JavaScript. Ex: const &amp; let , var)</a:t>
+            </a:r>
+          </a:p>
+          <a:p>
+            <a:pPr marL="0" indent="0">
+              <a:buNone/>
+            </a:pPr>
+            <a:endParaRPr lang="en-US" dirty="0"/>
+          </a:p>
+          <a:p>
+            <a:pPr marL="0" indent="0">
+              <a:buNone/>
+            </a:pPr>
+            <a:r>
+              <a:rPr lang="en-US" dirty="0"/>
+              <a:t>3 reasons why we should not forget the Good JavaScript:</a:t>
+            </a:r>
+          </a:p>
+          <a:p>
+            <a:pPr marL="514350" indent="-514350">
+              <a:buAutoNum type="arabicPeriod"/>
+            </a:pPr>
+            <a:r>
+              <a:rPr lang="en-US" dirty="0"/>
+              <a:t>Better understand how JS actually works.</a:t>
+            </a:r>
+          </a:p>
+          <a:p>
+            <a:pPr marL="514350" indent="-514350">
+              <a:buAutoNum type="arabicPeriod"/>
+            </a:pPr>
+            <a:r>
+              <a:rPr lang="en-US" dirty="0"/>
+              <a:t>Tutorial and project code are still in ES5;</a:t>
+            </a:r>
+          </a:p>
+          <a:p>
+            <a:pPr marL="514350" indent="-514350">
+              <a:buAutoNum type="arabicPeriod"/>
+            </a:pPr>
+            <a:r>
+              <a:rPr lang="en-US" dirty="0"/>
+              <a:t>Old codebases, written in ES5;</a:t>
+            </a:r>
+          </a:p>
+        </p:txBody>
+      </p:sp>
+    </p:spTree>
+    <p:extLst>
+      <p:ext uri="{BB962C8B-B14F-4D97-AF65-F5344CB8AC3E}">
+        <p14:creationId xmlns:p14="http://schemas.microsoft.com/office/powerpoint/2010/main" val="1018802716"/>
+      </p:ext>
+    </p:extLst>
+  </p:cSld>
+  <p:clrMapOvr>
+    <a:masterClrMapping/>
+  </p:clrMapOvr>
+</p:sld>
+</file>
+
+<file path=ppt/slides/slide28.xml><?xml version="1.0" encoding="utf-8"?>
+<p:sld xmlns:a="http://schemas.openxmlformats.org/drawingml/2006/main" xmlns:r="http://schemas.openxmlformats.org/officeDocument/2006/relationships" xmlns:p="http://schemas.openxmlformats.org/presentationml/2006/main">
+  <p:cSld>
+    <p:spTree>
+      <p:nvGrpSpPr>
+        <p:cNvPr id="1" name=""/>
+        <p:cNvGrpSpPr/>
+        <p:nvPr/>
+      </p:nvGrpSpPr>
+      <p:grpSpPr>
+        <a:xfrm>
+          <a:off x="0" y="0"/>
+          <a:ext cx="0" cy="0"/>
+          <a:chOff x="0" y="0"/>
+          <a:chExt cx="0" cy="0"/>
+        </a:xfrm>
+      </p:grpSpPr>
+      <p:sp>
+        <p:nvSpPr>
+          <p:cNvPr id="2" name="Title 1">
+            <a:extLst>
+              <a:ext uri="{FF2B5EF4-FFF2-40B4-BE49-F238E27FC236}">
+                <a16:creationId xmlns:a16="http://schemas.microsoft.com/office/drawing/2014/main" id="{BBF4A341-2FAD-EA9C-5EDE-896AB957593F}"/>
+              </a:ext>
+            </a:extLst>
+          </p:cNvPr>
+          <p:cNvSpPr>
+            <a:spLocks noGrp="1"/>
+          </p:cNvSpPr>
+          <p:nvPr>
+            <p:ph type="title"/>
+          </p:nvPr>
+        </p:nvSpPr>
+        <p:spPr/>
+        <p:txBody>
+          <a:bodyPr/>
+          <a:lstStyle/>
+          <a:p>
+            <a:r>
+              <a:rPr lang="en-US" dirty="0"/>
+              <a:t>Activating Strict Mode</a:t>
+            </a:r>
+          </a:p>
+        </p:txBody>
+      </p:sp>
+      <p:sp>
+        <p:nvSpPr>
+          <p:cNvPr id="3" name="Content Placeholder 2">
+            <a:extLst>
+              <a:ext uri="{FF2B5EF4-FFF2-40B4-BE49-F238E27FC236}">
+                <a16:creationId xmlns:a16="http://schemas.microsoft.com/office/drawing/2014/main" id="{577F5456-3C1D-9D0E-E635-C7CB0FFD16DE}"/>
+              </a:ext>
+            </a:extLst>
+          </p:cNvPr>
+          <p:cNvSpPr>
+            <a:spLocks noGrp="1"/>
+          </p:cNvSpPr>
+          <p:nvPr>
+            <p:ph idx="1"/>
+          </p:nvPr>
+        </p:nvSpPr>
+        <p:spPr/>
+        <p:txBody>
+          <a:bodyPr/>
+          <a:lstStyle/>
+          <a:p>
+            <a:endParaRPr lang="en-US"/>
+          </a:p>
+        </p:txBody>
+      </p:sp>
+    </p:spTree>
+    <p:extLst>
+      <p:ext uri="{BB962C8B-B14F-4D97-AF65-F5344CB8AC3E}">
+        <p14:creationId xmlns:p14="http://schemas.microsoft.com/office/powerpoint/2010/main" val="1643632092"/>
       </p:ext>
     </p:extLst>
   </p:cSld>

--- a/JavaScript.pptx
+++ b/JavaScript.pptx
@@ -5,7 +5,7 @@
     <p:sldMasterId id="2147483648" r:id="rId1"/>
   </p:sldMasterIdLst>
   <p:notesMasterIdLst>
-    <p:notesMasterId r:id="rId30"/>
+    <p:notesMasterId r:id="rId31"/>
   </p:notesMasterIdLst>
   <p:sldIdLst>
     <p:sldId id="256" r:id="rId2"/>
@@ -36,6 +36,7 @@
     <p:sldId id="281" r:id="rId27"/>
     <p:sldId id="282" r:id="rId28"/>
     <p:sldId id="283" r:id="rId29"/>
+    <p:sldId id="284" r:id="rId30"/>
   </p:sldIdLst>
   <p:sldSz cx="12192000" cy="6858000"/>
   <p:notesSz cx="6858000" cy="9144000"/>
@@ -510,7 +511,7 @@
           <a:p>
             <a:fld id="{19F43255-63C2-45C3-A55E-F07DF58CF366}" type="datetimeFigureOut">
               <a:rPr lang="en-US" smtClean="0"/>
-              <a:t>8/21/2024</a:t>
+              <a:t>8/22/2024</a:t>
             </a:fld>
             <a:endParaRPr lang="en-US"/>
           </a:p>
@@ -1008,7 +1009,7 @@
           <a:p>
             <a:fld id="{4BAACB4A-D2BC-4616-96DC-36385AED944F}" type="datetimeFigureOut">
               <a:rPr lang="en-US" smtClean="0"/>
-              <a:t>8/21/2024</a:t>
+              <a:t>8/22/2024</a:t>
             </a:fld>
             <a:endParaRPr lang="en-US"/>
           </a:p>
@@ -1206,7 +1207,7 @@
           <a:p>
             <a:fld id="{4BAACB4A-D2BC-4616-96DC-36385AED944F}" type="datetimeFigureOut">
               <a:rPr lang="en-US" smtClean="0"/>
-              <a:t>8/21/2024</a:t>
+              <a:t>8/22/2024</a:t>
             </a:fld>
             <a:endParaRPr lang="en-US"/>
           </a:p>
@@ -1414,7 +1415,7 @@
           <a:p>
             <a:fld id="{4BAACB4A-D2BC-4616-96DC-36385AED944F}" type="datetimeFigureOut">
               <a:rPr lang="en-US" smtClean="0"/>
-              <a:t>8/21/2024</a:t>
+              <a:t>8/22/2024</a:t>
             </a:fld>
             <a:endParaRPr lang="en-US"/>
           </a:p>
@@ -1612,7 +1613,7 @@
           <a:p>
             <a:fld id="{4BAACB4A-D2BC-4616-96DC-36385AED944F}" type="datetimeFigureOut">
               <a:rPr lang="en-US" smtClean="0"/>
-              <a:t>8/21/2024</a:t>
+              <a:t>8/22/2024</a:t>
             </a:fld>
             <a:endParaRPr lang="en-US"/>
           </a:p>
@@ -1887,7 +1888,7 @@
           <a:p>
             <a:fld id="{4BAACB4A-D2BC-4616-96DC-36385AED944F}" type="datetimeFigureOut">
               <a:rPr lang="en-US" smtClean="0"/>
-              <a:t>8/21/2024</a:t>
+              <a:t>8/22/2024</a:t>
             </a:fld>
             <a:endParaRPr lang="en-US"/>
           </a:p>
@@ -2152,7 +2153,7 @@
           <a:p>
             <a:fld id="{4BAACB4A-D2BC-4616-96DC-36385AED944F}" type="datetimeFigureOut">
               <a:rPr lang="en-US" smtClean="0"/>
-              <a:t>8/21/2024</a:t>
+              <a:t>8/22/2024</a:t>
             </a:fld>
             <a:endParaRPr lang="en-US"/>
           </a:p>
@@ -2564,7 +2565,7 @@
           <a:p>
             <a:fld id="{4BAACB4A-D2BC-4616-96DC-36385AED944F}" type="datetimeFigureOut">
               <a:rPr lang="en-US" smtClean="0"/>
-              <a:t>8/21/2024</a:t>
+              <a:t>8/22/2024</a:t>
             </a:fld>
             <a:endParaRPr lang="en-US"/>
           </a:p>
@@ -2705,7 +2706,7 @@
           <a:p>
             <a:fld id="{4BAACB4A-D2BC-4616-96DC-36385AED944F}" type="datetimeFigureOut">
               <a:rPr lang="en-US" smtClean="0"/>
-              <a:t>8/21/2024</a:t>
+              <a:t>8/22/2024</a:t>
             </a:fld>
             <a:endParaRPr lang="en-US"/>
           </a:p>
@@ -2818,7 +2819,7 @@
           <a:p>
             <a:fld id="{4BAACB4A-D2BC-4616-96DC-36385AED944F}" type="datetimeFigureOut">
               <a:rPr lang="en-US" smtClean="0"/>
-              <a:t>8/21/2024</a:t>
+              <a:t>8/22/2024</a:t>
             </a:fld>
             <a:endParaRPr lang="en-US"/>
           </a:p>
@@ -3129,7 +3130,7 @@
           <a:p>
             <a:fld id="{4BAACB4A-D2BC-4616-96DC-36385AED944F}" type="datetimeFigureOut">
               <a:rPr lang="en-US" smtClean="0"/>
-              <a:t>8/21/2024</a:t>
+              <a:t>8/22/2024</a:t>
             </a:fld>
             <a:endParaRPr lang="en-US"/>
           </a:p>
@@ -3417,7 +3418,7 @@
           <a:p>
             <a:fld id="{4BAACB4A-D2BC-4616-96DC-36385AED944F}" type="datetimeFigureOut">
               <a:rPr lang="en-US" smtClean="0"/>
-              <a:t>8/21/2024</a:t>
+              <a:t>8/22/2024</a:t>
             </a:fld>
             <a:endParaRPr lang="en-US"/>
           </a:p>
@@ -3658,7 +3659,7 @@
           <a:p>
             <a:fld id="{4BAACB4A-D2BC-4616-96DC-36385AED944F}" type="datetimeFigureOut">
               <a:rPr lang="en-US" smtClean="0"/>
-              <a:t>8/21/2024</a:t>
+              <a:t>8/22/2024</a:t>
             </a:fld>
             <a:endParaRPr lang="en-US"/>
           </a:p>
@@ -7496,6 +7497,92 @@
     <p:extLst>
       <p:ext uri="{BB962C8B-B14F-4D97-AF65-F5344CB8AC3E}">
         <p14:creationId xmlns:p14="http://schemas.microsoft.com/office/powerpoint/2010/main" val="1643632092"/>
+      </p:ext>
+    </p:extLst>
+  </p:cSld>
+  <p:clrMapOvr>
+    <a:masterClrMapping/>
+  </p:clrMapOvr>
+</p:sld>
+</file>
+
+<file path=ppt/slides/slide29.xml><?xml version="1.0" encoding="utf-8"?>
+<p:sld xmlns:a="http://schemas.openxmlformats.org/drawingml/2006/main" xmlns:r="http://schemas.openxmlformats.org/officeDocument/2006/relationships" xmlns:p="http://schemas.openxmlformats.org/presentationml/2006/main">
+  <p:cSld>
+    <p:spTree>
+      <p:nvGrpSpPr>
+        <p:cNvPr id="1" name=""/>
+        <p:cNvGrpSpPr/>
+        <p:nvPr/>
+      </p:nvGrpSpPr>
+      <p:grpSpPr>
+        <a:xfrm>
+          <a:off x="0" y="0"/>
+          <a:ext cx="0" cy="0"/>
+          <a:chOff x="0" y="0"/>
+          <a:chExt cx="0" cy="0"/>
+        </a:xfrm>
+      </p:grpSpPr>
+      <p:sp>
+        <p:nvSpPr>
+          <p:cNvPr id="2" name="Title 1">
+            <a:extLst>
+              <a:ext uri="{FF2B5EF4-FFF2-40B4-BE49-F238E27FC236}">
+                <a16:creationId xmlns:a16="http://schemas.microsoft.com/office/drawing/2014/main" id="{6CDDA796-9E66-54A2-4CF0-0F2772B12DC6}"/>
+              </a:ext>
+            </a:extLst>
+          </p:cNvPr>
+          <p:cNvSpPr>
+            <a:spLocks noGrp="1"/>
+          </p:cNvSpPr>
+          <p:nvPr>
+            <p:ph type="title"/>
+          </p:nvPr>
+        </p:nvSpPr>
+        <p:spPr/>
+        <p:txBody>
+          <a:bodyPr/>
+          <a:lstStyle/>
+          <a:p>
+            <a:r>
+              <a:rPr lang="en-US" dirty="0"/>
+              <a:t>Function </a:t>
+            </a:r>
+          </a:p>
+        </p:txBody>
+      </p:sp>
+      <p:sp>
+        <p:nvSpPr>
+          <p:cNvPr id="3" name="Content Placeholder 2">
+            <a:extLst>
+              <a:ext uri="{FF2B5EF4-FFF2-40B4-BE49-F238E27FC236}">
+                <a16:creationId xmlns:a16="http://schemas.microsoft.com/office/drawing/2014/main" id="{8029362A-21D2-EC8C-82E4-74DAE547AD77}"/>
+              </a:ext>
+            </a:extLst>
+          </p:cNvPr>
+          <p:cNvSpPr>
+            <a:spLocks noGrp="1"/>
+          </p:cNvSpPr>
+          <p:nvPr>
+            <p:ph idx="1"/>
+          </p:nvPr>
+        </p:nvSpPr>
+        <p:spPr/>
+        <p:txBody>
+          <a:bodyPr/>
+          <a:lstStyle/>
+          <a:p>
+            <a:r>
+              <a:rPr lang="en-US" dirty="0"/>
+              <a:t>Function declaration, expression.</a:t>
+            </a:r>
+          </a:p>
+        </p:txBody>
+      </p:sp>
+    </p:spTree>
+    <p:extLst>
+      <p:ext uri="{BB962C8B-B14F-4D97-AF65-F5344CB8AC3E}">
+        <p14:creationId xmlns:p14="http://schemas.microsoft.com/office/powerpoint/2010/main" val="722539866"/>
       </p:ext>
     </p:extLst>
   </p:cSld>

--- a/JavaScript.pptx
+++ b/JavaScript.pptx
@@ -5,7 +5,7 @@
     <p:sldMasterId id="2147483648" r:id="rId1"/>
   </p:sldMasterIdLst>
   <p:notesMasterIdLst>
-    <p:notesMasterId r:id="rId31"/>
+    <p:notesMasterId r:id="rId32"/>
   </p:notesMasterIdLst>
   <p:sldIdLst>
     <p:sldId id="256" r:id="rId2"/>
@@ -37,6 +37,7 @@
     <p:sldId id="282" r:id="rId28"/>
     <p:sldId id="283" r:id="rId29"/>
     <p:sldId id="284" r:id="rId30"/>
+    <p:sldId id="285" r:id="rId31"/>
   </p:sldIdLst>
   <p:sldSz cx="12192000" cy="6858000"/>
   <p:notesSz cx="6858000" cy="9144000"/>
@@ -511,7 +512,7 @@
           <a:p>
             <a:fld id="{19F43255-63C2-45C3-A55E-F07DF58CF366}" type="datetimeFigureOut">
               <a:rPr lang="en-US" smtClean="0"/>
-              <a:t>8/22/2024</a:t>
+              <a:t>8/23/2024</a:t>
             </a:fld>
             <a:endParaRPr lang="en-US"/>
           </a:p>
@@ -1009,7 +1010,7 @@
           <a:p>
             <a:fld id="{4BAACB4A-D2BC-4616-96DC-36385AED944F}" type="datetimeFigureOut">
               <a:rPr lang="en-US" smtClean="0"/>
-              <a:t>8/22/2024</a:t>
+              <a:t>8/23/2024</a:t>
             </a:fld>
             <a:endParaRPr lang="en-US"/>
           </a:p>
@@ -1207,7 +1208,7 @@
           <a:p>
             <a:fld id="{4BAACB4A-D2BC-4616-96DC-36385AED944F}" type="datetimeFigureOut">
               <a:rPr lang="en-US" smtClean="0"/>
-              <a:t>8/22/2024</a:t>
+              <a:t>8/23/2024</a:t>
             </a:fld>
             <a:endParaRPr lang="en-US"/>
           </a:p>
@@ -1415,7 +1416,7 @@
           <a:p>
             <a:fld id="{4BAACB4A-D2BC-4616-96DC-36385AED944F}" type="datetimeFigureOut">
               <a:rPr lang="en-US" smtClean="0"/>
-              <a:t>8/22/2024</a:t>
+              <a:t>8/23/2024</a:t>
             </a:fld>
             <a:endParaRPr lang="en-US"/>
           </a:p>
@@ -1613,7 +1614,7 @@
           <a:p>
             <a:fld id="{4BAACB4A-D2BC-4616-96DC-36385AED944F}" type="datetimeFigureOut">
               <a:rPr lang="en-US" smtClean="0"/>
-              <a:t>8/22/2024</a:t>
+              <a:t>8/23/2024</a:t>
             </a:fld>
             <a:endParaRPr lang="en-US"/>
           </a:p>
@@ -1888,7 +1889,7 @@
           <a:p>
             <a:fld id="{4BAACB4A-D2BC-4616-96DC-36385AED944F}" type="datetimeFigureOut">
               <a:rPr lang="en-US" smtClean="0"/>
-              <a:t>8/22/2024</a:t>
+              <a:t>8/23/2024</a:t>
             </a:fld>
             <a:endParaRPr lang="en-US"/>
           </a:p>
@@ -2153,7 +2154,7 @@
           <a:p>
             <a:fld id="{4BAACB4A-D2BC-4616-96DC-36385AED944F}" type="datetimeFigureOut">
               <a:rPr lang="en-US" smtClean="0"/>
-              <a:t>8/22/2024</a:t>
+              <a:t>8/23/2024</a:t>
             </a:fld>
             <a:endParaRPr lang="en-US"/>
           </a:p>
@@ -2565,7 +2566,7 @@
           <a:p>
             <a:fld id="{4BAACB4A-D2BC-4616-96DC-36385AED944F}" type="datetimeFigureOut">
               <a:rPr lang="en-US" smtClean="0"/>
-              <a:t>8/22/2024</a:t>
+              <a:t>8/23/2024</a:t>
             </a:fld>
             <a:endParaRPr lang="en-US"/>
           </a:p>
@@ -2706,7 +2707,7 @@
           <a:p>
             <a:fld id="{4BAACB4A-D2BC-4616-96DC-36385AED944F}" type="datetimeFigureOut">
               <a:rPr lang="en-US" smtClean="0"/>
-              <a:t>8/22/2024</a:t>
+              <a:t>8/23/2024</a:t>
             </a:fld>
             <a:endParaRPr lang="en-US"/>
           </a:p>
@@ -2819,7 +2820,7 @@
           <a:p>
             <a:fld id="{4BAACB4A-D2BC-4616-96DC-36385AED944F}" type="datetimeFigureOut">
               <a:rPr lang="en-US" smtClean="0"/>
-              <a:t>8/22/2024</a:t>
+              <a:t>8/23/2024</a:t>
             </a:fld>
             <a:endParaRPr lang="en-US"/>
           </a:p>
@@ -3130,7 +3131,7 @@
           <a:p>
             <a:fld id="{4BAACB4A-D2BC-4616-96DC-36385AED944F}" type="datetimeFigureOut">
               <a:rPr lang="en-US" smtClean="0"/>
-              <a:t>8/22/2024</a:t>
+              <a:t>8/23/2024</a:t>
             </a:fld>
             <a:endParaRPr lang="en-US"/>
           </a:p>
@@ -3418,7 +3419,7 @@
           <a:p>
             <a:fld id="{4BAACB4A-D2BC-4616-96DC-36385AED944F}" type="datetimeFigureOut">
               <a:rPr lang="en-US" smtClean="0"/>
-              <a:t>8/22/2024</a:t>
+              <a:t>8/23/2024</a:t>
             </a:fld>
             <a:endParaRPr lang="en-US"/>
           </a:p>
@@ -3659,7 +3660,7 @@
           <a:p>
             <a:fld id="{4BAACB4A-D2BC-4616-96DC-36385AED944F}" type="datetimeFigureOut">
               <a:rPr lang="en-US" smtClean="0"/>
-              <a:t>8/22/2024</a:t>
+              <a:t>8/23/2024</a:t>
             </a:fld>
             <a:endParaRPr lang="en-US"/>
           </a:p>
@@ -7577,6 +7578,15 @@
               <a:t>Function declaration, expression.</a:t>
             </a:r>
           </a:p>
+          <a:p>
+            <a:endParaRPr lang="en-US" dirty="0"/>
+          </a:p>
+          <a:p>
+            <a:r>
+              <a:rPr lang="en-US" dirty="0"/>
+              <a:t>Arrow Functions</a:t>
+            </a:r>
+          </a:p>
         </p:txBody>
       </p:sp>
     </p:spTree>
@@ -7669,6 +7679,64 @@
     <p:extLst>
       <p:ext uri="{BB962C8B-B14F-4D97-AF65-F5344CB8AC3E}">
         <p14:creationId xmlns:p14="http://schemas.microsoft.com/office/powerpoint/2010/main" val="3376528104"/>
+      </p:ext>
+    </p:extLst>
+  </p:cSld>
+  <p:clrMapOvr>
+    <a:masterClrMapping/>
+  </p:clrMapOvr>
+</p:sld>
+</file>
+
+<file path=ppt/slides/slide30.xml><?xml version="1.0" encoding="utf-8"?>
+<p:sld xmlns:a="http://schemas.openxmlformats.org/drawingml/2006/main" xmlns:r="http://schemas.openxmlformats.org/officeDocument/2006/relationships" xmlns:p="http://schemas.openxmlformats.org/presentationml/2006/main">
+  <p:cSld>
+    <p:spTree>
+      <p:nvGrpSpPr>
+        <p:cNvPr id="1" name=""/>
+        <p:cNvGrpSpPr/>
+        <p:nvPr/>
+      </p:nvGrpSpPr>
+      <p:grpSpPr>
+        <a:xfrm>
+          <a:off x="0" y="0"/>
+          <a:ext cx="0" cy="0"/>
+          <a:chOff x="0" y="0"/>
+          <a:chExt cx="0" cy="0"/>
+        </a:xfrm>
+      </p:grpSpPr>
+      <p:sp>
+        <p:nvSpPr>
+          <p:cNvPr id="2" name="Title 1">
+            <a:extLst>
+              <a:ext uri="{FF2B5EF4-FFF2-40B4-BE49-F238E27FC236}">
+                <a16:creationId xmlns:a16="http://schemas.microsoft.com/office/drawing/2014/main" id="{4670C2F8-9B6B-8359-6344-DD2B850CC81C}"/>
+              </a:ext>
+            </a:extLst>
+          </p:cNvPr>
+          <p:cNvSpPr>
+            <a:spLocks noGrp="1"/>
+          </p:cNvSpPr>
+          <p:nvPr>
+            <p:ph type="title"/>
+          </p:nvPr>
+        </p:nvSpPr>
+        <p:spPr/>
+        <p:txBody>
+          <a:bodyPr/>
+          <a:lstStyle/>
+          <a:p>
+            <a:r>
+              <a:rPr lang="en-US" dirty="0"/>
+              <a:t>Functions calling other functions</a:t>
+            </a:r>
+          </a:p>
+        </p:txBody>
+      </p:sp>
+    </p:spTree>
+    <p:extLst>
+      <p:ext uri="{BB962C8B-B14F-4D97-AF65-F5344CB8AC3E}">
+        <p14:creationId xmlns:p14="http://schemas.microsoft.com/office/powerpoint/2010/main" val="1803093208"/>
       </p:ext>
     </p:extLst>
   </p:cSld>

--- a/JavaScript.pptx
+++ b/JavaScript.pptx
@@ -5,7 +5,7 @@
     <p:sldMasterId id="2147483648" r:id="rId1"/>
   </p:sldMasterIdLst>
   <p:notesMasterIdLst>
-    <p:notesMasterId r:id="rId32"/>
+    <p:notesMasterId r:id="rId35"/>
   </p:notesMasterIdLst>
   <p:sldIdLst>
     <p:sldId id="256" r:id="rId2"/>
@@ -38,6 +38,9 @@
     <p:sldId id="283" r:id="rId29"/>
     <p:sldId id="284" r:id="rId30"/>
     <p:sldId id="285" r:id="rId31"/>
+    <p:sldId id="286" r:id="rId32"/>
+    <p:sldId id="287" r:id="rId33"/>
+    <p:sldId id="288" r:id="rId34"/>
   </p:sldIdLst>
   <p:sldSz cx="12192000" cy="6858000"/>
   <p:notesSz cx="6858000" cy="9144000"/>
@@ -512,7 +515,7 @@
           <a:p>
             <a:fld id="{19F43255-63C2-45C3-A55E-F07DF58CF366}" type="datetimeFigureOut">
               <a:rPr lang="en-US" smtClean="0"/>
-              <a:t>8/23/2024</a:t>
+              <a:t>8/28/2024</a:t>
             </a:fld>
             <a:endParaRPr lang="en-US"/>
           </a:p>
@@ -1010,7 +1013,7 @@
           <a:p>
             <a:fld id="{4BAACB4A-D2BC-4616-96DC-36385AED944F}" type="datetimeFigureOut">
               <a:rPr lang="en-US" smtClean="0"/>
-              <a:t>8/23/2024</a:t>
+              <a:t>8/28/2024</a:t>
             </a:fld>
             <a:endParaRPr lang="en-US"/>
           </a:p>
@@ -1208,7 +1211,7 @@
           <a:p>
             <a:fld id="{4BAACB4A-D2BC-4616-96DC-36385AED944F}" type="datetimeFigureOut">
               <a:rPr lang="en-US" smtClean="0"/>
-              <a:t>8/23/2024</a:t>
+              <a:t>8/28/2024</a:t>
             </a:fld>
             <a:endParaRPr lang="en-US"/>
           </a:p>
@@ -1416,7 +1419,7 @@
           <a:p>
             <a:fld id="{4BAACB4A-D2BC-4616-96DC-36385AED944F}" type="datetimeFigureOut">
               <a:rPr lang="en-US" smtClean="0"/>
-              <a:t>8/23/2024</a:t>
+              <a:t>8/28/2024</a:t>
             </a:fld>
             <a:endParaRPr lang="en-US"/>
           </a:p>
@@ -1614,7 +1617,7 @@
           <a:p>
             <a:fld id="{4BAACB4A-D2BC-4616-96DC-36385AED944F}" type="datetimeFigureOut">
               <a:rPr lang="en-US" smtClean="0"/>
-              <a:t>8/23/2024</a:t>
+              <a:t>8/28/2024</a:t>
             </a:fld>
             <a:endParaRPr lang="en-US"/>
           </a:p>
@@ -1889,7 +1892,7 @@
           <a:p>
             <a:fld id="{4BAACB4A-D2BC-4616-96DC-36385AED944F}" type="datetimeFigureOut">
               <a:rPr lang="en-US" smtClean="0"/>
-              <a:t>8/23/2024</a:t>
+              <a:t>8/28/2024</a:t>
             </a:fld>
             <a:endParaRPr lang="en-US"/>
           </a:p>
@@ -2154,7 +2157,7 @@
           <a:p>
             <a:fld id="{4BAACB4A-D2BC-4616-96DC-36385AED944F}" type="datetimeFigureOut">
               <a:rPr lang="en-US" smtClean="0"/>
-              <a:t>8/23/2024</a:t>
+              <a:t>8/28/2024</a:t>
             </a:fld>
             <a:endParaRPr lang="en-US"/>
           </a:p>
@@ -2566,7 +2569,7 @@
           <a:p>
             <a:fld id="{4BAACB4A-D2BC-4616-96DC-36385AED944F}" type="datetimeFigureOut">
               <a:rPr lang="en-US" smtClean="0"/>
-              <a:t>8/23/2024</a:t>
+              <a:t>8/28/2024</a:t>
             </a:fld>
             <a:endParaRPr lang="en-US"/>
           </a:p>
@@ -2707,7 +2710,7 @@
           <a:p>
             <a:fld id="{4BAACB4A-D2BC-4616-96DC-36385AED944F}" type="datetimeFigureOut">
               <a:rPr lang="en-US" smtClean="0"/>
-              <a:t>8/23/2024</a:t>
+              <a:t>8/28/2024</a:t>
             </a:fld>
             <a:endParaRPr lang="en-US"/>
           </a:p>
@@ -2820,7 +2823,7 @@
           <a:p>
             <a:fld id="{4BAACB4A-D2BC-4616-96DC-36385AED944F}" type="datetimeFigureOut">
               <a:rPr lang="en-US" smtClean="0"/>
-              <a:t>8/23/2024</a:t>
+              <a:t>8/28/2024</a:t>
             </a:fld>
             <a:endParaRPr lang="en-US"/>
           </a:p>
@@ -3131,7 +3134,7 @@
           <a:p>
             <a:fld id="{4BAACB4A-D2BC-4616-96DC-36385AED944F}" type="datetimeFigureOut">
               <a:rPr lang="en-US" smtClean="0"/>
-              <a:t>8/23/2024</a:t>
+              <a:t>8/28/2024</a:t>
             </a:fld>
             <a:endParaRPr lang="en-US"/>
           </a:p>
@@ -3419,7 +3422,7 @@
           <a:p>
             <a:fld id="{4BAACB4A-D2BC-4616-96DC-36385AED944F}" type="datetimeFigureOut">
               <a:rPr lang="en-US" smtClean="0"/>
-              <a:t>8/23/2024</a:t>
+              <a:t>8/28/2024</a:t>
             </a:fld>
             <a:endParaRPr lang="en-US"/>
           </a:p>
@@ -3660,7 +3663,7 @@
           <a:p>
             <a:fld id="{4BAACB4A-D2BC-4616-96DC-36385AED944F}" type="datetimeFigureOut">
               <a:rPr lang="en-US" smtClean="0"/>
-              <a:t>8/23/2024</a:t>
+              <a:t>8/28/2024</a:t>
             </a:fld>
             <a:endParaRPr lang="en-US"/>
           </a:p>
@@ -7547,7 +7550,7 @@
           <a:p>
             <a:r>
               <a:rPr lang="en-US" dirty="0"/>
-              <a:t>Function </a:t>
+              <a:t>Function</a:t>
             </a:r>
           </a:p>
         </p:txBody>
@@ -7586,6 +7589,9 @@
               <a:rPr lang="en-US" dirty="0"/>
               <a:t>Arrow Functions</a:t>
             </a:r>
+          </a:p>
+          <a:p>
+            <a:endParaRPr lang="en-US" dirty="0"/>
           </a:p>
         </p:txBody>
       </p:sp>
@@ -7737,6 +7743,302 @@
     <p:extLst>
       <p:ext uri="{BB962C8B-B14F-4D97-AF65-F5344CB8AC3E}">
         <p14:creationId xmlns:p14="http://schemas.microsoft.com/office/powerpoint/2010/main" val="1803093208"/>
+      </p:ext>
+    </p:extLst>
+  </p:cSld>
+  <p:clrMapOvr>
+    <a:masterClrMapping/>
+  </p:clrMapOvr>
+</p:sld>
+</file>
+
+<file path=ppt/slides/slide31.xml><?xml version="1.0" encoding="utf-8"?>
+<p:sld xmlns:a="http://schemas.openxmlformats.org/drawingml/2006/main" xmlns:r="http://schemas.openxmlformats.org/officeDocument/2006/relationships" xmlns:p="http://schemas.openxmlformats.org/presentationml/2006/main">
+  <p:cSld>
+    <p:spTree>
+      <p:nvGrpSpPr>
+        <p:cNvPr id="1" name=""/>
+        <p:cNvGrpSpPr/>
+        <p:nvPr/>
+      </p:nvGrpSpPr>
+      <p:grpSpPr>
+        <a:xfrm>
+          <a:off x="0" y="0"/>
+          <a:ext cx="0" cy="0"/>
+          <a:chOff x="0" y="0"/>
+          <a:chExt cx="0" cy="0"/>
+        </a:xfrm>
+      </p:grpSpPr>
+      <p:sp>
+        <p:nvSpPr>
+          <p:cNvPr id="2" name="Title 1">
+            <a:extLst>
+              <a:ext uri="{FF2B5EF4-FFF2-40B4-BE49-F238E27FC236}">
+                <a16:creationId xmlns:a16="http://schemas.microsoft.com/office/drawing/2014/main" id="{51697512-CCF3-A2D8-2E8E-7C1F17DAAA21}"/>
+              </a:ext>
+            </a:extLst>
+          </p:cNvPr>
+          <p:cNvSpPr>
+            <a:spLocks noGrp="1"/>
+          </p:cNvSpPr>
+          <p:nvPr>
+            <p:ph type="title"/>
+          </p:nvPr>
+        </p:nvSpPr>
+        <p:spPr/>
+        <p:txBody>
+          <a:bodyPr/>
+          <a:lstStyle/>
+          <a:p>
+            <a:endParaRPr lang="en-US"/>
+          </a:p>
+        </p:txBody>
+      </p:sp>
+      <p:sp>
+        <p:nvSpPr>
+          <p:cNvPr id="3" name="Content Placeholder 2">
+            <a:extLst>
+              <a:ext uri="{FF2B5EF4-FFF2-40B4-BE49-F238E27FC236}">
+                <a16:creationId xmlns:a16="http://schemas.microsoft.com/office/drawing/2014/main" id="{791D62AE-6DEA-B777-BB2E-6A85E6E4DD25}"/>
+              </a:ext>
+            </a:extLst>
+          </p:cNvPr>
+          <p:cNvSpPr>
+            <a:spLocks noGrp="1"/>
+          </p:cNvSpPr>
+          <p:nvPr>
+            <p:ph idx="1"/>
+          </p:nvPr>
+        </p:nvSpPr>
+        <p:spPr/>
+        <p:txBody>
+          <a:bodyPr/>
+          <a:lstStyle/>
+          <a:p>
+            <a:r>
+              <a:rPr lang="en-US" dirty="0"/>
+              <a:t>Function declaration : Function that can be used before it’s declared.</a:t>
+            </a:r>
+          </a:p>
+          <a:p>
+            <a:r>
+              <a:rPr lang="en-US" dirty="0"/>
+              <a:t>Function expression : Essentially a function value stored in a variable.</a:t>
+            </a:r>
+          </a:p>
+          <a:p>
+            <a:r>
+              <a:rPr lang="en-US" dirty="0"/>
+              <a:t>Arrow function: Great for a quick one-line functions. Has no this keyword.</a:t>
+            </a:r>
+          </a:p>
+          <a:p>
+            <a:endParaRPr lang="en-US" dirty="0"/>
+          </a:p>
+          <a:p>
+            <a:pPr marL="0" indent="0">
+              <a:buNone/>
+            </a:pPr>
+            <a:r>
+              <a:rPr lang="en-US" dirty="0"/>
+              <a:t>Three different ways of writing functions, but they all work in a similar way; receive input data, transform data, and then output data.</a:t>
+            </a:r>
+          </a:p>
+        </p:txBody>
+      </p:sp>
+    </p:spTree>
+    <p:extLst>
+      <p:ext uri="{BB962C8B-B14F-4D97-AF65-F5344CB8AC3E}">
+        <p14:creationId xmlns:p14="http://schemas.microsoft.com/office/powerpoint/2010/main" val="2277136636"/>
+      </p:ext>
+    </p:extLst>
+  </p:cSld>
+  <p:clrMapOvr>
+    <a:masterClrMapping/>
+  </p:clrMapOvr>
+</p:sld>
+</file>
+
+<file path=ppt/slides/slide32.xml><?xml version="1.0" encoding="utf-8"?>
+<p:sld xmlns:a="http://schemas.openxmlformats.org/drawingml/2006/main" xmlns:r="http://schemas.openxmlformats.org/officeDocument/2006/relationships" xmlns:p="http://schemas.openxmlformats.org/presentationml/2006/main">
+  <p:cSld>
+    <p:spTree>
+      <p:nvGrpSpPr>
+        <p:cNvPr id="1" name=""/>
+        <p:cNvGrpSpPr/>
+        <p:nvPr/>
+      </p:nvGrpSpPr>
+      <p:grpSpPr>
+        <a:xfrm>
+          <a:off x="0" y="0"/>
+          <a:ext cx="0" cy="0"/>
+          <a:chOff x="0" y="0"/>
+          <a:chExt cx="0" cy="0"/>
+        </a:xfrm>
+      </p:grpSpPr>
+      <p:sp>
+        <p:nvSpPr>
+          <p:cNvPr id="3" name="Content Placeholder 2">
+            <a:extLst>
+              <a:ext uri="{FF2B5EF4-FFF2-40B4-BE49-F238E27FC236}">
+                <a16:creationId xmlns:a16="http://schemas.microsoft.com/office/drawing/2014/main" id="{40154C1F-719F-81AC-F214-4CC653CC21C5}"/>
+              </a:ext>
+            </a:extLst>
+          </p:cNvPr>
+          <p:cNvSpPr>
+            <a:spLocks noGrp="1"/>
+          </p:cNvSpPr>
+          <p:nvPr>
+            <p:ph idx="1"/>
+          </p:nvPr>
+        </p:nvSpPr>
+        <p:spPr>
+          <a:xfrm>
+            <a:off x="838200" y="188686"/>
+            <a:ext cx="10515600" cy="5988277"/>
+          </a:xfrm>
+        </p:spPr>
+        <p:txBody>
+          <a:bodyPr>
+            <a:normAutofit/>
+          </a:bodyPr>
+          <a:lstStyle/>
+          <a:p>
+            <a:r>
+              <a:rPr lang="en-US" dirty="0"/>
+              <a:t>Function name</a:t>
+            </a:r>
+          </a:p>
+          <a:p>
+            <a:r>
+              <a:rPr lang="en-US" dirty="0"/>
+              <a:t>Parameters: placeholders to receive input values. Like local variables of a function.</a:t>
+            </a:r>
+          </a:p>
+          <a:p>
+            <a:r>
+              <a:rPr lang="en-US" dirty="0"/>
+              <a:t>Function body : block of code that we want to reuse. Processes the function’s input data</a:t>
+            </a:r>
+          </a:p>
+          <a:p>
+            <a:pPr marL="0" indent="0">
+              <a:buNone/>
+            </a:pPr>
+            <a:endParaRPr lang="en-US" dirty="0"/>
+          </a:p>
+          <a:p>
+            <a:pPr marL="0" indent="0">
+              <a:buNone/>
+            </a:pPr>
+            <a:endParaRPr lang="en-US" dirty="0"/>
+          </a:p>
+          <a:p>
+            <a:pPr marL="0" indent="0">
+              <a:buNone/>
+            </a:pPr>
+            <a:r>
+              <a:rPr lang="en-US" dirty="0"/>
+              <a:t>Calling, running or invoking the function, using ().</a:t>
+            </a:r>
+          </a:p>
+          <a:p>
+            <a:pPr marL="0" indent="0">
+              <a:buNone/>
+            </a:pPr>
+            <a:r>
+              <a:rPr lang="en-US" dirty="0"/>
+              <a:t>Variable to save returned.</a:t>
+            </a:r>
+          </a:p>
+          <a:p>
+            <a:pPr marL="0" indent="0">
+              <a:buNone/>
+            </a:pPr>
+            <a:r>
+              <a:rPr lang="en-US" dirty="0"/>
+              <a:t>Arguments: actual values;</a:t>
+            </a:r>
+          </a:p>
+          <a:p>
+            <a:pPr marL="0" indent="0">
+              <a:buNone/>
+            </a:pPr>
+            <a:endParaRPr lang="en-US" dirty="0"/>
+          </a:p>
+          <a:p>
+            <a:pPr marL="0" indent="0">
+              <a:buNone/>
+            </a:pPr>
+            <a:r>
+              <a:rPr lang="en-US" dirty="0"/>
+              <a:t>Return statement to output a value from the function.</a:t>
+            </a:r>
+          </a:p>
+        </p:txBody>
+      </p:sp>
+    </p:spTree>
+    <p:extLst>
+      <p:ext uri="{BB962C8B-B14F-4D97-AF65-F5344CB8AC3E}">
+        <p14:creationId xmlns:p14="http://schemas.microsoft.com/office/powerpoint/2010/main" val="2790488496"/>
+      </p:ext>
+    </p:extLst>
+  </p:cSld>
+  <p:clrMapOvr>
+    <a:masterClrMapping/>
+  </p:clrMapOvr>
+</p:sld>
+</file>
+
+<file path=ppt/slides/slide33.xml><?xml version="1.0" encoding="utf-8"?>
+<p:sld xmlns:a="http://schemas.openxmlformats.org/drawingml/2006/main" xmlns:r="http://schemas.openxmlformats.org/officeDocument/2006/relationships" xmlns:p="http://schemas.openxmlformats.org/presentationml/2006/main">
+  <p:cSld>
+    <p:spTree>
+      <p:nvGrpSpPr>
+        <p:cNvPr id="1" name=""/>
+        <p:cNvGrpSpPr/>
+        <p:nvPr/>
+      </p:nvGrpSpPr>
+      <p:grpSpPr>
+        <a:xfrm>
+          <a:off x="0" y="0"/>
+          <a:ext cx="0" cy="0"/>
+          <a:chOff x="0" y="0"/>
+          <a:chExt cx="0" cy="0"/>
+        </a:xfrm>
+      </p:grpSpPr>
+      <p:sp>
+        <p:nvSpPr>
+          <p:cNvPr id="2" name="Title 1">
+            <a:extLst>
+              <a:ext uri="{FF2B5EF4-FFF2-40B4-BE49-F238E27FC236}">
+                <a16:creationId xmlns:a16="http://schemas.microsoft.com/office/drawing/2014/main" id="{6A0F814F-84FB-3021-1980-C99F331C65AE}"/>
+              </a:ext>
+            </a:extLst>
+          </p:cNvPr>
+          <p:cNvSpPr>
+            <a:spLocks noGrp="1"/>
+          </p:cNvSpPr>
+          <p:nvPr>
+            <p:ph type="title"/>
+          </p:nvPr>
+        </p:nvSpPr>
+        <p:spPr/>
+        <p:txBody>
+          <a:bodyPr/>
+          <a:lstStyle/>
+          <a:p>
+            <a:r>
+              <a:rPr lang="en-US" dirty="0"/>
+              <a:t>Array</a:t>
+            </a:r>
+          </a:p>
+        </p:txBody>
+      </p:sp>
+    </p:spTree>
+    <p:extLst>
+      <p:ext uri="{BB962C8B-B14F-4D97-AF65-F5344CB8AC3E}">
+        <p14:creationId xmlns:p14="http://schemas.microsoft.com/office/powerpoint/2010/main" val="4160949821"/>
       </p:ext>
     </p:extLst>
   </p:cSld>

--- a/JavaScript.pptx
+++ b/JavaScript.pptx
@@ -5,7 +5,7 @@
     <p:sldMasterId id="2147483648" r:id="rId1"/>
   </p:sldMasterIdLst>
   <p:notesMasterIdLst>
-    <p:notesMasterId r:id="rId35"/>
+    <p:notesMasterId r:id="rId36"/>
   </p:notesMasterIdLst>
   <p:sldIdLst>
     <p:sldId id="256" r:id="rId2"/>
@@ -41,6 +41,7 @@
     <p:sldId id="286" r:id="rId32"/>
     <p:sldId id="287" r:id="rId33"/>
     <p:sldId id="288" r:id="rId34"/>
+    <p:sldId id="289" r:id="rId35"/>
   </p:sldIdLst>
   <p:sldSz cx="12192000" cy="6858000"/>
   <p:notesSz cx="6858000" cy="9144000"/>
@@ -515,7 +516,7 @@
           <a:p>
             <a:fld id="{19F43255-63C2-45C3-A55E-F07DF58CF366}" type="datetimeFigureOut">
               <a:rPr lang="en-US" smtClean="0"/>
-              <a:t>8/28/2024</a:t>
+              <a:t>8/29/2024</a:t>
             </a:fld>
             <a:endParaRPr lang="en-US"/>
           </a:p>
@@ -1013,7 +1014,7 @@
           <a:p>
             <a:fld id="{4BAACB4A-D2BC-4616-96DC-36385AED944F}" type="datetimeFigureOut">
               <a:rPr lang="en-US" smtClean="0"/>
-              <a:t>8/28/2024</a:t>
+              <a:t>8/29/2024</a:t>
             </a:fld>
             <a:endParaRPr lang="en-US"/>
           </a:p>
@@ -1211,7 +1212,7 @@
           <a:p>
             <a:fld id="{4BAACB4A-D2BC-4616-96DC-36385AED944F}" type="datetimeFigureOut">
               <a:rPr lang="en-US" smtClean="0"/>
-              <a:t>8/28/2024</a:t>
+              <a:t>8/29/2024</a:t>
             </a:fld>
             <a:endParaRPr lang="en-US"/>
           </a:p>
@@ -1419,7 +1420,7 @@
           <a:p>
             <a:fld id="{4BAACB4A-D2BC-4616-96DC-36385AED944F}" type="datetimeFigureOut">
               <a:rPr lang="en-US" smtClean="0"/>
-              <a:t>8/28/2024</a:t>
+              <a:t>8/29/2024</a:t>
             </a:fld>
             <a:endParaRPr lang="en-US"/>
           </a:p>
@@ -1617,7 +1618,7 @@
           <a:p>
             <a:fld id="{4BAACB4A-D2BC-4616-96DC-36385AED944F}" type="datetimeFigureOut">
               <a:rPr lang="en-US" smtClean="0"/>
-              <a:t>8/28/2024</a:t>
+              <a:t>8/29/2024</a:t>
             </a:fld>
             <a:endParaRPr lang="en-US"/>
           </a:p>
@@ -1892,7 +1893,7 @@
           <a:p>
             <a:fld id="{4BAACB4A-D2BC-4616-96DC-36385AED944F}" type="datetimeFigureOut">
               <a:rPr lang="en-US" smtClean="0"/>
-              <a:t>8/28/2024</a:t>
+              <a:t>8/29/2024</a:t>
             </a:fld>
             <a:endParaRPr lang="en-US"/>
           </a:p>
@@ -2157,7 +2158,7 @@
           <a:p>
             <a:fld id="{4BAACB4A-D2BC-4616-96DC-36385AED944F}" type="datetimeFigureOut">
               <a:rPr lang="en-US" smtClean="0"/>
-              <a:t>8/28/2024</a:t>
+              <a:t>8/29/2024</a:t>
             </a:fld>
             <a:endParaRPr lang="en-US"/>
           </a:p>
@@ -2569,7 +2570,7 @@
           <a:p>
             <a:fld id="{4BAACB4A-D2BC-4616-96DC-36385AED944F}" type="datetimeFigureOut">
               <a:rPr lang="en-US" smtClean="0"/>
-              <a:t>8/28/2024</a:t>
+              <a:t>8/29/2024</a:t>
             </a:fld>
             <a:endParaRPr lang="en-US"/>
           </a:p>
@@ -2710,7 +2711,7 @@
           <a:p>
             <a:fld id="{4BAACB4A-D2BC-4616-96DC-36385AED944F}" type="datetimeFigureOut">
               <a:rPr lang="en-US" smtClean="0"/>
-              <a:t>8/28/2024</a:t>
+              <a:t>8/29/2024</a:t>
             </a:fld>
             <a:endParaRPr lang="en-US"/>
           </a:p>
@@ -2823,7 +2824,7 @@
           <a:p>
             <a:fld id="{4BAACB4A-D2BC-4616-96DC-36385AED944F}" type="datetimeFigureOut">
               <a:rPr lang="en-US" smtClean="0"/>
-              <a:t>8/28/2024</a:t>
+              <a:t>8/29/2024</a:t>
             </a:fld>
             <a:endParaRPr lang="en-US"/>
           </a:p>
@@ -3134,7 +3135,7 @@
           <a:p>
             <a:fld id="{4BAACB4A-D2BC-4616-96DC-36385AED944F}" type="datetimeFigureOut">
               <a:rPr lang="en-US" smtClean="0"/>
-              <a:t>8/28/2024</a:t>
+              <a:t>8/29/2024</a:t>
             </a:fld>
             <a:endParaRPr lang="en-US"/>
           </a:p>
@@ -3422,7 +3423,7 @@
           <a:p>
             <a:fld id="{4BAACB4A-D2BC-4616-96DC-36385AED944F}" type="datetimeFigureOut">
               <a:rPr lang="en-US" smtClean="0"/>
-              <a:t>8/28/2024</a:t>
+              <a:t>8/29/2024</a:t>
             </a:fld>
             <a:endParaRPr lang="en-US"/>
           </a:p>
@@ -3663,7 +3664,7 @@
           <a:p>
             <a:fld id="{4BAACB4A-D2BC-4616-96DC-36385AED944F}" type="datetimeFigureOut">
               <a:rPr lang="en-US" smtClean="0"/>
-              <a:t>8/28/2024</a:t>
+              <a:t>8/29/2024</a:t>
             </a:fld>
             <a:endParaRPr lang="en-US"/>
           </a:p>
@@ -8023,15 +8024,39 @@
             <p:ph type="title"/>
           </p:nvPr>
         </p:nvSpPr>
-        <p:spPr/>
-        <p:txBody>
-          <a:bodyPr/>
+        <p:spPr>
+          <a:xfrm>
+            <a:off x="838200" y="365125"/>
+            <a:ext cx="10515600" cy="5992132"/>
+          </a:xfrm>
+        </p:spPr>
+        <p:txBody>
+          <a:bodyPr>
+            <a:normAutofit/>
+          </a:bodyPr>
           <a:lstStyle/>
           <a:p>
             <a:r>
               <a:rPr lang="en-US" dirty="0"/>
               <a:t>Array</a:t>
             </a:r>
+            <a:br>
+              <a:rPr lang="en-US" dirty="0"/>
+            </a:br>
+            <a:br>
+              <a:rPr lang="en-US" dirty="0"/>
+            </a:br>
+            <a:r>
+              <a:rPr lang="en-US" dirty="0"/>
+              <a:t>Basic Operations(Methods)</a:t>
+            </a:r>
+            <a:br>
+              <a:rPr lang="en-US" dirty="0"/>
+            </a:br>
+            <a:br>
+              <a:rPr lang="en-US" dirty="0"/>
+            </a:br>
+            <a:endParaRPr lang="en-US" dirty="0"/>
           </a:p>
         </p:txBody>
       </p:sp>
@@ -8039,6 +8064,89 @@
     <p:extLst>
       <p:ext uri="{BB962C8B-B14F-4D97-AF65-F5344CB8AC3E}">
         <p14:creationId xmlns:p14="http://schemas.microsoft.com/office/powerpoint/2010/main" val="4160949821"/>
+      </p:ext>
+    </p:extLst>
+  </p:cSld>
+  <p:clrMapOvr>
+    <a:masterClrMapping/>
+  </p:clrMapOvr>
+</p:sld>
+</file>
+
+<file path=ppt/slides/slide34.xml><?xml version="1.0" encoding="utf-8"?>
+<p:sld xmlns:a="http://schemas.openxmlformats.org/drawingml/2006/main" xmlns:r="http://schemas.openxmlformats.org/officeDocument/2006/relationships" xmlns:p="http://schemas.openxmlformats.org/presentationml/2006/main">
+  <p:cSld>
+    <p:spTree>
+      <p:nvGrpSpPr>
+        <p:cNvPr id="1" name=""/>
+        <p:cNvGrpSpPr/>
+        <p:nvPr/>
+      </p:nvGrpSpPr>
+      <p:grpSpPr>
+        <a:xfrm>
+          <a:off x="0" y="0"/>
+          <a:ext cx="0" cy="0"/>
+          <a:chOff x="0" y="0"/>
+          <a:chExt cx="0" cy="0"/>
+        </a:xfrm>
+      </p:grpSpPr>
+      <p:sp>
+        <p:nvSpPr>
+          <p:cNvPr id="2" name="Title 1">
+            <a:extLst>
+              <a:ext uri="{FF2B5EF4-FFF2-40B4-BE49-F238E27FC236}">
+                <a16:creationId xmlns:a16="http://schemas.microsoft.com/office/drawing/2014/main" id="{72B5E7D5-CEC0-9E6B-FBFE-D7302520C547}"/>
+              </a:ext>
+            </a:extLst>
+          </p:cNvPr>
+          <p:cNvSpPr>
+            <a:spLocks noGrp="1"/>
+          </p:cNvSpPr>
+          <p:nvPr>
+            <p:ph type="title"/>
+          </p:nvPr>
+        </p:nvSpPr>
+        <p:spPr/>
+        <p:txBody>
+          <a:bodyPr/>
+          <a:lstStyle/>
+          <a:p>
+            <a:r>
+              <a:rPr lang="en-US" dirty="0"/>
+              <a:t>Objects</a:t>
+            </a:r>
+          </a:p>
+        </p:txBody>
+      </p:sp>
+      <p:sp>
+        <p:nvSpPr>
+          <p:cNvPr id="3" name="Content Placeholder 2">
+            <a:extLst>
+              <a:ext uri="{FF2B5EF4-FFF2-40B4-BE49-F238E27FC236}">
+                <a16:creationId xmlns:a16="http://schemas.microsoft.com/office/drawing/2014/main" id="{D6142319-29D9-ED22-B20A-2EF6C545A6DC}"/>
+              </a:ext>
+            </a:extLst>
+          </p:cNvPr>
+          <p:cNvSpPr>
+            <a:spLocks noGrp="1"/>
+          </p:cNvSpPr>
+          <p:nvPr>
+            <p:ph idx="1"/>
+          </p:nvPr>
+        </p:nvSpPr>
+        <p:spPr/>
+        <p:txBody>
+          <a:bodyPr/>
+          <a:lstStyle/>
+          <a:p>
+            <a:endParaRPr lang="en-US"/>
+          </a:p>
+        </p:txBody>
+      </p:sp>
+    </p:spTree>
+    <p:extLst>
+      <p:ext uri="{BB962C8B-B14F-4D97-AF65-F5344CB8AC3E}">
+        <p14:creationId xmlns:p14="http://schemas.microsoft.com/office/powerpoint/2010/main" val="3880597738"/>
       </p:ext>
     </p:extLst>
   </p:cSld>

--- a/JavaScript.pptx
+++ b/JavaScript.pptx
@@ -516,7 +516,7 @@
           <a:p>
             <a:fld id="{19F43255-63C2-45C3-A55E-F07DF58CF366}" type="datetimeFigureOut">
               <a:rPr lang="en-US" smtClean="0"/>
-              <a:t>8/29/2024</a:t>
+              <a:t>8/30/2024</a:t>
             </a:fld>
             <a:endParaRPr lang="en-US"/>
           </a:p>
@@ -1014,7 +1014,7 @@
           <a:p>
             <a:fld id="{4BAACB4A-D2BC-4616-96DC-36385AED944F}" type="datetimeFigureOut">
               <a:rPr lang="en-US" smtClean="0"/>
-              <a:t>8/29/2024</a:t>
+              <a:t>8/30/2024</a:t>
             </a:fld>
             <a:endParaRPr lang="en-US"/>
           </a:p>
@@ -1212,7 +1212,7 @@
           <a:p>
             <a:fld id="{4BAACB4A-D2BC-4616-96DC-36385AED944F}" type="datetimeFigureOut">
               <a:rPr lang="en-US" smtClean="0"/>
-              <a:t>8/29/2024</a:t>
+              <a:t>8/30/2024</a:t>
             </a:fld>
             <a:endParaRPr lang="en-US"/>
           </a:p>
@@ -1420,7 +1420,7 @@
           <a:p>
             <a:fld id="{4BAACB4A-D2BC-4616-96DC-36385AED944F}" type="datetimeFigureOut">
               <a:rPr lang="en-US" smtClean="0"/>
-              <a:t>8/29/2024</a:t>
+              <a:t>8/30/2024</a:t>
             </a:fld>
             <a:endParaRPr lang="en-US"/>
           </a:p>
@@ -1618,7 +1618,7 @@
           <a:p>
             <a:fld id="{4BAACB4A-D2BC-4616-96DC-36385AED944F}" type="datetimeFigureOut">
               <a:rPr lang="en-US" smtClean="0"/>
-              <a:t>8/29/2024</a:t>
+              <a:t>8/30/2024</a:t>
             </a:fld>
             <a:endParaRPr lang="en-US"/>
           </a:p>
@@ -1893,7 +1893,7 @@
           <a:p>
             <a:fld id="{4BAACB4A-D2BC-4616-96DC-36385AED944F}" type="datetimeFigureOut">
               <a:rPr lang="en-US" smtClean="0"/>
-              <a:t>8/29/2024</a:t>
+              <a:t>8/30/2024</a:t>
             </a:fld>
             <a:endParaRPr lang="en-US"/>
           </a:p>
@@ -2158,7 +2158,7 @@
           <a:p>
             <a:fld id="{4BAACB4A-D2BC-4616-96DC-36385AED944F}" type="datetimeFigureOut">
               <a:rPr lang="en-US" smtClean="0"/>
-              <a:t>8/29/2024</a:t>
+              <a:t>8/30/2024</a:t>
             </a:fld>
             <a:endParaRPr lang="en-US"/>
           </a:p>
@@ -2570,7 +2570,7 @@
           <a:p>
             <a:fld id="{4BAACB4A-D2BC-4616-96DC-36385AED944F}" type="datetimeFigureOut">
               <a:rPr lang="en-US" smtClean="0"/>
-              <a:t>8/29/2024</a:t>
+              <a:t>8/30/2024</a:t>
             </a:fld>
             <a:endParaRPr lang="en-US"/>
           </a:p>
@@ -2711,7 +2711,7 @@
           <a:p>
             <a:fld id="{4BAACB4A-D2BC-4616-96DC-36385AED944F}" type="datetimeFigureOut">
               <a:rPr lang="en-US" smtClean="0"/>
-              <a:t>8/29/2024</a:t>
+              <a:t>8/30/2024</a:t>
             </a:fld>
             <a:endParaRPr lang="en-US"/>
           </a:p>
@@ -2824,7 +2824,7 @@
           <a:p>
             <a:fld id="{4BAACB4A-D2BC-4616-96DC-36385AED944F}" type="datetimeFigureOut">
               <a:rPr lang="en-US" smtClean="0"/>
-              <a:t>8/29/2024</a:t>
+              <a:t>8/30/2024</a:t>
             </a:fld>
             <a:endParaRPr lang="en-US"/>
           </a:p>
@@ -3135,7 +3135,7 @@
           <a:p>
             <a:fld id="{4BAACB4A-D2BC-4616-96DC-36385AED944F}" type="datetimeFigureOut">
               <a:rPr lang="en-US" smtClean="0"/>
-              <a:t>8/29/2024</a:t>
+              <a:t>8/30/2024</a:t>
             </a:fld>
             <a:endParaRPr lang="en-US"/>
           </a:p>
@@ -3423,7 +3423,7 @@
           <a:p>
             <a:fld id="{4BAACB4A-D2BC-4616-96DC-36385AED944F}" type="datetimeFigureOut">
               <a:rPr lang="en-US" smtClean="0"/>
-              <a:t>8/29/2024</a:t>
+              <a:t>8/30/2024</a:t>
             </a:fld>
             <a:endParaRPr lang="en-US"/>
           </a:p>
@@ -3664,7 +3664,7 @@
           <a:p>
             <a:fld id="{4BAACB4A-D2BC-4616-96DC-36385AED944F}" type="datetimeFigureOut">
               <a:rPr lang="en-US" smtClean="0"/>
-              <a:t>8/29/2024</a:t>
+              <a:t>8/30/2024</a:t>
             </a:fld>
             <a:endParaRPr lang="en-US"/>
           </a:p>
@@ -8139,7 +8139,13 @@
           <a:bodyPr/>
           <a:lstStyle/>
           <a:p>
-            <a:endParaRPr lang="en-US"/>
+            <a:pPr marL="0" indent="0">
+              <a:buNone/>
+            </a:pPr>
+            <a:r>
+              <a:rPr lang="en-US" dirty="0"/>
+              <a:t>Dot vs. Bracket Notation</a:t>
+            </a:r>
           </a:p>
         </p:txBody>
       </p:sp>

--- a/JavaScript.pptx
+++ b/JavaScript.pptx
@@ -5,7 +5,7 @@
     <p:sldMasterId id="2147483648" r:id="rId1"/>
   </p:sldMasterIdLst>
   <p:notesMasterIdLst>
-    <p:notesMasterId r:id="rId36"/>
+    <p:notesMasterId r:id="rId37"/>
   </p:notesMasterIdLst>
   <p:sldIdLst>
     <p:sldId id="256" r:id="rId2"/>
@@ -42,6 +42,7 @@
     <p:sldId id="287" r:id="rId33"/>
     <p:sldId id="288" r:id="rId34"/>
     <p:sldId id="289" r:id="rId35"/>
+    <p:sldId id="290" r:id="rId36"/>
   </p:sldIdLst>
   <p:sldSz cx="12192000" cy="6858000"/>
   <p:notesSz cx="6858000" cy="9144000"/>
@@ -516,7 +517,7 @@
           <a:p>
             <a:fld id="{19F43255-63C2-45C3-A55E-F07DF58CF366}" type="datetimeFigureOut">
               <a:rPr lang="en-US" smtClean="0"/>
-              <a:t>8/30/2024</a:t>
+              <a:t>9/4/2024</a:t>
             </a:fld>
             <a:endParaRPr lang="en-US"/>
           </a:p>
@@ -1014,7 +1015,7 @@
           <a:p>
             <a:fld id="{4BAACB4A-D2BC-4616-96DC-36385AED944F}" type="datetimeFigureOut">
               <a:rPr lang="en-US" smtClean="0"/>
-              <a:t>8/30/2024</a:t>
+              <a:t>9/4/2024</a:t>
             </a:fld>
             <a:endParaRPr lang="en-US"/>
           </a:p>
@@ -1212,7 +1213,7 @@
           <a:p>
             <a:fld id="{4BAACB4A-D2BC-4616-96DC-36385AED944F}" type="datetimeFigureOut">
               <a:rPr lang="en-US" smtClean="0"/>
-              <a:t>8/30/2024</a:t>
+              <a:t>9/4/2024</a:t>
             </a:fld>
             <a:endParaRPr lang="en-US"/>
           </a:p>
@@ -1420,7 +1421,7 @@
           <a:p>
             <a:fld id="{4BAACB4A-D2BC-4616-96DC-36385AED944F}" type="datetimeFigureOut">
               <a:rPr lang="en-US" smtClean="0"/>
-              <a:t>8/30/2024</a:t>
+              <a:t>9/4/2024</a:t>
             </a:fld>
             <a:endParaRPr lang="en-US"/>
           </a:p>
@@ -1618,7 +1619,7 @@
           <a:p>
             <a:fld id="{4BAACB4A-D2BC-4616-96DC-36385AED944F}" type="datetimeFigureOut">
               <a:rPr lang="en-US" smtClean="0"/>
-              <a:t>8/30/2024</a:t>
+              <a:t>9/4/2024</a:t>
             </a:fld>
             <a:endParaRPr lang="en-US"/>
           </a:p>
@@ -1893,7 +1894,7 @@
           <a:p>
             <a:fld id="{4BAACB4A-D2BC-4616-96DC-36385AED944F}" type="datetimeFigureOut">
               <a:rPr lang="en-US" smtClean="0"/>
-              <a:t>8/30/2024</a:t>
+              <a:t>9/4/2024</a:t>
             </a:fld>
             <a:endParaRPr lang="en-US"/>
           </a:p>
@@ -2158,7 +2159,7 @@
           <a:p>
             <a:fld id="{4BAACB4A-D2BC-4616-96DC-36385AED944F}" type="datetimeFigureOut">
               <a:rPr lang="en-US" smtClean="0"/>
-              <a:t>8/30/2024</a:t>
+              <a:t>9/4/2024</a:t>
             </a:fld>
             <a:endParaRPr lang="en-US"/>
           </a:p>
@@ -2570,7 +2571,7 @@
           <a:p>
             <a:fld id="{4BAACB4A-D2BC-4616-96DC-36385AED944F}" type="datetimeFigureOut">
               <a:rPr lang="en-US" smtClean="0"/>
-              <a:t>8/30/2024</a:t>
+              <a:t>9/4/2024</a:t>
             </a:fld>
             <a:endParaRPr lang="en-US"/>
           </a:p>
@@ -2711,7 +2712,7 @@
           <a:p>
             <a:fld id="{4BAACB4A-D2BC-4616-96DC-36385AED944F}" type="datetimeFigureOut">
               <a:rPr lang="en-US" smtClean="0"/>
-              <a:t>8/30/2024</a:t>
+              <a:t>9/4/2024</a:t>
             </a:fld>
             <a:endParaRPr lang="en-US"/>
           </a:p>
@@ -2824,7 +2825,7 @@
           <a:p>
             <a:fld id="{4BAACB4A-D2BC-4616-96DC-36385AED944F}" type="datetimeFigureOut">
               <a:rPr lang="en-US" smtClean="0"/>
-              <a:t>8/30/2024</a:t>
+              <a:t>9/4/2024</a:t>
             </a:fld>
             <a:endParaRPr lang="en-US"/>
           </a:p>
@@ -3135,7 +3136,7 @@
           <a:p>
             <a:fld id="{4BAACB4A-D2BC-4616-96DC-36385AED944F}" type="datetimeFigureOut">
               <a:rPr lang="en-US" smtClean="0"/>
-              <a:t>8/30/2024</a:t>
+              <a:t>9/4/2024</a:t>
             </a:fld>
             <a:endParaRPr lang="en-US"/>
           </a:p>
@@ -3423,7 +3424,7 @@
           <a:p>
             <a:fld id="{4BAACB4A-D2BC-4616-96DC-36385AED944F}" type="datetimeFigureOut">
               <a:rPr lang="en-US" smtClean="0"/>
-              <a:t>8/30/2024</a:t>
+              <a:t>9/4/2024</a:t>
             </a:fld>
             <a:endParaRPr lang="en-US"/>
           </a:p>
@@ -3664,7 +3665,7 @@
           <a:p>
             <a:fld id="{4BAACB4A-D2BC-4616-96DC-36385AED944F}" type="datetimeFigureOut">
               <a:rPr lang="en-US" smtClean="0"/>
-              <a:t>8/30/2024</a:t>
+              <a:t>9/4/2024</a:t>
             </a:fld>
             <a:endParaRPr lang="en-US"/>
           </a:p>
@@ -8147,12 +8148,118 @@
               <a:t>Dot vs. Bracket Notation</a:t>
             </a:r>
           </a:p>
+          <a:p>
+            <a:pPr marL="0" indent="0">
+              <a:buNone/>
+            </a:pPr>
+            <a:endParaRPr lang="en-US" dirty="0"/>
+          </a:p>
+          <a:p>
+            <a:pPr marL="0" indent="0">
+              <a:buNone/>
+            </a:pPr>
+            <a:r>
+              <a:rPr lang="en-US" dirty="0"/>
+              <a:t>Object Methods</a:t>
+            </a:r>
+          </a:p>
+          <a:p>
+            <a:pPr marL="0" indent="0">
+              <a:buNone/>
+            </a:pPr>
+            <a:endParaRPr lang="en-US" dirty="0"/>
+          </a:p>
+          <a:p>
+            <a:pPr marL="0" indent="0">
+              <a:buNone/>
+            </a:pPr>
+            <a:endParaRPr lang="en-US" dirty="0"/>
+          </a:p>
+          <a:p>
+            <a:pPr marL="0" indent="0">
+              <a:buNone/>
+            </a:pPr>
+            <a:r>
+              <a:rPr lang="en-US" dirty="0"/>
+              <a:t>this</a:t>
+            </a:r>
+          </a:p>
         </p:txBody>
       </p:sp>
     </p:spTree>
     <p:extLst>
       <p:ext uri="{BB962C8B-B14F-4D97-AF65-F5344CB8AC3E}">
         <p14:creationId xmlns:p14="http://schemas.microsoft.com/office/powerpoint/2010/main" val="3880597738"/>
+      </p:ext>
+    </p:extLst>
+  </p:cSld>
+  <p:clrMapOvr>
+    <a:masterClrMapping/>
+  </p:clrMapOvr>
+</p:sld>
+</file>
+
+<file path=ppt/slides/slide35.xml><?xml version="1.0" encoding="utf-8"?>
+<p:sld xmlns:a="http://schemas.openxmlformats.org/drawingml/2006/main" xmlns:r="http://schemas.openxmlformats.org/officeDocument/2006/relationships" xmlns:p="http://schemas.openxmlformats.org/presentationml/2006/main">
+  <p:cSld>
+    <p:spTree>
+      <p:nvGrpSpPr>
+        <p:cNvPr id="1" name=""/>
+        <p:cNvGrpSpPr/>
+        <p:nvPr/>
+      </p:nvGrpSpPr>
+      <p:grpSpPr>
+        <a:xfrm>
+          <a:off x="0" y="0"/>
+          <a:ext cx="0" cy="0"/>
+          <a:chOff x="0" y="0"/>
+          <a:chExt cx="0" cy="0"/>
+        </a:xfrm>
+      </p:grpSpPr>
+      <p:sp>
+        <p:nvSpPr>
+          <p:cNvPr id="2" name="Title 1">
+            <a:extLst>
+              <a:ext uri="{FF2B5EF4-FFF2-40B4-BE49-F238E27FC236}">
+                <a16:creationId xmlns:a16="http://schemas.microsoft.com/office/drawing/2014/main" id="{9C34C117-6569-5582-B1AC-34B162CC7699}"/>
+              </a:ext>
+            </a:extLst>
+          </p:cNvPr>
+          <p:cNvSpPr>
+            <a:spLocks noGrp="1"/>
+          </p:cNvSpPr>
+          <p:nvPr>
+            <p:ph type="title"/>
+          </p:nvPr>
+        </p:nvSpPr>
+        <p:spPr/>
+        <p:txBody>
+          <a:bodyPr>
+            <a:normAutofit fontScale="90000"/>
+          </a:bodyPr>
+          <a:lstStyle/>
+          <a:p>
+            <a:r>
+              <a:rPr lang="en-US" dirty="0"/>
+              <a:t>For Loop</a:t>
+            </a:r>
+            <a:br>
+              <a:rPr lang="en-US" dirty="0"/>
+            </a:br>
+            <a:br>
+              <a:rPr lang="en-US" dirty="0"/>
+            </a:br>
+            <a:r>
+              <a:rPr lang="en-US" dirty="0"/>
+              <a:t>Looping arrays, breaking and continuing</a:t>
+            </a:r>
+          </a:p>
+        </p:txBody>
+      </p:sp>
+    </p:spTree>
+    <p:extLst>
+      <p:ext uri="{BB962C8B-B14F-4D97-AF65-F5344CB8AC3E}">
+        <p14:creationId xmlns:p14="http://schemas.microsoft.com/office/powerpoint/2010/main" val="2511591134"/>
       </p:ext>
     </p:extLst>
   </p:cSld>

--- a/JavaScript.pptx
+++ b/JavaScript.pptx
@@ -5,7 +5,7 @@
     <p:sldMasterId id="2147483648" r:id="rId1"/>
   </p:sldMasterIdLst>
   <p:notesMasterIdLst>
-    <p:notesMasterId r:id="rId37"/>
+    <p:notesMasterId r:id="rId44"/>
   </p:notesMasterIdLst>
   <p:sldIdLst>
     <p:sldId id="256" r:id="rId2"/>
@@ -43,6 +43,13 @@
     <p:sldId id="288" r:id="rId34"/>
     <p:sldId id="289" r:id="rId35"/>
     <p:sldId id="290" r:id="rId36"/>
+    <p:sldId id="291" r:id="rId37"/>
+    <p:sldId id="292" r:id="rId38"/>
+    <p:sldId id="293" r:id="rId39"/>
+    <p:sldId id="294" r:id="rId40"/>
+    <p:sldId id="295" r:id="rId41"/>
+    <p:sldId id="296" r:id="rId42"/>
+    <p:sldId id="297" r:id="rId43"/>
   </p:sldIdLst>
   <p:sldSz cx="12192000" cy="6858000"/>
   <p:notesSz cx="6858000" cy="9144000"/>
@@ -517,7 +524,7 @@
           <a:p>
             <a:fld id="{19F43255-63C2-45C3-A55E-F07DF58CF366}" type="datetimeFigureOut">
               <a:rPr lang="en-US" smtClean="0"/>
-              <a:t>9/4/2024</a:t>
+              <a:t>9/12/2024</a:t>
             </a:fld>
             <a:endParaRPr lang="en-US"/>
           </a:p>
@@ -1015,7 +1022,7 @@
           <a:p>
             <a:fld id="{4BAACB4A-D2BC-4616-96DC-36385AED944F}" type="datetimeFigureOut">
               <a:rPr lang="en-US" smtClean="0"/>
-              <a:t>9/4/2024</a:t>
+              <a:t>9/12/2024</a:t>
             </a:fld>
             <a:endParaRPr lang="en-US"/>
           </a:p>
@@ -1213,7 +1220,7 @@
           <a:p>
             <a:fld id="{4BAACB4A-D2BC-4616-96DC-36385AED944F}" type="datetimeFigureOut">
               <a:rPr lang="en-US" smtClean="0"/>
-              <a:t>9/4/2024</a:t>
+              <a:t>9/12/2024</a:t>
             </a:fld>
             <a:endParaRPr lang="en-US"/>
           </a:p>
@@ -1421,7 +1428,7 @@
           <a:p>
             <a:fld id="{4BAACB4A-D2BC-4616-96DC-36385AED944F}" type="datetimeFigureOut">
               <a:rPr lang="en-US" smtClean="0"/>
-              <a:t>9/4/2024</a:t>
+              <a:t>9/12/2024</a:t>
             </a:fld>
             <a:endParaRPr lang="en-US"/>
           </a:p>
@@ -1619,7 +1626,7 @@
           <a:p>
             <a:fld id="{4BAACB4A-D2BC-4616-96DC-36385AED944F}" type="datetimeFigureOut">
               <a:rPr lang="en-US" smtClean="0"/>
-              <a:t>9/4/2024</a:t>
+              <a:t>9/12/2024</a:t>
             </a:fld>
             <a:endParaRPr lang="en-US"/>
           </a:p>
@@ -1894,7 +1901,7 @@
           <a:p>
             <a:fld id="{4BAACB4A-D2BC-4616-96DC-36385AED944F}" type="datetimeFigureOut">
               <a:rPr lang="en-US" smtClean="0"/>
-              <a:t>9/4/2024</a:t>
+              <a:t>9/12/2024</a:t>
             </a:fld>
             <a:endParaRPr lang="en-US"/>
           </a:p>
@@ -2159,7 +2166,7 @@
           <a:p>
             <a:fld id="{4BAACB4A-D2BC-4616-96DC-36385AED944F}" type="datetimeFigureOut">
               <a:rPr lang="en-US" smtClean="0"/>
-              <a:t>9/4/2024</a:t>
+              <a:t>9/12/2024</a:t>
             </a:fld>
             <a:endParaRPr lang="en-US"/>
           </a:p>
@@ -2571,7 +2578,7 @@
           <a:p>
             <a:fld id="{4BAACB4A-D2BC-4616-96DC-36385AED944F}" type="datetimeFigureOut">
               <a:rPr lang="en-US" smtClean="0"/>
-              <a:t>9/4/2024</a:t>
+              <a:t>9/12/2024</a:t>
             </a:fld>
             <a:endParaRPr lang="en-US"/>
           </a:p>
@@ -2712,7 +2719,7 @@
           <a:p>
             <a:fld id="{4BAACB4A-D2BC-4616-96DC-36385AED944F}" type="datetimeFigureOut">
               <a:rPr lang="en-US" smtClean="0"/>
-              <a:t>9/4/2024</a:t>
+              <a:t>9/12/2024</a:t>
             </a:fld>
             <a:endParaRPr lang="en-US"/>
           </a:p>
@@ -2825,7 +2832,7 @@
           <a:p>
             <a:fld id="{4BAACB4A-D2BC-4616-96DC-36385AED944F}" type="datetimeFigureOut">
               <a:rPr lang="en-US" smtClean="0"/>
-              <a:t>9/4/2024</a:t>
+              <a:t>9/12/2024</a:t>
             </a:fld>
             <a:endParaRPr lang="en-US"/>
           </a:p>
@@ -3136,7 +3143,7 @@
           <a:p>
             <a:fld id="{4BAACB4A-D2BC-4616-96DC-36385AED944F}" type="datetimeFigureOut">
               <a:rPr lang="en-US" smtClean="0"/>
-              <a:t>9/4/2024</a:t>
+              <a:t>9/12/2024</a:t>
             </a:fld>
             <a:endParaRPr lang="en-US"/>
           </a:p>
@@ -3424,7 +3431,7 @@
           <a:p>
             <a:fld id="{4BAACB4A-D2BC-4616-96DC-36385AED944F}" type="datetimeFigureOut">
               <a:rPr lang="en-US" smtClean="0"/>
-              <a:t>9/4/2024</a:t>
+              <a:t>9/12/2024</a:t>
             </a:fld>
             <a:endParaRPr lang="en-US"/>
           </a:p>
@@ -3665,7 +3672,7 @@
           <a:p>
             <a:fld id="{4BAACB4A-D2BC-4616-96DC-36385AED944F}" type="datetimeFigureOut">
               <a:rPr lang="en-US" smtClean="0"/>
-              <a:t>9/4/2024</a:t>
+              <a:t>9/12/2024</a:t>
             </a:fld>
             <a:endParaRPr lang="en-US"/>
           </a:p>
@@ -8232,10 +8239,15 @@
             <p:ph type="title"/>
           </p:nvPr>
         </p:nvSpPr>
-        <p:spPr/>
+        <p:spPr>
+          <a:xfrm>
+            <a:off x="838200" y="365125"/>
+            <a:ext cx="10515600" cy="5629275"/>
+          </a:xfrm>
+        </p:spPr>
         <p:txBody>
           <a:bodyPr>
-            <a:normAutofit fontScale="90000"/>
+            <a:normAutofit/>
           </a:bodyPr>
           <a:lstStyle/>
           <a:p>
@@ -8253,6 +8265,27 @@
               <a:rPr lang="en-US" dirty="0"/>
               <a:t>Looping arrays, breaking and continuing</a:t>
             </a:r>
+            <a:br>
+              <a:rPr lang="en-US" dirty="0"/>
+            </a:br>
+            <a:r>
+              <a:rPr lang="en-US" dirty="0"/>
+              <a:t>looping backwards</a:t>
+            </a:r>
+            <a:br>
+              <a:rPr lang="en-US" dirty="0"/>
+            </a:br>
+            <a:r>
+              <a:rPr lang="en-US" dirty="0"/>
+              <a:t>loops in loops</a:t>
+            </a:r>
+            <a:br>
+              <a:rPr lang="en-US" dirty="0"/>
+            </a:br>
+            <a:br>
+              <a:rPr lang="en-US" dirty="0"/>
+            </a:br>
+            <a:endParaRPr lang="en-US" dirty="0"/>
           </a:p>
         </p:txBody>
       </p:sp>
@@ -8260,6 +8293,1093 @@
     <p:extLst>
       <p:ext uri="{BB962C8B-B14F-4D97-AF65-F5344CB8AC3E}">
         <p14:creationId xmlns:p14="http://schemas.microsoft.com/office/powerpoint/2010/main" val="2511591134"/>
+      </p:ext>
+    </p:extLst>
+  </p:cSld>
+  <p:clrMapOvr>
+    <a:masterClrMapping/>
+  </p:clrMapOvr>
+</p:sld>
+</file>
+
+<file path=ppt/slides/slide36.xml><?xml version="1.0" encoding="utf-8"?>
+<p:sld xmlns:a="http://schemas.openxmlformats.org/drawingml/2006/main" xmlns:r="http://schemas.openxmlformats.org/officeDocument/2006/relationships" xmlns:p="http://schemas.openxmlformats.org/presentationml/2006/main">
+  <p:cSld>
+    <p:spTree>
+      <p:nvGrpSpPr>
+        <p:cNvPr id="1" name=""/>
+        <p:cNvGrpSpPr/>
+        <p:nvPr/>
+      </p:nvGrpSpPr>
+      <p:grpSpPr>
+        <a:xfrm>
+          <a:off x="0" y="0"/>
+          <a:ext cx="0" cy="0"/>
+          <a:chOff x="0" y="0"/>
+          <a:chExt cx="0" cy="0"/>
+        </a:xfrm>
+      </p:grpSpPr>
+      <p:sp>
+        <p:nvSpPr>
+          <p:cNvPr id="2" name="Title 1">
+            <a:extLst>
+              <a:ext uri="{FF2B5EF4-FFF2-40B4-BE49-F238E27FC236}">
+                <a16:creationId xmlns:a16="http://schemas.microsoft.com/office/drawing/2014/main" id="{6B1926CB-7A21-AC03-5790-4B01DA033A9E}"/>
+              </a:ext>
+            </a:extLst>
+          </p:cNvPr>
+          <p:cNvSpPr>
+            <a:spLocks noGrp="1"/>
+          </p:cNvSpPr>
+          <p:nvPr>
+            <p:ph type="title"/>
+          </p:nvPr>
+        </p:nvSpPr>
+        <p:spPr/>
+        <p:txBody>
+          <a:bodyPr/>
+          <a:lstStyle/>
+          <a:p>
+            <a:r>
+              <a:rPr lang="en-US" dirty="0"/>
+              <a:t>The While Loop</a:t>
+            </a:r>
+          </a:p>
+        </p:txBody>
+      </p:sp>
+      <p:sp>
+        <p:nvSpPr>
+          <p:cNvPr id="3" name="Content Placeholder 2">
+            <a:extLst>
+              <a:ext uri="{FF2B5EF4-FFF2-40B4-BE49-F238E27FC236}">
+                <a16:creationId xmlns:a16="http://schemas.microsoft.com/office/drawing/2014/main" id="{BF8AC7CD-A39E-47A9-A1A0-F48BC91118EA}"/>
+              </a:ext>
+            </a:extLst>
+          </p:cNvPr>
+          <p:cNvSpPr>
+            <a:spLocks noGrp="1"/>
+          </p:cNvSpPr>
+          <p:nvPr>
+            <p:ph idx="1"/>
+          </p:nvPr>
+        </p:nvSpPr>
+        <p:spPr/>
+        <p:txBody>
+          <a:bodyPr/>
+          <a:lstStyle/>
+          <a:p>
+            <a:pPr marL="0" indent="0">
+              <a:buNone/>
+            </a:pPr>
+            <a:r>
+              <a:rPr lang="en-US" dirty="0"/>
+              <a:t>Do-while loop</a:t>
+            </a:r>
+          </a:p>
+        </p:txBody>
+      </p:sp>
+    </p:spTree>
+    <p:extLst>
+      <p:ext uri="{BB962C8B-B14F-4D97-AF65-F5344CB8AC3E}">
+        <p14:creationId xmlns:p14="http://schemas.microsoft.com/office/powerpoint/2010/main" val="1911214315"/>
+      </p:ext>
+    </p:extLst>
+  </p:cSld>
+  <p:clrMapOvr>
+    <a:masterClrMapping/>
+  </p:clrMapOvr>
+</p:sld>
+</file>
+
+<file path=ppt/slides/slide37.xml><?xml version="1.0" encoding="utf-8"?>
+<p:sld xmlns:a="http://schemas.openxmlformats.org/drawingml/2006/main" xmlns:r="http://schemas.openxmlformats.org/officeDocument/2006/relationships" xmlns:p="http://schemas.openxmlformats.org/presentationml/2006/main">
+  <p:cSld>
+    <p:spTree>
+      <p:nvGrpSpPr>
+        <p:cNvPr id="1" name=""/>
+        <p:cNvGrpSpPr/>
+        <p:nvPr/>
+      </p:nvGrpSpPr>
+      <p:grpSpPr>
+        <a:xfrm>
+          <a:off x="0" y="0"/>
+          <a:ext cx="0" cy="0"/>
+          <a:chOff x="0" y="0"/>
+          <a:chExt cx="0" cy="0"/>
+        </a:xfrm>
+      </p:grpSpPr>
+      <p:sp>
+        <p:nvSpPr>
+          <p:cNvPr id="2" name="Title 1">
+            <a:extLst>
+              <a:ext uri="{FF2B5EF4-FFF2-40B4-BE49-F238E27FC236}">
+                <a16:creationId xmlns:a16="http://schemas.microsoft.com/office/drawing/2014/main" id="{0077B907-61AD-EFA8-0922-726883D84209}"/>
+              </a:ext>
+            </a:extLst>
+          </p:cNvPr>
+          <p:cNvSpPr>
+            <a:spLocks noGrp="1"/>
+          </p:cNvSpPr>
+          <p:nvPr>
+            <p:ph type="title"/>
+          </p:nvPr>
+        </p:nvSpPr>
+        <p:spPr/>
+        <p:txBody>
+          <a:bodyPr/>
+          <a:lstStyle/>
+          <a:p>
+            <a:r>
+              <a:rPr lang="en-US" dirty="0"/>
+              <a:t>Developer skills &amp; Editor Setup</a:t>
+            </a:r>
+          </a:p>
+        </p:txBody>
+      </p:sp>
+      <p:sp>
+        <p:nvSpPr>
+          <p:cNvPr id="3" name="Content Placeholder 2">
+            <a:extLst>
+              <a:ext uri="{FF2B5EF4-FFF2-40B4-BE49-F238E27FC236}">
+                <a16:creationId xmlns:a16="http://schemas.microsoft.com/office/drawing/2014/main" id="{4110D60B-B1B6-7329-608E-9F83033427D0}"/>
+              </a:ext>
+            </a:extLst>
+          </p:cNvPr>
+          <p:cNvSpPr>
+            <a:spLocks noGrp="1"/>
+          </p:cNvSpPr>
+          <p:nvPr>
+            <p:ph idx="1"/>
+          </p:nvPr>
+        </p:nvSpPr>
+        <p:spPr/>
+        <p:txBody>
+          <a:bodyPr/>
+          <a:lstStyle/>
+          <a:p>
+            <a:r>
+              <a:rPr lang="en-US" dirty="0"/>
+              <a:t>Prettier and </a:t>
+            </a:r>
+            <a:r>
+              <a:rPr lang="en-US" dirty="0" err="1"/>
+              <a:t>VSCode</a:t>
+            </a:r>
+            <a:endParaRPr lang="en-US" dirty="0"/>
+          </a:p>
+          <a:p>
+            <a:r>
+              <a:rPr lang="en-US" dirty="0"/>
+              <a:t>File =&gt; Preferences =&gt; settings =&gt; default format</a:t>
+            </a:r>
+          </a:p>
+          <a:p>
+            <a:r>
+              <a:rPr lang="en-US" dirty="0"/>
+              <a:t>Prettier configure</a:t>
+            </a:r>
+          </a:p>
+          <a:p>
+            <a:r>
+              <a:rPr lang="en-US" dirty="0"/>
+              <a:t>Snippets</a:t>
+            </a:r>
+          </a:p>
+          <a:p>
+            <a:r>
+              <a:rPr lang="en-US" dirty="0"/>
+              <a:t>Installing Node.js and setting up a DEV Environment</a:t>
+            </a:r>
+          </a:p>
+        </p:txBody>
+      </p:sp>
+    </p:spTree>
+    <p:extLst>
+      <p:ext uri="{BB962C8B-B14F-4D97-AF65-F5344CB8AC3E}">
+        <p14:creationId xmlns:p14="http://schemas.microsoft.com/office/powerpoint/2010/main" val="3450015014"/>
+      </p:ext>
+    </p:extLst>
+  </p:cSld>
+  <p:clrMapOvr>
+    <a:masterClrMapping/>
+  </p:clrMapOvr>
+</p:sld>
+</file>
+
+<file path=ppt/slides/slide38.xml><?xml version="1.0" encoding="utf-8"?>
+<p:sld xmlns:a="http://schemas.openxmlformats.org/drawingml/2006/main" xmlns:r="http://schemas.openxmlformats.org/officeDocument/2006/relationships" xmlns:p="http://schemas.openxmlformats.org/presentationml/2006/main">
+  <p:cSld>
+    <p:spTree>
+      <p:nvGrpSpPr>
+        <p:cNvPr id="1" name=""/>
+        <p:cNvGrpSpPr/>
+        <p:nvPr/>
+      </p:nvGrpSpPr>
+      <p:grpSpPr>
+        <a:xfrm>
+          <a:off x="0" y="0"/>
+          <a:ext cx="0" cy="0"/>
+          <a:chOff x="0" y="0"/>
+          <a:chExt cx="0" cy="0"/>
+        </a:xfrm>
+      </p:grpSpPr>
+      <p:sp>
+        <p:nvSpPr>
+          <p:cNvPr id="2" name="Title 1">
+            <a:extLst>
+              <a:ext uri="{FF2B5EF4-FFF2-40B4-BE49-F238E27FC236}">
+                <a16:creationId xmlns:a16="http://schemas.microsoft.com/office/drawing/2014/main" id="{5C487BD9-FFCE-EE84-AD64-274F1924D5F0}"/>
+              </a:ext>
+            </a:extLst>
+          </p:cNvPr>
+          <p:cNvSpPr>
+            <a:spLocks noGrp="1"/>
+          </p:cNvSpPr>
+          <p:nvPr>
+            <p:ph type="title"/>
+          </p:nvPr>
+        </p:nvSpPr>
+        <p:spPr>
+          <a:xfrm>
+            <a:off x="838200" y="365125"/>
+            <a:ext cx="10515600" cy="766989"/>
+          </a:xfrm>
+        </p:spPr>
+        <p:txBody>
+          <a:bodyPr/>
+          <a:lstStyle/>
+          <a:p>
+            <a:pPr algn="ctr"/>
+            <a:r>
+              <a:rPr lang="en-US" dirty="0"/>
+              <a:t>Learning How to code</a:t>
+            </a:r>
+          </a:p>
+        </p:txBody>
+      </p:sp>
+      <p:pic>
+        <p:nvPicPr>
+          <p:cNvPr id="5" name="Content Placeholder 4">
+            <a:extLst>
+              <a:ext uri="{FF2B5EF4-FFF2-40B4-BE49-F238E27FC236}">
+                <a16:creationId xmlns:a16="http://schemas.microsoft.com/office/drawing/2014/main" id="{B7DBA133-FC68-8DE4-E43F-5AF5BCC6571A}"/>
+              </a:ext>
+            </a:extLst>
+          </p:cNvPr>
+          <p:cNvPicPr>
+            <a:picLocks noGrp="1" noChangeAspect="1"/>
+          </p:cNvPicPr>
+          <p:nvPr>
+            <p:ph idx="1"/>
+          </p:nvPr>
+        </p:nvPicPr>
+        <p:blipFill>
+          <a:blip r:embed="rId2">
+            <a:extLst>
+              <a:ext uri="{28A0092B-C50C-407E-A947-70E740481C1C}">
+                <a14:useLocalDpi xmlns:a14="http://schemas.microsoft.com/office/drawing/2010/main" val="0"/>
+              </a:ext>
+              <a:ext uri="{837473B0-CC2E-450A-ABE3-18F120FF3D39}">
+                <a1611:picAttrSrcUrl xmlns:a1611="http://schemas.microsoft.com/office/drawing/2016/11/main" r:id="rId3"/>
+              </a:ext>
+            </a:extLst>
+          </a:blip>
+          <a:stretch>
+            <a:fillRect/>
+          </a:stretch>
+        </p:blipFill>
+        <p:spPr>
+          <a:xfrm>
+            <a:off x="301172" y="1835832"/>
+            <a:ext cx="3407568" cy="2271712"/>
+          </a:xfrm>
+          <a:prstGeom prst="roundRect">
+            <a:avLst>
+              <a:gd name="adj" fmla="val 25952"/>
+            </a:avLst>
+          </a:prstGeom>
+          <a:ln>
+            <a:noFill/>
+          </a:ln>
+          <a:effectLst>
+            <a:outerShdw blurRad="76200" dist="38100" dir="7800000" algn="tl" rotWithShape="0">
+              <a:srgbClr val="000000">
+                <a:alpha val="40000"/>
+              </a:srgbClr>
+            </a:outerShdw>
+          </a:effectLst>
+          <a:scene3d>
+            <a:camera prst="orthographicFront"/>
+            <a:lightRig rig="contrasting" dir="t">
+              <a:rot lat="0" lon="0" rev="4200000"/>
+            </a:lightRig>
+          </a:scene3d>
+          <a:sp3d prstMaterial="plastic">
+            <a:bevelT w="381000" h="114300" prst="relaxedInset"/>
+            <a:contourClr>
+              <a:srgbClr val="969696"/>
+            </a:contourClr>
+          </a:sp3d>
+        </p:spPr>
+      </p:pic>
+      <p:sp>
+        <p:nvSpPr>
+          <p:cNvPr id="6" name="Title 1">
+            <a:extLst>
+              <a:ext uri="{FF2B5EF4-FFF2-40B4-BE49-F238E27FC236}">
+                <a16:creationId xmlns:a16="http://schemas.microsoft.com/office/drawing/2014/main" id="{3D5DDCF9-954B-3CE1-3138-F2C1B5CF0D5D}"/>
+              </a:ext>
+            </a:extLst>
+          </p:cNvPr>
+          <p:cNvSpPr txBox="1">
+            <a:spLocks/>
+          </p:cNvSpPr>
+          <p:nvPr/>
+        </p:nvSpPr>
+        <p:spPr>
+          <a:xfrm>
+            <a:off x="3947886" y="1132114"/>
+            <a:ext cx="8244113" cy="5725886"/>
+          </a:xfrm>
+          <a:prstGeom prst="rect">
+            <a:avLst/>
+          </a:prstGeom>
+        </p:spPr>
+        <p:txBody>
+          <a:bodyPr vert="horz" lIns="91440" tIns="45720" rIns="91440" bIns="45720" rtlCol="0" anchor="ctr">
+            <a:normAutofit fontScale="77500" lnSpcReduction="20000"/>
+          </a:bodyPr>
+          <a:lstStyle>
+            <a:lvl1pPr algn="l" defTabSz="914400" rtl="0" eaLnBrk="1" latinLnBrk="0" hangingPunct="1">
+              <a:lnSpc>
+                <a:spcPct val="90000"/>
+              </a:lnSpc>
+              <a:spcBef>
+                <a:spcPct val="0"/>
+              </a:spcBef>
+              <a:buNone/>
+              <a:defRPr sz="4400" kern="1200">
+                <a:solidFill>
+                  <a:schemeClr val="tx1"/>
+                </a:solidFill>
+                <a:latin typeface="+mj-lt"/>
+                <a:ea typeface="+mj-ea"/>
+                <a:cs typeface="+mj-cs"/>
+              </a:defRPr>
+            </a:lvl1pPr>
+          </a:lstStyle>
+          <a:p>
+            <a:pPr marL="571500" indent="-571500" algn="just">
+              <a:lnSpc>
+                <a:spcPct val="150000"/>
+              </a:lnSpc>
+              <a:buFont typeface="Arial" panose="020B0604020202020204" pitchFamily="34" charset="0"/>
+              <a:buChar char="•"/>
+            </a:pPr>
+            <a:r>
+              <a:rPr lang="en-US" sz="2400" dirty="0">
+                <a:latin typeface="Arial" panose="020B0604020202020204" pitchFamily="34" charset="0"/>
+                <a:cs typeface="Arial" panose="020B0604020202020204" pitchFamily="34" charset="0"/>
+              </a:rPr>
+              <a:t>He </a:t>
+            </a:r>
+            <a:r>
+              <a:rPr lang="en-US" sz="2400" b="1" dirty="0">
+                <a:latin typeface="Arial" panose="020B0604020202020204" pitchFamily="34" charset="0"/>
+                <a:cs typeface="Arial" panose="020B0604020202020204" pitchFamily="34" charset="0"/>
+              </a:rPr>
+              <a:t>didn’t have a clear goal </a:t>
+            </a:r>
+            <a:r>
+              <a:rPr lang="en-US" sz="2400" dirty="0">
+                <a:latin typeface="Arial" panose="020B0604020202020204" pitchFamily="34" charset="0"/>
+                <a:cs typeface="Arial" panose="020B0604020202020204" pitchFamily="34" charset="0"/>
+              </a:rPr>
+              <a:t>at the beginning of his journey.</a:t>
+            </a:r>
+          </a:p>
+          <a:p>
+            <a:pPr marL="571500" indent="-571500" algn="just">
+              <a:lnSpc>
+                <a:spcPct val="150000"/>
+              </a:lnSpc>
+              <a:buFont typeface="Arial" panose="020B0604020202020204" pitchFamily="34" charset="0"/>
+              <a:buChar char="•"/>
+            </a:pPr>
+            <a:r>
+              <a:rPr lang="en-US" sz="2400" dirty="0">
+                <a:latin typeface="Arial" panose="020B0604020202020204" pitchFamily="34" charset="0"/>
+                <a:cs typeface="Arial" panose="020B0604020202020204" pitchFamily="34" charset="0"/>
+              </a:rPr>
+              <a:t>He started by watching courses and reading tutorials, but he would just</a:t>
+            </a:r>
+            <a:r>
+              <a:rPr lang="en-US" sz="2400" b="1" dirty="0">
+                <a:latin typeface="Arial" panose="020B0604020202020204" pitchFamily="34" charset="0"/>
+                <a:cs typeface="Arial" panose="020B0604020202020204" pitchFamily="34" charset="0"/>
+              </a:rPr>
+              <a:t> copy and paste code without caring how it works</a:t>
+            </a:r>
+            <a:r>
+              <a:rPr lang="en-US" sz="2400" dirty="0">
+                <a:latin typeface="Arial" panose="020B0604020202020204" pitchFamily="34" charset="0"/>
+                <a:cs typeface="Arial" panose="020B0604020202020204" pitchFamily="34" charset="0"/>
+              </a:rPr>
+              <a:t>!</a:t>
+            </a:r>
+          </a:p>
+          <a:p>
+            <a:pPr marL="571500" indent="-571500" algn="just">
+              <a:lnSpc>
+                <a:spcPct val="150000"/>
+              </a:lnSpc>
+              <a:buFont typeface="Arial" panose="020B0604020202020204" pitchFamily="34" charset="0"/>
+              <a:buChar char="•"/>
+            </a:pPr>
+            <a:r>
+              <a:rPr lang="en-US" sz="2400" dirty="0">
+                <a:latin typeface="Arial" panose="020B0604020202020204" pitchFamily="34" charset="0"/>
+                <a:cs typeface="Arial" panose="020B0604020202020204" pitchFamily="34" charset="0"/>
+              </a:rPr>
+              <a:t>He </a:t>
+            </a:r>
+            <a:r>
+              <a:rPr lang="en-US" sz="2400" b="1" dirty="0">
+                <a:latin typeface="Arial" panose="020B0604020202020204" pitchFamily="34" charset="0"/>
+                <a:cs typeface="Arial" panose="020B0604020202020204" pitchFamily="34" charset="0"/>
+              </a:rPr>
+              <a:t>didn’t reinforce </a:t>
+            </a:r>
+            <a:r>
+              <a:rPr lang="en-US" sz="2400" dirty="0">
+                <a:latin typeface="Arial" panose="020B0604020202020204" pitchFamily="34" charset="0"/>
+                <a:cs typeface="Arial" panose="020B0604020202020204" pitchFamily="34" charset="0"/>
+              </a:rPr>
+              <a:t>what he was learning by doing small challenges or taking notes.</a:t>
+            </a:r>
+          </a:p>
+          <a:p>
+            <a:pPr marL="571500" indent="-571500" algn="just">
+              <a:lnSpc>
+                <a:spcPct val="150000"/>
+              </a:lnSpc>
+              <a:buFont typeface="Arial" panose="020B0604020202020204" pitchFamily="34" charset="0"/>
+              <a:buChar char="•"/>
+            </a:pPr>
+            <a:r>
+              <a:rPr lang="en-US" sz="2400" dirty="0">
+                <a:latin typeface="Arial" panose="020B0604020202020204" pitchFamily="34" charset="0"/>
+                <a:cs typeface="Arial" panose="020B0604020202020204" pitchFamily="34" charset="0"/>
+              </a:rPr>
+              <a:t>He </a:t>
+            </a:r>
+            <a:r>
+              <a:rPr lang="en-US" sz="2400" b="1" dirty="0">
+                <a:latin typeface="Arial" panose="020B0604020202020204" pitchFamily="34" charset="0"/>
+                <a:cs typeface="Arial" panose="020B0604020202020204" pitchFamily="34" charset="0"/>
+              </a:rPr>
+              <a:t>didn’t practice coding, </a:t>
+            </a:r>
+            <a:r>
+              <a:rPr lang="en-US" sz="2400" dirty="0">
+                <a:latin typeface="Arial" panose="020B0604020202020204" pitchFamily="34" charset="0"/>
+                <a:cs typeface="Arial" panose="020B0604020202020204" pitchFamily="34" charset="0"/>
+              </a:rPr>
+              <a:t>and didn’t come up with his own project ideas.</a:t>
+            </a:r>
+          </a:p>
+          <a:p>
+            <a:pPr marL="571500" indent="-571500" algn="just">
+              <a:lnSpc>
+                <a:spcPct val="150000"/>
+              </a:lnSpc>
+              <a:buFont typeface="Arial" panose="020B0604020202020204" pitchFamily="34" charset="0"/>
+              <a:buChar char="•"/>
+            </a:pPr>
+            <a:r>
+              <a:rPr lang="en-US" sz="2400" dirty="0">
+                <a:latin typeface="Arial" panose="020B0604020202020204" pitchFamily="34" charset="0"/>
+                <a:cs typeface="Arial" panose="020B0604020202020204" pitchFamily="34" charset="0"/>
+              </a:rPr>
+              <a:t>He </a:t>
+            </a:r>
+            <a:r>
+              <a:rPr lang="en-US" sz="2400" b="1" dirty="0">
+                <a:latin typeface="Arial" panose="020B0604020202020204" pitchFamily="34" charset="0"/>
+                <a:cs typeface="Arial" panose="020B0604020202020204" pitchFamily="34" charset="0"/>
+              </a:rPr>
+              <a:t>quickly became frustrated </a:t>
+            </a:r>
+            <a:r>
+              <a:rPr lang="en-US" sz="2400" dirty="0">
+                <a:latin typeface="Arial" panose="020B0604020202020204" pitchFamily="34" charset="0"/>
+                <a:cs typeface="Arial" panose="020B0604020202020204" pitchFamily="34" charset="0"/>
+              </a:rPr>
+              <a:t>when his code was not perfectly clean or efficient</a:t>
+            </a:r>
+          </a:p>
+          <a:p>
+            <a:pPr marL="571500" indent="-571500" algn="just">
+              <a:lnSpc>
+                <a:spcPct val="150000"/>
+              </a:lnSpc>
+              <a:buFont typeface="Arial" panose="020B0604020202020204" pitchFamily="34" charset="0"/>
+              <a:buChar char="•"/>
+            </a:pPr>
+            <a:r>
+              <a:rPr lang="en-US" sz="2400" dirty="0">
+                <a:latin typeface="Arial" panose="020B0604020202020204" pitchFamily="34" charset="0"/>
+                <a:cs typeface="Arial" panose="020B0604020202020204" pitchFamily="34" charset="0"/>
+              </a:rPr>
+              <a:t>He </a:t>
+            </a:r>
+            <a:r>
+              <a:rPr lang="en-US" sz="2400" b="1" dirty="0">
+                <a:latin typeface="Arial" panose="020B0604020202020204" pitchFamily="34" charset="0"/>
+                <a:cs typeface="Arial" panose="020B0604020202020204" pitchFamily="34" charset="0"/>
+              </a:rPr>
+              <a:t>lost motivation </a:t>
+            </a:r>
+            <a:r>
+              <a:rPr lang="en-US" sz="2400" dirty="0">
+                <a:latin typeface="Arial" panose="020B0604020202020204" pitchFamily="34" charset="0"/>
+                <a:cs typeface="Arial" panose="020B0604020202020204" pitchFamily="34" charset="0"/>
+              </a:rPr>
+              <a:t>because he thought he could never know everything</a:t>
+            </a:r>
+          </a:p>
+          <a:p>
+            <a:pPr marL="571500" indent="-571500" algn="just">
+              <a:lnSpc>
+                <a:spcPct val="150000"/>
+              </a:lnSpc>
+              <a:buFont typeface="Arial" panose="020B0604020202020204" pitchFamily="34" charset="0"/>
+              <a:buChar char="•"/>
+            </a:pPr>
+            <a:r>
+              <a:rPr lang="en-US" sz="2400" dirty="0">
+                <a:latin typeface="Arial" panose="020B0604020202020204" pitchFamily="34" charset="0"/>
+                <a:cs typeface="Arial" panose="020B0604020202020204" pitchFamily="34" charset="0"/>
+              </a:rPr>
+              <a:t>He was </a:t>
+            </a:r>
+            <a:r>
+              <a:rPr lang="en-US" sz="2400" b="1" dirty="0">
+                <a:latin typeface="Arial" panose="020B0604020202020204" pitchFamily="34" charset="0"/>
+                <a:cs typeface="Arial" panose="020B0604020202020204" pitchFamily="34" charset="0"/>
+              </a:rPr>
+              <a:t>learning in isolation.</a:t>
+            </a:r>
+          </a:p>
+          <a:p>
+            <a:pPr marL="571500" indent="-571500" algn="just">
+              <a:lnSpc>
+                <a:spcPct val="150000"/>
+              </a:lnSpc>
+              <a:buFont typeface="Arial" panose="020B0604020202020204" pitchFamily="34" charset="0"/>
+              <a:buChar char="•"/>
+            </a:pPr>
+            <a:r>
+              <a:rPr lang="en-US" sz="2400" dirty="0">
+                <a:latin typeface="Arial" panose="020B0604020202020204" pitchFamily="34" charset="0"/>
+                <a:cs typeface="Arial" panose="020B0604020202020204" pitchFamily="34" charset="0"/>
+              </a:rPr>
+              <a:t>After finishing a couple of courses, </a:t>
+            </a:r>
+            <a:r>
+              <a:rPr lang="en-US" sz="2400" b="1" dirty="0">
+                <a:latin typeface="Arial" panose="020B0604020202020204" pitchFamily="34" charset="0"/>
+                <a:cs typeface="Arial" panose="020B0604020202020204" pitchFamily="34" charset="0"/>
+              </a:rPr>
+              <a:t>he thought he now was a web developer</a:t>
+            </a:r>
+            <a:r>
+              <a:rPr lang="en-US" sz="2400" dirty="0">
+                <a:latin typeface="Arial" panose="020B0604020202020204" pitchFamily="34" charset="0"/>
+                <a:cs typeface="Arial" panose="020B0604020202020204" pitchFamily="34" charset="0"/>
+              </a:rPr>
+              <a:t> and could start applying to jobs. But he couldn’t even build an app on his own!</a:t>
+            </a:r>
+          </a:p>
+        </p:txBody>
+      </p:sp>
+    </p:spTree>
+    <p:extLst>
+      <p:ext uri="{BB962C8B-B14F-4D97-AF65-F5344CB8AC3E}">
+        <p14:creationId xmlns:p14="http://schemas.microsoft.com/office/powerpoint/2010/main" val="880938247"/>
+      </p:ext>
+    </p:extLst>
+  </p:cSld>
+  <p:clrMapOvr>
+    <a:masterClrMapping/>
+  </p:clrMapOvr>
+</p:sld>
+</file>
+
+<file path=ppt/slides/slide39.xml><?xml version="1.0" encoding="utf-8"?>
+<p:sld xmlns:a="http://schemas.openxmlformats.org/drawingml/2006/main" xmlns:r="http://schemas.openxmlformats.org/officeDocument/2006/relationships" xmlns:p="http://schemas.openxmlformats.org/presentationml/2006/main">
+  <p:cSld>
+    <p:spTree>
+      <p:nvGrpSpPr>
+        <p:cNvPr id="1" name=""/>
+        <p:cNvGrpSpPr/>
+        <p:nvPr/>
+      </p:nvGrpSpPr>
+      <p:grpSpPr>
+        <a:xfrm>
+          <a:off x="0" y="0"/>
+          <a:ext cx="0" cy="0"/>
+          <a:chOff x="0" y="0"/>
+          <a:chExt cx="0" cy="0"/>
+        </a:xfrm>
+      </p:grpSpPr>
+      <p:sp>
+        <p:nvSpPr>
+          <p:cNvPr id="4" name="Rectangle: Rounded Corners 3">
+            <a:extLst>
+              <a:ext uri="{FF2B5EF4-FFF2-40B4-BE49-F238E27FC236}">
+                <a16:creationId xmlns:a16="http://schemas.microsoft.com/office/drawing/2014/main" id="{6C959BC9-E917-2F1C-27F9-587BE031F6F9}"/>
+              </a:ext>
+            </a:extLst>
+          </p:cNvPr>
+          <p:cNvSpPr/>
+          <p:nvPr/>
+        </p:nvSpPr>
+        <p:spPr>
+          <a:xfrm>
+            <a:off x="478971" y="367107"/>
+            <a:ext cx="3323771" cy="1146629"/>
+          </a:xfrm>
+          <a:prstGeom prst="roundRect">
+            <a:avLst/>
+          </a:prstGeom>
+        </p:spPr>
+        <p:style>
+          <a:lnRef idx="2">
+            <a:schemeClr val="accent2">
+              <a:shade val="15000"/>
+            </a:schemeClr>
+          </a:lnRef>
+          <a:fillRef idx="1">
+            <a:schemeClr val="accent2"/>
+          </a:fillRef>
+          <a:effectRef idx="0">
+            <a:schemeClr val="accent2"/>
+          </a:effectRef>
+          <a:fontRef idx="minor">
+            <a:schemeClr val="lt1"/>
+          </a:fontRef>
+        </p:style>
+        <p:txBody>
+          <a:bodyPr rtlCol="0" anchor="ctr"/>
+          <a:lstStyle/>
+          <a:p>
+            <a:pPr algn="ctr"/>
+            <a:r>
+              <a:rPr lang="en-US" dirty="0">
+                <a:ln w="0"/>
+                <a:solidFill>
+                  <a:schemeClr val="tx1"/>
+                </a:solidFill>
+                <a:effectLst>
+                  <a:outerShdw blurRad="38100" dist="19050" dir="2700000" algn="tl" rotWithShape="0">
+                    <a:schemeClr val="dk1">
+                      <a:alpha val="40000"/>
+                    </a:schemeClr>
+                  </a:outerShdw>
+                </a:effectLst>
+              </a:rPr>
+              <a:t>He </a:t>
+            </a:r>
+            <a:r>
+              <a:rPr lang="en-US" b="1" dirty="0">
+                <a:ln w="0"/>
+                <a:solidFill>
+                  <a:schemeClr val="tx1"/>
+                </a:solidFill>
+                <a:effectLst>
+                  <a:outerShdw blurRad="38100" dist="19050" dir="2700000" algn="tl" rotWithShape="0">
+                    <a:schemeClr val="dk1">
+                      <a:alpha val="40000"/>
+                    </a:schemeClr>
+                  </a:outerShdw>
+                </a:effectLst>
+              </a:rPr>
+              <a:t>didn’t have a clear goal </a:t>
+            </a:r>
+            <a:r>
+              <a:rPr lang="en-US" dirty="0">
+                <a:ln w="0"/>
+                <a:solidFill>
+                  <a:schemeClr val="tx1"/>
+                </a:solidFill>
+                <a:effectLst>
+                  <a:outerShdw blurRad="38100" dist="19050" dir="2700000" algn="tl" rotWithShape="0">
+                    <a:schemeClr val="dk1">
+                      <a:alpha val="40000"/>
+                    </a:schemeClr>
+                  </a:outerShdw>
+                </a:effectLst>
+              </a:rPr>
+              <a:t>at the beginning of his journey</a:t>
+            </a:r>
+          </a:p>
+        </p:txBody>
+      </p:sp>
+      <p:sp>
+        <p:nvSpPr>
+          <p:cNvPr id="5" name="TextBox 4">
+            <a:extLst>
+              <a:ext uri="{FF2B5EF4-FFF2-40B4-BE49-F238E27FC236}">
+                <a16:creationId xmlns:a16="http://schemas.microsoft.com/office/drawing/2014/main" id="{BA98C1DC-3AB9-E9B2-8F70-51455BC7B78D}"/>
+              </a:ext>
+            </a:extLst>
+          </p:cNvPr>
+          <p:cNvSpPr txBox="1"/>
+          <p:nvPr/>
+        </p:nvSpPr>
+        <p:spPr>
+          <a:xfrm>
+            <a:off x="478971" y="2496457"/>
+            <a:ext cx="3193143" cy="2862322"/>
+          </a:xfrm>
+          <a:prstGeom prst="rect">
+            <a:avLst/>
+          </a:prstGeom>
+          <a:noFill/>
+        </p:spPr>
+        <p:txBody>
+          <a:bodyPr wrap="square" rtlCol="0">
+            <a:spAutoFit/>
+          </a:bodyPr>
+          <a:lstStyle/>
+          <a:p>
+            <a:pPr marL="285750" indent="-285750">
+              <a:buFont typeface="Arial" panose="020B0604020202020204" pitchFamily="34" charset="0"/>
+              <a:buChar char="•"/>
+            </a:pPr>
+            <a:r>
+              <a:rPr lang="en-US" dirty="0"/>
+              <a:t>Set a specific, measurable, realistic and time-based goal</a:t>
+            </a:r>
+          </a:p>
+          <a:p>
+            <a:pPr marL="285750" indent="-285750">
+              <a:buFont typeface="Arial" panose="020B0604020202020204" pitchFamily="34" charset="0"/>
+              <a:buChar char="•"/>
+            </a:pPr>
+            <a:r>
+              <a:rPr lang="en-US" dirty="0"/>
+              <a:t>Know exactly why you are learning to code: Switching careers? Finding a better job?</a:t>
+            </a:r>
+          </a:p>
+          <a:p>
+            <a:pPr marL="285750" indent="-285750">
+              <a:buFont typeface="Arial" panose="020B0604020202020204" pitchFamily="34" charset="0"/>
+              <a:buChar char="•"/>
+            </a:pPr>
+            <a:r>
+              <a:rPr lang="en-US" b="1" dirty="0"/>
+              <a:t>Imagine a big project</a:t>
+            </a:r>
+            <a:r>
+              <a:rPr lang="en-US" dirty="0"/>
+              <a:t> we want to be able to build!</a:t>
+            </a:r>
+          </a:p>
+          <a:p>
+            <a:pPr marL="285750" indent="-285750">
+              <a:buFont typeface="Arial" panose="020B0604020202020204" pitchFamily="34" charset="0"/>
+              <a:buChar char="•"/>
+            </a:pPr>
+            <a:r>
+              <a:rPr lang="en-US" b="1" dirty="0"/>
+              <a:t>Research technologies we need and then learn them.</a:t>
+            </a:r>
+          </a:p>
+        </p:txBody>
+      </p:sp>
+      <p:sp>
+        <p:nvSpPr>
+          <p:cNvPr id="6" name="Rectangle: Rounded Corners 5">
+            <a:extLst>
+              <a:ext uri="{FF2B5EF4-FFF2-40B4-BE49-F238E27FC236}">
+                <a16:creationId xmlns:a16="http://schemas.microsoft.com/office/drawing/2014/main" id="{9557BA18-6FA6-A008-3CB3-BCD10DA9ED6E}"/>
+              </a:ext>
+            </a:extLst>
+          </p:cNvPr>
+          <p:cNvSpPr/>
+          <p:nvPr/>
+        </p:nvSpPr>
+        <p:spPr>
+          <a:xfrm>
+            <a:off x="4630056" y="420032"/>
+            <a:ext cx="3323771" cy="1146629"/>
+          </a:xfrm>
+          <a:prstGeom prst="roundRect">
+            <a:avLst/>
+          </a:prstGeom>
+        </p:spPr>
+        <p:style>
+          <a:lnRef idx="2">
+            <a:schemeClr val="accent2">
+              <a:shade val="15000"/>
+            </a:schemeClr>
+          </a:lnRef>
+          <a:fillRef idx="1">
+            <a:schemeClr val="accent2"/>
+          </a:fillRef>
+          <a:effectRef idx="0">
+            <a:schemeClr val="accent2"/>
+          </a:effectRef>
+          <a:fontRef idx="minor">
+            <a:schemeClr val="lt1"/>
+          </a:fontRef>
+        </p:style>
+        <p:txBody>
+          <a:bodyPr rtlCol="0" anchor="ctr"/>
+          <a:lstStyle/>
+          <a:p>
+            <a:pPr algn="just">
+              <a:lnSpc>
+                <a:spcPct val="150000"/>
+              </a:lnSpc>
+            </a:pPr>
+            <a:r>
+              <a:rPr lang="en-US" dirty="0">
+                <a:ln w="0"/>
+                <a:solidFill>
+                  <a:schemeClr val="tx1"/>
+                </a:solidFill>
+                <a:effectLst>
+                  <a:outerShdw blurRad="38100" dist="19050" dir="2700000" algn="tl" rotWithShape="0">
+                    <a:schemeClr val="dk1">
+                      <a:alpha val="40000"/>
+                    </a:schemeClr>
+                  </a:outerShdw>
+                </a:effectLst>
+              </a:rPr>
+              <a:t>He quickly became frustrated when his code was not perfectly clean or efficient</a:t>
+            </a:r>
+          </a:p>
+        </p:txBody>
+      </p:sp>
+      <p:sp>
+        <p:nvSpPr>
+          <p:cNvPr id="7" name="TextBox 6">
+            <a:extLst>
+              <a:ext uri="{FF2B5EF4-FFF2-40B4-BE49-F238E27FC236}">
+                <a16:creationId xmlns:a16="http://schemas.microsoft.com/office/drawing/2014/main" id="{907723B1-3C94-7C11-A0E4-610BC31C5828}"/>
+              </a:ext>
+            </a:extLst>
+          </p:cNvPr>
+          <p:cNvSpPr txBox="1"/>
+          <p:nvPr/>
+        </p:nvSpPr>
+        <p:spPr>
+          <a:xfrm>
+            <a:off x="4630056" y="2293257"/>
+            <a:ext cx="3193143" cy="2308324"/>
+          </a:xfrm>
+          <a:prstGeom prst="rect">
+            <a:avLst/>
+          </a:prstGeom>
+          <a:noFill/>
+        </p:spPr>
+        <p:txBody>
+          <a:bodyPr wrap="square" rtlCol="0">
+            <a:spAutoFit/>
+          </a:bodyPr>
+          <a:lstStyle/>
+          <a:p>
+            <a:pPr marL="285750" indent="-285750">
+              <a:buFont typeface="Arial" panose="020B0604020202020204" pitchFamily="34" charset="0"/>
+              <a:buChar char="•"/>
+            </a:pPr>
+            <a:r>
+              <a:rPr lang="en-US" dirty="0"/>
+              <a:t>Don’t get stuck! Trying to write the perfect code!</a:t>
+            </a:r>
+          </a:p>
+          <a:p>
+            <a:pPr marL="285750" indent="-285750">
+              <a:buFont typeface="Arial" panose="020B0604020202020204" pitchFamily="34" charset="0"/>
+              <a:buChar char="•"/>
+            </a:pPr>
+            <a:r>
+              <a:rPr lang="en-US" dirty="0"/>
+              <a:t>just write tons of code, no matter the quality!</a:t>
+            </a:r>
+          </a:p>
+          <a:p>
+            <a:pPr marL="285750" indent="-285750">
+              <a:buFont typeface="Arial" panose="020B0604020202020204" pitchFamily="34" charset="0"/>
+              <a:buChar char="•"/>
+            </a:pPr>
+            <a:r>
+              <a:rPr lang="en-US" dirty="0"/>
+              <a:t>Clean and efficient code will come with time</a:t>
+            </a:r>
+          </a:p>
+          <a:p>
+            <a:pPr marL="285750" indent="-285750">
+              <a:buFont typeface="Arial" panose="020B0604020202020204" pitchFamily="34" charset="0"/>
+              <a:buChar char="•"/>
+            </a:pPr>
+            <a:r>
+              <a:rPr lang="en-US" dirty="0"/>
+              <a:t>You can always refactor code later</a:t>
+            </a:r>
+          </a:p>
+        </p:txBody>
+      </p:sp>
+      <p:sp>
+        <p:nvSpPr>
+          <p:cNvPr id="8" name="Rectangle: Rounded Corners 7">
+            <a:extLst>
+              <a:ext uri="{FF2B5EF4-FFF2-40B4-BE49-F238E27FC236}">
+                <a16:creationId xmlns:a16="http://schemas.microsoft.com/office/drawing/2014/main" id="{242AECCE-E6FD-CC17-1E93-9BE5D4A7DF2A}"/>
+              </a:ext>
+            </a:extLst>
+          </p:cNvPr>
+          <p:cNvSpPr/>
+          <p:nvPr/>
+        </p:nvSpPr>
+        <p:spPr>
+          <a:xfrm>
+            <a:off x="8665027" y="420032"/>
+            <a:ext cx="3323771" cy="1146629"/>
+          </a:xfrm>
+          <a:prstGeom prst="roundRect">
+            <a:avLst/>
+          </a:prstGeom>
+        </p:spPr>
+        <p:style>
+          <a:lnRef idx="2">
+            <a:schemeClr val="accent2">
+              <a:shade val="15000"/>
+            </a:schemeClr>
+          </a:lnRef>
+          <a:fillRef idx="1">
+            <a:schemeClr val="accent2"/>
+          </a:fillRef>
+          <a:effectRef idx="0">
+            <a:schemeClr val="accent2"/>
+          </a:effectRef>
+          <a:fontRef idx="minor">
+            <a:schemeClr val="lt1"/>
+          </a:fontRef>
+        </p:style>
+        <p:txBody>
+          <a:bodyPr rtlCol="0" anchor="ctr"/>
+          <a:lstStyle/>
+          <a:p>
+            <a:pPr algn="just">
+              <a:lnSpc>
+                <a:spcPct val="150000"/>
+              </a:lnSpc>
+            </a:pPr>
+            <a:r>
+              <a:rPr lang="en-US" sz="1600" dirty="0">
+                <a:ln w="0"/>
+                <a:solidFill>
+                  <a:schemeClr val="tx1"/>
+                </a:solidFill>
+                <a:effectLst>
+                  <a:outerShdw blurRad="38100" dist="19050" dir="2700000" algn="tl" rotWithShape="0">
+                    <a:schemeClr val="dk1">
+                      <a:alpha val="40000"/>
+                    </a:schemeClr>
+                  </a:outerShdw>
+                </a:effectLst>
+              </a:rPr>
+              <a:t>He didn’t reinforce what he was learning by doing small challenges or taking notes.</a:t>
+            </a:r>
+          </a:p>
+        </p:txBody>
+      </p:sp>
+      <p:sp>
+        <p:nvSpPr>
+          <p:cNvPr id="9" name="TextBox 8">
+            <a:extLst>
+              <a:ext uri="{FF2B5EF4-FFF2-40B4-BE49-F238E27FC236}">
+                <a16:creationId xmlns:a16="http://schemas.microsoft.com/office/drawing/2014/main" id="{2B41536F-4296-D04F-494F-306183CD5B60}"/>
+              </a:ext>
+            </a:extLst>
+          </p:cNvPr>
+          <p:cNvSpPr txBox="1"/>
+          <p:nvPr/>
+        </p:nvSpPr>
+        <p:spPr>
+          <a:xfrm>
+            <a:off x="8795655" y="2159728"/>
+            <a:ext cx="3193143" cy="2585323"/>
+          </a:xfrm>
+          <a:prstGeom prst="rect">
+            <a:avLst/>
+          </a:prstGeom>
+          <a:noFill/>
+        </p:spPr>
+        <p:txBody>
+          <a:bodyPr wrap="square" rtlCol="0">
+            <a:spAutoFit/>
+          </a:bodyPr>
+          <a:lstStyle/>
+          <a:p>
+            <a:pPr marL="285750" indent="-285750">
+              <a:buFont typeface="Arial" panose="020B0604020202020204" pitchFamily="34" charset="0"/>
+              <a:buChar char="•"/>
+            </a:pPr>
+            <a:r>
+              <a:rPr lang="en-US" dirty="0"/>
+              <a:t>After we learn a new feature or concept, use it immediately.</a:t>
+            </a:r>
+          </a:p>
+          <a:p>
+            <a:pPr marL="285750" indent="-285750">
+              <a:buFont typeface="Arial" panose="020B0604020202020204" pitchFamily="34" charset="0"/>
+              <a:buChar char="•"/>
+            </a:pPr>
+            <a:r>
+              <a:rPr lang="en-US" b="1" dirty="0"/>
+              <a:t>Take notes.</a:t>
+            </a:r>
+          </a:p>
+          <a:p>
+            <a:pPr marL="285750" indent="-285750">
+              <a:buFont typeface="Arial" panose="020B0604020202020204" pitchFamily="34" charset="0"/>
+              <a:buChar char="•"/>
+            </a:pPr>
+            <a:r>
+              <a:rPr lang="en-US" b="1" dirty="0"/>
+              <a:t>Challenge yourself </a:t>
+            </a:r>
+            <a:r>
+              <a:rPr lang="en-US" dirty="0"/>
+              <a:t>and practice with small coding exercises and challenges</a:t>
+            </a:r>
+          </a:p>
+          <a:p>
+            <a:pPr marL="285750" indent="-285750">
+              <a:buFont typeface="Arial" panose="020B0604020202020204" pitchFamily="34" charset="0"/>
+              <a:buChar char="•"/>
+            </a:pPr>
+            <a:r>
+              <a:rPr lang="en-US" b="1" dirty="0"/>
+              <a:t>Don’t be in a hurry to </a:t>
+            </a:r>
+            <a:r>
+              <a:rPr lang="en-US" dirty="0"/>
+              <a:t>complete the course fast!</a:t>
+            </a:r>
+            <a:endParaRPr lang="en-US" b="1" dirty="0"/>
+          </a:p>
+        </p:txBody>
+      </p:sp>
+    </p:spTree>
+    <p:extLst>
+      <p:ext uri="{BB962C8B-B14F-4D97-AF65-F5344CB8AC3E}">
+        <p14:creationId xmlns:p14="http://schemas.microsoft.com/office/powerpoint/2010/main" val="3333856670"/>
       </p:ext>
     </p:extLst>
   </p:cSld>
@@ -8825,6 +9945,643 @@
     <p:extLst>
       <p:ext uri="{BB962C8B-B14F-4D97-AF65-F5344CB8AC3E}">
         <p14:creationId xmlns:p14="http://schemas.microsoft.com/office/powerpoint/2010/main" val="4078995323"/>
+      </p:ext>
+    </p:extLst>
+  </p:cSld>
+  <p:clrMapOvr>
+    <a:masterClrMapping/>
+  </p:clrMapOvr>
+</p:sld>
+</file>
+
+<file path=ppt/slides/slide40.xml><?xml version="1.0" encoding="utf-8"?>
+<p:sld xmlns:a="http://schemas.openxmlformats.org/drawingml/2006/main" xmlns:r="http://schemas.openxmlformats.org/officeDocument/2006/relationships" xmlns:p="http://schemas.openxmlformats.org/presentationml/2006/main">
+  <p:cSld>
+    <p:spTree>
+      <p:nvGrpSpPr>
+        <p:cNvPr id="1" name=""/>
+        <p:cNvGrpSpPr/>
+        <p:nvPr/>
+      </p:nvGrpSpPr>
+      <p:grpSpPr>
+        <a:xfrm>
+          <a:off x="0" y="0"/>
+          <a:ext cx="0" cy="0"/>
+          <a:chOff x="0" y="0"/>
+          <a:chExt cx="0" cy="0"/>
+        </a:xfrm>
+      </p:grpSpPr>
+      <p:sp>
+        <p:nvSpPr>
+          <p:cNvPr id="4" name="Rectangle: Rounded Corners 3">
+            <a:extLst>
+              <a:ext uri="{FF2B5EF4-FFF2-40B4-BE49-F238E27FC236}">
+                <a16:creationId xmlns:a16="http://schemas.microsoft.com/office/drawing/2014/main" id="{6C959BC9-E917-2F1C-27F9-587BE031F6F9}"/>
+              </a:ext>
+            </a:extLst>
+          </p:cNvPr>
+          <p:cNvSpPr/>
+          <p:nvPr/>
+        </p:nvSpPr>
+        <p:spPr>
+          <a:xfrm>
+            <a:off x="478971" y="367107"/>
+            <a:ext cx="3323771" cy="1146629"/>
+          </a:xfrm>
+          <a:prstGeom prst="roundRect">
+            <a:avLst/>
+          </a:prstGeom>
+        </p:spPr>
+        <p:style>
+          <a:lnRef idx="2">
+            <a:schemeClr val="accent2">
+              <a:shade val="15000"/>
+            </a:schemeClr>
+          </a:lnRef>
+          <a:fillRef idx="1">
+            <a:schemeClr val="accent2"/>
+          </a:fillRef>
+          <a:effectRef idx="0">
+            <a:schemeClr val="accent2"/>
+          </a:effectRef>
+          <a:fontRef idx="minor">
+            <a:schemeClr val="lt1"/>
+          </a:fontRef>
+        </p:style>
+        <p:txBody>
+          <a:bodyPr rtlCol="0" anchor="ctr"/>
+          <a:lstStyle/>
+          <a:p>
+            <a:pPr algn="just">
+              <a:lnSpc>
+                <a:spcPct val="150000"/>
+              </a:lnSpc>
+            </a:pPr>
+            <a:r>
+              <a:rPr lang="en-US" sz="1600" dirty="0">
+                <a:ln w="0"/>
+                <a:solidFill>
+                  <a:schemeClr val="tx1"/>
+                </a:solidFill>
+                <a:effectLst>
+                  <a:outerShdw blurRad="38100" dist="19050" dir="2700000" algn="tl" rotWithShape="0">
+                    <a:schemeClr val="dk1">
+                      <a:alpha val="40000"/>
+                    </a:schemeClr>
+                  </a:outerShdw>
+                </a:effectLst>
+              </a:rPr>
+              <a:t>He didn’t practice coding, and didn’t come up with his own project ideas.</a:t>
+            </a:r>
+          </a:p>
+        </p:txBody>
+      </p:sp>
+      <p:sp>
+        <p:nvSpPr>
+          <p:cNvPr id="5" name="TextBox 4">
+            <a:extLst>
+              <a:ext uri="{FF2B5EF4-FFF2-40B4-BE49-F238E27FC236}">
+                <a16:creationId xmlns:a16="http://schemas.microsoft.com/office/drawing/2014/main" id="{BA98C1DC-3AB9-E9B2-8F70-51455BC7B78D}"/>
+              </a:ext>
+            </a:extLst>
+          </p:cNvPr>
+          <p:cNvSpPr txBox="1"/>
+          <p:nvPr/>
+        </p:nvSpPr>
+        <p:spPr>
+          <a:xfrm>
+            <a:off x="478971" y="2496457"/>
+            <a:ext cx="3193143" cy="2031325"/>
+          </a:xfrm>
+          <a:prstGeom prst="rect">
+            <a:avLst/>
+          </a:prstGeom>
+          <a:noFill/>
+        </p:spPr>
+        <p:txBody>
+          <a:bodyPr wrap="square" rtlCol="0">
+            <a:spAutoFit/>
+          </a:bodyPr>
+          <a:lstStyle/>
+          <a:p>
+            <a:pPr marL="285750" indent="-285750">
+              <a:buFont typeface="Arial" panose="020B0604020202020204" pitchFamily="34" charset="0"/>
+              <a:buChar char="•"/>
+            </a:pPr>
+            <a:r>
+              <a:rPr lang="en-US" dirty="0"/>
+              <a:t>Practicing on your own is the most important thing to do..</a:t>
+            </a:r>
+          </a:p>
+          <a:p>
+            <a:pPr marL="285750" indent="-285750">
+              <a:buFont typeface="Arial" panose="020B0604020202020204" pitchFamily="34" charset="0"/>
+              <a:buChar char="•"/>
+            </a:pPr>
+            <a:r>
+              <a:rPr lang="en-US" b="1" dirty="0"/>
+              <a:t>This is NOT </a:t>
+            </a:r>
+            <a:r>
+              <a:rPr lang="en-US" b="1" dirty="0" err="1"/>
+              <a:t>optinal</a:t>
+            </a:r>
+            <a:r>
+              <a:rPr lang="en-US" b="1" dirty="0"/>
+              <a:t>!</a:t>
+            </a:r>
+          </a:p>
+          <a:p>
+            <a:pPr marL="285750" indent="-285750">
+              <a:buFont typeface="Arial" panose="020B0604020202020204" pitchFamily="34" charset="0"/>
+              <a:buChar char="•"/>
+            </a:pPr>
+            <a:r>
+              <a:rPr lang="en-US" b="1" dirty="0"/>
+              <a:t>Come up with your own project ideas </a:t>
+            </a:r>
+            <a:r>
+              <a:rPr lang="en-US" dirty="0"/>
+              <a:t> or sites or application, or just parts of them in the beginning</a:t>
+            </a:r>
+            <a:endParaRPr lang="en-US" b="1" dirty="0"/>
+          </a:p>
+        </p:txBody>
+      </p:sp>
+      <p:sp>
+        <p:nvSpPr>
+          <p:cNvPr id="6" name="Rectangle: Rounded Corners 5">
+            <a:extLst>
+              <a:ext uri="{FF2B5EF4-FFF2-40B4-BE49-F238E27FC236}">
+                <a16:creationId xmlns:a16="http://schemas.microsoft.com/office/drawing/2014/main" id="{9557BA18-6FA6-A008-3CB3-BCD10DA9ED6E}"/>
+              </a:ext>
+            </a:extLst>
+          </p:cNvPr>
+          <p:cNvSpPr/>
+          <p:nvPr/>
+        </p:nvSpPr>
+        <p:spPr>
+          <a:xfrm>
+            <a:off x="4731656" y="367107"/>
+            <a:ext cx="3323771" cy="1146629"/>
+          </a:xfrm>
+          <a:prstGeom prst="roundRect">
+            <a:avLst/>
+          </a:prstGeom>
+        </p:spPr>
+        <p:style>
+          <a:lnRef idx="2">
+            <a:schemeClr val="accent2">
+              <a:shade val="15000"/>
+            </a:schemeClr>
+          </a:lnRef>
+          <a:fillRef idx="1">
+            <a:schemeClr val="accent2"/>
+          </a:fillRef>
+          <a:effectRef idx="0">
+            <a:schemeClr val="accent2"/>
+          </a:effectRef>
+          <a:fontRef idx="minor">
+            <a:schemeClr val="lt1"/>
+          </a:fontRef>
+        </p:style>
+        <p:txBody>
+          <a:bodyPr rtlCol="0" anchor="ctr"/>
+          <a:lstStyle/>
+          <a:p>
+            <a:pPr algn="just">
+              <a:lnSpc>
+                <a:spcPct val="150000"/>
+              </a:lnSpc>
+            </a:pPr>
+            <a:r>
+              <a:rPr lang="en-US" sz="1200" dirty="0">
+                <a:ln w="0"/>
+                <a:solidFill>
+                  <a:schemeClr val="tx1"/>
+                </a:solidFill>
+                <a:effectLst>
+                  <a:outerShdw blurRad="38100" dist="19050" dir="2700000" algn="tl" rotWithShape="0">
+                    <a:schemeClr val="dk1">
+                      <a:alpha val="40000"/>
+                    </a:schemeClr>
+                  </a:outerShdw>
+                </a:effectLst>
+              </a:rPr>
+              <a:t>He started by watching courses and reading tutorials, but he would just copy and paste code without caring how it works!</a:t>
+            </a:r>
+          </a:p>
+        </p:txBody>
+      </p:sp>
+      <p:sp>
+        <p:nvSpPr>
+          <p:cNvPr id="7" name="TextBox 6">
+            <a:extLst>
+              <a:ext uri="{FF2B5EF4-FFF2-40B4-BE49-F238E27FC236}">
+                <a16:creationId xmlns:a16="http://schemas.microsoft.com/office/drawing/2014/main" id="{907723B1-3C94-7C11-A0E4-610BC31C5828}"/>
+              </a:ext>
+            </a:extLst>
+          </p:cNvPr>
+          <p:cNvSpPr txBox="1"/>
+          <p:nvPr/>
+        </p:nvSpPr>
+        <p:spPr>
+          <a:xfrm>
+            <a:off x="4630056" y="2293257"/>
+            <a:ext cx="3193143" cy="1200329"/>
+          </a:xfrm>
+          <a:prstGeom prst="rect">
+            <a:avLst/>
+          </a:prstGeom>
+          <a:noFill/>
+        </p:spPr>
+        <p:txBody>
+          <a:bodyPr wrap="square" rtlCol="0">
+            <a:spAutoFit/>
+          </a:bodyPr>
+          <a:lstStyle/>
+          <a:p>
+            <a:pPr marL="285750" indent="-285750">
+              <a:buFont typeface="Arial" panose="020B0604020202020204" pitchFamily="34" charset="0"/>
+              <a:buChar char="•"/>
+            </a:pPr>
+            <a:r>
+              <a:rPr lang="en-US" dirty="0"/>
+              <a:t>Understand the code that you’re studying and typing</a:t>
+            </a:r>
+          </a:p>
+          <a:p>
+            <a:pPr marL="285750" indent="-285750">
+              <a:buFont typeface="Arial" panose="020B0604020202020204" pitchFamily="34" charset="0"/>
+              <a:buChar char="•"/>
+            </a:pPr>
+            <a:r>
+              <a:rPr lang="en-US" b="1" dirty="0"/>
+              <a:t>Always type the code. </a:t>
+            </a:r>
+            <a:r>
+              <a:rPr lang="en-US" dirty="0"/>
+              <a:t>Don’t copy-paste</a:t>
+            </a:r>
+            <a:endParaRPr lang="en-US" b="1" dirty="0"/>
+          </a:p>
+        </p:txBody>
+      </p:sp>
+      <p:sp>
+        <p:nvSpPr>
+          <p:cNvPr id="8" name="Rectangle: Rounded Corners 7">
+            <a:extLst>
+              <a:ext uri="{FF2B5EF4-FFF2-40B4-BE49-F238E27FC236}">
+                <a16:creationId xmlns:a16="http://schemas.microsoft.com/office/drawing/2014/main" id="{242AECCE-E6FD-CC17-1E93-9BE5D4A7DF2A}"/>
+              </a:ext>
+            </a:extLst>
+          </p:cNvPr>
+          <p:cNvSpPr/>
+          <p:nvPr/>
+        </p:nvSpPr>
+        <p:spPr>
+          <a:xfrm>
+            <a:off x="8665027" y="420032"/>
+            <a:ext cx="3323771" cy="1146629"/>
+          </a:xfrm>
+          <a:prstGeom prst="roundRect">
+            <a:avLst/>
+          </a:prstGeom>
+        </p:spPr>
+        <p:style>
+          <a:lnRef idx="2">
+            <a:schemeClr val="accent2">
+              <a:shade val="15000"/>
+            </a:schemeClr>
+          </a:lnRef>
+          <a:fillRef idx="1">
+            <a:schemeClr val="accent2"/>
+          </a:fillRef>
+          <a:effectRef idx="0">
+            <a:schemeClr val="accent2"/>
+          </a:effectRef>
+          <a:fontRef idx="minor">
+            <a:schemeClr val="lt1"/>
+          </a:fontRef>
+        </p:style>
+        <p:txBody>
+          <a:bodyPr rtlCol="0" anchor="ctr"/>
+          <a:lstStyle/>
+          <a:p>
+            <a:pPr algn="just">
+              <a:lnSpc>
+                <a:spcPct val="150000"/>
+              </a:lnSpc>
+            </a:pPr>
+            <a:r>
+              <a:rPr lang="en-US" sz="1600" dirty="0">
+                <a:ln w="0"/>
+                <a:solidFill>
+                  <a:schemeClr val="tx1"/>
+                </a:solidFill>
+                <a:effectLst>
+                  <a:outerShdw blurRad="38100" dist="19050" dir="2700000" algn="tl" rotWithShape="0">
+                    <a:schemeClr val="dk1">
+                      <a:alpha val="40000"/>
+                    </a:schemeClr>
+                  </a:outerShdw>
+                </a:effectLst>
+              </a:rPr>
+              <a:t>He lost motivation because he thought he could never know everything</a:t>
+            </a:r>
+          </a:p>
+        </p:txBody>
+      </p:sp>
+      <p:sp>
+        <p:nvSpPr>
+          <p:cNvPr id="9" name="TextBox 8">
+            <a:extLst>
+              <a:ext uri="{FF2B5EF4-FFF2-40B4-BE49-F238E27FC236}">
+                <a16:creationId xmlns:a16="http://schemas.microsoft.com/office/drawing/2014/main" id="{2B41536F-4296-D04F-494F-306183CD5B60}"/>
+              </a:ext>
+            </a:extLst>
+          </p:cNvPr>
+          <p:cNvSpPr txBox="1"/>
+          <p:nvPr/>
+        </p:nvSpPr>
+        <p:spPr>
+          <a:xfrm>
+            <a:off x="8795655" y="2159728"/>
+            <a:ext cx="3193143" cy="1477328"/>
+          </a:xfrm>
+          <a:prstGeom prst="rect">
+            <a:avLst/>
+          </a:prstGeom>
+          <a:noFill/>
+        </p:spPr>
+        <p:txBody>
+          <a:bodyPr wrap="square" rtlCol="0">
+            <a:spAutoFit/>
+          </a:bodyPr>
+          <a:lstStyle/>
+          <a:p>
+            <a:pPr marL="285750" indent="-285750">
+              <a:buFont typeface="Arial" panose="020B0604020202020204" pitchFamily="34" charset="0"/>
+              <a:buChar char="•"/>
+            </a:pPr>
+            <a:r>
+              <a:rPr lang="en-US" dirty="0"/>
+              <a:t>Embrace the fact that </a:t>
+            </a:r>
+            <a:r>
+              <a:rPr lang="en-US" b="1" dirty="0"/>
+              <a:t>you will never you know everything.</a:t>
+            </a:r>
+          </a:p>
+          <a:p>
+            <a:pPr marL="285750" indent="-285750">
+              <a:buFont typeface="Arial" panose="020B0604020202020204" pitchFamily="34" charset="0"/>
+              <a:buChar char="•"/>
+            </a:pPr>
+            <a:r>
+              <a:rPr lang="en-US" b="1" dirty="0"/>
+              <a:t>Just focus on what you need to achieve </a:t>
+            </a:r>
+            <a:r>
+              <a:rPr lang="en-US" dirty="0"/>
+              <a:t>your goal!</a:t>
+            </a:r>
+            <a:endParaRPr lang="en-US" b="1" dirty="0"/>
+          </a:p>
+        </p:txBody>
+      </p:sp>
+    </p:spTree>
+    <p:extLst>
+      <p:ext uri="{BB962C8B-B14F-4D97-AF65-F5344CB8AC3E}">
+        <p14:creationId xmlns:p14="http://schemas.microsoft.com/office/powerpoint/2010/main" val="246252484"/>
+      </p:ext>
+    </p:extLst>
+  </p:cSld>
+  <p:clrMapOvr>
+    <a:masterClrMapping/>
+  </p:clrMapOvr>
+</p:sld>
+</file>
+
+<file path=ppt/slides/slide41.xml><?xml version="1.0" encoding="utf-8"?>
+<p:sld xmlns:a="http://schemas.openxmlformats.org/drawingml/2006/main" xmlns:r="http://schemas.openxmlformats.org/officeDocument/2006/relationships" xmlns:p="http://schemas.openxmlformats.org/presentationml/2006/main">
+  <p:cSld>
+    <p:spTree>
+      <p:nvGrpSpPr>
+        <p:cNvPr id="1" name=""/>
+        <p:cNvGrpSpPr/>
+        <p:nvPr/>
+      </p:nvGrpSpPr>
+      <p:grpSpPr>
+        <a:xfrm>
+          <a:off x="0" y="0"/>
+          <a:ext cx="0" cy="0"/>
+          <a:chOff x="0" y="0"/>
+          <a:chExt cx="0" cy="0"/>
+        </a:xfrm>
+      </p:grpSpPr>
+      <p:sp>
+        <p:nvSpPr>
+          <p:cNvPr id="2" name="Title 1">
+            <a:extLst>
+              <a:ext uri="{FF2B5EF4-FFF2-40B4-BE49-F238E27FC236}">
+                <a16:creationId xmlns:a16="http://schemas.microsoft.com/office/drawing/2014/main" id="{9599B370-1AFB-8FC4-16D6-AACF378D1D7B}"/>
+              </a:ext>
+            </a:extLst>
+          </p:cNvPr>
+          <p:cNvSpPr>
+            <a:spLocks noGrp="1"/>
+          </p:cNvSpPr>
+          <p:nvPr>
+            <p:ph type="title"/>
+          </p:nvPr>
+        </p:nvSpPr>
+        <p:spPr/>
+        <p:txBody>
+          <a:bodyPr/>
+          <a:lstStyle/>
+          <a:p>
+            <a:endParaRPr lang="en-US"/>
+          </a:p>
+        </p:txBody>
+      </p:sp>
+      <p:sp>
+        <p:nvSpPr>
+          <p:cNvPr id="3" name="Content Placeholder 2">
+            <a:extLst>
+              <a:ext uri="{FF2B5EF4-FFF2-40B4-BE49-F238E27FC236}">
+                <a16:creationId xmlns:a16="http://schemas.microsoft.com/office/drawing/2014/main" id="{7D211F1D-B9C9-4A6D-D482-A15E956A3D10}"/>
+              </a:ext>
+            </a:extLst>
+          </p:cNvPr>
+          <p:cNvSpPr>
+            <a:spLocks noGrp="1"/>
+          </p:cNvSpPr>
+          <p:nvPr>
+            <p:ph idx="1"/>
+          </p:nvPr>
+        </p:nvSpPr>
+        <p:spPr/>
+        <p:txBody>
+          <a:bodyPr/>
+          <a:lstStyle/>
+          <a:p>
+            <a:pPr marL="0" indent="0">
+              <a:buNone/>
+            </a:pPr>
+            <a:r>
+              <a:rPr lang="en-US" dirty="0"/>
+              <a:t>Study courses: understand code, take challenges and notes</a:t>
+            </a:r>
+          </a:p>
+          <a:p>
+            <a:pPr marL="0" indent="0">
+              <a:buNone/>
+            </a:pPr>
+            <a:r>
+              <a:rPr lang="en-US" dirty="0"/>
+              <a:t>Stay motivated: Keep writing lots of code on your own, no matter how bad</a:t>
+            </a:r>
+          </a:p>
+          <a:p>
+            <a:pPr marL="0" indent="0">
+              <a:buNone/>
+            </a:pPr>
+            <a:r>
+              <a:rPr lang="en-US" dirty="0"/>
+              <a:t>Learn with other people, </a:t>
+            </a:r>
+            <a:r>
+              <a:rPr lang="en-US" dirty="0" err="1"/>
+              <a:t>devs</a:t>
+            </a:r>
+            <a:r>
+              <a:rPr lang="en-US" dirty="0"/>
+              <a:t> and beginners, and share progress</a:t>
+            </a:r>
+          </a:p>
+          <a:p>
+            <a:pPr marL="0" indent="0">
+              <a:buNone/>
+            </a:pPr>
+            <a:r>
+              <a:rPr lang="en-US" dirty="0"/>
+              <a:t>Keep challenging yourself, run into lots of problems and fix them</a:t>
+            </a:r>
+          </a:p>
+          <a:p>
+            <a:pPr marL="0" indent="0">
+              <a:buNone/>
+            </a:pPr>
+            <a:r>
+              <a:rPr lang="en-US" dirty="0"/>
+              <a:t>Round up your skillset with best practices and tools</a:t>
+            </a:r>
+          </a:p>
+          <a:p>
+            <a:pPr marL="0" indent="0">
+              <a:buNone/>
+            </a:pPr>
+            <a:r>
+              <a:rPr lang="en-US" dirty="0"/>
+              <a:t>Job ready(but the learning never stops)</a:t>
+            </a:r>
+          </a:p>
+          <a:p>
+            <a:pPr marL="0" indent="0">
+              <a:buNone/>
+            </a:pPr>
+            <a:endParaRPr lang="en-US" dirty="0"/>
+          </a:p>
+        </p:txBody>
+      </p:sp>
+    </p:spTree>
+    <p:extLst>
+      <p:ext uri="{BB962C8B-B14F-4D97-AF65-F5344CB8AC3E}">
+        <p14:creationId xmlns:p14="http://schemas.microsoft.com/office/powerpoint/2010/main" val="832870233"/>
+      </p:ext>
+    </p:extLst>
+  </p:cSld>
+  <p:clrMapOvr>
+    <a:masterClrMapping/>
+  </p:clrMapOvr>
+</p:sld>
+</file>
+
+<file path=ppt/slides/slide42.xml><?xml version="1.0" encoding="utf-8"?>
+<p:sld xmlns:a="http://schemas.openxmlformats.org/drawingml/2006/main" xmlns:r="http://schemas.openxmlformats.org/officeDocument/2006/relationships" xmlns:p="http://schemas.openxmlformats.org/presentationml/2006/main">
+  <p:cSld>
+    <p:spTree>
+      <p:nvGrpSpPr>
+        <p:cNvPr id="1" name=""/>
+        <p:cNvGrpSpPr/>
+        <p:nvPr/>
+      </p:nvGrpSpPr>
+      <p:grpSpPr>
+        <a:xfrm>
+          <a:off x="0" y="0"/>
+          <a:ext cx="0" cy="0"/>
+          <a:chOff x="0" y="0"/>
+          <a:chExt cx="0" cy="0"/>
+        </a:xfrm>
+      </p:grpSpPr>
+      <p:sp>
+        <p:nvSpPr>
+          <p:cNvPr id="2" name="Title 1">
+            <a:extLst>
+              <a:ext uri="{FF2B5EF4-FFF2-40B4-BE49-F238E27FC236}">
+                <a16:creationId xmlns:a16="http://schemas.microsoft.com/office/drawing/2014/main" id="{971BF17C-41BF-993A-90A3-453EDAA0B479}"/>
+              </a:ext>
+            </a:extLst>
+          </p:cNvPr>
+          <p:cNvSpPr>
+            <a:spLocks noGrp="1"/>
+          </p:cNvSpPr>
+          <p:nvPr>
+            <p:ph type="title"/>
+          </p:nvPr>
+        </p:nvSpPr>
+        <p:spPr/>
+        <p:txBody>
+          <a:bodyPr/>
+          <a:lstStyle/>
+          <a:p>
+            <a:r>
+              <a:rPr lang="en-US" dirty="0"/>
+              <a:t>How to think like a developer: Become a problem solver!</a:t>
+            </a:r>
+          </a:p>
+        </p:txBody>
+      </p:sp>
+      <p:sp>
+        <p:nvSpPr>
+          <p:cNvPr id="3" name="Content Placeholder 2">
+            <a:extLst>
+              <a:ext uri="{FF2B5EF4-FFF2-40B4-BE49-F238E27FC236}">
+                <a16:creationId xmlns:a16="http://schemas.microsoft.com/office/drawing/2014/main" id="{97337CA2-B6E7-CC5B-0C4E-D196A208F437}"/>
+              </a:ext>
+            </a:extLst>
+          </p:cNvPr>
+          <p:cNvSpPr>
+            <a:spLocks noGrp="1"/>
+          </p:cNvSpPr>
+          <p:nvPr>
+            <p:ph idx="1"/>
+          </p:nvPr>
+        </p:nvSpPr>
+        <p:spPr/>
+        <p:txBody>
+          <a:bodyPr/>
+          <a:lstStyle/>
+          <a:p>
+            <a:endParaRPr lang="en-US"/>
+          </a:p>
+        </p:txBody>
+      </p:sp>
+    </p:spTree>
+    <p:extLst>
+      <p:ext uri="{BB962C8B-B14F-4D97-AF65-F5344CB8AC3E}">
+        <p14:creationId xmlns:p14="http://schemas.microsoft.com/office/powerpoint/2010/main" val="1995798167"/>
       </p:ext>
     </p:extLst>
   </p:cSld>

--- a/JavaScript.pptx
+++ b/JavaScript.pptx
@@ -5,7 +5,7 @@
     <p:sldMasterId id="2147483648" r:id="rId1"/>
   </p:sldMasterIdLst>
   <p:notesMasterIdLst>
-    <p:notesMasterId r:id="rId44"/>
+    <p:notesMasterId r:id="rId50"/>
   </p:notesMasterIdLst>
   <p:sldIdLst>
     <p:sldId id="256" r:id="rId2"/>
@@ -50,6 +50,12 @@
     <p:sldId id="295" r:id="rId41"/>
     <p:sldId id="296" r:id="rId42"/>
     <p:sldId id="297" r:id="rId43"/>
+    <p:sldId id="299" r:id="rId44"/>
+    <p:sldId id="300" r:id="rId45"/>
+    <p:sldId id="301" r:id="rId46"/>
+    <p:sldId id="302" r:id="rId47"/>
+    <p:sldId id="303" r:id="rId48"/>
+    <p:sldId id="304" r:id="rId49"/>
   </p:sldIdLst>
   <p:sldSz cx="12192000" cy="6858000"/>
   <p:notesSz cx="6858000" cy="9144000"/>
@@ -213,6 +219,34 @@
     </inkml:brush>
   </inkml:definitions>
   <inkml:trace contextRef="#ctx0" brushRef="#br0">0 1386 24575,'5'-1'0,"0"-1"0,0 0 0,0 0 0,0 0 0,0-1 0,-1 1 0,1-1 0,-1 0 0,0-1 0,0 1 0,0-1 0,-1 1 0,1-1 0,4-7 0,15-12 0,20-15 0,106-86 0,-54 50 0,135-95 0,-199 148 0,37-36 0,-2 1 0,-49 41 0,-1 0 0,0-1 0,19-26 0,-22 25 0,2 0 0,0 1 0,20-17 0,28-19 0,-36 29 0,0 1 0,1 2 0,58-33 0,-42 29 0,-1-2 0,51-41 0,-47 33 0,-4 3 0,123-82 0,-124 86-9,38-33 0,-36 26-1338,-22 17-5479</inkml:trace>
+</inkml:ink>
+</file>
+
+<file path=ppt/ink/ink11.xml><?xml version="1.0" encoding="utf-8"?>
+<inkml:ink xmlns:inkml="http://www.w3.org/2003/InkML">
+  <inkml:definitions>
+    <inkml:context xml:id="ctx0">
+      <inkml:inkSource xml:id="inkSrc0">
+        <inkml:traceFormat>
+          <inkml:channel name="X" type="integer" min="-2.14748E9" max="2.14748E9" units="cm"/>
+          <inkml:channel name="Y" type="integer" min="-2.14748E9" max="2.14748E9" units="cm"/>
+          <inkml:channel name="F" type="integer" max="32767" units="dev"/>
+        </inkml:traceFormat>
+        <inkml:channelProperties>
+          <inkml:channelProperty channel="X" name="resolution" value="1000" units="1/cm"/>
+          <inkml:channelProperty channel="Y" name="resolution" value="1000" units="1/cm"/>
+          <inkml:channelProperty channel="F" name="resolution" value="0" units="1/dev"/>
+        </inkml:channelProperties>
+      </inkml:inkSource>
+      <inkml:timestamp xml:id="ts0" timeString="2024-09-16T14:07:02.206"/>
+    </inkml:context>
+    <inkml:brush xml:id="br0">
+      <inkml:brushProperty name="width" value="0.05" units="cm"/>
+      <inkml:brushProperty name="height" value="0.05" units="cm"/>
+      <inkml:brushProperty name="color" value="#E71224"/>
+    </inkml:brush>
+  </inkml:definitions>
+  <inkml:trace contextRef="#ctx0" brushRef="#br0">1 2908 24575,'0'-6'0,"1"0"0,0 0 0,1 0 0,-1 1 0,1-1 0,0 1 0,0-1 0,1 1 0,-1 0 0,1 0 0,6-8 0,-2 3 0,0 2 0,1-1 0,0 1 0,0 0 0,11-7 0,291-193 0,-61 30 0,82-62 0,272-241 0,-543 436 0,133-109 0,-132 103 0,116-74 0,-68 52 0,-76 52 0,59-28 0,-1 1 0,-62 33 0,1 1 0,1 1 0,0 2 0,0 1 0,1 1 0,0 2 0,44-4 0,102-24 0,-168 32 0,0-1 0,-1 1 0,1-2 0,-1 1 0,0-2 0,13-9 0,-14 9 0,0 1 0,1 0 0,-1 0 0,1 0 0,0 1 0,0 1 0,19-5 0,69 0 0,-73 7 0,0 0 0,0-2 0,26-6 0,159-29 0,-136 28 0,-14 4 0,-48 6 0,1 0 0,0-1 0,-1-1 0,1 0 0,-1 0 0,1-1 0,-1 0 0,0-1 0,0-1 0,13-7 0,-1-1 0,0 0 0,1 1 0,0 1 0,1 2 0,0 0 0,1 2 0,27-5 0,51-16 0,79-13 0,-36 10 0,-59 0 0,-69 22 0,1 2 0,0 0 0,0 1 0,26-4 0,193-30 0,-160 21 0,-54 12 0,1 1 0,48-5 0,35 6 0,143 11 0,-245-5 0,1-1 0,-1 1 0,0 1 0,0-1 0,0 1 0,0 0 0,-1 1 0,1-1 0,12 8 0,-17-3 0,-12-5 0,-13-3 0,-16-11 0,0-2 0,1-2 0,1-1 0,0-2 0,2-2 0,0-1 0,1-1 0,1-2 0,2-2 0,-31-32 0,36 36 0,-45-32 0,42 34 0,-34-31 0,49 39 0,10 10 0,-1-1 0,1 0 0,0 0 0,0 0 0,0-1 0,1 1 0,-5-8 0,8 11 0,0 1 0,0-1 0,0 1 0,0-1 0,0 0 0,0 1 0,0-1 0,0 1 0,0-1 0,0 1 0,0-1 0,0 1 0,0-1 0,1 1 0,-1-1 0,0 1 0,0-1 0,1 1 0,-1-1 0,0 1 0,1-1 0,-1 1 0,0 0 0,1-1 0,-1 1 0,0 0 0,1-1 0,-1 1 0,1 0 0,-1-1 0,1 1 0,-1 0 0,1 0 0,-1 0 0,1-1 0,-1 1 0,1 0 0,-1 0 0,1 0 0,-1 0 0,2 0 0,25-4 0,-25 4 0,10-1 0,-1 0 0,1 1 0,0 1 0,0 0 0,-1 0 0,1 1 0,0 1 0,-1 0 0,0 0 0,0 1 0,0 0 0,0 1 0,-1 1 0,1 0 0,-1 0 0,-1 1 0,17 14 0,27 23 0,1-3 0,96 55 0,-94-61 0,-24-16 0,-25-17 0,-1 2 0,0-1 0,0 1 0,0 0 0,0 0 0,-1 0 0,1 1 0,-1 0 0,0 0 0,-1 0 0,1 1 0,-1-1 0,4 9 0,1 0 0,0 0 0,1-1 0,12 13 0,-14-18 0,-1 1 0,0 0 0,0 0 0,-1 1 0,0-1 0,0 1 0,-1 1 0,5 13 0,-9-20 0,-1 0 0,0-1 0,0 1 0,0-1 0,0 1 0,-1-1 0,1 1 0,-1 0 0,0-1 0,0 0 0,0 1 0,0-1 0,-1 0 0,0 1 0,1-1 0,-1 0 0,0 0 0,0 0 0,-1-1 0,1 1 0,-1 0 0,1-1 0,-7 4 0,-6 7 0,-2-1 0,0-1 0,-18 9 0,18-11 0,-20 15 0,1 2 0,-38 33 0,43-31 0,-2-2 0,-59 35 0,26-18-1365,42-22-5461</inkml:trace>
 </inkml:ink>
 </file>
 
@@ -524,7 +558,7 @@
           <a:p>
             <a:fld id="{19F43255-63C2-45C3-A55E-F07DF58CF366}" type="datetimeFigureOut">
               <a:rPr lang="en-US" smtClean="0"/>
-              <a:t>9/12/2024</a:t>
+              <a:t>9/16/2024</a:t>
             </a:fld>
             <a:endParaRPr lang="en-US"/>
           </a:p>
@@ -1022,7 +1056,7 @@
           <a:p>
             <a:fld id="{4BAACB4A-D2BC-4616-96DC-36385AED944F}" type="datetimeFigureOut">
               <a:rPr lang="en-US" smtClean="0"/>
-              <a:t>9/12/2024</a:t>
+              <a:t>9/16/2024</a:t>
             </a:fld>
             <a:endParaRPr lang="en-US"/>
           </a:p>
@@ -1220,7 +1254,7 @@
           <a:p>
             <a:fld id="{4BAACB4A-D2BC-4616-96DC-36385AED944F}" type="datetimeFigureOut">
               <a:rPr lang="en-US" smtClean="0"/>
-              <a:t>9/12/2024</a:t>
+              <a:t>9/16/2024</a:t>
             </a:fld>
             <a:endParaRPr lang="en-US"/>
           </a:p>
@@ -1428,7 +1462,7 @@
           <a:p>
             <a:fld id="{4BAACB4A-D2BC-4616-96DC-36385AED944F}" type="datetimeFigureOut">
               <a:rPr lang="en-US" smtClean="0"/>
-              <a:t>9/12/2024</a:t>
+              <a:t>9/16/2024</a:t>
             </a:fld>
             <a:endParaRPr lang="en-US"/>
           </a:p>
@@ -1626,7 +1660,7 @@
           <a:p>
             <a:fld id="{4BAACB4A-D2BC-4616-96DC-36385AED944F}" type="datetimeFigureOut">
               <a:rPr lang="en-US" smtClean="0"/>
-              <a:t>9/12/2024</a:t>
+              <a:t>9/16/2024</a:t>
             </a:fld>
             <a:endParaRPr lang="en-US"/>
           </a:p>
@@ -1901,7 +1935,7 @@
           <a:p>
             <a:fld id="{4BAACB4A-D2BC-4616-96DC-36385AED944F}" type="datetimeFigureOut">
               <a:rPr lang="en-US" smtClean="0"/>
-              <a:t>9/12/2024</a:t>
+              <a:t>9/16/2024</a:t>
             </a:fld>
             <a:endParaRPr lang="en-US"/>
           </a:p>
@@ -2166,7 +2200,7 @@
           <a:p>
             <a:fld id="{4BAACB4A-D2BC-4616-96DC-36385AED944F}" type="datetimeFigureOut">
               <a:rPr lang="en-US" smtClean="0"/>
-              <a:t>9/12/2024</a:t>
+              <a:t>9/16/2024</a:t>
             </a:fld>
             <a:endParaRPr lang="en-US"/>
           </a:p>
@@ -2578,7 +2612,7 @@
           <a:p>
             <a:fld id="{4BAACB4A-D2BC-4616-96DC-36385AED944F}" type="datetimeFigureOut">
               <a:rPr lang="en-US" smtClean="0"/>
-              <a:t>9/12/2024</a:t>
+              <a:t>9/16/2024</a:t>
             </a:fld>
             <a:endParaRPr lang="en-US"/>
           </a:p>
@@ -2719,7 +2753,7 @@
           <a:p>
             <a:fld id="{4BAACB4A-D2BC-4616-96DC-36385AED944F}" type="datetimeFigureOut">
               <a:rPr lang="en-US" smtClean="0"/>
-              <a:t>9/12/2024</a:t>
+              <a:t>9/16/2024</a:t>
             </a:fld>
             <a:endParaRPr lang="en-US"/>
           </a:p>
@@ -2832,7 +2866,7 @@
           <a:p>
             <a:fld id="{4BAACB4A-D2BC-4616-96DC-36385AED944F}" type="datetimeFigureOut">
               <a:rPr lang="en-US" smtClean="0"/>
-              <a:t>9/12/2024</a:t>
+              <a:t>9/16/2024</a:t>
             </a:fld>
             <a:endParaRPr lang="en-US"/>
           </a:p>
@@ -3143,7 +3177,7 @@
           <a:p>
             <a:fld id="{4BAACB4A-D2BC-4616-96DC-36385AED944F}" type="datetimeFigureOut">
               <a:rPr lang="en-US" smtClean="0"/>
-              <a:t>9/12/2024</a:t>
+              <a:t>9/16/2024</a:t>
             </a:fld>
             <a:endParaRPr lang="en-US"/>
           </a:p>
@@ -3431,7 +3465,7 @@
           <a:p>
             <a:fld id="{4BAACB4A-D2BC-4616-96DC-36385AED944F}" type="datetimeFigureOut">
               <a:rPr lang="en-US" smtClean="0"/>
-              <a:t>9/12/2024</a:t>
+              <a:t>9/16/2024</a:t>
             </a:fld>
             <a:endParaRPr lang="en-US"/>
           </a:p>
@@ -3672,7 +3706,7 @@
           <a:p>
             <a:fld id="{4BAACB4A-D2BC-4616-96DC-36385AED944F}" type="datetimeFigureOut">
               <a:rPr lang="en-US" smtClean="0"/>
-              <a:t>9/12/2024</a:t>
+              <a:t>9/16/2024</a:t>
             </a:fld>
             <a:endParaRPr lang="en-US"/>
           </a:p>
@@ -10080,15 +10114,7 @@
             </a:pPr>
             <a:r>
               <a:rPr lang="en-US" b="1" dirty="0"/>
-              <a:t>This is NOT </a:t>
-            </a:r>
-            <a:r>
-              <a:rPr lang="en-US" b="1" dirty="0" err="1"/>
-              <a:t>optinal</a:t>
-            </a:r>
-            <a:r>
-              <a:rPr lang="en-US" b="1" dirty="0"/>
-              <a:t>!</a:t>
+              <a:t>This is NOT optional!</a:t>
             </a:r>
           </a:p>
           <a:p>
@@ -10541,6 +10567,369 @@
             <p:ph type="title"/>
           </p:nvPr>
         </p:nvSpPr>
+        <p:spPr>
+          <a:xfrm>
+            <a:off x="1026885" y="2324553"/>
+            <a:ext cx="10515600" cy="1325563"/>
+          </a:xfrm>
+        </p:spPr>
+        <p:txBody>
+          <a:bodyPr/>
+          <a:lstStyle/>
+          <a:p>
+            <a:r>
+              <a:rPr lang="en-US" dirty="0"/>
+              <a:t>How to think like a developer: Become a problem solver!</a:t>
+            </a:r>
+          </a:p>
+        </p:txBody>
+      </p:sp>
+    </p:spTree>
+    <p:extLst>
+      <p:ext uri="{BB962C8B-B14F-4D97-AF65-F5344CB8AC3E}">
+        <p14:creationId xmlns:p14="http://schemas.microsoft.com/office/powerpoint/2010/main" val="1995798167"/>
+      </p:ext>
+    </p:extLst>
+  </p:cSld>
+  <p:clrMapOvr>
+    <a:masterClrMapping/>
+  </p:clrMapOvr>
+</p:sld>
+</file>
+
+<file path=ppt/slides/slide43.xml><?xml version="1.0" encoding="utf-8"?>
+<p:sld xmlns:a="http://schemas.openxmlformats.org/drawingml/2006/main" xmlns:r="http://schemas.openxmlformats.org/officeDocument/2006/relationships" xmlns:p="http://schemas.openxmlformats.org/presentationml/2006/main">
+  <p:cSld>
+    <p:spTree>
+      <p:nvGrpSpPr>
+        <p:cNvPr id="1" name=""/>
+        <p:cNvGrpSpPr/>
+        <p:nvPr/>
+      </p:nvGrpSpPr>
+      <p:grpSpPr>
+        <a:xfrm>
+          <a:off x="0" y="0"/>
+          <a:ext cx="0" cy="0"/>
+          <a:chOff x="0" y="0"/>
+          <a:chExt cx="0" cy="0"/>
+        </a:xfrm>
+      </p:grpSpPr>
+      <p:sp>
+        <p:nvSpPr>
+          <p:cNvPr id="2" name="Title 1">
+            <a:extLst>
+              <a:ext uri="{FF2B5EF4-FFF2-40B4-BE49-F238E27FC236}">
+                <a16:creationId xmlns:a16="http://schemas.microsoft.com/office/drawing/2014/main" id="{5C487BD9-FFCE-EE84-AD64-274F1924D5F0}"/>
+              </a:ext>
+            </a:extLst>
+          </p:cNvPr>
+          <p:cNvSpPr>
+            <a:spLocks noGrp="1"/>
+          </p:cNvSpPr>
+          <p:nvPr>
+            <p:ph type="title"/>
+          </p:nvPr>
+        </p:nvSpPr>
+        <p:spPr>
+          <a:xfrm>
+            <a:off x="838200" y="365125"/>
+            <a:ext cx="10515600" cy="766989"/>
+          </a:xfrm>
+        </p:spPr>
+        <p:txBody>
+          <a:bodyPr/>
+          <a:lstStyle/>
+          <a:p>
+            <a:pPr algn="ctr"/>
+            <a:r>
+              <a:rPr lang="en-US" dirty="0"/>
+              <a:t>How to Fail at solving problems</a:t>
+            </a:r>
+          </a:p>
+        </p:txBody>
+      </p:sp>
+      <p:pic>
+        <p:nvPicPr>
+          <p:cNvPr id="5" name="Content Placeholder 4">
+            <a:extLst>
+              <a:ext uri="{FF2B5EF4-FFF2-40B4-BE49-F238E27FC236}">
+                <a16:creationId xmlns:a16="http://schemas.microsoft.com/office/drawing/2014/main" id="{B7DBA133-FC68-8DE4-E43F-5AF5BCC6571A}"/>
+              </a:ext>
+            </a:extLst>
+          </p:cNvPr>
+          <p:cNvPicPr>
+            <a:picLocks noGrp="1" noChangeAspect="1"/>
+          </p:cNvPicPr>
+          <p:nvPr>
+            <p:ph idx="1"/>
+          </p:nvPr>
+        </p:nvPicPr>
+        <p:blipFill>
+          <a:blip r:embed="rId2">
+            <a:extLst>
+              <a:ext uri="{28A0092B-C50C-407E-A947-70E740481C1C}">
+                <a14:useLocalDpi xmlns:a14="http://schemas.microsoft.com/office/drawing/2010/main" val="0"/>
+              </a:ext>
+              <a:ext uri="{837473B0-CC2E-450A-ABE3-18F120FF3D39}">
+                <a1611:picAttrSrcUrl xmlns:a1611="http://schemas.microsoft.com/office/drawing/2016/11/main" r:id="rId3"/>
+              </a:ext>
+            </a:extLst>
+          </a:blip>
+          <a:stretch>
+            <a:fillRect/>
+          </a:stretch>
+        </p:blipFill>
+        <p:spPr>
+          <a:xfrm>
+            <a:off x="301172" y="1835832"/>
+            <a:ext cx="3407568" cy="2271712"/>
+          </a:xfrm>
+          <a:prstGeom prst="roundRect">
+            <a:avLst>
+              <a:gd name="adj" fmla="val 25952"/>
+            </a:avLst>
+          </a:prstGeom>
+          <a:ln>
+            <a:noFill/>
+          </a:ln>
+          <a:effectLst>
+            <a:outerShdw blurRad="76200" dist="38100" dir="7800000" algn="tl" rotWithShape="0">
+              <a:srgbClr val="000000">
+                <a:alpha val="40000"/>
+              </a:srgbClr>
+            </a:outerShdw>
+          </a:effectLst>
+          <a:scene3d>
+            <a:camera prst="orthographicFront"/>
+            <a:lightRig rig="contrasting" dir="t">
+              <a:rot lat="0" lon="0" rev="4200000"/>
+            </a:lightRig>
+          </a:scene3d>
+          <a:sp3d prstMaterial="plastic">
+            <a:bevelT w="381000" h="114300" prst="relaxedInset"/>
+            <a:contourClr>
+              <a:srgbClr val="969696"/>
+            </a:contourClr>
+          </a:sp3d>
+        </p:spPr>
+      </p:pic>
+      <p:sp>
+        <p:nvSpPr>
+          <p:cNvPr id="6" name="Title 1">
+            <a:extLst>
+              <a:ext uri="{FF2B5EF4-FFF2-40B4-BE49-F238E27FC236}">
+                <a16:creationId xmlns:a16="http://schemas.microsoft.com/office/drawing/2014/main" id="{3D5DDCF9-954B-3CE1-3138-F2C1B5CF0D5D}"/>
+              </a:ext>
+            </a:extLst>
+          </p:cNvPr>
+          <p:cNvSpPr txBox="1">
+            <a:spLocks/>
+          </p:cNvSpPr>
+          <p:nvPr/>
+        </p:nvSpPr>
+        <p:spPr>
+          <a:xfrm>
+            <a:off x="3947886" y="1132114"/>
+            <a:ext cx="8244113" cy="5725886"/>
+          </a:xfrm>
+          <a:prstGeom prst="rect">
+            <a:avLst/>
+          </a:prstGeom>
+        </p:spPr>
+        <p:txBody>
+          <a:bodyPr vert="horz" lIns="91440" tIns="45720" rIns="91440" bIns="45720" rtlCol="0" anchor="ctr">
+            <a:normAutofit/>
+          </a:bodyPr>
+          <a:lstStyle>
+            <a:lvl1pPr algn="l" defTabSz="914400" rtl="0" eaLnBrk="1" latinLnBrk="0" hangingPunct="1">
+              <a:lnSpc>
+                <a:spcPct val="90000"/>
+              </a:lnSpc>
+              <a:spcBef>
+                <a:spcPct val="0"/>
+              </a:spcBef>
+              <a:buNone/>
+              <a:defRPr sz="4400" kern="1200">
+                <a:solidFill>
+                  <a:schemeClr val="tx1"/>
+                </a:solidFill>
+                <a:latin typeface="+mj-lt"/>
+                <a:ea typeface="+mj-ea"/>
+                <a:cs typeface="+mj-cs"/>
+              </a:defRPr>
+            </a:lvl1pPr>
+          </a:lstStyle>
+          <a:p>
+            <a:r>
+              <a:rPr lang="en-US" sz="1600" dirty="0"/>
+              <a:t>Whenever encounters a problem:</a:t>
+            </a:r>
+          </a:p>
+          <a:p>
+            <a:pPr marL="285750" indent="-285750">
+              <a:buFont typeface="Arial" panose="020B0604020202020204" pitchFamily="34" charset="0"/>
+              <a:buChar char="•"/>
+            </a:pPr>
+            <a:r>
+              <a:rPr lang="en-US" sz="1600" dirty="0"/>
+              <a:t>He Jump at the problem </a:t>
+            </a:r>
+            <a:r>
+              <a:rPr lang="en-US" sz="1600" b="1" dirty="0"/>
+              <a:t>without much thinking</a:t>
+            </a:r>
+          </a:p>
+          <a:p>
+            <a:pPr marL="285750" indent="-285750">
+              <a:buFont typeface="Arial" panose="020B0604020202020204" pitchFamily="34" charset="0"/>
+              <a:buChar char="•"/>
+            </a:pPr>
+            <a:r>
+              <a:rPr lang="en-US" sz="1600" dirty="0"/>
+              <a:t>Implements solution in</a:t>
+            </a:r>
+            <a:r>
+              <a:rPr lang="en-US" sz="1600" b="1" dirty="0"/>
+              <a:t> an unstructured way.</a:t>
+            </a:r>
+          </a:p>
+          <a:p>
+            <a:pPr marL="285750" indent="-285750">
+              <a:buFont typeface="Arial" panose="020B0604020202020204" pitchFamily="34" charset="0"/>
+              <a:buChar char="•"/>
+            </a:pPr>
+            <a:r>
+              <a:rPr lang="en-US" sz="1600" dirty="0"/>
+              <a:t>He </a:t>
+            </a:r>
+            <a:r>
+              <a:rPr lang="en-US" sz="1600" b="1" dirty="0"/>
+              <a:t>get stressed out</a:t>
+            </a:r>
+            <a:r>
+              <a:rPr lang="en-US" sz="1600" dirty="0"/>
+              <a:t> when things don’t work.</a:t>
+            </a:r>
+          </a:p>
+          <a:p>
+            <a:pPr marL="285750" indent="-285750">
+              <a:buFont typeface="Arial" panose="020B0604020202020204" pitchFamily="34" charset="0"/>
+              <a:buChar char="•"/>
+            </a:pPr>
+            <a:r>
+              <a:rPr lang="en-US" sz="1600" dirty="0"/>
+              <a:t>He is </a:t>
+            </a:r>
+            <a:r>
+              <a:rPr lang="en-US" sz="1600" b="1" dirty="0"/>
+              <a:t>too proud to research </a:t>
+            </a:r>
+            <a:r>
+              <a:rPr lang="en-US" sz="1600" dirty="0"/>
+              <a:t>solutions.</a:t>
+            </a:r>
+          </a:p>
+          <a:p>
+            <a:pPr marL="285750" indent="-285750">
+              <a:buFont typeface="Arial" panose="020B0604020202020204" pitchFamily="34" charset="0"/>
+              <a:buChar char="•"/>
+            </a:pPr>
+            <a:endParaRPr lang="en-US" sz="1600" dirty="0"/>
+          </a:p>
+          <a:p>
+            <a:r>
+              <a:rPr lang="en-US" sz="1600" dirty="0"/>
+              <a:t>FIX</a:t>
+            </a:r>
+          </a:p>
+          <a:p>
+            <a:endParaRPr lang="en-US" sz="1600" dirty="0"/>
+          </a:p>
+          <a:p>
+            <a:pPr marL="285750" indent="-285750">
+              <a:buFont typeface="Arial" panose="020B0604020202020204" pitchFamily="34" charset="0"/>
+              <a:buChar char="•"/>
+            </a:pPr>
+            <a:r>
+              <a:rPr lang="en-US" sz="1600" dirty="0"/>
+              <a:t>Stay clam and slow down, don’t just jump at a problem without a plan.</a:t>
+            </a:r>
+          </a:p>
+          <a:p>
+            <a:pPr marL="285750" indent="-285750">
+              <a:buFont typeface="Arial" panose="020B0604020202020204" pitchFamily="34" charset="0"/>
+              <a:buChar char="•"/>
+            </a:pPr>
+            <a:r>
+              <a:rPr lang="en-US" sz="1600" dirty="0"/>
+              <a:t>Take a very logical and rational approach(programming is just logic, in the end…)</a:t>
+            </a:r>
+          </a:p>
+          <a:p>
+            <a:pPr marL="285750" indent="-285750">
+              <a:buFont typeface="Arial" panose="020B0604020202020204" pitchFamily="34" charset="0"/>
+              <a:buChar char="•"/>
+            </a:pPr>
+            <a:r>
+              <a:rPr lang="en-US" sz="1600" dirty="0"/>
+              <a:t>4-step framework to solve any problem</a:t>
+            </a:r>
+          </a:p>
+          <a:p>
+            <a:pPr marL="285750" indent="-285750">
+              <a:buFont typeface="Arial" panose="020B0604020202020204" pitchFamily="34" charset="0"/>
+              <a:buChar char="•"/>
+            </a:pPr>
+            <a:endParaRPr lang="en-US" sz="1600" b="1" dirty="0"/>
+          </a:p>
+        </p:txBody>
+      </p:sp>
+    </p:spTree>
+    <p:extLst>
+      <p:ext uri="{BB962C8B-B14F-4D97-AF65-F5344CB8AC3E}">
+        <p14:creationId xmlns:p14="http://schemas.microsoft.com/office/powerpoint/2010/main" val="738652322"/>
+      </p:ext>
+    </p:extLst>
+  </p:cSld>
+  <p:clrMapOvr>
+    <a:masterClrMapping/>
+  </p:clrMapOvr>
+</p:sld>
+</file>
+
+<file path=ppt/slides/slide44.xml><?xml version="1.0" encoding="utf-8"?>
+<p:sld xmlns:a="http://schemas.openxmlformats.org/drawingml/2006/main" xmlns:r="http://schemas.openxmlformats.org/officeDocument/2006/relationships" xmlns:p="http://schemas.openxmlformats.org/presentationml/2006/main">
+  <p:cSld>
+    <p:spTree>
+      <p:nvGrpSpPr>
+        <p:cNvPr id="1" name=""/>
+        <p:cNvGrpSpPr/>
+        <p:nvPr/>
+      </p:nvGrpSpPr>
+      <p:grpSpPr>
+        <a:xfrm>
+          <a:off x="0" y="0"/>
+          <a:ext cx="0" cy="0"/>
+          <a:chOff x="0" y="0"/>
+          <a:chExt cx="0" cy="0"/>
+        </a:xfrm>
+      </p:grpSpPr>
+      <p:sp>
+        <p:nvSpPr>
+          <p:cNvPr id="2" name="Title 1">
+            <a:extLst>
+              <a:ext uri="{FF2B5EF4-FFF2-40B4-BE49-F238E27FC236}">
+                <a16:creationId xmlns:a16="http://schemas.microsoft.com/office/drawing/2014/main" id="{6AEF0D7B-68D7-91ED-5CE2-43259F5AED53}"/>
+              </a:ext>
+            </a:extLst>
+          </p:cNvPr>
+          <p:cNvSpPr>
+            <a:spLocks noGrp="1"/>
+          </p:cNvSpPr>
+          <p:nvPr>
+            <p:ph type="title"/>
+          </p:nvPr>
+        </p:nvSpPr>
         <p:spPr/>
         <p:txBody>
           <a:bodyPr/>
@@ -10548,7 +10937,7 @@
           <a:p>
             <a:r>
               <a:rPr lang="en-US" dirty="0"/>
-              <a:t>How to think like a developer: Become a problem solver!</a:t>
+              <a:t>4 steps to solve any problem</a:t>
             </a:r>
           </a:p>
         </p:txBody>
@@ -10558,7 +10947,7 @@
           <p:cNvPr id="3" name="Content Placeholder 2">
             <a:extLst>
               <a:ext uri="{FF2B5EF4-FFF2-40B4-BE49-F238E27FC236}">
-                <a16:creationId xmlns:a16="http://schemas.microsoft.com/office/drawing/2014/main" id="{97337CA2-B6E7-CC5B-0C4E-D196A208F437}"/>
+                <a16:creationId xmlns:a16="http://schemas.microsoft.com/office/drawing/2014/main" id="{9EEAB285-D87A-5265-AC88-FA6B7A3D3ABC}"/>
               </a:ext>
             </a:extLst>
           </p:cNvPr>
@@ -10569,19 +10958,2503 @@
             <p:ph idx="1"/>
           </p:nvPr>
         </p:nvSpPr>
-        <p:spPr/>
+        <p:spPr>
+          <a:xfrm>
+            <a:off x="838200" y="1825625"/>
+            <a:ext cx="4869544" cy="4351338"/>
+          </a:xfrm>
+        </p:spPr>
         <p:txBody>
           <a:bodyPr/>
           <a:lstStyle/>
           <a:p>
+            <a:pPr marL="0" indent="0">
+              <a:buNone/>
+            </a:pPr>
+            <a:r>
+              <a:rPr lang="en-US" dirty="0"/>
+              <a:t>1. Make sure you 100% understand the problem. Ask the right questions to get a clear picture of the problem.</a:t>
+            </a:r>
+          </a:p>
+        </p:txBody>
+      </p:sp>
+      <p:sp>
+        <p:nvSpPr>
+          <p:cNvPr id="4" name="Content Placeholder 2">
+            <a:extLst>
+              <a:ext uri="{FF2B5EF4-FFF2-40B4-BE49-F238E27FC236}">
+                <a16:creationId xmlns:a16="http://schemas.microsoft.com/office/drawing/2014/main" id="{D03517CB-0329-56CB-0411-B19ECF56CDF7}"/>
+              </a:ext>
+            </a:extLst>
+          </p:cNvPr>
+          <p:cNvSpPr txBox="1">
+            <a:spLocks/>
+          </p:cNvSpPr>
+          <p:nvPr/>
+        </p:nvSpPr>
+        <p:spPr>
+          <a:xfrm>
+            <a:off x="6484257" y="1825625"/>
+            <a:ext cx="5257800" cy="4351338"/>
+          </a:xfrm>
+          <a:prstGeom prst="rect">
+            <a:avLst/>
+          </a:prstGeom>
+        </p:spPr>
+        <p:txBody>
+          <a:bodyPr vert="horz" lIns="91440" tIns="45720" rIns="91440" bIns="45720" rtlCol="0">
+            <a:normAutofit/>
+          </a:bodyPr>
+          <a:lstStyle>
+            <a:lvl1pPr marL="228600" indent="-228600" algn="l" defTabSz="914400" rtl="0" eaLnBrk="1" latinLnBrk="0" hangingPunct="1">
+              <a:lnSpc>
+                <a:spcPct val="90000"/>
+              </a:lnSpc>
+              <a:spcBef>
+                <a:spcPts val="1000"/>
+              </a:spcBef>
+              <a:buFont typeface="Arial" panose="020B0604020202020204" pitchFamily="34" charset="0"/>
+              <a:buChar char="•"/>
+              <a:defRPr sz="2800" kern="1200">
+                <a:solidFill>
+                  <a:schemeClr val="tx1"/>
+                </a:solidFill>
+                <a:latin typeface="+mn-lt"/>
+                <a:ea typeface="+mn-ea"/>
+                <a:cs typeface="+mn-cs"/>
+              </a:defRPr>
+            </a:lvl1pPr>
+            <a:lvl2pPr marL="685800" indent="-228600" algn="l" defTabSz="914400" rtl="0" eaLnBrk="1" latinLnBrk="0" hangingPunct="1">
+              <a:lnSpc>
+                <a:spcPct val="90000"/>
+              </a:lnSpc>
+              <a:spcBef>
+                <a:spcPts val="500"/>
+              </a:spcBef>
+              <a:buFont typeface="Arial" panose="020B0604020202020204" pitchFamily="34" charset="0"/>
+              <a:buChar char="•"/>
+              <a:defRPr sz="2400" kern="1200">
+                <a:solidFill>
+                  <a:schemeClr val="tx1"/>
+                </a:solidFill>
+                <a:latin typeface="+mn-lt"/>
+                <a:ea typeface="+mn-ea"/>
+                <a:cs typeface="+mn-cs"/>
+              </a:defRPr>
+            </a:lvl2pPr>
+            <a:lvl3pPr marL="1143000" indent="-228600" algn="l" defTabSz="914400" rtl="0" eaLnBrk="1" latinLnBrk="0" hangingPunct="1">
+              <a:lnSpc>
+                <a:spcPct val="90000"/>
+              </a:lnSpc>
+              <a:spcBef>
+                <a:spcPts val="500"/>
+              </a:spcBef>
+              <a:buFont typeface="Arial" panose="020B0604020202020204" pitchFamily="34" charset="0"/>
+              <a:buChar char="•"/>
+              <a:defRPr sz="2000" kern="1200">
+                <a:solidFill>
+                  <a:schemeClr val="tx1"/>
+                </a:solidFill>
+                <a:latin typeface="+mn-lt"/>
+                <a:ea typeface="+mn-ea"/>
+                <a:cs typeface="+mn-cs"/>
+              </a:defRPr>
+            </a:lvl3pPr>
+            <a:lvl4pPr marL="1600200" indent="-228600" algn="l" defTabSz="914400" rtl="0" eaLnBrk="1" latinLnBrk="0" hangingPunct="1">
+              <a:lnSpc>
+                <a:spcPct val="90000"/>
+              </a:lnSpc>
+              <a:spcBef>
+                <a:spcPts val="500"/>
+              </a:spcBef>
+              <a:buFont typeface="Arial" panose="020B0604020202020204" pitchFamily="34" charset="0"/>
+              <a:buChar char="•"/>
+              <a:defRPr sz="1800" kern="1200">
+                <a:solidFill>
+                  <a:schemeClr val="tx1"/>
+                </a:solidFill>
+                <a:latin typeface="+mn-lt"/>
+                <a:ea typeface="+mn-ea"/>
+                <a:cs typeface="+mn-cs"/>
+              </a:defRPr>
+            </a:lvl4pPr>
+            <a:lvl5pPr marL="2057400" indent="-228600" algn="l" defTabSz="914400" rtl="0" eaLnBrk="1" latinLnBrk="0" hangingPunct="1">
+              <a:lnSpc>
+                <a:spcPct val="90000"/>
+              </a:lnSpc>
+              <a:spcBef>
+                <a:spcPts val="500"/>
+              </a:spcBef>
+              <a:buFont typeface="Arial" panose="020B0604020202020204" pitchFamily="34" charset="0"/>
+              <a:buChar char="•"/>
+              <a:defRPr sz="1800" kern="1200">
+                <a:solidFill>
+                  <a:schemeClr val="tx1"/>
+                </a:solidFill>
+                <a:latin typeface="+mn-lt"/>
+                <a:ea typeface="+mn-ea"/>
+                <a:cs typeface="+mn-cs"/>
+              </a:defRPr>
+            </a:lvl5pPr>
+            <a:lvl6pPr marL="2514600" indent="-228600" algn="l" defTabSz="914400" rtl="0" eaLnBrk="1" latinLnBrk="0" hangingPunct="1">
+              <a:lnSpc>
+                <a:spcPct val="90000"/>
+              </a:lnSpc>
+              <a:spcBef>
+                <a:spcPts val="500"/>
+              </a:spcBef>
+              <a:buFont typeface="Arial" panose="020B0604020202020204" pitchFamily="34" charset="0"/>
+              <a:buChar char="•"/>
+              <a:defRPr sz="1800" kern="1200">
+                <a:solidFill>
+                  <a:schemeClr val="tx1"/>
+                </a:solidFill>
+                <a:latin typeface="+mn-lt"/>
+                <a:ea typeface="+mn-ea"/>
+                <a:cs typeface="+mn-cs"/>
+              </a:defRPr>
+            </a:lvl6pPr>
+            <a:lvl7pPr marL="2971800" indent="-228600" algn="l" defTabSz="914400" rtl="0" eaLnBrk="1" latinLnBrk="0" hangingPunct="1">
+              <a:lnSpc>
+                <a:spcPct val="90000"/>
+              </a:lnSpc>
+              <a:spcBef>
+                <a:spcPts val="500"/>
+              </a:spcBef>
+              <a:buFont typeface="Arial" panose="020B0604020202020204" pitchFamily="34" charset="0"/>
+              <a:buChar char="•"/>
+              <a:defRPr sz="1800" kern="1200">
+                <a:solidFill>
+                  <a:schemeClr val="tx1"/>
+                </a:solidFill>
+                <a:latin typeface="+mn-lt"/>
+                <a:ea typeface="+mn-ea"/>
+                <a:cs typeface="+mn-cs"/>
+              </a:defRPr>
+            </a:lvl7pPr>
+            <a:lvl8pPr marL="3429000" indent="-228600" algn="l" defTabSz="914400" rtl="0" eaLnBrk="1" latinLnBrk="0" hangingPunct="1">
+              <a:lnSpc>
+                <a:spcPct val="90000"/>
+              </a:lnSpc>
+              <a:spcBef>
+                <a:spcPts val="500"/>
+              </a:spcBef>
+              <a:buFont typeface="Arial" panose="020B0604020202020204" pitchFamily="34" charset="0"/>
+              <a:buChar char="•"/>
+              <a:defRPr sz="1800" kern="1200">
+                <a:solidFill>
+                  <a:schemeClr val="tx1"/>
+                </a:solidFill>
+                <a:latin typeface="+mn-lt"/>
+                <a:ea typeface="+mn-ea"/>
+                <a:cs typeface="+mn-cs"/>
+              </a:defRPr>
+            </a:lvl8pPr>
+            <a:lvl9pPr marL="3886200" indent="-228600" algn="l" defTabSz="914400" rtl="0" eaLnBrk="1" latinLnBrk="0" hangingPunct="1">
+              <a:lnSpc>
+                <a:spcPct val="90000"/>
+              </a:lnSpc>
+              <a:spcBef>
+                <a:spcPts val="500"/>
+              </a:spcBef>
+              <a:buFont typeface="Arial" panose="020B0604020202020204" pitchFamily="34" charset="0"/>
+              <a:buChar char="•"/>
+              <a:defRPr sz="1800" kern="1200">
+                <a:solidFill>
+                  <a:schemeClr val="tx1"/>
+                </a:solidFill>
+                <a:latin typeface="+mn-lt"/>
+                <a:ea typeface="+mn-ea"/>
+                <a:cs typeface="+mn-cs"/>
+              </a:defRPr>
+            </a:lvl9pPr>
+          </a:lstStyle>
+          <a:p>
             <a:endParaRPr lang="en-US"/>
+          </a:p>
+        </p:txBody>
+      </p:sp>
+      <p:sp>
+        <p:nvSpPr>
+          <p:cNvPr id="5" name="Content Placeholder 2">
+            <a:extLst>
+              <a:ext uri="{FF2B5EF4-FFF2-40B4-BE49-F238E27FC236}">
+                <a16:creationId xmlns:a16="http://schemas.microsoft.com/office/drawing/2014/main" id="{B287EFB3-A888-B3FD-0C60-F642CDE4AD5C}"/>
+              </a:ext>
+            </a:extLst>
+          </p:cNvPr>
+          <p:cNvSpPr txBox="1">
+            <a:spLocks/>
+          </p:cNvSpPr>
+          <p:nvPr/>
+        </p:nvSpPr>
+        <p:spPr>
+          <a:xfrm>
+            <a:off x="6095999" y="1825625"/>
+            <a:ext cx="5646057" cy="3965575"/>
+          </a:xfrm>
+          <a:prstGeom prst="rect">
+            <a:avLst/>
+          </a:prstGeom>
+        </p:spPr>
+        <p:txBody>
+          <a:bodyPr vert="horz" lIns="91440" tIns="45720" rIns="91440" bIns="45720" rtlCol="0">
+            <a:normAutofit fontScale="70000" lnSpcReduction="20000"/>
+          </a:bodyPr>
+          <a:lstStyle>
+            <a:lvl1pPr marL="228600" indent="-228600" algn="l" defTabSz="914400" rtl="0" eaLnBrk="1" latinLnBrk="0" hangingPunct="1">
+              <a:lnSpc>
+                <a:spcPct val="90000"/>
+              </a:lnSpc>
+              <a:spcBef>
+                <a:spcPts val="1000"/>
+              </a:spcBef>
+              <a:buFont typeface="Arial" panose="020B0604020202020204" pitchFamily="34" charset="0"/>
+              <a:buChar char="•"/>
+              <a:defRPr sz="2800" kern="1200">
+                <a:solidFill>
+                  <a:schemeClr val="tx1"/>
+                </a:solidFill>
+                <a:latin typeface="+mn-lt"/>
+                <a:ea typeface="+mn-ea"/>
+                <a:cs typeface="+mn-cs"/>
+              </a:defRPr>
+            </a:lvl1pPr>
+            <a:lvl2pPr marL="685800" indent="-228600" algn="l" defTabSz="914400" rtl="0" eaLnBrk="1" latinLnBrk="0" hangingPunct="1">
+              <a:lnSpc>
+                <a:spcPct val="90000"/>
+              </a:lnSpc>
+              <a:spcBef>
+                <a:spcPts val="500"/>
+              </a:spcBef>
+              <a:buFont typeface="Arial" panose="020B0604020202020204" pitchFamily="34" charset="0"/>
+              <a:buChar char="•"/>
+              <a:defRPr sz="2400" kern="1200">
+                <a:solidFill>
+                  <a:schemeClr val="tx1"/>
+                </a:solidFill>
+                <a:latin typeface="+mn-lt"/>
+                <a:ea typeface="+mn-ea"/>
+                <a:cs typeface="+mn-cs"/>
+              </a:defRPr>
+            </a:lvl2pPr>
+            <a:lvl3pPr marL="1143000" indent="-228600" algn="l" defTabSz="914400" rtl="0" eaLnBrk="1" latinLnBrk="0" hangingPunct="1">
+              <a:lnSpc>
+                <a:spcPct val="90000"/>
+              </a:lnSpc>
+              <a:spcBef>
+                <a:spcPts val="500"/>
+              </a:spcBef>
+              <a:buFont typeface="Arial" panose="020B0604020202020204" pitchFamily="34" charset="0"/>
+              <a:buChar char="•"/>
+              <a:defRPr sz="2000" kern="1200">
+                <a:solidFill>
+                  <a:schemeClr val="tx1"/>
+                </a:solidFill>
+                <a:latin typeface="+mn-lt"/>
+                <a:ea typeface="+mn-ea"/>
+                <a:cs typeface="+mn-cs"/>
+              </a:defRPr>
+            </a:lvl3pPr>
+            <a:lvl4pPr marL="1600200" indent="-228600" algn="l" defTabSz="914400" rtl="0" eaLnBrk="1" latinLnBrk="0" hangingPunct="1">
+              <a:lnSpc>
+                <a:spcPct val="90000"/>
+              </a:lnSpc>
+              <a:spcBef>
+                <a:spcPts val="500"/>
+              </a:spcBef>
+              <a:buFont typeface="Arial" panose="020B0604020202020204" pitchFamily="34" charset="0"/>
+              <a:buChar char="•"/>
+              <a:defRPr sz="1800" kern="1200">
+                <a:solidFill>
+                  <a:schemeClr val="tx1"/>
+                </a:solidFill>
+                <a:latin typeface="+mn-lt"/>
+                <a:ea typeface="+mn-ea"/>
+                <a:cs typeface="+mn-cs"/>
+              </a:defRPr>
+            </a:lvl4pPr>
+            <a:lvl5pPr marL="2057400" indent="-228600" algn="l" defTabSz="914400" rtl="0" eaLnBrk="1" latinLnBrk="0" hangingPunct="1">
+              <a:lnSpc>
+                <a:spcPct val="90000"/>
+              </a:lnSpc>
+              <a:spcBef>
+                <a:spcPts val="500"/>
+              </a:spcBef>
+              <a:buFont typeface="Arial" panose="020B0604020202020204" pitchFamily="34" charset="0"/>
+              <a:buChar char="•"/>
+              <a:defRPr sz="1800" kern="1200">
+                <a:solidFill>
+                  <a:schemeClr val="tx1"/>
+                </a:solidFill>
+                <a:latin typeface="+mn-lt"/>
+                <a:ea typeface="+mn-ea"/>
+                <a:cs typeface="+mn-cs"/>
+              </a:defRPr>
+            </a:lvl5pPr>
+            <a:lvl6pPr marL="2514600" indent="-228600" algn="l" defTabSz="914400" rtl="0" eaLnBrk="1" latinLnBrk="0" hangingPunct="1">
+              <a:lnSpc>
+                <a:spcPct val="90000"/>
+              </a:lnSpc>
+              <a:spcBef>
+                <a:spcPts val="500"/>
+              </a:spcBef>
+              <a:buFont typeface="Arial" panose="020B0604020202020204" pitchFamily="34" charset="0"/>
+              <a:buChar char="•"/>
+              <a:defRPr sz="1800" kern="1200">
+                <a:solidFill>
+                  <a:schemeClr val="tx1"/>
+                </a:solidFill>
+                <a:latin typeface="+mn-lt"/>
+                <a:ea typeface="+mn-ea"/>
+                <a:cs typeface="+mn-cs"/>
+              </a:defRPr>
+            </a:lvl6pPr>
+            <a:lvl7pPr marL="2971800" indent="-228600" algn="l" defTabSz="914400" rtl="0" eaLnBrk="1" latinLnBrk="0" hangingPunct="1">
+              <a:lnSpc>
+                <a:spcPct val="90000"/>
+              </a:lnSpc>
+              <a:spcBef>
+                <a:spcPts val="500"/>
+              </a:spcBef>
+              <a:buFont typeface="Arial" panose="020B0604020202020204" pitchFamily="34" charset="0"/>
+              <a:buChar char="•"/>
+              <a:defRPr sz="1800" kern="1200">
+                <a:solidFill>
+                  <a:schemeClr val="tx1"/>
+                </a:solidFill>
+                <a:latin typeface="+mn-lt"/>
+                <a:ea typeface="+mn-ea"/>
+                <a:cs typeface="+mn-cs"/>
+              </a:defRPr>
+            </a:lvl7pPr>
+            <a:lvl8pPr marL="3429000" indent="-228600" algn="l" defTabSz="914400" rtl="0" eaLnBrk="1" latinLnBrk="0" hangingPunct="1">
+              <a:lnSpc>
+                <a:spcPct val="90000"/>
+              </a:lnSpc>
+              <a:spcBef>
+                <a:spcPts val="500"/>
+              </a:spcBef>
+              <a:buFont typeface="Arial" panose="020B0604020202020204" pitchFamily="34" charset="0"/>
+              <a:buChar char="•"/>
+              <a:defRPr sz="1800" kern="1200">
+                <a:solidFill>
+                  <a:schemeClr val="tx1"/>
+                </a:solidFill>
+                <a:latin typeface="+mn-lt"/>
+                <a:ea typeface="+mn-ea"/>
+                <a:cs typeface="+mn-cs"/>
+              </a:defRPr>
+            </a:lvl8pPr>
+            <a:lvl9pPr marL="3886200" indent="-228600" algn="l" defTabSz="914400" rtl="0" eaLnBrk="1" latinLnBrk="0" hangingPunct="1">
+              <a:lnSpc>
+                <a:spcPct val="90000"/>
+              </a:lnSpc>
+              <a:spcBef>
+                <a:spcPts val="500"/>
+              </a:spcBef>
+              <a:buFont typeface="Arial" panose="020B0604020202020204" pitchFamily="34" charset="0"/>
+              <a:buChar char="•"/>
+              <a:defRPr sz="1800" kern="1200">
+                <a:solidFill>
+                  <a:schemeClr val="tx1"/>
+                </a:solidFill>
+                <a:latin typeface="+mn-lt"/>
+                <a:ea typeface="+mn-ea"/>
+                <a:cs typeface="+mn-cs"/>
+              </a:defRPr>
+            </a:lvl9pPr>
+          </a:lstStyle>
+          <a:p>
+            <a:pPr marL="0" indent="0" algn="ctr">
+              <a:buFont typeface="Arial" panose="020B0604020202020204" pitchFamily="34" charset="0"/>
+              <a:buNone/>
+            </a:pPr>
+            <a:r>
+              <a:rPr lang="en-US" dirty="0"/>
+              <a:t>Example</a:t>
+            </a:r>
+          </a:p>
+          <a:p>
+            <a:pPr marL="0" indent="0">
+              <a:buFont typeface="Arial" panose="020B0604020202020204" pitchFamily="34" charset="0"/>
+              <a:buNone/>
+            </a:pPr>
+            <a:r>
+              <a:rPr lang="en-US" dirty="0"/>
+              <a:t>Project Manger: “We need a function that reverses whatever we pass into it”</a:t>
+            </a:r>
+          </a:p>
+          <a:p>
+            <a:r>
+              <a:rPr lang="en-US" dirty="0"/>
+              <a:t>What does “whatever” even mean in this context? What should be reversed? Ans: Only strings, numbers, and arrays make sense to reverses…</a:t>
+            </a:r>
+          </a:p>
+          <a:p>
+            <a:r>
+              <a:rPr lang="en-US" dirty="0"/>
+              <a:t>What to do if something else is passed in?</a:t>
+            </a:r>
+          </a:p>
+          <a:p>
+            <a:r>
+              <a:rPr lang="en-US" dirty="0"/>
+              <a:t>What should be returned? Should it always ;be a string, or should the type be the same as passed in?</a:t>
+            </a:r>
+          </a:p>
+          <a:p>
+            <a:r>
+              <a:rPr lang="en-US" dirty="0"/>
+              <a:t>How to recognize whether the argument is a number, a string or an array?</a:t>
+            </a:r>
+          </a:p>
+          <a:p>
+            <a:r>
+              <a:rPr lang="en-US" dirty="0"/>
+              <a:t>How to reverse a number, a string and an array?</a:t>
+            </a:r>
           </a:p>
         </p:txBody>
       </p:sp>
     </p:spTree>
     <p:extLst>
       <p:ext uri="{BB962C8B-B14F-4D97-AF65-F5344CB8AC3E}">
-        <p14:creationId xmlns:p14="http://schemas.microsoft.com/office/powerpoint/2010/main" val="1995798167"/>
+        <p14:creationId xmlns:p14="http://schemas.microsoft.com/office/powerpoint/2010/main" val="3441574477"/>
+      </p:ext>
+    </p:extLst>
+  </p:cSld>
+  <p:clrMapOvr>
+    <a:masterClrMapping/>
+  </p:clrMapOvr>
+</p:sld>
+</file>
+
+<file path=ppt/slides/slide45.xml><?xml version="1.0" encoding="utf-8"?>
+<p:sld xmlns:a="http://schemas.openxmlformats.org/drawingml/2006/main" xmlns:r="http://schemas.openxmlformats.org/officeDocument/2006/relationships" xmlns:p="http://schemas.openxmlformats.org/presentationml/2006/main">
+  <p:cSld>
+    <p:spTree>
+      <p:nvGrpSpPr>
+        <p:cNvPr id="1" name=""/>
+        <p:cNvGrpSpPr/>
+        <p:nvPr/>
+      </p:nvGrpSpPr>
+      <p:grpSpPr>
+        <a:xfrm>
+          <a:off x="0" y="0"/>
+          <a:ext cx="0" cy="0"/>
+          <a:chOff x="0" y="0"/>
+          <a:chExt cx="0" cy="0"/>
+        </a:xfrm>
+      </p:grpSpPr>
+      <p:sp>
+        <p:nvSpPr>
+          <p:cNvPr id="2" name="Title 1">
+            <a:extLst>
+              <a:ext uri="{FF2B5EF4-FFF2-40B4-BE49-F238E27FC236}">
+                <a16:creationId xmlns:a16="http://schemas.microsoft.com/office/drawing/2014/main" id="{6AEF0D7B-68D7-91ED-5CE2-43259F5AED53}"/>
+              </a:ext>
+            </a:extLst>
+          </p:cNvPr>
+          <p:cNvSpPr>
+            <a:spLocks noGrp="1"/>
+          </p:cNvSpPr>
+          <p:nvPr>
+            <p:ph type="title"/>
+          </p:nvPr>
+        </p:nvSpPr>
+        <p:spPr/>
+        <p:txBody>
+          <a:bodyPr/>
+          <a:lstStyle/>
+          <a:p>
+            <a:r>
+              <a:rPr lang="en-US" dirty="0"/>
+              <a:t>4 steps to solve any problem</a:t>
+            </a:r>
+          </a:p>
+        </p:txBody>
+      </p:sp>
+      <p:sp>
+        <p:nvSpPr>
+          <p:cNvPr id="3" name="Content Placeholder 2">
+            <a:extLst>
+              <a:ext uri="{FF2B5EF4-FFF2-40B4-BE49-F238E27FC236}">
+                <a16:creationId xmlns:a16="http://schemas.microsoft.com/office/drawing/2014/main" id="{9EEAB285-D87A-5265-AC88-FA6B7A3D3ABC}"/>
+              </a:ext>
+            </a:extLst>
+          </p:cNvPr>
+          <p:cNvSpPr>
+            <a:spLocks noGrp="1"/>
+          </p:cNvSpPr>
+          <p:nvPr>
+            <p:ph idx="1"/>
+          </p:nvPr>
+        </p:nvSpPr>
+        <p:spPr>
+          <a:xfrm>
+            <a:off x="838200" y="1825625"/>
+            <a:ext cx="4869544" cy="4351338"/>
+          </a:xfrm>
+        </p:spPr>
+        <p:txBody>
+          <a:bodyPr/>
+          <a:lstStyle/>
+          <a:p>
+            <a:pPr marL="514350" indent="-514350">
+              <a:buAutoNum type="arabicPeriod"/>
+            </a:pPr>
+            <a:r>
+              <a:rPr lang="en-US" dirty="0"/>
+              <a:t>Make sure you 100% understand the problem. Ask the right questions to get a clear picture of the problem.</a:t>
+            </a:r>
+          </a:p>
+          <a:p>
+            <a:pPr marL="514350" indent="-514350">
+              <a:buAutoNum type="arabicPeriod"/>
+            </a:pPr>
+            <a:r>
+              <a:rPr lang="en-US" dirty="0"/>
+              <a:t>Divide and conquer: break a big problem into smaller sub-problems.</a:t>
+            </a:r>
+          </a:p>
+        </p:txBody>
+      </p:sp>
+      <p:sp>
+        <p:nvSpPr>
+          <p:cNvPr id="4" name="Content Placeholder 2">
+            <a:extLst>
+              <a:ext uri="{FF2B5EF4-FFF2-40B4-BE49-F238E27FC236}">
+                <a16:creationId xmlns:a16="http://schemas.microsoft.com/office/drawing/2014/main" id="{D03517CB-0329-56CB-0411-B19ECF56CDF7}"/>
+              </a:ext>
+            </a:extLst>
+          </p:cNvPr>
+          <p:cNvSpPr txBox="1">
+            <a:spLocks/>
+          </p:cNvSpPr>
+          <p:nvPr/>
+        </p:nvSpPr>
+        <p:spPr>
+          <a:xfrm>
+            <a:off x="6484257" y="1825625"/>
+            <a:ext cx="5257800" cy="4351338"/>
+          </a:xfrm>
+          <a:prstGeom prst="rect">
+            <a:avLst/>
+          </a:prstGeom>
+        </p:spPr>
+        <p:txBody>
+          <a:bodyPr vert="horz" lIns="91440" tIns="45720" rIns="91440" bIns="45720" rtlCol="0">
+            <a:normAutofit/>
+          </a:bodyPr>
+          <a:lstStyle>
+            <a:lvl1pPr marL="228600" indent="-228600" algn="l" defTabSz="914400" rtl="0" eaLnBrk="1" latinLnBrk="0" hangingPunct="1">
+              <a:lnSpc>
+                <a:spcPct val="90000"/>
+              </a:lnSpc>
+              <a:spcBef>
+                <a:spcPts val="1000"/>
+              </a:spcBef>
+              <a:buFont typeface="Arial" panose="020B0604020202020204" pitchFamily="34" charset="0"/>
+              <a:buChar char="•"/>
+              <a:defRPr sz="2800" kern="1200">
+                <a:solidFill>
+                  <a:schemeClr val="tx1"/>
+                </a:solidFill>
+                <a:latin typeface="+mn-lt"/>
+                <a:ea typeface="+mn-ea"/>
+                <a:cs typeface="+mn-cs"/>
+              </a:defRPr>
+            </a:lvl1pPr>
+            <a:lvl2pPr marL="685800" indent="-228600" algn="l" defTabSz="914400" rtl="0" eaLnBrk="1" latinLnBrk="0" hangingPunct="1">
+              <a:lnSpc>
+                <a:spcPct val="90000"/>
+              </a:lnSpc>
+              <a:spcBef>
+                <a:spcPts val="500"/>
+              </a:spcBef>
+              <a:buFont typeface="Arial" panose="020B0604020202020204" pitchFamily="34" charset="0"/>
+              <a:buChar char="•"/>
+              <a:defRPr sz="2400" kern="1200">
+                <a:solidFill>
+                  <a:schemeClr val="tx1"/>
+                </a:solidFill>
+                <a:latin typeface="+mn-lt"/>
+                <a:ea typeface="+mn-ea"/>
+                <a:cs typeface="+mn-cs"/>
+              </a:defRPr>
+            </a:lvl2pPr>
+            <a:lvl3pPr marL="1143000" indent="-228600" algn="l" defTabSz="914400" rtl="0" eaLnBrk="1" latinLnBrk="0" hangingPunct="1">
+              <a:lnSpc>
+                <a:spcPct val="90000"/>
+              </a:lnSpc>
+              <a:spcBef>
+                <a:spcPts val="500"/>
+              </a:spcBef>
+              <a:buFont typeface="Arial" panose="020B0604020202020204" pitchFamily="34" charset="0"/>
+              <a:buChar char="•"/>
+              <a:defRPr sz="2000" kern="1200">
+                <a:solidFill>
+                  <a:schemeClr val="tx1"/>
+                </a:solidFill>
+                <a:latin typeface="+mn-lt"/>
+                <a:ea typeface="+mn-ea"/>
+                <a:cs typeface="+mn-cs"/>
+              </a:defRPr>
+            </a:lvl3pPr>
+            <a:lvl4pPr marL="1600200" indent="-228600" algn="l" defTabSz="914400" rtl="0" eaLnBrk="1" latinLnBrk="0" hangingPunct="1">
+              <a:lnSpc>
+                <a:spcPct val="90000"/>
+              </a:lnSpc>
+              <a:spcBef>
+                <a:spcPts val="500"/>
+              </a:spcBef>
+              <a:buFont typeface="Arial" panose="020B0604020202020204" pitchFamily="34" charset="0"/>
+              <a:buChar char="•"/>
+              <a:defRPr sz="1800" kern="1200">
+                <a:solidFill>
+                  <a:schemeClr val="tx1"/>
+                </a:solidFill>
+                <a:latin typeface="+mn-lt"/>
+                <a:ea typeface="+mn-ea"/>
+                <a:cs typeface="+mn-cs"/>
+              </a:defRPr>
+            </a:lvl4pPr>
+            <a:lvl5pPr marL="2057400" indent="-228600" algn="l" defTabSz="914400" rtl="0" eaLnBrk="1" latinLnBrk="0" hangingPunct="1">
+              <a:lnSpc>
+                <a:spcPct val="90000"/>
+              </a:lnSpc>
+              <a:spcBef>
+                <a:spcPts val="500"/>
+              </a:spcBef>
+              <a:buFont typeface="Arial" panose="020B0604020202020204" pitchFamily="34" charset="0"/>
+              <a:buChar char="•"/>
+              <a:defRPr sz="1800" kern="1200">
+                <a:solidFill>
+                  <a:schemeClr val="tx1"/>
+                </a:solidFill>
+                <a:latin typeface="+mn-lt"/>
+                <a:ea typeface="+mn-ea"/>
+                <a:cs typeface="+mn-cs"/>
+              </a:defRPr>
+            </a:lvl5pPr>
+            <a:lvl6pPr marL="2514600" indent="-228600" algn="l" defTabSz="914400" rtl="0" eaLnBrk="1" latinLnBrk="0" hangingPunct="1">
+              <a:lnSpc>
+                <a:spcPct val="90000"/>
+              </a:lnSpc>
+              <a:spcBef>
+                <a:spcPts val="500"/>
+              </a:spcBef>
+              <a:buFont typeface="Arial" panose="020B0604020202020204" pitchFamily="34" charset="0"/>
+              <a:buChar char="•"/>
+              <a:defRPr sz="1800" kern="1200">
+                <a:solidFill>
+                  <a:schemeClr val="tx1"/>
+                </a:solidFill>
+                <a:latin typeface="+mn-lt"/>
+                <a:ea typeface="+mn-ea"/>
+                <a:cs typeface="+mn-cs"/>
+              </a:defRPr>
+            </a:lvl6pPr>
+            <a:lvl7pPr marL="2971800" indent="-228600" algn="l" defTabSz="914400" rtl="0" eaLnBrk="1" latinLnBrk="0" hangingPunct="1">
+              <a:lnSpc>
+                <a:spcPct val="90000"/>
+              </a:lnSpc>
+              <a:spcBef>
+                <a:spcPts val="500"/>
+              </a:spcBef>
+              <a:buFont typeface="Arial" panose="020B0604020202020204" pitchFamily="34" charset="0"/>
+              <a:buChar char="•"/>
+              <a:defRPr sz="1800" kern="1200">
+                <a:solidFill>
+                  <a:schemeClr val="tx1"/>
+                </a:solidFill>
+                <a:latin typeface="+mn-lt"/>
+                <a:ea typeface="+mn-ea"/>
+                <a:cs typeface="+mn-cs"/>
+              </a:defRPr>
+            </a:lvl7pPr>
+            <a:lvl8pPr marL="3429000" indent="-228600" algn="l" defTabSz="914400" rtl="0" eaLnBrk="1" latinLnBrk="0" hangingPunct="1">
+              <a:lnSpc>
+                <a:spcPct val="90000"/>
+              </a:lnSpc>
+              <a:spcBef>
+                <a:spcPts val="500"/>
+              </a:spcBef>
+              <a:buFont typeface="Arial" panose="020B0604020202020204" pitchFamily="34" charset="0"/>
+              <a:buChar char="•"/>
+              <a:defRPr sz="1800" kern="1200">
+                <a:solidFill>
+                  <a:schemeClr val="tx1"/>
+                </a:solidFill>
+                <a:latin typeface="+mn-lt"/>
+                <a:ea typeface="+mn-ea"/>
+                <a:cs typeface="+mn-cs"/>
+              </a:defRPr>
+            </a:lvl8pPr>
+            <a:lvl9pPr marL="3886200" indent="-228600" algn="l" defTabSz="914400" rtl="0" eaLnBrk="1" latinLnBrk="0" hangingPunct="1">
+              <a:lnSpc>
+                <a:spcPct val="90000"/>
+              </a:lnSpc>
+              <a:spcBef>
+                <a:spcPts val="500"/>
+              </a:spcBef>
+              <a:buFont typeface="Arial" panose="020B0604020202020204" pitchFamily="34" charset="0"/>
+              <a:buChar char="•"/>
+              <a:defRPr sz="1800" kern="1200">
+                <a:solidFill>
+                  <a:schemeClr val="tx1"/>
+                </a:solidFill>
+                <a:latin typeface="+mn-lt"/>
+                <a:ea typeface="+mn-ea"/>
+                <a:cs typeface="+mn-cs"/>
+              </a:defRPr>
+            </a:lvl9pPr>
+          </a:lstStyle>
+          <a:p>
+            <a:endParaRPr lang="en-US"/>
+          </a:p>
+        </p:txBody>
+      </p:sp>
+      <p:sp>
+        <p:nvSpPr>
+          <p:cNvPr id="5" name="Content Placeholder 2">
+            <a:extLst>
+              <a:ext uri="{FF2B5EF4-FFF2-40B4-BE49-F238E27FC236}">
+                <a16:creationId xmlns:a16="http://schemas.microsoft.com/office/drawing/2014/main" id="{B287EFB3-A888-B3FD-0C60-F642CDE4AD5C}"/>
+              </a:ext>
+            </a:extLst>
+          </p:cNvPr>
+          <p:cNvSpPr txBox="1">
+            <a:spLocks/>
+          </p:cNvSpPr>
+          <p:nvPr/>
+        </p:nvSpPr>
+        <p:spPr>
+          <a:xfrm>
+            <a:off x="6095999" y="1825625"/>
+            <a:ext cx="5646057" cy="4351338"/>
+          </a:xfrm>
+          <a:prstGeom prst="rect">
+            <a:avLst/>
+          </a:prstGeom>
+        </p:spPr>
+        <p:txBody>
+          <a:bodyPr vert="horz" lIns="91440" tIns="45720" rIns="91440" bIns="45720" rtlCol="0">
+            <a:normAutofit fontScale="92500" lnSpcReduction="10000"/>
+          </a:bodyPr>
+          <a:lstStyle>
+            <a:lvl1pPr marL="228600" indent="-228600" algn="l" defTabSz="914400" rtl="0" eaLnBrk="1" latinLnBrk="0" hangingPunct="1">
+              <a:lnSpc>
+                <a:spcPct val="90000"/>
+              </a:lnSpc>
+              <a:spcBef>
+                <a:spcPts val="1000"/>
+              </a:spcBef>
+              <a:buFont typeface="Arial" panose="020B0604020202020204" pitchFamily="34" charset="0"/>
+              <a:buChar char="•"/>
+              <a:defRPr sz="2800" kern="1200">
+                <a:solidFill>
+                  <a:schemeClr val="tx1"/>
+                </a:solidFill>
+                <a:latin typeface="+mn-lt"/>
+                <a:ea typeface="+mn-ea"/>
+                <a:cs typeface="+mn-cs"/>
+              </a:defRPr>
+            </a:lvl1pPr>
+            <a:lvl2pPr marL="685800" indent="-228600" algn="l" defTabSz="914400" rtl="0" eaLnBrk="1" latinLnBrk="0" hangingPunct="1">
+              <a:lnSpc>
+                <a:spcPct val="90000"/>
+              </a:lnSpc>
+              <a:spcBef>
+                <a:spcPts val="500"/>
+              </a:spcBef>
+              <a:buFont typeface="Arial" panose="020B0604020202020204" pitchFamily="34" charset="0"/>
+              <a:buChar char="•"/>
+              <a:defRPr sz="2400" kern="1200">
+                <a:solidFill>
+                  <a:schemeClr val="tx1"/>
+                </a:solidFill>
+                <a:latin typeface="+mn-lt"/>
+                <a:ea typeface="+mn-ea"/>
+                <a:cs typeface="+mn-cs"/>
+              </a:defRPr>
+            </a:lvl2pPr>
+            <a:lvl3pPr marL="1143000" indent="-228600" algn="l" defTabSz="914400" rtl="0" eaLnBrk="1" latinLnBrk="0" hangingPunct="1">
+              <a:lnSpc>
+                <a:spcPct val="90000"/>
+              </a:lnSpc>
+              <a:spcBef>
+                <a:spcPts val="500"/>
+              </a:spcBef>
+              <a:buFont typeface="Arial" panose="020B0604020202020204" pitchFamily="34" charset="0"/>
+              <a:buChar char="•"/>
+              <a:defRPr sz="2000" kern="1200">
+                <a:solidFill>
+                  <a:schemeClr val="tx1"/>
+                </a:solidFill>
+                <a:latin typeface="+mn-lt"/>
+                <a:ea typeface="+mn-ea"/>
+                <a:cs typeface="+mn-cs"/>
+              </a:defRPr>
+            </a:lvl3pPr>
+            <a:lvl4pPr marL="1600200" indent="-228600" algn="l" defTabSz="914400" rtl="0" eaLnBrk="1" latinLnBrk="0" hangingPunct="1">
+              <a:lnSpc>
+                <a:spcPct val="90000"/>
+              </a:lnSpc>
+              <a:spcBef>
+                <a:spcPts val="500"/>
+              </a:spcBef>
+              <a:buFont typeface="Arial" panose="020B0604020202020204" pitchFamily="34" charset="0"/>
+              <a:buChar char="•"/>
+              <a:defRPr sz="1800" kern="1200">
+                <a:solidFill>
+                  <a:schemeClr val="tx1"/>
+                </a:solidFill>
+                <a:latin typeface="+mn-lt"/>
+                <a:ea typeface="+mn-ea"/>
+                <a:cs typeface="+mn-cs"/>
+              </a:defRPr>
+            </a:lvl4pPr>
+            <a:lvl5pPr marL="2057400" indent="-228600" algn="l" defTabSz="914400" rtl="0" eaLnBrk="1" latinLnBrk="0" hangingPunct="1">
+              <a:lnSpc>
+                <a:spcPct val="90000"/>
+              </a:lnSpc>
+              <a:spcBef>
+                <a:spcPts val="500"/>
+              </a:spcBef>
+              <a:buFont typeface="Arial" panose="020B0604020202020204" pitchFamily="34" charset="0"/>
+              <a:buChar char="•"/>
+              <a:defRPr sz="1800" kern="1200">
+                <a:solidFill>
+                  <a:schemeClr val="tx1"/>
+                </a:solidFill>
+                <a:latin typeface="+mn-lt"/>
+                <a:ea typeface="+mn-ea"/>
+                <a:cs typeface="+mn-cs"/>
+              </a:defRPr>
+            </a:lvl5pPr>
+            <a:lvl6pPr marL="2514600" indent="-228600" algn="l" defTabSz="914400" rtl="0" eaLnBrk="1" latinLnBrk="0" hangingPunct="1">
+              <a:lnSpc>
+                <a:spcPct val="90000"/>
+              </a:lnSpc>
+              <a:spcBef>
+                <a:spcPts val="500"/>
+              </a:spcBef>
+              <a:buFont typeface="Arial" panose="020B0604020202020204" pitchFamily="34" charset="0"/>
+              <a:buChar char="•"/>
+              <a:defRPr sz="1800" kern="1200">
+                <a:solidFill>
+                  <a:schemeClr val="tx1"/>
+                </a:solidFill>
+                <a:latin typeface="+mn-lt"/>
+                <a:ea typeface="+mn-ea"/>
+                <a:cs typeface="+mn-cs"/>
+              </a:defRPr>
+            </a:lvl6pPr>
+            <a:lvl7pPr marL="2971800" indent="-228600" algn="l" defTabSz="914400" rtl="0" eaLnBrk="1" latinLnBrk="0" hangingPunct="1">
+              <a:lnSpc>
+                <a:spcPct val="90000"/>
+              </a:lnSpc>
+              <a:spcBef>
+                <a:spcPts val="500"/>
+              </a:spcBef>
+              <a:buFont typeface="Arial" panose="020B0604020202020204" pitchFamily="34" charset="0"/>
+              <a:buChar char="•"/>
+              <a:defRPr sz="1800" kern="1200">
+                <a:solidFill>
+                  <a:schemeClr val="tx1"/>
+                </a:solidFill>
+                <a:latin typeface="+mn-lt"/>
+                <a:ea typeface="+mn-ea"/>
+                <a:cs typeface="+mn-cs"/>
+              </a:defRPr>
+            </a:lvl7pPr>
+            <a:lvl8pPr marL="3429000" indent="-228600" algn="l" defTabSz="914400" rtl="0" eaLnBrk="1" latinLnBrk="0" hangingPunct="1">
+              <a:lnSpc>
+                <a:spcPct val="90000"/>
+              </a:lnSpc>
+              <a:spcBef>
+                <a:spcPts val="500"/>
+              </a:spcBef>
+              <a:buFont typeface="Arial" panose="020B0604020202020204" pitchFamily="34" charset="0"/>
+              <a:buChar char="•"/>
+              <a:defRPr sz="1800" kern="1200">
+                <a:solidFill>
+                  <a:schemeClr val="tx1"/>
+                </a:solidFill>
+                <a:latin typeface="+mn-lt"/>
+                <a:ea typeface="+mn-ea"/>
+                <a:cs typeface="+mn-cs"/>
+              </a:defRPr>
+            </a:lvl8pPr>
+            <a:lvl9pPr marL="3886200" indent="-228600" algn="l" defTabSz="914400" rtl="0" eaLnBrk="1" latinLnBrk="0" hangingPunct="1">
+              <a:lnSpc>
+                <a:spcPct val="90000"/>
+              </a:lnSpc>
+              <a:spcBef>
+                <a:spcPts val="500"/>
+              </a:spcBef>
+              <a:buFont typeface="Arial" panose="020B0604020202020204" pitchFamily="34" charset="0"/>
+              <a:buChar char="•"/>
+              <a:defRPr sz="1800" kern="1200">
+                <a:solidFill>
+                  <a:schemeClr val="tx1"/>
+                </a:solidFill>
+                <a:latin typeface="+mn-lt"/>
+                <a:ea typeface="+mn-ea"/>
+                <a:cs typeface="+mn-cs"/>
+              </a:defRPr>
+            </a:lvl9pPr>
+          </a:lstStyle>
+          <a:p>
+            <a:pPr marL="0" indent="0" algn="ctr">
+              <a:buFont typeface="Arial" panose="020B0604020202020204" pitchFamily="34" charset="0"/>
+              <a:buNone/>
+            </a:pPr>
+            <a:r>
+              <a:rPr lang="en-US" dirty="0"/>
+              <a:t>Example</a:t>
+            </a:r>
+          </a:p>
+          <a:p>
+            <a:pPr marL="0" indent="0">
+              <a:buFont typeface="Arial" panose="020B0604020202020204" pitchFamily="34" charset="0"/>
+              <a:buNone/>
+            </a:pPr>
+            <a:r>
+              <a:rPr lang="en-US" dirty="0"/>
+              <a:t>Project Manger: “We need a function that reverses whatever we pass into it”</a:t>
+            </a:r>
+          </a:p>
+          <a:p>
+            <a:pPr marL="0" indent="0">
+              <a:buFont typeface="Arial" panose="020B0604020202020204" pitchFamily="34" charset="0"/>
+              <a:buNone/>
+            </a:pPr>
+            <a:r>
+              <a:rPr lang="en-US" dirty="0"/>
+              <a:t>2 SUB-PROBLEMS:</a:t>
+            </a:r>
+          </a:p>
+          <a:p>
+            <a:r>
+              <a:rPr lang="en-US" dirty="0"/>
+              <a:t>Check if argument is a number, a string or an array?</a:t>
+            </a:r>
+          </a:p>
+          <a:p>
+            <a:r>
+              <a:rPr lang="en-US" dirty="0"/>
+              <a:t>Implement reversing a number</a:t>
+            </a:r>
+          </a:p>
+          <a:p>
+            <a:r>
+              <a:rPr lang="en-US" dirty="0"/>
+              <a:t>Implement reversing a string</a:t>
+            </a:r>
+          </a:p>
+          <a:p>
+            <a:r>
+              <a:rPr lang="en-US" dirty="0"/>
+              <a:t>Implement reversing an array</a:t>
+            </a:r>
+          </a:p>
+          <a:p>
+            <a:r>
+              <a:rPr lang="en-US" dirty="0"/>
+              <a:t>Return reversed value</a:t>
+            </a:r>
+          </a:p>
+        </p:txBody>
+      </p:sp>
+      <mc:AlternateContent xmlns:mc="http://schemas.openxmlformats.org/markup-compatibility/2006">
+        <mc:Choice xmlns:p14="http://schemas.microsoft.com/office/powerpoint/2010/main" Requires="p14">
+          <p:contentPart p14:bwMode="auto" r:id="rId2">
+            <p14:nvContentPartPr>
+              <p14:cNvPr id="6" name="Ink 5">
+                <a:extLst>
+                  <a:ext uri="{FF2B5EF4-FFF2-40B4-BE49-F238E27FC236}">
+                    <a16:creationId xmlns:a16="http://schemas.microsoft.com/office/drawing/2014/main" id="{5146A88D-2062-5ECE-C1BC-BC7B1F4E0466}"/>
+                  </a:ext>
+                </a:extLst>
+              </p14:cNvPr>
+              <p14:cNvContentPartPr/>
+              <p14:nvPr/>
+            </p14:nvContentPartPr>
+            <p14:xfrm>
+              <a:off x="4034554" y="4511703"/>
+              <a:ext cx="2012400" cy="1046880"/>
+            </p14:xfrm>
+          </p:contentPart>
+        </mc:Choice>
+        <mc:Fallback>
+          <p:pic>
+            <p:nvPicPr>
+              <p:cNvPr id="6" name="Ink 5">
+                <a:extLst>
+                  <a:ext uri="{FF2B5EF4-FFF2-40B4-BE49-F238E27FC236}">
+                    <a16:creationId xmlns:a16="http://schemas.microsoft.com/office/drawing/2014/main" id="{5146A88D-2062-5ECE-C1BC-BC7B1F4E0466}"/>
+                  </a:ext>
+                </a:extLst>
+              </p:cNvPr>
+              <p:cNvPicPr/>
+              <p:nvPr/>
+            </p:nvPicPr>
+            <p:blipFill>
+              <a:blip r:embed="rId3"/>
+              <a:stretch>
+                <a:fillRect/>
+              </a:stretch>
+            </p:blipFill>
+            <p:spPr>
+              <a:xfrm>
+                <a:off x="4025914" y="4502703"/>
+                <a:ext cx="2030040" cy="1064520"/>
+              </a:xfrm>
+              <a:prstGeom prst="rect">
+                <a:avLst/>
+              </a:prstGeom>
+            </p:spPr>
+          </p:pic>
+        </mc:Fallback>
+      </mc:AlternateContent>
+      <p:sp>
+        <p:nvSpPr>
+          <p:cNvPr id="7" name="TextBox 6">
+            <a:extLst>
+              <a:ext uri="{FF2B5EF4-FFF2-40B4-BE49-F238E27FC236}">
+                <a16:creationId xmlns:a16="http://schemas.microsoft.com/office/drawing/2014/main" id="{0535A529-2612-E483-5113-77A7C9952E23}"/>
+              </a:ext>
+            </a:extLst>
+          </p:cNvPr>
+          <p:cNvSpPr txBox="1"/>
+          <p:nvPr/>
+        </p:nvSpPr>
+        <p:spPr>
+          <a:xfrm>
+            <a:off x="1785257" y="5892800"/>
+            <a:ext cx="4628768" cy="369332"/>
+          </a:xfrm>
+          <a:prstGeom prst="rect">
+            <a:avLst/>
+          </a:prstGeom>
+          <a:noFill/>
+        </p:spPr>
+        <p:txBody>
+          <a:bodyPr wrap="none" rtlCol="0">
+            <a:spAutoFit/>
+          </a:bodyPr>
+          <a:lstStyle/>
+          <a:p>
+            <a:r>
+              <a:rPr lang="en-US" dirty="0">
+                <a:solidFill>
+                  <a:srgbClr val="FF0000"/>
+                </a:solidFill>
+              </a:rPr>
+              <a:t>Looks like a task list that we need to implement</a:t>
+            </a:r>
+          </a:p>
+        </p:txBody>
+      </p:sp>
+    </p:spTree>
+    <p:extLst>
+      <p:ext uri="{BB962C8B-B14F-4D97-AF65-F5344CB8AC3E}">
+        <p14:creationId xmlns:p14="http://schemas.microsoft.com/office/powerpoint/2010/main" val="774797488"/>
+      </p:ext>
+    </p:extLst>
+  </p:cSld>
+  <p:clrMapOvr>
+    <a:masterClrMapping/>
+  </p:clrMapOvr>
+</p:sld>
+</file>
+
+<file path=ppt/slides/slide46.xml><?xml version="1.0" encoding="utf-8"?>
+<p:sld xmlns:a="http://schemas.openxmlformats.org/drawingml/2006/main" xmlns:r="http://schemas.openxmlformats.org/officeDocument/2006/relationships" xmlns:p="http://schemas.openxmlformats.org/presentationml/2006/main">
+  <p:cSld>
+    <p:spTree>
+      <p:nvGrpSpPr>
+        <p:cNvPr id="1" name=""/>
+        <p:cNvGrpSpPr/>
+        <p:nvPr/>
+      </p:nvGrpSpPr>
+      <p:grpSpPr>
+        <a:xfrm>
+          <a:off x="0" y="0"/>
+          <a:ext cx="0" cy="0"/>
+          <a:chOff x="0" y="0"/>
+          <a:chExt cx="0" cy="0"/>
+        </a:xfrm>
+      </p:grpSpPr>
+      <p:sp>
+        <p:nvSpPr>
+          <p:cNvPr id="2" name="Title 1">
+            <a:extLst>
+              <a:ext uri="{FF2B5EF4-FFF2-40B4-BE49-F238E27FC236}">
+                <a16:creationId xmlns:a16="http://schemas.microsoft.com/office/drawing/2014/main" id="{6AEF0D7B-68D7-91ED-5CE2-43259F5AED53}"/>
+              </a:ext>
+            </a:extLst>
+          </p:cNvPr>
+          <p:cNvSpPr>
+            <a:spLocks noGrp="1"/>
+          </p:cNvSpPr>
+          <p:nvPr>
+            <p:ph type="title"/>
+          </p:nvPr>
+        </p:nvSpPr>
+        <p:spPr/>
+        <p:txBody>
+          <a:bodyPr/>
+          <a:lstStyle/>
+          <a:p>
+            <a:r>
+              <a:rPr lang="en-US" dirty="0"/>
+              <a:t>4 steps to solve any problem</a:t>
+            </a:r>
+          </a:p>
+        </p:txBody>
+      </p:sp>
+      <p:sp>
+        <p:nvSpPr>
+          <p:cNvPr id="3" name="Content Placeholder 2">
+            <a:extLst>
+              <a:ext uri="{FF2B5EF4-FFF2-40B4-BE49-F238E27FC236}">
+                <a16:creationId xmlns:a16="http://schemas.microsoft.com/office/drawing/2014/main" id="{9EEAB285-D87A-5265-AC88-FA6B7A3D3ABC}"/>
+              </a:ext>
+            </a:extLst>
+          </p:cNvPr>
+          <p:cNvSpPr>
+            <a:spLocks noGrp="1"/>
+          </p:cNvSpPr>
+          <p:nvPr>
+            <p:ph idx="1"/>
+          </p:nvPr>
+        </p:nvSpPr>
+        <p:spPr>
+          <a:xfrm>
+            <a:off x="838200" y="1825625"/>
+            <a:ext cx="4869544" cy="4351338"/>
+          </a:xfrm>
+        </p:spPr>
+        <p:txBody>
+          <a:bodyPr>
+            <a:normAutofit lnSpcReduction="10000"/>
+          </a:bodyPr>
+          <a:lstStyle/>
+          <a:p>
+            <a:pPr marL="514350" indent="-514350">
+              <a:buAutoNum type="arabicPeriod"/>
+            </a:pPr>
+            <a:r>
+              <a:rPr lang="en-US" dirty="0"/>
+              <a:t>Make sure you 100% understand the problem. Ask the right questions to get a clear picture of the problem.</a:t>
+            </a:r>
+          </a:p>
+          <a:p>
+            <a:pPr marL="514350" indent="-514350">
+              <a:buAutoNum type="arabicPeriod"/>
+            </a:pPr>
+            <a:r>
+              <a:rPr lang="en-US" dirty="0"/>
+              <a:t>Divide and conquer: break a big problem into smaller sub-problems.</a:t>
+            </a:r>
+          </a:p>
+          <a:p>
+            <a:pPr marL="514350" indent="-514350">
+              <a:buAutoNum type="arabicPeriod"/>
+            </a:pPr>
+            <a:r>
+              <a:rPr lang="en-US" dirty="0"/>
+              <a:t>Don’t be afraid to do as much research as you have to.</a:t>
+            </a:r>
+          </a:p>
+        </p:txBody>
+      </p:sp>
+      <p:sp>
+        <p:nvSpPr>
+          <p:cNvPr id="4" name="Content Placeholder 2">
+            <a:extLst>
+              <a:ext uri="{FF2B5EF4-FFF2-40B4-BE49-F238E27FC236}">
+                <a16:creationId xmlns:a16="http://schemas.microsoft.com/office/drawing/2014/main" id="{D03517CB-0329-56CB-0411-B19ECF56CDF7}"/>
+              </a:ext>
+            </a:extLst>
+          </p:cNvPr>
+          <p:cNvSpPr txBox="1">
+            <a:spLocks/>
+          </p:cNvSpPr>
+          <p:nvPr/>
+        </p:nvSpPr>
+        <p:spPr>
+          <a:xfrm>
+            <a:off x="6484257" y="1825625"/>
+            <a:ext cx="5257800" cy="4351338"/>
+          </a:xfrm>
+          <a:prstGeom prst="rect">
+            <a:avLst/>
+          </a:prstGeom>
+        </p:spPr>
+        <p:txBody>
+          <a:bodyPr vert="horz" lIns="91440" tIns="45720" rIns="91440" bIns="45720" rtlCol="0">
+            <a:normAutofit/>
+          </a:bodyPr>
+          <a:lstStyle>
+            <a:lvl1pPr marL="228600" indent="-228600" algn="l" defTabSz="914400" rtl="0" eaLnBrk="1" latinLnBrk="0" hangingPunct="1">
+              <a:lnSpc>
+                <a:spcPct val="90000"/>
+              </a:lnSpc>
+              <a:spcBef>
+                <a:spcPts val="1000"/>
+              </a:spcBef>
+              <a:buFont typeface="Arial" panose="020B0604020202020204" pitchFamily="34" charset="0"/>
+              <a:buChar char="•"/>
+              <a:defRPr sz="2800" kern="1200">
+                <a:solidFill>
+                  <a:schemeClr val="tx1"/>
+                </a:solidFill>
+                <a:latin typeface="+mn-lt"/>
+                <a:ea typeface="+mn-ea"/>
+                <a:cs typeface="+mn-cs"/>
+              </a:defRPr>
+            </a:lvl1pPr>
+            <a:lvl2pPr marL="685800" indent="-228600" algn="l" defTabSz="914400" rtl="0" eaLnBrk="1" latinLnBrk="0" hangingPunct="1">
+              <a:lnSpc>
+                <a:spcPct val="90000"/>
+              </a:lnSpc>
+              <a:spcBef>
+                <a:spcPts val="500"/>
+              </a:spcBef>
+              <a:buFont typeface="Arial" panose="020B0604020202020204" pitchFamily="34" charset="0"/>
+              <a:buChar char="•"/>
+              <a:defRPr sz="2400" kern="1200">
+                <a:solidFill>
+                  <a:schemeClr val="tx1"/>
+                </a:solidFill>
+                <a:latin typeface="+mn-lt"/>
+                <a:ea typeface="+mn-ea"/>
+                <a:cs typeface="+mn-cs"/>
+              </a:defRPr>
+            </a:lvl2pPr>
+            <a:lvl3pPr marL="1143000" indent="-228600" algn="l" defTabSz="914400" rtl="0" eaLnBrk="1" latinLnBrk="0" hangingPunct="1">
+              <a:lnSpc>
+                <a:spcPct val="90000"/>
+              </a:lnSpc>
+              <a:spcBef>
+                <a:spcPts val="500"/>
+              </a:spcBef>
+              <a:buFont typeface="Arial" panose="020B0604020202020204" pitchFamily="34" charset="0"/>
+              <a:buChar char="•"/>
+              <a:defRPr sz="2000" kern="1200">
+                <a:solidFill>
+                  <a:schemeClr val="tx1"/>
+                </a:solidFill>
+                <a:latin typeface="+mn-lt"/>
+                <a:ea typeface="+mn-ea"/>
+                <a:cs typeface="+mn-cs"/>
+              </a:defRPr>
+            </a:lvl3pPr>
+            <a:lvl4pPr marL="1600200" indent="-228600" algn="l" defTabSz="914400" rtl="0" eaLnBrk="1" latinLnBrk="0" hangingPunct="1">
+              <a:lnSpc>
+                <a:spcPct val="90000"/>
+              </a:lnSpc>
+              <a:spcBef>
+                <a:spcPts val="500"/>
+              </a:spcBef>
+              <a:buFont typeface="Arial" panose="020B0604020202020204" pitchFamily="34" charset="0"/>
+              <a:buChar char="•"/>
+              <a:defRPr sz="1800" kern="1200">
+                <a:solidFill>
+                  <a:schemeClr val="tx1"/>
+                </a:solidFill>
+                <a:latin typeface="+mn-lt"/>
+                <a:ea typeface="+mn-ea"/>
+                <a:cs typeface="+mn-cs"/>
+              </a:defRPr>
+            </a:lvl4pPr>
+            <a:lvl5pPr marL="2057400" indent="-228600" algn="l" defTabSz="914400" rtl="0" eaLnBrk="1" latinLnBrk="0" hangingPunct="1">
+              <a:lnSpc>
+                <a:spcPct val="90000"/>
+              </a:lnSpc>
+              <a:spcBef>
+                <a:spcPts val="500"/>
+              </a:spcBef>
+              <a:buFont typeface="Arial" panose="020B0604020202020204" pitchFamily="34" charset="0"/>
+              <a:buChar char="•"/>
+              <a:defRPr sz="1800" kern="1200">
+                <a:solidFill>
+                  <a:schemeClr val="tx1"/>
+                </a:solidFill>
+                <a:latin typeface="+mn-lt"/>
+                <a:ea typeface="+mn-ea"/>
+                <a:cs typeface="+mn-cs"/>
+              </a:defRPr>
+            </a:lvl5pPr>
+            <a:lvl6pPr marL="2514600" indent="-228600" algn="l" defTabSz="914400" rtl="0" eaLnBrk="1" latinLnBrk="0" hangingPunct="1">
+              <a:lnSpc>
+                <a:spcPct val="90000"/>
+              </a:lnSpc>
+              <a:spcBef>
+                <a:spcPts val="500"/>
+              </a:spcBef>
+              <a:buFont typeface="Arial" panose="020B0604020202020204" pitchFamily="34" charset="0"/>
+              <a:buChar char="•"/>
+              <a:defRPr sz="1800" kern="1200">
+                <a:solidFill>
+                  <a:schemeClr val="tx1"/>
+                </a:solidFill>
+                <a:latin typeface="+mn-lt"/>
+                <a:ea typeface="+mn-ea"/>
+                <a:cs typeface="+mn-cs"/>
+              </a:defRPr>
+            </a:lvl6pPr>
+            <a:lvl7pPr marL="2971800" indent="-228600" algn="l" defTabSz="914400" rtl="0" eaLnBrk="1" latinLnBrk="0" hangingPunct="1">
+              <a:lnSpc>
+                <a:spcPct val="90000"/>
+              </a:lnSpc>
+              <a:spcBef>
+                <a:spcPts val="500"/>
+              </a:spcBef>
+              <a:buFont typeface="Arial" panose="020B0604020202020204" pitchFamily="34" charset="0"/>
+              <a:buChar char="•"/>
+              <a:defRPr sz="1800" kern="1200">
+                <a:solidFill>
+                  <a:schemeClr val="tx1"/>
+                </a:solidFill>
+                <a:latin typeface="+mn-lt"/>
+                <a:ea typeface="+mn-ea"/>
+                <a:cs typeface="+mn-cs"/>
+              </a:defRPr>
+            </a:lvl7pPr>
+            <a:lvl8pPr marL="3429000" indent="-228600" algn="l" defTabSz="914400" rtl="0" eaLnBrk="1" latinLnBrk="0" hangingPunct="1">
+              <a:lnSpc>
+                <a:spcPct val="90000"/>
+              </a:lnSpc>
+              <a:spcBef>
+                <a:spcPts val="500"/>
+              </a:spcBef>
+              <a:buFont typeface="Arial" panose="020B0604020202020204" pitchFamily="34" charset="0"/>
+              <a:buChar char="•"/>
+              <a:defRPr sz="1800" kern="1200">
+                <a:solidFill>
+                  <a:schemeClr val="tx1"/>
+                </a:solidFill>
+                <a:latin typeface="+mn-lt"/>
+                <a:ea typeface="+mn-ea"/>
+                <a:cs typeface="+mn-cs"/>
+              </a:defRPr>
+            </a:lvl8pPr>
+            <a:lvl9pPr marL="3886200" indent="-228600" algn="l" defTabSz="914400" rtl="0" eaLnBrk="1" latinLnBrk="0" hangingPunct="1">
+              <a:lnSpc>
+                <a:spcPct val="90000"/>
+              </a:lnSpc>
+              <a:spcBef>
+                <a:spcPts val="500"/>
+              </a:spcBef>
+              <a:buFont typeface="Arial" panose="020B0604020202020204" pitchFamily="34" charset="0"/>
+              <a:buChar char="•"/>
+              <a:defRPr sz="1800" kern="1200">
+                <a:solidFill>
+                  <a:schemeClr val="tx1"/>
+                </a:solidFill>
+                <a:latin typeface="+mn-lt"/>
+                <a:ea typeface="+mn-ea"/>
+                <a:cs typeface="+mn-cs"/>
+              </a:defRPr>
+            </a:lvl9pPr>
+          </a:lstStyle>
+          <a:p>
+            <a:endParaRPr lang="en-US"/>
+          </a:p>
+        </p:txBody>
+      </p:sp>
+      <p:sp>
+        <p:nvSpPr>
+          <p:cNvPr id="5" name="Content Placeholder 2">
+            <a:extLst>
+              <a:ext uri="{FF2B5EF4-FFF2-40B4-BE49-F238E27FC236}">
+                <a16:creationId xmlns:a16="http://schemas.microsoft.com/office/drawing/2014/main" id="{B287EFB3-A888-B3FD-0C60-F642CDE4AD5C}"/>
+              </a:ext>
+            </a:extLst>
+          </p:cNvPr>
+          <p:cNvSpPr txBox="1">
+            <a:spLocks/>
+          </p:cNvSpPr>
+          <p:nvPr/>
+        </p:nvSpPr>
+        <p:spPr>
+          <a:xfrm>
+            <a:off x="6095999" y="1825625"/>
+            <a:ext cx="5646057" cy="4351338"/>
+          </a:xfrm>
+          <a:prstGeom prst="rect">
+            <a:avLst/>
+          </a:prstGeom>
+        </p:spPr>
+        <p:txBody>
+          <a:bodyPr vert="horz" lIns="91440" tIns="45720" rIns="91440" bIns="45720" rtlCol="0">
+            <a:normAutofit fontScale="85000" lnSpcReduction="10000"/>
+          </a:bodyPr>
+          <a:lstStyle>
+            <a:lvl1pPr marL="228600" indent="-228600" algn="l" defTabSz="914400" rtl="0" eaLnBrk="1" latinLnBrk="0" hangingPunct="1">
+              <a:lnSpc>
+                <a:spcPct val="90000"/>
+              </a:lnSpc>
+              <a:spcBef>
+                <a:spcPts val="1000"/>
+              </a:spcBef>
+              <a:buFont typeface="Arial" panose="020B0604020202020204" pitchFamily="34" charset="0"/>
+              <a:buChar char="•"/>
+              <a:defRPr sz="2800" kern="1200">
+                <a:solidFill>
+                  <a:schemeClr val="tx1"/>
+                </a:solidFill>
+                <a:latin typeface="+mn-lt"/>
+                <a:ea typeface="+mn-ea"/>
+                <a:cs typeface="+mn-cs"/>
+              </a:defRPr>
+            </a:lvl1pPr>
+            <a:lvl2pPr marL="685800" indent="-228600" algn="l" defTabSz="914400" rtl="0" eaLnBrk="1" latinLnBrk="0" hangingPunct="1">
+              <a:lnSpc>
+                <a:spcPct val="90000"/>
+              </a:lnSpc>
+              <a:spcBef>
+                <a:spcPts val="500"/>
+              </a:spcBef>
+              <a:buFont typeface="Arial" panose="020B0604020202020204" pitchFamily="34" charset="0"/>
+              <a:buChar char="•"/>
+              <a:defRPr sz="2400" kern="1200">
+                <a:solidFill>
+                  <a:schemeClr val="tx1"/>
+                </a:solidFill>
+                <a:latin typeface="+mn-lt"/>
+                <a:ea typeface="+mn-ea"/>
+                <a:cs typeface="+mn-cs"/>
+              </a:defRPr>
+            </a:lvl2pPr>
+            <a:lvl3pPr marL="1143000" indent="-228600" algn="l" defTabSz="914400" rtl="0" eaLnBrk="1" latinLnBrk="0" hangingPunct="1">
+              <a:lnSpc>
+                <a:spcPct val="90000"/>
+              </a:lnSpc>
+              <a:spcBef>
+                <a:spcPts val="500"/>
+              </a:spcBef>
+              <a:buFont typeface="Arial" panose="020B0604020202020204" pitchFamily="34" charset="0"/>
+              <a:buChar char="•"/>
+              <a:defRPr sz="2000" kern="1200">
+                <a:solidFill>
+                  <a:schemeClr val="tx1"/>
+                </a:solidFill>
+                <a:latin typeface="+mn-lt"/>
+                <a:ea typeface="+mn-ea"/>
+                <a:cs typeface="+mn-cs"/>
+              </a:defRPr>
+            </a:lvl3pPr>
+            <a:lvl4pPr marL="1600200" indent="-228600" algn="l" defTabSz="914400" rtl="0" eaLnBrk="1" latinLnBrk="0" hangingPunct="1">
+              <a:lnSpc>
+                <a:spcPct val="90000"/>
+              </a:lnSpc>
+              <a:spcBef>
+                <a:spcPts val="500"/>
+              </a:spcBef>
+              <a:buFont typeface="Arial" panose="020B0604020202020204" pitchFamily="34" charset="0"/>
+              <a:buChar char="•"/>
+              <a:defRPr sz="1800" kern="1200">
+                <a:solidFill>
+                  <a:schemeClr val="tx1"/>
+                </a:solidFill>
+                <a:latin typeface="+mn-lt"/>
+                <a:ea typeface="+mn-ea"/>
+                <a:cs typeface="+mn-cs"/>
+              </a:defRPr>
+            </a:lvl4pPr>
+            <a:lvl5pPr marL="2057400" indent="-228600" algn="l" defTabSz="914400" rtl="0" eaLnBrk="1" latinLnBrk="0" hangingPunct="1">
+              <a:lnSpc>
+                <a:spcPct val="90000"/>
+              </a:lnSpc>
+              <a:spcBef>
+                <a:spcPts val="500"/>
+              </a:spcBef>
+              <a:buFont typeface="Arial" panose="020B0604020202020204" pitchFamily="34" charset="0"/>
+              <a:buChar char="•"/>
+              <a:defRPr sz="1800" kern="1200">
+                <a:solidFill>
+                  <a:schemeClr val="tx1"/>
+                </a:solidFill>
+                <a:latin typeface="+mn-lt"/>
+                <a:ea typeface="+mn-ea"/>
+                <a:cs typeface="+mn-cs"/>
+              </a:defRPr>
+            </a:lvl5pPr>
+            <a:lvl6pPr marL="2514600" indent="-228600" algn="l" defTabSz="914400" rtl="0" eaLnBrk="1" latinLnBrk="0" hangingPunct="1">
+              <a:lnSpc>
+                <a:spcPct val="90000"/>
+              </a:lnSpc>
+              <a:spcBef>
+                <a:spcPts val="500"/>
+              </a:spcBef>
+              <a:buFont typeface="Arial" panose="020B0604020202020204" pitchFamily="34" charset="0"/>
+              <a:buChar char="•"/>
+              <a:defRPr sz="1800" kern="1200">
+                <a:solidFill>
+                  <a:schemeClr val="tx1"/>
+                </a:solidFill>
+                <a:latin typeface="+mn-lt"/>
+                <a:ea typeface="+mn-ea"/>
+                <a:cs typeface="+mn-cs"/>
+              </a:defRPr>
+            </a:lvl6pPr>
+            <a:lvl7pPr marL="2971800" indent="-228600" algn="l" defTabSz="914400" rtl="0" eaLnBrk="1" latinLnBrk="0" hangingPunct="1">
+              <a:lnSpc>
+                <a:spcPct val="90000"/>
+              </a:lnSpc>
+              <a:spcBef>
+                <a:spcPts val="500"/>
+              </a:spcBef>
+              <a:buFont typeface="Arial" panose="020B0604020202020204" pitchFamily="34" charset="0"/>
+              <a:buChar char="•"/>
+              <a:defRPr sz="1800" kern="1200">
+                <a:solidFill>
+                  <a:schemeClr val="tx1"/>
+                </a:solidFill>
+                <a:latin typeface="+mn-lt"/>
+                <a:ea typeface="+mn-ea"/>
+                <a:cs typeface="+mn-cs"/>
+              </a:defRPr>
+            </a:lvl7pPr>
+            <a:lvl8pPr marL="3429000" indent="-228600" algn="l" defTabSz="914400" rtl="0" eaLnBrk="1" latinLnBrk="0" hangingPunct="1">
+              <a:lnSpc>
+                <a:spcPct val="90000"/>
+              </a:lnSpc>
+              <a:spcBef>
+                <a:spcPts val="500"/>
+              </a:spcBef>
+              <a:buFont typeface="Arial" panose="020B0604020202020204" pitchFamily="34" charset="0"/>
+              <a:buChar char="•"/>
+              <a:defRPr sz="1800" kern="1200">
+                <a:solidFill>
+                  <a:schemeClr val="tx1"/>
+                </a:solidFill>
+                <a:latin typeface="+mn-lt"/>
+                <a:ea typeface="+mn-ea"/>
+                <a:cs typeface="+mn-cs"/>
+              </a:defRPr>
+            </a:lvl8pPr>
+            <a:lvl9pPr marL="3886200" indent="-228600" algn="l" defTabSz="914400" rtl="0" eaLnBrk="1" latinLnBrk="0" hangingPunct="1">
+              <a:lnSpc>
+                <a:spcPct val="90000"/>
+              </a:lnSpc>
+              <a:spcBef>
+                <a:spcPts val="500"/>
+              </a:spcBef>
+              <a:buFont typeface="Arial" panose="020B0604020202020204" pitchFamily="34" charset="0"/>
+              <a:buChar char="•"/>
+              <a:defRPr sz="1800" kern="1200">
+                <a:solidFill>
+                  <a:schemeClr val="tx1"/>
+                </a:solidFill>
+                <a:latin typeface="+mn-lt"/>
+                <a:ea typeface="+mn-ea"/>
+                <a:cs typeface="+mn-cs"/>
+              </a:defRPr>
+            </a:lvl9pPr>
+          </a:lstStyle>
+          <a:p>
+            <a:pPr marL="0" indent="0" algn="ctr">
+              <a:buFont typeface="Arial" panose="020B0604020202020204" pitchFamily="34" charset="0"/>
+              <a:buNone/>
+            </a:pPr>
+            <a:r>
+              <a:rPr lang="en-US" dirty="0"/>
+              <a:t>Example</a:t>
+            </a:r>
+          </a:p>
+          <a:p>
+            <a:pPr marL="0" indent="0">
+              <a:buFont typeface="Arial" panose="020B0604020202020204" pitchFamily="34" charset="0"/>
+              <a:buNone/>
+            </a:pPr>
+            <a:r>
+              <a:rPr lang="en-US" dirty="0"/>
+              <a:t>Project Manger: “We need a function that reverses whatever we pass into it”</a:t>
+            </a:r>
+          </a:p>
+          <a:p>
+            <a:pPr marL="0" indent="0">
+              <a:buFont typeface="Arial" panose="020B0604020202020204" pitchFamily="34" charset="0"/>
+              <a:buNone/>
+            </a:pPr>
+            <a:r>
+              <a:rPr lang="en-US" dirty="0"/>
+              <a:t>3</a:t>
+            </a:r>
+          </a:p>
+          <a:p>
+            <a:r>
+              <a:rPr lang="en-US" dirty="0"/>
+              <a:t>How to check if a value is a number in JS?</a:t>
+            </a:r>
+          </a:p>
+          <a:p>
+            <a:r>
+              <a:rPr lang="en-US" dirty="0"/>
+              <a:t>How to check if a value is a string in JS?</a:t>
+            </a:r>
+          </a:p>
+          <a:p>
+            <a:r>
+              <a:rPr lang="en-US" dirty="0"/>
+              <a:t>How to check if a value is an array in JS?</a:t>
+            </a:r>
+          </a:p>
+          <a:p>
+            <a:r>
+              <a:rPr lang="en-US" dirty="0"/>
+              <a:t>How to reverse a number in JS?</a:t>
+            </a:r>
+          </a:p>
+          <a:p>
+            <a:r>
+              <a:rPr lang="en-US" dirty="0"/>
+              <a:t>How to reverse a string in JS?</a:t>
+            </a:r>
+          </a:p>
+          <a:p>
+            <a:r>
+              <a:rPr lang="en-US" dirty="0"/>
+              <a:t>How to reverse an array in JS?</a:t>
+            </a:r>
+          </a:p>
+          <a:p>
+            <a:endParaRPr lang="en-US" dirty="0"/>
+          </a:p>
+        </p:txBody>
+      </p:sp>
+      <p:pic>
+        <p:nvPicPr>
+          <p:cNvPr id="9" name="Picture 8">
+            <a:extLst>
+              <a:ext uri="{FF2B5EF4-FFF2-40B4-BE49-F238E27FC236}">
+                <a16:creationId xmlns:a16="http://schemas.microsoft.com/office/drawing/2014/main" id="{82447DB7-7320-EDFD-1FA2-3FFA6AE142FC}"/>
+              </a:ext>
+            </a:extLst>
+          </p:cNvPr>
+          <p:cNvPicPr>
+            <a:picLocks noChangeAspect="1"/>
+          </p:cNvPicPr>
+          <p:nvPr/>
+        </p:nvPicPr>
+        <p:blipFill>
+          <a:blip r:embed="rId2">
+            <a:extLst>
+              <a:ext uri="{28A0092B-C50C-407E-A947-70E740481C1C}">
+                <a14:useLocalDpi xmlns:a14="http://schemas.microsoft.com/office/drawing/2010/main" val="0"/>
+              </a:ext>
+              <a:ext uri="{837473B0-CC2E-450A-ABE3-18F120FF3D39}">
+                <a1611:picAttrSrcUrl xmlns:a1611="http://schemas.microsoft.com/office/drawing/2016/11/main" r:id="rId3"/>
+              </a:ext>
+            </a:extLst>
+          </a:blip>
+          <a:stretch>
+            <a:fillRect/>
+          </a:stretch>
+        </p:blipFill>
+        <p:spPr>
+          <a:xfrm>
+            <a:off x="3237849" y="6053065"/>
+            <a:ext cx="2004384" cy="678985"/>
+          </a:xfrm>
+          <a:prstGeom prst="rect">
+            <a:avLst/>
+          </a:prstGeom>
+        </p:spPr>
+      </p:pic>
+      <p:pic>
+        <p:nvPicPr>
+          <p:cNvPr id="12" name="Picture 11">
+            <a:extLst>
+              <a:ext uri="{FF2B5EF4-FFF2-40B4-BE49-F238E27FC236}">
+                <a16:creationId xmlns:a16="http://schemas.microsoft.com/office/drawing/2014/main" id="{D37BBB61-4036-329B-147B-2A719ABFCF77}"/>
+              </a:ext>
+            </a:extLst>
+          </p:cNvPr>
+          <p:cNvPicPr>
+            <a:picLocks noChangeAspect="1"/>
+          </p:cNvPicPr>
+          <p:nvPr/>
+        </p:nvPicPr>
+        <p:blipFill>
+          <a:blip r:embed="rId4">
+            <a:extLst>
+              <a:ext uri="{28A0092B-C50C-407E-A947-70E740481C1C}">
+                <a14:useLocalDpi xmlns:a14="http://schemas.microsoft.com/office/drawing/2010/main" val="0"/>
+              </a:ext>
+              <a:ext uri="{837473B0-CC2E-450A-ABE3-18F120FF3D39}">
+                <a1611:picAttrSrcUrl xmlns:a1611="http://schemas.microsoft.com/office/drawing/2016/11/main" r:id="rId5"/>
+              </a:ext>
+            </a:extLst>
+          </a:blip>
+          <a:srcRect r="44010" b="64845"/>
+          <a:stretch/>
+        </p:blipFill>
+        <p:spPr>
+          <a:xfrm>
+            <a:off x="6147605" y="5891749"/>
+            <a:ext cx="2408969" cy="840301"/>
+          </a:xfrm>
+          <a:prstGeom prst="rect">
+            <a:avLst/>
+          </a:prstGeom>
+        </p:spPr>
+      </p:pic>
+      <p:pic>
+        <p:nvPicPr>
+          <p:cNvPr id="15" name="Picture 14">
+            <a:extLst>
+              <a:ext uri="{FF2B5EF4-FFF2-40B4-BE49-F238E27FC236}">
+                <a16:creationId xmlns:a16="http://schemas.microsoft.com/office/drawing/2014/main" id="{8601FC5A-A4C1-F66C-BFCD-C05980D95B1A}"/>
+              </a:ext>
+            </a:extLst>
+          </p:cNvPr>
+          <p:cNvPicPr>
+            <a:picLocks noChangeAspect="1"/>
+          </p:cNvPicPr>
+          <p:nvPr/>
+        </p:nvPicPr>
+        <p:blipFill>
+          <a:blip r:embed="rId6">
+            <a:extLst>
+              <a:ext uri="{28A0092B-C50C-407E-A947-70E740481C1C}">
+                <a14:useLocalDpi xmlns:a14="http://schemas.microsoft.com/office/drawing/2010/main" val="0"/>
+              </a:ext>
+              <a:ext uri="{837473B0-CC2E-450A-ABE3-18F120FF3D39}">
+                <a1611:picAttrSrcUrl xmlns:a1611="http://schemas.microsoft.com/office/drawing/2016/11/main" r:id="rId7"/>
+              </a:ext>
+            </a:extLst>
+          </a:blip>
+          <a:stretch>
+            <a:fillRect/>
+          </a:stretch>
+        </p:blipFill>
+        <p:spPr>
+          <a:xfrm>
+            <a:off x="9333087" y="5977183"/>
+            <a:ext cx="2408969" cy="542018"/>
+          </a:xfrm>
+          <a:prstGeom prst="rect">
+            <a:avLst/>
+          </a:prstGeom>
+        </p:spPr>
+      </p:pic>
+    </p:spTree>
+    <p:extLst>
+      <p:ext uri="{BB962C8B-B14F-4D97-AF65-F5344CB8AC3E}">
+        <p14:creationId xmlns:p14="http://schemas.microsoft.com/office/powerpoint/2010/main" val="1448593393"/>
+      </p:ext>
+    </p:extLst>
+  </p:cSld>
+  <p:clrMapOvr>
+    <a:masterClrMapping/>
+  </p:clrMapOvr>
+</p:sld>
+</file>
+
+<file path=ppt/slides/slide47.xml><?xml version="1.0" encoding="utf-8"?>
+<p:sld xmlns:a="http://schemas.openxmlformats.org/drawingml/2006/main" xmlns:r="http://schemas.openxmlformats.org/officeDocument/2006/relationships" xmlns:p="http://schemas.openxmlformats.org/presentationml/2006/main">
+  <p:cSld>
+    <p:spTree>
+      <p:nvGrpSpPr>
+        <p:cNvPr id="1" name=""/>
+        <p:cNvGrpSpPr/>
+        <p:nvPr/>
+      </p:nvGrpSpPr>
+      <p:grpSpPr>
+        <a:xfrm>
+          <a:off x="0" y="0"/>
+          <a:ext cx="0" cy="0"/>
+          <a:chOff x="0" y="0"/>
+          <a:chExt cx="0" cy="0"/>
+        </a:xfrm>
+      </p:grpSpPr>
+      <p:sp>
+        <p:nvSpPr>
+          <p:cNvPr id="2" name="Title 1">
+            <a:extLst>
+              <a:ext uri="{FF2B5EF4-FFF2-40B4-BE49-F238E27FC236}">
+                <a16:creationId xmlns:a16="http://schemas.microsoft.com/office/drawing/2014/main" id="{6AEF0D7B-68D7-91ED-5CE2-43259F5AED53}"/>
+              </a:ext>
+            </a:extLst>
+          </p:cNvPr>
+          <p:cNvSpPr>
+            <a:spLocks noGrp="1"/>
+          </p:cNvSpPr>
+          <p:nvPr>
+            <p:ph type="title"/>
+          </p:nvPr>
+        </p:nvSpPr>
+        <p:spPr/>
+        <p:txBody>
+          <a:bodyPr/>
+          <a:lstStyle/>
+          <a:p>
+            <a:r>
+              <a:rPr lang="en-US" dirty="0"/>
+              <a:t>4 steps to solve any problem</a:t>
+            </a:r>
+          </a:p>
+        </p:txBody>
+      </p:sp>
+      <p:sp>
+        <p:nvSpPr>
+          <p:cNvPr id="3" name="Content Placeholder 2">
+            <a:extLst>
+              <a:ext uri="{FF2B5EF4-FFF2-40B4-BE49-F238E27FC236}">
+                <a16:creationId xmlns:a16="http://schemas.microsoft.com/office/drawing/2014/main" id="{9EEAB285-D87A-5265-AC88-FA6B7A3D3ABC}"/>
+              </a:ext>
+            </a:extLst>
+          </p:cNvPr>
+          <p:cNvSpPr>
+            <a:spLocks noGrp="1"/>
+          </p:cNvSpPr>
+          <p:nvPr>
+            <p:ph idx="1"/>
+          </p:nvPr>
+        </p:nvSpPr>
+        <p:spPr>
+          <a:xfrm>
+            <a:off x="838200" y="1825625"/>
+            <a:ext cx="4869544" cy="4351338"/>
+          </a:xfrm>
+        </p:spPr>
+        <p:txBody>
+          <a:bodyPr>
+            <a:normAutofit fontScale="92500" lnSpcReduction="10000"/>
+          </a:bodyPr>
+          <a:lstStyle/>
+          <a:p>
+            <a:pPr marL="514350" indent="-514350">
+              <a:buAutoNum type="arabicPeriod"/>
+            </a:pPr>
+            <a:r>
+              <a:rPr lang="en-US" dirty="0"/>
+              <a:t>Make sure you 100% understand the problem. Ask the right questions to get a clear picture of the problem.</a:t>
+            </a:r>
+          </a:p>
+          <a:p>
+            <a:pPr marL="514350" indent="-514350">
+              <a:buAutoNum type="arabicPeriod"/>
+            </a:pPr>
+            <a:r>
+              <a:rPr lang="en-US" dirty="0"/>
+              <a:t>Divide and conquer: break a big problem into smaller sub-problems.</a:t>
+            </a:r>
+          </a:p>
+          <a:p>
+            <a:pPr marL="514350" indent="-514350">
+              <a:buAutoNum type="arabicPeriod"/>
+            </a:pPr>
+            <a:r>
+              <a:rPr lang="en-US" dirty="0"/>
+              <a:t>Don’t be afraid to do as much research as you have to.</a:t>
+            </a:r>
+          </a:p>
+          <a:p>
+            <a:pPr marL="514350" indent="-514350">
+              <a:buAutoNum type="arabicPeriod"/>
+            </a:pPr>
+            <a:r>
+              <a:rPr lang="en-US" dirty="0"/>
+              <a:t>For bigger problem, write pseudo-code before writing the actual code</a:t>
+            </a:r>
+          </a:p>
+        </p:txBody>
+      </p:sp>
+      <p:sp>
+        <p:nvSpPr>
+          <p:cNvPr id="4" name="Content Placeholder 2">
+            <a:extLst>
+              <a:ext uri="{FF2B5EF4-FFF2-40B4-BE49-F238E27FC236}">
+                <a16:creationId xmlns:a16="http://schemas.microsoft.com/office/drawing/2014/main" id="{D03517CB-0329-56CB-0411-B19ECF56CDF7}"/>
+              </a:ext>
+            </a:extLst>
+          </p:cNvPr>
+          <p:cNvSpPr txBox="1">
+            <a:spLocks/>
+          </p:cNvSpPr>
+          <p:nvPr/>
+        </p:nvSpPr>
+        <p:spPr>
+          <a:xfrm>
+            <a:off x="6484257" y="1825625"/>
+            <a:ext cx="5257800" cy="4351338"/>
+          </a:xfrm>
+          <a:prstGeom prst="rect">
+            <a:avLst/>
+          </a:prstGeom>
+        </p:spPr>
+        <p:txBody>
+          <a:bodyPr vert="horz" lIns="91440" tIns="45720" rIns="91440" bIns="45720" rtlCol="0">
+            <a:normAutofit/>
+          </a:bodyPr>
+          <a:lstStyle>
+            <a:lvl1pPr marL="228600" indent="-228600" algn="l" defTabSz="914400" rtl="0" eaLnBrk="1" latinLnBrk="0" hangingPunct="1">
+              <a:lnSpc>
+                <a:spcPct val="90000"/>
+              </a:lnSpc>
+              <a:spcBef>
+                <a:spcPts val="1000"/>
+              </a:spcBef>
+              <a:buFont typeface="Arial" panose="020B0604020202020204" pitchFamily="34" charset="0"/>
+              <a:buChar char="•"/>
+              <a:defRPr sz="2800" kern="1200">
+                <a:solidFill>
+                  <a:schemeClr val="tx1"/>
+                </a:solidFill>
+                <a:latin typeface="+mn-lt"/>
+                <a:ea typeface="+mn-ea"/>
+                <a:cs typeface="+mn-cs"/>
+              </a:defRPr>
+            </a:lvl1pPr>
+            <a:lvl2pPr marL="685800" indent="-228600" algn="l" defTabSz="914400" rtl="0" eaLnBrk="1" latinLnBrk="0" hangingPunct="1">
+              <a:lnSpc>
+                <a:spcPct val="90000"/>
+              </a:lnSpc>
+              <a:spcBef>
+                <a:spcPts val="500"/>
+              </a:spcBef>
+              <a:buFont typeface="Arial" panose="020B0604020202020204" pitchFamily="34" charset="0"/>
+              <a:buChar char="•"/>
+              <a:defRPr sz="2400" kern="1200">
+                <a:solidFill>
+                  <a:schemeClr val="tx1"/>
+                </a:solidFill>
+                <a:latin typeface="+mn-lt"/>
+                <a:ea typeface="+mn-ea"/>
+                <a:cs typeface="+mn-cs"/>
+              </a:defRPr>
+            </a:lvl2pPr>
+            <a:lvl3pPr marL="1143000" indent="-228600" algn="l" defTabSz="914400" rtl="0" eaLnBrk="1" latinLnBrk="0" hangingPunct="1">
+              <a:lnSpc>
+                <a:spcPct val="90000"/>
+              </a:lnSpc>
+              <a:spcBef>
+                <a:spcPts val="500"/>
+              </a:spcBef>
+              <a:buFont typeface="Arial" panose="020B0604020202020204" pitchFamily="34" charset="0"/>
+              <a:buChar char="•"/>
+              <a:defRPr sz="2000" kern="1200">
+                <a:solidFill>
+                  <a:schemeClr val="tx1"/>
+                </a:solidFill>
+                <a:latin typeface="+mn-lt"/>
+                <a:ea typeface="+mn-ea"/>
+                <a:cs typeface="+mn-cs"/>
+              </a:defRPr>
+            </a:lvl3pPr>
+            <a:lvl4pPr marL="1600200" indent="-228600" algn="l" defTabSz="914400" rtl="0" eaLnBrk="1" latinLnBrk="0" hangingPunct="1">
+              <a:lnSpc>
+                <a:spcPct val="90000"/>
+              </a:lnSpc>
+              <a:spcBef>
+                <a:spcPts val="500"/>
+              </a:spcBef>
+              <a:buFont typeface="Arial" panose="020B0604020202020204" pitchFamily="34" charset="0"/>
+              <a:buChar char="•"/>
+              <a:defRPr sz="1800" kern="1200">
+                <a:solidFill>
+                  <a:schemeClr val="tx1"/>
+                </a:solidFill>
+                <a:latin typeface="+mn-lt"/>
+                <a:ea typeface="+mn-ea"/>
+                <a:cs typeface="+mn-cs"/>
+              </a:defRPr>
+            </a:lvl4pPr>
+            <a:lvl5pPr marL="2057400" indent="-228600" algn="l" defTabSz="914400" rtl="0" eaLnBrk="1" latinLnBrk="0" hangingPunct="1">
+              <a:lnSpc>
+                <a:spcPct val="90000"/>
+              </a:lnSpc>
+              <a:spcBef>
+                <a:spcPts val="500"/>
+              </a:spcBef>
+              <a:buFont typeface="Arial" panose="020B0604020202020204" pitchFamily="34" charset="0"/>
+              <a:buChar char="•"/>
+              <a:defRPr sz="1800" kern="1200">
+                <a:solidFill>
+                  <a:schemeClr val="tx1"/>
+                </a:solidFill>
+                <a:latin typeface="+mn-lt"/>
+                <a:ea typeface="+mn-ea"/>
+                <a:cs typeface="+mn-cs"/>
+              </a:defRPr>
+            </a:lvl5pPr>
+            <a:lvl6pPr marL="2514600" indent="-228600" algn="l" defTabSz="914400" rtl="0" eaLnBrk="1" latinLnBrk="0" hangingPunct="1">
+              <a:lnSpc>
+                <a:spcPct val="90000"/>
+              </a:lnSpc>
+              <a:spcBef>
+                <a:spcPts val="500"/>
+              </a:spcBef>
+              <a:buFont typeface="Arial" panose="020B0604020202020204" pitchFamily="34" charset="0"/>
+              <a:buChar char="•"/>
+              <a:defRPr sz="1800" kern="1200">
+                <a:solidFill>
+                  <a:schemeClr val="tx1"/>
+                </a:solidFill>
+                <a:latin typeface="+mn-lt"/>
+                <a:ea typeface="+mn-ea"/>
+                <a:cs typeface="+mn-cs"/>
+              </a:defRPr>
+            </a:lvl6pPr>
+            <a:lvl7pPr marL="2971800" indent="-228600" algn="l" defTabSz="914400" rtl="0" eaLnBrk="1" latinLnBrk="0" hangingPunct="1">
+              <a:lnSpc>
+                <a:spcPct val="90000"/>
+              </a:lnSpc>
+              <a:spcBef>
+                <a:spcPts val="500"/>
+              </a:spcBef>
+              <a:buFont typeface="Arial" panose="020B0604020202020204" pitchFamily="34" charset="0"/>
+              <a:buChar char="•"/>
+              <a:defRPr sz="1800" kern="1200">
+                <a:solidFill>
+                  <a:schemeClr val="tx1"/>
+                </a:solidFill>
+                <a:latin typeface="+mn-lt"/>
+                <a:ea typeface="+mn-ea"/>
+                <a:cs typeface="+mn-cs"/>
+              </a:defRPr>
+            </a:lvl7pPr>
+            <a:lvl8pPr marL="3429000" indent="-228600" algn="l" defTabSz="914400" rtl="0" eaLnBrk="1" latinLnBrk="0" hangingPunct="1">
+              <a:lnSpc>
+                <a:spcPct val="90000"/>
+              </a:lnSpc>
+              <a:spcBef>
+                <a:spcPts val="500"/>
+              </a:spcBef>
+              <a:buFont typeface="Arial" panose="020B0604020202020204" pitchFamily="34" charset="0"/>
+              <a:buChar char="•"/>
+              <a:defRPr sz="1800" kern="1200">
+                <a:solidFill>
+                  <a:schemeClr val="tx1"/>
+                </a:solidFill>
+                <a:latin typeface="+mn-lt"/>
+                <a:ea typeface="+mn-ea"/>
+                <a:cs typeface="+mn-cs"/>
+              </a:defRPr>
+            </a:lvl8pPr>
+            <a:lvl9pPr marL="3886200" indent="-228600" algn="l" defTabSz="914400" rtl="0" eaLnBrk="1" latinLnBrk="0" hangingPunct="1">
+              <a:lnSpc>
+                <a:spcPct val="90000"/>
+              </a:lnSpc>
+              <a:spcBef>
+                <a:spcPts val="500"/>
+              </a:spcBef>
+              <a:buFont typeface="Arial" panose="020B0604020202020204" pitchFamily="34" charset="0"/>
+              <a:buChar char="•"/>
+              <a:defRPr sz="1800" kern="1200">
+                <a:solidFill>
+                  <a:schemeClr val="tx1"/>
+                </a:solidFill>
+                <a:latin typeface="+mn-lt"/>
+                <a:ea typeface="+mn-ea"/>
+                <a:cs typeface="+mn-cs"/>
+              </a:defRPr>
+            </a:lvl9pPr>
+          </a:lstStyle>
+          <a:p>
+            <a:endParaRPr lang="en-US"/>
+          </a:p>
+        </p:txBody>
+      </p:sp>
+      <p:sp>
+        <p:nvSpPr>
+          <p:cNvPr id="5" name="Content Placeholder 2">
+            <a:extLst>
+              <a:ext uri="{FF2B5EF4-FFF2-40B4-BE49-F238E27FC236}">
+                <a16:creationId xmlns:a16="http://schemas.microsoft.com/office/drawing/2014/main" id="{B287EFB3-A888-B3FD-0C60-F642CDE4AD5C}"/>
+              </a:ext>
+            </a:extLst>
+          </p:cNvPr>
+          <p:cNvSpPr txBox="1">
+            <a:spLocks/>
+          </p:cNvSpPr>
+          <p:nvPr/>
+        </p:nvSpPr>
+        <p:spPr>
+          <a:xfrm>
+            <a:off x="6095999" y="1825625"/>
+            <a:ext cx="5646057" cy="4351338"/>
+          </a:xfrm>
+          <a:prstGeom prst="rect">
+            <a:avLst/>
+          </a:prstGeom>
+        </p:spPr>
+        <p:txBody>
+          <a:bodyPr vert="horz" lIns="91440" tIns="45720" rIns="91440" bIns="45720" rtlCol="0">
+            <a:normAutofit fontScale="55000" lnSpcReduction="20000"/>
+          </a:bodyPr>
+          <a:lstStyle>
+            <a:lvl1pPr marL="228600" indent="-228600" algn="l" defTabSz="914400" rtl="0" eaLnBrk="1" latinLnBrk="0" hangingPunct="1">
+              <a:lnSpc>
+                <a:spcPct val="90000"/>
+              </a:lnSpc>
+              <a:spcBef>
+                <a:spcPts val="1000"/>
+              </a:spcBef>
+              <a:buFont typeface="Arial" panose="020B0604020202020204" pitchFamily="34" charset="0"/>
+              <a:buChar char="•"/>
+              <a:defRPr sz="2800" kern="1200">
+                <a:solidFill>
+                  <a:schemeClr val="tx1"/>
+                </a:solidFill>
+                <a:latin typeface="+mn-lt"/>
+                <a:ea typeface="+mn-ea"/>
+                <a:cs typeface="+mn-cs"/>
+              </a:defRPr>
+            </a:lvl1pPr>
+            <a:lvl2pPr marL="685800" indent="-228600" algn="l" defTabSz="914400" rtl="0" eaLnBrk="1" latinLnBrk="0" hangingPunct="1">
+              <a:lnSpc>
+                <a:spcPct val="90000"/>
+              </a:lnSpc>
+              <a:spcBef>
+                <a:spcPts val="500"/>
+              </a:spcBef>
+              <a:buFont typeface="Arial" panose="020B0604020202020204" pitchFamily="34" charset="0"/>
+              <a:buChar char="•"/>
+              <a:defRPr sz="2400" kern="1200">
+                <a:solidFill>
+                  <a:schemeClr val="tx1"/>
+                </a:solidFill>
+                <a:latin typeface="+mn-lt"/>
+                <a:ea typeface="+mn-ea"/>
+                <a:cs typeface="+mn-cs"/>
+              </a:defRPr>
+            </a:lvl2pPr>
+            <a:lvl3pPr marL="1143000" indent="-228600" algn="l" defTabSz="914400" rtl="0" eaLnBrk="1" latinLnBrk="0" hangingPunct="1">
+              <a:lnSpc>
+                <a:spcPct val="90000"/>
+              </a:lnSpc>
+              <a:spcBef>
+                <a:spcPts val="500"/>
+              </a:spcBef>
+              <a:buFont typeface="Arial" panose="020B0604020202020204" pitchFamily="34" charset="0"/>
+              <a:buChar char="•"/>
+              <a:defRPr sz="2000" kern="1200">
+                <a:solidFill>
+                  <a:schemeClr val="tx1"/>
+                </a:solidFill>
+                <a:latin typeface="+mn-lt"/>
+                <a:ea typeface="+mn-ea"/>
+                <a:cs typeface="+mn-cs"/>
+              </a:defRPr>
+            </a:lvl3pPr>
+            <a:lvl4pPr marL="1600200" indent="-228600" algn="l" defTabSz="914400" rtl="0" eaLnBrk="1" latinLnBrk="0" hangingPunct="1">
+              <a:lnSpc>
+                <a:spcPct val="90000"/>
+              </a:lnSpc>
+              <a:spcBef>
+                <a:spcPts val="500"/>
+              </a:spcBef>
+              <a:buFont typeface="Arial" panose="020B0604020202020204" pitchFamily="34" charset="0"/>
+              <a:buChar char="•"/>
+              <a:defRPr sz="1800" kern="1200">
+                <a:solidFill>
+                  <a:schemeClr val="tx1"/>
+                </a:solidFill>
+                <a:latin typeface="+mn-lt"/>
+                <a:ea typeface="+mn-ea"/>
+                <a:cs typeface="+mn-cs"/>
+              </a:defRPr>
+            </a:lvl4pPr>
+            <a:lvl5pPr marL="2057400" indent="-228600" algn="l" defTabSz="914400" rtl="0" eaLnBrk="1" latinLnBrk="0" hangingPunct="1">
+              <a:lnSpc>
+                <a:spcPct val="90000"/>
+              </a:lnSpc>
+              <a:spcBef>
+                <a:spcPts val="500"/>
+              </a:spcBef>
+              <a:buFont typeface="Arial" panose="020B0604020202020204" pitchFamily="34" charset="0"/>
+              <a:buChar char="•"/>
+              <a:defRPr sz="1800" kern="1200">
+                <a:solidFill>
+                  <a:schemeClr val="tx1"/>
+                </a:solidFill>
+                <a:latin typeface="+mn-lt"/>
+                <a:ea typeface="+mn-ea"/>
+                <a:cs typeface="+mn-cs"/>
+              </a:defRPr>
+            </a:lvl5pPr>
+            <a:lvl6pPr marL="2514600" indent="-228600" algn="l" defTabSz="914400" rtl="0" eaLnBrk="1" latinLnBrk="0" hangingPunct="1">
+              <a:lnSpc>
+                <a:spcPct val="90000"/>
+              </a:lnSpc>
+              <a:spcBef>
+                <a:spcPts val="500"/>
+              </a:spcBef>
+              <a:buFont typeface="Arial" panose="020B0604020202020204" pitchFamily="34" charset="0"/>
+              <a:buChar char="•"/>
+              <a:defRPr sz="1800" kern="1200">
+                <a:solidFill>
+                  <a:schemeClr val="tx1"/>
+                </a:solidFill>
+                <a:latin typeface="+mn-lt"/>
+                <a:ea typeface="+mn-ea"/>
+                <a:cs typeface="+mn-cs"/>
+              </a:defRPr>
+            </a:lvl6pPr>
+            <a:lvl7pPr marL="2971800" indent="-228600" algn="l" defTabSz="914400" rtl="0" eaLnBrk="1" latinLnBrk="0" hangingPunct="1">
+              <a:lnSpc>
+                <a:spcPct val="90000"/>
+              </a:lnSpc>
+              <a:spcBef>
+                <a:spcPts val="500"/>
+              </a:spcBef>
+              <a:buFont typeface="Arial" panose="020B0604020202020204" pitchFamily="34" charset="0"/>
+              <a:buChar char="•"/>
+              <a:defRPr sz="1800" kern="1200">
+                <a:solidFill>
+                  <a:schemeClr val="tx1"/>
+                </a:solidFill>
+                <a:latin typeface="+mn-lt"/>
+                <a:ea typeface="+mn-ea"/>
+                <a:cs typeface="+mn-cs"/>
+              </a:defRPr>
+            </a:lvl7pPr>
+            <a:lvl8pPr marL="3429000" indent="-228600" algn="l" defTabSz="914400" rtl="0" eaLnBrk="1" latinLnBrk="0" hangingPunct="1">
+              <a:lnSpc>
+                <a:spcPct val="90000"/>
+              </a:lnSpc>
+              <a:spcBef>
+                <a:spcPts val="500"/>
+              </a:spcBef>
+              <a:buFont typeface="Arial" panose="020B0604020202020204" pitchFamily="34" charset="0"/>
+              <a:buChar char="•"/>
+              <a:defRPr sz="1800" kern="1200">
+                <a:solidFill>
+                  <a:schemeClr val="tx1"/>
+                </a:solidFill>
+                <a:latin typeface="+mn-lt"/>
+                <a:ea typeface="+mn-ea"/>
+                <a:cs typeface="+mn-cs"/>
+              </a:defRPr>
+            </a:lvl8pPr>
+            <a:lvl9pPr marL="3886200" indent="-228600" algn="l" defTabSz="914400" rtl="0" eaLnBrk="1" latinLnBrk="0" hangingPunct="1">
+              <a:lnSpc>
+                <a:spcPct val="90000"/>
+              </a:lnSpc>
+              <a:spcBef>
+                <a:spcPts val="500"/>
+              </a:spcBef>
+              <a:buFont typeface="Arial" panose="020B0604020202020204" pitchFamily="34" charset="0"/>
+              <a:buChar char="•"/>
+              <a:defRPr sz="1800" kern="1200">
+                <a:solidFill>
+                  <a:schemeClr val="tx1"/>
+                </a:solidFill>
+                <a:latin typeface="+mn-lt"/>
+                <a:ea typeface="+mn-ea"/>
+                <a:cs typeface="+mn-cs"/>
+              </a:defRPr>
+            </a:lvl9pPr>
+          </a:lstStyle>
+          <a:p>
+            <a:pPr marL="0" indent="0" algn="ctr">
+              <a:buFont typeface="Arial" panose="020B0604020202020204" pitchFamily="34" charset="0"/>
+              <a:buNone/>
+            </a:pPr>
+            <a:r>
+              <a:rPr lang="en-US" dirty="0"/>
+              <a:t>Example</a:t>
+            </a:r>
+          </a:p>
+          <a:p>
+            <a:pPr marL="0" indent="0">
+              <a:buFont typeface="Arial" panose="020B0604020202020204" pitchFamily="34" charset="0"/>
+              <a:buNone/>
+            </a:pPr>
+            <a:r>
+              <a:rPr lang="en-US" dirty="0"/>
+              <a:t>Project Manger: “We need a function that reverses whatever we pass into it”</a:t>
+            </a:r>
+          </a:p>
+          <a:p>
+            <a:pPr marL="0" indent="0">
+              <a:buFont typeface="Arial" panose="020B0604020202020204" pitchFamily="34" charset="0"/>
+              <a:buNone/>
+            </a:pPr>
+            <a:r>
+              <a:rPr lang="en-US" dirty="0"/>
+              <a:t>4</a:t>
+            </a:r>
+          </a:p>
+          <a:p>
+            <a:pPr marL="0" indent="0">
+              <a:buNone/>
+            </a:pPr>
+            <a:r>
+              <a:rPr lang="en-US" dirty="0"/>
+              <a:t>function reverse(value)</a:t>
+            </a:r>
+          </a:p>
+          <a:p>
+            <a:pPr marL="0" indent="0">
+              <a:buNone/>
+            </a:pPr>
+            <a:r>
+              <a:rPr lang="en-US" dirty="0"/>
+              <a:t>If value type !sting &amp;&amp; !number &amp;&amp; !array</a:t>
+            </a:r>
+          </a:p>
+          <a:p>
+            <a:pPr marL="0" indent="0">
+              <a:buNone/>
+            </a:pPr>
+            <a:r>
+              <a:rPr lang="en-US" dirty="0"/>
+              <a:t>Return value</a:t>
+            </a:r>
+          </a:p>
+          <a:p>
+            <a:pPr marL="0" indent="0">
+              <a:buNone/>
+            </a:pPr>
+            <a:r>
+              <a:rPr lang="en-US" dirty="0"/>
+              <a:t>If value type == string</a:t>
+            </a:r>
+          </a:p>
+          <a:p>
+            <a:pPr marL="0" indent="0">
+              <a:buNone/>
+            </a:pPr>
+            <a:r>
+              <a:rPr lang="en-US" dirty="0"/>
+              <a:t>Reverse string</a:t>
+            </a:r>
+          </a:p>
+          <a:p>
+            <a:pPr marL="0" indent="0">
+              <a:buNone/>
+            </a:pPr>
+            <a:r>
+              <a:rPr lang="en-US" dirty="0"/>
+              <a:t>If value type == number</a:t>
+            </a:r>
+          </a:p>
+          <a:p>
+            <a:pPr marL="0" indent="0">
+              <a:buNone/>
+            </a:pPr>
+            <a:r>
+              <a:rPr lang="en-US" dirty="0"/>
+              <a:t>Reverse number</a:t>
+            </a:r>
+          </a:p>
+          <a:p>
+            <a:pPr marL="0" indent="0">
+              <a:buNone/>
+            </a:pPr>
+            <a:r>
+              <a:rPr lang="en-US" dirty="0"/>
+              <a:t>If value type == array</a:t>
+            </a:r>
+          </a:p>
+          <a:p>
+            <a:pPr marL="0" indent="0">
+              <a:buNone/>
+            </a:pPr>
+            <a:r>
+              <a:rPr lang="en-US" dirty="0"/>
+              <a:t>Reverse array</a:t>
+            </a:r>
+          </a:p>
+          <a:p>
+            <a:pPr marL="0" indent="0">
+              <a:buNone/>
+            </a:pPr>
+            <a:endParaRPr lang="en-US" dirty="0"/>
+          </a:p>
+          <a:p>
+            <a:pPr marL="0" indent="0">
+              <a:buNone/>
+            </a:pPr>
+            <a:r>
+              <a:rPr lang="en-US" dirty="0"/>
+              <a:t>Return reversed value</a:t>
+            </a:r>
+          </a:p>
+        </p:txBody>
+      </p:sp>
+    </p:spTree>
+    <p:extLst>
+      <p:ext uri="{BB962C8B-B14F-4D97-AF65-F5344CB8AC3E}">
+        <p14:creationId xmlns:p14="http://schemas.microsoft.com/office/powerpoint/2010/main" val="2264949628"/>
+      </p:ext>
+    </p:extLst>
+  </p:cSld>
+  <p:clrMapOvr>
+    <a:masterClrMapping/>
+  </p:clrMapOvr>
+</p:sld>
+</file>
+
+<file path=ppt/slides/slide48.xml><?xml version="1.0" encoding="utf-8"?>
+<p:sld xmlns:a="http://schemas.openxmlformats.org/drawingml/2006/main" xmlns:r="http://schemas.openxmlformats.org/officeDocument/2006/relationships" xmlns:p="http://schemas.openxmlformats.org/presentationml/2006/main">
+  <p:cSld>
+    <p:spTree>
+      <p:nvGrpSpPr>
+        <p:cNvPr id="1" name=""/>
+        <p:cNvGrpSpPr/>
+        <p:nvPr/>
+      </p:nvGrpSpPr>
+      <p:grpSpPr>
+        <a:xfrm>
+          <a:off x="0" y="0"/>
+          <a:ext cx="0" cy="0"/>
+          <a:chOff x="0" y="0"/>
+          <a:chExt cx="0" cy="0"/>
+        </a:xfrm>
+      </p:grpSpPr>
+      <p:sp>
+        <p:nvSpPr>
+          <p:cNvPr id="2" name="Title 1">
+            <a:extLst>
+              <a:ext uri="{FF2B5EF4-FFF2-40B4-BE49-F238E27FC236}">
+                <a16:creationId xmlns:a16="http://schemas.microsoft.com/office/drawing/2014/main" id="{E37A8B00-0C86-D6F3-F2A4-69763B226328}"/>
+              </a:ext>
+            </a:extLst>
+          </p:cNvPr>
+          <p:cNvSpPr>
+            <a:spLocks noGrp="1"/>
+          </p:cNvSpPr>
+          <p:nvPr>
+            <p:ph type="title"/>
+          </p:nvPr>
+        </p:nvSpPr>
+        <p:spPr/>
+        <p:txBody>
+          <a:bodyPr/>
+          <a:lstStyle/>
+          <a:p>
+            <a:r>
+              <a:rPr lang="en-US" dirty="0"/>
+              <a:t>Using Google, </a:t>
+            </a:r>
+            <a:r>
+              <a:rPr lang="en-US" dirty="0" err="1"/>
+              <a:t>stackoverflow</a:t>
+            </a:r>
+            <a:r>
+              <a:rPr lang="en-US" dirty="0"/>
+              <a:t> and MDN </a:t>
+            </a:r>
+          </a:p>
+        </p:txBody>
+      </p:sp>
+    </p:spTree>
+    <p:extLst>
+      <p:ext uri="{BB962C8B-B14F-4D97-AF65-F5344CB8AC3E}">
+        <p14:creationId xmlns:p14="http://schemas.microsoft.com/office/powerpoint/2010/main" val="550379891"/>
       </p:ext>
     </p:extLst>
   </p:cSld>

--- a/JavaScript.pptx
+++ b/JavaScript.pptx
@@ -5,7 +5,7 @@
     <p:sldMasterId id="2147483648" r:id="rId1"/>
   </p:sldMasterIdLst>
   <p:notesMasterIdLst>
-    <p:notesMasterId r:id="rId50"/>
+    <p:notesMasterId r:id="rId53"/>
   </p:notesMasterIdLst>
   <p:sldIdLst>
     <p:sldId id="256" r:id="rId2"/>
@@ -56,6 +56,9 @@
     <p:sldId id="302" r:id="rId47"/>
     <p:sldId id="303" r:id="rId48"/>
     <p:sldId id="304" r:id="rId49"/>
+    <p:sldId id="305" r:id="rId50"/>
+    <p:sldId id="306" r:id="rId51"/>
+    <p:sldId id="307" r:id="rId52"/>
   </p:sldIdLst>
   <p:sldSz cx="12192000" cy="6858000"/>
   <p:notesSz cx="6858000" cy="9144000"/>
@@ -162,6 +165,2798 @@
 </p:presentation>
 </file>
 
+<file path=ppt/diagrams/colors1.xml><?xml version="1.0" encoding="utf-8"?>
+<dgm:colorsDef xmlns:dgm="http://schemas.openxmlformats.org/drawingml/2006/diagram" xmlns:a="http://schemas.openxmlformats.org/drawingml/2006/main" uniqueId="urn:microsoft.com/office/officeart/2005/8/colors/accent1_2">
+  <dgm:title val=""/>
+  <dgm:desc val=""/>
+  <dgm:catLst>
+    <dgm:cat type="accent1" pri="11200"/>
+  </dgm:catLst>
+  <dgm:styleLbl name="node0">
+    <dgm:fillClrLst meth="repeat">
+      <a:schemeClr val="accent1"/>
+    </dgm:fillClrLst>
+    <dgm:linClrLst meth="repeat">
+      <a:schemeClr val="lt1"/>
+    </dgm:linClrLst>
+    <dgm:effectClrLst/>
+    <dgm:txLinClrLst/>
+    <dgm:txFillClrLst/>
+    <dgm:txEffectClrLst/>
+  </dgm:styleLbl>
+  <dgm:styleLbl name="alignNode1">
+    <dgm:fillClrLst meth="repeat">
+      <a:schemeClr val="accent1"/>
+    </dgm:fillClrLst>
+    <dgm:linClrLst meth="repeat">
+      <a:schemeClr val="accent1"/>
+    </dgm:linClrLst>
+    <dgm:effectClrLst/>
+    <dgm:txLinClrLst/>
+    <dgm:txFillClrLst/>
+    <dgm:txEffectClrLst/>
+  </dgm:styleLbl>
+  <dgm:styleLbl name="node1">
+    <dgm:fillClrLst meth="repeat">
+      <a:schemeClr val="accent1"/>
+    </dgm:fillClrLst>
+    <dgm:linClrLst meth="repeat">
+      <a:schemeClr val="lt1"/>
+    </dgm:linClrLst>
+    <dgm:effectClrLst/>
+    <dgm:txLinClrLst/>
+    <dgm:txFillClrLst/>
+    <dgm:txEffectClrLst/>
+  </dgm:styleLbl>
+  <dgm:styleLbl name="lnNode1">
+    <dgm:fillClrLst meth="repeat">
+      <a:schemeClr val="accent1"/>
+    </dgm:fillClrLst>
+    <dgm:linClrLst meth="repeat">
+      <a:schemeClr val="lt1"/>
+    </dgm:linClrLst>
+    <dgm:effectClrLst/>
+    <dgm:txLinClrLst/>
+    <dgm:txFillClrLst/>
+    <dgm:txEffectClrLst/>
+  </dgm:styleLbl>
+  <dgm:styleLbl name="vennNode1">
+    <dgm:fillClrLst meth="repeat">
+      <a:schemeClr val="accent1">
+        <a:alpha val="50000"/>
+      </a:schemeClr>
+    </dgm:fillClrLst>
+    <dgm:linClrLst meth="repeat">
+      <a:schemeClr val="lt1"/>
+    </dgm:linClrLst>
+    <dgm:effectClrLst/>
+    <dgm:txLinClrLst/>
+    <dgm:txFillClrLst/>
+    <dgm:txEffectClrLst/>
+  </dgm:styleLbl>
+  <dgm:styleLbl name="node2">
+    <dgm:fillClrLst meth="repeat">
+      <a:schemeClr val="accent1"/>
+    </dgm:fillClrLst>
+    <dgm:linClrLst meth="repeat">
+      <a:schemeClr val="lt1"/>
+    </dgm:linClrLst>
+    <dgm:effectClrLst/>
+    <dgm:txLinClrLst/>
+    <dgm:txFillClrLst/>
+    <dgm:txEffectClrLst/>
+  </dgm:styleLbl>
+  <dgm:styleLbl name="node3">
+    <dgm:fillClrLst meth="repeat">
+      <a:schemeClr val="accent1"/>
+    </dgm:fillClrLst>
+    <dgm:linClrLst meth="repeat">
+      <a:schemeClr val="lt1"/>
+    </dgm:linClrLst>
+    <dgm:effectClrLst/>
+    <dgm:txLinClrLst/>
+    <dgm:txFillClrLst/>
+    <dgm:txEffectClrLst/>
+  </dgm:styleLbl>
+  <dgm:styleLbl name="node4">
+    <dgm:fillClrLst meth="repeat">
+      <a:schemeClr val="accent1"/>
+    </dgm:fillClrLst>
+    <dgm:linClrLst meth="repeat">
+      <a:schemeClr val="lt1"/>
+    </dgm:linClrLst>
+    <dgm:effectClrLst/>
+    <dgm:txLinClrLst/>
+    <dgm:txFillClrLst/>
+    <dgm:txEffectClrLst/>
+  </dgm:styleLbl>
+  <dgm:styleLbl name="fgImgPlace1">
+    <dgm:fillClrLst meth="repeat">
+      <a:schemeClr val="accent1">
+        <a:tint val="50000"/>
+      </a:schemeClr>
+    </dgm:fillClrLst>
+    <dgm:linClrLst meth="repeat">
+      <a:schemeClr val="lt1"/>
+    </dgm:linClrLst>
+    <dgm:effectClrLst/>
+    <dgm:txLinClrLst/>
+    <dgm:txFillClrLst meth="repeat">
+      <a:schemeClr val="lt1"/>
+    </dgm:txFillClrLst>
+    <dgm:txEffectClrLst/>
+  </dgm:styleLbl>
+  <dgm:styleLbl name="alignImgPlace1">
+    <dgm:fillClrLst meth="repeat">
+      <a:schemeClr val="accent1">
+        <a:tint val="50000"/>
+      </a:schemeClr>
+    </dgm:fillClrLst>
+    <dgm:linClrLst meth="repeat">
+      <a:schemeClr val="lt1"/>
+    </dgm:linClrLst>
+    <dgm:effectClrLst/>
+    <dgm:txLinClrLst/>
+    <dgm:txFillClrLst meth="repeat">
+      <a:schemeClr val="lt1"/>
+    </dgm:txFillClrLst>
+    <dgm:txEffectClrLst/>
+  </dgm:styleLbl>
+  <dgm:styleLbl name="bgImgPlace1">
+    <dgm:fillClrLst meth="repeat">
+      <a:schemeClr val="accent1">
+        <a:tint val="50000"/>
+      </a:schemeClr>
+    </dgm:fillClrLst>
+    <dgm:linClrLst meth="repeat">
+      <a:schemeClr val="lt1"/>
+    </dgm:linClrLst>
+    <dgm:effectClrLst/>
+    <dgm:txLinClrLst/>
+    <dgm:txFillClrLst meth="repeat">
+      <a:schemeClr val="lt1"/>
+    </dgm:txFillClrLst>
+    <dgm:txEffectClrLst/>
+  </dgm:styleLbl>
+  <dgm:styleLbl name="sibTrans2D1">
+    <dgm:fillClrLst meth="repeat">
+      <a:schemeClr val="accent1">
+        <a:tint val="60000"/>
+      </a:schemeClr>
+    </dgm:fillClrLst>
+    <dgm:linClrLst meth="repeat">
+      <a:schemeClr val="accent1">
+        <a:tint val="60000"/>
+      </a:schemeClr>
+    </dgm:linClrLst>
+    <dgm:effectClrLst/>
+    <dgm:txLinClrLst/>
+    <dgm:txFillClrLst/>
+    <dgm:txEffectClrLst/>
+  </dgm:styleLbl>
+  <dgm:styleLbl name="fgSibTrans2D1">
+    <dgm:fillClrLst meth="repeat">
+      <a:schemeClr val="accent1">
+        <a:tint val="60000"/>
+      </a:schemeClr>
+    </dgm:fillClrLst>
+    <dgm:linClrLst meth="repeat">
+      <a:schemeClr val="accent1">
+        <a:tint val="60000"/>
+      </a:schemeClr>
+    </dgm:linClrLst>
+    <dgm:effectClrLst/>
+    <dgm:txLinClrLst/>
+    <dgm:txFillClrLst/>
+    <dgm:txEffectClrLst/>
+  </dgm:styleLbl>
+  <dgm:styleLbl name="bgSibTrans2D1">
+    <dgm:fillClrLst meth="repeat">
+      <a:schemeClr val="accent1">
+        <a:tint val="60000"/>
+      </a:schemeClr>
+    </dgm:fillClrLst>
+    <dgm:linClrLst meth="repeat">
+      <a:schemeClr val="accent1">
+        <a:tint val="60000"/>
+      </a:schemeClr>
+    </dgm:linClrLst>
+    <dgm:effectClrLst/>
+    <dgm:txLinClrLst/>
+    <dgm:txFillClrLst/>
+    <dgm:txEffectClrLst/>
+  </dgm:styleLbl>
+  <dgm:styleLbl name="sibTrans1D1">
+    <dgm:fillClrLst meth="repeat">
+      <a:schemeClr val="accent1"/>
+    </dgm:fillClrLst>
+    <dgm:linClrLst meth="repeat">
+      <a:schemeClr val="accent1"/>
+    </dgm:linClrLst>
+    <dgm:effectClrLst/>
+    <dgm:txLinClrLst/>
+    <dgm:txFillClrLst meth="repeat">
+      <a:schemeClr val="tx1"/>
+    </dgm:txFillClrLst>
+    <dgm:txEffectClrLst/>
+  </dgm:styleLbl>
+  <dgm:styleLbl name="callout">
+    <dgm:fillClrLst meth="repeat">
+      <a:schemeClr val="accent1"/>
+    </dgm:fillClrLst>
+    <dgm:linClrLst meth="repeat">
+      <a:schemeClr val="accent1">
+        <a:tint val="50000"/>
+      </a:schemeClr>
+    </dgm:linClrLst>
+    <dgm:effectClrLst/>
+    <dgm:txLinClrLst/>
+    <dgm:txFillClrLst meth="repeat">
+      <a:schemeClr val="tx1"/>
+    </dgm:txFillClrLst>
+    <dgm:txEffectClrLst/>
+  </dgm:styleLbl>
+  <dgm:styleLbl name="asst0">
+    <dgm:fillClrLst meth="repeat">
+      <a:schemeClr val="accent1"/>
+    </dgm:fillClrLst>
+    <dgm:linClrLst meth="repeat">
+      <a:schemeClr val="lt1"/>
+    </dgm:linClrLst>
+    <dgm:effectClrLst/>
+    <dgm:txLinClrLst/>
+    <dgm:txFillClrLst/>
+    <dgm:txEffectClrLst/>
+  </dgm:styleLbl>
+  <dgm:styleLbl name="asst1">
+    <dgm:fillClrLst meth="repeat">
+      <a:schemeClr val="accent1"/>
+    </dgm:fillClrLst>
+    <dgm:linClrLst meth="repeat">
+      <a:schemeClr val="lt1"/>
+    </dgm:linClrLst>
+    <dgm:effectClrLst/>
+    <dgm:txLinClrLst/>
+    <dgm:txFillClrLst/>
+    <dgm:txEffectClrLst/>
+  </dgm:styleLbl>
+  <dgm:styleLbl name="asst2">
+    <dgm:fillClrLst meth="repeat">
+      <a:schemeClr val="accent1"/>
+    </dgm:fillClrLst>
+    <dgm:linClrLst meth="repeat">
+      <a:schemeClr val="lt1"/>
+    </dgm:linClrLst>
+    <dgm:effectClrLst/>
+    <dgm:txLinClrLst/>
+    <dgm:txFillClrLst/>
+    <dgm:txEffectClrLst/>
+  </dgm:styleLbl>
+  <dgm:styleLbl name="asst3">
+    <dgm:fillClrLst meth="repeat">
+      <a:schemeClr val="accent1"/>
+    </dgm:fillClrLst>
+    <dgm:linClrLst meth="repeat">
+      <a:schemeClr val="lt1"/>
+    </dgm:linClrLst>
+    <dgm:effectClrLst/>
+    <dgm:txLinClrLst/>
+    <dgm:txFillClrLst/>
+    <dgm:txEffectClrLst/>
+  </dgm:styleLbl>
+  <dgm:styleLbl name="asst4">
+    <dgm:fillClrLst meth="repeat">
+      <a:schemeClr val="accent1"/>
+    </dgm:fillClrLst>
+    <dgm:linClrLst meth="repeat">
+      <a:schemeClr val="lt1"/>
+    </dgm:linClrLst>
+    <dgm:effectClrLst/>
+    <dgm:txLinClrLst/>
+    <dgm:txFillClrLst/>
+    <dgm:txEffectClrLst/>
+  </dgm:styleLbl>
+  <dgm:styleLbl name="parChTrans2D1">
+    <dgm:fillClrLst meth="repeat">
+      <a:schemeClr val="accent1">
+        <a:tint val="60000"/>
+      </a:schemeClr>
+    </dgm:fillClrLst>
+    <dgm:linClrLst meth="repeat">
+      <a:schemeClr val="accent1">
+        <a:tint val="60000"/>
+      </a:schemeClr>
+    </dgm:linClrLst>
+    <dgm:effectClrLst/>
+    <dgm:txLinClrLst/>
+    <dgm:txFillClrLst meth="repeat">
+      <a:schemeClr val="lt1"/>
+    </dgm:txFillClrLst>
+    <dgm:txEffectClrLst/>
+  </dgm:styleLbl>
+  <dgm:styleLbl name="parChTrans2D2">
+    <dgm:fillClrLst meth="repeat">
+      <a:schemeClr val="accent1"/>
+    </dgm:fillClrLst>
+    <dgm:linClrLst meth="repeat">
+      <a:schemeClr val="accent1"/>
+    </dgm:linClrLst>
+    <dgm:effectClrLst/>
+    <dgm:txLinClrLst/>
+    <dgm:txFillClrLst meth="repeat">
+      <a:schemeClr val="lt1"/>
+    </dgm:txFillClrLst>
+    <dgm:txEffectClrLst/>
+  </dgm:styleLbl>
+  <dgm:styleLbl name="parChTrans2D3">
+    <dgm:fillClrLst meth="repeat">
+      <a:schemeClr val="accent1"/>
+    </dgm:fillClrLst>
+    <dgm:linClrLst meth="repeat">
+      <a:schemeClr val="accent1"/>
+    </dgm:linClrLst>
+    <dgm:effectClrLst/>
+    <dgm:txLinClrLst/>
+    <dgm:txFillClrLst meth="repeat">
+      <a:schemeClr val="lt1"/>
+    </dgm:txFillClrLst>
+    <dgm:txEffectClrLst/>
+  </dgm:styleLbl>
+  <dgm:styleLbl name="parChTrans2D4">
+    <dgm:fillClrLst meth="repeat">
+      <a:schemeClr val="accent1"/>
+    </dgm:fillClrLst>
+    <dgm:linClrLst meth="repeat">
+      <a:schemeClr val="accent1"/>
+    </dgm:linClrLst>
+    <dgm:effectClrLst/>
+    <dgm:txLinClrLst/>
+    <dgm:txFillClrLst meth="repeat">
+      <a:schemeClr val="lt1"/>
+    </dgm:txFillClrLst>
+    <dgm:txEffectClrLst/>
+  </dgm:styleLbl>
+  <dgm:styleLbl name="parChTrans1D1">
+    <dgm:fillClrLst meth="repeat">
+      <a:schemeClr val="accent1"/>
+    </dgm:fillClrLst>
+    <dgm:linClrLst meth="repeat">
+      <a:schemeClr val="accent1">
+        <a:shade val="60000"/>
+      </a:schemeClr>
+    </dgm:linClrLst>
+    <dgm:effectClrLst/>
+    <dgm:txLinClrLst/>
+    <dgm:txFillClrLst meth="repeat">
+      <a:schemeClr val="tx1"/>
+    </dgm:txFillClrLst>
+    <dgm:txEffectClrLst/>
+  </dgm:styleLbl>
+  <dgm:styleLbl name="parChTrans1D2">
+    <dgm:fillClrLst meth="repeat">
+      <a:schemeClr val="accent1"/>
+    </dgm:fillClrLst>
+    <dgm:linClrLst meth="repeat">
+      <a:schemeClr val="accent1">
+        <a:shade val="60000"/>
+      </a:schemeClr>
+    </dgm:linClrLst>
+    <dgm:effectClrLst/>
+    <dgm:txLinClrLst/>
+    <dgm:txFillClrLst meth="repeat">
+      <a:schemeClr val="tx1"/>
+    </dgm:txFillClrLst>
+    <dgm:txEffectClrLst/>
+  </dgm:styleLbl>
+  <dgm:styleLbl name="parChTrans1D3">
+    <dgm:fillClrLst meth="repeat">
+      <a:schemeClr val="accent1"/>
+    </dgm:fillClrLst>
+    <dgm:linClrLst meth="repeat">
+      <a:schemeClr val="accent1">
+        <a:shade val="80000"/>
+      </a:schemeClr>
+    </dgm:linClrLst>
+    <dgm:effectClrLst/>
+    <dgm:txLinClrLst/>
+    <dgm:txFillClrLst meth="repeat">
+      <a:schemeClr val="tx1"/>
+    </dgm:txFillClrLst>
+    <dgm:txEffectClrLst/>
+  </dgm:styleLbl>
+  <dgm:styleLbl name="parChTrans1D4">
+    <dgm:fillClrLst meth="repeat">
+      <a:schemeClr val="accent1"/>
+    </dgm:fillClrLst>
+    <dgm:linClrLst meth="repeat">
+      <a:schemeClr val="accent1">
+        <a:shade val="80000"/>
+      </a:schemeClr>
+    </dgm:linClrLst>
+    <dgm:effectClrLst/>
+    <dgm:txLinClrLst/>
+    <dgm:txFillClrLst meth="repeat">
+      <a:schemeClr val="tx1"/>
+    </dgm:txFillClrLst>
+    <dgm:txEffectClrLst/>
+  </dgm:styleLbl>
+  <dgm:styleLbl name="fgAcc1">
+    <dgm:fillClrLst meth="repeat">
+      <a:schemeClr val="lt1">
+        <a:alpha val="90000"/>
+      </a:schemeClr>
+    </dgm:fillClrLst>
+    <dgm:linClrLst meth="repeat">
+      <a:schemeClr val="accent1"/>
+    </dgm:linClrLst>
+    <dgm:effectClrLst/>
+    <dgm:txLinClrLst/>
+    <dgm:txFillClrLst meth="repeat">
+      <a:schemeClr val="dk1"/>
+    </dgm:txFillClrLst>
+    <dgm:txEffectClrLst/>
+  </dgm:styleLbl>
+  <dgm:styleLbl name="conFgAcc1">
+    <dgm:fillClrLst meth="repeat">
+      <a:schemeClr val="lt1">
+        <a:alpha val="90000"/>
+      </a:schemeClr>
+    </dgm:fillClrLst>
+    <dgm:linClrLst meth="repeat">
+      <a:schemeClr val="accent1"/>
+    </dgm:linClrLst>
+    <dgm:effectClrLst/>
+    <dgm:txLinClrLst/>
+    <dgm:txFillClrLst meth="repeat">
+      <a:schemeClr val="dk1"/>
+    </dgm:txFillClrLst>
+    <dgm:txEffectClrLst/>
+  </dgm:styleLbl>
+  <dgm:styleLbl name="alignAcc1">
+    <dgm:fillClrLst meth="repeat">
+      <a:schemeClr val="lt1">
+        <a:alpha val="90000"/>
+      </a:schemeClr>
+    </dgm:fillClrLst>
+    <dgm:linClrLst meth="repeat">
+      <a:schemeClr val="accent1"/>
+    </dgm:linClrLst>
+    <dgm:effectClrLst/>
+    <dgm:txLinClrLst/>
+    <dgm:txFillClrLst meth="repeat">
+      <a:schemeClr val="dk1"/>
+    </dgm:txFillClrLst>
+    <dgm:txEffectClrLst/>
+  </dgm:styleLbl>
+  <dgm:styleLbl name="trAlignAcc1">
+    <dgm:fillClrLst meth="repeat">
+      <a:schemeClr val="lt1">
+        <a:alpha val="40000"/>
+      </a:schemeClr>
+    </dgm:fillClrLst>
+    <dgm:linClrLst meth="repeat">
+      <a:schemeClr val="accent1"/>
+    </dgm:linClrLst>
+    <dgm:effectClrLst/>
+    <dgm:txLinClrLst/>
+    <dgm:txFillClrLst meth="repeat">
+      <a:schemeClr val="dk1"/>
+    </dgm:txFillClrLst>
+    <dgm:txEffectClrLst/>
+  </dgm:styleLbl>
+  <dgm:styleLbl name="bgAcc1">
+    <dgm:fillClrLst meth="repeat">
+      <a:schemeClr val="lt1">
+        <a:alpha val="90000"/>
+      </a:schemeClr>
+    </dgm:fillClrLst>
+    <dgm:linClrLst meth="repeat">
+      <a:schemeClr val="accent1"/>
+    </dgm:linClrLst>
+    <dgm:effectClrLst/>
+    <dgm:txLinClrLst/>
+    <dgm:txFillClrLst meth="repeat">
+      <a:schemeClr val="dk1"/>
+    </dgm:txFillClrLst>
+    <dgm:txEffectClrLst/>
+  </dgm:styleLbl>
+  <dgm:styleLbl name="solidFgAcc1">
+    <dgm:fillClrLst meth="repeat">
+      <a:schemeClr val="lt1"/>
+    </dgm:fillClrLst>
+    <dgm:linClrLst meth="repeat">
+      <a:schemeClr val="accent1"/>
+    </dgm:linClrLst>
+    <dgm:effectClrLst/>
+    <dgm:txLinClrLst/>
+    <dgm:txFillClrLst meth="repeat">
+      <a:schemeClr val="dk1"/>
+    </dgm:txFillClrLst>
+    <dgm:txEffectClrLst/>
+  </dgm:styleLbl>
+  <dgm:styleLbl name="solidAlignAcc1">
+    <dgm:fillClrLst meth="repeat">
+      <a:schemeClr val="lt1"/>
+    </dgm:fillClrLst>
+    <dgm:linClrLst meth="repeat">
+      <a:schemeClr val="accent1"/>
+    </dgm:linClrLst>
+    <dgm:effectClrLst/>
+    <dgm:txLinClrLst/>
+    <dgm:txFillClrLst meth="repeat">
+      <a:schemeClr val="dk1"/>
+    </dgm:txFillClrLst>
+    <dgm:txEffectClrLst/>
+  </dgm:styleLbl>
+  <dgm:styleLbl name="solidBgAcc1">
+    <dgm:fillClrLst meth="repeat">
+      <a:schemeClr val="lt1"/>
+    </dgm:fillClrLst>
+    <dgm:linClrLst meth="repeat">
+      <a:schemeClr val="accent1"/>
+    </dgm:linClrLst>
+    <dgm:effectClrLst/>
+    <dgm:txLinClrLst/>
+    <dgm:txFillClrLst meth="repeat">
+      <a:schemeClr val="dk1"/>
+    </dgm:txFillClrLst>
+    <dgm:txEffectClrLst/>
+  </dgm:styleLbl>
+  <dgm:styleLbl name="fgAccFollowNode1">
+    <dgm:fillClrLst meth="repeat">
+      <a:schemeClr val="accent1">
+        <a:alpha val="90000"/>
+        <a:tint val="40000"/>
+      </a:schemeClr>
+    </dgm:fillClrLst>
+    <dgm:linClrLst meth="repeat">
+      <a:schemeClr val="accent1">
+        <a:alpha val="90000"/>
+        <a:tint val="40000"/>
+      </a:schemeClr>
+    </dgm:linClrLst>
+    <dgm:effectClrLst/>
+    <dgm:txLinClrLst/>
+    <dgm:txFillClrLst meth="repeat">
+      <a:schemeClr val="dk1"/>
+    </dgm:txFillClrLst>
+    <dgm:txEffectClrLst/>
+  </dgm:styleLbl>
+  <dgm:styleLbl name="alignAccFollowNode1">
+    <dgm:fillClrLst meth="repeat">
+      <a:schemeClr val="accent1">
+        <a:alpha val="90000"/>
+        <a:tint val="40000"/>
+      </a:schemeClr>
+    </dgm:fillClrLst>
+    <dgm:linClrLst meth="repeat">
+      <a:schemeClr val="accent1">
+        <a:alpha val="90000"/>
+        <a:tint val="40000"/>
+      </a:schemeClr>
+    </dgm:linClrLst>
+    <dgm:effectClrLst/>
+    <dgm:txLinClrLst/>
+    <dgm:txFillClrLst meth="repeat">
+      <a:schemeClr val="dk1"/>
+    </dgm:txFillClrLst>
+    <dgm:txEffectClrLst/>
+  </dgm:styleLbl>
+  <dgm:styleLbl name="bgAccFollowNode1">
+    <dgm:fillClrLst meth="repeat">
+      <a:schemeClr val="accent1">
+        <a:alpha val="90000"/>
+        <a:tint val="40000"/>
+      </a:schemeClr>
+    </dgm:fillClrLst>
+    <dgm:linClrLst meth="repeat">
+      <a:schemeClr val="accent1">
+        <a:alpha val="90000"/>
+        <a:tint val="40000"/>
+      </a:schemeClr>
+    </dgm:linClrLst>
+    <dgm:effectClrLst/>
+    <dgm:txLinClrLst/>
+    <dgm:txFillClrLst meth="repeat">
+      <a:schemeClr val="dk1"/>
+    </dgm:txFillClrLst>
+    <dgm:txEffectClrLst/>
+  </dgm:styleLbl>
+  <dgm:styleLbl name="fgAcc0">
+    <dgm:fillClrLst meth="repeat">
+      <a:schemeClr val="lt1">
+        <a:alpha val="90000"/>
+      </a:schemeClr>
+    </dgm:fillClrLst>
+    <dgm:linClrLst meth="repeat">
+      <a:schemeClr val="accent1"/>
+    </dgm:linClrLst>
+    <dgm:effectClrLst/>
+    <dgm:txLinClrLst/>
+    <dgm:txFillClrLst meth="repeat">
+      <a:schemeClr val="dk1"/>
+    </dgm:txFillClrLst>
+    <dgm:txEffectClrLst/>
+  </dgm:styleLbl>
+  <dgm:styleLbl name="fgAcc2">
+    <dgm:fillClrLst meth="repeat">
+      <a:schemeClr val="lt1">
+        <a:alpha val="90000"/>
+      </a:schemeClr>
+    </dgm:fillClrLst>
+    <dgm:linClrLst meth="repeat">
+      <a:schemeClr val="accent1"/>
+    </dgm:linClrLst>
+    <dgm:effectClrLst/>
+    <dgm:txLinClrLst/>
+    <dgm:txFillClrLst meth="repeat">
+      <a:schemeClr val="dk1"/>
+    </dgm:txFillClrLst>
+    <dgm:txEffectClrLst/>
+  </dgm:styleLbl>
+  <dgm:styleLbl name="fgAcc3">
+    <dgm:fillClrLst meth="repeat">
+      <a:schemeClr val="lt1">
+        <a:alpha val="90000"/>
+      </a:schemeClr>
+    </dgm:fillClrLst>
+    <dgm:linClrLst meth="repeat">
+      <a:schemeClr val="accent1"/>
+    </dgm:linClrLst>
+    <dgm:effectClrLst/>
+    <dgm:txLinClrLst/>
+    <dgm:txFillClrLst meth="repeat">
+      <a:schemeClr val="dk1"/>
+    </dgm:txFillClrLst>
+    <dgm:txEffectClrLst/>
+  </dgm:styleLbl>
+  <dgm:styleLbl name="fgAcc4">
+    <dgm:fillClrLst meth="repeat">
+      <a:schemeClr val="lt1">
+        <a:alpha val="90000"/>
+      </a:schemeClr>
+    </dgm:fillClrLst>
+    <dgm:linClrLst meth="repeat">
+      <a:schemeClr val="accent1"/>
+    </dgm:linClrLst>
+    <dgm:effectClrLst/>
+    <dgm:txLinClrLst/>
+    <dgm:txFillClrLst meth="repeat">
+      <a:schemeClr val="dk1"/>
+    </dgm:txFillClrLst>
+    <dgm:txEffectClrLst/>
+  </dgm:styleLbl>
+  <dgm:styleLbl name="bgShp">
+    <dgm:fillClrLst meth="repeat">
+      <a:schemeClr val="accent1">
+        <a:tint val="40000"/>
+      </a:schemeClr>
+    </dgm:fillClrLst>
+    <dgm:linClrLst meth="repeat">
+      <a:schemeClr val="accent1"/>
+    </dgm:linClrLst>
+    <dgm:effectClrLst/>
+    <dgm:txLinClrLst/>
+    <dgm:txFillClrLst meth="repeat">
+      <a:schemeClr val="dk1"/>
+    </dgm:txFillClrLst>
+    <dgm:txEffectClrLst/>
+  </dgm:styleLbl>
+  <dgm:styleLbl name="dkBgShp">
+    <dgm:fillClrLst meth="repeat">
+      <a:schemeClr val="accent1">
+        <a:shade val="80000"/>
+      </a:schemeClr>
+    </dgm:fillClrLst>
+    <dgm:linClrLst meth="repeat">
+      <a:schemeClr val="accent1"/>
+    </dgm:linClrLst>
+    <dgm:effectClrLst/>
+    <dgm:txLinClrLst/>
+    <dgm:txFillClrLst meth="repeat">
+      <a:schemeClr val="lt1"/>
+    </dgm:txFillClrLst>
+    <dgm:txEffectClrLst/>
+  </dgm:styleLbl>
+  <dgm:styleLbl name="trBgShp">
+    <dgm:fillClrLst meth="repeat">
+      <a:schemeClr val="accent1">
+        <a:tint val="50000"/>
+        <a:alpha val="40000"/>
+      </a:schemeClr>
+    </dgm:fillClrLst>
+    <dgm:linClrLst meth="repeat">
+      <a:schemeClr val="accent1"/>
+    </dgm:linClrLst>
+    <dgm:effectClrLst/>
+    <dgm:txLinClrLst/>
+    <dgm:txFillClrLst meth="repeat">
+      <a:schemeClr val="lt1"/>
+    </dgm:txFillClrLst>
+    <dgm:txEffectClrLst/>
+  </dgm:styleLbl>
+  <dgm:styleLbl name="fgShp">
+    <dgm:fillClrLst meth="repeat">
+      <a:schemeClr val="accent1">
+        <a:tint val="60000"/>
+      </a:schemeClr>
+    </dgm:fillClrLst>
+    <dgm:linClrLst meth="repeat">
+      <a:schemeClr val="lt1"/>
+    </dgm:linClrLst>
+    <dgm:effectClrLst/>
+    <dgm:txLinClrLst/>
+    <dgm:txFillClrLst meth="repeat">
+      <a:schemeClr val="dk1"/>
+    </dgm:txFillClrLst>
+    <dgm:txEffectClrLst/>
+  </dgm:styleLbl>
+  <dgm:styleLbl name="revTx">
+    <dgm:fillClrLst meth="repeat">
+      <a:schemeClr val="lt1">
+        <a:alpha val="0"/>
+      </a:schemeClr>
+    </dgm:fillClrLst>
+    <dgm:linClrLst meth="repeat">
+      <a:schemeClr val="dk1">
+        <a:alpha val="0"/>
+      </a:schemeClr>
+    </dgm:linClrLst>
+    <dgm:effectClrLst/>
+    <dgm:txLinClrLst/>
+    <dgm:txFillClrLst meth="repeat">
+      <a:schemeClr val="tx1"/>
+    </dgm:txFillClrLst>
+    <dgm:txEffectClrLst/>
+  </dgm:styleLbl>
+</dgm:colorsDef>
+</file>
+
+<file path=ppt/diagrams/data1.xml><?xml version="1.0" encoding="utf-8"?>
+<dgm:dataModel xmlns:dgm="http://schemas.openxmlformats.org/drawingml/2006/diagram" xmlns:a="http://schemas.openxmlformats.org/drawingml/2006/main">
+  <dgm:ptLst>
+    <dgm:pt modelId="{01D052F2-134C-44D1-8EEB-2A18FB723239}" type="doc">
+      <dgm:prSet loTypeId="urn:microsoft.com/office/officeart/2005/8/layout/process1" loCatId="process" qsTypeId="urn:microsoft.com/office/officeart/2005/8/quickstyle/simple1" qsCatId="simple" csTypeId="urn:microsoft.com/office/officeart/2005/8/colors/accent1_2" csCatId="accent1" phldr="1"/>
+      <dgm:spPr/>
+    </dgm:pt>
+    <dgm:pt modelId="{41FE8959-29C8-46A1-8E8F-E4D0D58AC228}">
+      <dgm:prSet phldrT="[Text]"/>
+      <dgm:spPr>
+        <a:solidFill>
+          <a:srgbClr val="FF0000"/>
+        </a:solidFill>
+      </dgm:spPr>
+      <dgm:t>
+        <a:bodyPr/>
+        <a:lstStyle/>
+        <a:p>
+          <a:r>
+            <a:rPr lang="en-US" b="0" cap="none" spc="0" dirty="0">
+              <a:ln w="0"/>
+              <a:solidFill>
+                <a:schemeClr val="tx1"/>
+              </a:solidFill>
+              <a:effectLst>
+                <a:outerShdw blurRad="38100" dist="19050" dir="2700000" algn="tl" rotWithShape="0">
+                  <a:schemeClr val="dk1">
+                    <a:alpha val="40000"/>
+                  </a:schemeClr>
+                </a:outerShdw>
+              </a:effectLst>
+            </a:rPr>
+            <a:t>IDENTIFY</a:t>
+          </a:r>
+        </a:p>
+      </dgm:t>
+    </dgm:pt>
+    <dgm:pt modelId="{C6025E58-CF96-45C3-96B7-563DBD74D5EF}" type="parTrans" cxnId="{2C15C46A-9416-4ED3-872D-12F9329769E5}">
+      <dgm:prSet/>
+      <dgm:spPr/>
+      <dgm:t>
+        <a:bodyPr/>
+        <a:lstStyle/>
+        <a:p>
+          <a:endParaRPr lang="en-US"/>
+        </a:p>
+      </dgm:t>
+    </dgm:pt>
+    <dgm:pt modelId="{FD93A5B7-90F4-4817-B1BF-05A831857958}" type="sibTrans" cxnId="{2C15C46A-9416-4ED3-872D-12F9329769E5}">
+      <dgm:prSet/>
+      <dgm:spPr/>
+      <dgm:t>
+        <a:bodyPr/>
+        <a:lstStyle/>
+        <a:p>
+          <a:endParaRPr lang="en-US"/>
+        </a:p>
+      </dgm:t>
+    </dgm:pt>
+    <dgm:pt modelId="{52284BAA-3540-434F-8A0D-196591A27AF5}">
+      <dgm:prSet phldrT="[Text]"/>
+      <dgm:spPr>
+        <a:solidFill>
+          <a:srgbClr val="92D050"/>
+        </a:solidFill>
+      </dgm:spPr>
+      <dgm:t>
+        <a:bodyPr/>
+        <a:lstStyle/>
+        <a:p>
+          <a:r>
+            <a:rPr lang="en-US" b="0" cap="none" spc="0" dirty="0">
+              <a:ln w="0"/>
+              <a:solidFill>
+                <a:schemeClr val="tx1"/>
+              </a:solidFill>
+              <a:effectLst>
+                <a:outerShdw blurRad="38100" dist="19050" dir="2700000" algn="tl" rotWithShape="0">
+                  <a:schemeClr val="dk1">
+                    <a:alpha val="40000"/>
+                  </a:schemeClr>
+                </a:outerShdw>
+              </a:effectLst>
+            </a:rPr>
+            <a:t>FIX</a:t>
+          </a:r>
+        </a:p>
+      </dgm:t>
+    </dgm:pt>
+    <dgm:pt modelId="{6346812D-99E8-4546-BF9B-9260BB8C292E}" type="parTrans" cxnId="{D099C1E2-4BC0-488E-B21A-3E780169706A}">
+      <dgm:prSet/>
+      <dgm:spPr/>
+      <dgm:t>
+        <a:bodyPr/>
+        <a:lstStyle/>
+        <a:p>
+          <a:endParaRPr lang="en-US"/>
+        </a:p>
+      </dgm:t>
+    </dgm:pt>
+    <dgm:pt modelId="{ED245419-6F98-4AAB-A480-2BD6D5B03876}" type="sibTrans" cxnId="{D099C1E2-4BC0-488E-B21A-3E780169706A}">
+      <dgm:prSet/>
+      <dgm:spPr/>
+      <dgm:t>
+        <a:bodyPr/>
+        <a:lstStyle/>
+        <a:p>
+          <a:endParaRPr lang="en-US"/>
+        </a:p>
+      </dgm:t>
+    </dgm:pt>
+    <dgm:pt modelId="{95353E7B-A6A7-4B97-B27F-B5836B667ED4}">
+      <dgm:prSet phldrT="[Text]"/>
+      <dgm:spPr/>
+      <dgm:t>
+        <a:bodyPr/>
+        <a:lstStyle/>
+        <a:p>
+          <a:r>
+            <a:rPr lang="en-US" dirty="0"/>
+            <a:t>PREVENT</a:t>
+          </a:r>
+        </a:p>
+      </dgm:t>
+    </dgm:pt>
+    <dgm:pt modelId="{2164BD54-B06F-4601-B436-3B03066993DC}" type="parTrans" cxnId="{2DFAE6F6-0ACA-4024-90BA-E7AA74C049CB}">
+      <dgm:prSet/>
+      <dgm:spPr/>
+      <dgm:t>
+        <a:bodyPr/>
+        <a:lstStyle/>
+        <a:p>
+          <a:endParaRPr lang="en-US"/>
+        </a:p>
+      </dgm:t>
+    </dgm:pt>
+    <dgm:pt modelId="{2F9C0648-03F2-43A5-9538-053EE67DFA34}" type="sibTrans" cxnId="{2DFAE6F6-0ACA-4024-90BA-E7AA74C049CB}">
+      <dgm:prSet/>
+      <dgm:spPr/>
+      <dgm:t>
+        <a:bodyPr/>
+        <a:lstStyle/>
+        <a:p>
+          <a:endParaRPr lang="en-US"/>
+        </a:p>
+      </dgm:t>
+    </dgm:pt>
+    <dgm:pt modelId="{793655EE-3FB8-40E2-AA24-A6C17864446F}">
+      <dgm:prSet phldrT="[Text]"/>
+      <dgm:spPr>
+        <a:solidFill>
+          <a:srgbClr val="FFFF00"/>
+        </a:solidFill>
+      </dgm:spPr>
+      <dgm:t>
+        <a:bodyPr/>
+        <a:lstStyle/>
+        <a:p>
+          <a:r>
+            <a:rPr lang="en-US" b="0" cap="none" spc="0" dirty="0">
+              <a:ln w="0"/>
+              <a:solidFill>
+                <a:schemeClr val="tx1"/>
+              </a:solidFill>
+              <a:effectLst>
+                <a:outerShdw blurRad="38100" dist="19050" dir="2700000" algn="tl" rotWithShape="0">
+                  <a:schemeClr val="dk1">
+                    <a:alpha val="40000"/>
+                  </a:schemeClr>
+                </a:outerShdw>
+              </a:effectLst>
+            </a:rPr>
+            <a:t>FIND</a:t>
+          </a:r>
+        </a:p>
+      </dgm:t>
+    </dgm:pt>
+    <dgm:pt modelId="{A46BA98C-ACDD-493B-AB38-053D46EB5AFE}" type="parTrans" cxnId="{6DA1CD34-1152-404B-8D8E-7239CD2D4AA8}">
+      <dgm:prSet/>
+      <dgm:spPr/>
+      <dgm:t>
+        <a:bodyPr/>
+        <a:lstStyle/>
+        <a:p>
+          <a:endParaRPr lang="en-US"/>
+        </a:p>
+      </dgm:t>
+    </dgm:pt>
+    <dgm:pt modelId="{F10B47C9-1D13-49E4-851F-56B9B0B5D9C1}" type="sibTrans" cxnId="{6DA1CD34-1152-404B-8D8E-7239CD2D4AA8}">
+      <dgm:prSet/>
+      <dgm:spPr/>
+      <dgm:t>
+        <a:bodyPr/>
+        <a:lstStyle/>
+        <a:p>
+          <a:endParaRPr lang="en-US"/>
+        </a:p>
+      </dgm:t>
+    </dgm:pt>
+    <dgm:pt modelId="{C0541030-EC1F-4005-B26D-2CCCA9F19D89}" type="pres">
+      <dgm:prSet presAssocID="{01D052F2-134C-44D1-8EEB-2A18FB723239}" presName="Name0" presStyleCnt="0">
+        <dgm:presLayoutVars>
+          <dgm:dir/>
+          <dgm:resizeHandles val="exact"/>
+        </dgm:presLayoutVars>
+      </dgm:prSet>
+      <dgm:spPr/>
+    </dgm:pt>
+    <dgm:pt modelId="{AAB056A8-C4A5-4805-8209-B2F52B3FD88C}" type="pres">
+      <dgm:prSet presAssocID="{41FE8959-29C8-46A1-8E8F-E4D0D58AC228}" presName="node" presStyleLbl="node1" presStyleIdx="0" presStyleCnt="4" custScaleY="53982" custLinFactNeighborY="-33326">
+        <dgm:presLayoutVars>
+          <dgm:bulletEnabled val="1"/>
+        </dgm:presLayoutVars>
+      </dgm:prSet>
+      <dgm:spPr/>
+    </dgm:pt>
+    <dgm:pt modelId="{4FD2AE1B-32E7-47F6-A1B4-523AB0098D07}" type="pres">
+      <dgm:prSet presAssocID="{FD93A5B7-90F4-4817-B1BF-05A831857958}" presName="sibTrans" presStyleLbl="sibTrans2D1" presStyleIdx="0" presStyleCnt="3" custScaleY="53982"/>
+      <dgm:spPr/>
+    </dgm:pt>
+    <dgm:pt modelId="{3FE82692-D1ED-4858-8C86-E31AA515B76D}" type="pres">
+      <dgm:prSet presAssocID="{FD93A5B7-90F4-4817-B1BF-05A831857958}" presName="connectorText" presStyleLbl="sibTrans2D1" presStyleIdx="0" presStyleCnt="3"/>
+      <dgm:spPr/>
+    </dgm:pt>
+    <dgm:pt modelId="{C36F2AC7-E901-49E4-86EA-66C3968236A0}" type="pres">
+      <dgm:prSet presAssocID="{793655EE-3FB8-40E2-AA24-A6C17864446F}" presName="node" presStyleLbl="node1" presStyleIdx="1" presStyleCnt="4" custScaleY="53982" custLinFactNeighborY="-33326">
+        <dgm:presLayoutVars>
+          <dgm:bulletEnabled val="1"/>
+        </dgm:presLayoutVars>
+      </dgm:prSet>
+      <dgm:spPr/>
+    </dgm:pt>
+    <dgm:pt modelId="{DCB6BF50-5925-4A83-8BEE-DAE82CDDA817}" type="pres">
+      <dgm:prSet presAssocID="{F10B47C9-1D13-49E4-851F-56B9B0B5D9C1}" presName="sibTrans" presStyleLbl="sibTrans2D1" presStyleIdx="1" presStyleCnt="3" custScaleY="53982"/>
+      <dgm:spPr/>
+    </dgm:pt>
+    <dgm:pt modelId="{4BD04897-4534-4702-8F62-D00D778F3B7A}" type="pres">
+      <dgm:prSet presAssocID="{F10B47C9-1D13-49E4-851F-56B9B0B5D9C1}" presName="connectorText" presStyleLbl="sibTrans2D1" presStyleIdx="1" presStyleCnt="3"/>
+      <dgm:spPr/>
+    </dgm:pt>
+    <dgm:pt modelId="{1FB45DE8-CB55-4A79-B452-D221552A4AFF}" type="pres">
+      <dgm:prSet presAssocID="{52284BAA-3540-434F-8A0D-196591A27AF5}" presName="node" presStyleLbl="node1" presStyleIdx="2" presStyleCnt="4" custScaleY="53982" custLinFactNeighborY="-33326">
+        <dgm:presLayoutVars>
+          <dgm:bulletEnabled val="1"/>
+        </dgm:presLayoutVars>
+      </dgm:prSet>
+      <dgm:spPr/>
+    </dgm:pt>
+    <dgm:pt modelId="{3811656A-0A3D-40BA-A6B2-514A66CA802E}" type="pres">
+      <dgm:prSet presAssocID="{ED245419-6F98-4AAB-A480-2BD6D5B03876}" presName="sibTrans" presStyleLbl="sibTrans2D1" presStyleIdx="2" presStyleCnt="3" custScaleY="53982"/>
+      <dgm:spPr/>
+    </dgm:pt>
+    <dgm:pt modelId="{42343EDD-56B8-49EA-B435-5F013BC574CC}" type="pres">
+      <dgm:prSet presAssocID="{ED245419-6F98-4AAB-A480-2BD6D5B03876}" presName="connectorText" presStyleLbl="sibTrans2D1" presStyleIdx="2" presStyleCnt="3"/>
+      <dgm:spPr/>
+    </dgm:pt>
+    <dgm:pt modelId="{806DFA7D-3DB9-4A5A-A245-8E639FAE4144}" type="pres">
+      <dgm:prSet presAssocID="{95353E7B-A6A7-4B97-B27F-B5836B667ED4}" presName="node" presStyleLbl="node1" presStyleIdx="3" presStyleCnt="4" custScaleY="53982" custLinFactNeighborY="-33326">
+        <dgm:presLayoutVars>
+          <dgm:bulletEnabled val="1"/>
+        </dgm:presLayoutVars>
+      </dgm:prSet>
+      <dgm:spPr/>
+    </dgm:pt>
+  </dgm:ptLst>
+  <dgm:cxnLst>
+    <dgm:cxn modelId="{C836D513-7A78-406C-9817-9FD2022A93AA}" type="presOf" srcId="{F10B47C9-1D13-49E4-851F-56B9B0B5D9C1}" destId="{4BD04897-4534-4702-8F62-D00D778F3B7A}" srcOrd="1" destOrd="0" presId="urn:microsoft.com/office/officeart/2005/8/layout/process1"/>
+    <dgm:cxn modelId="{1EE87615-4E16-439F-AF20-0CC9659B1802}" type="presOf" srcId="{52284BAA-3540-434F-8A0D-196591A27AF5}" destId="{1FB45DE8-CB55-4A79-B452-D221552A4AFF}" srcOrd="0" destOrd="0" presId="urn:microsoft.com/office/officeart/2005/8/layout/process1"/>
+    <dgm:cxn modelId="{3E55F02F-4FA4-4916-97E6-68D506C3A06A}" type="presOf" srcId="{01D052F2-134C-44D1-8EEB-2A18FB723239}" destId="{C0541030-EC1F-4005-B26D-2CCCA9F19D89}" srcOrd="0" destOrd="0" presId="urn:microsoft.com/office/officeart/2005/8/layout/process1"/>
+    <dgm:cxn modelId="{6DA1CD34-1152-404B-8D8E-7239CD2D4AA8}" srcId="{01D052F2-134C-44D1-8EEB-2A18FB723239}" destId="{793655EE-3FB8-40E2-AA24-A6C17864446F}" srcOrd="1" destOrd="0" parTransId="{A46BA98C-ACDD-493B-AB38-053D46EB5AFE}" sibTransId="{F10B47C9-1D13-49E4-851F-56B9B0B5D9C1}"/>
+    <dgm:cxn modelId="{84CAFB45-E018-464A-A4F0-64C493CA367F}" type="presOf" srcId="{95353E7B-A6A7-4B97-B27F-B5836B667ED4}" destId="{806DFA7D-3DB9-4A5A-A245-8E639FAE4144}" srcOrd="0" destOrd="0" presId="urn:microsoft.com/office/officeart/2005/8/layout/process1"/>
+    <dgm:cxn modelId="{2C15C46A-9416-4ED3-872D-12F9329769E5}" srcId="{01D052F2-134C-44D1-8EEB-2A18FB723239}" destId="{41FE8959-29C8-46A1-8E8F-E4D0D58AC228}" srcOrd="0" destOrd="0" parTransId="{C6025E58-CF96-45C3-96B7-563DBD74D5EF}" sibTransId="{FD93A5B7-90F4-4817-B1BF-05A831857958}"/>
+    <dgm:cxn modelId="{B264B36E-CC1E-49B1-BAEB-127174C88F60}" type="presOf" srcId="{ED245419-6F98-4AAB-A480-2BD6D5B03876}" destId="{42343EDD-56B8-49EA-B435-5F013BC574CC}" srcOrd="1" destOrd="0" presId="urn:microsoft.com/office/officeart/2005/8/layout/process1"/>
+    <dgm:cxn modelId="{7F451058-BFEF-45D7-A77E-9356662A7F92}" type="presOf" srcId="{FD93A5B7-90F4-4817-B1BF-05A831857958}" destId="{4FD2AE1B-32E7-47F6-A1B4-523AB0098D07}" srcOrd="0" destOrd="0" presId="urn:microsoft.com/office/officeart/2005/8/layout/process1"/>
+    <dgm:cxn modelId="{7DDB34B1-D709-4C02-8E88-9F4FD04DF64B}" type="presOf" srcId="{793655EE-3FB8-40E2-AA24-A6C17864446F}" destId="{C36F2AC7-E901-49E4-86EA-66C3968236A0}" srcOrd="0" destOrd="0" presId="urn:microsoft.com/office/officeart/2005/8/layout/process1"/>
+    <dgm:cxn modelId="{4B0BA3BC-49BF-4CAE-A9DB-882D2B4E42DC}" type="presOf" srcId="{ED245419-6F98-4AAB-A480-2BD6D5B03876}" destId="{3811656A-0A3D-40BA-A6B2-514A66CA802E}" srcOrd="0" destOrd="0" presId="urn:microsoft.com/office/officeart/2005/8/layout/process1"/>
+    <dgm:cxn modelId="{3EA9ABC4-17BE-4EC9-ABA0-4D1C899C5651}" type="presOf" srcId="{FD93A5B7-90F4-4817-B1BF-05A831857958}" destId="{3FE82692-D1ED-4858-8C86-E31AA515B76D}" srcOrd="1" destOrd="0" presId="urn:microsoft.com/office/officeart/2005/8/layout/process1"/>
+    <dgm:cxn modelId="{E947DAC8-3D23-445C-838E-912339AD1C47}" type="presOf" srcId="{F10B47C9-1D13-49E4-851F-56B9B0B5D9C1}" destId="{DCB6BF50-5925-4A83-8BEE-DAE82CDDA817}" srcOrd="0" destOrd="0" presId="urn:microsoft.com/office/officeart/2005/8/layout/process1"/>
+    <dgm:cxn modelId="{D099C1E2-4BC0-488E-B21A-3E780169706A}" srcId="{01D052F2-134C-44D1-8EEB-2A18FB723239}" destId="{52284BAA-3540-434F-8A0D-196591A27AF5}" srcOrd="2" destOrd="0" parTransId="{6346812D-99E8-4546-BF9B-9260BB8C292E}" sibTransId="{ED245419-6F98-4AAB-A480-2BD6D5B03876}"/>
+    <dgm:cxn modelId="{7EE970F2-43CE-4F20-AB64-783F7405645C}" type="presOf" srcId="{41FE8959-29C8-46A1-8E8F-E4D0D58AC228}" destId="{AAB056A8-C4A5-4805-8209-B2F52B3FD88C}" srcOrd="0" destOrd="0" presId="urn:microsoft.com/office/officeart/2005/8/layout/process1"/>
+    <dgm:cxn modelId="{2DFAE6F6-0ACA-4024-90BA-E7AA74C049CB}" srcId="{01D052F2-134C-44D1-8EEB-2A18FB723239}" destId="{95353E7B-A6A7-4B97-B27F-B5836B667ED4}" srcOrd="3" destOrd="0" parTransId="{2164BD54-B06F-4601-B436-3B03066993DC}" sibTransId="{2F9C0648-03F2-43A5-9538-053EE67DFA34}"/>
+    <dgm:cxn modelId="{16E98B08-4B7E-4C98-9D6D-A6DC89D481BE}" type="presParOf" srcId="{C0541030-EC1F-4005-B26D-2CCCA9F19D89}" destId="{AAB056A8-C4A5-4805-8209-B2F52B3FD88C}" srcOrd="0" destOrd="0" presId="urn:microsoft.com/office/officeart/2005/8/layout/process1"/>
+    <dgm:cxn modelId="{C7903A8A-0B39-4F9F-BDAF-2B36A99FDC40}" type="presParOf" srcId="{C0541030-EC1F-4005-B26D-2CCCA9F19D89}" destId="{4FD2AE1B-32E7-47F6-A1B4-523AB0098D07}" srcOrd="1" destOrd="0" presId="urn:microsoft.com/office/officeart/2005/8/layout/process1"/>
+    <dgm:cxn modelId="{B29F8D0E-FF3A-4411-95F6-89F351B0F1D6}" type="presParOf" srcId="{4FD2AE1B-32E7-47F6-A1B4-523AB0098D07}" destId="{3FE82692-D1ED-4858-8C86-E31AA515B76D}" srcOrd="0" destOrd="0" presId="urn:microsoft.com/office/officeart/2005/8/layout/process1"/>
+    <dgm:cxn modelId="{A5CFA7B3-AB7D-4778-90A6-2FC62D2238E3}" type="presParOf" srcId="{C0541030-EC1F-4005-B26D-2CCCA9F19D89}" destId="{C36F2AC7-E901-49E4-86EA-66C3968236A0}" srcOrd="2" destOrd="0" presId="urn:microsoft.com/office/officeart/2005/8/layout/process1"/>
+    <dgm:cxn modelId="{91E3487E-2F1E-47A1-8594-FB0DC17E866D}" type="presParOf" srcId="{C0541030-EC1F-4005-B26D-2CCCA9F19D89}" destId="{DCB6BF50-5925-4A83-8BEE-DAE82CDDA817}" srcOrd="3" destOrd="0" presId="urn:microsoft.com/office/officeart/2005/8/layout/process1"/>
+    <dgm:cxn modelId="{A9F9A1F0-632B-4A6A-ACBE-A9FF54B771BA}" type="presParOf" srcId="{DCB6BF50-5925-4A83-8BEE-DAE82CDDA817}" destId="{4BD04897-4534-4702-8F62-D00D778F3B7A}" srcOrd="0" destOrd="0" presId="urn:microsoft.com/office/officeart/2005/8/layout/process1"/>
+    <dgm:cxn modelId="{9A4F1FAA-D719-49DE-82C6-CCB55C1153F9}" type="presParOf" srcId="{C0541030-EC1F-4005-B26D-2CCCA9F19D89}" destId="{1FB45DE8-CB55-4A79-B452-D221552A4AFF}" srcOrd="4" destOrd="0" presId="urn:microsoft.com/office/officeart/2005/8/layout/process1"/>
+    <dgm:cxn modelId="{EE376A93-07F5-499F-AC0C-21D8D3BFC737}" type="presParOf" srcId="{C0541030-EC1F-4005-B26D-2CCCA9F19D89}" destId="{3811656A-0A3D-40BA-A6B2-514A66CA802E}" srcOrd="5" destOrd="0" presId="urn:microsoft.com/office/officeart/2005/8/layout/process1"/>
+    <dgm:cxn modelId="{72AA9DCB-64D7-4CD6-BD20-631CD7914873}" type="presParOf" srcId="{3811656A-0A3D-40BA-A6B2-514A66CA802E}" destId="{42343EDD-56B8-49EA-B435-5F013BC574CC}" srcOrd="0" destOrd="0" presId="urn:microsoft.com/office/officeart/2005/8/layout/process1"/>
+    <dgm:cxn modelId="{0AA3B7F6-AF44-41C0-91D1-31FEF583148D}" type="presParOf" srcId="{C0541030-EC1F-4005-B26D-2CCCA9F19D89}" destId="{806DFA7D-3DB9-4A5A-A245-8E639FAE4144}" srcOrd="6" destOrd="0" presId="urn:microsoft.com/office/officeart/2005/8/layout/process1"/>
+  </dgm:cxnLst>
+  <dgm:bg/>
+  <dgm:whole/>
+  <dgm:extLst>
+    <a:ext uri="http://schemas.microsoft.com/office/drawing/2008/diagram">
+      <dsp:dataModelExt xmlns:dsp="http://schemas.microsoft.com/office/drawing/2008/diagram" relId="rId6" minVer="http://schemas.openxmlformats.org/drawingml/2006/diagram"/>
+    </a:ext>
+  </dgm:extLst>
+</dgm:dataModel>
+</file>
+
+<file path=ppt/diagrams/drawing1.xml><?xml version="1.0" encoding="utf-8"?>
+<dsp:drawing xmlns:dgm="http://schemas.openxmlformats.org/drawingml/2006/diagram" xmlns:dsp="http://schemas.microsoft.com/office/drawing/2008/diagram" xmlns:a="http://schemas.openxmlformats.org/drawingml/2006/main">
+  <dsp:spTree>
+    <dsp:nvGrpSpPr>
+      <dsp:cNvPr id="0" name=""/>
+      <dsp:cNvGrpSpPr/>
+    </dsp:nvGrpSpPr>
+    <dsp:grpSpPr/>
+    <dsp:sp modelId="{AAB056A8-C4A5-4805-8209-B2F52B3FD88C}">
+      <dsp:nvSpPr>
+        <dsp:cNvPr id="0" name=""/>
+        <dsp:cNvSpPr/>
+      </dsp:nvSpPr>
+      <dsp:spPr>
+        <a:xfrm>
+          <a:off x="4981" y="2098374"/>
+          <a:ext cx="2178017" cy="705442"/>
+        </a:xfrm>
+        <a:prstGeom prst="roundRect">
+          <a:avLst>
+            <a:gd name="adj" fmla="val 10000"/>
+          </a:avLst>
+        </a:prstGeom>
+        <a:solidFill>
+          <a:srgbClr val="FF0000"/>
+        </a:solidFill>
+        <a:ln w="12700" cap="flat" cmpd="sng" algn="ctr">
+          <a:solidFill>
+            <a:schemeClr val="lt1">
+              <a:hueOff val="0"/>
+              <a:satOff val="0"/>
+              <a:lumOff val="0"/>
+              <a:alphaOff val="0"/>
+            </a:schemeClr>
+          </a:solidFill>
+          <a:prstDash val="solid"/>
+          <a:miter lim="800000"/>
+        </a:ln>
+        <a:effectLst/>
+      </dsp:spPr>
+      <dsp:style>
+        <a:lnRef idx="2">
+          <a:scrgbClr r="0" g="0" b="0"/>
+        </a:lnRef>
+        <a:fillRef idx="1">
+          <a:scrgbClr r="0" g="0" b="0"/>
+        </a:fillRef>
+        <a:effectRef idx="0">
+          <a:scrgbClr r="0" g="0" b="0"/>
+        </a:effectRef>
+        <a:fontRef idx="minor">
+          <a:schemeClr val="lt1"/>
+        </a:fontRef>
+      </dsp:style>
+      <dsp:txBody>
+        <a:bodyPr spcFirstLastPara="0" vert="horz" wrap="square" lIns="114300" tIns="114300" rIns="114300" bIns="114300" numCol="1" spcCol="1270" anchor="ctr" anchorCtr="0">
+          <a:noAutofit/>
+        </a:bodyPr>
+        <a:lstStyle/>
+        <a:p>
+          <a:pPr marL="0" lvl="0" indent="0" algn="ctr" defTabSz="1333500">
+            <a:lnSpc>
+              <a:spcPct val="90000"/>
+            </a:lnSpc>
+            <a:spcBef>
+              <a:spcPct val="0"/>
+            </a:spcBef>
+            <a:spcAft>
+              <a:spcPct val="35000"/>
+            </a:spcAft>
+            <a:buNone/>
+          </a:pPr>
+          <a:r>
+            <a:rPr lang="en-US" sz="3000" b="0" kern="1200" cap="none" spc="0" dirty="0">
+              <a:ln w="0"/>
+              <a:solidFill>
+                <a:schemeClr val="tx1"/>
+              </a:solidFill>
+              <a:effectLst>
+                <a:outerShdw blurRad="38100" dist="19050" dir="2700000" algn="tl" rotWithShape="0">
+                  <a:schemeClr val="dk1">
+                    <a:alpha val="40000"/>
+                  </a:schemeClr>
+                </a:outerShdw>
+              </a:effectLst>
+            </a:rPr>
+            <a:t>IDENTIFY</a:t>
+          </a:r>
+        </a:p>
+      </dsp:txBody>
+      <dsp:txXfrm>
+        <a:off x="25643" y="2119036"/>
+        <a:ext cx="2136693" cy="664118"/>
+      </dsp:txXfrm>
+    </dsp:sp>
+    <dsp:sp modelId="{4FD2AE1B-32E7-47F6-A1B4-523AB0098D07}">
+      <dsp:nvSpPr>
+        <dsp:cNvPr id="0" name=""/>
+        <dsp:cNvSpPr/>
+      </dsp:nvSpPr>
+      <dsp:spPr>
+        <a:xfrm>
+          <a:off x="2400801" y="2305304"/>
+          <a:ext cx="461739" cy="291582"/>
+        </a:xfrm>
+        <a:prstGeom prst="rightArrow">
+          <a:avLst>
+            <a:gd name="adj1" fmla="val 60000"/>
+            <a:gd name="adj2" fmla="val 50000"/>
+          </a:avLst>
+        </a:prstGeom>
+        <a:solidFill>
+          <a:schemeClr val="accent1">
+            <a:tint val="60000"/>
+            <a:hueOff val="0"/>
+            <a:satOff val="0"/>
+            <a:lumOff val="0"/>
+            <a:alphaOff val="0"/>
+          </a:schemeClr>
+        </a:solidFill>
+        <a:ln>
+          <a:noFill/>
+        </a:ln>
+        <a:effectLst/>
+      </dsp:spPr>
+      <dsp:style>
+        <a:lnRef idx="0">
+          <a:scrgbClr r="0" g="0" b="0"/>
+        </a:lnRef>
+        <a:fillRef idx="1">
+          <a:scrgbClr r="0" g="0" b="0"/>
+        </a:fillRef>
+        <a:effectRef idx="0">
+          <a:scrgbClr r="0" g="0" b="0"/>
+        </a:effectRef>
+        <a:fontRef idx="minor">
+          <a:schemeClr val="lt1"/>
+        </a:fontRef>
+      </dsp:style>
+      <dsp:txBody>
+        <a:bodyPr spcFirstLastPara="0" vert="horz" wrap="square" lIns="0" tIns="0" rIns="0" bIns="0" numCol="1" spcCol="1270" anchor="ctr" anchorCtr="0">
+          <a:noAutofit/>
+        </a:bodyPr>
+        <a:lstStyle/>
+        <a:p>
+          <a:pPr marL="0" lvl="0" indent="0" algn="ctr" defTabSz="533400">
+            <a:lnSpc>
+              <a:spcPct val="90000"/>
+            </a:lnSpc>
+            <a:spcBef>
+              <a:spcPct val="0"/>
+            </a:spcBef>
+            <a:spcAft>
+              <a:spcPct val="35000"/>
+            </a:spcAft>
+            <a:buNone/>
+          </a:pPr>
+          <a:endParaRPr lang="en-US" sz="1200" kern="1200"/>
+        </a:p>
+      </dsp:txBody>
+      <dsp:txXfrm>
+        <a:off x="2400801" y="2363620"/>
+        <a:ext cx="374264" cy="174950"/>
+      </dsp:txXfrm>
+    </dsp:sp>
+    <dsp:sp modelId="{C36F2AC7-E901-49E4-86EA-66C3968236A0}">
+      <dsp:nvSpPr>
+        <dsp:cNvPr id="0" name=""/>
+        <dsp:cNvSpPr/>
+      </dsp:nvSpPr>
+      <dsp:spPr>
+        <a:xfrm>
+          <a:off x="3054206" y="2098374"/>
+          <a:ext cx="2178017" cy="705442"/>
+        </a:xfrm>
+        <a:prstGeom prst="roundRect">
+          <a:avLst>
+            <a:gd name="adj" fmla="val 10000"/>
+          </a:avLst>
+        </a:prstGeom>
+        <a:solidFill>
+          <a:srgbClr val="FFFF00"/>
+        </a:solidFill>
+        <a:ln w="12700" cap="flat" cmpd="sng" algn="ctr">
+          <a:solidFill>
+            <a:schemeClr val="lt1">
+              <a:hueOff val="0"/>
+              <a:satOff val="0"/>
+              <a:lumOff val="0"/>
+              <a:alphaOff val="0"/>
+            </a:schemeClr>
+          </a:solidFill>
+          <a:prstDash val="solid"/>
+          <a:miter lim="800000"/>
+        </a:ln>
+        <a:effectLst/>
+      </dsp:spPr>
+      <dsp:style>
+        <a:lnRef idx="2">
+          <a:scrgbClr r="0" g="0" b="0"/>
+        </a:lnRef>
+        <a:fillRef idx="1">
+          <a:scrgbClr r="0" g="0" b="0"/>
+        </a:fillRef>
+        <a:effectRef idx="0">
+          <a:scrgbClr r="0" g="0" b="0"/>
+        </a:effectRef>
+        <a:fontRef idx="minor">
+          <a:schemeClr val="lt1"/>
+        </a:fontRef>
+      </dsp:style>
+      <dsp:txBody>
+        <a:bodyPr spcFirstLastPara="0" vert="horz" wrap="square" lIns="114300" tIns="114300" rIns="114300" bIns="114300" numCol="1" spcCol="1270" anchor="ctr" anchorCtr="0">
+          <a:noAutofit/>
+        </a:bodyPr>
+        <a:lstStyle/>
+        <a:p>
+          <a:pPr marL="0" lvl="0" indent="0" algn="ctr" defTabSz="1333500">
+            <a:lnSpc>
+              <a:spcPct val="90000"/>
+            </a:lnSpc>
+            <a:spcBef>
+              <a:spcPct val="0"/>
+            </a:spcBef>
+            <a:spcAft>
+              <a:spcPct val="35000"/>
+            </a:spcAft>
+            <a:buNone/>
+          </a:pPr>
+          <a:r>
+            <a:rPr lang="en-US" sz="3000" b="0" kern="1200" cap="none" spc="0" dirty="0">
+              <a:ln w="0"/>
+              <a:solidFill>
+                <a:schemeClr val="tx1"/>
+              </a:solidFill>
+              <a:effectLst>
+                <a:outerShdw blurRad="38100" dist="19050" dir="2700000" algn="tl" rotWithShape="0">
+                  <a:schemeClr val="dk1">
+                    <a:alpha val="40000"/>
+                  </a:schemeClr>
+                </a:outerShdw>
+              </a:effectLst>
+            </a:rPr>
+            <a:t>FIND</a:t>
+          </a:r>
+        </a:p>
+      </dsp:txBody>
+      <dsp:txXfrm>
+        <a:off x="3074868" y="2119036"/>
+        <a:ext cx="2136693" cy="664118"/>
+      </dsp:txXfrm>
+    </dsp:sp>
+    <dsp:sp modelId="{DCB6BF50-5925-4A83-8BEE-DAE82CDDA817}">
+      <dsp:nvSpPr>
+        <dsp:cNvPr id="0" name=""/>
+        <dsp:cNvSpPr/>
+      </dsp:nvSpPr>
+      <dsp:spPr>
+        <a:xfrm>
+          <a:off x="5450026" y="2305304"/>
+          <a:ext cx="461739" cy="291582"/>
+        </a:xfrm>
+        <a:prstGeom prst="rightArrow">
+          <a:avLst>
+            <a:gd name="adj1" fmla="val 60000"/>
+            <a:gd name="adj2" fmla="val 50000"/>
+          </a:avLst>
+        </a:prstGeom>
+        <a:solidFill>
+          <a:schemeClr val="accent1">
+            <a:tint val="60000"/>
+            <a:hueOff val="0"/>
+            <a:satOff val="0"/>
+            <a:lumOff val="0"/>
+            <a:alphaOff val="0"/>
+          </a:schemeClr>
+        </a:solidFill>
+        <a:ln>
+          <a:noFill/>
+        </a:ln>
+        <a:effectLst/>
+      </dsp:spPr>
+      <dsp:style>
+        <a:lnRef idx="0">
+          <a:scrgbClr r="0" g="0" b="0"/>
+        </a:lnRef>
+        <a:fillRef idx="1">
+          <a:scrgbClr r="0" g="0" b="0"/>
+        </a:fillRef>
+        <a:effectRef idx="0">
+          <a:scrgbClr r="0" g="0" b="0"/>
+        </a:effectRef>
+        <a:fontRef idx="minor">
+          <a:schemeClr val="lt1"/>
+        </a:fontRef>
+      </dsp:style>
+      <dsp:txBody>
+        <a:bodyPr spcFirstLastPara="0" vert="horz" wrap="square" lIns="0" tIns="0" rIns="0" bIns="0" numCol="1" spcCol="1270" anchor="ctr" anchorCtr="0">
+          <a:noAutofit/>
+        </a:bodyPr>
+        <a:lstStyle/>
+        <a:p>
+          <a:pPr marL="0" lvl="0" indent="0" algn="ctr" defTabSz="533400">
+            <a:lnSpc>
+              <a:spcPct val="90000"/>
+            </a:lnSpc>
+            <a:spcBef>
+              <a:spcPct val="0"/>
+            </a:spcBef>
+            <a:spcAft>
+              <a:spcPct val="35000"/>
+            </a:spcAft>
+            <a:buNone/>
+          </a:pPr>
+          <a:endParaRPr lang="en-US" sz="1200" kern="1200"/>
+        </a:p>
+      </dsp:txBody>
+      <dsp:txXfrm>
+        <a:off x="5450026" y="2363620"/>
+        <a:ext cx="374264" cy="174950"/>
+      </dsp:txXfrm>
+    </dsp:sp>
+    <dsp:sp modelId="{1FB45DE8-CB55-4A79-B452-D221552A4AFF}">
+      <dsp:nvSpPr>
+        <dsp:cNvPr id="0" name=""/>
+        <dsp:cNvSpPr/>
+      </dsp:nvSpPr>
+      <dsp:spPr>
+        <a:xfrm>
+          <a:off x="6103431" y="2098374"/>
+          <a:ext cx="2178017" cy="705442"/>
+        </a:xfrm>
+        <a:prstGeom prst="roundRect">
+          <a:avLst>
+            <a:gd name="adj" fmla="val 10000"/>
+          </a:avLst>
+        </a:prstGeom>
+        <a:solidFill>
+          <a:srgbClr val="92D050"/>
+        </a:solidFill>
+        <a:ln w="12700" cap="flat" cmpd="sng" algn="ctr">
+          <a:solidFill>
+            <a:schemeClr val="lt1">
+              <a:hueOff val="0"/>
+              <a:satOff val="0"/>
+              <a:lumOff val="0"/>
+              <a:alphaOff val="0"/>
+            </a:schemeClr>
+          </a:solidFill>
+          <a:prstDash val="solid"/>
+          <a:miter lim="800000"/>
+        </a:ln>
+        <a:effectLst/>
+      </dsp:spPr>
+      <dsp:style>
+        <a:lnRef idx="2">
+          <a:scrgbClr r="0" g="0" b="0"/>
+        </a:lnRef>
+        <a:fillRef idx="1">
+          <a:scrgbClr r="0" g="0" b="0"/>
+        </a:fillRef>
+        <a:effectRef idx="0">
+          <a:scrgbClr r="0" g="0" b="0"/>
+        </a:effectRef>
+        <a:fontRef idx="minor">
+          <a:schemeClr val="lt1"/>
+        </a:fontRef>
+      </dsp:style>
+      <dsp:txBody>
+        <a:bodyPr spcFirstLastPara="0" vert="horz" wrap="square" lIns="114300" tIns="114300" rIns="114300" bIns="114300" numCol="1" spcCol="1270" anchor="ctr" anchorCtr="0">
+          <a:noAutofit/>
+        </a:bodyPr>
+        <a:lstStyle/>
+        <a:p>
+          <a:pPr marL="0" lvl="0" indent="0" algn="ctr" defTabSz="1333500">
+            <a:lnSpc>
+              <a:spcPct val="90000"/>
+            </a:lnSpc>
+            <a:spcBef>
+              <a:spcPct val="0"/>
+            </a:spcBef>
+            <a:spcAft>
+              <a:spcPct val="35000"/>
+            </a:spcAft>
+            <a:buNone/>
+          </a:pPr>
+          <a:r>
+            <a:rPr lang="en-US" sz="3000" b="0" kern="1200" cap="none" spc="0" dirty="0">
+              <a:ln w="0"/>
+              <a:solidFill>
+                <a:schemeClr val="tx1"/>
+              </a:solidFill>
+              <a:effectLst>
+                <a:outerShdw blurRad="38100" dist="19050" dir="2700000" algn="tl" rotWithShape="0">
+                  <a:schemeClr val="dk1">
+                    <a:alpha val="40000"/>
+                  </a:schemeClr>
+                </a:outerShdw>
+              </a:effectLst>
+            </a:rPr>
+            <a:t>FIX</a:t>
+          </a:r>
+        </a:p>
+      </dsp:txBody>
+      <dsp:txXfrm>
+        <a:off x="6124093" y="2119036"/>
+        <a:ext cx="2136693" cy="664118"/>
+      </dsp:txXfrm>
+    </dsp:sp>
+    <dsp:sp modelId="{3811656A-0A3D-40BA-A6B2-514A66CA802E}">
+      <dsp:nvSpPr>
+        <dsp:cNvPr id="0" name=""/>
+        <dsp:cNvSpPr/>
+      </dsp:nvSpPr>
+      <dsp:spPr>
+        <a:xfrm>
+          <a:off x="8499251" y="2305304"/>
+          <a:ext cx="461739" cy="291582"/>
+        </a:xfrm>
+        <a:prstGeom prst="rightArrow">
+          <a:avLst>
+            <a:gd name="adj1" fmla="val 60000"/>
+            <a:gd name="adj2" fmla="val 50000"/>
+          </a:avLst>
+        </a:prstGeom>
+        <a:solidFill>
+          <a:schemeClr val="accent1">
+            <a:tint val="60000"/>
+            <a:hueOff val="0"/>
+            <a:satOff val="0"/>
+            <a:lumOff val="0"/>
+            <a:alphaOff val="0"/>
+          </a:schemeClr>
+        </a:solidFill>
+        <a:ln>
+          <a:noFill/>
+        </a:ln>
+        <a:effectLst/>
+      </dsp:spPr>
+      <dsp:style>
+        <a:lnRef idx="0">
+          <a:scrgbClr r="0" g="0" b="0"/>
+        </a:lnRef>
+        <a:fillRef idx="1">
+          <a:scrgbClr r="0" g="0" b="0"/>
+        </a:fillRef>
+        <a:effectRef idx="0">
+          <a:scrgbClr r="0" g="0" b="0"/>
+        </a:effectRef>
+        <a:fontRef idx="minor">
+          <a:schemeClr val="lt1"/>
+        </a:fontRef>
+      </dsp:style>
+      <dsp:txBody>
+        <a:bodyPr spcFirstLastPara="0" vert="horz" wrap="square" lIns="0" tIns="0" rIns="0" bIns="0" numCol="1" spcCol="1270" anchor="ctr" anchorCtr="0">
+          <a:noAutofit/>
+        </a:bodyPr>
+        <a:lstStyle/>
+        <a:p>
+          <a:pPr marL="0" lvl="0" indent="0" algn="ctr" defTabSz="533400">
+            <a:lnSpc>
+              <a:spcPct val="90000"/>
+            </a:lnSpc>
+            <a:spcBef>
+              <a:spcPct val="0"/>
+            </a:spcBef>
+            <a:spcAft>
+              <a:spcPct val="35000"/>
+            </a:spcAft>
+            <a:buNone/>
+          </a:pPr>
+          <a:endParaRPr lang="en-US" sz="1200" kern="1200"/>
+        </a:p>
+      </dsp:txBody>
+      <dsp:txXfrm>
+        <a:off x="8499251" y="2363620"/>
+        <a:ext cx="374264" cy="174950"/>
+      </dsp:txXfrm>
+    </dsp:sp>
+    <dsp:sp modelId="{806DFA7D-3DB9-4A5A-A245-8E639FAE4144}">
+      <dsp:nvSpPr>
+        <dsp:cNvPr id="0" name=""/>
+        <dsp:cNvSpPr/>
+      </dsp:nvSpPr>
+      <dsp:spPr>
+        <a:xfrm>
+          <a:off x="9152656" y="2098374"/>
+          <a:ext cx="2178017" cy="705442"/>
+        </a:xfrm>
+        <a:prstGeom prst="roundRect">
+          <a:avLst>
+            <a:gd name="adj" fmla="val 10000"/>
+          </a:avLst>
+        </a:prstGeom>
+        <a:solidFill>
+          <a:schemeClr val="accent1">
+            <a:hueOff val="0"/>
+            <a:satOff val="0"/>
+            <a:lumOff val="0"/>
+            <a:alphaOff val="0"/>
+          </a:schemeClr>
+        </a:solidFill>
+        <a:ln w="12700" cap="flat" cmpd="sng" algn="ctr">
+          <a:solidFill>
+            <a:schemeClr val="lt1">
+              <a:hueOff val="0"/>
+              <a:satOff val="0"/>
+              <a:lumOff val="0"/>
+              <a:alphaOff val="0"/>
+            </a:schemeClr>
+          </a:solidFill>
+          <a:prstDash val="solid"/>
+          <a:miter lim="800000"/>
+        </a:ln>
+        <a:effectLst/>
+      </dsp:spPr>
+      <dsp:style>
+        <a:lnRef idx="2">
+          <a:scrgbClr r="0" g="0" b="0"/>
+        </a:lnRef>
+        <a:fillRef idx="1">
+          <a:scrgbClr r="0" g="0" b="0"/>
+        </a:fillRef>
+        <a:effectRef idx="0">
+          <a:scrgbClr r="0" g="0" b="0"/>
+        </a:effectRef>
+        <a:fontRef idx="minor">
+          <a:schemeClr val="lt1"/>
+        </a:fontRef>
+      </dsp:style>
+      <dsp:txBody>
+        <a:bodyPr spcFirstLastPara="0" vert="horz" wrap="square" lIns="114300" tIns="114300" rIns="114300" bIns="114300" numCol="1" spcCol="1270" anchor="ctr" anchorCtr="0">
+          <a:noAutofit/>
+        </a:bodyPr>
+        <a:lstStyle/>
+        <a:p>
+          <a:pPr marL="0" lvl="0" indent="0" algn="ctr" defTabSz="1333500">
+            <a:lnSpc>
+              <a:spcPct val="90000"/>
+            </a:lnSpc>
+            <a:spcBef>
+              <a:spcPct val="0"/>
+            </a:spcBef>
+            <a:spcAft>
+              <a:spcPct val="35000"/>
+            </a:spcAft>
+            <a:buNone/>
+          </a:pPr>
+          <a:r>
+            <a:rPr lang="en-US" sz="3000" kern="1200" dirty="0"/>
+            <a:t>PREVENT</a:t>
+          </a:r>
+        </a:p>
+      </dsp:txBody>
+      <dsp:txXfrm>
+        <a:off x="9173318" y="2119036"/>
+        <a:ext cx="2136693" cy="664118"/>
+      </dsp:txXfrm>
+    </dsp:sp>
+  </dsp:spTree>
+</dsp:drawing>
+</file>
+
+<file path=ppt/diagrams/layout1.xml><?xml version="1.0" encoding="utf-8"?>
+<dgm:layoutDef xmlns:dgm="http://schemas.openxmlformats.org/drawingml/2006/diagram" xmlns:a="http://schemas.openxmlformats.org/drawingml/2006/main" uniqueId="urn:microsoft.com/office/officeart/2005/8/layout/process1">
+  <dgm:title val=""/>
+  <dgm:desc val=""/>
+  <dgm:catLst>
+    <dgm:cat type="process" pri="1000"/>
+    <dgm:cat type="convert" pri="15000"/>
+  </dgm:catLst>
+  <dgm:sampData useDef="1">
+    <dgm:dataModel>
+      <dgm:ptLst/>
+      <dgm:bg/>
+      <dgm:whole/>
+    </dgm:dataModel>
+  </dgm:sampData>
+  <dgm:styleData>
+    <dgm:dataModel>
+      <dgm:ptLst>
+        <dgm:pt modelId="0" type="doc"/>
+        <dgm:pt modelId="1"/>
+        <dgm:pt modelId="2"/>
+      </dgm:ptLst>
+      <dgm:cxnLst>
+        <dgm:cxn modelId="3" srcId="0" destId="1" srcOrd="0" destOrd="0"/>
+        <dgm:cxn modelId="4" srcId="0" destId="2" srcOrd="1" destOrd="0"/>
+      </dgm:cxnLst>
+      <dgm:bg/>
+      <dgm:whole/>
+    </dgm:dataModel>
+  </dgm:styleData>
+  <dgm:clrData>
+    <dgm:dataModel>
+      <dgm:ptLst>
+        <dgm:pt modelId="0" type="doc"/>
+        <dgm:pt modelId="1"/>
+        <dgm:pt modelId="2"/>
+        <dgm:pt modelId="3"/>
+        <dgm:pt modelId="4"/>
+      </dgm:ptLst>
+      <dgm:cxnLst>
+        <dgm:cxn modelId="5" srcId="0" destId="1" srcOrd="0" destOrd="0"/>
+        <dgm:cxn modelId="6" srcId="0" destId="2" srcOrd="1" destOrd="0"/>
+        <dgm:cxn modelId="7" srcId="0" destId="3" srcOrd="2" destOrd="0"/>
+        <dgm:cxn modelId="8" srcId="0" destId="4" srcOrd="3" destOrd="0"/>
+      </dgm:cxnLst>
+      <dgm:bg/>
+      <dgm:whole/>
+    </dgm:dataModel>
+  </dgm:clrData>
+  <dgm:layoutNode name="Name0">
+    <dgm:varLst>
+      <dgm:dir/>
+      <dgm:resizeHandles val="exact"/>
+    </dgm:varLst>
+    <dgm:choose name="Name1">
+      <dgm:if name="Name2" func="var" arg="dir" op="equ" val="norm">
+        <dgm:alg type="lin"/>
+      </dgm:if>
+      <dgm:else name="Name3">
+        <dgm:alg type="lin">
+          <dgm:param type="linDir" val="fromR"/>
+        </dgm:alg>
+      </dgm:else>
+    </dgm:choose>
+    <dgm:shape xmlns:r="http://schemas.openxmlformats.org/officeDocument/2006/relationships" r:blip="">
+      <dgm:adjLst/>
+    </dgm:shape>
+    <dgm:presOf/>
+    <dgm:constrLst>
+      <dgm:constr type="w" for="ch" ptType="node" refType="w"/>
+      <dgm:constr type="h" for="ch" ptType="node" op="equ"/>
+      <dgm:constr type="primFontSz" for="ch" ptType="node" op="equ" val="65"/>
+      <dgm:constr type="w" for="ch" ptType="sibTrans" refType="w" refFor="ch" refPtType="node" op="equ" fact="0.4"/>
+      <dgm:constr type="h" for="ch" ptType="sibTrans" op="equ"/>
+      <dgm:constr type="primFontSz" for="des" forName="connectorText" op="equ" val="55"/>
+      <dgm:constr type="primFontSz" for="des" forName="connectorText" refType="primFontSz" refFor="ch" refPtType="node" op="lte" fact="0.8"/>
+    </dgm:constrLst>
+    <dgm:ruleLst/>
+    <dgm:forEach name="nodesForEach" axis="ch" ptType="node">
+      <dgm:layoutNode name="node">
+        <dgm:varLst>
+          <dgm:bulletEnabled val="1"/>
+        </dgm:varLst>
+        <dgm:alg type="tx"/>
+        <dgm:shape xmlns:r="http://schemas.openxmlformats.org/officeDocument/2006/relationships" type="roundRect" r:blip="">
+          <dgm:adjLst>
+            <dgm:adj idx="1" val="0.1"/>
+          </dgm:adjLst>
+        </dgm:shape>
+        <dgm:presOf axis="desOrSelf" ptType="node"/>
+        <dgm:constrLst>
+          <dgm:constr type="h" refType="w" fact="0.6"/>
+          <dgm:constr type="tMarg" refType="primFontSz" fact="0.3"/>
+          <dgm:constr type="bMarg" refType="primFontSz" fact="0.3"/>
+          <dgm:constr type="lMarg" refType="primFontSz" fact="0.3"/>
+          <dgm:constr type="rMarg" refType="primFontSz" fact="0.3"/>
+        </dgm:constrLst>
+        <dgm:ruleLst>
+          <dgm:rule type="primFontSz" val="18" fact="NaN" max="NaN"/>
+          <dgm:rule type="h" val="NaN" fact="1.5" max="NaN"/>
+          <dgm:rule type="primFontSz" val="5" fact="NaN" max="NaN"/>
+          <dgm:rule type="h" val="INF" fact="NaN" max="NaN"/>
+        </dgm:ruleLst>
+      </dgm:layoutNode>
+      <dgm:forEach name="sibTransForEach" axis="followSib" ptType="sibTrans" cnt="1">
+        <dgm:layoutNode name="sibTrans">
+          <dgm:alg type="conn">
+            <dgm:param type="begPts" val="auto"/>
+            <dgm:param type="endPts" val="auto"/>
+          </dgm:alg>
+          <dgm:shape xmlns:r="http://schemas.openxmlformats.org/officeDocument/2006/relationships" type="conn" r:blip="">
+            <dgm:adjLst/>
+          </dgm:shape>
+          <dgm:presOf axis="self"/>
+          <dgm:constrLst>
+            <dgm:constr type="h" refType="w" fact="0.62"/>
+            <dgm:constr type="connDist"/>
+            <dgm:constr type="begPad" refType="connDist" fact="0.25"/>
+            <dgm:constr type="endPad" refType="connDist" fact="0.22"/>
+          </dgm:constrLst>
+          <dgm:ruleLst/>
+          <dgm:layoutNode name="connectorText">
+            <dgm:alg type="tx">
+              <dgm:param type="autoTxRot" val="grav"/>
+            </dgm:alg>
+            <dgm:shape xmlns:r="http://schemas.openxmlformats.org/officeDocument/2006/relationships" type="conn" r:blip="" hideGeom="1">
+              <dgm:adjLst/>
+            </dgm:shape>
+            <dgm:presOf axis="self"/>
+            <dgm:constrLst>
+              <dgm:constr type="lMarg"/>
+              <dgm:constr type="rMarg"/>
+              <dgm:constr type="tMarg"/>
+              <dgm:constr type="bMarg"/>
+            </dgm:constrLst>
+            <dgm:ruleLst>
+              <dgm:rule type="primFontSz" val="5" fact="NaN" max="NaN"/>
+            </dgm:ruleLst>
+          </dgm:layoutNode>
+        </dgm:layoutNode>
+      </dgm:forEach>
+    </dgm:forEach>
+  </dgm:layoutNode>
+</dgm:layoutDef>
+</file>
+
+<file path=ppt/diagrams/quickStyle1.xml><?xml version="1.0" encoding="utf-8"?>
+<dgm:styleDef xmlns:dgm="http://schemas.openxmlformats.org/drawingml/2006/diagram" xmlns:a="http://schemas.openxmlformats.org/drawingml/2006/main" uniqueId="urn:microsoft.com/office/officeart/2005/8/quickstyle/simple1">
+  <dgm:title val=""/>
+  <dgm:desc val=""/>
+  <dgm:catLst>
+    <dgm:cat type="simple" pri="10100"/>
+  </dgm:catLst>
+  <dgm:scene3d>
+    <a:camera prst="orthographicFront"/>
+    <a:lightRig rig="threePt" dir="t"/>
+  </dgm:scene3d>
+  <dgm:styleLbl name="node0">
+    <dgm:scene3d>
+      <a:camera prst="orthographicFront"/>
+      <a:lightRig rig="threePt" dir="t"/>
+    </dgm:scene3d>
+    <dgm:sp3d/>
+    <dgm:txPr/>
+    <dgm:style>
+      <a:lnRef idx="2">
+        <a:scrgbClr r="0" g="0" b="0"/>
+      </a:lnRef>
+      <a:fillRef idx="1">
+        <a:scrgbClr r="0" g="0" b="0"/>
+      </a:fillRef>
+      <a:effectRef idx="0">
+        <a:scrgbClr r="0" g="0" b="0"/>
+      </a:effectRef>
+      <a:fontRef idx="minor">
+        <a:schemeClr val="lt1"/>
+      </a:fontRef>
+    </dgm:style>
+  </dgm:styleLbl>
+  <dgm:styleLbl name="lnNode1">
+    <dgm:scene3d>
+      <a:camera prst="orthographicFront"/>
+      <a:lightRig rig="threePt" dir="t"/>
+    </dgm:scene3d>
+    <dgm:sp3d/>
+    <dgm:txPr/>
+    <dgm:style>
+      <a:lnRef idx="2">
+        <a:scrgbClr r="0" g="0" b="0"/>
+      </a:lnRef>
+      <a:fillRef idx="1">
+        <a:scrgbClr r="0" g="0" b="0"/>
+      </a:fillRef>
+      <a:effectRef idx="0">
+        <a:scrgbClr r="0" g="0" b="0"/>
+      </a:effectRef>
+      <a:fontRef idx="minor">
+        <a:schemeClr val="lt1"/>
+      </a:fontRef>
+    </dgm:style>
+  </dgm:styleLbl>
+  <dgm:styleLbl name="vennNode1">
+    <dgm:scene3d>
+      <a:camera prst="orthographicFront"/>
+      <a:lightRig rig="threePt" dir="t"/>
+    </dgm:scene3d>
+    <dgm:sp3d/>
+    <dgm:txPr/>
+    <dgm:style>
+      <a:lnRef idx="2">
+        <a:scrgbClr r="0" g="0" b="0"/>
+      </a:lnRef>
+      <a:fillRef idx="1">
+        <a:scrgbClr r="0" g="0" b="0"/>
+      </a:fillRef>
+      <a:effectRef idx="0">
+        <a:scrgbClr r="0" g="0" b="0"/>
+      </a:effectRef>
+      <a:fontRef idx="minor">
+        <a:schemeClr val="tx1"/>
+      </a:fontRef>
+    </dgm:style>
+  </dgm:styleLbl>
+  <dgm:styleLbl name="alignNode1">
+    <dgm:scene3d>
+      <a:camera prst="orthographicFront"/>
+      <a:lightRig rig="threePt" dir="t"/>
+    </dgm:scene3d>
+    <dgm:sp3d/>
+    <dgm:txPr/>
+    <dgm:style>
+      <a:lnRef idx="2">
+        <a:scrgbClr r="0" g="0" b="0"/>
+      </a:lnRef>
+      <a:fillRef idx="1">
+        <a:scrgbClr r="0" g="0" b="0"/>
+      </a:fillRef>
+      <a:effectRef idx="0">
+        <a:scrgbClr r="0" g="0" b="0"/>
+      </a:effectRef>
+      <a:fontRef idx="minor">
+        <a:schemeClr val="lt1"/>
+      </a:fontRef>
+    </dgm:style>
+  </dgm:styleLbl>
+  <dgm:styleLbl name="node1">
+    <dgm:scene3d>
+      <a:camera prst="orthographicFront"/>
+      <a:lightRig rig="threePt" dir="t"/>
+    </dgm:scene3d>
+    <dgm:sp3d/>
+    <dgm:txPr/>
+    <dgm:style>
+      <a:lnRef idx="2">
+        <a:scrgbClr r="0" g="0" b="0"/>
+      </a:lnRef>
+      <a:fillRef idx="1">
+        <a:scrgbClr r="0" g="0" b="0"/>
+      </a:fillRef>
+      <a:effectRef idx="0">
+        <a:scrgbClr r="0" g="0" b="0"/>
+      </a:effectRef>
+      <a:fontRef idx="minor">
+        <a:schemeClr val="lt1"/>
+      </a:fontRef>
+    </dgm:style>
+  </dgm:styleLbl>
+  <dgm:styleLbl name="node2">
+    <dgm:scene3d>
+      <a:camera prst="orthographicFront"/>
+      <a:lightRig rig="threePt" dir="t"/>
+    </dgm:scene3d>
+    <dgm:sp3d/>
+    <dgm:txPr/>
+    <dgm:style>
+      <a:lnRef idx="2">
+        <a:scrgbClr r="0" g="0" b="0"/>
+      </a:lnRef>
+      <a:fillRef idx="1">
+        <a:scrgbClr r="0" g="0" b="0"/>
+      </a:fillRef>
+      <a:effectRef idx="0">
+        <a:scrgbClr r="0" g="0" b="0"/>
+      </a:effectRef>
+      <a:fontRef idx="minor">
+        <a:schemeClr val="lt1"/>
+      </a:fontRef>
+    </dgm:style>
+  </dgm:styleLbl>
+  <dgm:styleLbl name="node3">
+    <dgm:scene3d>
+      <a:camera prst="orthographicFront"/>
+      <a:lightRig rig="threePt" dir="t"/>
+    </dgm:scene3d>
+    <dgm:sp3d/>
+    <dgm:txPr/>
+    <dgm:style>
+      <a:lnRef idx="2">
+        <a:scrgbClr r="0" g="0" b="0"/>
+      </a:lnRef>
+      <a:fillRef idx="1">
+        <a:scrgbClr r="0" g="0" b="0"/>
+      </a:fillRef>
+      <a:effectRef idx="0">
+        <a:scrgbClr r="0" g="0" b="0"/>
+      </a:effectRef>
+      <a:fontRef idx="minor">
+        <a:schemeClr val="lt1"/>
+      </a:fontRef>
+    </dgm:style>
+  </dgm:styleLbl>
+  <dgm:styleLbl name="node4">
+    <dgm:scene3d>
+      <a:camera prst="orthographicFront"/>
+      <a:lightRig rig="threePt" dir="t"/>
+    </dgm:scene3d>
+    <dgm:sp3d/>
+    <dgm:txPr/>
+    <dgm:style>
+      <a:lnRef idx="2">
+        <a:scrgbClr r="0" g="0" b="0"/>
+      </a:lnRef>
+      <a:fillRef idx="1">
+        <a:scrgbClr r="0" g="0" b="0"/>
+      </a:fillRef>
+      <a:effectRef idx="0">
+        <a:scrgbClr r="0" g="0" b="0"/>
+      </a:effectRef>
+      <a:fontRef idx="minor">
+        <a:schemeClr val="lt1"/>
+      </a:fontRef>
+    </dgm:style>
+  </dgm:styleLbl>
+  <dgm:styleLbl name="fgImgPlace1">
+    <dgm:scene3d>
+      <a:camera prst="orthographicFront"/>
+      <a:lightRig rig="threePt" dir="t"/>
+    </dgm:scene3d>
+    <dgm:sp3d/>
+    <dgm:txPr/>
+    <dgm:style>
+      <a:lnRef idx="2">
+        <a:scrgbClr r="0" g="0" b="0"/>
+      </a:lnRef>
+      <a:fillRef idx="1">
+        <a:scrgbClr r="0" g="0" b="0"/>
+      </a:fillRef>
+      <a:effectRef idx="0">
+        <a:scrgbClr r="0" g="0" b="0"/>
+      </a:effectRef>
+      <a:fontRef idx="minor"/>
+    </dgm:style>
+  </dgm:styleLbl>
+  <dgm:styleLbl name="alignImgPlace1">
+    <dgm:scene3d>
+      <a:camera prst="orthographicFront"/>
+      <a:lightRig rig="threePt" dir="t"/>
+    </dgm:scene3d>
+    <dgm:sp3d/>
+    <dgm:txPr/>
+    <dgm:style>
+      <a:lnRef idx="2">
+        <a:scrgbClr r="0" g="0" b="0"/>
+      </a:lnRef>
+      <a:fillRef idx="1">
+        <a:scrgbClr r="0" g="0" b="0"/>
+      </a:fillRef>
+      <a:effectRef idx="0">
+        <a:scrgbClr r="0" g="0" b="0"/>
+      </a:effectRef>
+      <a:fontRef idx="minor"/>
+    </dgm:style>
+  </dgm:styleLbl>
+  <dgm:styleLbl name="bgImgPlace1">
+    <dgm:scene3d>
+      <a:camera prst="orthographicFront"/>
+      <a:lightRig rig="threePt" dir="t"/>
+    </dgm:scene3d>
+    <dgm:sp3d/>
+    <dgm:txPr/>
+    <dgm:style>
+      <a:lnRef idx="2">
+        <a:scrgbClr r="0" g="0" b="0"/>
+      </a:lnRef>
+      <a:fillRef idx="1">
+        <a:scrgbClr r="0" g="0" b="0"/>
+      </a:fillRef>
+      <a:effectRef idx="0">
+        <a:scrgbClr r="0" g="0" b="0"/>
+      </a:effectRef>
+      <a:fontRef idx="minor"/>
+    </dgm:style>
+  </dgm:styleLbl>
+  <dgm:styleLbl name="sibTrans2D1">
+    <dgm:scene3d>
+      <a:camera prst="orthographicFront"/>
+      <a:lightRig rig="threePt" dir="t"/>
+    </dgm:scene3d>
+    <dgm:sp3d/>
+    <dgm:txPr/>
+    <dgm:style>
+      <a:lnRef idx="0">
+        <a:scrgbClr r="0" g="0" b="0"/>
+      </a:lnRef>
+      <a:fillRef idx="1">
+        <a:scrgbClr r="0" g="0" b="0"/>
+      </a:fillRef>
+      <a:effectRef idx="0">
+        <a:scrgbClr r="0" g="0" b="0"/>
+      </a:effectRef>
+      <a:fontRef idx="minor">
+        <a:schemeClr val="lt1"/>
+      </a:fontRef>
+    </dgm:style>
+  </dgm:styleLbl>
+  <dgm:styleLbl name="fgSibTrans2D1">
+    <dgm:scene3d>
+      <a:camera prst="orthographicFront"/>
+      <a:lightRig rig="threePt" dir="t"/>
+    </dgm:scene3d>
+    <dgm:sp3d/>
+    <dgm:txPr/>
+    <dgm:style>
+      <a:lnRef idx="0">
+        <a:scrgbClr r="0" g="0" b="0"/>
+      </a:lnRef>
+      <a:fillRef idx="1">
+        <a:scrgbClr r="0" g="0" b="0"/>
+      </a:fillRef>
+      <a:effectRef idx="0">
+        <a:scrgbClr r="0" g="0" b="0"/>
+      </a:effectRef>
+      <a:fontRef idx="minor">
+        <a:schemeClr val="lt1"/>
+      </a:fontRef>
+    </dgm:style>
+  </dgm:styleLbl>
+  <dgm:styleLbl name="bgSibTrans2D1">
+    <dgm:scene3d>
+      <a:camera prst="orthographicFront"/>
+      <a:lightRig rig="threePt" dir="t"/>
+    </dgm:scene3d>
+    <dgm:sp3d/>
+    <dgm:txPr/>
+    <dgm:style>
+      <a:lnRef idx="0">
+        <a:scrgbClr r="0" g="0" b="0"/>
+      </a:lnRef>
+      <a:fillRef idx="1">
+        <a:scrgbClr r="0" g="0" b="0"/>
+      </a:fillRef>
+      <a:effectRef idx="0">
+        <a:scrgbClr r="0" g="0" b="0"/>
+      </a:effectRef>
+      <a:fontRef idx="minor">
+        <a:schemeClr val="lt1"/>
+      </a:fontRef>
+    </dgm:style>
+  </dgm:styleLbl>
+  <dgm:styleLbl name="sibTrans1D1">
+    <dgm:scene3d>
+      <a:camera prst="orthographicFront"/>
+      <a:lightRig rig="threePt" dir="t"/>
+    </dgm:scene3d>
+    <dgm:sp3d/>
+    <dgm:txPr/>
+    <dgm:style>
+      <a:lnRef idx="1">
+        <a:scrgbClr r="0" g="0" b="0"/>
+      </a:lnRef>
+      <a:fillRef idx="0">
+        <a:scrgbClr r="0" g="0" b="0"/>
+      </a:fillRef>
+      <a:effectRef idx="0">
+        <a:scrgbClr r="0" g="0" b="0"/>
+      </a:effectRef>
+      <a:fontRef idx="minor"/>
+    </dgm:style>
+  </dgm:styleLbl>
+  <dgm:styleLbl name="callout">
+    <dgm:scene3d>
+      <a:camera prst="orthographicFront"/>
+      <a:lightRig rig="threePt" dir="t"/>
+    </dgm:scene3d>
+    <dgm:sp3d/>
+    <dgm:txPr/>
+    <dgm:style>
+      <a:lnRef idx="2">
+        <a:scrgbClr r="0" g="0" b="0"/>
+      </a:lnRef>
+      <a:fillRef idx="1">
+        <a:scrgbClr r="0" g="0" b="0"/>
+      </a:fillRef>
+      <a:effectRef idx="0">
+        <a:scrgbClr r="0" g="0" b="0"/>
+      </a:effectRef>
+      <a:fontRef idx="minor"/>
+    </dgm:style>
+  </dgm:styleLbl>
+  <dgm:styleLbl name="asst0">
+    <dgm:scene3d>
+      <a:camera prst="orthographicFront"/>
+      <a:lightRig rig="threePt" dir="t"/>
+    </dgm:scene3d>
+    <dgm:sp3d/>
+    <dgm:txPr/>
+    <dgm:style>
+      <a:lnRef idx="2">
+        <a:scrgbClr r="0" g="0" b="0"/>
+      </a:lnRef>
+      <a:fillRef idx="1">
+        <a:scrgbClr r="0" g="0" b="0"/>
+      </a:fillRef>
+      <a:effectRef idx="0">
+        <a:scrgbClr r="0" g="0" b="0"/>
+      </a:effectRef>
+      <a:fontRef idx="minor">
+        <a:schemeClr val="lt1"/>
+      </a:fontRef>
+    </dgm:style>
+  </dgm:styleLbl>
+  <dgm:styleLbl name="asst1">
+    <dgm:scene3d>
+      <a:camera prst="orthographicFront"/>
+      <a:lightRig rig="threePt" dir="t"/>
+    </dgm:scene3d>
+    <dgm:sp3d/>
+    <dgm:txPr/>
+    <dgm:style>
+      <a:lnRef idx="2">
+        <a:scrgbClr r="0" g="0" b="0"/>
+      </a:lnRef>
+      <a:fillRef idx="1">
+        <a:scrgbClr r="0" g="0" b="0"/>
+      </a:fillRef>
+      <a:effectRef idx="0">
+        <a:scrgbClr r="0" g="0" b="0"/>
+      </a:effectRef>
+      <a:fontRef idx="minor">
+        <a:schemeClr val="lt1"/>
+      </a:fontRef>
+    </dgm:style>
+  </dgm:styleLbl>
+  <dgm:styleLbl name="asst2">
+    <dgm:scene3d>
+      <a:camera prst="orthographicFront"/>
+      <a:lightRig rig="threePt" dir="t"/>
+    </dgm:scene3d>
+    <dgm:sp3d/>
+    <dgm:txPr/>
+    <dgm:style>
+      <a:lnRef idx="2">
+        <a:scrgbClr r="0" g="0" b="0"/>
+      </a:lnRef>
+      <a:fillRef idx="1">
+        <a:scrgbClr r="0" g="0" b="0"/>
+      </a:fillRef>
+      <a:effectRef idx="0">
+        <a:scrgbClr r="0" g="0" b="0"/>
+      </a:effectRef>
+      <a:fontRef idx="minor">
+        <a:schemeClr val="lt1"/>
+      </a:fontRef>
+    </dgm:style>
+  </dgm:styleLbl>
+  <dgm:styleLbl name="asst3">
+    <dgm:scene3d>
+      <a:camera prst="orthographicFront"/>
+      <a:lightRig rig="threePt" dir="t"/>
+    </dgm:scene3d>
+    <dgm:sp3d/>
+    <dgm:txPr/>
+    <dgm:style>
+      <a:lnRef idx="2">
+        <a:scrgbClr r="0" g="0" b="0"/>
+      </a:lnRef>
+      <a:fillRef idx="1">
+        <a:scrgbClr r="0" g="0" b="0"/>
+      </a:fillRef>
+      <a:effectRef idx="0">
+        <a:scrgbClr r="0" g="0" b="0"/>
+      </a:effectRef>
+      <a:fontRef idx="minor">
+        <a:schemeClr val="lt1"/>
+      </a:fontRef>
+    </dgm:style>
+  </dgm:styleLbl>
+  <dgm:styleLbl name="asst4">
+    <dgm:scene3d>
+      <a:camera prst="orthographicFront"/>
+      <a:lightRig rig="threePt" dir="t"/>
+    </dgm:scene3d>
+    <dgm:sp3d/>
+    <dgm:txPr/>
+    <dgm:style>
+      <a:lnRef idx="2">
+        <a:scrgbClr r="0" g="0" b="0"/>
+      </a:lnRef>
+      <a:fillRef idx="1">
+        <a:scrgbClr r="0" g="0" b="0"/>
+      </a:fillRef>
+      <a:effectRef idx="0">
+        <a:scrgbClr r="0" g="0" b="0"/>
+      </a:effectRef>
+      <a:fontRef idx="minor">
+        <a:schemeClr val="lt1"/>
+      </a:fontRef>
+    </dgm:style>
+  </dgm:styleLbl>
+  <dgm:styleLbl name="parChTrans2D1">
+    <dgm:scene3d>
+      <a:camera prst="orthographicFront"/>
+      <a:lightRig rig="threePt" dir="t"/>
+    </dgm:scene3d>
+    <dgm:sp3d/>
+    <dgm:txPr/>
+    <dgm:style>
+      <a:lnRef idx="2">
+        <a:scrgbClr r="0" g="0" b="0"/>
+      </a:lnRef>
+      <a:fillRef idx="1">
+        <a:scrgbClr r="0" g="0" b="0"/>
+      </a:fillRef>
+      <a:effectRef idx="0">
+        <a:scrgbClr r="0" g="0" b="0"/>
+      </a:effectRef>
+      <a:fontRef idx="minor">
+        <a:schemeClr val="lt1"/>
+      </a:fontRef>
+    </dgm:style>
+  </dgm:styleLbl>
+  <dgm:styleLbl name="parChTrans2D2">
+    <dgm:scene3d>
+      <a:camera prst="orthographicFront"/>
+      <a:lightRig rig="threePt" dir="t"/>
+    </dgm:scene3d>
+    <dgm:sp3d/>
+    <dgm:txPr/>
+    <dgm:style>
+      <a:lnRef idx="2">
+        <a:scrgbClr r="0" g="0" b="0"/>
+      </a:lnRef>
+      <a:fillRef idx="1">
+        <a:scrgbClr r="0" g="0" b="0"/>
+      </a:fillRef>
+      <a:effectRef idx="0">
+        <a:scrgbClr r="0" g="0" b="0"/>
+      </a:effectRef>
+      <a:fontRef idx="minor">
+        <a:schemeClr val="lt1"/>
+      </a:fontRef>
+    </dgm:style>
+  </dgm:styleLbl>
+  <dgm:styleLbl name="parChTrans2D3">
+    <dgm:scene3d>
+      <a:camera prst="orthographicFront"/>
+      <a:lightRig rig="threePt" dir="t"/>
+    </dgm:scene3d>
+    <dgm:sp3d/>
+    <dgm:txPr/>
+    <dgm:style>
+      <a:lnRef idx="2">
+        <a:scrgbClr r="0" g="0" b="0"/>
+      </a:lnRef>
+      <a:fillRef idx="1">
+        <a:scrgbClr r="0" g="0" b="0"/>
+      </a:fillRef>
+      <a:effectRef idx="0">
+        <a:scrgbClr r="0" g="0" b="0"/>
+      </a:effectRef>
+      <a:fontRef idx="minor">
+        <a:schemeClr val="lt1"/>
+      </a:fontRef>
+    </dgm:style>
+  </dgm:styleLbl>
+  <dgm:styleLbl name="parChTrans2D4">
+    <dgm:scene3d>
+      <a:camera prst="orthographicFront"/>
+      <a:lightRig rig="threePt" dir="t"/>
+    </dgm:scene3d>
+    <dgm:sp3d/>
+    <dgm:txPr/>
+    <dgm:style>
+      <a:lnRef idx="2">
+        <a:scrgbClr r="0" g="0" b="0"/>
+      </a:lnRef>
+      <a:fillRef idx="1">
+        <a:scrgbClr r="0" g="0" b="0"/>
+      </a:fillRef>
+      <a:effectRef idx="0">
+        <a:scrgbClr r="0" g="0" b="0"/>
+      </a:effectRef>
+      <a:fontRef idx="minor">
+        <a:schemeClr val="lt1"/>
+      </a:fontRef>
+    </dgm:style>
+  </dgm:styleLbl>
+  <dgm:styleLbl name="parChTrans1D1">
+    <dgm:scene3d>
+      <a:camera prst="orthographicFront"/>
+      <a:lightRig rig="threePt" dir="t"/>
+    </dgm:scene3d>
+    <dgm:sp3d/>
+    <dgm:txPr/>
+    <dgm:style>
+      <a:lnRef idx="2">
+        <a:scrgbClr r="0" g="0" b="0"/>
+      </a:lnRef>
+      <a:fillRef idx="0">
+        <a:scrgbClr r="0" g="0" b="0"/>
+      </a:fillRef>
+      <a:effectRef idx="0">
+        <a:scrgbClr r="0" g="0" b="0"/>
+      </a:effectRef>
+      <a:fontRef idx="minor"/>
+    </dgm:style>
+  </dgm:styleLbl>
+  <dgm:styleLbl name="parChTrans1D2">
+    <dgm:scene3d>
+      <a:camera prst="orthographicFront"/>
+      <a:lightRig rig="threePt" dir="t"/>
+    </dgm:scene3d>
+    <dgm:sp3d/>
+    <dgm:txPr/>
+    <dgm:style>
+      <a:lnRef idx="2">
+        <a:scrgbClr r="0" g="0" b="0"/>
+      </a:lnRef>
+      <a:fillRef idx="0">
+        <a:scrgbClr r="0" g="0" b="0"/>
+      </a:fillRef>
+      <a:effectRef idx="0">
+        <a:scrgbClr r="0" g="0" b="0"/>
+      </a:effectRef>
+      <a:fontRef idx="minor"/>
+    </dgm:style>
+  </dgm:styleLbl>
+  <dgm:styleLbl name="parChTrans1D3">
+    <dgm:scene3d>
+      <a:camera prst="orthographicFront"/>
+      <a:lightRig rig="threePt" dir="t"/>
+    </dgm:scene3d>
+    <dgm:sp3d/>
+    <dgm:txPr/>
+    <dgm:style>
+      <a:lnRef idx="2">
+        <a:scrgbClr r="0" g="0" b="0"/>
+      </a:lnRef>
+      <a:fillRef idx="0">
+        <a:scrgbClr r="0" g="0" b="0"/>
+      </a:fillRef>
+      <a:effectRef idx="0">
+        <a:scrgbClr r="0" g="0" b="0"/>
+      </a:effectRef>
+      <a:fontRef idx="minor"/>
+    </dgm:style>
+  </dgm:styleLbl>
+  <dgm:styleLbl name="parChTrans1D4">
+    <dgm:scene3d>
+      <a:camera prst="orthographicFront"/>
+      <a:lightRig rig="threePt" dir="t"/>
+    </dgm:scene3d>
+    <dgm:sp3d/>
+    <dgm:txPr/>
+    <dgm:style>
+      <a:lnRef idx="2">
+        <a:scrgbClr r="0" g="0" b="0"/>
+      </a:lnRef>
+      <a:fillRef idx="0">
+        <a:scrgbClr r="0" g="0" b="0"/>
+      </a:fillRef>
+      <a:effectRef idx="0">
+        <a:scrgbClr r="0" g="0" b="0"/>
+      </a:effectRef>
+      <a:fontRef idx="minor"/>
+    </dgm:style>
+  </dgm:styleLbl>
+  <dgm:styleLbl name="fgAcc1">
+    <dgm:scene3d>
+      <a:camera prst="orthographicFront"/>
+      <a:lightRig rig="threePt" dir="t"/>
+    </dgm:scene3d>
+    <dgm:sp3d/>
+    <dgm:txPr/>
+    <dgm:style>
+      <a:lnRef idx="2">
+        <a:scrgbClr r="0" g="0" b="0"/>
+      </a:lnRef>
+      <a:fillRef idx="1">
+        <a:scrgbClr r="0" g="0" b="0"/>
+      </a:fillRef>
+      <a:effectRef idx="0">
+        <a:scrgbClr r="0" g="0" b="0"/>
+      </a:effectRef>
+      <a:fontRef idx="minor"/>
+    </dgm:style>
+  </dgm:styleLbl>
+  <dgm:styleLbl name="conFgAcc1">
+    <dgm:scene3d>
+      <a:camera prst="orthographicFront"/>
+      <a:lightRig rig="threePt" dir="t"/>
+    </dgm:scene3d>
+    <dgm:sp3d/>
+    <dgm:txPr/>
+    <dgm:style>
+      <a:lnRef idx="2">
+        <a:scrgbClr r="0" g="0" b="0"/>
+      </a:lnRef>
+      <a:fillRef idx="1">
+        <a:scrgbClr r="0" g="0" b="0"/>
+      </a:fillRef>
+      <a:effectRef idx="0">
+        <a:scrgbClr r="0" g="0" b="0"/>
+      </a:effectRef>
+      <a:fontRef idx="minor"/>
+    </dgm:style>
+  </dgm:styleLbl>
+  <dgm:styleLbl name="alignAcc1">
+    <dgm:scene3d>
+      <a:camera prst="orthographicFront"/>
+      <a:lightRig rig="threePt" dir="t"/>
+    </dgm:scene3d>
+    <dgm:sp3d/>
+    <dgm:txPr/>
+    <dgm:style>
+      <a:lnRef idx="2">
+        <a:scrgbClr r="0" g="0" b="0"/>
+      </a:lnRef>
+      <a:fillRef idx="1">
+        <a:scrgbClr r="0" g="0" b="0"/>
+      </a:fillRef>
+      <a:effectRef idx="0">
+        <a:scrgbClr r="0" g="0" b="0"/>
+      </a:effectRef>
+      <a:fontRef idx="minor"/>
+    </dgm:style>
+  </dgm:styleLbl>
+  <dgm:styleLbl name="trAlignAcc1">
+    <dgm:scene3d>
+      <a:camera prst="orthographicFront"/>
+      <a:lightRig rig="threePt" dir="t"/>
+    </dgm:scene3d>
+    <dgm:sp3d/>
+    <dgm:txPr/>
+    <dgm:style>
+      <a:lnRef idx="1">
+        <a:scrgbClr r="0" g="0" b="0"/>
+      </a:lnRef>
+      <a:fillRef idx="1">
+        <a:scrgbClr r="0" g="0" b="0"/>
+      </a:fillRef>
+      <a:effectRef idx="0">
+        <a:scrgbClr r="0" g="0" b="0"/>
+      </a:effectRef>
+      <a:fontRef idx="minor"/>
+    </dgm:style>
+  </dgm:styleLbl>
+  <dgm:styleLbl name="bgAcc1">
+    <dgm:scene3d>
+      <a:camera prst="orthographicFront"/>
+      <a:lightRig rig="threePt" dir="t"/>
+    </dgm:scene3d>
+    <dgm:sp3d/>
+    <dgm:txPr/>
+    <dgm:style>
+      <a:lnRef idx="2">
+        <a:scrgbClr r="0" g="0" b="0"/>
+      </a:lnRef>
+      <a:fillRef idx="1">
+        <a:scrgbClr r="0" g="0" b="0"/>
+      </a:fillRef>
+      <a:effectRef idx="0">
+        <a:scrgbClr r="0" g="0" b="0"/>
+      </a:effectRef>
+      <a:fontRef idx="minor"/>
+    </dgm:style>
+  </dgm:styleLbl>
+  <dgm:styleLbl name="solidFgAcc1">
+    <dgm:scene3d>
+      <a:camera prst="orthographicFront"/>
+      <a:lightRig rig="threePt" dir="t"/>
+    </dgm:scene3d>
+    <dgm:sp3d/>
+    <dgm:txPr/>
+    <dgm:style>
+      <a:lnRef idx="2">
+        <a:scrgbClr r="0" g="0" b="0"/>
+      </a:lnRef>
+      <a:fillRef idx="1">
+        <a:scrgbClr r="0" g="0" b="0"/>
+      </a:fillRef>
+      <a:effectRef idx="0">
+        <a:scrgbClr r="0" g="0" b="0"/>
+      </a:effectRef>
+      <a:fontRef idx="minor"/>
+    </dgm:style>
+  </dgm:styleLbl>
+  <dgm:styleLbl name="solidAlignAcc1">
+    <dgm:scene3d>
+      <a:camera prst="orthographicFront"/>
+      <a:lightRig rig="threePt" dir="t"/>
+    </dgm:scene3d>
+    <dgm:sp3d/>
+    <dgm:txPr/>
+    <dgm:style>
+      <a:lnRef idx="2">
+        <a:scrgbClr r="0" g="0" b="0"/>
+      </a:lnRef>
+      <a:fillRef idx="1">
+        <a:scrgbClr r="0" g="0" b="0"/>
+      </a:fillRef>
+      <a:effectRef idx="0">
+        <a:scrgbClr r="0" g="0" b="0"/>
+      </a:effectRef>
+      <a:fontRef idx="minor"/>
+    </dgm:style>
+  </dgm:styleLbl>
+  <dgm:styleLbl name="solidBgAcc1">
+    <dgm:scene3d>
+      <a:camera prst="orthographicFront"/>
+      <a:lightRig rig="threePt" dir="t"/>
+    </dgm:scene3d>
+    <dgm:sp3d/>
+    <dgm:txPr/>
+    <dgm:style>
+      <a:lnRef idx="2">
+        <a:scrgbClr r="0" g="0" b="0"/>
+      </a:lnRef>
+      <a:fillRef idx="1">
+        <a:scrgbClr r="0" g="0" b="0"/>
+      </a:fillRef>
+      <a:effectRef idx="0">
+        <a:scrgbClr r="0" g="0" b="0"/>
+      </a:effectRef>
+      <a:fontRef idx="minor"/>
+    </dgm:style>
+  </dgm:styleLbl>
+  <dgm:styleLbl name="fgAccFollowNode1">
+    <dgm:scene3d>
+      <a:camera prst="orthographicFront"/>
+      <a:lightRig rig="threePt" dir="t"/>
+    </dgm:scene3d>
+    <dgm:sp3d/>
+    <dgm:txPr/>
+    <dgm:style>
+      <a:lnRef idx="2">
+        <a:scrgbClr r="0" g="0" b="0"/>
+      </a:lnRef>
+      <a:fillRef idx="1">
+        <a:scrgbClr r="0" g="0" b="0"/>
+      </a:fillRef>
+      <a:effectRef idx="0">
+        <a:scrgbClr r="0" g="0" b="0"/>
+      </a:effectRef>
+      <a:fontRef idx="minor"/>
+    </dgm:style>
+  </dgm:styleLbl>
+  <dgm:styleLbl name="alignAccFollowNode1">
+    <dgm:scene3d>
+      <a:camera prst="orthographicFront"/>
+      <a:lightRig rig="threePt" dir="t"/>
+    </dgm:scene3d>
+    <dgm:sp3d/>
+    <dgm:txPr/>
+    <dgm:style>
+      <a:lnRef idx="2">
+        <a:scrgbClr r="0" g="0" b="0"/>
+      </a:lnRef>
+      <a:fillRef idx="1">
+        <a:scrgbClr r="0" g="0" b="0"/>
+      </a:fillRef>
+      <a:effectRef idx="0">
+        <a:scrgbClr r="0" g="0" b="0"/>
+      </a:effectRef>
+      <a:fontRef idx="minor"/>
+    </dgm:style>
+  </dgm:styleLbl>
+  <dgm:styleLbl name="bgAccFollowNode1">
+    <dgm:scene3d>
+      <a:camera prst="orthographicFront"/>
+      <a:lightRig rig="threePt" dir="t"/>
+    </dgm:scene3d>
+    <dgm:sp3d/>
+    <dgm:txPr/>
+    <dgm:style>
+      <a:lnRef idx="2">
+        <a:scrgbClr r="0" g="0" b="0"/>
+      </a:lnRef>
+      <a:fillRef idx="1">
+        <a:scrgbClr r="0" g="0" b="0"/>
+      </a:fillRef>
+      <a:effectRef idx="0">
+        <a:scrgbClr r="0" g="0" b="0"/>
+      </a:effectRef>
+      <a:fontRef idx="minor"/>
+    </dgm:style>
+  </dgm:styleLbl>
+  <dgm:styleLbl name="fgAcc0">
+    <dgm:scene3d>
+      <a:camera prst="orthographicFront"/>
+      <a:lightRig rig="threePt" dir="t"/>
+    </dgm:scene3d>
+    <dgm:sp3d/>
+    <dgm:txPr/>
+    <dgm:style>
+      <a:lnRef idx="2">
+        <a:scrgbClr r="0" g="0" b="0"/>
+      </a:lnRef>
+      <a:fillRef idx="1">
+        <a:scrgbClr r="0" g="0" b="0"/>
+      </a:fillRef>
+      <a:effectRef idx="0">
+        <a:scrgbClr r="0" g="0" b="0"/>
+      </a:effectRef>
+      <a:fontRef idx="minor"/>
+    </dgm:style>
+  </dgm:styleLbl>
+  <dgm:styleLbl name="fgAcc2">
+    <dgm:scene3d>
+      <a:camera prst="orthographicFront"/>
+      <a:lightRig rig="threePt" dir="t"/>
+    </dgm:scene3d>
+    <dgm:sp3d/>
+    <dgm:txPr/>
+    <dgm:style>
+      <a:lnRef idx="2">
+        <a:scrgbClr r="0" g="0" b="0"/>
+      </a:lnRef>
+      <a:fillRef idx="1">
+        <a:scrgbClr r="0" g="0" b="0"/>
+      </a:fillRef>
+      <a:effectRef idx="0">
+        <a:scrgbClr r="0" g="0" b="0"/>
+      </a:effectRef>
+      <a:fontRef idx="minor"/>
+    </dgm:style>
+  </dgm:styleLbl>
+  <dgm:styleLbl name="fgAcc3">
+    <dgm:scene3d>
+      <a:camera prst="orthographicFront"/>
+      <a:lightRig rig="threePt" dir="t"/>
+    </dgm:scene3d>
+    <dgm:sp3d/>
+    <dgm:txPr/>
+    <dgm:style>
+      <a:lnRef idx="2">
+        <a:scrgbClr r="0" g="0" b="0"/>
+      </a:lnRef>
+      <a:fillRef idx="1">
+        <a:scrgbClr r="0" g="0" b="0"/>
+      </a:fillRef>
+      <a:effectRef idx="0">
+        <a:scrgbClr r="0" g="0" b="0"/>
+      </a:effectRef>
+      <a:fontRef idx="minor"/>
+    </dgm:style>
+  </dgm:styleLbl>
+  <dgm:styleLbl name="fgAcc4">
+    <dgm:scene3d>
+      <a:camera prst="orthographicFront"/>
+      <a:lightRig rig="threePt" dir="t"/>
+    </dgm:scene3d>
+    <dgm:sp3d/>
+    <dgm:txPr/>
+    <dgm:style>
+      <a:lnRef idx="2">
+        <a:scrgbClr r="0" g="0" b="0"/>
+      </a:lnRef>
+      <a:fillRef idx="1">
+        <a:scrgbClr r="0" g="0" b="0"/>
+      </a:fillRef>
+      <a:effectRef idx="0">
+        <a:scrgbClr r="0" g="0" b="0"/>
+      </a:effectRef>
+      <a:fontRef idx="minor"/>
+    </dgm:style>
+  </dgm:styleLbl>
+  <dgm:styleLbl name="bgShp">
+    <dgm:scene3d>
+      <a:camera prst="orthographicFront"/>
+      <a:lightRig rig="threePt" dir="t"/>
+    </dgm:scene3d>
+    <dgm:sp3d/>
+    <dgm:txPr/>
+    <dgm:style>
+      <a:lnRef idx="0">
+        <a:scrgbClr r="0" g="0" b="0"/>
+      </a:lnRef>
+      <a:fillRef idx="1">
+        <a:scrgbClr r="0" g="0" b="0"/>
+      </a:fillRef>
+      <a:effectRef idx="0">
+        <a:scrgbClr r="0" g="0" b="0"/>
+      </a:effectRef>
+      <a:fontRef idx="minor"/>
+    </dgm:style>
+  </dgm:styleLbl>
+  <dgm:styleLbl name="dkBgShp">
+    <dgm:scene3d>
+      <a:camera prst="orthographicFront"/>
+      <a:lightRig rig="threePt" dir="t"/>
+    </dgm:scene3d>
+    <dgm:sp3d/>
+    <dgm:txPr/>
+    <dgm:style>
+      <a:lnRef idx="0">
+        <a:scrgbClr r="0" g="0" b="0"/>
+      </a:lnRef>
+      <a:fillRef idx="1">
+        <a:scrgbClr r="0" g="0" b="0"/>
+      </a:fillRef>
+      <a:effectRef idx="0">
+        <a:scrgbClr r="0" g="0" b="0"/>
+      </a:effectRef>
+      <a:fontRef idx="minor"/>
+    </dgm:style>
+  </dgm:styleLbl>
+  <dgm:styleLbl name="trBgShp">
+    <dgm:scene3d>
+      <a:camera prst="orthographicFront"/>
+      <a:lightRig rig="threePt" dir="t"/>
+    </dgm:scene3d>
+    <dgm:sp3d/>
+    <dgm:txPr/>
+    <dgm:style>
+      <a:lnRef idx="0">
+        <a:scrgbClr r="0" g="0" b="0"/>
+      </a:lnRef>
+      <a:fillRef idx="1">
+        <a:scrgbClr r="0" g="0" b="0"/>
+      </a:fillRef>
+      <a:effectRef idx="0">
+        <a:scrgbClr r="0" g="0" b="0"/>
+      </a:effectRef>
+      <a:fontRef idx="minor"/>
+    </dgm:style>
+  </dgm:styleLbl>
+  <dgm:styleLbl name="fgShp">
+    <dgm:scene3d>
+      <a:camera prst="orthographicFront"/>
+      <a:lightRig rig="threePt" dir="t"/>
+    </dgm:scene3d>
+    <dgm:sp3d/>
+    <dgm:txPr/>
+    <dgm:style>
+      <a:lnRef idx="2">
+        <a:scrgbClr r="0" g="0" b="0"/>
+      </a:lnRef>
+      <a:fillRef idx="1">
+        <a:scrgbClr r="0" g="0" b="0"/>
+      </a:fillRef>
+      <a:effectRef idx="0">
+        <a:scrgbClr r="0" g="0" b="0"/>
+      </a:effectRef>
+      <a:fontRef idx="minor"/>
+    </dgm:style>
+  </dgm:styleLbl>
+  <dgm:styleLbl name="revTx">
+    <dgm:scene3d>
+      <a:camera prst="orthographicFront"/>
+      <a:lightRig rig="threePt" dir="t"/>
+    </dgm:scene3d>
+    <dgm:sp3d/>
+    <dgm:txPr/>
+    <dgm:style>
+      <a:lnRef idx="0">
+        <a:scrgbClr r="0" g="0" b="0"/>
+      </a:lnRef>
+      <a:fillRef idx="0">
+        <a:scrgbClr r="0" g="0" b="0"/>
+      </a:fillRef>
+      <a:effectRef idx="0">
+        <a:scrgbClr r="0" g="0" b="0"/>
+      </a:effectRef>
+      <a:fontRef idx="minor"/>
+    </dgm:style>
+  </dgm:styleLbl>
+</dgm:styleDef>
+</file>
+
 <file path=ppt/ink/ink1.xml><?xml version="1.0" encoding="utf-8"?>
 <inkml:ink xmlns:inkml="http://www.w3.org/2003/InkML">
   <inkml:definitions>
@@ -247,6 +3042,230 @@
     </inkml:brush>
   </inkml:definitions>
   <inkml:trace contextRef="#ctx0" brushRef="#br0">1 2908 24575,'0'-6'0,"1"0"0,0 0 0,1 0 0,-1 1 0,1-1 0,0 1 0,0-1 0,1 1 0,-1 0 0,1 0 0,6-8 0,-2 3 0,0 2 0,1-1 0,0 1 0,0 0 0,11-7 0,291-193 0,-61 30 0,82-62 0,272-241 0,-543 436 0,133-109 0,-132 103 0,116-74 0,-68 52 0,-76 52 0,59-28 0,-1 1 0,-62 33 0,1 1 0,1 1 0,0 2 0,0 1 0,1 1 0,0 2 0,44-4 0,102-24 0,-168 32 0,0-1 0,-1 1 0,1-2 0,-1 1 0,0-2 0,13-9 0,-14 9 0,0 1 0,1 0 0,-1 0 0,1 0 0,0 1 0,0 1 0,19-5 0,69 0 0,-73 7 0,0 0 0,0-2 0,26-6 0,159-29 0,-136 28 0,-14 4 0,-48 6 0,1 0 0,0-1 0,-1-1 0,1 0 0,-1 0 0,1-1 0,-1 0 0,0-1 0,0-1 0,13-7 0,-1-1 0,0 0 0,1 1 0,0 1 0,1 2 0,0 0 0,1 2 0,27-5 0,51-16 0,79-13 0,-36 10 0,-59 0 0,-69 22 0,1 2 0,0 0 0,0 1 0,26-4 0,193-30 0,-160 21 0,-54 12 0,1 1 0,48-5 0,35 6 0,143 11 0,-245-5 0,1-1 0,-1 1 0,0 1 0,0-1 0,0 1 0,0 0 0,-1 1 0,1-1 0,12 8 0,-17-3 0,-12-5 0,-13-3 0,-16-11 0,0-2 0,1-2 0,1-1 0,0-2 0,2-2 0,0-1 0,1-1 0,1-2 0,2-2 0,-31-32 0,36 36 0,-45-32 0,42 34 0,-34-31 0,49 39 0,10 10 0,-1-1 0,1 0 0,0 0 0,0 0 0,0-1 0,1 1 0,-5-8 0,8 11 0,0 1 0,0-1 0,0 1 0,0-1 0,0 0 0,0 1 0,0-1 0,0 1 0,0-1 0,0 1 0,0-1 0,0 1 0,0-1 0,1 1 0,-1-1 0,0 1 0,0-1 0,1 1 0,-1-1 0,0 1 0,1-1 0,-1 1 0,0 0 0,1-1 0,-1 1 0,0 0 0,1-1 0,-1 1 0,1 0 0,-1-1 0,1 1 0,-1 0 0,1 0 0,-1 0 0,1-1 0,-1 1 0,1 0 0,-1 0 0,1 0 0,-1 0 0,2 0 0,25-4 0,-25 4 0,10-1 0,-1 0 0,1 1 0,0 1 0,0 0 0,-1 0 0,1 1 0,0 1 0,-1 0 0,0 0 0,0 1 0,0 0 0,0 1 0,-1 1 0,1 0 0,-1 0 0,-1 1 0,17 14 0,27 23 0,1-3 0,96 55 0,-94-61 0,-24-16 0,-25-17 0,-1 2 0,0-1 0,0 1 0,0 0 0,0 0 0,-1 0 0,1 1 0,-1 0 0,0 0 0,-1 0 0,1 1 0,-1-1 0,4 9 0,1 0 0,0 0 0,1-1 0,12 13 0,-14-18 0,-1 1 0,0 0 0,0 0 0,-1 1 0,0-1 0,0 1 0,-1 1 0,5 13 0,-9-20 0,-1 0 0,0-1 0,0 1 0,0-1 0,0 1 0,-1-1 0,1 1 0,-1 0 0,0-1 0,0 0 0,0 1 0,0-1 0,-1 0 0,0 1 0,1-1 0,-1 0 0,0 0 0,0 0 0,-1-1 0,1 1 0,-1 0 0,1-1 0,-7 4 0,-6 7 0,-2-1 0,0-1 0,-18 9 0,18-11 0,-20 15 0,1 2 0,-38 33 0,43-31 0,-2-2 0,-59 35 0,26-18-1365,42-22-5461</inkml:trace>
+</inkml:ink>
+</file>
+
+<file path=ppt/ink/ink12.xml><?xml version="1.0" encoding="utf-8"?>
+<inkml:ink xmlns:inkml="http://www.w3.org/2003/InkML">
+  <inkml:definitions>
+    <inkml:context xml:id="ctx0">
+      <inkml:inkSource xml:id="inkSrc0">
+        <inkml:traceFormat>
+          <inkml:channel name="X" type="integer" min="-2.14748E9" max="2.14748E9" units="cm"/>
+          <inkml:channel name="Y" type="integer" min="-2.14748E9" max="2.14748E9" units="cm"/>
+          <inkml:channel name="F" type="integer" max="32767" units="dev"/>
+        </inkml:traceFormat>
+        <inkml:channelProperties>
+          <inkml:channelProperty channel="X" name="resolution" value="1000" units="1/cm"/>
+          <inkml:channelProperty channel="Y" name="resolution" value="1000" units="1/cm"/>
+          <inkml:channelProperty channel="F" name="resolution" value="0" units="1/dev"/>
+        </inkml:channelProperties>
+      </inkml:inkSource>
+      <inkml:timestamp xml:id="ts0" timeString="2024-09-17T14:20:44.482"/>
+    </inkml:context>
+    <inkml:brush xml:id="br0">
+      <inkml:brushProperty name="width" value="0.05" units="cm"/>
+      <inkml:brushProperty name="height" value="0.05" units="cm"/>
+      <inkml:brushProperty name="color" value="#E71224"/>
+    </inkml:brush>
+  </inkml:definitions>
+  <inkml:trace contextRef="#ctx0" brushRef="#br0">1 1 24575,'21'26'0,"-2"0"0,0 2 0,-2 0 0,-1 1 0,20 49 0,-16-35 0,-16-35 0,1 0 0,0-1 0,1 1 0,-1-1 0,9 7 0,-9-9 0,0 1 0,0 0 0,0 0 0,0 0 0,-1 1 0,0-1 0,-1 1 0,5 10 0,-6-11 0,-1 1 0,0-1 0,1 0 0,0-1 0,0 1 0,1 0 0,0 0 0,0-1 0,0 0 0,0 1 0,1-1 0,0 0 0,0-1 0,1 1 0,-1-1 0,1 0 0,5 4 0,-4-4 0,0 1 0,-1-1 0,0 1 0,0 0 0,0 0 0,0 1 0,-1-1 0,0 1 0,0 0 0,-1 0 0,0 1 0,0-1 0,3 10 0,10 18 0,-16-33 0,0 0 0,1-1 0,-1 1 0,1 0 0,-1-1 0,1 1 0,-1 0 0,1-1 0,-1 1 0,1 0 0,0-1 0,-1 1 0,1-1 0,0 1 0,-1-1 0,1 0 0,0 1 0,0-1 0,0 0 0,-1 1 0,1-1 0,0 0 0,0 0 0,0 0 0,0 0 0,-1 0 0,1 1 0,0-2 0,0 1 0,0 0 0,0 0 0,-1 0 0,1 0 0,0 0 0,0-1 0,0 1 0,-1 0 0,1-1 0,0 1 0,0-1 0,-1 1 0,1-1 0,0 0 0,36-33 0,-18 15 0,-3 5 0,-1-1 0,0 0 0,16-22 0,-18 20 0,1 1 0,0 1 0,20-17 0,-12 12 21,-1 0 0,-1-2-1,-1 0 1,27-41 0,-32 41-231,1 1 0,1 1 0,1 0 0,0 2 1,2 0-1,31-25 0,-18 23-6616</inkml:trace>
+</inkml:ink>
+</file>
+
+<file path=ppt/ink/ink13.xml><?xml version="1.0" encoding="utf-8"?>
+<inkml:ink xmlns:inkml="http://www.w3.org/2003/InkML">
+  <inkml:definitions>
+    <inkml:context xml:id="ctx0">
+      <inkml:inkSource xml:id="inkSrc0">
+        <inkml:traceFormat>
+          <inkml:channel name="X" type="integer" min="-2.14748E9" max="2.14748E9" units="cm"/>
+          <inkml:channel name="Y" type="integer" min="-2.14748E9" max="2.14748E9" units="cm"/>
+          <inkml:channel name="F" type="integer" max="32767" units="dev"/>
+        </inkml:traceFormat>
+        <inkml:channelProperties>
+          <inkml:channelProperty channel="X" name="resolution" value="1000" units="1/cm"/>
+          <inkml:channelProperty channel="Y" name="resolution" value="1000" units="1/cm"/>
+          <inkml:channelProperty channel="F" name="resolution" value="0" units="1/dev"/>
+        </inkml:channelProperties>
+      </inkml:inkSource>
+      <inkml:timestamp xml:id="ts0" timeString="2024-09-17T14:20:47.738"/>
+    </inkml:context>
+    <inkml:brush xml:id="br0">
+      <inkml:brushProperty name="width" value="0.05" units="cm"/>
+      <inkml:brushProperty name="height" value="0.05" units="cm"/>
+      <inkml:brushProperty name="color" value="#E71224"/>
+    </inkml:brush>
+  </inkml:definitions>
+  <inkml:trace contextRef="#ctx0" brushRef="#br0">0 2140 24575,'2'-10'0,"0"0"0,0-1 0,1 1 0,0 0 0,1 0 0,0 0 0,1 1 0,0 0 0,0 0 0,13-17 0,22-42 0,-33 46 0,0 0 0,-2-1 0,0 1 0,-2-1 0,2-27 0,-3 16 0,12-49 0,-4 30 0,-8 38 0,1 1 0,0-1 0,1 1 0,0 0 0,1 1 0,8-17 0,5 0 0,-2-1 0,-2 0 0,-1-1 0,-1 0 0,13-59 0,14-76 0,0 6 0,-34 145 0,-1 1 0,2 0 0,0 0 0,12-21 0,-11 22 0,0 0 0,-1 0 0,0-1 0,-1 0 0,4-18 0,-4-53 0,-5 72 0,0-1 0,0 1 0,1 0 0,1 0 0,1 0 0,0 0 0,1 0 0,7-18 0,73-151 0,-81 176 0,0 1 0,1 0 0,-1 0 0,1 1 0,1-1 0,-1 1 0,1 0 0,0 0 0,0 0 0,0 1 0,1-1 0,0 1 0,0 1 0,8-5 0,5 0 0,1 1 0,-1 1 0,30-6 0,-25 7 0,0-1 0,26-10 0,-43 12 0,0 1 0,0-1 0,0 0 0,-1 0 0,1 0 0,-1-1 0,0 0 0,0-1 0,-1 1 0,10-13 0,-9 11 0,0 0 0,1 1 0,0-1 0,0 1 0,0 1 0,1-1 0,0 1 0,0 1 0,1-1 0,-1 1 0,11-3 0,4-1 0,1 1 0,0 1 0,27-3 0,-13 5 0,-1 1 0,1 2 0,0 2 0,0 1 0,0 2 0,68 16 0,-42-9 0,-51-10 0,0 1 0,1 0 0,-1 1 0,-1 0 0,1 1 0,0 1 0,-1 0 0,14 8 0,-9-4 6,1 0-1,0-1 1,0 0 0,32 7-1,4 2-1398,-29-8-5433</inkml:trace>
+</inkml:ink>
+</file>
+
+<file path=ppt/ink/ink14.xml><?xml version="1.0" encoding="utf-8"?>
+<inkml:ink xmlns:inkml="http://www.w3.org/2003/InkML">
+  <inkml:definitions>
+    <inkml:context xml:id="ctx0">
+      <inkml:inkSource xml:id="inkSrc0">
+        <inkml:traceFormat>
+          <inkml:channel name="X" type="integer" min="-2.14748E9" max="2.14748E9" units="cm"/>
+          <inkml:channel name="Y" type="integer" min="-2.14748E9" max="2.14748E9" units="cm"/>
+          <inkml:channel name="F" type="integer" max="32767" units="dev"/>
+        </inkml:traceFormat>
+        <inkml:channelProperties>
+          <inkml:channelProperty channel="X" name="resolution" value="1000" units="1/cm"/>
+          <inkml:channelProperty channel="Y" name="resolution" value="1000" units="1/cm"/>
+          <inkml:channelProperty channel="F" name="resolution" value="0" units="1/dev"/>
+        </inkml:channelProperties>
+      </inkml:inkSource>
+      <inkml:timestamp xml:id="ts0" timeString="2024-09-17T14:22:39.298"/>
+    </inkml:context>
+    <inkml:brush xml:id="br0">
+      <inkml:brushProperty name="width" value="0.05" units="cm"/>
+      <inkml:brushProperty name="height" value="0.05" units="cm"/>
+      <inkml:brushProperty name="color" value="#E71224"/>
+    </inkml:brush>
+  </inkml:definitions>
+  <inkml:trace contextRef="#ctx0" brushRef="#br0">1 1 24575,'21'26'0,"-2"0"0,0 2 0,-2 0 0,-1 1 0,20 49 0,-16-35 0,-16-35 0,1 0 0,0-1 0,1 1 0,-1-1 0,9 7 0,-9-9 0,0 1 0,0 0 0,0 0 0,0 0 0,-1 1 0,0-1 0,-1 1 0,5 10 0,-6-11 0,-1 1 0,0-1 0,1 0 0,0-1 0,0 1 0,1 0 0,0 0 0,0-1 0,0 0 0,0 1 0,1-1 0,0 0 0,0-1 0,1 1 0,-1-1 0,1 0 0,5 4 0,-4-4 0,0 1 0,-1-1 0,0 1 0,0 0 0,0 0 0,0 1 0,-1-1 0,0 1 0,0 0 0,-1 0 0,0 1 0,0-1 0,3 10 0,10 18 0,-16-33 0,0 0 0,1-1 0,-1 1 0,1 0 0,-1-1 0,1 1 0,-1 0 0,1-1 0,-1 1 0,1 0 0,0-1 0,-1 1 0,1-1 0,0 1 0,-1-1 0,1 0 0,0 1 0,0-1 0,0 0 0,-1 1 0,1-1 0,0 0 0,0 0 0,0 0 0,0 0 0,-1 0 0,1 1 0,0-2 0,0 1 0,0 0 0,0 0 0,-1 0 0,1 0 0,0 0 0,0-1 0,0 1 0,-1 0 0,1-1 0,0 1 0,0-1 0,-1 1 0,1-1 0,0 0 0,36-33 0,-18 15 0,-3 5 0,-1-1 0,0 0 0,16-22 0,-18 20 0,1 1 0,0 1 0,20-17 0,-12 12 21,-1 0 0,-1-2-1,-1 0 1,27-41 0,-32 41-231,1 1 0,1 1 0,1 0 0,0 2 1,2 0-1,31-25 0,-18 23-6616</inkml:trace>
+</inkml:ink>
+</file>
+
+<file path=ppt/ink/ink15.xml><?xml version="1.0" encoding="utf-8"?>
+<inkml:ink xmlns:inkml="http://www.w3.org/2003/InkML">
+  <inkml:definitions>
+    <inkml:context xml:id="ctx0">
+      <inkml:inkSource xml:id="inkSrc0">
+        <inkml:traceFormat>
+          <inkml:channel name="X" type="integer" min="-2.14748E9" max="2.14748E9" units="cm"/>
+          <inkml:channel name="Y" type="integer" min="-2.14748E9" max="2.14748E9" units="cm"/>
+          <inkml:channel name="F" type="integer" max="32767" units="dev"/>
+        </inkml:traceFormat>
+        <inkml:channelProperties>
+          <inkml:channelProperty channel="X" name="resolution" value="1000" units="1/cm"/>
+          <inkml:channelProperty channel="Y" name="resolution" value="1000" units="1/cm"/>
+          <inkml:channelProperty channel="F" name="resolution" value="0" units="1/dev"/>
+        </inkml:channelProperties>
+      </inkml:inkSource>
+      <inkml:timestamp xml:id="ts0" timeString="2024-09-17T14:22:39.299"/>
+    </inkml:context>
+    <inkml:brush xml:id="br0">
+      <inkml:brushProperty name="width" value="0.05" units="cm"/>
+      <inkml:brushProperty name="height" value="0.05" units="cm"/>
+      <inkml:brushProperty name="color" value="#E71224"/>
+    </inkml:brush>
+  </inkml:definitions>
+  <inkml:trace contextRef="#ctx0" brushRef="#br0">0 2140 24575,'2'-10'0,"0"0"0,0-1 0,1 1 0,0 0 0,1 0 0,0 0 0,1 1 0,0 0 0,0 0 0,13-17 0,22-42 0,-33 46 0,0 0 0,-2-1 0,0 1 0,-2-1 0,2-27 0,-3 16 0,12-49 0,-4 30 0,-8 38 0,1 1 0,0-1 0,1 1 0,0 0 0,1 1 0,8-17 0,5 0 0,-2-1 0,-2 0 0,-1-1 0,-1 0 0,13-59 0,14-76 0,0 6 0,-34 145 0,-1 1 0,2 0 0,0 0 0,12-21 0,-11 22 0,0 0 0,-1 0 0,0-1 0,-1 0 0,4-18 0,-4-53 0,-5 72 0,0-1 0,0 1 0,1 0 0,1 0 0,1 0 0,0 0 0,1 0 0,7-18 0,73-151 0,-81 176 0,0 1 0,1 0 0,-1 0 0,1 1 0,1-1 0,-1 1 0,1 0 0,0 0 0,0 0 0,0 1 0,1-1 0,0 1 0,0 1 0,8-5 0,5 0 0,1 1 0,-1 1 0,30-6 0,-25 7 0,0-1 0,26-10 0,-43 12 0,0 1 0,0-1 0,0 0 0,-1 0 0,1 0 0,-1-1 0,0 0 0,0-1 0,-1 1 0,10-13 0,-9 11 0,0 0 0,1 1 0,0-1 0,0 1 0,0 1 0,1-1 0,0 1 0,0 1 0,1-1 0,-1 1 0,11-3 0,4-1 0,1 1 0,0 1 0,27-3 0,-13 5 0,-1 1 0,1 2 0,0 2 0,0 1 0,0 2 0,68 16 0,-42-9 0,-51-10 0,0 1 0,1 0 0,-1 1 0,-1 0 0,1 1 0,0 1 0,-1 0 0,14 8 0,-9-4 6,1 0-1,0-1 1,0 0 0,32 7-1,4 2-1398,-29-8-5433</inkml:trace>
+</inkml:ink>
+</file>
+
+<file path=ppt/ink/ink16.xml><?xml version="1.0" encoding="utf-8"?>
+<inkml:ink xmlns:inkml="http://www.w3.org/2003/InkML">
+  <inkml:definitions>
+    <inkml:context xml:id="ctx0">
+      <inkml:inkSource xml:id="inkSrc0">
+        <inkml:traceFormat>
+          <inkml:channel name="X" type="integer" min="-2.14748E9" max="2.14748E9" units="cm"/>
+          <inkml:channel name="Y" type="integer" min="-2.14748E9" max="2.14748E9" units="cm"/>
+          <inkml:channel name="F" type="integer" max="32767" units="dev"/>
+        </inkml:traceFormat>
+        <inkml:channelProperties>
+          <inkml:channelProperty channel="X" name="resolution" value="1000" units="1/cm"/>
+          <inkml:channelProperty channel="Y" name="resolution" value="1000" units="1/cm"/>
+          <inkml:channelProperty channel="F" name="resolution" value="0" units="1/dev"/>
+        </inkml:channelProperties>
+      </inkml:inkSource>
+      <inkml:timestamp xml:id="ts0" timeString="2024-09-17T14:24:28.525"/>
+    </inkml:context>
+    <inkml:brush xml:id="br0">
+      <inkml:brushProperty name="width" value="0.05" units="cm"/>
+      <inkml:brushProperty name="height" value="0.05" units="cm"/>
+      <inkml:brushProperty name="color" value="#E71224"/>
+    </inkml:brush>
+  </inkml:definitions>
+  <inkml:trace contextRef="#ctx0" brushRef="#br0">1 1 24575,'21'26'0,"-2"0"0,0 2 0,-2 0 0,-1 1 0,20 49 0,-16-35 0,-16-35 0,1 0 0,0-1 0,1 1 0,-1-1 0,9 7 0,-9-9 0,0 1 0,0 0 0,0 0 0,0 0 0,-1 1 0,0-1 0,-1 1 0,5 10 0,-6-11 0,-1 1 0,0-1 0,1 0 0,0-1 0,0 1 0,1 0 0,0 0 0,0-1 0,0 0 0,0 1 0,1-1 0,0 0 0,0-1 0,1 1 0,-1-1 0,1 0 0,5 4 0,-4-4 0,0 1 0,-1-1 0,0 1 0,0 0 0,0 0 0,0 1 0,-1-1 0,0 1 0,0 0 0,-1 0 0,0 1 0,0-1 0,3 10 0,10 18 0,-16-33 0,0 0 0,1-1 0,-1 1 0,1 0 0,-1-1 0,1 1 0,-1 0 0,1-1 0,-1 1 0,1 0 0,0-1 0,-1 1 0,1-1 0,0 1 0,-1-1 0,1 0 0,0 1 0,0-1 0,0 0 0,-1 1 0,1-1 0,0 0 0,0 0 0,0 0 0,0 0 0,-1 0 0,1 1 0,0-2 0,0 1 0,0 0 0,0 0 0,-1 0 0,1 0 0,0 0 0,0-1 0,0 1 0,-1 0 0,1-1 0,0 1 0,0-1 0,-1 1 0,1-1 0,0 0 0,36-33 0,-18 15 0,-3 5 0,-1-1 0,0 0 0,16-22 0,-18 20 0,1 1 0,0 1 0,20-17 0,-12 12 21,-1 0 0,-1-2-1,-1 0 1,27-41 0,-32 41-231,1 1 0,1 1 0,1 0 0,0 2 1,2 0-1,31-25 0,-18 23-6616</inkml:trace>
+</inkml:ink>
+</file>
+
+<file path=ppt/ink/ink17.xml><?xml version="1.0" encoding="utf-8"?>
+<inkml:ink xmlns:inkml="http://www.w3.org/2003/InkML">
+  <inkml:definitions>
+    <inkml:context xml:id="ctx0">
+      <inkml:inkSource xml:id="inkSrc0">
+        <inkml:traceFormat>
+          <inkml:channel name="X" type="integer" min="-2.14748E9" max="2.14748E9" units="cm"/>
+          <inkml:channel name="Y" type="integer" min="-2.14748E9" max="2.14748E9" units="cm"/>
+          <inkml:channel name="F" type="integer" max="32767" units="dev"/>
+        </inkml:traceFormat>
+        <inkml:channelProperties>
+          <inkml:channelProperty channel="X" name="resolution" value="1000" units="1/cm"/>
+          <inkml:channelProperty channel="Y" name="resolution" value="1000" units="1/cm"/>
+          <inkml:channelProperty channel="F" name="resolution" value="0" units="1/dev"/>
+        </inkml:channelProperties>
+      </inkml:inkSource>
+      <inkml:timestamp xml:id="ts0" timeString="2024-09-17T14:24:28.526"/>
+    </inkml:context>
+    <inkml:brush xml:id="br0">
+      <inkml:brushProperty name="width" value="0.05" units="cm"/>
+      <inkml:brushProperty name="height" value="0.05" units="cm"/>
+      <inkml:brushProperty name="color" value="#E71224"/>
+    </inkml:brush>
+  </inkml:definitions>
+  <inkml:trace contextRef="#ctx0" brushRef="#br0">0 2140 24575,'2'-10'0,"0"0"0,0-1 0,1 1 0,0 0 0,1 0 0,0 0 0,1 1 0,0 0 0,0 0 0,13-17 0,22-42 0,-33 46 0,0 0 0,-2-1 0,0 1 0,-2-1 0,2-27 0,-3 16 0,12-49 0,-4 30 0,-8 38 0,1 1 0,0-1 0,1 1 0,0 0 0,1 1 0,8-17 0,5 0 0,-2-1 0,-2 0 0,-1-1 0,-1 0 0,13-59 0,14-76 0,0 6 0,-34 145 0,-1 1 0,2 0 0,0 0 0,12-21 0,-11 22 0,0 0 0,-1 0 0,0-1 0,-1 0 0,4-18 0,-4-53 0,-5 72 0,0-1 0,0 1 0,1 0 0,1 0 0,1 0 0,0 0 0,1 0 0,7-18 0,73-151 0,-81 176 0,0 1 0,1 0 0,-1 0 0,1 1 0,1-1 0,-1 1 0,1 0 0,0 0 0,0 0 0,0 1 0,1-1 0,0 1 0,0 1 0,8-5 0,5 0 0,1 1 0,-1 1 0,30-6 0,-25 7 0,0-1 0,26-10 0,-43 12 0,0 1 0,0-1 0,0 0 0,-1 0 0,1 0 0,-1-1 0,0 0 0,0-1 0,-1 1 0,10-13 0,-9 11 0,0 0 0,1 1 0,0-1 0,0 1 0,0 1 0,1-1 0,0 1 0,0 1 0,1-1 0,-1 1 0,11-3 0,4-1 0,1 1 0,0 1 0,27-3 0,-13 5 0,-1 1 0,1 2 0,0 2 0,0 1 0,0 2 0,68 16 0,-42-9 0,-51-10 0,0 1 0,1 0 0,-1 1 0,-1 0 0,1 1 0,0 1 0,-1 0 0,14 8 0,-9-4 6,1 0-1,0-1 1,0 0 0,32 7-1,4 2-1398,-29-8-5433</inkml:trace>
+</inkml:ink>
+</file>
+
+<file path=ppt/ink/ink18.xml><?xml version="1.0" encoding="utf-8"?>
+<inkml:ink xmlns:inkml="http://www.w3.org/2003/InkML">
+  <inkml:definitions>
+    <inkml:context xml:id="ctx0">
+      <inkml:inkSource xml:id="inkSrc0">
+        <inkml:traceFormat>
+          <inkml:channel name="X" type="integer" min="-2.14748E9" max="2.14748E9" units="cm"/>
+          <inkml:channel name="Y" type="integer" min="-2.14748E9" max="2.14748E9" units="cm"/>
+          <inkml:channel name="F" type="integer" max="32767" units="dev"/>
+        </inkml:traceFormat>
+        <inkml:channelProperties>
+          <inkml:channelProperty channel="X" name="resolution" value="1000" units="1/cm"/>
+          <inkml:channelProperty channel="Y" name="resolution" value="1000" units="1/cm"/>
+          <inkml:channelProperty channel="F" name="resolution" value="0" units="1/dev"/>
+        </inkml:channelProperties>
+      </inkml:inkSource>
+      <inkml:timestamp xml:id="ts0" timeString="2024-09-17T14:25:12.143"/>
+    </inkml:context>
+    <inkml:brush xml:id="br0">
+      <inkml:brushProperty name="width" value="0.05" units="cm"/>
+      <inkml:brushProperty name="height" value="0.05" units="cm"/>
+      <inkml:brushProperty name="color" value="#E71224"/>
+    </inkml:brush>
+  </inkml:definitions>
+  <inkml:trace contextRef="#ctx0" brushRef="#br0">1 1 24575,'21'26'0,"-2"0"0,0 2 0,-2 0 0,-1 1 0,20 49 0,-16-35 0,-16-35 0,1 0 0,0-1 0,1 1 0,-1-1 0,9 7 0,-9-9 0,0 1 0,0 0 0,0 0 0,0 0 0,-1 1 0,0-1 0,-1 1 0,5 10 0,-6-11 0,-1 1 0,0-1 0,1 0 0,0-1 0,0 1 0,1 0 0,0 0 0,0-1 0,0 0 0,0 1 0,1-1 0,0 0 0,0-1 0,1 1 0,-1-1 0,1 0 0,5 4 0,-4-4 0,0 1 0,-1-1 0,0 1 0,0 0 0,0 0 0,0 1 0,-1-1 0,0 1 0,0 0 0,-1 0 0,0 1 0,0-1 0,3 10 0,10 18 0,-16-33 0,0 0 0,1-1 0,-1 1 0,1 0 0,-1-1 0,1 1 0,-1 0 0,1-1 0,-1 1 0,1 0 0,0-1 0,-1 1 0,1-1 0,0 1 0,-1-1 0,1 0 0,0 1 0,0-1 0,0 0 0,-1 1 0,1-1 0,0 0 0,0 0 0,0 0 0,0 0 0,-1 0 0,1 1 0,0-2 0,0 1 0,0 0 0,0 0 0,-1 0 0,1 0 0,0 0 0,0-1 0,0 1 0,-1 0 0,1-1 0,0 1 0,0-1 0,-1 1 0,1-1 0,0 0 0,36-33 0,-18 15 0,-3 5 0,-1-1 0,0 0 0,16-22 0,-18 20 0,1 1 0,0 1 0,20-17 0,-12 12 21,-1 0 0,-1-2-1,-1 0 1,27-41 0,-32 41-231,1 1 0,1 1 0,1 0 0,0 2 1,2 0-1,31-25 0,-18 23-6616</inkml:trace>
+</inkml:ink>
+</file>
+
+<file path=ppt/ink/ink19.xml><?xml version="1.0" encoding="utf-8"?>
+<inkml:ink xmlns:inkml="http://www.w3.org/2003/InkML">
+  <inkml:definitions>
+    <inkml:context xml:id="ctx0">
+      <inkml:inkSource xml:id="inkSrc0">
+        <inkml:traceFormat>
+          <inkml:channel name="X" type="integer" min="-2.14748E9" max="2.14748E9" units="cm"/>
+          <inkml:channel name="Y" type="integer" min="-2.14748E9" max="2.14748E9" units="cm"/>
+          <inkml:channel name="F" type="integer" max="32767" units="dev"/>
+        </inkml:traceFormat>
+        <inkml:channelProperties>
+          <inkml:channelProperty channel="X" name="resolution" value="1000" units="1/cm"/>
+          <inkml:channelProperty channel="Y" name="resolution" value="1000" units="1/cm"/>
+          <inkml:channelProperty channel="F" name="resolution" value="0" units="1/dev"/>
+        </inkml:channelProperties>
+      </inkml:inkSource>
+      <inkml:timestamp xml:id="ts0" timeString="2024-09-17T14:25:12.144"/>
+    </inkml:context>
+    <inkml:brush xml:id="br0">
+      <inkml:brushProperty name="width" value="0.05" units="cm"/>
+      <inkml:brushProperty name="height" value="0.05" units="cm"/>
+      <inkml:brushProperty name="color" value="#E71224"/>
+    </inkml:brush>
+  </inkml:definitions>
+  <inkml:trace contextRef="#ctx0" brushRef="#br0">0 2140 24575,'2'-10'0,"0"0"0,0-1 0,1 1 0,0 0 0,1 0 0,0 0 0,1 1 0,0 0 0,0 0 0,13-17 0,22-42 0,-33 46 0,0 0 0,-2-1 0,0 1 0,-2-1 0,2-27 0,-3 16 0,12-49 0,-4 30 0,-8 38 0,1 1 0,0-1 0,1 1 0,0 0 0,1 1 0,8-17 0,5 0 0,-2-1 0,-2 0 0,-1-1 0,-1 0 0,13-59 0,14-76 0,0 6 0,-34 145 0,-1 1 0,2 0 0,0 0 0,12-21 0,-11 22 0,0 0 0,-1 0 0,0-1 0,-1 0 0,4-18 0,-4-53 0,-5 72 0,0-1 0,0 1 0,1 0 0,1 0 0,1 0 0,0 0 0,1 0 0,7-18 0,73-151 0,-81 176 0,0 1 0,1 0 0,-1 0 0,1 1 0,1-1 0,-1 1 0,1 0 0,0 0 0,0 0 0,0 1 0,1-1 0,0 1 0,0 1 0,8-5 0,5 0 0,1 1 0,-1 1 0,30-6 0,-25 7 0,0-1 0,26-10 0,-43 12 0,0 1 0,0-1 0,0 0 0,-1 0 0,1 0 0,-1-1 0,0 0 0,0-1 0,-1 1 0,10-13 0,-9 11 0,0 0 0,1 1 0,0-1 0,0 1 0,0 1 0,1-1 0,0 1 0,0 1 0,1-1 0,-1 1 0,11-3 0,4-1 0,1 1 0,0 1 0,27-3 0,-13 5 0,-1 1 0,1 2 0,0 2 0,0 1 0,0 2 0,68 16 0,-42-9 0,-51-10 0,0 1 0,1 0 0,-1 1 0,-1 0 0,1 1 0,0 1 0,-1 0 0,14 8 0,-9-4 6,1 0-1,0-1 1,0 0 0,32 7-1,4 2-1398,-29-8-5433</inkml:trace>
 </inkml:ink>
 </file>
 
@@ -558,7 +3577,7 @@
           <a:p>
             <a:fld id="{19F43255-63C2-45C3-A55E-F07DF58CF366}" type="datetimeFigureOut">
               <a:rPr lang="en-US" smtClean="0"/>
-              <a:t>9/16/2024</a:t>
+              <a:t>9/17/2024</a:t>
             </a:fld>
             <a:endParaRPr lang="en-US"/>
           </a:p>
@@ -1056,7 +4075,7 @@
           <a:p>
             <a:fld id="{4BAACB4A-D2BC-4616-96DC-36385AED944F}" type="datetimeFigureOut">
               <a:rPr lang="en-US" smtClean="0"/>
-              <a:t>9/16/2024</a:t>
+              <a:t>9/17/2024</a:t>
             </a:fld>
             <a:endParaRPr lang="en-US"/>
           </a:p>
@@ -1254,7 +4273,7 @@
           <a:p>
             <a:fld id="{4BAACB4A-D2BC-4616-96DC-36385AED944F}" type="datetimeFigureOut">
               <a:rPr lang="en-US" smtClean="0"/>
-              <a:t>9/16/2024</a:t>
+              <a:t>9/17/2024</a:t>
             </a:fld>
             <a:endParaRPr lang="en-US"/>
           </a:p>
@@ -1462,7 +4481,7 @@
           <a:p>
             <a:fld id="{4BAACB4A-D2BC-4616-96DC-36385AED944F}" type="datetimeFigureOut">
               <a:rPr lang="en-US" smtClean="0"/>
-              <a:t>9/16/2024</a:t>
+              <a:t>9/17/2024</a:t>
             </a:fld>
             <a:endParaRPr lang="en-US"/>
           </a:p>
@@ -1660,7 +4679,7 @@
           <a:p>
             <a:fld id="{4BAACB4A-D2BC-4616-96DC-36385AED944F}" type="datetimeFigureOut">
               <a:rPr lang="en-US" smtClean="0"/>
-              <a:t>9/16/2024</a:t>
+              <a:t>9/17/2024</a:t>
             </a:fld>
             <a:endParaRPr lang="en-US"/>
           </a:p>
@@ -1935,7 +4954,7 @@
           <a:p>
             <a:fld id="{4BAACB4A-D2BC-4616-96DC-36385AED944F}" type="datetimeFigureOut">
               <a:rPr lang="en-US" smtClean="0"/>
-              <a:t>9/16/2024</a:t>
+              <a:t>9/17/2024</a:t>
             </a:fld>
             <a:endParaRPr lang="en-US"/>
           </a:p>
@@ -2200,7 +5219,7 @@
           <a:p>
             <a:fld id="{4BAACB4A-D2BC-4616-96DC-36385AED944F}" type="datetimeFigureOut">
               <a:rPr lang="en-US" smtClean="0"/>
-              <a:t>9/16/2024</a:t>
+              <a:t>9/17/2024</a:t>
             </a:fld>
             <a:endParaRPr lang="en-US"/>
           </a:p>
@@ -2612,7 +5631,7 @@
           <a:p>
             <a:fld id="{4BAACB4A-D2BC-4616-96DC-36385AED944F}" type="datetimeFigureOut">
               <a:rPr lang="en-US" smtClean="0"/>
-              <a:t>9/16/2024</a:t>
+              <a:t>9/17/2024</a:t>
             </a:fld>
             <a:endParaRPr lang="en-US"/>
           </a:p>
@@ -2753,7 +5772,7 @@
           <a:p>
             <a:fld id="{4BAACB4A-D2BC-4616-96DC-36385AED944F}" type="datetimeFigureOut">
               <a:rPr lang="en-US" smtClean="0"/>
-              <a:t>9/16/2024</a:t>
+              <a:t>9/17/2024</a:t>
             </a:fld>
             <a:endParaRPr lang="en-US"/>
           </a:p>
@@ -2866,7 +5885,7 @@
           <a:p>
             <a:fld id="{4BAACB4A-D2BC-4616-96DC-36385AED944F}" type="datetimeFigureOut">
               <a:rPr lang="en-US" smtClean="0"/>
-              <a:t>9/16/2024</a:t>
+              <a:t>9/17/2024</a:t>
             </a:fld>
             <a:endParaRPr lang="en-US"/>
           </a:p>
@@ -3177,7 +6196,7 @@
           <a:p>
             <a:fld id="{4BAACB4A-D2BC-4616-96DC-36385AED944F}" type="datetimeFigureOut">
               <a:rPr lang="en-US" smtClean="0"/>
-              <a:t>9/16/2024</a:t>
+              <a:t>9/17/2024</a:t>
             </a:fld>
             <a:endParaRPr lang="en-US"/>
           </a:p>
@@ -3465,7 +6484,7 @@
           <a:p>
             <a:fld id="{4BAACB4A-D2BC-4616-96DC-36385AED944F}" type="datetimeFigureOut">
               <a:rPr lang="en-US" smtClean="0"/>
-              <a:t>9/16/2024</a:t>
+              <a:t>9/17/2024</a:t>
             </a:fld>
             <a:endParaRPr lang="en-US"/>
           </a:p>
@@ -3706,7 +6725,7 @@
           <a:p>
             <a:fld id="{4BAACB4A-D2BC-4616-96DC-36385AED944F}" type="datetimeFigureOut">
               <a:rPr lang="en-US" smtClean="0"/>
-              <a:t>9/16/2024</a:t>
+              <a:t>9/17/2024</a:t>
             </a:fld>
             <a:endParaRPr lang="en-US"/>
           </a:p>
@@ -11969,8 +14988,8 @@
           </a:p>
         </p:txBody>
       </p:sp>
-      <mc:AlternateContent xmlns:mc="http://schemas.openxmlformats.org/markup-compatibility/2006">
-        <mc:Choice xmlns:p14="http://schemas.microsoft.com/office/powerpoint/2010/main" Requires="p14">
+      <mc:AlternateContent xmlns:mc="http://schemas.openxmlformats.org/markup-compatibility/2006" xmlns:p14="http://schemas.microsoft.com/office/powerpoint/2010/main">
+        <mc:Choice Requires="p14">
           <p:contentPart p14:bwMode="auto" r:id="rId2">
             <p14:nvContentPartPr>
               <p14:cNvPr id="6" name="Ink 5">
@@ -11989,7 +15008,7 @@
             </p14:xfrm>
           </p:contentPart>
         </mc:Choice>
-        <mc:Fallback>
+        <mc:Fallback xmlns="">
           <p:pic>
             <p:nvPicPr>
               <p:cNvPr id="6" name="Ink 5">
@@ -13438,15 +16457,61 @@
           <a:p>
             <a:r>
               <a:rPr lang="en-US" dirty="0"/>
-              <a:t>Using Google, </a:t>
-            </a:r>
-            <a:r>
-              <a:rPr lang="en-US" dirty="0" err="1"/>
-              <a:t>stackoverflow</a:t>
-            </a:r>
-            <a:r>
-              <a:rPr lang="en-US" dirty="0"/>
-              <a:t> and MDN </a:t>
+              <a:t>Using Google, stack overflow and MDN </a:t>
+            </a:r>
+          </a:p>
+        </p:txBody>
+      </p:sp>
+      <p:sp>
+        <p:nvSpPr>
+          <p:cNvPr id="3" name="Title 1">
+            <a:extLst>
+              <a:ext uri="{FF2B5EF4-FFF2-40B4-BE49-F238E27FC236}">
+                <a16:creationId xmlns:a16="http://schemas.microsoft.com/office/drawing/2014/main" id="{A5A227EF-FB2A-7732-33F2-2A8D4D8406FB}"/>
+              </a:ext>
+            </a:extLst>
+          </p:cNvPr>
+          <p:cNvSpPr txBox="1">
+            <a:spLocks/>
+          </p:cNvSpPr>
+          <p:nvPr/>
+        </p:nvSpPr>
+        <p:spPr>
+          <a:xfrm>
+            <a:off x="838200" y="2208440"/>
+            <a:ext cx="10515600" cy="1325563"/>
+          </a:xfrm>
+          <a:prstGeom prst="rect">
+            <a:avLst/>
+          </a:prstGeom>
+        </p:spPr>
+        <p:txBody>
+          <a:bodyPr vert="horz" lIns="91440" tIns="45720" rIns="91440" bIns="45720" rtlCol="0" anchor="ctr">
+            <a:normAutofit/>
+          </a:bodyPr>
+          <a:lstStyle>
+            <a:lvl1pPr algn="l" defTabSz="914400" rtl="0" eaLnBrk="1" latinLnBrk="0" hangingPunct="1">
+              <a:lnSpc>
+                <a:spcPct val="90000"/>
+              </a:lnSpc>
+              <a:spcBef>
+                <a:spcPct val="0"/>
+              </a:spcBef>
+              <a:buNone/>
+              <a:defRPr sz="4400" kern="1200">
+                <a:solidFill>
+                  <a:schemeClr val="tx1"/>
+                </a:solidFill>
+                <a:latin typeface="+mj-lt"/>
+                <a:ea typeface="+mj-ea"/>
+                <a:cs typeface="+mj-cs"/>
+              </a:defRPr>
+            </a:lvl1pPr>
+          </a:lstStyle>
+          <a:p>
+            <a:r>
+              <a:rPr lang="en-US" dirty="0"/>
+              <a:t>Debugging(Fixing Errors)</a:t>
             </a:r>
           </a:p>
         </p:txBody>
@@ -13455,6 +16520,121 @@
     <p:extLst>
       <p:ext uri="{BB962C8B-B14F-4D97-AF65-F5344CB8AC3E}">
         <p14:creationId xmlns:p14="http://schemas.microsoft.com/office/powerpoint/2010/main" val="550379891"/>
+      </p:ext>
+    </p:extLst>
+  </p:cSld>
+  <p:clrMapOvr>
+    <a:masterClrMapping/>
+  </p:clrMapOvr>
+</p:sld>
+</file>
+
+<file path=ppt/slides/slide49.xml><?xml version="1.0" encoding="utf-8"?>
+<p:sld xmlns:a="http://schemas.openxmlformats.org/drawingml/2006/main" xmlns:r="http://schemas.openxmlformats.org/officeDocument/2006/relationships" xmlns:p="http://schemas.openxmlformats.org/presentationml/2006/main">
+  <p:cSld>
+    <p:spTree>
+      <p:nvGrpSpPr>
+        <p:cNvPr id="1" name=""/>
+        <p:cNvGrpSpPr/>
+        <p:nvPr/>
+      </p:nvGrpSpPr>
+      <p:grpSpPr>
+        <a:xfrm>
+          <a:off x="0" y="0"/>
+          <a:ext cx="0" cy="0"/>
+          <a:chOff x="0" y="0"/>
+          <a:chExt cx="0" cy="0"/>
+        </a:xfrm>
+      </p:grpSpPr>
+      <p:sp>
+        <p:nvSpPr>
+          <p:cNvPr id="2" name="Title 1">
+            <a:extLst>
+              <a:ext uri="{FF2B5EF4-FFF2-40B4-BE49-F238E27FC236}">
+                <a16:creationId xmlns:a16="http://schemas.microsoft.com/office/drawing/2014/main" id="{1C1525B3-1CF8-15BF-5E5D-F035B85D1A1D}"/>
+              </a:ext>
+            </a:extLst>
+          </p:cNvPr>
+          <p:cNvSpPr>
+            <a:spLocks noGrp="1"/>
+          </p:cNvSpPr>
+          <p:nvPr>
+            <p:ph type="title"/>
+          </p:nvPr>
+        </p:nvSpPr>
+        <p:spPr>
+          <a:xfrm>
+            <a:off x="838200" y="365125"/>
+            <a:ext cx="5925457" cy="665389"/>
+          </a:xfrm>
+        </p:spPr>
+        <p:txBody>
+          <a:bodyPr>
+            <a:normAutofit fontScale="90000"/>
+          </a:bodyPr>
+          <a:lstStyle/>
+          <a:p>
+            <a:r>
+              <a:rPr lang="en-US" dirty="0"/>
+              <a:t>What is a Software BUG?</a:t>
+            </a:r>
+          </a:p>
+        </p:txBody>
+      </p:sp>
+      <p:sp>
+        <p:nvSpPr>
+          <p:cNvPr id="3" name="Content Placeholder 2">
+            <a:extLst>
+              <a:ext uri="{FF2B5EF4-FFF2-40B4-BE49-F238E27FC236}">
+                <a16:creationId xmlns:a16="http://schemas.microsoft.com/office/drawing/2014/main" id="{7E5023D6-4DFA-BE3D-10B4-5FC29EBF810E}"/>
+              </a:ext>
+            </a:extLst>
+          </p:cNvPr>
+          <p:cNvSpPr>
+            <a:spLocks noGrp="1"/>
+          </p:cNvSpPr>
+          <p:nvPr>
+            <p:ph idx="1"/>
+          </p:nvPr>
+        </p:nvSpPr>
+        <p:spPr>
+          <a:xfrm>
+            <a:off x="653143" y="1277257"/>
+            <a:ext cx="10700657" cy="5215618"/>
+          </a:xfrm>
+        </p:spPr>
+        <p:txBody>
+          <a:bodyPr>
+            <a:normAutofit/>
+          </a:bodyPr>
+          <a:lstStyle/>
+          <a:p>
+            <a:pPr algn="just"/>
+            <a:r>
+              <a:rPr lang="en-US" sz="3600" dirty="0"/>
+              <a:t>Software bug: Defect or problem in a computer program. Basically, any unexpected or unintended behavior of a computer program is a software bug.</a:t>
+            </a:r>
+          </a:p>
+          <a:p>
+            <a:pPr algn="just"/>
+            <a:r>
+              <a:rPr lang="en-US" sz="3600" dirty="0"/>
+              <a:t>Bugs are completely normal in software development!</a:t>
+            </a:r>
+          </a:p>
+          <a:p>
+            <a:pPr algn="just"/>
+            <a:r>
+              <a:rPr lang="en-US" sz="3600" dirty="0"/>
+              <a:t>Debugging: Process of finding, fixing and preventing bugs.</a:t>
+            </a:r>
+          </a:p>
+        </p:txBody>
+      </p:sp>
+    </p:spTree>
+    <p:extLst>
+      <p:ext uri="{BB962C8B-B14F-4D97-AF65-F5344CB8AC3E}">
+        <p14:creationId xmlns:p14="http://schemas.microsoft.com/office/powerpoint/2010/main" val="425415227"/>
       </p:ext>
     </p:extLst>
   </p:cSld>
@@ -14267,6 +17447,1093 @@
     <p:extLst>
       <p:ext uri="{BB962C8B-B14F-4D97-AF65-F5344CB8AC3E}">
         <p14:creationId xmlns:p14="http://schemas.microsoft.com/office/powerpoint/2010/main" val="2886040256"/>
+      </p:ext>
+    </p:extLst>
+  </p:cSld>
+  <p:clrMapOvr>
+    <a:masterClrMapping/>
+  </p:clrMapOvr>
+</p:sld>
+</file>
+
+<file path=ppt/slides/slide50.xml><?xml version="1.0" encoding="utf-8"?>
+<p:sld xmlns:a="http://schemas.openxmlformats.org/drawingml/2006/main" xmlns:r="http://schemas.openxmlformats.org/officeDocument/2006/relationships" xmlns:p="http://schemas.openxmlformats.org/presentationml/2006/main">
+  <p:cSld>
+    <p:spTree>
+      <p:nvGrpSpPr>
+        <p:cNvPr id="1" name=""/>
+        <p:cNvGrpSpPr/>
+        <p:nvPr/>
+      </p:nvGrpSpPr>
+      <p:grpSpPr>
+        <a:xfrm>
+          <a:off x="0" y="0"/>
+          <a:ext cx="0" cy="0"/>
+          <a:chOff x="0" y="0"/>
+          <a:chExt cx="0" cy="0"/>
+        </a:xfrm>
+      </p:grpSpPr>
+      <p:sp>
+        <p:nvSpPr>
+          <p:cNvPr id="2" name="Title 1">
+            <a:extLst>
+              <a:ext uri="{FF2B5EF4-FFF2-40B4-BE49-F238E27FC236}">
+                <a16:creationId xmlns:a16="http://schemas.microsoft.com/office/drawing/2014/main" id="{E2370BD6-0305-0822-50A3-E89BA621A6E3}"/>
+              </a:ext>
+            </a:extLst>
+          </p:cNvPr>
+          <p:cNvSpPr>
+            <a:spLocks noGrp="1"/>
+          </p:cNvSpPr>
+          <p:nvPr>
+            <p:ph type="title"/>
+          </p:nvPr>
+        </p:nvSpPr>
+        <p:spPr>
+          <a:xfrm>
+            <a:off x="838200" y="365126"/>
+            <a:ext cx="6331857" cy="796018"/>
+          </a:xfrm>
+        </p:spPr>
+        <p:txBody>
+          <a:bodyPr/>
+          <a:lstStyle/>
+          <a:p>
+            <a:r>
+              <a:rPr lang="en-US" dirty="0"/>
+              <a:t>The DEBUGGING PROCESS</a:t>
+            </a:r>
+          </a:p>
+        </p:txBody>
+      </p:sp>
+      <p:graphicFrame>
+        <p:nvGraphicFramePr>
+          <p:cNvPr id="4" name="Diagram 3">
+            <a:extLst>
+              <a:ext uri="{FF2B5EF4-FFF2-40B4-BE49-F238E27FC236}">
+                <a16:creationId xmlns:a16="http://schemas.microsoft.com/office/drawing/2014/main" id="{2BC2D0CC-0658-F415-E0FD-B54D4DA1EB80}"/>
+              </a:ext>
+            </a:extLst>
+          </p:cNvPr>
+          <p:cNvGraphicFramePr/>
+          <p:nvPr>
+            <p:extLst>
+              <p:ext uri="{D42A27DB-BD31-4B8C-83A1-F6EECF244321}">
+                <p14:modId xmlns:p14="http://schemas.microsoft.com/office/powerpoint/2010/main" val="3387409683"/>
+              </p:ext>
+            </p:extLst>
+          </p:nvPr>
+        </p:nvGraphicFramePr>
+        <p:xfrm>
+          <a:off x="319315" y="719666"/>
+          <a:ext cx="11335656" cy="5773208"/>
+        </p:xfrm>
+        <a:graphic>
+          <a:graphicData uri="http://schemas.openxmlformats.org/drawingml/2006/diagram">
+            <dgm:relIds xmlns:dgm="http://schemas.openxmlformats.org/drawingml/2006/diagram" xmlns:r="http://schemas.openxmlformats.org/officeDocument/2006/relationships" r:dm="rId2" r:lo="rId3" r:qs="rId4" r:cs="rId5"/>
+          </a:graphicData>
+        </a:graphic>
+      </p:graphicFrame>
+      <p:grpSp>
+        <p:nvGrpSpPr>
+          <p:cNvPr id="13" name="Group 12">
+            <a:extLst>
+              <a:ext uri="{FF2B5EF4-FFF2-40B4-BE49-F238E27FC236}">
+                <a16:creationId xmlns:a16="http://schemas.microsoft.com/office/drawing/2014/main" id="{F607AA0C-4DB1-9646-5CE1-1B38A45D76D6}"/>
+              </a:ext>
+            </a:extLst>
+          </p:cNvPr>
+          <p:cNvGrpSpPr/>
+          <p:nvPr/>
+        </p:nvGrpSpPr>
+        <p:grpSpPr>
+          <a:xfrm>
+            <a:off x="957634" y="1566073"/>
+            <a:ext cx="2511280" cy="1061030"/>
+            <a:chOff x="957634" y="1566073"/>
+            <a:chExt cx="2511280" cy="1061030"/>
+          </a:xfrm>
+        </p:grpSpPr>
+        <mc:AlternateContent xmlns:mc="http://schemas.openxmlformats.org/markup-compatibility/2006">
+          <mc:Choice xmlns:p14="http://schemas.microsoft.com/office/powerpoint/2010/main" Requires="p14">
+            <p:contentPart p14:bwMode="auto" r:id="rId7">
+              <p14:nvContentPartPr>
+                <p14:cNvPr id="5" name="Ink 4">
+                  <a:extLst>
+                    <a:ext uri="{FF2B5EF4-FFF2-40B4-BE49-F238E27FC236}">
+                      <a16:creationId xmlns:a16="http://schemas.microsoft.com/office/drawing/2014/main" id="{BC383EC9-4C17-0132-BD82-A7399C6FD7BA}"/>
+                    </a:ext>
+                  </a:extLst>
+                </p14:cNvPr>
+                <p14:cNvContentPartPr/>
+                <p14:nvPr/>
+              </p14:nvContentPartPr>
+              <p14:xfrm>
+                <a:off x="957634" y="2379783"/>
+                <a:ext cx="331200" cy="219240"/>
+              </p14:xfrm>
+            </p:contentPart>
+          </mc:Choice>
+          <mc:Fallback>
+            <p:pic>
+              <p:nvPicPr>
+                <p:cNvPr id="5" name="Ink 4">
+                  <a:extLst>
+                    <a:ext uri="{FF2B5EF4-FFF2-40B4-BE49-F238E27FC236}">
+                      <a16:creationId xmlns:a16="http://schemas.microsoft.com/office/drawing/2014/main" id="{BC383EC9-4C17-0132-BD82-A7399C6FD7BA}"/>
+                    </a:ext>
+                  </a:extLst>
+                </p:cNvPr>
+                <p:cNvPicPr/>
+                <p:nvPr/>
+              </p:nvPicPr>
+              <p:blipFill>
+                <a:blip r:embed="rId8"/>
+                <a:stretch>
+                  <a:fillRect/>
+                </a:stretch>
+              </p:blipFill>
+              <p:spPr>
+                <a:xfrm>
+                  <a:off x="948994" y="2371143"/>
+                  <a:ext cx="348840" cy="236880"/>
+                </a:xfrm>
+                <a:prstGeom prst="rect">
+                  <a:avLst/>
+                </a:prstGeom>
+              </p:spPr>
+            </p:pic>
+          </mc:Fallback>
+        </mc:AlternateContent>
+        <p:grpSp>
+          <p:nvGrpSpPr>
+            <p:cNvPr id="8" name="Group 7">
+              <a:extLst>
+                <a:ext uri="{FF2B5EF4-FFF2-40B4-BE49-F238E27FC236}">
+                  <a16:creationId xmlns:a16="http://schemas.microsoft.com/office/drawing/2014/main" id="{5AA1001D-DE63-D5BE-E025-FB7F3DF77C67}"/>
+                </a:ext>
+              </a:extLst>
+            </p:cNvPr>
+            <p:cNvGrpSpPr/>
+            <p:nvPr/>
+          </p:nvGrpSpPr>
+          <p:grpSpPr>
+            <a:xfrm>
+              <a:off x="1102714" y="1566073"/>
+              <a:ext cx="2366200" cy="1061030"/>
+              <a:chOff x="1102714" y="1566073"/>
+              <a:chExt cx="2366200" cy="1061030"/>
+            </a:xfrm>
+          </p:grpSpPr>
+          <mc:AlternateContent xmlns:mc="http://schemas.openxmlformats.org/markup-compatibility/2006">
+            <mc:Choice xmlns:p14="http://schemas.microsoft.com/office/powerpoint/2010/main" Requires="p14">
+              <p:contentPart p14:bwMode="auto" r:id="rId9">
+                <p14:nvContentPartPr>
+                  <p14:cNvPr id="6" name="Ink 5">
+                    <a:extLst>
+                      <a:ext uri="{FF2B5EF4-FFF2-40B4-BE49-F238E27FC236}">
+                        <a16:creationId xmlns:a16="http://schemas.microsoft.com/office/drawing/2014/main" id="{1A6A9487-A772-E4F1-B793-89A54B0D2BD8}"/>
+                      </a:ext>
+                    </a:extLst>
+                  </p14:cNvPr>
+                  <p14:cNvContentPartPr/>
+                  <p14:nvPr/>
+                </p14:nvContentPartPr>
+                <p14:xfrm>
+                  <a:off x="1102714" y="1856343"/>
+                  <a:ext cx="671040" cy="770760"/>
+                </p14:xfrm>
+              </p:contentPart>
+            </mc:Choice>
+            <mc:Fallback>
+              <p:pic>
+                <p:nvPicPr>
+                  <p:cNvPr id="6" name="Ink 5">
+                    <a:extLst>
+                      <a:ext uri="{FF2B5EF4-FFF2-40B4-BE49-F238E27FC236}">
+                        <a16:creationId xmlns:a16="http://schemas.microsoft.com/office/drawing/2014/main" id="{1A6A9487-A772-E4F1-B793-89A54B0D2BD8}"/>
+                      </a:ext>
+                    </a:extLst>
+                  </p:cNvPr>
+                  <p:cNvPicPr/>
+                  <p:nvPr/>
+                </p:nvPicPr>
+                <p:blipFill>
+                  <a:blip r:embed="rId10"/>
+                  <a:stretch>
+                    <a:fillRect/>
+                  </a:stretch>
+                </p:blipFill>
+                <p:spPr>
+                  <a:xfrm>
+                    <a:off x="1093714" y="1847703"/>
+                    <a:ext cx="688680" cy="788400"/>
+                  </a:xfrm>
+                  <a:prstGeom prst="rect">
+                    <a:avLst/>
+                  </a:prstGeom>
+                </p:spPr>
+              </p:pic>
+            </mc:Fallback>
+          </mc:AlternateContent>
+          <p:sp>
+            <p:nvSpPr>
+              <p:cNvPr id="7" name="TextBox 6">
+                <a:extLst>
+                  <a:ext uri="{FF2B5EF4-FFF2-40B4-BE49-F238E27FC236}">
+                    <a16:creationId xmlns:a16="http://schemas.microsoft.com/office/drawing/2014/main" id="{2703E0D1-7633-5C44-3285-947BF1EFA2BF}"/>
+                  </a:ext>
+                </a:extLst>
+              </p:cNvPr>
+              <p:cNvSpPr txBox="1"/>
+              <p:nvPr/>
+            </p:nvSpPr>
+            <p:spPr>
+              <a:xfrm>
+                <a:off x="1773754" y="1566073"/>
+                <a:ext cx="1695160" cy="923330"/>
+              </a:xfrm>
+              <a:prstGeom prst="rect">
+                <a:avLst/>
+              </a:prstGeom>
+              <a:noFill/>
+            </p:spPr>
+            <p:txBody>
+              <a:bodyPr wrap="square" rtlCol="0">
+                <a:spAutoFit/>
+              </a:bodyPr>
+              <a:lstStyle/>
+              <a:p>
+                <a:r>
+                  <a:rPr lang="en-US" dirty="0">
+                    <a:solidFill>
+                      <a:srgbClr val="FF0000"/>
+                    </a:solidFill>
+                  </a:rPr>
+                  <a:t>Becoming aware that there is a bug</a:t>
+                </a:r>
+              </a:p>
+            </p:txBody>
+          </p:sp>
+        </p:grpSp>
+      </p:grpSp>
+      <p:sp>
+        <p:nvSpPr>
+          <p:cNvPr id="9" name="TextBox 8">
+            <a:extLst>
+              <a:ext uri="{FF2B5EF4-FFF2-40B4-BE49-F238E27FC236}">
+                <a16:creationId xmlns:a16="http://schemas.microsoft.com/office/drawing/2014/main" id="{AD79DD65-EE1D-1BAE-63B5-4EF882DD46CD}"/>
+              </a:ext>
+            </a:extLst>
+          </p:cNvPr>
+          <p:cNvSpPr txBox="1"/>
+          <p:nvPr/>
+        </p:nvSpPr>
+        <p:spPr>
+          <a:xfrm>
+            <a:off x="319314" y="4151086"/>
+            <a:ext cx="2525485" cy="1754326"/>
+          </a:xfrm>
+          <a:prstGeom prst="rect">
+            <a:avLst/>
+          </a:prstGeom>
+          <a:noFill/>
+        </p:spPr>
+        <p:txBody>
+          <a:bodyPr wrap="square" rtlCol="0">
+            <a:spAutoFit/>
+          </a:bodyPr>
+          <a:lstStyle/>
+          <a:p>
+            <a:pPr marL="285750" indent="-285750">
+              <a:buFont typeface="Arial" panose="020B0604020202020204" pitchFamily="34" charset="0"/>
+              <a:buChar char="•"/>
+            </a:pPr>
+            <a:r>
+              <a:rPr lang="en-US" dirty="0"/>
+              <a:t>During development</a:t>
+            </a:r>
+          </a:p>
+          <a:p>
+            <a:pPr marL="285750" indent="-285750">
+              <a:buFont typeface="Arial" panose="020B0604020202020204" pitchFamily="34" charset="0"/>
+              <a:buChar char="•"/>
+            </a:pPr>
+            <a:r>
+              <a:rPr lang="en-US" dirty="0"/>
+              <a:t>Testing software</a:t>
+            </a:r>
+          </a:p>
+          <a:p>
+            <a:pPr marL="285750" indent="-285750">
+              <a:buFont typeface="Arial" panose="020B0604020202020204" pitchFamily="34" charset="0"/>
+              <a:buChar char="•"/>
+            </a:pPr>
+            <a:r>
+              <a:rPr lang="en-US" dirty="0"/>
+              <a:t>User reports during production</a:t>
+            </a:r>
+          </a:p>
+          <a:p>
+            <a:pPr marL="285750" indent="-285750">
+              <a:buFont typeface="Arial" panose="020B0604020202020204" pitchFamily="34" charset="0"/>
+              <a:buChar char="•"/>
+            </a:pPr>
+            <a:r>
+              <a:rPr lang="en-US" dirty="0"/>
+              <a:t>Context: browsers, users, etc.</a:t>
+            </a:r>
+          </a:p>
+        </p:txBody>
+      </p:sp>
+      <p:grpSp>
+        <p:nvGrpSpPr>
+          <p:cNvPr id="14" name="Group 13">
+            <a:extLst>
+              <a:ext uri="{FF2B5EF4-FFF2-40B4-BE49-F238E27FC236}">
+                <a16:creationId xmlns:a16="http://schemas.microsoft.com/office/drawing/2014/main" id="{827DC0FF-99ED-1EBF-ED75-18E7F3587991}"/>
+              </a:ext>
+            </a:extLst>
+          </p:cNvPr>
+          <p:cNvGrpSpPr/>
+          <p:nvPr/>
+        </p:nvGrpSpPr>
+        <p:grpSpPr>
+          <a:xfrm>
+            <a:off x="4252377" y="1515684"/>
+            <a:ext cx="2511280" cy="1200329"/>
+            <a:chOff x="957634" y="1566073"/>
+            <a:chExt cx="2511280" cy="1200329"/>
+          </a:xfrm>
+        </p:grpSpPr>
+        <mc:AlternateContent xmlns:mc="http://schemas.openxmlformats.org/markup-compatibility/2006">
+          <mc:Choice xmlns:p14="http://schemas.microsoft.com/office/powerpoint/2010/main" Requires="p14">
+            <p:contentPart p14:bwMode="auto" r:id="rId11">
+              <p14:nvContentPartPr>
+                <p14:cNvPr id="15" name="Ink 14">
+                  <a:extLst>
+                    <a:ext uri="{FF2B5EF4-FFF2-40B4-BE49-F238E27FC236}">
+                      <a16:creationId xmlns:a16="http://schemas.microsoft.com/office/drawing/2014/main" id="{4F31F87C-6B4B-52D9-C9C0-D35E4868D866}"/>
+                    </a:ext>
+                  </a:extLst>
+                </p14:cNvPr>
+                <p14:cNvContentPartPr/>
+                <p14:nvPr/>
+              </p14:nvContentPartPr>
+              <p14:xfrm>
+                <a:off x="957634" y="2379783"/>
+                <a:ext cx="331200" cy="219240"/>
+              </p14:xfrm>
+            </p:contentPart>
+          </mc:Choice>
+          <mc:Fallback>
+            <p:pic>
+              <p:nvPicPr>
+                <p:cNvPr id="15" name="Ink 14">
+                  <a:extLst>
+                    <a:ext uri="{FF2B5EF4-FFF2-40B4-BE49-F238E27FC236}">
+                      <a16:creationId xmlns:a16="http://schemas.microsoft.com/office/drawing/2014/main" id="{4F31F87C-6B4B-52D9-C9C0-D35E4868D866}"/>
+                    </a:ext>
+                  </a:extLst>
+                </p:cNvPr>
+                <p:cNvPicPr/>
+                <p:nvPr/>
+              </p:nvPicPr>
+              <p:blipFill>
+                <a:blip r:embed="rId8"/>
+                <a:stretch>
+                  <a:fillRect/>
+                </a:stretch>
+              </p:blipFill>
+              <p:spPr>
+                <a:xfrm>
+                  <a:off x="948994" y="2371143"/>
+                  <a:ext cx="348840" cy="236880"/>
+                </a:xfrm>
+                <a:prstGeom prst="rect">
+                  <a:avLst/>
+                </a:prstGeom>
+              </p:spPr>
+            </p:pic>
+          </mc:Fallback>
+        </mc:AlternateContent>
+        <p:grpSp>
+          <p:nvGrpSpPr>
+            <p:cNvPr id="16" name="Group 15">
+              <a:extLst>
+                <a:ext uri="{FF2B5EF4-FFF2-40B4-BE49-F238E27FC236}">
+                  <a16:creationId xmlns:a16="http://schemas.microsoft.com/office/drawing/2014/main" id="{2C31A9CE-A679-BC3B-23D7-2CDF3B8783E4}"/>
+                </a:ext>
+              </a:extLst>
+            </p:cNvPr>
+            <p:cNvGrpSpPr/>
+            <p:nvPr/>
+          </p:nvGrpSpPr>
+          <p:grpSpPr>
+            <a:xfrm>
+              <a:off x="1102714" y="1566073"/>
+              <a:ext cx="2366200" cy="1200329"/>
+              <a:chOff x="1102714" y="1566073"/>
+              <a:chExt cx="2366200" cy="1200329"/>
+            </a:xfrm>
+          </p:grpSpPr>
+          <mc:AlternateContent xmlns:mc="http://schemas.openxmlformats.org/markup-compatibility/2006">
+            <mc:Choice xmlns:p14="http://schemas.microsoft.com/office/powerpoint/2010/main" Requires="p14">
+              <p:contentPart p14:bwMode="auto" r:id="rId12">
+                <p14:nvContentPartPr>
+                  <p14:cNvPr id="17" name="Ink 16">
+                    <a:extLst>
+                      <a:ext uri="{FF2B5EF4-FFF2-40B4-BE49-F238E27FC236}">
+                        <a16:creationId xmlns:a16="http://schemas.microsoft.com/office/drawing/2014/main" id="{5FC4A413-EE9F-C145-C8FB-2EA1F5DC3C80}"/>
+                      </a:ext>
+                    </a:extLst>
+                  </p14:cNvPr>
+                  <p14:cNvContentPartPr/>
+                  <p14:nvPr/>
+                </p14:nvContentPartPr>
+                <p14:xfrm>
+                  <a:off x="1102714" y="1856343"/>
+                  <a:ext cx="671040" cy="770760"/>
+                </p14:xfrm>
+              </p:contentPart>
+            </mc:Choice>
+            <mc:Fallback>
+              <p:pic>
+                <p:nvPicPr>
+                  <p:cNvPr id="17" name="Ink 16">
+                    <a:extLst>
+                      <a:ext uri="{FF2B5EF4-FFF2-40B4-BE49-F238E27FC236}">
+                        <a16:creationId xmlns:a16="http://schemas.microsoft.com/office/drawing/2014/main" id="{5FC4A413-EE9F-C145-C8FB-2EA1F5DC3C80}"/>
+                      </a:ext>
+                    </a:extLst>
+                  </p:cNvPr>
+                  <p:cNvPicPr/>
+                  <p:nvPr/>
+                </p:nvPicPr>
+                <p:blipFill>
+                  <a:blip r:embed="rId10"/>
+                  <a:stretch>
+                    <a:fillRect/>
+                  </a:stretch>
+                </p:blipFill>
+                <p:spPr>
+                  <a:xfrm>
+                    <a:off x="1093714" y="1847703"/>
+                    <a:ext cx="688680" cy="788400"/>
+                  </a:xfrm>
+                  <a:prstGeom prst="rect">
+                    <a:avLst/>
+                  </a:prstGeom>
+                </p:spPr>
+              </p:pic>
+            </mc:Fallback>
+          </mc:AlternateContent>
+          <p:sp>
+            <p:nvSpPr>
+              <p:cNvPr id="18" name="TextBox 17">
+                <a:extLst>
+                  <a:ext uri="{FF2B5EF4-FFF2-40B4-BE49-F238E27FC236}">
+                    <a16:creationId xmlns:a16="http://schemas.microsoft.com/office/drawing/2014/main" id="{837ED1E6-5AED-CECD-8D02-8D9AF359671F}"/>
+                  </a:ext>
+                </a:extLst>
+              </p:cNvPr>
+              <p:cNvSpPr txBox="1"/>
+              <p:nvPr/>
+            </p:nvSpPr>
+            <p:spPr>
+              <a:xfrm>
+                <a:off x="1773754" y="1566073"/>
+                <a:ext cx="1695160" cy="1200329"/>
+              </a:xfrm>
+              <a:prstGeom prst="rect">
+                <a:avLst/>
+              </a:prstGeom>
+              <a:noFill/>
+            </p:spPr>
+            <p:txBody>
+              <a:bodyPr wrap="square" rtlCol="0">
+                <a:spAutoFit/>
+              </a:bodyPr>
+              <a:lstStyle/>
+              <a:p>
+                <a:r>
+                  <a:rPr lang="en-US" dirty="0">
+                    <a:solidFill>
+                      <a:srgbClr val="FF0000"/>
+                    </a:solidFill>
+                  </a:rPr>
+                  <a:t>Isolating where exactly the bug is happening in code</a:t>
+                </a:r>
+              </a:p>
+            </p:txBody>
+          </p:sp>
+        </p:grpSp>
+      </p:grpSp>
+      <p:sp>
+        <p:nvSpPr>
+          <p:cNvPr id="19" name="TextBox 18">
+            <a:extLst>
+              <a:ext uri="{FF2B5EF4-FFF2-40B4-BE49-F238E27FC236}">
+                <a16:creationId xmlns:a16="http://schemas.microsoft.com/office/drawing/2014/main" id="{D7A45966-998E-AA18-013A-80D7A137C375}"/>
+              </a:ext>
+            </a:extLst>
+          </p:cNvPr>
+          <p:cNvSpPr txBox="1"/>
+          <p:nvPr/>
+        </p:nvSpPr>
+        <p:spPr>
+          <a:xfrm>
+            <a:off x="3155234" y="3888037"/>
+            <a:ext cx="2635966" cy="1200329"/>
+          </a:xfrm>
+          <a:prstGeom prst="rect">
+            <a:avLst/>
+          </a:prstGeom>
+          <a:noFill/>
+        </p:spPr>
+        <p:txBody>
+          <a:bodyPr wrap="square" rtlCol="0">
+            <a:spAutoFit/>
+          </a:bodyPr>
+          <a:lstStyle/>
+          <a:p>
+            <a:pPr marL="285750" indent="-285750">
+              <a:buFont typeface="Arial" panose="020B0604020202020204" pitchFamily="34" charset="0"/>
+              <a:buChar char="•"/>
+            </a:pPr>
+            <a:r>
+              <a:rPr lang="en-US" dirty="0"/>
+              <a:t>Developer console (simple code)</a:t>
+            </a:r>
+          </a:p>
+          <a:p>
+            <a:pPr marL="285750" indent="-285750">
+              <a:buFont typeface="Arial" panose="020B0604020202020204" pitchFamily="34" charset="0"/>
+              <a:buChar char="•"/>
+            </a:pPr>
+            <a:r>
+              <a:rPr lang="en-US" dirty="0"/>
+              <a:t>Debugger (complex code)</a:t>
+            </a:r>
+          </a:p>
+        </p:txBody>
+      </p:sp>
+      <p:grpSp>
+        <p:nvGrpSpPr>
+          <p:cNvPr id="20" name="Group 19">
+            <a:extLst>
+              <a:ext uri="{FF2B5EF4-FFF2-40B4-BE49-F238E27FC236}">
+                <a16:creationId xmlns:a16="http://schemas.microsoft.com/office/drawing/2014/main" id="{D64C554A-ED60-0CC3-8EFE-B81C7851C340}"/>
+              </a:ext>
+            </a:extLst>
+          </p:cNvPr>
+          <p:cNvGrpSpPr/>
+          <p:nvPr/>
+        </p:nvGrpSpPr>
+        <p:grpSpPr>
+          <a:xfrm>
+            <a:off x="7024606" y="1398694"/>
+            <a:ext cx="2511280" cy="1061030"/>
+            <a:chOff x="957634" y="1566073"/>
+            <a:chExt cx="2511280" cy="1061030"/>
+          </a:xfrm>
+        </p:grpSpPr>
+        <mc:AlternateContent xmlns:mc="http://schemas.openxmlformats.org/markup-compatibility/2006">
+          <mc:Choice xmlns:p14="http://schemas.microsoft.com/office/powerpoint/2010/main" Requires="p14">
+            <p:contentPart p14:bwMode="auto" r:id="rId13">
+              <p14:nvContentPartPr>
+                <p14:cNvPr id="21" name="Ink 20">
+                  <a:extLst>
+                    <a:ext uri="{FF2B5EF4-FFF2-40B4-BE49-F238E27FC236}">
+                      <a16:creationId xmlns:a16="http://schemas.microsoft.com/office/drawing/2014/main" id="{DCDF9BE2-FB63-3529-2C07-51743DE3735D}"/>
+                    </a:ext>
+                  </a:extLst>
+                </p14:cNvPr>
+                <p14:cNvContentPartPr/>
+                <p14:nvPr/>
+              </p14:nvContentPartPr>
+              <p14:xfrm>
+                <a:off x="957634" y="2379783"/>
+                <a:ext cx="331200" cy="219240"/>
+              </p14:xfrm>
+            </p:contentPart>
+          </mc:Choice>
+          <mc:Fallback>
+            <p:pic>
+              <p:nvPicPr>
+                <p:cNvPr id="21" name="Ink 20">
+                  <a:extLst>
+                    <a:ext uri="{FF2B5EF4-FFF2-40B4-BE49-F238E27FC236}">
+                      <a16:creationId xmlns:a16="http://schemas.microsoft.com/office/drawing/2014/main" id="{DCDF9BE2-FB63-3529-2C07-51743DE3735D}"/>
+                    </a:ext>
+                  </a:extLst>
+                </p:cNvPr>
+                <p:cNvPicPr/>
+                <p:nvPr/>
+              </p:nvPicPr>
+              <p:blipFill>
+                <a:blip r:embed="rId8"/>
+                <a:stretch>
+                  <a:fillRect/>
+                </a:stretch>
+              </p:blipFill>
+              <p:spPr>
+                <a:xfrm>
+                  <a:off x="948994" y="2371143"/>
+                  <a:ext cx="348840" cy="236880"/>
+                </a:xfrm>
+                <a:prstGeom prst="rect">
+                  <a:avLst/>
+                </a:prstGeom>
+              </p:spPr>
+            </p:pic>
+          </mc:Fallback>
+        </mc:AlternateContent>
+        <p:grpSp>
+          <p:nvGrpSpPr>
+            <p:cNvPr id="22" name="Group 21">
+              <a:extLst>
+                <a:ext uri="{FF2B5EF4-FFF2-40B4-BE49-F238E27FC236}">
+                  <a16:creationId xmlns:a16="http://schemas.microsoft.com/office/drawing/2014/main" id="{A5C61D47-00D3-78D2-3DA8-EC525AE2BD27}"/>
+                </a:ext>
+              </a:extLst>
+            </p:cNvPr>
+            <p:cNvGrpSpPr/>
+            <p:nvPr/>
+          </p:nvGrpSpPr>
+          <p:grpSpPr>
+            <a:xfrm>
+              <a:off x="1102714" y="1566073"/>
+              <a:ext cx="2366200" cy="1061030"/>
+              <a:chOff x="1102714" y="1566073"/>
+              <a:chExt cx="2366200" cy="1061030"/>
+            </a:xfrm>
+          </p:grpSpPr>
+          <mc:AlternateContent xmlns:mc="http://schemas.openxmlformats.org/markup-compatibility/2006">
+            <mc:Choice xmlns:p14="http://schemas.microsoft.com/office/powerpoint/2010/main" Requires="p14">
+              <p:contentPart p14:bwMode="auto" r:id="rId14">
+                <p14:nvContentPartPr>
+                  <p14:cNvPr id="23" name="Ink 22">
+                    <a:extLst>
+                      <a:ext uri="{FF2B5EF4-FFF2-40B4-BE49-F238E27FC236}">
+                        <a16:creationId xmlns:a16="http://schemas.microsoft.com/office/drawing/2014/main" id="{A0F463DD-8CB1-8709-3A36-5B89E5DC8016}"/>
+                      </a:ext>
+                    </a:extLst>
+                  </p14:cNvPr>
+                  <p14:cNvContentPartPr/>
+                  <p14:nvPr/>
+                </p14:nvContentPartPr>
+                <p14:xfrm>
+                  <a:off x="1102714" y="1856343"/>
+                  <a:ext cx="671040" cy="770760"/>
+                </p14:xfrm>
+              </p:contentPart>
+            </mc:Choice>
+            <mc:Fallback>
+              <p:pic>
+                <p:nvPicPr>
+                  <p:cNvPr id="23" name="Ink 22">
+                    <a:extLst>
+                      <a:ext uri="{FF2B5EF4-FFF2-40B4-BE49-F238E27FC236}">
+                        <a16:creationId xmlns:a16="http://schemas.microsoft.com/office/drawing/2014/main" id="{A0F463DD-8CB1-8709-3A36-5B89E5DC8016}"/>
+                      </a:ext>
+                    </a:extLst>
+                  </p:cNvPr>
+                  <p:cNvPicPr/>
+                  <p:nvPr/>
+                </p:nvPicPr>
+                <p:blipFill>
+                  <a:blip r:embed="rId10"/>
+                  <a:stretch>
+                    <a:fillRect/>
+                  </a:stretch>
+                </p:blipFill>
+                <p:spPr>
+                  <a:xfrm>
+                    <a:off x="1093714" y="1847703"/>
+                    <a:ext cx="688680" cy="788400"/>
+                  </a:xfrm>
+                  <a:prstGeom prst="rect">
+                    <a:avLst/>
+                  </a:prstGeom>
+                </p:spPr>
+              </p:pic>
+            </mc:Fallback>
+          </mc:AlternateContent>
+          <p:sp>
+            <p:nvSpPr>
+              <p:cNvPr id="24" name="TextBox 23">
+                <a:extLst>
+                  <a:ext uri="{FF2B5EF4-FFF2-40B4-BE49-F238E27FC236}">
+                    <a16:creationId xmlns:a16="http://schemas.microsoft.com/office/drawing/2014/main" id="{AA9F706E-31F3-6EA0-F607-01AD391C373E}"/>
+                  </a:ext>
+                </a:extLst>
+              </p:cNvPr>
+              <p:cNvSpPr txBox="1"/>
+              <p:nvPr/>
+            </p:nvSpPr>
+            <p:spPr>
+              <a:xfrm>
+                <a:off x="1773754" y="1566073"/>
+                <a:ext cx="1695160" cy="369332"/>
+              </a:xfrm>
+              <a:prstGeom prst="rect">
+                <a:avLst/>
+              </a:prstGeom>
+              <a:noFill/>
+            </p:spPr>
+            <p:txBody>
+              <a:bodyPr wrap="square" rtlCol="0">
+                <a:spAutoFit/>
+              </a:bodyPr>
+              <a:lstStyle/>
+              <a:p>
+                <a:r>
+                  <a:rPr lang="en-US" dirty="0">
+                    <a:solidFill>
+                      <a:srgbClr val="FF0000"/>
+                    </a:solidFill>
+                  </a:rPr>
+                  <a:t>Correct the bug</a:t>
+                </a:r>
+              </a:p>
+            </p:txBody>
+          </p:sp>
+        </p:grpSp>
+      </p:grpSp>
+      <p:sp>
+        <p:nvSpPr>
+          <p:cNvPr id="25" name="TextBox 24">
+            <a:extLst>
+              <a:ext uri="{FF2B5EF4-FFF2-40B4-BE49-F238E27FC236}">
+                <a16:creationId xmlns:a16="http://schemas.microsoft.com/office/drawing/2014/main" id="{317824A6-53D2-EE88-3D4A-273072C7C110}"/>
+              </a:ext>
+            </a:extLst>
+          </p:cNvPr>
+          <p:cNvSpPr txBox="1"/>
+          <p:nvPr/>
+        </p:nvSpPr>
+        <p:spPr>
+          <a:xfrm>
+            <a:off x="6400802" y="3948044"/>
+            <a:ext cx="2226317" cy="923330"/>
+          </a:xfrm>
+          <a:prstGeom prst="rect">
+            <a:avLst/>
+          </a:prstGeom>
+          <a:noFill/>
+        </p:spPr>
+        <p:txBody>
+          <a:bodyPr wrap="square" rtlCol="0">
+            <a:spAutoFit/>
+          </a:bodyPr>
+          <a:lstStyle/>
+          <a:p>
+            <a:pPr marL="285750" indent="-285750">
+              <a:buFont typeface="Arial" panose="020B0604020202020204" pitchFamily="34" charset="0"/>
+              <a:buChar char="•"/>
+            </a:pPr>
+            <a:r>
+              <a:rPr lang="en-US" dirty="0"/>
+              <a:t>Replace wrong solution with new correct solution</a:t>
+            </a:r>
+          </a:p>
+        </p:txBody>
+      </p:sp>
+      <p:grpSp>
+        <p:nvGrpSpPr>
+          <p:cNvPr id="26" name="Group 25">
+            <a:extLst>
+              <a:ext uri="{FF2B5EF4-FFF2-40B4-BE49-F238E27FC236}">
+                <a16:creationId xmlns:a16="http://schemas.microsoft.com/office/drawing/2014/main" id="{061AD74F-BDB3-8C3B-51F0-23B82C96940D}"/>
+              </a:ext>
+            </a:extLst>
+          </p:cNvPr>
+          <p:cNvGrpSpPr/>
+          <p:nvPr/>
+        </p:nvGrpSpPr>
+        <p:grpSpPr>
+          <a:xfrm>
+            <a:off x="9535423" y="1654983"/>
+            <a:ext cx="2511280" cy="1061030"/>
+            <a:chOff x="957634" y="1566073"/>
+            <a:chExt cx="2511280" cy="1061030"/>
+          </a:xfrm>
+        </p:grpSpPr>
+        <mc:AlternateContent xmlns:mc="http://schemas.openxmlformats.org/markup-compatibility/2006">
+          <mc:Choice xmlns:p14="http://schemas.microsoft.com/office/powerpoint/2010/main" Requires="p14">
+            <p:contentPart p14:bwMode="auto" r:id="rId15">
+              <p14:nvContentPartPr>
+                <p14:cNvPr id="27" name="Ink 26">
+                  <a:extLst>
+                    <a:ext uri="{FF2B5EF4-FFF2-40B4-BE49-F238E27FC236}">
+                      <a16:creationId xmlns:a16="http://schemas.microsoft.com/office/drawing/2014/main" id="{2E3145E7-6D0A-B9A2-A4C6-A38699C7487E}"/>
+                    </a:ext>
+                  </a:extLst>
+                </p14:cNvPr>
+                <p14:cNvContentPartPr/>
+                <p14:nvPr/>
+              </p14:nvContentPartPr>
+              <p14:xfrm>
+                <a:off x="957634" y="2379783"/>
+                <a:ext cx="331200" cy="219240"/>
+              </p14:xfrm>
+            </p:contentPart>
+          </mc:Choice>
+          <mc:Fallback>
+            <p:pic>
+              <p:nvPicPr>
+                <p:cNvPr id="27" name="Ink 26">
+                  <a:extLst>
+                    <a:ext uri="{FF2B5EF4-FFF2-40B4-BE49-F238E27FC236}">
+                      <a16:creationId xmlns:a16="http://schemas.microsoft.com/office/drawing/2014/main" id="{2E3145E7-6D0A-B9A2-A4C6-A38699C7487E}"/>
+                    </a:ext>
+                  </a:extLst>
+                </p:cNvPr>
+                <p:cNvPicPr/>
+                <p:nvPr/>
+              </p:nvPicPr>
+              <p:blipFill>
+                <a:blip r:embed="rId8"/>
+                <a:stretch>
+                  <a:fillRect/>
+                </a:stretch>
+              </p:blipFill>
+              <p:spPr>
+                <a:xfrm>
+                  <a:off x="948994" y="2371143"/>
+                  <a:ext cx="348840" cy="236880"/>
+                </a:xfrm>
+                <a:prstGeom prst="rect">
+                  <a:avLst/>
+                </a:prstGeom>
+              </p:spPr>
+            </p:pic>
+          </mc:Fallback>
+        </mc:AlternateContent>
+        <p:grpSp>
+          <p:nvGrpSpPr>
+            <p:cNvPr id="28" name="Group 27">
+              <a:extLst>
+                <a:ext uri="{FF2B5EF4-FFF2-40B4-BE49-F238E27FC236}">
+                  <a16:creationId xmlns:a16="http://schemas.microsoft.com/office/drawing/2014/main" id="{8C2DACF3-6CAD-BDB6-792A-980B96C25796}"/>
+                </a:ext>
+              </a:extLst>
+            </p:cNvPr>
+            <p:cNvGrpSpPr/>
+            <p:nvPr/>
+          </p:nvGrpSpPr>
+          <p:grpSpPr>
+            <a:xfrm>
+              <a:off x="1102714" y="1566073"/>
+              <a:ext cx="2366200" cy="1061030"/>
+              <a:chOff x="1102714" y="1566073"/>
+              <a:chExt cx="2366200" cy="1061030"/>
+            </a:xfrm>
+          </p:grpSpPr>
+          <mc:AlternateContent xmlns:mc="http://schemas.openxmlformats.org/markup-compatibility/2006">
+            <mc:Choice xmlns:p14="http://schemas.microsoft.com/office/powerpoint/2010/main" Requires="p14">
+              <p:contentPart p14:bwMode="auto" r:id="rId16">
+                <p14:nvContentPartPr>
+                  <p14:cNvPr id="29" name="Ink 28">
+                    <a:extLst>
+                      <a:ext uri="{FF2B5EF4-FFF2-40B4-BE49-F238E27FC236}">
+                        <a16:creationId xmlns:a16="http://schemas.microsoft.com/office/drawing/2014/main" id="{3BC63E5F-170A-671F-A0C4-6F628B45E4B7}"/>
+                      </a:ext>
+                    </a:extLst>
+                  </p14:cNvPr>
+                  <p14:cNvContentPartPr/>
+                  <p14:nvPr/>
+                </p14:nvContentPartPr>
+                <p14:xfrm>
+                  <a:off x="1102714" y="1856343"/>
+                  <a:ext cx="671040" cy="770760"/>
+                </p14:xfrm>
+              </p:contentPart>
+            </mc:Choice>
+            <mc:Fallback>
+              <p:pic>
+                <p:nvPicPr>
+                  <p:cNvPr id="29" name="Ink 28">
+                    <a:extLst>
+                      <a:ext uri="{FF2B5EF4-FFF2-40B4-BE49-F238E27FC236}">
+                        <a16:creationId xmlns:a16="http://schemas.microsoft.com/office/drawing/2014/main" id="{3BC63E5F-170A-671F-A0C4-6F628B45E4B7}"/>
+                      </a:ext>
+                    </a:extLst>
+                  </p:cNvPr>
+                  <p:cNvPicPr/>
+                  <p:nvPr/>
+                </p:nvPicPr>
+                <p:blipFill>
+                  <a:blip r:embed="rId10"/>
+                  <a:stretch>
+                    <a:fillRect/>
+                  </a:stretch>
+                </p:blipFill>
+                <p:spPr>
+                  <a:xfrm>
+                    <a:off x="1093714" y="1847703"/>
+                    <a:ext cx="688680" cy="788400"/>
+                  </a:xfrm>
+                  <a:prstGeom prst="rect">
+                    <a:avLst/>
+                  </a:prstGeom>
+                </p:spPr>
+              </p:pic>
+            </mc:Fallback>
+          </mc:AlternateContent>
+          <p:sp>
+            <p:nvSpPr>
+              <p:cNvPr id="30" name="TextBox 29">
+                <a:extLst>
+                  <a:ext uri="{FF2B5EF4-FFF2-40B4-BE49-F238E27FC236}">
+                    <a16:creationId xmlns:a16="http://schemas.microsoft.com/office/drawing/2014/main" id="{80595F38-4743-4BEF-281E-2CE707A965B3}"/>
+                  </a:ext>
+                </a:extLst>
+              </p:cNvPr>
+              <p:cNvSpPr txBox="1"/>
+              <p:nvPr/>
+            </p:nvSpPr>
+            <p:spPr>
+              <a:xfrm>
+                <a:off x="1773754" y="1566073"/>
+                <a:ext cx="1695160" cy="923330"/>
+              </a:xfrm>
+              <a:prstGeom prst="rect">
+                <a:avLst/>
+              </a:prstGeom>
+              <a:noFill/>
+            </p:spPr>
+            <p:txBody>
+              <a:bodyPr wrap="square" rtlCol="0">
+                <a:spAutoFit/>
+              </a:bodyPr>
+              <a:lstStyle/>
+              <a:p>
+                <a:r>
+                  <a:rPr lang="en-US" dirty="0">
+                    <a:solidFill>
+                      <a:srgbClr val="FF0000"/>
+                    </a:solidFill>
+                  </a:rPr>
+                  <a:t>Preventing it from happening again</a:t>
+                </a:r>
+              </a:p>
+            </p:txBody>
+          </p:sp>
+        </p:grpSp>
+      </p:grpSp>
+      <p:sp>
+        <p:nvSpPr>
+          <p:cNvPr id="31" name="TextBox 30">
+            <a:extLst>
+              <a:ext uri="{FF2B5EF4-FFF2-40B4-BE49-F238E27FC236}">
+                <a16:creationId xmlns:a16="http://schemas.microsoft.com/office/drawing/2014/main" id="{99DACBBA-8EEB-2CA8-95A7-5571DFE46D14}"/>
+              </a:ext>
+            </a:extLst>
+          </p:cNvPr>
+          <p:cNvSpPr txBox="1"/>
+          <p:nvPr/>
+        </p:nvSpPr>
+        <p:spPr>
+          <a:xfrm>
+            <a:off x="9344580" y="3818023"/>
+            <a:ext cx="2226317" cy="1477328"/>
+          </a:xfrm>
+          <a:prstGeom prst="rect">
+            <a:avLst/>
+          </a:prstGeom>
+          <a:noFill/>
+        </p:spPr>
+        <p:txBody>
+          <a:bodyPr wrap="square" rtlCol="0">
+            <a:spAutoFit/>
+          </a:bodyPr>
+          <a:lstStyle/>
+          <a:p>
+            <a:pPr marL="285750" indent="-285750">
+              <a:buFont typeface="Arial" panose="020B0604020202020204" pitchFamily="34" charset="0"/>
+              <a:buChar char="•"/>
+            </a:pPr>
+            <a:r>
+              <a:rPr lang="en-US" dirty="0"/>
+              <a:t>Searching for the same bug in similar code.</a:t>
+            </a:r>
+          </a:p>
+          <a:p>
+            <a:pPr marL="285750" indent="-285750">
+              <a:buFont typeface="Arial" panose="020B0604020202020204" pitchFamily="34" charset="0"/>
+              <a:buChar char="•"/>
+            </a:pPr>
+            <a:r>
+              <a:rPr lang="en-US" dirty="0"/>
+              <a:t>Writing tests using testing software.</a:t>
+            </a:r>
+          </a:p>
+        </p:txBody>
+      </p:sp>
+    </p:spTree>
+    <p:extLst>
+      <p:ext uri="{BB962C8B-B14F-4D97-AF65-F5344CB8AC3E}">
+        <p14:creationId xmlns:p14="http://schemas.microsoft.com/office/powerpoint/2010/main" val="1326664601"/>
+      </p:ext>
+    </p:extLst>
+  </p:cSld>
+  <p:clrMapOvr>
+    <a:masterClrMapping/>
+  </p:clrMapOvr>
+</p:sld>
+</file>
+
+<file path=ppt/slides/slide51.xml><?xml version="1.0" encoding="utf-8"?>
+<p:sld xmlns:a="http://schemas.openxmlformats.org/drawingml/2006/main" xmlns:r="http://schemas.openxmlformats.org/officeDocument/2006/relationships" xmlns:p="http://schemas.openxmlformats.org/presentationml/2006/main">
+  <p:cSld>
+    <p:spTree>
+      <p:nvGrpSpPr>
+        <p:cNvPr id="1" name=""/>
+        <p:cNvGrpSpPr/>
+        <p:nvPr/>
+      </p:nvGrpSpPr>
+      <p:grpSpPr>
+        <a:xfrm>
+          <a:off x="0" y="0"/>
+          <a:ext cx="0" cy="0"/>
+          <a:chOff x="0" y="0"/>
+          <a:chExt cx="0" cy="0"/>
+        </a:xfrm>
+      </p:grpSpPr>
+      <p:sp>
+        <p:nvSpPr>
+          <p:cNvPr id="2" name="Title 1">
+            <a:extLst>
+              <a:ext uri="{FF2B5EF4-FFF2-40B4-BE49-F238E27FC236}">
+                <a16:creationId xmlns:a16="http://schemas.microsoft.com/office/drawing/2014/main" id="{56F5FAF2-F427-43C8-27F0-2527D68E4DD7}"/>
+              </a:ext>
+            </a:extLst>
+          </p:cNvPr>
+          <p:cNvSpPr>
+            <a:spLocks noGrp="1"/>
+          </p:cNvSpPr>
+          <p:nvPr>
+            <p:ph type="title"/>
+          </p:nvPr>
+        </p:nvSpPr>
+        <p:spPr/>
+        <p:txBody>
+          <a:bodyPr/>
+          <a:lstStyle/>
+          <a:p>
+            <a:r>
+              <a:rPr lang="en-US" dirty="0"/>
+              <a:t>Debugging with the console and breakpoints</a:t>
+            </a:r>
+          </a:p>
+        </p:txBody>
+      </p:sp>
+    </p:spTree>
+    <p:extLst>
+      <p:ext uri="{BB962C8B-B14F-4D97-AF65-F5344CB8AC3E}">
+        <p14:creationId xmlns:p14="http://schemas.microsoft.com/office/powerpoint/2010/main" val="1565269144"/>
       </p:ext>
     </p:extLst>
   </p:cSld>

--- a/JavaScript.pptx
+++ b/JavaScript.pptx
@@ -5,7 +5,7 @@
     <p:sldMasterId id="2147483648" r:id="rId1"/>
   </p:sldMasterIdLst>
   <p:notesMasterIdLst>
-    <p:notesMasterId r:id="rId53"/>
+    <p:notesMasterId r:id="rId57"/>
   </p:notesMasterIdLst>
   <p:sldIdLst>
     <p:sldId id="256" r:id="rId2"/>
@@ -59,6 +59,10 @@
     <p:sldId id="305" r:id="rId50"/>
     <p:sldId id="306" r:id="rId51"/>
     <p:sldId id="307" r:id="rId52"/>
+    <p:sldId id="308" r:id="rId53"/>
+    <p:sldId id="309" r:id="rId54"/>
+    <p:sldId id="310" r:id="rId55"/>
+    <p:sldId id="311" r:id="rId56"/>
   </p:sldIdLst>
   <p:sldSz cx="12192000" cy="6858000"/>
   <p:notesSz cx="6858000" cy="9144000"/>
@@ -3297,6 +3301,286 @@
 </inkml:ink>
 </file>
 
+<file path=ppt/ink/ink20.xml><?xml version="1.0" encoding="utf-8"?>
+<inkml:ink xmlns:inkml="http://www.w3.org/2003/InkML">
+  <inkml:definitions>
+    <inkml:context xml:id="ctx0">
+      <inkml:inkSource xml:id="inkSrc0">
+        <inkml:traceFormat>
+          <inkml:channel name="X" type="integer" min="-2.14748E9" max="2.14748E9" units="cm"/>
+          <inkml:channel name="Y" type="integer" min="-2.14748E9" max="2.14748E9" units="cm"/>
+          <inkml:channel name="F" type="integer" max="32767" units="dev"/>
+        </inkml:traceFormat>
+        <inkml:channelProperties>
+          <inkml:channelProperty channel="X" name="resolution" value="1000" units="1/cm"/>
+          <inkml:channelProperty channel="Y" name="resolution" value="1000" units="1/cm"/>
+          <inkml:channelProperty channel="F" name="resolution" value="0" units="1/dev"/>
+        </inkml:channelProperties>
+      </inkml:inkSource>
+      <inkml:timestamp xml:id="ts0" timeString="2024-09-18T13:37:59.538"/>
+    </inkml:context>
+    <inkml:brush xml:id="br0">
+      <inkml:brushProperty name="width" value="0.05" units="cm"/>
+      <inkml:brushProperty name="height" value="0.05" units="cm"/>
+      <inkml:brushProperty name="color" value="#E71224"/>
+    </inkml:brush>
+  </inkml:definitions>
+  <inkml:trace contextRef="#ctx0" brushRef="#br0">278 129 24575,'0'1821'0,"0"-1814"0,0 0 0,0-1 0,1 1 0,0 0 0,0 0 0,0-1 0,1 1 0,0-1 0,5 11 0,-5-14 0,0 0 0,1 0 0,-1 0 0,1-1 0,-1 1 0,1 0 0,0-1 0,0 0 0,0 0 0,0 0 0,0 0 0,1 0 0,-1 0 0,0-1 0,1 0 0,-1 0 0,1 0 0,0 0 0,4 0 0,37 4 0,0-2 0,-1-3 0,56-5 0,7 0 0,-73 5 0,69-3 0,1 4 0,167 25 0,-205-13 0,16 3 0,121 9 0,615-20 0,-444-8 0,2556 3 0,-2922 0 0,-1 0 0,0 0 0,1 0 0,-1 0 0,0-1 0,1-1 0,9-2 0,-16 4 0,1-1 0,0 0 0,0 0 0,-1 0 0,1 0 0,-1 0 0,1-1 0,-1 1 0,1 0 0,-1-1 0,0 1 0,0-1 0,0 1 0,0-1 0,0 0 0,0 1 0,0-1 0,0 0 0,-1 0 0,1 0 0,0 1 0,-1-1 0,0 0 0,1 0 0,-1 0 0,0 0 0,0 0 0,0 0 0,-1-3 0,-43-366 0,31 229 0,5-1 0,15-177 0,33-26 0,-20 223 0,3-139 0,-22 212 0,2 26 0,-2 1 0,-1-1 0,-2 1 0,0-1 0,-10-44 0,9 61 0,-1 0 0,0 1 0,0 0 0,0 0 0,-1 0 0,0 0 0,0 1 0,-1 0 0,0 0 0,1 0 0,-2 1 0,-10-7 0,3 2 0,-2 1 0,1 1 0,-1 0 0,-26-7 0,-8 5 0,0 3 0,0 2 0,-1 1 0,-71 8 0,17-3 0,-1-2 0,23-2 0,0 4 0,-157 24 0,19 28 0,130-29 0,0-4 0,-2-4 0,-113 7 0,204-24 0,-265 14 0,208-7 0,1 2 0,-88 25 0,95-19 0,-1-2 0,-1-3 0,0-2 0,0-2 0,-57-2 0,-1821-8 0,1878 8 0,0 1 0,-79 19 0,111-20 0,-53 15 0,50-12 0,-1-1 0,1-1 0,-31 2 0,33-6 0,0-1 0,0-1 0,-1-1 0,1-1 0,1-1 0,-1-1 0,0-1 0,1-1 0,0-1 0,1 0 0,0-2 0,-27-17 0,34 21 8,0-1 1,0 1-1,-1 1 0,1 1 0,-1 0 0,0 0 0,0 2 0,-18-2 1,-15 1-274,-55 4 1,54 1-646,13-1-5916</inkml:trace>
+</inkml:ink>
+</file>
+
+<file path=ppt/ink/ink21.xml><?xml version="1.0" encoding="utf-8"?>
+<inkml:ink xmlns:inkml="http://www.w3.org/2003/InkML">
+  <inkml:definitions>
+    <inkml:context xml:id="ctx0">
+      <inkml:inkSource xml:id="inkSrc0">
+        <inkml:traceFormat>
+          <inkml:channel name="X" type="integer" min="-2.14748E9" max="2.14748E9" units="cm"/>
+          <inkml:channel name="Y" type="integer" min="-2.14748E9" max="2.14748E9" units="cm"/>
+          <inkml:channel name="F" type="integer" max="32767" units="dev"/>
+        </inkml:traceFormat>
+        <inkml:channelProperties>
+          <inkml:channelProperty channel="X" name="resolution" value="1000" units="1/cm"/>
+          <inkml:channelProperty channel="Y" name="resolution" value="1000" units="1/cm"/>
+          <inkml:channelProperty channel="F" name="resolution" value="0" units="1/dev"/>
+        </inkml:channelProperties>
+      </inkml:inkSource>
+      <inkml:timestamp xml:id="ts0" timeString="2024-09-18T13:38:02.212"/>
+    </inkml:context>
+    <inkml:brush xml:id="br0">
+      <inkml:brushProperty name="width" value="0.05" units="cm"/>
+      <inkml:brushProperty name="height" value="0.05" units="cm"/>
+      <inkml:brushProperty name="color" value="#E71224"/>
+    </inkml:brush>
+  </inkml:definitions>
+  <inkml:trace contextRef="#ctx0" brushRef="#br0">99 87 24575,'-5'0'0,"-53"-5"0,56 5 0,0 0 0,0-1 0,1 1 0,-1-1 0,0 1 0,1-1 0,-1 0 0,1 1 0,-1-1 0,1 0 0,-1 0 0,1 0 0,0 0 0,-1-1 0,1 1 0,0 0 0,0 0 0,0-1 0,0 1 0,0-1 0,0 1 0,0-1 0,0 1 0,1-1 0,-1 0 0,1 1 0,-1-1 0,0-3 0,1 3 0,1 1 0,-1-1 0,1 1 0,-1-1 0,1 1 0,-1-1 0,1 1 0,0 0 0,0-1 0,-1 1 0,1 0 0,0-1 0,0 1 0,0 0 0,1 0 0,-1 0 0,0 0 0,0 0 0,1 0 0,-1 0 0,0 0 0,1 1 0,-1-1 0,1 1 0,-1-1 0,1 1 0,-1-1 0,1 1 0,1 0 0,51-9 0,-51 8 0,54-3 0,1 2 0,78 8 0,-40 14 0,-72-13 0,1-2 0,35 4 0,-18-7 0,-15-1 0,-1 0 0,1 2 0,0 2 0,27 7 0,-46-10 0,0 1 0,-1 0 0,1 1 0,-1 0 0,1 0 0,-1 1 0,0-1 0,-1 2 0,1-1 0,-1 1 0,0 0 0,-1 0 0,1 0 0,-1 1 0,0 0 0,-1 0 0,5 11 0,-1-1 0,-1 1 0,-1 0 0,-1 1 0,-1 0 0,0-1 0,1 29 0,-4 119 0,-3-104 0,0-30 0,-3 0 0,0 0 0,-2 0 0,-1-1 0,-16 38 0,2-2 0,19-58 0,0 0 0,0 0 0,-1 0 0,0 0 0,0-1 0,-1 1 0,0-1 0,-8 8 0,9-12 0,0 0 0,0 0 0,-1-1 0,1 0 0,-1 0 0,0 0 0,0 0 0,0-1 0,0 0 0,0 0 0,-1-1 0,1 1 0,-1-1 0,1 0 0,-8 0 0,-37 2 0,-84-8 0,154 18 0,-1 0 0,32 29 0,-4-4 0,-33-28-170,-1 2-1,-1-1 0,0 2 1,0 0-1,-1 0 0,-1 1 1,12 20-1,-10-12-6655</inkml:trace>
+</inkml:ink>
+</file>
+
+<file path=ppt/ink/ink22.xml><?xml version="1.0" encoding="utf-8"?>
+<inkml:ink xmlns:inkml="http://www.w3.org/2003/InkML">
+  <inkml:definitions>
+    <inkml:context xml:id="ctx0">
+      <inkml:inkSource xml:id="inkSrc0">
+        <inkml:traceFormat>
+          <inkml:channel name="X" type="integer" min="-2.14748E9" max="2.14748E9" units="cm"/>
+          <inkml:channel name="Y" type="integer" min="-2.14748E9" max="2.14748E9" units="cm"/>
+          <inkml:channel name="F" type="integer" max="32767" units="dev"/>
+        </inkml:traceFormat>
+        <inkml:channelProperties>
+          <inkml:channelProperty channel="X" name="resolution" value="1000" units="1/cm"/>
+          <inkml:channelProperty channel="Y" name="resolution" value="1000" units="1/cm"/>
+          <inkml:channelProperty channel="F" name="resolution" value="0" units="1/dev"/>
+        </inkml:channelProperties>
+      </inkml:inkSource>
+      <inkml:timestamp xml:id="ts0" timeString="2024-09-18T13:38:02.610"/>
+    </inkml:context>
+    <inkml:brush xml:id="br0">
+      <inkml:brushProperty name="width" value="0.05" units="cm"/>
+      <inkml:brushProperty name="height" value="0.05" units="cm"/>
+      <inkml:brushProperty name="color" value="#E71224"/>
+    </inkml:brush>
+  </inkml:definitions>
+  <inkml:trace contextRef="#ctx0" brushRef="#br0">0 480 24575,'0'-7'0,"0"-9"0,0-15 0,0-10 0,0-4 0,0-2 0,0-6 0,0-1 0,0 1 0,0 4 0,0 2 0,0 10-8191</inkml:trace>
+</inkml:ink>
+</file>
+
+<file path=ppt/ink/ink23.xml><?xml version="1.0" encoding="utf-8"?>
+<inkml:ink xmlns:inkml="http://www.w3.org/2003/InkML">
+  <inkml:definitions>
+    <inkml:context xml:id="ctx0">
+      <inkml:inkSource xml:id="inkSrc0">
+        <inkml:traceFormat>
+          <inkml:channel name="X" type="integer" min="-2.14748E9" max="2.14748E9" units="cm"/>
+          <inkml:channel name="Y" type="integer" min="-2.14748E9" max="2.14748E9" units="cm"/>
+          <inkml:channel name="F" type="integer" max="32767" units="dev"/>
+        </inkml:traceFormat>
+        <inkml:channelProperties>
+          <inkml:channelProperty channel="X" name="resolution" value="1000" units="1/cm"/>
+          <inkml:channelProperty channel="Y" name="resolution" value="1000" units="1/cm"/>
+          <inkml:channelProperty channel="F" name="resolution" value="0" units="1/dev"/>
+        </inkml:channelProperties>
+      </inkml:inkSource>
+      <inkml:timestamp xml:id="ts0" timeString="2024-09-18T13:38:07.382"/>
+    </inkml:context>
+    <inkml:brush xml:id="br0">
+      <inkml:brushProperty name="width" value="0.05" units="cm"/>
+      <inkml:brushProperty name="height" value="0.05" units="cm"/>
+      <inkml:brushProperty name="color" value="#E71224"/>
+    </inkml:brush>
+  </inkml:definitions>
+  <inkml:trace contextRef="#ctx0" brushRef="#br0">281 493 24575,'0'2619'-501,"0"-2611"563,0 0-1,0 0 1,1 0 0,0 0-1,0 0 1,1 0-1,4 13 1,-4-18-62,0 0 1,-1 0-1,2 0 1,-1 0-1,0 0 1,0-1-1,1 1 0,0-1 1,-1 0-1,1 1 1,0-1-1,0-1 0,0 1 1,0 0-1,0-1 1,1 1-1,-1-1 0,0 0 1,7 1-1,19 4 0,1-2 0,-1-1 0,1-1 0,32-2 0,119-17 0,69-32 0,43-6 0,541 36-2666,-555 23 1607,744 22 200,-645-11 23,584 19 803,-318-27 5452,-618-7-5398,-13-1-20,-1 0 0,1 1 0,-1 0 0,1 1 0,-1 1 0,1 0 0,-1 0 0,0 1 0,0 1 0,0 0 0,-1 1 0,12 6 0,-12-4-1,0-1 0,1 1 0,-1-2 0,1 0 0,0 0 0,17 3 0,-27-7 0,1 0 0,0 0 0,0-1 0,0 0 0,0 1 0,0-1 0,0 0 0,0 0 0,-1-1 0,1 1 0,0 0 0,0-1 0,0 0 0,0 0 0,-1 0 0,1 0 0,0 0 0,-1 0 0,1-1 0,-1 0 0,1 1 0,-1-1 0,0 0 0,1 0 0,-1 0 0,0 0 0,-1 0 0,1-1 0,0 1 0,0-1 0,-1 1 0,0-1 0,2-4 0,9-26 0,-3-1 0,0-1 0,-2 1 0,3-58 0,-5-147 0,-6 170 0,54-883-1230,49 91 27,-63 594 1413,-19 155 110,-6-2-1,1-153 0,-15 263-240,0-1-1,0 0 1,-1 1-1,1-1 0,-1 0 1,0 1-1,-1-1 1,1 1-1,-1 0 0,0-1 1,0 1-1,0 0 0,-1 0 1,1 0-1,-1 0 1,-6-6-1,4 6-83,0 0 0,-1 1-1,1 0 1,-1 0 0,1 0 0,-1 0 0,0 1-1,0 0 1,0 0 0,-1 1 0,1 0-1,-9-1 1,-65-3 5,-143 8 0,81 2 0,-333-4 1124,1-3-3500,-689 5-4585,505 37 6814,18 0 96,272-36 832,-184-6 6012,76-1-5956,447 4-837,0 1 0,0 1 0,0 1 0,0 2 0,1 1 0,0 1 0,-38 17 0,43-12 0,2 0 0,-1 1 0,-20 20 0,6-6 0,-44 43 0,-4 4 0,9-25-1365,43-29-5461</inkml:trace>
+</inkml:ink>
+</file>
+
+<file path=ppt/ink/ink24.xml><?xml version="1.0" encoding="utf-8"?>
+<inkml:ink xmlns:inkml="http://www.w3.org/2003/InkML">
+  <inkml:definitions>
+    <inkml:context xml:id="ctx0">
+      <inkml:inkSource xml:id="inkSrc0">
+        <inkml:traceFormat>
+          <inkml:channel name="X" type="integer" min="-2.14748E9" max="2.14748E9" units="cm"/>
+          <inkml:channel name="Y" type="integer" min="-2.14748E9" max="2.14748E9" units="cm"/>
+          <inkml:channel name="F" type="integer" max="32767" units="dev"/>
+        </inkml:traceFormat>
+        <inkml:channelProperties>
+          <inkml:channelProperty channel="X" name="resolution" value="1000" units="1/cm"/>
+          <inkml:channelProperty channel="Y" name="resolution" value="1000" units="1/cm"/>
+          <inkml:channelProperty channel="F" name="resolution" value="0" units="1/dev"/>
+        </inkml:channelProperties>
+      </inkml:inkSource>
+      <inkml:timestamp xml:id="ts0" timeString="2024-09-18T13:38:11.163"/>
+    </inkml:context>
+    <inkml:brush xml:id="br0">
+      <inkml:brushProperty name="width" value="0.05" units="cm"/>
+      <inkml:brushProperty name="height" value="0.05" units="cm"/>
+      <inkml:brushProperty name="color" value="#E71224"/>
+    </inkml:brush>
+  </inkml:definitions>
+  <inkml:trace contextRef="#ctx0" brushRef="#br0">78 0 24575,'0'17'0,"0"76"0,15 131 0,3-42 0,-10 300 0,-10-288 0,1-141 0,-3 1 0,-2-1 0,-3-1 0,-22 78 0,28-123 0,1 0 0,0 0 0,1 0 0,0 0 0,0 1 0,1-1 0,-1 0 0,1 0 0,2 8 0,-2-13 0,1 1 0,0-1 0,0 1 0,0-1 0,1 1 0,-1-1 0,1 0 0,-1 0 0,1 0 0,-1 0 0,1 0 0,0 0 0,0 0 0,0 0 0,0-1 0,1 1 0,-1-1 0,0 0 0,1 1 0,-1-1 0,0 0 0,1 0 0,0-1 0,-1 1 0,1 0 0,-1-1 0,6 1 0,37 3 0,-1-2 0,1-2 0,48-6 0,25 1 0,1125 3 0,-631 4 0,-600-2 0,-1 0 0,0-1 0,0 0 0,0-1 0,0 0 0,14-4 0,-22 5 0,1-1 0,-1 1 0,0-1 0,0 0 0,0 0 0,0-1 0,0 1 0,0 0 0,0-1 0,-1 0 0,1 0 0,-1 1 0,0-1 0,0-1 0,0 1 0,0 0 0,0 0 0,-1-1 0,1 1 0,-1-1 0,0 1 0,1-8 0,2-24 0,-1-1 0,-2 0 0,-2 1 0,-5-40 0,0-34 0,6-721 0,0 820 0,0 0 0,-1 0 0,0 0 0,0 0 0,-1 0 0,-6-18 0,7 25 0,-1-1 0,0 1 0,0 0 0,0 0 0,0 0 0,0 0 0,-1 0 0,1 1 0,-1-1 0,0 1 0,0-1 0,0 1 0,0 0 0,0 0 0,0 0 0,0 1 0,-1-1 0,1 1 0,-1 0 0,1 0 0,-1 0 0,-4 0 0,-20-3 0,0 1 0,0 2 0,-42 3 0,42 0 0,0-1 0,-1-2 0,-48-7 0,-21-6 0,0 5 0,0 4 0,-149 10 0,155 3 0,-108 24 0,109-14 0,-113 5 0,138-18 0,-1 4 0,-96 24 0,-67 9 0,-23 5 0,100-22-1365</inkml:trace>
+</inkml:ink>
+</file>
+
+<file path=ppt/ink/ink25.xml><?xml version="1.0" encoding="utf-8"?>
+<inkml:ink xmlns:inkml="http://www.w3.org/2003/InkML">
+  <inkml:definitions>
+    <inkml:context xml:id="ctx0">
+      <inkml:inkSource xml:id="inkSrc0">
+        <inkml:traceFormat>
+          <inkml:channel name="X" type="integer" min="-2.14748E9" max="2.14748E9" units="cm"/>
+          <inkml:channel name="Y" type="integer" min="-2.14748E9" max="2.14748E9" units="cm"/>
+          <inkml:channel name="F" type="integer" max="32767" units="dev"/>
+        </inkml:traceFormat>
+        <inkml:channelProperties>
+          <inkml:channelProperty channel="X" name="resolution" value="1000" units="1/cm"/>
+          <inkml:channelProperty channel="Y" name="resolution" value="1000" units="1/cm"/>
+          <inkml:channelProperty channel="F" name="resolution" value="0" units="1/dev"/>
+        </inkml:channelProperties>
+      </inkml:inkSource>
+      <inkml:timestamp xml:id="ts0" timeString="2024-09-18T13:38:14.022"/>
+    </inkml:context>
+    <inkml:brush xml:id="br0">
+      <inkml:brushProperty name="width" value="0.05" units="cm"/>
+      <inkml:brushProperty name="height" value="0.05" units="cm"/>
+      <inkml:brushProperty name="color" value="#E71224"/>
+    </inkml:brush>
+  </inkml:definitions>
+  <inkml:trace contextRef="#ctx0" brushRef="#br0">1072 211 24575,'-89'1'0,"-103"-3"0,150-9 0,30 1 0,12 9 0,1 1 0,-1-1 0,1 0 0,-1 1 0,1-1 0,-1 0 0,1 1 0,-1-1 0,1 1 0,-1-1 0,1 1 0,0-1 0,-1 1 0,1 0 0,0-1 0,-1 1 0,1 0 0,0 0 0,0-1 0,-1 1 0,1 0 0,0 0 0,0 0 0,0 0 0,12-3 0,0 0 0,0 1 0,0 1 0,0 0 0,1 1 0,-1 1 0,18 2 0,4 3 0,51 17 0,-84-23 0,0 0 0,-1 0 0,1 1 0,0-1 0,-1 1 0,1-1 0,-1 1 0,1 0 0,-1-1 0,1 1 0,-1 0 0,1 0 0,-1 0 0,0 0 0,1 0 0,-1 1 0,0-1 0,0 0 0,0 0 0,0 1 0,0-1 0,0 1 0,-1-1 0,1 1 0,1 2 0,-3-2 0,1 0 0,0 0 0,-1 1 0,1-1 0,-1 0 0,0 0 0,0 0 0,0 0 0,0 0 0,0-1 0,0 1 0,-1 0 0,1 0 0,0-1 0,-1 1 0,-3 2 0,-11 9 0,0 0 0,-1-2 0,-23 13 0,34-21 0,-366 211 0,370-214 0,0 1 0,0-1 0,1 1 0,-1 0 0,0 0 0,1 0 0,-1 0 0,1 0 0,-1 0 0,1 0 0,-1 0 0,1 1 0,0-1 0,-1 0 0,1 1 0,0 0 0,0-1 0,0 1 0,0-1 0,1 1 0,-1 0 0,0 0 0,0 2 0,3-2 0,-1 0 0,1-1 0,0 1 0,0 0 0,0-1 0,0 1 0,0-1 0,0 0 0,0 0 0,0 0 0,0 0 0,1 0 0,-1 0 0,0 0 0,1-1 0,-1 1 0,1-1 0,2 0 0,60 11 0,1-4 0,-1-3 0,106-5 0,-100-1 0,-70 2 0,1 0 0,-1-1 0,0 1 0,1 0 0,-1 0 0,1 0 0,-1 0 0,0 0 0,1 1 0,-1-1 0,0 0 0,1 1 0,-1-1 0,0 1 0,0-1 0,1 1 0,-1-1 0,1 2 0,-16 10 0,-44 10 0,18-11 0,0-2 0,-55 6 0,78-17 0,18-5 0,24-12 0,-22 16 0,39-22 0,74-35 0,-69 38 0,-45 21 0,-1 1 0,1-1 0,-1 1 0,0-1 0,0 0 0,1 0 0,-1 1 0,0-1 0,0 0 0,0 0 0,1 0 0,-1 0 0,0 0 0,0 0 0,-1-1 0,2-1 0,-2 3 0,0-1 0,-1 1 0,1-1 0,0 1 0,-1-1 0,1 1 0,-1 0 0,1-1 0,-1 1 0,1 0 0,-1-1 0,1 1 0,-1 0 0,1-1 0,-1 1 0,1 0 0,-1 0 0,1 0 0,-1-1 0,0 1 0,1 0 0,-1 0 0,1 0 0,-1 0 0,0 0 0,0 0 0,-60 0 0,52 1 0,-58 3 0,41-2 0,1 0 0,0-1 0,0-2 0,0 0 0,-42-9 0,64 9 0,-1 1 0,1-1 0,0 0 0,-1-1 0,1 1 0,0 0 0,0-1 0,0 0 0,0 1 0,1-1 0,-1-1 0,0 1 0,1 0 0,-1-1 0,1 1 0,0-1 0,0 1 0,0-1 0,0 0 0,1 0 0,-1 0 0,1 0 0,-1 0 0,1-1 0,0 1 0,0 0 0,0-5 0,1 3 0,0-1 0,1 1 0,0 0 0,0-1 0,0 1 0,1 0 0,-1 0 0,1 0 0,1 0 0,-1 0 0,0 0 0,1 1 0,0-1 0,0 1 0,1 0 0,-1 0 0,6-4 0,32-29 0,2 3 0,1 1 0,70-39 0,-11 7 0,-51 33 0,-37 24 0,0 0 0,-1-1 0,0-1 0,0-1 0,12-12 0,-26 23 0,1-1 0,-1 1 0,0 0 0,0-1 0,1 1 0,-1-1 0,0 1 0,0 0 0,0-1 0,0 1 0,1-1 0,-1 1 0,0 0 0,0-1 0,0 1 0,0-1 0,0 1 0,0-1 0,0 1 0,0-1 0,0 1 0,0 0 0,-1-1 0,1 1 0,0-1 0,0 1 0,0 0 0,0-1 0,-1 1 0,1-1 0,0 1 0,0 0 0,-1-1 0,1 1 0,0 0 0,0-1 0,-1 1 0,1 0 0,-1 0 0,1-1 0,0 1 0,-1 0 0,1 0 0,0 0 0,-1-1 0,1 1 0,-1 0 0,1 0 0,-1 0 0,1 0 0,0 0 0,-1 0 0,1 0 0,-1 0 0,0 0 0,-30-5 0,29 5 0,-387-2-60,222 7-387,35-6 345,47-1 102,-156 17 0,232-14 0,0 1 0,0 0 0,0 1 0,0 0 0,-8 5 0,16-8 0,0 0 0,0 1 0,0-1 0,0 0 0,0 1 0,0-1 0,0 1 0,0 0 0,0-1 0,0 1 0,1 0 0,-1-1 0,0 1 0,0 0 0,1 0 0,-1 0 0,0 0 0,1 0 0,-1 0 0,1 0 0,0 0 0,-1 0 0,1 0 0,0 0 0,-1 0 0,1 0 0,0 0 0,0 0 0,0 0 0,0 0 0,0 0 0,0 0 0,0 0 0,0 0 0,0 1 0,1-1 0,-1 0 0,0 0 0,1 0 0,-1 0 0,1 0 0,-1-1 0,1 1 0,0 0 0,-1 0 0,1 0 0,0 0 0,-1 0 0,1-1 0,0 1 0,0 0 0,0-1 0,1 2 0,13 9 0,0 0 0,1-1 0,0-1 0,1-1 0,30 12 0,10 5 0,671 389 580,-465-253-551,-254-155-29,7 2 0,-2 1 0,1 1 0,-1 0 0,-1 1 0,21 21 0,-31-29 0,-1-1 0,2 1 0,-1 0 0,0-1 0,0 1 0,1-1 0,-1 0 0,1 0 0,0-1 0,-1 1 0,1-1 0,0 1 0,0-1 0,0 0 0,0-1 0,0 1 0,0-1 0,7 0 0,5-1 0,0-1 0,0-1 0,24-6 0,3-1 0,289-51 0,-326 61 0,0-1 0,-1-1 0,1 1 0,0-1 0,-1 0 0,1 0 0,-1-1 0,0 1 0,6-5 0,-11 7 0,0 0 0,1-1 0,-1 1 0,0 0 0,1-1 0,-1 1 0,0-1 0,1 1 0,-1-1 0,0 1 0,0-1 0,0 1 0,1-1 0,-1 1 0,0-1 0,0 1 0,0-1 0,0 1 0,0-1 0,0 1 0,0-1 0,0 1 0,0-1 0,0 1 0,0-1 0,-1 1 0,1-1 0,0 1 0,0-1 0,0 1 0,-1-1 0,0 0 0,-1-2 0,0 1 0,0 0 0,-1 0 0,1 0 0,-1 0 0,1 0 0,-1 0 0,0 1 0,-3-2 0,-26-11 34,0 2 0,-57-13 1,60 18-329,0-1 1,0-1-1,0-2 0,-27-15 1,35 13-6533</inkml:trace>
+</inkml:ink>
+</file>
+
+<file path=ppt/ink/ink26.xml><?xml version="1.0" encoding="utf-8"?>
+<inkml:ink xmlns:inkml="http://www.w3.org/2003/InkML">
+  <inkml:definitions>
+    <inkml:context xml:id="ctx0">
+      <inkml:inkSource xml:id="inkSrc0">
+        <inkml:traceFormat>
+          <inkml:channel name="X" type="integer" min="-2.14748E9" max="2.14748E9" units="cm"/>
+          <inkml:channel name="Y" type="integer" min="-2.14748E9" max="2.14748E9" units="cm"/>
+          <inkml:channel name="F" type="integer" max="32767" units="dev"/>
+        </inkml:traceFormat>
+        <inkml:channelProperties>
+          <inkml:channelProperty channel="X" name="resolution" value="1000" units="1/cm"/>
+          <inkml:channelProperty channel="Y" name="resolution" value="1000" units="1/cm"/>
+          <inkml:channelProperty channel="F" name="resolution" value="0" units="1/dev"/>
+        </inkml:channelProperties>
+      </inkml:inkSource>
+      <inkml:timestamp xml:id="ts0" timeString="2024-09-18T13:38:18.605"/>
+    </inkml:context>
+    <inkml:brush xml:id="br0">
+      <inkml:brushProperty name="width" value="0.05" units="cm"/>
+      <inkml:brushProperty name="height" value="0.05" units="cm"/>
+      <inkml:brushProperty name="color" value="#E71224"/>
+    </inkml:brush>
+  </inkml:definitions>
+  <inkml:trace contextRef="#ctx0" brushRef="#br0">167 1 24575,'-16'0'0,"6"-1"0,-1 1 0,1 1 0,-1-1 0,1 2 0,-17 3 0,23-3 0,1-1 0,0 1 0,-1 0 0,1 0 0,0 0 0,0 0 0,0 0 0,0 1 0,1-1 0,-1 1 0,1 0 0,-1 0 0,1 0 0,0 0 0,0 0 0,0 0 0,1 1 0,-1-1 0,-1 6 0,-2 5 0,2-1 0,-1 1 0,2 0 0,0 0 0,0 1 0,2-1 0,1 24 0,3 7 0,13 48 0,2 14 0,-15-89 0,0 1 0,2-1 0,0-1 0,1 1 0,1-1 0,1 0 0,0 0 0,20 25 0,-13-17 0,0 1 0,17 39 0,68 153 0,-86-178-188,-1 0 1,-2 2-1,10 63 0,-18-84-426,3 14-6212</inkml:trace>
+</inkml:ink>
+</file>
+
+<file path=ppt/ink/ink27.xml><?xml version="1.0" encoding="utf-8"?>
+<inkml:ink xmlns:inkml="http://www.w3.org/2003/InkML">
+  <inkml:definitions>
+    <inkml:context xml:id="ctx0">
+      <inkml:inkSource xml:id="inkSrc0">
+        <inkml:traceFormat>
+          <inkml:channel name="X" type="integer" min="-2.14748E9" max="2.14748E9" units="cm"/>
+          <inkml:channel name="Y" type="integer" min="-2.14748E9" max="2.14748E9" units="cm"/>
+          <inkml:channel name="F" type="integer" max="32767" units="dev"/>
+        </inkml:traceFormat>
+        <inkml:channelProperties>
+          <inkml:channelProperty channel="X" name="resolution" value="1000" units="1/cm"/>
+          <inkml:channelProperty channel="Y" name="resolution" value="1000" units="1/cm"/>
+          <inkml:channelProperty channel="F" name="resolution" value="0" units="1/dev"/>
+        </inkml:channelProperties>
+      </inkml:inkSource>
+      <inkml:timestamp xml:id="ts0" timeString="2024-09-18T13:38:20.768"/>
+    </inkml:context>
+    <inkml:brush xml:id="br0">
+      <inkml:brushProperty name="width" value="0.05" units="cm"/>
+      <inkml:brushProperty name="height" value="0.05" units="cm"/>
+      <inkml:brushProperty name="color" value="#E71224"/>
+    </inkml:brush>
+  </inkml:definitions>
+  <inkml:trace contextRef="#ctx0" brushRef="#br0">2 811 24575,'-1'-35'0,"0"19"0,1 1 0,1-1 0,3-24 0,-3 36 0,0-1 0,0 1 0,1-1 0,0 1 0,0 0 0,0-1 0,0 1 0,0 0 0,1 0 0,0 0 0,0 1 0,0-1 0,0 1 0,1 0 0,-1 0 0,5-3 0,16-15 0,-1 0 0,0-2 0,-2 0 0,-1-2 0,-1 0 0,20-34 0,1 1 0,17-26 0,64-81 0,-92 128 0,-26 31 0,1 1 0,-1-1 0,1 1 0,0 1 0,0-1 0,1 0 0,-1 1 0,1 0 0,0 0 0,0 0 0,1 1 0,-1 0 0,1 0 0,-1 0 0,1 1 0,0-1 0,0 1 0,0 1 0,7-2 0,-3 1 0,1 1 0,-1 0 0,0 1 0,1 0 0,-1 1 0,1 0 0,-1 0 0,0 1 0,0 0 0,0 1 0,0 0 0,0 1 0,0 0 0,-1 1 0,0 0 0,0 0 0,0 1 0,-1 0 0,0 0 0,0 1 0,0 0 0,-1 0 0,0 1 0,0 0 0,-1 1 0,0-1 0,0 1 0,-1 0 0,-1 0 0,1 1 0,-1 0 0,-1-1 0,0 1 0,3 21 0,-3 30 0,-4-52 0,0 1 0,1-1 0,1 0 0,-1 0 0,2 1 0,-1-1 0,1 0 0,0 0 0,1 0 0,0 0 0,6 11 0,-1-9 0,-1 1 0,0 0 0,-1 0 0,0 0 0,-1 1 0,-1 0 0,0 0 0,-1 0 0,0 1 0,-1-1 0,0 1 0,-1-1 0,-1 1 0,0 0 0,-1-1 0,0 1 0,-1 0 0,-1-1 0,0 0 0,-1 1 0,-7 17 0,-17 22 0,-2 0 0,-55 71 0,14-18 0,65-94 0,-1 0 0,1 0 0,1 0 0,0 1 0,1 0 0,1 0 0,-3 17 0,5-27 0,1-1 0,0 1 0,1 0 0,-1 0 0,0 0 0,1-1 0,0 1 0,-1 0 0,1 0 0,0-1 0,0 1 0,1-1 0,-1 1 0,0-1 0,1 1 0,0-1 0,-1 0 0,1 0 0,0 0 0,0 0 0,0 0 0,1 0 0,-1 0 0,0-1 0,1 1 0,-1-1 0,1 0 0,-1 0 0,1 0 0,0 0 0,-1 0 0,1 0 0,0-1 0,4 1 0,12 2 0,0-1 0,0 0 0,0-2 0,19-1 0,-21 0 0,355-5 0,-349 5 32,0-2 1,-1 0-1,31-9 0,30-4-1526,-52 12-5332</inkml:trace>
+</inkml:ink>
+</file>
+
+<file path=ppt/ink/ink28.xml><?xml version="1.0" encoding="utf-8"?>
+<inkml:ink xmlns:inkml="http://www.w3.org/2003/InkML">
+  <inkml:definitions>
+    <inkml:context xml:id="ctx0">
+      <inkml:inkSource xml:id="inkSrc0">
+        <inkml:traceFormat>
+          <inkml:channel name="X" type="integer" min="-2.14748E9" max="2.14748E9" units="cm"/>
+          <inkml:channel name="Y" type="integer" min="-2.14748E9" max="2.14748E9" units="cm"/>
+          <inkml:channel name="F" type="integer" max="32767" units="dev"/>
+        </inkml:traceFormat>
+        <inkml:channelProperties>
+          <inkml:channelProperty channel="X" name="resolution" value="1000" units="1/cm"/>
+          <inkml:channelProperty channel="Y" name="resolution" value="1000" units="1/cm"/>
+          <inkml:channelProperty channel="F" name="resolution" value="0" units="1/dev"/>
+        </inkml:channelProperties>
+      </inkml:inkSource>
+      <inkml:timestamp xml:id="ts0" timeString="2024-09-18T13:38:22.374"/>
+    </inkml:context>
+    <inkml:brush xml:id="br0">
+      <inkml:brushProperty name="width" value="0.05" units="cm"/>
+      <inkml:brushProperty name="height" value="0.05" units="cm"/>
+      <inkml:brushProperty name="color" value="#E71224"/>
+    </inkml:brush>
+  </inkml:definitions>
+  <inkml:trace contextRef="#ctx0" brushRef="#br0">1 23 24575,'0'0'0,"0"-1"0,0 0 0,0 0 0,0 0 0,0 0 0,1 0 0,-1 0 0,0 0 0,1 0 0,-1 0 0,0 0 0,1 0 0,-1 1 0,1-1 0,-1 0 0,1 0 0,0 1 0,-1-1 0,1 0 0,0 1 0,0-1 0,-1 0 0,1 1 0,0-1 0,0 1 0,0-1 0,0 1 0,-1 0 0,1-1 0,0 1 0,0 0 0,0 0 0,0 0 0,0-1 0,0 1 0,0 0 0,0 0 0,1 1 0,1-1 0,0 0 0,0 0 0,0 1 0,0-1 0,0 1 0,-1 0 0,1 0 0,0 0 0,0 0 0,-1 0 0,5 3 0,1 3 0,0 0 0,-1 1 0,1 0 0,-1 0 0,-1 1 0,0 0 0,0 0 0,-1 1 0,0-1 0,7 19 0,1 11 0,13 62 0,-9-28 0,-3-22 0,-3 0 0,-2 1 0,-2 0 0,0 79 0,-6-116 0,1-1 0,0 1 0,1-1 0,0 1 0,2-1 0,-1 0 0,2-1 0,0 1 0,0-1 0,9 13 0,21 49 0,-28-53 0,-1-1 0,-2 2 0,0-1 0,-1 0 0,1 35 0,-7 118 0,-1-76 0,2-20-1365,1-44-5461</inkml:trace>
+</inkml:ink>
+</file>
+
+<file path=ppt/ink/ink29.xml><?xml version="1.0" encoding="utf-8"?>
+<inkml:ink xmlns:inkml="http://www.w3.org/2003/InkML">
+  <inkml:definitions>
+    <inkml:context xml:id="ctx0">
+      <inkml:inkSource xml:id="inkSrc0">
+        <inkml:traceFormat>
+          <inkml:channel name="X" type="integer" min="-2.14748E9" max="2.14748E9" units="cm"/>
+          <inkml:channel name="Y" type="integer" min="-2.14748E9" max="2.14748E9" units="cm"/>
+          <inkml:channel name="F" type="integer" max="32767" units="dev"/>
+        </inkml:traceFormat>
+        <inkml:channelProperties>
+          <inkml:channelProperty channel="X" name="resolution" value="1000" units="1/cm"/>
+          <inkml:channelProperty channel="Y" name="resolution" value="1000" units="1/cm"/>
+          <inkml:channelProperty channel="F" name="resolution" value="0" units="1/dev"/>
+        </inkml:channelProperties>
+      </inkml:inkSource>
+      <inkml:timestamp xml:id="ts0" timeString="2024-09-18T13:38:27.221"/>
+    </inkml:context>
+    <inkml:brush xml:id="br0">
+      <inkml:brushProperty name="width" value="0.05" units="cm"/>
+      <inkml:brushProperty name="height" value="0.05" units="cm"/>
+      <inkml:brushProperty name="color" value="#E71224"/>
+    </inkml:brush>
+  </inkml:definitions>
+  <inkml:trace contextRef="#ctx0" brushRef="#br0">0 3 24575,'340'8'0,"-252"-1"0,160 33 0,-171-21 0,41 10 0,1-5 0,146 11 0,441-31 0,-346-8 0,153 6-168,559-5-354,-906-9 522,285-58 0,-272 37 0,201-13 0,178 43 721,-270 6-2117,-254-3-5430</inkml:trace>
+</inkml:ink>
+</file>
+
 <file path=ppt/ink/ink3.xml><?xml version="1.0" encoding="utf-8"?>
 <inkml:ink xmlns:inkml="http://www.w3.org/2003/InkML">
   <inkml:definitions>
@@ -3322,6 +3606,118 @@
     </inkml:brush>
   </inkml:definitions>
   <inkml:trace contextRef="#ctx0" brushRef="#br0">123 1817 24575,'-1'-3'0,"0"-1"0,-1 1 0,1 0 0,-1-1 0,0 1 0,0 0 0,0 0 0,0 0 0,-1 0 0,1 1 0,-1-1 0,-5-3 0,-2-5 0,1 1 0,1 0 0,0-1 0,0 1 0,1-2 0,1 1 0,0-1 0,0 0 0,1 0 0,1 0 0,0-1 0,1 0 0,0 0 0,1 0 0,1 0 0,-1-21 0,6-455 0,-1 459 0,3 0 0,0 0 0,2 1 0,16-43 0,0 2 0,-20 54 0,2 1 0,0-1 0,0 1 0,2 1 0,0-1 0,0 1 0,2 1 0,-1-1 0,2 2 0,15-16 0,-13 15 0,-1-1 0,0 1 0,12-21 0,-15 21 0,1-1 0,1 1 0,0 1 0,14-13 0,23-10 0,56-32 0,-53 36 0,52-41 0,-57 39 0,2 2 0,2 1 0,0 3 0,2 3 0,109-36 0,-103 42 0,1 3 0,1 2 0,0 4 0,73-4 0,248 12 0,-189 5 0,273-4 0,-452 0 0,-1 1 0,1 1 0,-1 0 0,0 1 0,0 0 0,0 1 0,0 0 0,0 1 0,-1 0 0,0 1 0,0 0 0,-1 1 0,17 12 0,63 38 0,-49-33 0,38 31 0,42 30 0,-75-54 0,-2 1 0,48 45 0,-36-34 0,-46-37 0,-1 1 0,1 0 0,-1 1 0,0 0 0,-1 0 0,12 15 0,10 13 0,1-1 0,1-1 0,49 37 0,-5-2 0,-8-7 0,65 66 0,-65-55 0,4-4 0,2-2 0,3-4 0,89 55 0,-145-105 0,-1 1 0,0 1 0,-1 1 0,-1 0 0,0 2 0,-1 0 0,-1 1 0,23 35 0,-26-36 0,2-1 0,0 0 0,0-1 0,2-1 0,0 0 0,0-1 0,2-1 0,21 11 0,53 44 0,-72-50 0,-6-4 0,1-1 0,0-1 0,1 0 0,22 12 0,0-3 0,62 46 0,-47-29 0,0 9 0,-46-39 0,0 0 0,0 0 0,1 0 0,0-1 0,1-1 0,16 9 0,-25-14 0,226 90 0,-201-80 0,0 0 0,-1 1 0,47 32 0,-13-7 0,-25-19 0,46 16 0,-47-20 0,57 30 0,-57-23 0,0-1 0,1-2 0,1-1 0,1-2 0,0-2 0,1-1 0,43 8 0,5-3 0,-1 3 0,90 35 0,-151-48 0,2-1 0,-1 0 0,41 2 0,-33-5 0,44 11 0,-54-8 0,-8-3 0,0 1 0,1 0 0,-2 1 0,1 0 0,0 1 0,-1 1 0,13 8 0,-8-5 0,0 0 0,1-2 0,0 0 0,0-1 0,1-1 0,0-1 0,38 5 0,-2 1 0,131 20 0,-51-12 0,-102-16 0,0 1 0,-1 1 0,63 20 0,-27-3 0,1-4 0,93 14 0,10 1 0,-135-23 0,28 6 0,0-2 0,0-3 0,101 4 0,-62-16 0,-327 0-1365,184 1-5461</inkml:trace>
+</inkml:ink>
+</file>
+
+<file path=ppt/ink/ink30.xml><?xml version="1.0" encoding="utf-8"?>
+<inkml:ink xmlns:inkml="http://www.w3.org/2003/InkML">
+  <inkml:definitions>
+    <inkml:context xml:id="ctx0">
+      <inkml:inkSource xml:id="inkSrc0">
+        <inkml:traceFormat>
+          <inkml:channel name="X" type="integer" min="-2.14748E9" max="2.14748E9" units="cm"/>
+          <inkml:channel name="Y" type="integer" min="-2.14748E9" max="2.14748E9" units="cm"/>
+          <inkml:channel name="F" type="integer" max="32767" units="dev"/>
+        </inkml:traceFormat>
+        <inkml:channelProperties>
+          <inkml:channelProperty channel="X" name="resolution" value="1000" units="1/cm"/>
+          <inkml:channelProperty channel="Y" name="resolution" value="1000" units="1/cm"/>
+          <inkml:channelProperty channel="F" name="resolution" value="0" units="1/dev"/>
+        </inkml:channelProperties>
+      </inkml:inkSource>
+      <inkml:timestamp xml:id="ts0" timeString="2024-09-18T13:38:31.529"/>
+    </inkml:context>
+    <inkml:brush xml:id="br0">
+      <inkml:brushProperty name="width" value="0.05" units="cm"/>
+      <inkml:brushProperty name="height" value="0.05" units="cm"/>
+      <inkml:brushProperty name="color" value="#E71224"/>
+    </inkml:brush>
+  </inkml:definitions>
+  <inkml:trace contextRef="#ctx0" brushRef="#br0">0 44 24575,'1'-1'0,"-1"-1"0,1 0 0,0 1 0,0-1 0,-1 1 0,1-1 0,0 1 0,0 0 0,1-1 0,-1 1 0,0 0 0,0 0 0,1 0 0,-1 0 0,0 0 0,1 0 0,-1 0 0,1 0 0,-1 0 0,1 1 0,0-1 0,-1 1 0,1-1 0,0 1 0,-1 0 0,4-1 0,55-7 0,-52 7 0,57-4 0,0 3 0,0 3 0,0 3 0,100 19 0,-26-4 0,-79-11 0,61 14 0,291 67 0,-297-66 0,33 3 0,276 10 0,156-37 0,-243-4 0,124 5 1126,228 0-6361,-65 0 2560,-586 0 4931,1-3-1,71-13 0,-30-5-2237,117-30-18,-120 34 0,-43 10 0,0 2 0,36 0 0,-32 3 0,48-10 0,-36 3-682,62-3-1,-78 10-6143</inkml:trace>
+</inkml:ink>
+</file>
+
+<file path=ppt/ink/ink31.xml><?xml version="1.0" encoding="utf-8"?>
+<inkml:ink xmlns:inkml="http://www.w3.org/2003/InkML">
+  <inkml:definitions>
+    <inkml:context xml:id="ctx0">
+      <inkml:inkSource xml:id="inkSrc0">
+        <inkml:traceFormat>
+          <inkml:channel name="X" type="integer" min="-2.14748E9" max="2.14748E9" units="cm"/>
+          <inkml:channel name="Y" type="integer" min="-2.14748E9" max="2.14748E9" units="cm"/>
+          <inkml:channel name="F" type="integer" max="32767" units="dev"/>
+        </inkml:traceFormat>
+        <inkml:channelProperties>
+          <inkml:channelProperty channel="X" name="resolution" value="1000" units="1/cm"/>
+          <inkml:channelProperty channel="Y" name="resolution" value="1000" units="1/cm"/>
+          <inkml:channelProperty channel="F" name="resolution" value="0" units="1/dev"/>
+        </inkml:channelProperties>
+      </inkml:inkSource>
+      <inkml:timestamp xml:id="ts0" timeString="2024-09-18T13:38:33.882"/>
+    </inkml:context>
+    <inkml:brush xml:id="br0">
+      <inkml:brushProperty name="width" value="0.05" units="cm"/>
+      <inkml:brushProperty name="height" value="0.05" units="cm"/>
+      <inkml:brushProperty name="color" value="#E71224"/>
+    </inkml:brush>
+  </inkml:definitions>
+  <inkml:trace contextRef="#ctx0" brushRef="#br0">0 2 24575,'196'-2'0,"219"5"0,-211 17 0,62 1 0,434-22 0,-663 3 0,0 2 0,40 9 0,41 4 0,206-12-224,-244-6-917,-40 1-5685</inkml:trace>
+</inkml:ink>
+</file>
+
+<file path=ppt/ink/ink32.xml><?xml version="1.0" encoding="utf-8"?>
+<inkml:ink xmlns:inkml="http://www.w3.org/2003/InkML">
+  <inkml:definitions>
+    <inkml:context xml:id="ctx0">
+      <inkml:inkSource xml:id="inkSrc0">
+        <inkml:traceFormat>
+          <inkml:channel name="X" type="integer" min="-2.14748E9" max="2.14748E9" units="cm"/>
+          <inkml:channel name="Y" type="integer" min="-2.14748E9" max="2.14748E9" units="cm"/>
+          <inkml:channel name="F" type="integer" max="32767" units="dev"/>
+        </inkml:traceFormat>
+        <inkml:channelProperties>
+          <inkml:channelProperty channel="X" name="resolution" value="1000" units="1/cm"/>
+          <inkml:channelProperty channel="Y" name="resolution" value="1000" units="1/cm"/>
+          <inkml:channelProperty channel="F" name="resolution" value="0" units="1/dev"/>
+        </inkml:channelProperties>
+      </inkml:inkSource>
+      <inkml:timestamp xml:id="ts0" timeString="2024-09-18T13:38:35.087"/>
+    </inkml:context>
+    <inkml:brush xml:id="br0">
+      <inkml:brushProperty name="width" value="0.05" units="cm"/>
+      <inkml:brushProperty name="height" value="0.05" units="cm"/>
+      <inkml:brushProperty name="color" value="#E71224"/>
+    </inkml:brush>
+  </inkml:definitions>
+  <inkml:trace contextRef="#ctx0" brushRef="#br0">0 1 24575,'62'-1'0,"-1"3"0,1 3 0,103 21 0,-18 12 0,-53-12 0,1-3 0,1-5 0,123 8 0,-193-24 0,0 2 0,0 1 0,0 1 0,46 17 0,-45-14 0,0 0 0,1-2 0,54 7 0,262-11 0,-170-6 0,-140 1 0,0-2 0,61-14 0,-18 2 0,3-2 0,-54 11 0,0 1 0,44-4 0,203 9 60,-144 2-1485,-94-1-5401</inkml:trace>
+</inkml:ink>
+</file>
+
+<file path=ppt/ink/ink33.xml><?xml version="1.0" encoding="utf-8"?>
+<inkml:ink xmlns:inkml="http://www.w3.org/2003/InkML">
+  <inkml:definitions>
+    <inkml:context xml:id="ctx0">
+      <inkml:inkSource xml:id="inkSrc0">
+        <inkml:traceFormat>
+          <inkml:channel name="X" type="integer" min="-2.14748E9" max="2.14748E9" units="cm"/>
+          <inkml:channel name="Y" type="integer" min="-2.14748E9" max="2.14748E9" units="cm"/>
+          <inkml:channel name="F" type="integer" max="32767" units="dev"/>
+        </inkml:traceFormat>
+        <inkml:channelProperties>
+          <inkml:channelProperty channel="X" name="resolution" value="1000" units="1/cm"/>
+          <inkml:channelProperty channel="Y" name="resolution" value="1000" units="1/cm"/>
+          <inkml:channelProperty channel="F" name="resolution" value="0" units="1/dev"/>
+        </inkml:channelProperties>
+      </inkml:inkSource>
+      <inkml:timestamp xml:id="ts0" timeString="2024-09-18T14:34:16.346"/>
+    </inkml:context>
+    <inkml:brush xml:id="br0">
+      <inkml:brushProperty name="width" value="0.05" units="cm"/>
+      <inkml:brushProperty name="height" value="0.05" units="cm"/>
+      <inkml:brushProperty name="color" value="#FF0066"/>
+    </inkml:brush>
+  </inkml:definitions>
+  <inkml:trace contextRef="#ctx0" brushRef="#br0">2455 491 24575,'-1'-4'0,"0"0"0,0 0 0,-1 1 0,1-1 0,-1 1 0,0-1 0,0 1 0,0 0 0,0-1 0,-1 1 0,1 0 0,-4-3 0,-36-33 0,26 29 0,0 1 0,-1 0 0,-26-9 0,-11-5 0,14 5 0,29 14 0,0-1 0,0-1 0,0 1 0,1-2 0,0 1 0,-11-10 0,8 6 0,1 0 0,-2 1 0,1 1 0,-1 1 0,-1 0 0,-20-8 0,-48-24 0,59 25 0,1 1 0,-2 1 0,-50-17 0,54 21 0,0 0 0,-23-15 0,30 15 0,-1 1 0,-1 0 0,1 0 0,-1 2 0,-29-7 0,-25 6 0,0 2 0,-91 8 0,22 0 0,56-5 0,1 4 0,-1 4 0,-129 27 0,197-30 0,0 1 0,1 1 0,0 0 0,0 1 0,1 0 0,0 1 0,0 1 0,-16 14 0,-20 9 0,40-28 0,1 1 0,-1 0 0,1 1 0,0 0 0,1 0 0,-1 0 0,1 1 0,0 1 0,1-1 0,-8 11 0,7-5 0,-1-1 0,-1 0 0,0 0 0,0-1 0,-1 0 0,-13 10 0,3 0 0,1 1 0,1 0 0,1 1 0,0 1 0,2 0 0,-14 32 0,-23 36 0,29-59 0,2 2 0,2 1 0,2 0 0,-16 44 0,32-76 0,0-1 0,0 1 0,0 0 0,0 0 0,1 0 0,-1 0 0,1 0 0,0 0 0,0 0 0,1 0 0,-1 0 0,1 0 0,0 0 0,0 0 0,0-1 0,0 1 0,1 0 0,-1-1 0,1 1 0,0-1 0,0 1 0,1-1 0,4 5 0,2 1 0,2 0 0,-1-1 0,1-1 0,1 0 0,20 10 0,17 11 0,12 0 0,-51-24 0,0 0 0,0 1 0,0 0 0,0 0 0,15 13 0,32 20 0,-52-36 0,1 0 0,-1 1 0,0 0 0,0 0 0,0 1 0,0-1 0,0 1 0,-1 0 0,0 1 0,0-1 0,0 1 0,0-1 0,-1 1 0,1 0 0,-1 1 0,-1-1 0,1 0 0,-1 1 0,0 0 0,3 10 0,-1 9 0,-1 1 0,0 36 0,-3-56 0,0 1 0,0 0 0,-1-1 0,1 1 0,-2-1 0,1 1 0,-1-1 0,0 0 0,0 1 0,0-1 0,-1 0 0,0 0 0,0-1 0,-6 8 0,6-11 0,0 0 0,0 0 0,1-1 0,-1 1 0,0-1 0,0 0 0,0 0 0,0 0 0,-1 0 0,1-1 0,0 1 0,0-1 0,0 0 0,-1 0 0,1 0 0,0 0 0,0-1 0,0 1 0,-5-2 0,-5-1 0,0-1 0,0 0 0,-15-8 0,-31-22 0,46 25 0,1 1 0,-1 1 0,-26-11 0,19 10 0,24 4 0,37 4 0,-27 1 0,8 0 0,0 1 0,-1 1 0,1 1 0,-1 1 0,21 7 0,99 47 0,-129-54 0,-4-2 0,0 0 0,0-1 0,0 0 0,1 0 0,-1-1 0,1 0 0,-1-1 0,13 0 0,-19 0 0,0 0 0,0 0 0,0 0 0,0 0 0,0 0 0,0 0 0,0-1 0,0 1 0,0-1 0,0 0 0,0 0 0,0 1 0,0-1 0,0 0 0,-1 0 0,1-1 0,0 1 0,-1 0 0,1 0 0,-1-1 0,0 1 0,1-1 0,-1 0 0,0 1 0,0-1 0,0 0 0,0 1 0,0-1 0,0 0 0,0 0 0,-1 0 0,1 0 0,-1 0 0,1 0 0,-1 0 0,0 0 0,0 0 0,0 0 0,0 0 0,-1-3 0,1 2 0,-1 1 0,0-1 0,-1 1 0,1-1 0,0 1 0,-1 0 0,1 0 0,-1 0 0,0 0 0,1 0 0,-1 0 0,0 0 0,0 0 0,-1 1 0,1-1 0,0 1 0,0 0 0,-1-1 0,1 1 0,-1 0 0,1 0 0,-1 1 0,1-1 0,-1 0 0,0 1 0,-3 0 0,-3-2 0,-1 1 0,0 0 0,1 1 0,-1 0 0,0 0 0,-9 2 0,3 2 0,0 1 0,0 0 0,-24 13 0,-27 8 0,64-25 0,0 0 0,0-1 0,1 0 0,-1 1 0,0-1 0,0 0 0,0-1 0,0 1 0,0 0 0,0-1 0,1 0 0,-1 1 0,0-1 0,0 0 0,1 0 0,-1-1 0,0 1 0,1-1 0,-1 1 0,1-1 0,0 0 0,0 1 0,-4-5 0,-3-5 0,0-1 0,0 1 0,-12-25 0,16 27 0,1 1 0,-1-1 0,-1 1 0,0 0 0,0 1 0,-13-14 0,0 10 0,-3-4 0,26 12 0,17 5 0,0 3 0,0 1 0,-1 0 0,38 19 0,18 6 0,-13-2 0,-48-21 0,-1-1 0,1 0 0,32 9 0,-43-15 0,1 0 0,0 0 0,0-1 0,0 1 0,-1-1 0,1-1 0,0 1 0,0 0 0,0-1 0,-1 0 0,1 0 0,0-1 0,-1 1 0,1-1 0,-1 0 0,1 0 0,-1-1 0,4-2 0,18-16 0,-1-2 0,-1 0 0,-1-2 0,-1 0 0,24-37 0,-40 53-151,-1 0-1,0-1 0,-1 1 0,0-1 1,0 0-1,-1 0 0,0 0 1,2-18-1,-2-4-6674</inkml:trace>
 </inkml:ink>
 </file>
 
@@ -3577,7 +3973,7 @@
           <a:p>
             <a:fld id="{19F43255-63C2-45C3-A55E-F07DF58CF366}" type="datetimeFigureOut">
               <a:rPr lang="en-US" smtClean="0"/>
-              <a:t>9/17/2024</a:t>
+              <a:t>9/19/2024</a:t>
             </a:fld>
             <a:endParaRPr lang="en-US"/>
           </a:p>
@@ -4075,7 +4471,7 @@
           <a:p>
             <a:fld id="{4BAACB4A-D2BC-4616-96DC-36385AED944F}" type="datetimeFigureOut">
               <a:rPr lang="en-US" smtClean="0"/>
-              <a:t>9/17/2024</a:t>
+              <a:t>9/19/2024</a:t>
             </a:fld>
             <a:endParaRPr lang="en-US"/>
           </a:p>
@@ -4273,7 +4669,7 @@
           <a:p>
             <a:fld id="{4BAACB4A-D2BC-4616-96DC-36385AED944F}" type="datetimeFigureOut">
               <a:rPr lang="en-US" smtClean="0"/>
-              <a:t>9/17/2024</a:t>
+              <a:t>9/19/2024</a:t>
             </a:fld>
             <a:endParaRPr lang="en-US"/>
           </a:p>
@@ -4481,7 +4877,7 @@
           <a:p>
             <a:fld id="{4BAACB4A-D2BC-4616-96DC-36385AED944F}" type="datetimeFigureOut">
               <a:rPr lang="en-US" smtClean="0"/>
-              <a:t>9/17/2024</a:t>
+              <a:t>9/19/2024</a:t>
             </a:fld>
             <a:endParaRPr lang="en-US"/>
           </a:p>
@@ -4679,7 +5075,7 @@
           <a:p>
             <a:fld id="{4BAACB4A-D2BC-4616-96DC-36385AED944F}" type="datetimeFigureOut">
               <a:rPr lang="en-US" smtClean="0"/>
-              <a:t>9/17/2024</a:t>
+              <a:t>9/19/2024</a:t>
             </a:fld>
             <a:endParaRPr lang="en-US"/>
           </a:p>
@@ -4954,7 +5350,7 @@
           <a:p>
             <a:fld id="{4BAACB4A-D2BC-4616-96DC-36385AED944F}" type="datetimeFigureOut">
               <a:rPr lang="en-US" smtClean="0"/>
-              <a:t>9/17/2024</a:t>
+              <a:t>9/19/2024</a:t>
             </a:fld>
             <a:endParaRPr lang="en-US"/>
           </a:p>
@@ -5219,7 +5615,7 @@
           <a:p>
             <a:fld id="{4BAACB4A-D2BC-4616-96DC-36385AED944F}" type="datetimeFigureOut">
               <a:rPr lang="en-US" smtClean="0"/>
-              <a:t>9/17/2024</a:t>
+              <a:t>9/19/2024</a:t>
             </a:fld>
             <a:endParaRPr lang="en-US"/>
           </a:p>
@@ -5631,7 +6027,7 @@
           <a:p>
             <a:fld id="{4BAACB4A-D2BC-4616-96DC-36385AED944F}" type="datetimeFigureOut">
               <a:rPr lang="en-US" smtClean="0"/>
-              <a:t>9/17/2024</a:t>
+              <a:t>9/19/2024</a:t>
             </a:fld>
             <a:endParaRPr lang="en-US"/>
           </a:p>
@@ -5772,7 +6168,7 @@
           <a:p>
             <a:fld id="{4BAACB4A-D2BC-4616-96DC-36385AED944F}" type="datetimeFigureOut">
               <a:rPr lang="en-US" smtClean="0"/>
-              <a:t>9/17/2024</a:t>
+              <a:t>9/19/2024</a:t>
             </a:fld>
             <a:endParaRPr lang="en-US"/>
           </a:p>
@@ -5885,7 +6281,7 @@
           <a:p>
             <a:fld id="{4BAACB4A-D2BC-4616-96DC-36385AED944F}" type="datetimeFigureOut">
               <a:rPr lang="en-US" smtClean="0"/>
-              <a:t>9/17/2024</a:t>
+              <a:t>9/19/2024</a:t>
             </a:fld>
             <a:endParaRPr lang="en-US"/>
           </a:p>
@@ -6196,7 +6592,7 @@
           <a:p>
             <a:fld id="{4BAACB4A-D2BC-4616-96DC-36385AED944F}" type="datetimeFigureOut">
               <a:rPr lang="en-US" smtClean="0"/>
-              <a:t>9/17/2024</a:t>
+              <a:t>9/19/2024</a:t>
             </a:fld>
             <a:endParaRPr lang="en-US"/>
           </a:p>
@@ -6484,7 +6880,7 @@
           <a:p>
             <a:fld id="{4BAACB4A-D2BC-4616-96DC-36385AED944F}" type="datetimeFigureOut">
               <a:rPr lang="en-US" smtClean="0"/>
-              <a:t>9/17/2024</a:t>
+              <a:t>9/19/2024</a:t>
             </a:fld>
             <a:endParaRPr lang="en-US"/>
           </a:p>
@@ -6725,7 +7121,7 @@
           <a:p>
             <a:fld id="{4BAACB4A-D2BC-4616-96DC-36385AED944F}" type="datetimeFigureOut">
               <a:rPr lang="en-US" smtClean="0"/>
-              <a:t>9/17/2024</a:t>
+              <a:t>9/19/2024</a:t>
             </a:fld>
             <a:endParaRPr lang="en-US"/>
           </a:p>
@@ -17554,8 +17950,8 @@
             <a:chExt cx="2511280" cy="1061030"/>
           </a:xfrm>
         </p:grpSpPr>
-        <mc:AlternateContent xmlns:mc="http://schemas.openxmlformats.org/markup-compatibility/2006">
-          <mc:Choice xmlns:p14="http://schemas.microsoft.com/office/powerpoint/2010/main" Requires="p14">
+        <mc:AlternateContent xmlns:mc="http://schemas.openxmlformats.org/markup-compatibility/2006" xmlns:p14="http://schemas.microsoft.com/office/powerpoint/2010/main">
+          <mc:Choice Requires="p14">
             <p:contentPart p14:bwMode="auto" r:id="rId7">
               <p14:nvContentPartPr>
                 <p14:cNvPr id="5" name="Ink 4">
@@ -17574,7 +17970,7 @@
               </p14:xfrm>
             </p:contentPart>
           </mc:Choice>
-          <mc:Fallback>
+          <mc:Fallback xmlns="">
             <p:pic>
               <p:nvPicPr>
                 <p:cNvPr id="5" name="Ink 4">
@@ -17625,8 +18021,8 @@
               <a:chExt cx="2366200" cy="1061030"/>
             </a:xfrm>
           </p:grpSpPr>
-          <mc:AlternateContent xmlns:mc="http://schemas.openxmlformats.org/markup-compatibility/2006">
-            <mc:Choice xmlns:p14="http://schemas.microsoft.com/office/powerpoint/2010/main" Requires="p14">
+          <mc:AlternateContent xmlns:mc="http://schemas.openxmlformats.org/markup-compatibility/2006" xmlns:p14="http://schemas.microsoft.com/office/powerpoint/2010/main">
+            <mc:Choice Requires="p14">
               <p:contentPart p14:bwMode="auto" r:id="rId9">
                 <p14:nvContentPartPr>
                   <p14:cNvPr id="6" name="Ink 5">
@@ -17645,7 +18041,7 @@
                 </p14:xfrm>
               </p:contentPart>
             </mc:Choice>
-            <mc:Fallback>
+            <mc:Fallback xmlns="">
               <p:pic>
                 <p:nvPicPr>
                   <p:cNvPr id="6" name="Ink 5">
@@ -17806,8 +18202,8 @@
             <a:chExt cx="2511280" cy="1200329"/>
           </a:xfrm>
         </p:grpSpPr>
-        <mc:AlternateContent xmlns:mc="http://schemas.openxmlformats.org/markup-compatibility/2006">
-          <mc:Choice xmlns:p14="http://schemas.microsoft.com/office/powerpoint/2010/main" Requires="p14">
+        <mc:AlternateContent xmlns:mc="http://schemas.openxmlformats.org/markup-compatibility/2006" xmlns:p14="http://schemas.microsoft.com/office/powerpoint/2010/main">
+          <mc:Choice Requires="p14">
             <p:contentPart p14:bwMode="auto" r:id="rId11">
               <p14:nvContentPartPr>
                 <p14:cNvPr id="15" name="Ink 14">
@@ -17826,7 +18222,7 @@
               </p14:xfrm>
             </p:contentPart>
           </mc:Choice>
-          <mc:Fallback>
+          <mc:Fallback xmlns="">
             <p:pic>
               <p:nvPicPr>
                 <p:cNvPr id="15" name="Ink 14">
@@ -17877,8 +18273,8 @@
               <a:chExt cx="2366200" cy="1200329"/>
             </a:xfrm>
           </p:grpSpPr>
-          <mc:AlternateContent xmlns:mc="http://schemas.openxmlformats.org/markup-compatibility/2006">
-            <mc:Choice xmlns:p14="http://schemas.microsoft.com/office/powerpoint/2010/main" Requires="p14">
+          <mc:AlternateContent xmlns:mc="http://schemas.openxmlformats.org/markup-compatibility/2006" xmlns:p14="http://schemas.microsoft.com/office/powerpoint/2010/main">
+            <mc:Choice Requires="p14">
               <p:contentPart p14:bwMode="auto" r:id="rId12">
                 <p14:nvContentPartPr>
                   <p14:cNvPr id="17" name="Ink 16">
@@ -17897,7 +18293,7 @@
                 </p14:xfrm>
               </p:contentPart>
             </mc:Choice>
-            <mc:Fallback>
+            <mc:Fallback xmlns="">
               <p:pic>
                 <p:nvPicPr>
                   <p:cNvPr id="17" name="Ink 16">
@@ -18038,8 +18434,8 @@
             <a:chExt cx="2511280" cy="1061030"/>
           </a:xfrm>
         </p:grpSpPr>
-        <mc:AlternateContent xmlns:mc="http://schemas.openxmlformats.org/markup-compatibility/2006">
-          <mc:Choice xmlns:p14="http://schemas.microsoft.com/office/powerpoint/2010/main" Requires="p14">
+        <mc:AlternateContent xmlns:mc="http://schemas.openxmlformats.org/markup-compatibility/2006" xmlns:p14="http://schemas.microsoft.com/office/powerpoint/2010/main">
+          <mc:Choice Requires="p14">
             <p:contentPart p14:bwMode="auto" r:id="rId13">
               <p14:nvContentPartPr>
                 <p14:cNvPr id="21" name="Ink 20">
@@ -18058,7 +18454,7 @@
               </p14:xfrm>
             </p:contentPart>
           </mc:Choice>
-          <mc:Fallback>
+          <mc:Fallback xmlns="">
             <p:pic>
               <p:nvPicPr>
                 <p:cNvPr id="21" name="Ink 20">
@@ -18109,8 +18505,8 @@
               <a:chExt cx="2366200" cy="1061030"/>
             </a:xfrm>
           </p:grpSpPr>
-          <mc:AlternateContent xmlns:mc="http://schemas.openxmlformats.org/markup-compatibility/2006">
-            <mc:Choice xmlns:p14="http://schemas.microsoft.com/office/powerpoint/2010/main" Requires="p14">
+          <mc:AlternateContent xmlns:mc="http://schemas.openxmlformats.org/markup-compatibility/2006" xmlns:p14="http://schemas.microsoft.com/office/powerpoint/2010/main">
+            <mc:Choice Requires="p14">
               <p:contentPart p14:bwMode="auto" r:id="rId14">
                 <p14:nvContentPartPr>
                   <p14:cNvPr id="23" name="Ink 22">
@@ -18129,7 +18525,7 @@
                 </p14:xfrm>
               </p:contentPart>
             </mc:Choice>
-            <mc:Fallback>
+            <mc:Fallback xmlns="">
               <p:pic>
                 <p:nvPicPr>
                   <p:cNvPr id="23" name="Ink 22">
@@ -18260,8 +18656,8 @@
             <a:chExt cx="2511280" cy="1061030"/>
           </a:xfrm>
         </p:grpSpPr>
-        <mc:AlternateContent xmlns:mc="http://schemas.openxmlformats.org/markup-compatibility/2006">
-          <mc:Choice xmlns:p14="http://schemas.microsoft.com/office/powerpoint/2010/main" Requires="p14">
+        <mc:AlternateContent xmlns:mc="http://schemas.openxmlformats.org/markup-compatibility/2006" xmlns:p14="http://schemas.microsoft.com/office/powerpoint/2010/main">
+          <mc:Choice Requires="p14">
             <p:contentPart p14:bwMode="auto" r:id="rId15">
               <p14:nvContentPartPr>
                 <p14:cNvPr id="27" name="Ink 26">
@@ -18280,7 +18676,7 @@
               </p14:xfrm>
             </p:contentPart>
           </mc:Choice>
-          <mc:Fallback>
+          <mc:Fallback xmlns="">
             <p:pic>
               <p:nvPicPr>
                 <p:cNvPr id="27" name="Ink 26">
@@ -18331,8 +18727,8 @@
               <a:chExt cx="2366200" cy="1061030"/>
             </a:xfrm>
           </p:grpSpPr>
-          <mc:AlternateContent xmlns:mc="http://schemas.openxmlformats.org/markup-compatibility/2006">
-            <mc:Choice xmlns:p14="http://schemas.microsoft.com/office/powerpoint/2010/main" Requires="p14">
+          <mc:AlternateContent xmlns:mc="http://schemas.openxmlformats.org/markup-compatibility/2006" xmlns:p14="http://schemas.microsoft.com/office/powerpoint/2010/main">
+            <mc:Choice Requires="p14">
               <p:contentPart p14:bwMode="auto" r:id="rId16">
                 <p14:nvContentPartPr>
                   <p14:cNvPr id="29" name="Ink 28">
@@ -18351,7 +18747,7 @@
                 </p14:xfrm>
               </p:contentPart>
             </mc:Choice>
-            <mc:Fallback>
+            <mc:Fallback xmlns="">
               <p:pic>
                 <p:nvPicPr>
                   <p:cNvPr id="29" name="Ink 28">
@@ -18534,6 +18930,1324 @@
     <p:extLst>
       <p:ext uri="{BB962C8B-B14F-4D97-AF65-F5344CB8AC3E}">
         <p14:creationId xmlns:p14="http://schemas.microsoft.com/office/powerpoint/2010/main" val="1565269144"/>
+      </p:ext>
+    </p:extLst>
+  </p:cSld>
+  <p:clrMapOvr>
+    <a:masterClrMapping/>
+  </p:clrMapOvr>
+</p:sld>
+</file>
+
+<file path=ppt/slides/slide52.xml><?xml version="1.0" encoding="utf-8"?>
+<p:sld xmlns:a="http://schemas.openxmlformats.org/drawingml/2006/main" xmlns:r="http://schemas.openxmlformats.org/officeDocument/2006/relationships" xmlns:p="http://schemas.openxmlformats.org/presentationml/2006/main">
+  <p:cSld>
+    <p:spTree>
+      <p:nvGrpSpPr>
+        <p:cNvPr id="1" name=""/>
+        <p:cNvGrpSpPr/>
+        <p:nvPr/>
+      </p:nvGrpSpPr>
+      <p:grpSpPr>
+        <a:xfrm>
+          <a:off x="0" y="0"/>
+          <a:ext cx="0" cy="0"/>
+          <a:chOff x="0" y="0"/>
+          <a:chExt cx="0" cy="0"/>
+        </a:xfrm>
+      </p:grpSpPr>
+      <p:sp>
+        <p:nvSpPr>
+          <p:cNvPr id="2" name="Title 1">
+            <a:extLst>
+              <a:ext uri="{FF2B5EF4-FFF2-40B4-BE49-F238E27FC236}">
+                <a16:creationId xmlns:a16="http://schemas.microsoft.com/office/drawing/2014/main" id="{6B0F0007-2ADC-C9D6-E0DC-5B7D89D3CA87}"/>
+              </a:ext>
+            </a:extLst>
+          </p:cNvPr>
+          <p:cNvSpPr>
+            <a:spLocks noGrp="1"/>
+          </p:cNvSpPr>
+          <p:nvPr>
+            <p:ph type="title"/>
+          </p:nvPr>
+        </p:nvSpPr>
+        <p:spPr/>
+        <p:txBody>
+          <a:bodyPr/>
+          <a:lstStyle/>
+          <a:p>
+            <a:r>
+              <a:rPr lang="en-US" dirty="0"/>
+              <a:t>PROJECT 1</a:t>
+            </a:r>
+          </a:p>
+        </p:txBody>
+      </p:sp>
+      <p:sp>
+        <p:nvSpPr>
+          <p:cNvPr id="3" name="Content Placeholder 2">
+            <a:extLst>
+              <a:ext uri="{FF2B5EF4-FFF2-40B4-BE49-F238E27FC236}">
+                <a16:creationId xmlns:a16="http://schemas.microsoft.com/office/drawing/2014/main" id="{D3B6AD9A-E3A4-DC00-50E3-631BC0A995BB}"/>
+              </a:ext>
+            </a:extLst>
+          </p:cNvPr>
+          <p:cNvSpPr>
+            <a:spLocks noGrp="1"/>
+          </p:cNvSpPr>
+          <p:nvPr>
+            <p:ph idx="1"/>
+          </p:nvPr>
+        </p:nvSpPr>
+        <p:spPr/>
+        <p:txBody>
+          <a:bodyPr/>
+          <a:lstStyle/>
+          <a:p>
+            <a:pPr marL="0" indent="0">
+              <a:buNone/>
+            </a:pPr>
+            <a:r>
+              <a:rPr lang="en-US" dirty="0"/>
+              <a:t>Guess Number</a:t>
+            </a:r>
+          </a:p>
+        </p:txBody>
+      </p:sp>
+      <p:grpSp>
+        <p:nvGrpSpPr>
+          <p:cNvPr id="7" name="Group 6">
+            <a:extLst>
+              <a:ext uri="{FF2B5EF4-FFF2-40B4-BE49-F238E27FC236}">
+                <a16:creationId xmlns:a16="http://schemas.microsoft.com/office/drawing/2014/main" id="{ABC8FB87-A243-1CE7-948D-D36C48F249BB}"/>
+              </a:ext>
+            </a:extLst>
+          </p:cNvPr>
+          <p:cNvGrpSpPr/>
+          <p:nvPr/>
+        </p:nvGrpSpPr>
+        <p:grpSpPr>
+          <a:xfrm>
+            <a:off x="5023114" y="2304543"/>
+            <a:ext cx="2091600" cy="874080"/>
+            <a:chOff x="5023114" y="2304543"/>
+            <a:chExt cx="2091600" cy="874080"/>
+          </a:xfrm>
+        </p:grpSpPr>
+        <mc:AlternateContent xmlns:mc="http://schemas.openxmlformats.org/markup-compatibility/2006" xmlns:p14="http://schemas.microsoft.com/office/powerpoint/2010/main">
+          <mc:Choice Requires="p14">
+            <p:contentPart p14:bwMode="auto" r:id="rId2">
+              <p14:nvContentPartPr>
+                <p14:cNvPr id="4" name="Ink 3">
+                  <a:extLst>
+                    <a:ext uri="{FF2B5EF4-FFF2-40B4-BE49-F238E27FC236}">
+                      <a16:creationId xmlns:a16="http://schemas.microsoft.com/office/drawing/2014/main" id="{74C673C3-9309-9A96-F65C-C9E096716682}"/>
+                    </a:ext>
+                  </a:extLst>
+                </p14:cNvPr>
+                <p14:cNvContentPartPr/>
+                <p14:nvPr/>
+              </p14:nvContentPartPr>
+              <p14:xfrm>
+                <a:off x="5023114" y="2304543"/>
+                <a:ext cx="2091600" cy="773280"/>
+              </p14:xfrm>
+            </p:contentPart>
+          </mc:Choice>
+          <mc:Fallback xmlns="">
+            <p:pic>
+              <p:nvPicPr>
+                <p:cNvPr id="4" name="Ink 3">
+                  <a:extLst>
+                    <a:ext uri="{FF2B5EF4-FFF2-40B4-BE49-F238E27FC236}">
+                      <a16:creationId xmlns:a16="http://schemas.microsoft.com/office/drawing/2014/main" id="{74C673C3-9309-9A96-F65C-C9E096716682}"/>
+                    </a:ext>
+                  </a:extLst>
+                </p:cNvPr>
+                <p:cNvPicPr/>
+                <p:nvPr/>
+              </p:nvPicPr>
+              <p:blipFill>
+                <a:blip r:embed="rId3"/>
+                <a:stretch>
+                  <a:fillRect/>
+                </a:stretch>
+              </p:blipFill>
+              <p:spPr>
+                <a:xfrm>
+                  <a:off x="5014474" y="2295543"/>
+                  <a:ext cx="2109240" cy="790920"/>
+                </a:xfrm>
+                <a:prstGeom prst="rect">
+                  <a:avLst/>
+                </a:prstGeom>
+              </p:spPr>
+            </p:pic>
+          </mc:Fallback>
+        </mc:AlternateContent>
+        <mc:AlternateContent xmlns:mc="http://schemas.openxmlformats.org/markup-compatibility/2006" xmlns:p14="http://schemas.microsoft.com/office/powerpoint/2010/main">
+          <mc:Choice Requires="p14">
+            <p:contentPart p14:bwMode="auto" r:id="rId4">
+              <p14:nvContentPartPr>
+                <p14:cNvPr id="5" name="Ink 4">
+                  <a:extLst>
+                    <a:ext uri="{FF2B5EF4-FFF2-40B4-BE49-F238E27FC236}">
+                      <a16:creationId xmlns:a16="http://schemas.microsoft.com/office/drawing/2014/main" id="{8A807D65-06C4-A38D-E12F-E5F0757379E5}"/>
+                    </a:ext>
+                  </a:extLst>
+                </p14:cNvPr>
+                <p14:cNvContentPartPr/>
+                <p14:nvPr/>
+              </p14:nvContentPartPr>
+              <p14:xfrm>
+                <a:off x="5755354" y="2508303"/>
+                <a:ext cx="327240" cy="441000"/>
+              </p14:xfrm>
+            </p:contentPart>
+          </mc:Choice>
+          <mc:Fallback xmlns="">
+            <p:pic>
+              <p:nvPicPr>
+                <p:cNvPr id="5" name="Ink 4">
+                  <a:extLst>
+                    <a:ext uri="{FF2B5EF4-FFF2-40B4-BE49-F238E27FC236}">
+                      <a16:creationId xmlns:a16="http://schemas.microsoft.com/office/drawing/2014/main" id="{8A807D65-06C4-A38D-E12F-E5F0757379E5}"/>
+                    </a:ext>
+                  </a:extLst>
+                </p:cNvPr>
+                <p:cNvPicPr/>
+                <p:nvPr/>
+              </p:nvPicPr>
+              <p:blipFill>
+                <a:blip r:embed="rId5"/>
+                <a:stretch>
+                  <a:fillRect/>
+                </a:stretch>
+              </p:blipFill>
+              <p:spPr>
+                <a:xfrm>
+                  <a:off x="5746354" y="2499303"/>
+                  <a:ext cx="344880" cy="458640"/>
+                </a:xfrm>
+                <a:prstGeom prst="rect">
+                  <a:avLst/>
+                </a:prstGeom>
+              </p:spPr>
+            </p:pic>
+          </mc:Fallback>
+        </mc:AlternateContent>
+        <mc:AlternateContent xmlns:mc="http://schemas.openxmlformats.org/markup-compatibility/2006" xmlns:p14="http://schemas.microsoft.com/office/powerpoint/2010/main">
+          <mc:Choice Requires="p14">
+            <p:contentPart p14:bwMode="auto" r:id="rId6">
+              <p14:nvContentPartPr>
+                <p14:cNvPr id="6" name="Ink 5">
+                  <a:extLst>
+                    <a:ext uri="{FF2B5EF4-FFF2-40B4-BE49-F238E27FC236}">
+                      <a16:creationId xmlns:a16="http://schemas.microsoft.com/office/drawing/2014/main" id="{89A55452-CD12-0DEB-9CFB-21820CC24BDB}"/>
+                    </a:ext>
+                  </a:extLst>
+                </p14:cNvPr>
+                <p14:cNvContentPartPr/>
+                <p14:nvPr/>
+              </p14:nvContentPartPr>
+              <p14:xfrm>
+                <a:off x="5965234" y="3005463"/>
+                <a:ext cx="360" cy="173160"/>
+              </p14:xfrm>
+            </p:contentPart>
+          </mc:Choice>
+          <mc:Fallback xmlns="">
+            <p:pic>
+              <p:nvPicPr>
+                <p:cNvPr id="6" name="Ink 5">
+                  <a:extLst>
+                    <a:ext uri="{FF2B5EF4-FFF2-40B4-BE49-F238E27FC236}">
+                      <a16:creationId xmlns:a16="http://schemas.microsoft.com/office/drawing/2014/main" id="{89A55452-CD12-0DEB-9CFB-21820CC24BDB}"/>
+                    </a:ext>
+                  </a:extLst>
+                </p:cNvPr>
+                <p:cNvPicPr/>
+                <p:nvPr/>
+              </p:nvPicPr>
+              <p:blipFill>
+                <a:blip r:embed="rId7"/>
+                <a:stretch>
+                  <a:fillRect/>
+                </a:stretch>
+              </p:blipFill>
+              <p:spPr>
+                <a:xfrm>
+                  <a:off x="5956234" y="2996463"/>
+                  <a:ext cx="18000" cy="190800"/>
+                </a:xfrm>
+                <a:prstGeom prst="rect">
+                  <a:avLst/>
+                </a:prstGeom>
+              </p:spPr>
+            </p:pic>
+          </mc:Fallback>
+        </mc:AlternateContent>
+      </p:grpSp>
+      <mc:AlternateContent xmlns:mc="http://schemas.openxmlformats.org/markup-compatibility/2006" xmlns:p14="http://schemas.microsoft.com/office/powerpoint/2010/main">
+        <mc:Choice Requires="p14">
+          <p:contentPart p14:bwMode="auto" r:id="rId8">
+            <p14:nvContentPartPr>
+              <p14:cNvPr id="8" name="Ink 7">
+                <a:extLst>
+                  <a:ext uri="{FF2B5EF4-FFF2-40B4-BE49-F238E27FC236}">
+                    <a16:creationId xmlns:a16="http://schemas.microsoft.com/office/drawing/2014/main" id="{160D6000-B267-0640-5079-1F6087681A4C}"/>
+                  </a:ext>
+                </a:extLst>
+              </p14:cNvPr>
+              <p14:cNvContentPartPr/>
+              <p14:nvPr/>
+            </p14:nvContentPartPr>
+            <p14:xfrm>
+              <a:off x="1364794" y="3755703"/>
+              <a:ext cx="2177640" cy="1178280"/>
+            </p14:xfrm>
+          </p:contentPart>
+        </mc:Choice>
+        <mc:Fallback xmlns="">
+          <p:pic>
+            <p:nvPicPr>
+              <p:cNvPr id="8" name="Ink 7">
+                <a:extLst>
+                  <a:ext uri="{FF2B5EF4-FFF2-40B4-BE49-F238E27FC236}">
+                    <a16:creationId xmlns:a16="http://schemas.microsoft.com/office/drawing/2014/main" id="{160D6000-B267-0640-5079-1F6087681A4C}"/>
+                  </a:ext>
+                </a:extLst>
+              </p:cNvPr>
+              <p:cNvPicPr/>
+              <p:nvPr/>
+            </p:nvPicPr>
+            <p:blipFill>
+              <a:blip r:embed="rId9"/>
+              <a:stretch>
+                <a:fillRect/>
+              </a:stretch>
+            </p:blipFill>
+            <p:spPr>
+              <a:xfrm>
+                <a:off x="1355794" y="3747063"/>
+                <a:ext cx="2195280" cy="1195920"/>
+              </a:xfrm>
+              <a:prstGeom prst="rect">
+                <a:avLst/>
+              </a:prstGeom>
+            </p:spPr>
+          </p:pic>
+        </mc:Fallback>
+      </mc:AlternateContent>
+      <p:grpSp>
+        <p:nvGrpSpPr>
+          <p:cNvPr id="11" name="Group 10">
+            <a:extLst>
+              <a:ext uri="{FF2B5EF4-FFF2-40B4-BE49-F238E27FC236}">
+                <a16:creationId xmlns:a16="http://schemas.microsoft.com/office/drawing/2014/main" id="{E16F423E-1EC4-7A06-B8C9-4A17B0A35650}"/>
+              </a:ext>
+            </a:extLst>
+          </p:cNvPr>
+          <p:cNvGrpSpPr/>
+          <p:nvPr/>
+        </p:nvGrpSpPr>
+        <p:grpSpPr>
+          <a:xfrm>
+            <a:off x="2047354" y="5224863"/>
+            <a:ext cx="889200" cy="599760"/>
+            <a:chOff x="2047354" y="5224863"/>
+            <a:chExt cx="889200" cy="599760"/>
+          </a:xfrm>
+        </p:grpSpPr>
+        <mc:AlternateContent xmlns:mc="http://schemas.openxmlformats.org/markup-compatibility/2006" xmlns:p14="http://schemas.microsoft.com/office/powerpoint/2010/main">
+          <mc:Choice Requires="p14">
+            <p:contentPart p14:bwMode="auto" r:id="rId10">
+              <p14:nvContentPartPr>
+                <p14:cNvPr id="9" name="Ink 8">
+                  <a:extLst>
+                    <a:ext uri="{FF2B5EF4-FFF2-40B4-BE49-F238E27FC236}">
+                      <a16:creationId xmlns:a16="http://schemas.microsoft.com/office/drawing/2014/main" id="{E1354444-021D-0DB4-57D2-0F50F99ABB93}"/>
+                    </a:ext>
+                  </a:extLst>
+                </p14:cNvPr>
+                <p14:cNvContentPartPr/>
+                <p14:nvPr/>
+              </p14:nvContentPartPr>
+              <p14:xfrm>
+                <a:off x="2047354" y="5224863"/>
+                <a:ext cx="889200" cy="599760"/>
+              </p14:xfrm>
+            </p:contentPart>
+          </mc:Choice>
+          <mc:Fallback xmlns="">
+            <p:pic>
+              <p:nvPicPr>
+                <p:cNvPr id="9" name="Ink 8">
+                  <a:extLst>
+                    <a:ext uri="{FF2B5EF4-FFF2-40B4-BE49-F238E27FC236}">
+                      <a16:creationId xmlns:a16="http://schemas.microsoft.com/office/drawing/2014/main" id="{E1354444-021D-0DB4-57D2-0F50F99ABB93}"/>
+                    </a:ext>
+                  </a:extLst>
+                </p:cNvPr>
+                <p:cNvPicPr/>
+                <p:nvPr/>
+              </p:nvPicPr>
+              <p:blipFill>
+                <a:blip r:embed="rId11"/>
+                <a:stretch>
+                  <a:fillRect/>
+                </a:stretch>
+              </p:blipFill>
+              <p:spPr>
+                <a:xfrm>
+                  <a:off x="2038354" y="5215863"/>
+                  <a:ext cx="906840" cy="617400"/>
+                </a:xfrm>
+                <a:prstGeom prst="rect">
+                  <a:avLst/>
+                </a:prstGeom>
+              </p:spPr>
+            </p:pic>
+          </mc:Fallback>
+        </mc:AlternateContent>
+        <mc:AlternateContent xmlns:mc="http://schemas.openxmlformats.org/markup-compatibility/2006" xmlns:p14="http://schemas.microsoft.com/office/powerpoint/2010/main">
+          <mc:Choice Requires="p14">
+            <p:contentPart p14:bwMode="auto" r:id="rId12">
+              <p14:nvContentPartPr>
+                <p14:cNvPr id="10" name="Ink 9">
+                  <a:extLst>
+                    <a:ext uri="{FF2B5EF4-FFF2-40B4-BE49-F238E27FC236}">
+                      <a16:creationId xmlns:a16="http://schemas.microsoft.com/office/drawing/2014/main" id="{FCAC738A-C4D7-6A27-974C-99D6D32C8578}"/>
+                    </a:ext>
+                  </a:extLst>
+                </p14:cNvPr>
+                <p14:cNvContentPartPr/>
+                <p14:nvPr/>
+              </p14:nvContentPartPr>
+              <p14:xfrm>
+                <a:off x="2154274" y="5425023"/>
+                <a:ext cx="686160" cy="312840"/>
+              </p14:xfrm>
+            </p:contentPart>
+          </mc:Choice>
+          <mc:Fallback xmlns="">
+            <p:pic>
+              <p:nvPicPr>
+                <p:cNvPr id="10" name="Ink 9">
+                  <a:extLst>
+                    <a:ext uri="{FF2B5EF4-FFF2-40B4-BE49-F238E27FC236}">
+                      <a16:creationId xmlns:a16="http://schemas.microsoft.com/office/drawing/2014/main" id="{FCAC738A-C4D7-6A27-974C-99D6D32C8578}"/>
+                    </a:ext>
+                  </a:extLst>
+                </p:cNvPr>
+                <p:cNvPicPr/>
+                <p:nvPr/>
+              </p:nvPicPr>
+              <p:blipFill>
+                <a:blip r:embed="rId13"/>
+                <a:stretch>
+                  <a:fillRect/>
+                </a:stretch>
+              </p:blipFill>
+              <p:spPr>
+                <a:xfrm>
+                  <a:off x="2145634" y="5416023"/>
+                  <a:ext cx="703800" cy="330480"/>
+                </a:xfrm>
+                <a:prstGeom prst="rect">
+                  <a:avLst/>
+                </a:prstGeom>
+              </p:spPr>
+            </p:pic>
+          </mc:Fallback>
+        </mc:AlternateContent>
+      </p:grpSp>
+      <p:grpSp>
+        <p:nvGrpSpPr>
+          <p:cNvPr id="15" name="Group 14">
+            <a:extLst>
+              <a:ext uri="{FF2B5EF4-FFF2-40B4-BE49-F238E27FC236}">
+                <a16:creationId xmlns:a16="http://schemas.microsoft.com/office/drawing/2014/main" id="{15776941-7108-190C-577B-F52027827E6A}"/>
+              </a:ext>
+            </a:extLst>
+          </p:cNvPr>
+          <p:cNvGrpSpPr/>
+          <p:nvPr/>
+        </p:nvGrpSpPr>
+        <p:grpSpPr>
+          <a:xfrm>
+            <a:off x="2247154" y="4032903"/>
+            <a:ext cx="712440" cy="552240"/>
+            <a:chOff x="2247154" y="4032903"/>
+            <a:chExt cx="712440" cy="552240"/>
+          </a:xfrm>
+        </p:grpSpPr>
+        <mc:AlternateContent xmlns:mc="http://schemas.openxmlformats.org/markup-compatibility/2006" xmlns:p14="http://schemas.microsoft.com/office/powerpoint/2010/main">
+          <mc:Choice Requires="p14">
+            <p:contentPart p14:bwMode="auto" r:id="rId14">
+              <p14:nvContentPartPr>
+                <p14:cNvPr id="12" name="Ink 11">
+                  <a:extLst>
+                    <a:ext uri="{FF2B5EF4-FFF2-40B4-BE49-F238E27FC236}">
+                      <a16:creationId xmlns:a16="http://schemas.microsoft.com/office/drawing/2014/main" id="{BB9D269A-DC3F-AFB7-DA29-E6ED65B00621}"/>
+                    </a:ext>
+                  </a:extLst>
+                </p14:cNvPr>
+                <p14:cNvContentPartPr/>
+                <p14:nvPr/>
+              </p14:nvContentPartPr>
+              <p14:xfrm>
+                <a:off x="2247154" y="4136223"/>
+                <a:ext cx="131040" cy="448920"/>
+              </p14:xfrm>
+            </p:contentPart>
+          </mc:Choice>
+          <mc:Fallback xmlns="">
+            <p:pic>
+              <p:nvPicPr>
+                <p:cNvPr id="12" name="Ink 11">
+                  <a:extLst>
+                    <a:ext uri="{FF2B5EF4-FFF2-40B4-BE49-F238E27FC236}">
+                      <a16:creationId xmlns:a16="http://schemas.microsoft.com/office/drawing/2014/main" id="{BB9D269A-DC3F-AFB7-DA29-E6ED65B00621}"/>
+                    </a:ext>
+                  </a:extLst>
+                </p:cNvPr>
+                <p:cNvPicPr/>
+                <p:nvPr/>
+              </p:nvPicPr>
+              <p:blipFill>
+                <a:blip r:embed="rId15"/>
+                <a:stretch>
+                  <a:fillRect/>
+                </a:stretch>
+              </p:blipFill>
+              <p:spPr>
+                <a:xfrm>
+                  <a:off x="2238514" y="4127223"/>
+                  <a:ext cx="148680" cy="466560"/>
+                </a:xfrm>
+                <a:prstGeom prst="rect">
+                  <a:avLst/>
+                </a:prstGeom>
+              </p:spPr>
+            </p:pic>
+          </mc:Fallback>
+        </mc:AlternateContent>
+        <mc:AlternateContent xmlns:mc="http://schemas.openxmlformats.org/markup-compatibility/2006" xmlns:p14="http://schemas.microsoft.com/office/powerpoint/2010/main">
+          <mc:Choice Requires="p14">
+            <p:contentPart p14:bwMode="auto" r:id="rId16">
+              <p14:nvContentPartPr>
+                <p14:cNvPr id="13" name="Ink 12">
+                  <a:extLst>
+                    <a:ext uri="{FF2B5EF4-FFF2-40B4-BE49-F238E27FC236}">
+                      <a16:creationId xmlns:a16="http://schemas.microsoft.com/office/drawing/2014/main" id="{30470B79-2063-A6C3-680C-BC348BC775EB}"/>
+                    </a:ext>
+                  </a:extLst>
+                </p14:cNvPr>
+                <p14:cNvContentPartPr/>
+                <p14:nvPr/>
+              </p14:nvContentPartPr>
+              <p14:xfrm>
+                <a:off x="2437234" y="4032903"/>
+                <a:ext cx="522360" cy="440280"/>
+              </p14:xfrm>
+            </p:contentPart>
+          </mc:Choice>
+          <mc:Fallback xmlns="">
+            <p:pic>
+              <p:nvPicPr>
+                <p:cNvPr id="13" name="Ink 12">
+                  <a:extLst>
+                    <a:ext uri="{FF2B5EF4-FFF2-40B4-BE49-F238E27FC236}">
+                      <a16:creationId xmlns:a16="http://schemas.microsoft.com/office/drawing/2014/main" id="{30470B79-2063-A6C3-680C-BC348BC775EB}"/>
+                    </a:ext>
+                  </a:extLst>
+                </p:cNvPr>
+                <p:cNvPicPr/>
+                <p:nvPr/>
+              </p:nvPicPr>
+              <p:blipFill>
+                <a:blip r:embed="rId17"/>
+                <a:stretch>
+                  <a:fillRect/>
+                </a:stretch>
+              </p:blipFill>
+              <p:spPr>
+                <a:xfrm>
+                  <a:off x="2428234" y="4023903"/>
+                  <a:ext cx="540000" cy="457920"/>
+                </a:xfrm>
+                <a:prstGeom prst="rect">
+                  <a:avLst/>
+                </a:prstGeom>
+              </p:spPr>
+            </p:pic>
+          </mc:Fallback>
+        </mc:AlternateContent>
+      </p:grpSp>
+      <mc:AlternateContent xmlns:mc="http://schemas.openxmlformats.org/markup-compatibility/2006" xmlns:p14="http://schemas.microsoft.com/office/powerpoint/2010/main">
+        <mc:Choice Requires="p14">
+          <p:contentPart p14:bwMode="auto" r:id="rId18">
+            <p14:nvContentPartPr>
+              <p14:cNvPr id="14" name="Ink 13">
+                <a:extLst>
+                  <a:ext uri="{FF2B5EF4-FFF2-40B4-BE49-F238E27FC236}">
+                    <a16:creationId xmlns:a16="http://schemas.microsoft.com/office/drawing/2014/main" id="{BB0DE56D-85C1-4B39-D25C-DEC8C958FD7B}"/>
+                  </a:ext>
+                </a:extLst>
+              </p14:cNvPr>
+              <p14:cNvContentPartPr/>
+              <p14:nvPr/>
+            </p14:nvContentPartPr>
+            <p14:xfrm>
+              <a:off x="6095554" y="1674903"/>
+              <a:ext cx="132840" cy="529560"/>
+            </p14:xfrm>
+          </p:contentPart>
+        </mc:Choice>
+        <mc:Fallback xmlns="">
+          <p:pic>
+            <p:nvPicPr>
+              <p:cNvPr id="14" name="Ink 13">
+                <a:extLst>
+                  <a:ext uri="{FF2B5EF4-FFF2-40B4-BE49-F238E27FC236}">
+                    <a16:creationId xmlns:a16="http://schemas.microsoft.com/office/drawing/2014/main" id="{BB0DE56D-85C1-4B39-D25C-DEC8C958FD7B}"/>
+                  </a:ext>
+                </a:extLst>
+              </p:cNvPr>
+              <p:cNvPicPr/>
+              <p:nvPr/>
+            </p:nvPicPr>
+            <p:blipFill>
+              <a:blip r:embed="rId19"/>
+              <a:stretch>
+                <a:fillRect/>
+              </a:stretch>
+            </p:blipFill>
+            <p:spPr>
+              <a:xfrm>
+                <a:off x="6086914" y="1665903"/>
+                <a:ext cx="150480" cy="547200"/>
+              </a:xfrm>
+              <a:prstGeom prst="rect">
+                <a:avLst/>
+              </a:prstGeom>
+            </p:spPr>
+          </p:pic>
+        </mc:Fallback>
+      </mc:AlternateContent>
+      <mc:AlternateContent xmlns:mc="http://schemas.openxmlformats.org/markup-compatibility/2006" xmlns:p14="http://schemas.microsoft.com/office/powerpoint/2010/main">
+        <mc:Choice Requires="p14">
+          <p:contentPart p14:bwMode="auto" r:id="rId20">
+            <p14:nvContentPartPr>
+              <p14:cNvPr id="16" name="Ink 15">
+                <a:extLst>
+                  <a:ext uri="{FF2B5EF4-FFF2-40B4-BE49-F238E27FC236}">
+                    <a16:creationId xmlns:a16="http://schemas.microsoft.com/office/drawing/2014/main" id="{09A77A4F-F205-3C5F-3241-FABFA00573D9}"/>
+                  </a:ext>
+                </a:extLst>
+              </p14:cNvPr>
+              <p14:cNvContentPartPr/>
+              <p14:nvPr/>
+            </p14:nvContentPartPr>
+            <p14:xfrm>
+              <a:off x="7228114" y="4352583"/>
+              <a:ext cx="2146680" cy="61200"/>
+            </p14:xfrm>
+          </p:contentPart>
+        </mc:Choice>
+        <mc:Fallback xmlns="">
+          <p:pic>
+            <p:nvPicPr>
+              <p:cNvPr id="16" name="Ink 15">
+                <a:extLst>
+                  <a:ext uri="{FF2B5EF4-FFF2-40B4-BE49-F238E27FC236}">
+                    <a16:creationId xmlns:a16="http://schemas.microsoft.com/office/drawing/2014/main" id="{09A77A4F-F205-3C5F-3241-FABFA00573D9}"/>
+                  </a:ext>
+                </a:extLst>
+              </p:cNvPr>
+              <p:cNvPicPr/>
+              <p:nvPr/>
+            </p:nvPicPr>
+            <p:blipFill>
+              <a:blip r:embed="rId21"/>
+              <a:stretch>
+                <a:fillRect/>
+              </a:stretch>
+            </p:blipFill>
+            <p:spPr>
+              <a:xfrm>
+                <a:off x="7219114" y="4343583"/>
+                <a:ext cx="2164320" cy="78840"/>
+              </a:xfrm>
+              <a:prstGeom prst="rect">
+                <a:avLst/>
+              </a:prstGeom>
+            </p:spPr>
+          </p:pic>
+        </mc:Fallback>
+      </mc:AlternateContent>
+      <mc:AlternateContent xmlns:mc="http://schemas.openxmlformats.org/markup-compatibility/2006" xmlns:p14="http://schemas.microsoft.com/office/powerpoint/2010/main">
+        <mc:Choice Requires="p14">
+          <p:contentPart p14:bwMode="auto" r:id="rId22">
+            <p14:nvContentPartPr>
+              <p14:cNvPr id="17" name="Ink 16">
+                <a:extLst>
+                  <a:ext uri="{FF2B5EF4-FFF2-40B4-BE49-F238E27FC236}">
+                    <a16:creationId xmlns:a16="http://schemas.microsoft.com/office/drawing/2014/main" id="{E7BCE13B-B3A7-3582-D7A0-9B311C486054}"/>
+                  </a:ext>
+                </a:extLst>
+              </p14:cNvPr>
+              <p14:cNvContentPartPr/>
+              <p14:nvPr/>
+            </p14:nvContentPartPr>
+            <p14:xfrm>
+              <a:off x="7198954" y="4817343"/>
+              <a:ext cx="2030400" cy="90720"/>
+            </p14:xfrm>
+          </p:contentPart>
+        </mc:Choice>
+        <mc:Fallback xmlns="">
+          <p:pic>
+            <p:nvPicPr>
+              <p:cNvPr id="17" name="Ink 16">
+                <a:extLst>
+                  <a:ext uri="{FF2B5EF4-FFF2-40B4-BE49-F238E27FC236}">
+                    <a16:creationId xmlns:a16="http://schemas.microsoft.com/office/drawing/2014/main" id="{E7BCE13B-B3A7-3582-D7A0-9B311C486054}"/>
+                  </a:ext>
+                </a:extLst>
+              </p:cNvPr>
+              <p:cNvPicPr/>
+              <p:nvPr/>
+            </p:nvPicPr>
+            <p:blipFill>
+              <a:blip r:embed="rId23"/>
+              <a:stretch>
+                <a:fillRect/>
+              </a:stretch>
+            </p:blipFill>
+            <p:spPr>
+              <a:xfrm>
+                <a:off x="7189954" y="4808343"/>
+                <a:ext cx="2048040" cy="108360"/>
+              </a:xfrm>
+              <a:prstGeom prst="rect">
+                <a:avLst/>
+              </a:prstGeom>
+            </p:spPr>
+          </p:pic>
+        </mc:Fallback>
+      </mc:AlternateContent>
+      <mc:AlternateContent xmlns:mc="http://schemas.openxmlformats.org/markup-compatibility/2006" xmlns:p14="http://schemas.microsoft.com/office/powerpoint/2010/main">
+        <mc:Choice Requires="p14">
+          <p:contentPart p14:bwMode="auto" r:id="rId24">
+            <p14:nvContentPartPr>
+              <p14:cNvPr id="18" name="Ink 17">
+                <a:extLst>
+                  <a:ext uri="{FF2B5EF4-FFF2-40B4-BE49-F238E27FC236}">
+                    <a16:creationId xmlns:a16="http://schemas.microsoft.com/office/drawing/2014/main" id="{2E942235-2BA4-CFB5-B8EB-017F1C05082F}"/>
+                  </a:ext>
+                </a:extLst>
+              </p14:cNvPr>
+              <p14:cNvContentPartPr/>
+              <p14:nvPr/>
+            </p14:nvContentPartPr>
+            <p14:xfrm>
+              <a:off x="6792514" y="5615823"/>
+              <a:ext cx="897840" cy="30600"/>
+            </p14:xfrm>
+          </p:contentPart>
+        </mc:Choice>
+        <mc:Fallback xmlns="">
+          <p:pic>
+            <p:nvPicPr>
+              <p:cNvPr id="18" name="Ink 17">
+                <a:extLst>
+                  <a:ext uri="{FF2B5EF4-FFF2-40B4-BE49-F238E27FC236}">
+                    <a16:creationId xmlns:a16="http://schemas.microsoft.com/office/drawing/2014/main" id="{2E942235-2BA4-CFB5-B8EB-017F1C05082F}"/>
+                  </a:ext>
+                </a:extLst>
+              </p:cNvPr>
+              <p:cNvPicPr/>
+              <p:nvPr/>
+            </p:nvPicPr>
+            <p:blipFill>
+              <a:blip r:embed="rId25"/>
+              <a:stretch>
+                <a:fillRect/>
+              </a:stretch>
+            </p:blipFill>
+            <p:spPr>
+              <a:xfrm>
+                <a:off x="6783514" y="5606823"/>
+                <a:ext cx="915480" cy="48240"/>
+              </a:xfrm>
+              <a:prstGeom prst="rect">
+                <a:avLst/>
+              </a:prstGeom>
+            </p:spPr>
+          </p:pic>
+        </mc:Fallback>
+      </mc:AlternateContent>
+      <mc:AlternateContent xmlns:mc="http://schemas.openxmlformats.org/markup-compatibility/2006" xmlns:p14="http://schemas.microsoft.com/office/powerpoint/2010/main">
+        <mc:Choice Requires="p14">
+          <p:contentPart p14:bwMode="auto" r:id="rId26">
+            <p14:nvContentPartPr>
+              <p14:cNvPr id="19" name="Ink 18">
+                <a:extLst>
+                  <a:ext uri="{FF2B5EF4-FFF2-40B4-BE49-F238E27FC236}">
+                    <a16:creationId xmlns:a16="http://schemas.microsoft.com/office/drawing/2014/main" id="{533DA782-FF59-3DFD-C235-9D91C4E005B7}"/>
+                  </a:ext>
+                </a:extLst>
+              </p14:cNvPr>
+              <p14:cNvContentPartPr/>
+              <p14:nvPr/>
+            </p14:nvContentPartPr>
+            <p14:xfrm>
+              <a:off x="6574714" y="6066183"/>
+              <a:ext cx="985680" cy="88920"/>
+            </p14:xfrm>
+          </p:contentPart>
+        </mc:Choice>
+        <mc:Fallback xmlns="">
+          <p:pic>
+            <p:nvPicPr>
+              <p:cNvPr id="19" name="Ink 18">
+                <a:extLst>
+                  <a:ext uri="{FF2B5EF4-FFF2-40B4-BE49-F238E27FC236}">
+                    <a16:creationId xmlns:a16="http://schemas.microsoft.com/office/drawing/2014/main" id="{533DA782-FF59-3DFD-C235-9D91C4E005B7}"/>
+                  </a:ext>
+                </a:extLst>
+              </p:cNvPr>
+              <p:cNvPicPr/>
+              <p:nvPr/>
+            </p:nvPicPr>
+            <p:blipFill>
+              <a:blip r:embed="rId27"/>
+              <a:stretch>
+                <a:fillRect/>
+              </a:stretch>
+            </p:blipFill>
+            <p:spPr>
+              <a:xfrm>
+                <a:off x="6565714" y="6057183"/>
+                <a:ext cx="1003320" cy="106560"/>
+              </a:xfrm>
+              <a:prstGeom prst="rect">
+                <a:avLst/>
+              </a:prstGeom>
+            </p:spPr>
+          </p:pic>
+        </mc:Fallback>
+      </mc:AlternateContent>
+    </p:spTree>
+    <p:extLst>
+      <p:ext uri="{BB962C8B-B14F-4D97-AF65-F5344CB8AC3E}">
+        <p14:creationId xmlns:p14="http://schemas.microsoft.com/office/powerpoint/2010/main" val="1316329932"/>
+      </p:ext>
+    </p:extLst>
+  </p:cSld>
+  <p:clrMapOvr>
+    <a:masterClrMapping/>
+  </p:clrMapOvr>
+</p:sld>
+</file>
+
+<file path=ppt/slides/slide53.xml><?xml version="1.0" encoding="utf-8"?>
+<p:sld xmlns:a="http://schemas.openxmlformats.org/drawingml/2006/main" xmlns:r="http://schemas.openxmlformats.org/officeDocument/2006/relationships" xmlns:p="http://schemas.openxmlformats.org/presentationml/2006/main">
+  <p:cSld>
+    <p:spTree>
+      <p:nvGrpSpPr>
+        <p:cNvPr id="1" name=""/>
+        <p:cNvGrpSpPr/>
+        <p:nvPr/>
+      </p:nvGrpSpPr>
+      <p:grpSpPr>
+        <a:xfrm>
+          <a:off x="0" y="0"/>
+          <a:ext cx="0" cy="0"/>
+          <a:chOff x="0" y="0"/>
+          <a:chExt cx="0" cy="0"/>
+        </a:xfrm>
+      </p:grpSpPr>
+      <p:sp>
+        <p:nvSpPr>
+          <p:cNvPr id="8" name="TextBox 7">
+            <a:extLst>
+              <a:ext uri="{FF2B5EF4-FFF2-40B4-BE49-F238E27FC236}">
+                <a16:creationId xmlns:a16="http://schemas.microsoft.com/office/drawing/2014/main" id="{EB7B5324-B86D-51B0-4F25-3384E9050888}"/>
+              </a:ext>
+            </a:extLst>
+          </p:cNvPr>
+          <p:cNvSpPr txBox="1"/>
+          <p:nvPr/>
+        </p:nvSpPr>
+        <p:spPr>
+          <a:xfrm>
+            <a:off x="1262743" y="696686"/>
+            <a:ext cx="2606226" cy="584775"/>
+          </a:xfrm>
+          <a:prstGeom prst="rect">
+            <a:avLst/>
+          </a:prstGeom>
+          <a:noFill/>
+        </p:spPr>
+        <p:txBody>
+          <a:bodyPr wrap="none" rtlCol="0">
+            <a:spAutoFit/>
+          </a:bodyPr>
+          <a:lstStyle/>
+          <a:p>
+            <a:r>
+              <a:rPr lang="en-US" sz="3200" dirty="0"/>
+              <a:t>What is DOM?</a:t>
+            </a:r>
+          </a:p>
+        </p:txBody>
+      </p:sp>
+      <p:sp>
+        <p:nvSpPr>
+          <p:cNvPr id="9" name="TextBox 8">
+            <a:extLst>
+              <a:ext uri="{FF2B5EF4-FFF2-40B4-BE49-F238E27FC236}">
+                <a16:creationId xmlns:a16="http://schemas.microsoft.com/office/drawing/2014/main" id="{1B741192-259A-468D-C88B-6E7DC1143A0B}"/>
+              </a:ext>
+            </a:extLst>
+          </p:cNvPr>
+          <p:cNvSpPr txBox="1"/>
+          <p:nvPr/>
+        </p:nvSpPr>
+        <p:spPr>
+          <a:xfrm>
+            <a:off x="1567543" y="2220686"/>
+            <a:ext cx="6647543" cy="4031873"/>
+          </a:xfrm>
+          <a:prstGeom prst="rect">
+            <a:avLst/>
+          </a:prstGeom>
+          <a:noFill/>
+        </p:spPr>
+        <p:txBody>
+          <a:bodyPr wrap="square" rtlCol="0">
+            <a:spAutoFit/>
+          </a:bodyPr>
+          <a:lstStyle/>
+          <a:p>
+            <a:r>
+              <a:rPr lang="en-US" sz="3200" dirty="0"/>
+              <a:t>DOCUMENT OBJECT MODEL: structured representation of HTML documents, allows JavaScript to access HTML elements and styles to manipulate them.</a:t>
+            </a:r>
+          </a:p>
+          <a:p>
+            <a:endParaRPr lang="en-US" sz="3200" dirty="0"/>
+          </a:p>
+          <a:p>
+            <a:r>
+              <a:rPr lang="en-US" sz="3200" dirty="0"/>
+              <a:t>-change text, html attribute, and even CSS styles</a:t>
+            </a:r>
+          </a:p>
+        </p:txBody>
+      </p:sp>
+    </p:spTree>
+    <p:extLst>
+      <p:ext uri="{BB962C8B-B14F-4D97-AF65-F5344CB8AC3E}">
+        <p14:creationId xmlns:p14="http://schemas.microsoft.com/office/powerpoint/2010/main" val="1178482759"/>
+      </p:ext>
+    </p:extLst>
+  </p:cSld>
+  <p:clrMapOvr>
+    <a:masterClrMapping/>
+  </p:clrMapOvr>
+</p:sld>
+</file>
+
+<file path=ppt/slides/slide54.xml><?xml version="1.0" encoding="utf-8"?>
+<p:sld xmlns:a="http://schemas.openxmlformats.org/drawingml/2006/main" xmlns:r="http://schemas.openxmlformats.org/officeDocument/2006/relationships" xmlns:p="http://schemas.openxmlformats.org/presentationml/2006/main">
+  <p:cSld>
+    <p:spTree>
+      <p:nvGrpSpPr>
+        <p:cNvPr id="1" name=""/>
+        <p:cNvGrpSpPr/>
+        <p:nvPr/>
+      </p:nvGrpSpPr>
+      <p:grpSpPr>
+        <a:xfrm>
+          <a:off x="0" y="0"/>
+          <a:ext cx="0" cy="0"/>
+          <a:chOff x="0" y="0"/>
+          <a:chExt cx="0" cy="0"/>
+        </a:xfrm>
+      </p:grpSpPr>
+      <p:sp>
+        <p:nvSpPr>
+          <p:cNvPr id="4" name="TextBox 3">
+            <a:extLst>
+              <a:ext uri="{FF2B5EF4-FFF2-40B4-BE49-F238E27FC236}">
+                <a16:creationId xmlns:a16="http://schemas.microsoft.com/office/drawing/2014/main" id="{499182F4-AEE3-9D5E-E197-E7CE84F904D8}"/>
+              </a:ext>
+            </a:extLst>
+          </p:cNvPr>
+          <p:cNvSpPr txBox="1"/>
+          <p:nvPr/>
+        </p:nvSpPr>
+        <p:spPr>
+          <a:xfrm>
+            <a:off x="758433" y="754743"/>
+            <a:ext cx="4408653" cy="4708981"/>
+          </a:xfrm>
+          <a:prstGeom prst="rect">
+            <a:avLst/>
+          </a:prstGeom>
+          <a:noFill/>
+        </p:spPr>
+        <p:txBody>
+          <a:bodyPr wrap="square" rtlCol="0">
+            <a:spAutoFit/>
+          </a:bodyPr>
+          <a:lstStyle/>
+          <a:p>
+            <a:r>
+              <a:rPr lang="en-US" sz="2000" dirty="0"/>
+              <a:t>&lt;html&gt;</a:t>
+            </a:r>
+          </a:p>
+          <a:p>
+            <a:r>
+              <a:rPr lang="en-US" sz="2000" dirty="0"/>
+              <a:t>&lt;head&gt;</a:t>
+            </a:r>
+          </a:p>
+          <a:p>
+            <a:r>
+              <a:rPr lang="en-US" sz="2000" dirty="0"/>
+              <a:t>&lt;title&gt;A simple Page&lt;/title&gt;</a:t>
+            </a:r>
+          </a:p>
+          <a:p>
+            <a:r>
+              <a:rPr lang="en-US" sz="2000" dirty="0"/>
+              <a:t>&lt;/head&gt;</a:t>
+            </a:r>
+          </a:p>
+          <a:p>
+            <a:r>
+              <a:rPr lang="en-US" sz="2000" dirty="0"/>
+              <a:t>&lt;body&gt;</a:t>
+            </a:r>
+          </a:p>
+          <a:p>
+            <a:r>
+              <a:rPr lang="en-US" sz="2000" dirty="0"/>
+              <a:t>&lt;section&gt;</a:t>
+            </a:r>
+          </a:p>
+          <a:p>
+            <a:r>
+              <a:rPr lang="en-US" sz="2000" dirty="0"/>
+              <a:t>&lt;p&gt; A paragraph with &lt;a&gt; &lt;link&gt; &lt;/a&gt; &lt;/p&gt;</a:t>
+            </a:r>
+          </a:p>
+          <a:p>
+            <a:r>
+              <a:rPr lang="en-US" sz="2000" dirty="0"/>
+              <a:t>&lt;p&gt;A second paragraph&lt;/p&gt;</a:t>
+            </a:r>
+          </a:p>
+          <a:p>
+            <a:r>
+              <a:rPr lang="en-US" sz="2000" dirty="0"/>
+              <a:t>&lt;/section&gt;</a:t>
+            </a:r>
+          </a:p>
+          <a:p>
+            <a:r>
+              <a:rPr lang="en-US" sz="2000" dirty="0"/>
+              <a:t>&lt;section&gt;</a:t>
+            </a:r>
+          </a:p>
+          <a:p>
+            <a:r>
+              <a:rPr lang="en-US" sz="2000" dirty="0"/>
+              <a:t>&lt;</a:t>
+            </a:r>
+            <a:r>
+              <a:rPr lang="en-US" sz="2000" dirty="0" err="1"/>
+              <a:t>img</a:t>
+            </a:r>
+            <a:r>
+              <a:rPr lang="en-US" sz="2000" dirty="0"/>
+              <a:t> </a:t>
+            </a:r>
+            <a:r>
+              <a:rPr lang="en-US" sz="2000" dirty="0" err="1"/>
+              <a:t>src</a:t>
+            </a:r>
+            <a:r>
+              <a:rPr lang="en-US" sz="2000" dirty="0"/>
+              <a:t>=“</a:t>
+            </a:r>
+            <a:r>
+              <a:rPr lang="en-US" sz="2000" dirty="0" err="1"/>
+              <a:t>don.png”alt</a:t>
+            </a:r>
+            <a:r>
+              <a:rPr lang="en-US" sz="2000" dirty="0"/>
+              <a:t>=”The DOM/&gt;</a:t>
+            </a:r>
+          </a:p>
+          <a:p>
+            <a:r>
+              <a:rPr lang="en-US" sz="2000" dirty="0"/>
+              <a:t>&lt;/section&gt;</a:t>
+            </a:r>
+          </a:p>
+          <a:p>
+            <a:r>
+              <a:rPr lang="en-US" sz="2000" dirty="0"/>
+              <a:t>&lt;/body&gt;</a:t>
+            </a:r>
+          </a:p>
+          <a:p>
+            <a:r>
+              <a:rPr lang="en-US" sz="2000" dirty="0"/>
+              <a:t>&lt;/html&gt;</a:t>
+            </a:r>
+          </a:p>
+        </p:txBody>
+      </p:sp>
+      <p:pic>
+        <p:nvPicPr>
+          <p:cNvPr id="1026" name="Picture 2">
+            <a:extLst>
+              <a:ext uri="{FF2B5EF4-FFF2-40B4-BE49-F238E27FC236}">
+                <a16:creationId xmlns:a16="http://schemas.microsoft.com/office/drawing/2014/main" id="{AED1928B-331F-19AE-4AB5-8D60B2F5B01D}"/>
+              </a:ext>
+            </a:extLst>
+          </p:cNvPr>
+          <p:cNvPicPr>
+            <a:picLocks noChangeAspect="1" noChangeArrowheads="1"/>
+          </p:cNvPicPr>
+          <p:nvPr/>
+        </p:nvPicPr>
+        <p:blipFill>
+          <a:blip r:embed="rId2">
+            <a:extLst>
+              <a:ext uri="{28A0092B-C50C-407E-A947-70E740481C1C}">
+                <a14:useLocalDpi xmlns:a14="http://schemas.microsoft.com/office/drawing/2010/main" val="0"/>
+              </a:ext>
+            </a:extLst>
+          </a:blip>
+          <a:srcRect/>
+          <a:stretch>
+            <a:fillRect/>
+          </a:stretch>
+        </p:blipFill>
+        <p:spPr bwMode="auto">
+          <a:xfrm>
+            <a:off x="5167086" y="1514929"/>
+            <a:ext cx="6341604" cy="3144157"/>
+          </a:xfrm>
+          <a:prstGeom prst="rect">
+            <a:avLst/>
+          </a:prstGeom>
+          <a:noFill/>
+          <a:extLst>
+            <a:ext uri="{909E8E84-426E-40DD-AFC4-6F175D3DCCD1}">
+              <a14:hiddenFill xmlns:a14="http://schemas.microsoft.com/office/drawing/2010/main">
+                <a:solidFill>
+                  <a:srgbClr val="FFFFFF"/>
+                </a:solidFill>
+              </a14:hiddenFill>
+            </a:ext>
+          </a:extLst>
+        </p:spPr>
+      </p:pic>
+      <p:sp>
+        <p:nvSpPr>
+          <p:cNvPr id="5" name="TextBox 4">
+            <a:extLst>
+              <a:ext uri="{FF2B5EF4-FFF2-40B4-BE49-F238E27FC236}">
+                <a16:creationId xmlns:a16="http://schemas.microsoft.com/office/drawing/2014/main" id="{54DA44BC-E469-0F91-A530-A05808F1CE55}"/>
+              </a:ext>
+            </a:extLst>
+          </p:cNvPr>
+          <p:cNvSpPr txBox="1"/>
+          <p:nvPr/>
+        </p:nvSpPr>
+        <p:spPr>
+          <a:xfrm>
+            <a:off x="9027886" y="609600"/>
+            <a:ext cx="2656114" cy="1200329"/>
+          </a:xfrm>
+          <a:prstGeom prst="rect">
+            <a:avLst/>
+          </a:prstGeom>
+          <a:noFill/>
+        </p:spPr>
+        <p:txBody>
+          <a:bodyPr wrap="square" rtlCol="0">
+            <a:spAutoFit/>
+          </a:bodyPr>
+          <a:lstStyle/>
+          <a:p>
+            <a:r>
+              <a:rPr lang="en-US" dirty="0">
+                <a:solidFill>
+                  <a:srgbClr val="FF0000"/>
+                </a:solidFill>
+              </a:rPr>
+              <a:t>Special object that is the entry point to the DOM. Example:</a:t>
+            </a:r>
+          </a:p>
+          <a:p>
+            <a:r>
+              <a:rPr lang="en-US" dirty="0" err="1">
+                <a:solidFill>
+                  <a:srgbClr val="FF0000"/>
+                </a:solidFill>
+              </a:rPr>
+              <a:t>Document.querySelector</a:t>
+            </a:r>
+            <a:r>
+              <a:rPr lang="en-US" dirty="0">
+                <a:solidFill>
+                  <a:srgbClr val="FF0000"/>
+                </a:solidFill>
+              </a:rPr>
+              <a:t>()</a:t>
+            </a:r>
+          </a:p>
+        </p:txBody>
+      </p:sp>
+      <mc:AlternateContent xmlns:mc="http://schemas.openxmlformats.org/markup-compatibility/2006" xmlns:p14="http://schemas.microsoft.com/office/powerpoint/2010/main">
+        <mc:Choice Requires="p14">
+          <p:contentPart p14:bwMode="auto" r:id="rId3">
+            <p14:nvContentPartPr>
+              <p14:cNvPr id="6" name="Ink 5">
+                <a:extLst>
+                  <a:ext uri="{FF2B5EF4-FFF2-40B4-BE49-F238E27FC236}">
+                    <a16:creationId xmlns:a16="http://schemas.microsoft.com/office/drawing/2014/main" id="{4E0B5DB8-4236-8190-A67B-A15ACE222EB7}"/>
+                  </a:ext>
+                </a:extLst>
+              </p14:cNvPr>
+              <p14:cNvContentPartPr/>
+              <p14:nvPr/>
+            </p14:nvContentPartPr>
+            <p14:xfrm>
+              <a:off x="8201914" y="969663"/>
+              <a:ext cx="883800" cy="521640"/>
+            </p14:xfrm>
+          </p:contentPart>
+        </mc:Choice>
+        <mc:Fallback xmlns="">
+          <p:pic>
+            <p:nvPicPr>
+              <p:cNvPr id="6" name="Ink 5">
+                <a:extLst>
+                  <a:ext uri="{FF2B5EF4-FFF2-40B4-BE49-F238E27FC236}">
+                    <a16:creationId xmlns:a16="http://schemas.microsoft.com/office/drawing/2014/main" id="{4E0B5DB8-4236-8190-A67B-A15ACE222EB7}"/>
+                  </a:ext>
+                </a:extLst>
+              </p:cNvPr>
+              <p:cNvPicPr/>
+              <p:nvPr/>
+            </p:nvPicPr>
+            <p:blipFill>
+              <a:blip r:embed="rId4"/>
+              <a:stretch>
+                <a:fillRect/>
+              </a:stretch>
+            </p:blipFill>
+            <p:spPr>
+              <a:xfrm>
+                <a:off x="8193274" y="960663"/>
+                <a:ext cx="901440" cy="539280"/>
+              </a:xfrm>
+              <a:prstGeom prst="rect">
+                <a:avLst/>
+              </a:prstGeom>
+            </p:spPr>
+          </p:pic>
+        </mc:Fallback>
+      </mc:AlternateContent>
+    </p:spTree>
+    <p:extLst>
+      <p:ext uri="{BB962C8B-B14F-4D97-AF65-F5344CB8AC3E}">
+        <p14:creationId xmlns:p14="http://schemas.microsoft.com/office/powerpoint/2010/main" val="3960680769"/>
+      </p:ext>
+    </p:extLst>
+  </p:cSld>
+  <p:clrMapOvr>
+    <a:masterClrMapping/>
+  </p:clrMapOvr>
+</p:sld>
+</file>
+
+<file path=ppt/slides/slide55.xml><?xml version="1.0" encoding="utf-8"?>
+<p:sld xmlns:a="http://schemas.openxmlformats.org/drawingml/2006/main" xmlns:r="http://schemas.openxmlformats.org/officeDocument/2006/relationships" xmlns:p="http://schemas.openxmlformats.org/presentationml/2006/main">
+  <p:cSld>
+    <p:spTree>
+      <p:nvGrpSpPr>
+        <p:cNvPr id="1" name=""/>
+        <p:cNvGrpSpPr/>
+        <p:nvPr/>
+      </p:nvGrpSpPr>
+      <p:grpSpPr>
+        <a:xfrm>
+          <a:off x="0" y="0"/>
+          <a:ext cx="0" cy="0"/>
+          <a:chOff x="0" y="0"/>
+          <a:chExt cx="0" cy="0"/>
+        </a:xfrm>
+      </p:grpSpPr>
+      <p:sp>
+        <p:nvSpPr>
+          <p:cNvPr id="3" name="Content Placeholder 2">
+            <a:extLst>
+              <a:ext uri="{FF2B5EF4-FFF2-40B4-BE49-F238E27FC236}">
+                <a16:creationId xmlns:a16="http://schemas.microsoft.com/office/drawing/2014/main" id="{7EA517C1-BC6C-B017-F2FB-00E194A5F607}"/>
+              </a:ext>
+            </a:extLst>
+          </p:cNvPr>
+          <p:cNvSpPr>
+            <a:spLocks noGrp="1"/>
+          </p:cNvSpPr>
+          <p:nvPr>
+            <p:ph idx="1"/>
+          </p:nvPr>
+        </p:nvSpPr>
+        <p:spPr>
+          <a:xfrm>
+            <a:off x="838200" y="522514"/>
+            <a:ext cx="10515600" cy="5654449"/>
+          </a:xfrm>
+        </p:spPr>
+        <p:txBody>
+          <a:bodyPr/>
+          <a:lstStyle/>
+          <a:p>
+            <a:r>
+              <a:rPr lang="en-US" dirty="0"/>
+              <a:t>Selecting and Manipulating Elements</a:t>
+            </a:r>
+          </a:p>
+          <a:p>
+            <a:endParaRPr lang="en-US" dirty="0"/>
+          </a:p>
+          <a:p>
+            <a:r>
+              <a:rPr lang="en-US" dirty="0"/>
+              <a:t>Handling Click Events</a:t>
+            </a:r>
+          </a:p>
+        </p:txBody>
+      </p:sp>
+    </p:spTree>
+    <p:extLst>
+      <p:ext uri="{BB962C8B-B14F-4D97-AF65-F5344CB8AC3E}">
+        <p14:creationId xmlns:p14="http://schemas.microsoft.com/office/powerpoint/2010/main" val="1462300158"/>
       </p:ext>
     </p:extLst>
   </p:cSld>

--- a/JavaScript.pptx
+++ b/JavaScript.pptx
@@ -5,7 +5,7 @@
     <p:sldMasterId id="2147483648" r:id="rId1"/>
   </p:sldMasterIdLst>
   <p:notesMasterIdLst>
-    <p:notesMasterId r:id="rId57"/>
+    <p:notesMasterId r:id="rId58"/>
   </p:notesMasterIdLst>
   <p:sldIdLst>
     <p:sldId id="256" r:id="rId2"/>
@@ -63,6 +63,7 @@
     <p:sldId id="309" r:id="rId54"/>
     <p:sldId id="310" r:id="rId55"/>
     <p:sldId id="311" r:id="rId56"/>
+    <p:sldId id="312" r:id="rId57"/>
   </p:sldIdLst>
   <p:sldSz cx="12192000" cy="6858000"/>
   <p:notesSz cx="6858000" cy="9144000"/>
@@ -3973,7 +3974,7 @@
           <a:p>
             <a:fld id="{19F43255-63C2-45C3-A55E-F07DF58CF366}" type="datetimeFigureOut">
               <a:rPr lang="en-US" smtClean="0"/>
-              <a:t>9/19/2024</a:t>
+              <a:t>9/20/2024</a:t>
             </a:fld>
             <a:endParaRPr lang="en-US"/>
           </a:p>
@@ -4471,7 +4472,7 @@
           <a:p>
             <a:fld id="{4BAACB4A-D2BC-4616-96DC-36385AED944F}" type="datetimeFigureOut">
               <a:rPr lang="en-US" smtClean="0"/>
-              <a:t>9/19/2024</a:t>
+              <a:t>9/20/2024</a:t>
             </a:fld>
             <a:endParaRPr lang="en-US"/>
           </a:p>
@@ -4669,7 +4670,7 @@
           <a:p>
             <a:fld id="{4BAACB4A-D2BC-4616-96DC-36385AED944F}" type="datetimeFigureOut">
               <a:rPr lang="en-US" smtClean="0"/>
-              <a:t>9/19/2024</a:t>
+              <a:t>9/20/2024</a:t>
             </a:fld>
             <a:endParaRPr lang="en-US"/>
           </a:p>
@@ -4877,7 +4878,7 @@
           <a:p>
             <a:fld id="{4BAACB4A-D2BC-4616-96DC-36385AED944F}" type="datetimeFigureOut">
               <a:rPr lang="en-US" smtClean="0"/>
-              <a:t>9/19/2024</a:t>
+              <a:t>9/20/2024</a:t>
             </a:fld>
             <a:endParaRPr lang="en-US"/>
           </a:p>
@@ -5075,7 +5076,7 @@
           <a:p>
             <a:fld id="{4BAACB4A-D2BC-4616-96DC-36385AED944F}" type="datetimeFigureOut">
               <a:rPr lang="en-US" smtClean="0"/>
-              <a:t>9/19/2024</a:t>
+              <a:t>9/20/2024</a:t>
             </a:fld>
             <a:endParaRPr lang="en-US"/>
           </a:p>
@@ -5350,7 +5351,7 @@
           <a:p>
             <a:fld id="{4BAACB4A-D2BC-4616-96DC-36385AED944F}" type="datetimeFigureOut">
               <a:rPr lang="en-US" smtClean="0"/>
-              <a:t>9/19/2024</a:t>
+              <a:t>9/20/2024</a:t>
             </a:fld>
             <a:endParaRPr lang="en-US"/>
           </a:p>
@@ -5615,7 +5616,7 @@
           <a:p>
             <a:fld id="{4BAACB4A-D2BC-4616-96DC-36385AED944F}" type="datetimeFigureOut">
               <a:rPr lang="en-US" smtClean="0"/>
-              <a:t>9/19/2024</a:t>
+              <a:t>9/20/2024</a:t>
             </a:fld>
             <a:endParaRPr lang="en-US"/>
           </a:p>
@@ -6027,7 +6028,7 @@
           <a:p>
             <a:fld id="{4BAACB4A-D2BC-4616-96DC-36385AED944F}" type="datetimeFigureOut">
               <a:rPr lang="en-US" smtClean="0"/>
-              <a:t>9/19/2024</a:t>
+              <a:t>9/20/2024</a:t>
             </a:fld>
             <a:endParaRPr lang="en-US"/>
           </a:p>
@@ -6168,7 +6169,7 @@
           <a:p>
             <a:fld id="{4BAACB4A-D2BC-4616-96DC-36385AED944F}" type="datetimeFigureOut">
               <a:rPr lang="en-US" smtClean="0"/>
-              <a:t>9/19/2024</a:t>
+              <a:t>9/20/2024</a:t>
             </a:fld>
             <a:endParaRPr lang="en-US"/>
           </a:p>
@@ -6281,7 +6282,7 @@
           <a:p>
             <a:fld id="{4BAACB4A-D2BC-4616-96DC-36385AED944F}" type="datetimeFigureOut">
               <a:rPr lang="en-US" smtClean="0"/>
-              <a:t>9/19/2024</a:t>
+              <a:t>9/20/2024</a:t>
             </a:fld>
             <a:endParaRPr lang="en-US"/>
           </a:p>
@@ -6592,7 +6593,7 @@
           <a:p>
             <a:fld id="{4BAACB4A-D2BC-4616-96DC-36385AED944F}" type="datetimeFigureOut">
               <a:rPr lang="en-US" smtClean="0"/>
-              <a:t>9/19/2024</a:t>
+              <a:t>9/20/2024</a:t>
             </a:fld>
             <a:endParaRPr lang="en-US"/>
           </a:p>
@@ -6880,7 +6881,7 @@
           <a:p>
             <a:fld id="{4BAACB4A-D2BC-4616-96DC-36385AED944F}" type="datetimeFigureOut">
               <a:rPr lang="en-US" smtClean="0"/>
-              <a:t>9/19/2024</a:t>
+              <a:t>9/20/2024</a:t>
             </a:fld>
             <a:endParaRPr lang="en-US"/>
           </a:p>
@@ -7121,7 +7122,7 @@
           <a:p>
             <a:fld id="{4BAACB4A-D2BC-4616-96DC-36385AED944F}" type="datetimeFigureOut">
               <a:rPr lang="en-US" smtClean="0"/>
-              <a:t>9/19/2024</a:t>
+              <a:t>9/20/2024</a:t>
             </a:fld>
             <a:endParaRPr lang="en-US"/>
           </a:p>
@@ -20242,12 +20243,125 @@
               <a:t>Handling Click Events</a:t>
             </a:r>
           </a:p>
+          <a:p>
+            <a:endParaRPr lang="en-US" dirty="0"/>
+          </a:p>
+          <a:p>
+            <a:r>
+              <a:rPr lang="en-US" dirty="0"/>
+              <a:t>Manipulating CSS styles</a:t>
+            </a:r>
+          </a:p>
+          <a:p>
+            <a:pPr marL="0" indent="0">
+              <a:buNone/>
+            </a:pPr>
+            <a:endParaRPr lang="en-US" dirty="0"/>
+          </a:p>
+          <a:p>
+            <a:r>
+              <a:rPr lang="en-US" dirty="0"/>
+              <a:t>High scores implementing</a:t>
+            </a:r>
+          </a:p>
+          <a:p>
+            <a:pPr marL="0" indent="0">
+              <a:buNone/>
+            </a:pPr>
+            <a:endParaRPr lang="en-US" dirty="0"/>
+          </a:p>
+          <a:p>
+            <a:r>
+              <a:rPr lang="en-US" dirty="0"/>
+              <a:t>Refactoring our code: the DRY principle</a:t>
+            </a:r>
+          </a:p>
         </p:txBody>
       </p:sp>
     </p:spTree>
     <p:extLst>
       <p:ext uri="{BB962C8B-B14F-4D97-AF65-F5344CB8AC3E}">
         <p14:creationId xmlns:p14="http://schemas.microsoft.com/office/powerpoint/2010/main" val="1462300158"/>
+      </p:ext>
+    </p:extLst>
+  </p:cSld>
+  <p:clrMapOvr>
+    <a:masterClrMapping/>
+  </p:clrMapOvr>
+</p:sld>
+</file>
+
+<file path=ppt/slides/slide56.xml><?xml version="1.0" encoding="utf-8"?>
+<p:sld xmlns:a="http://schemas.openxmlformats.org/drawingml/2006/main" xmlns:r="http://schemas.openxmlformats.org/officeDocument/2006/relationships" xmlns:p="http://schemas.openxmlformats.org/presentationml/2006/main">
+  <p:cSld>
+    <p:spTree>
+      <p:nvGrpSpPr>
+        <p:cNvPr id="1" name=""/>
+        <p:cNvGrpSpPr/>
+        <p:nvPr/>
+      </p:nvGrpSpPr>
+      <p:grpSpPr>
+        <a:xfrm>
+          <a:off x="0" y="0"/>
+          <a:ext cx="0" cy="0"/>
+          <a:chOff x="0" y="0"/>
+          <a:chExt cx="0" cy="0"/>
+        </a:xfrm>
+      </p:grpSpPr>
+      <p:sp>
+        <p:nvSpPr>
+          <p:cNvPr id="2" name="Title 1">
+            <a:extLst>
+              <a:ext uri="{FF2B5EF4-FFF2-40B4-BE49-F238E27FC236}">
+                <a16:creationId xmlns:a16="http://schemas.microsoft.com/office/drawing/2014/main" id="{D3A6C0B9-9D92-F3A7-CFAA-A72093B6C22B}"/>
+              </a:ext>
+            </a:extLst>
+          </p:cNvPr>
+          <p:cNvSpPr>
+            <a:spLocks noGrp="1"/>
+          </p:cNvSpPr>
+          <p:nvPr>
+            <p:ph type="title"/>
+          </p:nvPr>
+        </p:nvSpPr>
+        <p:spPr/>
+        <p:txBody>
+          <a:bodyPr/>
+          <a:lstStyle/>
+          <a:p>
+            <a:endParaRPr lang="en-US" dirty="0"/>
+          </a:p>
+        </p:txBody>
+      </p:sp>
+      <p:sp>
+        <p:nvSpPr>
+          <p:cNvPr id="3" name="Content Placeholder 2">
+            <a:extLst>
+              <a:ext uri="{FF2B5EF4-FFF2-40B4-BE49-F238E27FC236}">
+                <a16:creationId xmlns:a16="http://schemas.microsoft.com/office/drawing/2014/main" id="{56B21DDB-EDFC-CCF4-1F48-82DBD0B00AE3}"/>
+              </a:ext>
+            </a:extLst>
+          </p:cNvPr>
+          <p:cNvSpPr>
+            <a:spLocks noGrp="1"/>
+          </p:cNvSpPr>
+          <p:nvPr>
+            <p:ph idx="1"/>
+          </p:nvPr>
+        </p:nvSpPr>
+        <p:spPr/>
+        <p:txBody>
+          <a:bodyPr/>
+          <a:lstStyle/>
+          <a:p>
+            <a:endParaRPr lang="en-US"/>
+          </a:p>
+        </p:txBody>
+      </p:sp>
+    </p:spTree>
+    <p:extLst>
+      <p:ext uri="{BB962C8B-B14F-4D97-AF65-F5344CB8AC3E}">
+        <p14:creationId xmlns:p14="http://schemas.microsoft.com/office/powerpoint/2010/main" val="493733647"/>
       </p:ext>
     </p:extLst>
   </p:cSld>

--- a/JavaScript.pptx
+++ b/JavaScript.pptx
@@ -5,7 +5,7 @@
     <p:sldMasterId id="2147483648" r:id="rId1"/>
   </p:sldMasterIdLst>
   <p:notesMasterIdLst>
-    <p:notesMasterId r:id="rId58"/>
+    <p:notesMasterId r:id="rId61"/>
   </p:notesMasterIdLst>
   <p:sldIdLst>
     <p:sldId id="256" r:id="rId2"/>
@@ -64,6 +64,9 @@
     <p:sldId id="310" r:id="rId55"/>
     <p:sldId id="311" r:id="rId56"/>
     <p:sldId id="312" r:id="rId57"/>
+    <p:sldId id="313" r:id="rId58"/>
+    <p:sldId id="314" r:id="rId59"/>
+    <p:sldId id="315" r:id="rId60"/>
   </p:sldIdLst>
   <p:sldSz cx="12192000" cy="6858000"/>
   <p:notesSz cx="6858000" cy="9144000"/>
@@ -3974,7 +3977,7 @@
           <a:p>
             <a:fld id="{19F43255-63C2-45C3-A55E-F07DF58CF366}" type="datetimeFigureOut">
               <a:rPr lang="en-US" smtClean="0"/>
-              <a:t>9/20/2024</a:t>
+              <a:t>10/8/2024</a:t>
             </a:fld>
             <a:endParaRPr lang="en-US"/>
           </a:p>
@@ -4472,7 +4475,7 @@
           <a:p>
             <a:fld id="{4BAACB4A-D2BC-4616-96DC-36385AED944F}" type="datetimeFigureOut">
               <a:rPr lang="en-US" smtClean="0"/>
-              <a:t>9/20/2024</a:t>
+              <a:t>10/8/2024</a:t>
             </a:fld>
             <a:endParaRPr lang="en-US"/>
           </a:p>
@@ -4670,7 +4673,7 @@
           <a:p>
             <a:fld id="{4BAACB4A-D2BC-4616-96DC-36385AED944F}" type="datetimeFigureOut">
               <a:rPr lang="en-US" smtClean="0"/>
-              <a:t>9/20/2024</a:t>
+              <a:t>10/8/2024</a:t>
             </a:fld>
             <a:endParaRPr lang="en-US"/>
           </a:p>
@@ -4878,7 +4881,7 @@
           <a:p>
             <a:fld id="{4BAACB4A-D2BC-4616-96DC-36385AED944F}" type="datetimeFigureOut">
               <a:rPr lang="en-US" smtClean="0"/>
-              <a:t>9/20/2024</a:t>
+              <a:t>10/8/2024</a:t>
             </a:fld>
             <a:endParaRPr lang="en-US"/>
           </a:p>
@@ -5076,7 +5079,7 @@
           <a:p>
             <a:fld id="{4BAACB4A-D2BC-4616-96DC-36385AED944F}" type="datetimeFigureOut">
               <a:rPr lang="en-US" smtClean="0"/>
-              <a:t>9/20/2024</a:t>
+              <a:t>10/8/2024</a:t>
             </a:fld>
             <a:endParaRPr lang="en-US"/>
           </a:p>
@@ -5351,7 +5354,7 @@
           <a:p>
             <a:fld id="{4BAACB4A-D2BC-4616-96DC-36385AED944F}" type="datetimeFigureOut">
               <a:rPr lang="en-US" smtClean="0"/>
-              <a:t>9/20/2024</a:t>
+              <a:t>10/8/2024</a:t>
             </a:fld>
             <a:endParaRPr lang="en-US"/>
           </a:p>
@@ -5616,7 +5619,7 @@
           <a:p>
             <a:fld id="{4BAACB4A-D2BC-4616-96DC-36385AED944F}" type="datetimeFigureOut">
               <a:rPr lang="en-US" smtClean="0"/>
-              <a:t>9/20/2024</a:t>
+              <a:t>10/8/2024</a:t>
             </a:fld>
             <a:endParaRPr lang="en-US"/>
           </a:p>
@@ -6028,7 +6031,7 @@
           <a:p>
             <a:fld id="{4BAACB4A-D2BC-4616-96DC-36385AED944F}" type="datetimeFigureOut">
               <a:rPr lang="en-US" smtClean="0"/>
-              <a:t>9/20/2024</a:t>
+              <a:t>10/8/2024</a:t>
             </a:fld>
             <a:endParaRPr lang="en-US"/>
           </a:p>
@@ -6169,7 +6172,7 @@
           <a:p>
             <a:fld id="{4BAACB4A-D2BC-4616-96DC-36385AED944F}" type="datetimeFigureOut">
               <a:rPr lang="en-US" smtClean="0"/>
-              <a:t>9/20/2024</a:t>
+              <a:t>10/8/2024</a:t>
             </a:fld>
             <a:endParaRPr lang="en-US"/>
           </a:p>
@@ -6282,7 +6285,7 @@
           <a:p>
             <a:fld id="{4BAACB4A-D2BC-4616-96DC-36385AED944F}" type="datetimeFigureOut">
               <a:rPr lang="en-US" smtClean="0"/>
-              <a:t>9/20/2024</a:t>
+              <a:t>10/8/2024</a:t>
             </a:fld>
             <a:endParaRPr lang="en-US"/>
           </a:p>
@@ -6593,7 +6596,7 @@
           <a:p>
             <a:fld id="{4BAACB4A-D2BC-4616-96DC-36385AED944F}" type="datetimeFigureOut">
               <a:rPr lang="en-US" smtClean="0"/>
-              <a:t>9/20/2024</a:t>
+              <a:t>10/8/2024</a:t>
             </a:fld>
             <a:endParaRPr lang="en-US"/>
           </a:p>
@@ -6881,7 +6884,7 @@
           <a:p>
             <a:fld id="{4BAACB4A-D2BC-4616-96DC-36385AED944F}" type="datetimeFigureOut">
               <a:rPr lang="en-US" smtClean="0"/>
-              <a:t>9/20/2024</a:t>
+              <a:t>10/8/2024</a:t>
             </a:fld>
             <a:endParaRPr lang="en-US"/>
           </a:p>
@@ -7122,7 +7125,7 @@
           <a:p>
             <a:fld id="{4BAACB4A-D2BC-4616-96DC-36385AED944F}" type="datetimeFigureOut">
               <a:rPr lang="en-US" smtClean="0"/>
-              <a:t>9/20/2024</a:t>
+              <a:t>10/8/2024</a:t>
             </a:fld>
             <a:endParaRPr lang="en-US"/>
           </a:p>
@@ -20329,7 +20332,10 @@
           <a:bodyPr/>
           <a:lstStyle/>
           <a:p>
-            <a:endParaRPr lang="en-US" dirty="0"/>
+            <a:r>
+              <a:rPr lang="en-US" dirty="0"/>
+              <a:t>Modal Window</a:t>
+            </a:r>
           </a:p>
         </p:txBody>
       </p:sp>
@@ -20354,7 +20360,19 @@
           <a:bodyPr/>
           <a:lstStyle/>
           <a:p>
-            <a:endParaRPr lang="en-US"/>
+            <a:r>
+              <a:rPr lang="en-US" dirty="0"/>
+              <a:t>Working with classes</a:t>
+            </a:r>
+          </a:p>
+          <a:p>
+            <a:endParaRPr lang="en-US" dirty="0"/>
+          </a:p>
+          <a:p>
+            <a:r>
+              <a:rPr lang="en-US" dirty="0"/>
+              <a:t>Handling an ‘esc’ keypress event</a:t>
+            </a:r>
           </a:p>
         </p:txBody>
       </p:sp>
@@ -20362,6 +20380,243 @@
     <p:extLst>
       <p:ext uri="{BB962C8B-B14F-4D97-AF65-F5344CB8AC3E}">
         <p14:creationId xmlns:p14="http://schemas.microsoft.com/office/powerpoint/2010/main" val="493733647"/>
+      </p:ext>
+    </p:extLst>
+  </p:cSld>
+  <p:clrMapOvr>
+    <a:masterClrMapping/>
+  </p:clrMapOvr>
+</p:sld>
+</file>
+
+<file path=ppt/slides/slide57.xml><?xml version="1.0" encoding="utf-8"?>
+<p:sld xmlns:a="http://schemas.openxmlformats.org/drawingml/2006/main" xmlns:r="http://schemas.openxmlformats.org/officeDocument/2006/relationships" xmlns:p="http://schemas.openxmlformats.org/presentationml/2006/main">
+  <p:cSld>
+    <p:spTree>
+      <p:nvGrpSpPr>
+        <p:cNvPr id="1" name=""/>
+        <p:cNvGrpSpPr/>
+        <p:nvPr/>
+      </p:nvGrpSpPr>
+      <p:grpSpPr>
+        <a:xfrm>
+          <a:off x="0" y="0"/>
+          <a:ext cx="0" cy="0"/>
+          <a:chOff x="0" y="0"/>
+          <a:chExt cx="0" cy="0"/>
+        </a:xfrm>
+      </p:grpSpPr>
+      <p:sp>
+        <p:nvSpPr>
+          <p:cNvPr id="2" name="Title 1">
+            <a:extLst>
+              <a:ext uri="{FF2B5EF4-FFF2-40B4-BE49-F238E27FC236}">
+                <a16:creationId xmlns:a16="http://schemas.microsoft.com/office/drawing/2014/main" id="{EA5A9F67-24A4-CE45-E899-85B2C041CF84}"/>
+              </a:ext>
+            </a:extLst>
+          </p:cNvPr>
+          <p:cNvSpPr>
+            <a:spLocks noGrp="1"/>
+          </p:cNvSpPr>
+          <p:nvPr>
+            <p:ph type="title"/>
+          </p:nvPr>
+        </p:nvSpPr>
+        <p:spPr/>
+        <p:txBody>
+          <a:bodyPr/>
+          <a:lstStyle/>
+          <a:p>
+            <a:r>
+              <a:rPr lang="en-US" dirty="0"/>
+              <a:t>DOM and Events Fundamentals</a:t>
+            </a:r>
+          </a:p>
+        </p:txBody>
+      </p:sp>
+      <p:sp>
+        <p:nvSpPr>
+          <p:cNvPr id="3" name="Content Placeholder 2">
+            <a:extLst>
+              <a:ext uri="{FF2B5EF4-FFF2-40B4-BE49-F238E27FC236}">
+                <a16:creationId xmlns:a16="http://schemas.microsoft.com/office/drawing/2014/main" id="{12BE83D0-8EBC-995E-6C66-2A9ED9C08C30}"/>
+              </a:ext>
+            </a:extLst>
+          </p:cNvPr>
+          <p:cNvSpPr>
+            <a:spLocks noGrp="1"/>
+          </p:cNvSpPr>
+          <p:nvPr>
+            <p:ph idx="1"/>
+          </p:nvPr>
+        </p:nvSpPr>
+        <p:spPr/>
+        <p:txBody>
+          <a:bodyPr/>
+          <a:lstStyle/>
+          <a:p>
+            <a:pPr marL="0" indent="0">
+              <a:buNone/>
+            </a:pPr>
+            <a:r>
+              <a:rPr lang="en-US" dirty="0"/>
+              <a:t>PIG Game</a:t>
+            </a:r>
+          </a:p>
+        </p:txBody>
+      </p:sp>
+    </p:spTree>
+    <p:extLst>
+      <p:ext uri="{BB962C8B-B14F-4D97-AF65-F5344CB8AC3E}">
+        <p14:creationId xmlns:p14="http://schemas.microsoft.com/office/powerpoint/2010/main" val="2062026795"/>
+      </p:ext>
+    </p:extLst>
+  </p:cSld>
+  <p:clrMapOvr>
+    <a:masterClrMapping/>
+  </p:clrMapOvr>
+</p:sld>
+</file>
+
+<file path=ppt/slides/slide58.xml><?xml version="1.0" encoding="utf-8"?>
+<p:sld xmlns:a="http://schemas.openxmlformats.org/drawingml/2006/main" xmlns:r="http://schemas.openxmlformats.org/officeDocument/2006/relationships" xmlns:p="http://schemas.openxmlformats.org/presentationml/2006/main">
+  <p:cSld>
+    <p:spTree>
+      <p:nvGrpSpPr>
+        <p:cNvPr id="1" name=""/>
+        <p:cNvGrpSpPr/>
+        <p:nvPr/>
+      </p:nvGrpSpPr>
+      <p:grpSpPr>
+        <a:xfrm>
+          <a:off x="0" y="0"/>
+          <a:ext cx="0" cy="0"/>
+          <a:chOff x="0" y="0"/>
+          <a:chExt cx="0" cy="0"/>
+        </a:xfrm>
+      </p:grpSpPr>
+      <p:pic>
+        <p:nvPicPr>
+          <p:cNvPr id="5" name="Content Placeholder 4">
+            <a:extLst>
+              <a:ext uri="{FF2B5EF4-FFF2-40B4-BE49-F238E27FC236}">
+                <a16:creationId xmlns:a16="http://schemas.microsoft.com/office/drawing/2014/main" id="{A995E6DD-E0F6-BB15-D9BF-962F0FA104D9}"/>
+              </a:ext>
+            </a:extLst>
+          </p:cNvPr>
+          <p:cNvPicPr>
+            <a:picLocks noGrp="1" noChangeAspect="1"/>
+          </p:cNvPicPr>
+          <p:nvPr>
+            <p:ph idx="1"/>
+          </p:nvPr>
+        </p:nvPicPr>
+        <p:blipFill>
+          <a:blip r:embed="rId2">
+            <a:extLst>
+              <a:ext uri="{28A0092B-C50C-407E-A947-70E740481C1C}">
+                <a14:useLocalDpi xmlns:a14="http://schemas.microsoft.com/office/drawing/2010/main" val="0"/>
+              </a:ext>
+            </a:extLst>
+          </a:blip>
+          <a:stretch>
+            <a:fillRect/>
+          </a:stretch>
+        </p:blipFill>
+        <p:spPr>
+          <a:xfrm>
+            <a:off x="0" y="522506"/>
+            <a:ext cx="12192000" cy="5704821"/>
+          </a:xfrm>
+        </p:spPr>
+      </p:pic>
+    </p:spTree>
+    <p:extLst>
+      <p:ext uri="{BB962C8B-B14F-4D97-AF65-F5344CB8AC3E}">
+        <p14:creationId xmlns:p14="http://schemas.microsoft.com/office/powerpoint/2010/main" val="1885872242"/>
+      </p:ext>
+    </p:extLst>
+  </p:cSld>
+  <p:clrMapOvr>
+    <a:masterClrMapping/>
+  </p:clrMapOvr>
+</p:sld>
+</file>
+
+<file path=ppt/slides/slide59.xml><?xml version="1.0" encoding="utf-8"?>
+<p:sld xmlns:a="http://schemas.openxmlformats.org/drawingml/2006/main" xmlns:r="http://schemas.openxmlformats.org/officeDocument/2006/relationships" xmlns:p="http://schemas.openxmlformats.org/presentationml/2006/main">
+  <p:cSld>
+    <p:spTree>
+      <p:nvGrpSpPr>
+        <p:cNvPr id="1" name=""/>
+        <p:cNvGrpSpPr/>
+        <p:nvPr/>
+      </p:nvGrpSpPr>
+      <p:grpSpPr>
+        <a:xfrm>
+          <a:off x="0" y="0"/>
+          <a:ext cx="0" cy="0"/>
+          <a:chOff x="0" y="0"/>
+          <a:chExt cx="0" cy="0"/>
+        </a:xfrm>
+      </p:grpSpPr>
+      <p:sp>
+        <p:nvSpPr>
+          <p:cNvPr id="2" name="Title 1">
+            <a:extLst>
+              <a:ext uri="{FF2B5EF4-FFF2-40B4-BE49-F238E27FC236}">
+                <a16:creationId xmlns:a16="http://schemas.microsoft.com/office/drawing/2014/main" id="{617A3D41-A8F0-8906-A298-1A0195525CA7}"/>
+              </a:ext>
+            </a:extLst>
+          </p:cNvPr>
+          <p:cNvSpPr>
+            <a:spLocks noGrp="1"/>
+          </p:cNvSpPr>
+          <p:nvPr>
+            <p:ph type="title"/>
+          </p:nvPr>
+        </p:nvSpPr>
+        <p:spPr/>
+        <p:txBody>
+          <a:bodyPr/>
+          <a:lstStyle/>
+          <a:p>
+            <a:endParaRPr lang="en-US"/>
+          </a:p>
+        </p:txBody>
+      </p:sp>
+      <p:sp>
+        <p:nvSpPr>
+          <p:cNvPr id="3" name="Content Placeholder 2">
+            <a:extLst>
+              <a:ext uri="{FF2B5EF4-FFF2-40B4-BE49-F238E27FC236}">
+                <a16:creationId xmlns:a16="http://schemas.microsoft.com/office/drawing/2014/main" id="{8B5CC136-FCC0-0AAC-2DA5-7E602479BAF5}"/>
+              </a:ext>
+            </a:extLst>
+          </p:cNvPr>
+          <p:cNvSpPr>
+            <a:spLocks noGrp="1"/>
+          </p:cNvSpPr>
+          <p:nvPr>
+            <p:ph idx="1"/>
+          </p:nvPr>
+        </p:nvSpPr>
+        <p:spPr/>
+        <p:txBody>
+          <a:bodyPr/>
+          <a:lstStyle/>
+          <a:p>
+            <a:r>
+              <a:rPr lang="en-US" dirty="0"/>
+              <a:t>Rolling the dice</a:t>
+            </a:r>
+          </a:p>
+        </p:txBody>
+      </p:sp>
+    </p:spTree>
+    <p:extLst>
+      <p:ext uri="{BB962C8B-B14F-4D97-AF65-F5344CB8AC3E}">
+        <p14:creationId xmlns:p14="http://schemas.microsoft.com/office/powerpoint/2010/main" val="542894021"/>
       </p:ext>
     </p:extLst>
   </p:cSld>

--- a/JavaScript.pptx
+++ b/JavaScript.pptx
@@ -3977,7 +3977,7 @@
           <a:p>
             <a:fld id="{19F43255-63C2-45C3-A55E-F07DF58CF366}" type="datetimeFigureOut">
               <a:rPr lang="en-US" smtClean="0"/>
-              <a:t>10/8/2024</a:t>
+              <a:t>10/9/2024</a:t>
             </a:fld>
             <a:endParaRPr lang="en-US"/>
           </a:p>
@@ -4475,7 +4475,7 @@
           <a:p>
             <a:fld id="{4BAACB4A-D2BC-4616-96DC-36385AED944F}" type="datetimeFigureOut">
               <a:rPr lang="en-US" smtClean="0"/>
-              <a:t>10/8/2024</a:t>
+              <a:t>10/9/2024</a:t>
             </a:fld>
             <a:endParaRPr lang="en-US"/>
           </a:p>
@@ -4673,7 +4673,7 @@
           <a:p>
             <a:fld id="{4BAACB4A-D2BC-4616-96DC-36385AED944F}" type="datetimeFigureOut">
               <a:rPr lang="en-US" smtClean="0"/>
-              <a:t>10/8/2024</a:t>
+              <a:t>10/9/2024</a:t>
             </a:fld>
             <a:endParaRPr lang="en-US"/>
           </a:p>
@@ -4881,7 +4881,7 @@
           <a:p>
             <a:fld id="{4BAACB4A-D2BC-4616-96DC-36385AED944F}" type="datetimeFigureOut">
               <a:rPr lang="en-US" smtClean="0"/>
-              <a:t>10/8/2024</a:t>
+              <a:t>10/9/2024</a:t>
             </a:fld>
             <a:endParaRPr lang="en-US"/>
           </a:p>
@@ -5079,7 +5079,7 @@
           <a:p>
             <a:fld id="{4BAACB4A-D2BC-4616-96DC-36385AED944F}" type="datetimeFigureOut">
               <a:rPr lang="en-US" smtClean="0"/>
-              <a:t>10/8/2024</a:t>
+              <a:t>10/9/2024</a:t>
             </a:fld>
             <a:endParaRPr lang="en-US"/>
           </a:p>
@@ -5354,7 +5354,7 @@
           <a:p>
             <a:fld id="{4BAACB4A-D2BC-4616-96DC-36385AED944F}" type="datetimeFigureOut">
               <a:rPr lang="en-US" smtClean="0"/>
-              <a:t>10/8/2024</a:t>
+              <a:t>10/9/2024</a:t>
             </a:fld>
             <a:endParaRPr lang="en-US"/>
           </a:p>
@@ -5619,7 +5619,7 @@
           <a:p>
             <a:fld id="{4BAACB4A-D2BC-4616-96DC-36385AED944F}" type="datetimeFigureOut">
               <a:rPr lang="en-US" smtClean="0"/>
-              <a:t>10/8/2024</a:t>
+              <a:t>10/9/2024</a:t>
             </a:fld>
             <a:endParaRPr lang="en-US"/>
           </a:p>
@@ -6031,7 +6031,7 @@
           <a:p>
             <a:fld id="{4BAACB4A-D2BC-4616-96DC-36385AED944F}" type="datetimeFigureOut">
               <a:rPr lang="en-US" smtClean="0"/>
-              <a:t>10/8/2024</a:t>
+              <a:t>10/9/2024</a:t>
             </a:fld>
             <a:endParaRPr lang="en-US"/>
           </a:p>
@@ -6172,7 +6172,7 @@
           <a:p>
             <a:fld id="{4BAACB4A-D2BC-4616-96DC-36385AED944F}" type="datetimeFigureOut">
               <a:rPr lang="en-US" smtClean="0"/>
-              <a:t>10/8/2024</a:t>
+              <a:t>10/9/2024</a:t>
             </a:fld>
             <a:endParaRPr lang="en-US"/>
           </a:p>
@@ -6285,7 +6285,7 @@
           <a:p>
             <a:fld id="{4BAACB4A-D2BC-4616-96DC-36385AED944F}" type="datetimeFigureOut">
               <a:rPr lang="en-US" smtClean="0"/>
-              <a:t>10/8/2024</a:t>
+              <a:t>10/9/2024</a:t>
             </a:fld>
             <a:endParaRPr lang="en-US"/>
           </a:p>
@@ -6596,7 +6596,7 @@
           <a:p>
             <a:fld id="{4BAACB4A-D2BC-4616-96DC-36385AED944F}" type="datetimeFigureOut">
               <a:rPr lang="en-US" smtClean="0"/>
-              <a:t>10/8/2024</a:t>
+              <a:t>10/9/2024</a:t>
             </a:fld>
             <a:endParaRPr lang="en-US"/>
           </a:p>
@@ -6884,7 +6884,7 @@
           <a:p>
             <a:fld id="{4BAACB4A-D2BC-4616-96DC-36385AED944F}" type="datetimeFigureOut">
               <a:rPr lang="en-US" smtClean="0"/>
-              <a:t>10/8/2024</a:t>
+              <a:t>10/9/2024</a:t>
             </a:fld>
             <a:endParaRPr lang="en-US"/>
           </a:p>
@@ -7125,7 +7125,7 @@
           <a:p>
             <a:fld id="{4BAACB4A-D2BC-4616-96DC-36385AED944F}" type="datetimeFigureOut">
               <a:rPr lang="en-US" smtClean="0"/>
-              <a:t>10/8/2024</a:t>
+              <a:t>10/9/2024</a:t>
             </a:fld>
             <a:endParaRPr lang="en-US"/>
           </a:p>
@@ -20609,6 +20609,12 @@
             <a:r>
               <a:rPr lang="en-US" dirty="0"/>
               <a:t>Rolling the dice</a:t>
+            </a:r>
+          </a:p>
+          <a:p>
+            <a:r>
+              <a:rPr lang="en-US" dirty="0"/>
+              <a:t>Switching the active player</a:t>
             </a:r>
           </a:p>
         </p:txBody>

--- a/JavaScript.pptx
+++ b/JavaScript.pptx
@@ -5,7 +5,7 @@
     <p:sldMasterId id="2147483648" r:id="rId1"/>
   </p:sldMasterIdLst>
   <p:notesMasterIdLst>
-    <p:notesMasterId r:id="rId61"/>
+    <p:notesMasterId r:id="rId72"/>
   </p:notesMasterIdLst>
   <p:sldIdLst>
     <p:sldId id="256" r:id="rId2"/>
@@ -67,6 +67,17 @@
     <p:sldId id="313" r:id="rId58"/>
     <p:sldId id="314" r:id="rId59"/>
     <p:sldId id="315" r:id="rId60"/>
+    <p:sldId id="316" r:id="rId61"/>
+    <p:sldId id="317" r:id="rId62"/>
+    <p:sldId id="319" r:id="rId63"/>
+    <p:sldId id="318" r:id="rId64"/>
+    <p:sldId id="320" r:id="rId65"/>
+    <p:sldId id="321" r:id="rId66"/>
+    <p:sldId id="322" r:id="rId67"/>
+    <p:sldId id="323" r:id="rId68"/>
+    <p:sldId id="324" r:id="rId69"/>
+    <p:sldId id="325" r:id="rId70"/>
+    <p:sldId id="326" r:id="rId71"/>
   </p:sldIdLst>
   <p:sldSz cx="12192000" cy="6858000"/>
   <p:notesSz cx="6858000" cy="9144000"/>
@@ -3725,6 +3736,174 @@
 </inkml:ink>
 </file>
 
+<file path=ppt/ink/ink34.xml><?xml version="1.0" encoding="utf-8"?>
+<inkml:ink xmlns:inkml="http://www.w3.org/2003/InkML">
+  <inkml:definitions>
+    <inkml:context xml:id="ctx0">
+      <inkml:inkSource xml:id="inkSrc0">
+        <inkml:traceFormat>
+          <inkml:channel name="X" type="integer" min="-2.14748E9" max="2.14748E9" units="cm"/>
+          <inkml:channel name="Y" type="integer" min="-2.14748E9" max="2.14748E9" units="cm"/>
+          <inkml:channel name="F" type="integer" max="32767" units="dev"/>
+        </inkml:traceFormat>
+        <inkml:channelProperties>
+          <inkml:channelProperty channel="X" name="resolution" value="1000" units="1/cm"/>
+          <inkml:channelProperty channel="Y" name="resolution" value="1000" units="1/cm"/>
+          <inkml:channelProperty channel="F" name="resolution" value="0" units="1/dev"/>
+        </inkml:channelProperties>
+      </inkml:inkSource>
+      <inkml:timestamp xml:id="ts0" timeString="2024-10-21T13:47:41.846"/>
+    </inkml:context>
+    <inkml:brush xml:id="br0">
+      <inkml:brushProperty name="width" value="0.05" units="cm"/>
+      <inkml:brushProperty name="height" value="0.05" units="cm"/>
+      <inkml:brushProperty name="color" value="#FF0066"/>
+    </inkml:brush>
+  </inkml:definitions>
+  <inkml:trace contextRef="#ctx0" brushRef="#br0">6 2011 24575,'-2'-103'0,"-1"51"0,3 0 0,2-1 0,8-51 0,-3 73 0,1 0 0,2 1 0,0 1 0,2-1 0,2 2 0,0 0 0,2 0 0,1 1 0,29-35 0,197-258 0,-186 245 0,61-110 0,-73 110 0,99-126 0,-98 141 0,-37 47 0,0 0 0,1 0 0,0 1 0,1 1 0,1-1 0,-1 2 0,2 0 0,20-14 0,5 1 0,50-39 0,-37 24 0,-41 31 0,1 1 0,-1 0 0,1 1 0,1 0 0,-1 0 0,1 2 0,-1-1 0,19-2 0,9 1 0,52 1 0,-55 3 0,65-9 0,-13-3 0,1 5 0,159 5 0,-149 4 0,-89-1 0,0 1 0,0 0 0,-1 1 0,1 0 0,-1 0 0,1 1 0,-1 1 0,0-1 0,0 1 0,0 1 0,-1 0 0,0 0 0,0 0 0,0 1 0,0 0 0,-1 1 0,0 0 0,0 0 0,-1 1 0,6 8 0,-4-6 0,0-1 0,0 0 0,1-1 0,0 0 0,1 0 0,-1-1 0,2 0 0,-1-1 0,1 0 0,0 0 0,0-1 0,17 5 0,-9-3 0,-1 2 0,-1 0 0,29 19 0,-30-17 0,2-1 0,-1 0 0,29 11 0,-32-16 0,11 3 0,48 23 0,-66-26 0,1-1 0,0 1 0,-1 1 0,0-1 0,-1 1 0,1 0 0,-1 1 0,0 0 0,9 13 0,-11-14 0,0-1 0,0-1 0,0 1 0,1 0 0,0-1 0,-1 0 0,2 0 0,-1-1 0,0 1 0,1-1 0,-1 0 0,1-1 0,0 1 0,10 2 0,22 10 0,-38-15 0,1 0 0,0 1 0,0-1 0,-1 0 0,1 0 0,0 1 0,-1-1 0,1 0 0,0 1 0,-1-1 0,1 0 0,0 1 0,-1-1 0,1 1 0,-1-1 0,1 1 0,-1 0 0,1-1 0,-1 1 0,1-1 0,-1 1 0,1 0 0,-1-1 0,0 1 0,0 0 0,1 0 0,-1-1 0,0 1 0,0 0 0,0 0 0,-19 9 0,-38-4 0,37-5 0,-1-2 0,1 0 0,-1-2 0,1 0 0,0-1 0,0-1 0,0-1 0,-29-12 0,15 6 0,0 2 0,-58-10 0,88 19 0,-12-3 0,0-1 0,0-1 0,0 0 0,-18-10 0,20 8 0,0 2 0,-1 0 0,0 0 0,0 1 0,-17-3 0,-52 4 0,67 5 0,0-2 0,-1 0 0,1-1 0,-20-4 0,21-3 0,18 1 0,-1 8 0,1-1 0,-1 0 0,1 1 0,-1-1 0,1 1 0,-1-1 0,1 1 0,-1 0 0,1 0 0,-1 0 0,1 0 0,0 0 0,-1 0 0,1 0 0,-1 0 0,1 1 0,-1-1 0,2 1 0,44 24 0,-39-19 0,1-1 0,0 0 0,0-1 0,12 5 0,9 1 0,0 2 0,-1 0 0,30 19 0,14 0 0,-61-28 0,0 1 0,0 1 0,0 0 0,-1 1 0,0 0 0,0 0 0,0 2 0,13 11 0,-17-13 0,-1 0 0,1-1 0,1 1 0,-1-1 0,1-1 0,-1 0 0,1 0 0,1 0 0,-1-1 0,0 0 0,15 3 0,7-2 0,-1 0 0,36-1 0,-33-2 0,49 7 0,-59-3 0,3 1 0,1-2 0,-1 0 0,0-2 0,40-1 0,-65-1 0,1 0 0,0 0 0,-1 0 0,1 0 0,0 0 0,-1 0 0,1 0 0,0 0 0,-1-1 0,1 1 0,0 0 0,-1 0 0,1-1 0,-1 1 0,1 0 0,-1-1 0,1 1 0,-1 0 0,1-1 0,-1 1 0,1-1 0,-1 1 0,1-1 0,-1 1 0,0-1 0,1 0 0,-1 1 0,0-1 0,0 1 0,1-1 0,-1 0 0,0 1 0,0-1 0,0 0 0,0 1 0,0-1 0,0 1 0,0-1 0,0 0 0,0 1 0,0-1 0,0 0 0,0 1 0,0-1 0,0 0 0,-1 1 0,1-1 0,0 1 0,-1-1 0,1 0 0,0 1 0,-1-1 0,1 1 0,0-1 0,-1 1 0,1-1 0,-1 1 0,1 0 0,-2-1 0,-31-35 0,30 33 0,-49-38 0,39 32 0,1 0 0,0-1 0,-18-19 0,20 18 0,1 0 0,0-1 0,1 0 0,0 0 0,1-1 0,0 0 0,1 0 0,0-1 0,1 1 0,-5-22 0,4 13 0,-2 1 0,0 0 0,-1 0 0,-17-27 0,16 31 0,1-1 0,0 0 0,1 0 0,1-1 0,1 0 0,-4-20 0,3-42-1365,7 46-5461</inkml:trace>
+</inkml:ink>
+</file>
+
+<file path=ppt/ink/ink35.xml><?xml version="1.0" encoding="utf-8"?>
+<inkml:ink xmlns:inkml="http://www.w3.org/2003/InkML">
+  <inkml:definitions>
+    <inkml:context xml:id="ctx0">
+      <inkml:inkSource xml:id="inkSrc0">
+        <inkml:traceFormat>
+          <inkml:channel name="X" type="integer" min="-2.14748E9" max="2.14748E9" units="cm"/>
+          <inkml:channel name="Y" type="integer" min="-2.14748E9" max="2.14748E9" units="cm"/>
+          <inkml:channel name="F" type="integer" max="32767" units="dev"/>
+        </inkml:traceFormat>
+        <inkml:channelProperties>
+          <inkml:channelProperty channel="X" name="resolution" value="1000" units="1/cm"/>
+          <inkml:channelProperty channel="Y" name="resolution" value="1000" units="1/cm"/>
+          <inkml:channelProperty channel="F" name="resolution" value="0" units="1/dev"/>
+        </inkml:channelProperties>
+      </inkml:inkSource>
+      <inkml:timestamp xml:id="ts0" timeString="2024-10-21T13:47:45.428"/>
+    </inkml:context>
+    <inkml:brush xml:id="br0">
+      <inkml:brushProperty name="width" value="0.05" units="cm"/>
+      <inkml:brushProperty name="height" value="0.05" units="cm"/>
+      <inkml:brushProperty name="color" value="#FF0066"/>
+    </inkml:brush>
+  </inkml:definitions>
+  <inkml:trace contextRef="#ctx0" brushRef="#br0">493 26 24575,'0'-25'0,"0"43"0,0 24 0,0-34 0,2 23 0,-2-1 0,-1 1 0,-2-1 0,0 1 0,-3-1 0,0 0 0,-17 46 0,12-46 0,2 0 0,2 0 0,0 1 0,-2 34 0,8-57 0,-8 40 0,-3-1 0,-29 80 0,21-73 0,-15 73 0,-1 33 0,35-155 0,0-1 0,-1 0 0,0 0 0,1 1 0,-1-1 0,0-1 0,-1 1 0,1 0 0,-1 0 0,0-1 0,0 0 0,0 1 0,0-1 0,0 0 0,-1 0 0,0-1 0,1 1 0,-1-1 0,0 0 0,0 0 0,0 0 0,0-1 0,-1 1 0,1-1 0,0 0 0,-1 0 0,1 0 0,-1-1 0,1 1 0,-1-1 0,1-1 0,-1 1 0,1 0 0,0-1 0,-1 0 0,1 0 0,0 0 0,-1-1 0,1 1 0,0-1 0,0 0 0,0 0 0,0-1 0,1 1 0,-1-1 0,0 0 0,1 0 0,0 0 0,0 0 0,0 0 0,0-1 0,0 1 0,1-1 0,0 0 0,-1 0 0,2 0 0,-1 0 0,0 0 0,1 0 0,-2-7 0,-47-145 0,49 152 0,0 0 0,0 0 0,1 0 0,-1 0 0,1 0 0,0 0 0,0 0 0,0 0 0,0 0 0,1 0 0,-1 0 0,3-6 0,-3 9 0,0 1 0,1-1 0,-1 0 0,1 0 0,-1 1 0,1-1 0,-1 0 0,1 0 0,-1 1 0,1-1 0,-1 1 0,1-1 0,0 0 0,0 1 0,-1-1 0,1 1 0,0 0 0,0-1 0,-1 1 0,1-1 0,0 1 0,0 0 0,1 0 0,0 0 0,0 0 0,0 0 0,-1 0 0,1 1 0,0-1 0,0 1 0,0 0 0,0-1 0,-1 1 0,1 0 0,0 0 0,-1 0 0,1 0 0,-1 0 0,3 2 0,7 7 0,-1 0 0,0 1 0,10 14 0,23 24 0,-25-33 0,-5-5 0,0 1 0,19 24 0,-28-30 0,0 0 0,0 0 0,-1 1 0,0-1 0,0 1 0,-1 0 0,1-1 0,-2 1 0,1 0 0,0 8 0,2 40 0,-6 100 0,0-101 0,2-54 0,0 0 0,0 0 0,0 1 0,-1-1 0,1 0 0,0 0 0,0 0 0,0 1 0,0-1 0,0 0 0,0 0 0,0 0 0,0 1 0,0-1 0,1 0 0,-1 0 0,0 0 0,0 1 0,0-1 0,0 0 0,0 0 0,0 0 0,0 0 0,0 1 0,0-1 0,1 0 0,-1 0 0,0 0 0,0 0 0,0 0 0,0 1 0,1-1 0,-1 0 0,0 0 0,0 0 0,0 0 0,0 0 0,1 0 0,-1 0 0,0 0 0,0 0 0,0 0 0,1 0 0,-1 0 0,0 0 0,0 0 0,0 0 0,1 0 0,-1 0 0,0 0 0,0 0 0,1 0 0,13-9 0,12-18 0,15-29 0,-35 46 0,0 0 0,1 1 0,0-1 0,1 1 0,0 1 0,0 0 0,1 0 0,14-10 0,65-48 0,-65 46 0,53-33 0,254-153 0,-310 195-227,-1-1-1,-1 0 1,0-2-1,0 0 1,23-24-1,-26 19-6598</inkml:trace>
+</inkml:ink>
+</file>
+
+<file path=ppt/ink/ink36.xml><?xml version="1.0" encoding="utf-8"?>
+<inkml:ink xmlns:inkml="http://www.w3.org/2003/InkML">
+  <inkml:definitions>
+    <inkml:context xml:id="ctx0">
+      <inkml:inkSource xml:id="inkSrc0">
+        <inkml:traceFormat>
+          <inkml:channel name="X" type="integer" min="-2.14748E9" max="2.14748E9" units="cm"/>
+          <inkml:channel name="Y" type="integer" min="-2.14748E9" max="2.14748E9" units="cm"/>
+          <inkml:channel name="F" type="integer" max="32767" units="dev"/>
+        </inkml:traceFormat>
+        <inkml:channelProperties>
+          <inkml:channelProperty channel="X" name="resolution" value="1000" units="1/cm"/>
+          <inkml:channelProperty channel="Y" name="resolution" value="1000" units="1/cm"/>
+          <inkml:channelProperty channel="F" name="resolution" value="0" units="1/dev"/>
+        </inkml:channelProperties>
+      </inkml:inkSource>
+      <inkml:timestamp xml:id="ts0" timeString="2024-10-21T13:48:03.166"/>
+    </inkml:context>
+    <inkml:brush xml:id="br0">
+      <inkml:brushProperty name="width" value="0.05" units="cm"/>
+      <inkml:brushProperty name="height" value="0.05" units="cm"/>
+      <inkml:brushProperty name="color" value="#FF0066"/>
+    </inkml:brush>
+  </inkml:definitions>
+  <inkml:trace contextRef="#ctx0" brushRef="#br0">0 1 24575</inkml:trace>
+</inkml:ink>
+</file>
+
+<file path=ppt/ink/ink37.xml><?xml version="1.0" encoding="utf-8"?>
+<inkml:ink xmlns:inkml="http://www.w3.org/2003/InkML">
+  <inkml:definitions>
+    <inkml:context xml:id="ctx0">
+      <inkml:inkSource xml:id="inkSrc0">
+        <inkml:traceFormat>
+          <inkml:channel name="X" type="integer" min="-2.14748E9" max="2.14748E9" units="cm"/>
+          <inkml:channel name="Y" type="integer" min="-2.14748E9" max="2.14748E9" units="cm"/>
+          <inkml:channel name="F" type="integer" max="32767" units="dev"/>
+        </inkml:traceFormat>
+        <inkml:channelProperties>
+          <inkml:channelProperty channel="X" name="resolution" value="1000" units="1/cm"/>
+          <inkml:channelProperty channel="Y" name="resolution" value="1000" units="1/cm"/>
+          <inkml:channelProperty channel="F" name="resolution" value="0" units="1/dev"/>
+        </inkml:channelProperties>
+      </inkml:inkSource>
+      <inkml:timestamp xml:id="ts0" timeString="2024-10-21T13:48:09.353"/>
+    </inkml:context>
+    <inkml:brush xml:id="br0">
+      <inkml:brushProperty name="width" value="0.05" units="cm"/>
+      <inkml:brushProperty name="height" value="0.05" units="cm"/>
+      <inkml:brushProperty name="color" value="#FF0066"/>
+    </inkml:brush>
+  </inkml:definitions>
+  <inkml:trace contextRef="#ctx0" brushRef="#br0">0 0 24575,'0'0'-8191</inkml:trace>
+</inkml:ink>
+</file>
+
+<file path=ppt/ink/ink38.xml><?xml version="1.0" encoding="utf-8"?>
+<inkml:ink xmlns:inkml="http://www.w3.org/2003/InkML">
+  <inkml:definitions>
+    <inkml:context xml:id="ctx0">
+      <inkml:inkSource xml:id="inkSrc0">
+        <inkml:traceFormat>
+          <inkml:channel name="X" type="integer" min="-2.14748E9" max="2.14748E9" units="cm"/>
+          <inkml:channel name="Y" type="integer" min="-2.14748E9" max="2.14748E9" units="cm"/>
+          <inkml:channel name="F" type="integer" max="32767" units="dev"/>
+        </inkml:traceFormat>
+        <inkml:channelProperties>
+          <inkml:channelProperty channel="X" name="resolution" value="1000" units="1/cm"/>
+          <inkml:channelProperty channel="Y" name="resolution" value="1000" units="1/cm"/>
+          <inkml:channelProperty channel="F" name="resolution" value="0" units="1/dev"/>
+        </inkml:channelProperties>
+      </inkml:inkSource>
+      <inkml:timestamp xml:id="ts0" timeString="2024-10-21T14:51:15.750"/>
+    </inkml:context>
+    <inkml:brush xml:id="br0">
+      <inkml:brushProperty name="width" value="0.05" units="cm"/>
+      <inkml:brushProperty name="height" value="0.05" units="cm"/>
+      <inkml:brushProperty name="color" value="#F6630D"/>
+    </inkml:brush>
+  </inkml:definitions>
+  <inkml:trace contextRef="#ctx0" brushRef="#br0">0 77 24575,'0'-3'0,"0"0"0,0 0 0,1 0 0,-1 0 0,1 0 0,-1 0 0,1 0 0,0 0 0,0 1 0,0-1 0,0 0 0,1 0 0,-1 1 0,1-1 0,-1 1 0,1-1 0,0 1 0,0 0 0,4-4 0,-2 4 0,0 0 0,0-1 0,0 1 0,0 0 0,0 1 0,1-1 0,-1 1 0,1 0 0,-1 0 0,1 0 0,7 0 0,8 1 0,0 1 0,0 1 0,1 1 0,30 8 0,51 11 0,-63-15 0,-1 1 0,0 1 0,-1 2 0,0 2 0,64 33 0,-46-10 0,-39-24 0,1-1 0,0-1 0,0-1 0,32 13 0,33 7 0,-2 4 0,-2 3 0,-1 4 0,133 92 0,-170-106 0,44 22 0,-17-11 0,-48-25 0,-1 2 0,23 20 0,-31-24 0,0-1 0,1 0 0,1 0 0,-1-1 0,1 0 0,0-1 0,1-1 0,25 10 0,-19-10 0,1 1 0,-1 1 0,-1 1 0,0 1 0,0 1 0,32 24 0,-30-21 0,75 45 0,-66-42 0,0 0 0,-1 3 0,27 22 0,-35-27 0,0 0 0,2-1 0,0-2 0,0 0 0,1-1 0,32 10 0,-18-6 0,49 26 0,-67-29 0,0-1 0,0 0 0,1-2 0,0 0 0,1-2 0,0 0 0,35 6 0,149 25 0,-185-33 0,0 1 0,0 1 0,24 12 0,-22-9 0,1-2 0,25 8 0,-22-10 0,33 9 0,2-3 0,101 8 0,-137-17 0,0 0 0,-1 2 0,1 1 0,45 17 0,-39-12 0,1-2 0,35 7 0,-32-9 0,-1 2 0,43 16 0,-49-14 0,0-2 0,1-1 0,0-1 0,32 3 0,65 9 0,-86-11 0,75 5 0,-83-13 0,179-2 0,-200 0 0,0 1 0,0-2 0,0 0 0,0 0 0,-1-1 0,1 0 0,15-9 0,65-49 0,-66 43 0,49-28 0,45-25 0,8-5 0,-113 68 0,0 0 0,-1 0 0,0-2 0,0 1 0,12-15 0,-14 13 0,0 2 0,0-1 0,1 1 0,1 1 0,0 1 0,17-10 0,2 2 0,-1-2 0,-1 0 0,33-27 0,-9 6 0,1 8 0,-44 26 0,1-1 0,-1-1 0,0 0 0,16-12 0,-17 10 0,0 2 0,1-1 0,0 1 0,14-6 0,-21 11 0,-3 2 0,0 0 0,1-1 0,-1 1 0,0 0 0,0-1 0,0 1 0,0-1 0,0 1 0,0-1 0,0 0 0,0 1 0,-1-1 0,1 0 0,0 0 0,0 0 0,0 0 0,-1 1 0,1-1 0,0 0 0,-1 0 0,1 0 0,-1 0 0,1 0 0,-1-1 0,0 1 0,1 0 0,-1 0 0,0 0 0,0 0 0,0 0 0,0 0 0,0-1 0,0 1 0,0 0 0,0 0 0,0 0 0,-1 0 0,1 0 0,0-1 0,-1 1 0,1 0 0,-1 0 0,1 0 0,-1 0 0,1 0 0,-1 0 0,0 0 0,1 1 0,-1-1 0,0 0 0,-1-1 0,-3-2 0,0 0 0,1 1 0,-1-1 0,-1 1 0,1 1 0,0-1 0,-1 1 0,-9-4 0,-29-1 0,0 1 0,-1 2 0,1 2 0,-80 7 0,10-1 0,-70-3 0,266-2 0,-1 4 0,107 19 0,-143-16 0,62 1 0,-18-2 0,-71-2 0,0 1 0,0 0 0,-1 1 0,1 1 0,18 10 0,-18-8 0,0-1 0,1 0 0,0-2 0,24 5 0,19-5 0,102-6 0,-177 2 0,0 1 0,0 0 0,0 1 0,0 0 0,1 1 0,0 0 0,0 1 0,0 0 0,0 1 0,1 1 0,0 0 0,0 0 0,0 1 0,-11 11 0,7-4 0,1 1 0,0 1 0,1 0 0,1 0 0,0 1 0,2 1 0,0 0 0,1 1 0,-8 25 0,8-16-682,-8 57-1,12-51-6143</inkml:trace>
+</inkml:ink>
+</file>
+
+<file path=ppt/ink/ink39.xml><?xml version="1.0" encoding="utf-8"?>
+<inkml:ink xmlns:inkml="http://www.w3.org/2003/InkML">
+  <inkml:definitions>
+    <inkml:context xml:id="ctx0">
+      <inkml:inkSource xml:id="inkSrc0">
+        <inkml:traceFormat>
+          <inkml:channel name="X" type="integer" min="-2.14748E9" max="2.14748E9" units="cm"/>
+          <inkml:channel name="Y" type="integer" min="-2.14748E9" max="2.14748E9" units="cm"/>
+          <inkml:channel name="F" type="integer" max="32767" units="dev"/>
+        </inkml:traceFormat>
+        <inkml:channelProperties>
+          <inkml:channelProperty channel="X" name="resolution" value="1000" units="1/cm"/>
+          <inkml:channelProperty channel="Y" name="resolution" value="1000" units="1/cm"/>
+          <inkml:channelProperty channel="F" name="resolution" value="0" units="1/dev"/>
+        </inkml:channelProperties>
+      </inkml:inkSource>
+      <inkml:timestamp xml:id="ts0" timeString="2024-10-21T14:51:20.515"/>
+    </inkml:context>
+    <inkml:brush xml:id="br0">
+      <inkml:brushProperty name="width" value="0.05" units="cm"/>
+      <inkml:brushProperty name="height" value="0.05" units="cm"/>
+      <inkml:brushProperty name="color" value="#F6630D"/>
+    </inkml:brush>
+  </inkml:definitions>
+  <inkml:trace contextRef="#ctx0" brushRef="#br0">6221 25 24575,'0'-1'0,"0"0"0,0 0 0,0 0 0,0 0 0,0 0 0,0 0 0,-1 0 0,1 0 0,0 0 0,-1 0 0,1 0 0,0 0 0,-1 0 0,0 0 0,1 1 0,-1-1 0,1 0 0,-1 0 0,0 1 0,1-1 0,-1 0 0,0 1 0,0-1 0,0 1 0,0-1 0,1 1 0,-1-1 0,0 1 0,0 0 0,0-1 0,0 1 0,0 0 0,0 0 0,0 0 0,0-1 0,0 1 0,0 0 0,0 0 0,0 1 0,0-1 0,0 0 0,-1 0 0,-2 1 0,1 0 0,0-1 0,-1 1 0,1 0 0,0 1 0,0-1 0,0 0 0,0 1 0,0 0 0,0-1 0,1 1 0,-4 3 0,-9 14 0,1 1 0,1 0 0,1 1 0,-18 42 0,10-20 0,-45 104 0,-55 183 0,-4 134 0,48-160 0,41-181 0,-50 201 0,80-298 0,-1 0 0,-2 0 0,0-1 0,-2 0 0,-1-1 0,-26 45 0,25-54 0,-1-1 0,-28 24 0,26-25 0,0 1 0,-19 23 0,27-29 0,-1 0 0,0 0 0,0-1 0,-1-1 0,0 1 0,0-1 0,-17 8 0,16-9 0,0 0 0,0 1 0,1 0 0,0 1 0,1-1 0,-1 2 0,-9 11 0,-5 9 0,-3 7 0,-1-2 0,-58 53 0,67-72 0,-1-2 0,-41 20 0,-5 3 0,-129 101 0,-48 27 0,20-24 0,192-122 0,0-2 0,0-1 0,-2-2 0,1-1 0,-2-1 0,-60 10 0,-35 11 0,48-10 0,54-16 0,0 2 0,1 1 0,0 1 0,-30 15 0,39-17 0,0 0 0,0-1 0,-1-1 0,1 0 0,-1-1 0,0-1 0,-28 2 0,-125-6 0,83-2 0,-1060 1 0,599 3 0,289-22 0,115 5 0,133 15 0,0-1 0,-1-1 0,1 0 0,0 0 0,0-1 0,0 0 0,-17-10 0,-66-50 0,72 47 0,-1 1 0,-2 0 0,-26-12 0,-80-43 0,34 17 0,85 52 0,15 13 0,19 24 0,-16-28 0,142 242 0,-76-84 0,-52-117 0,-16-38 0,1-1 0,1 0 0,0-1 0,0 1 0,9 8 0,-7-8 0,0 0 0,-1 1 0,10 18 0,21 36 0,-27-46 0,0 1 0,10 23 0,-21-42 0,0 1 0,1 0 0,-1-1 0,0 1 0,0 0 0,0 0 0,1-1 0,-1 1 0,0 0 0,0-1 0,0 1 0,0 0 0,0 0 0,-1-1 0,1 1 0,0 0 0,0 0 0,0-1 0,-1 1 0,1 0 0,0-1 0,-1 1 0,1 0 0,0-1 0,-1 1 0,1 0 0,-1-1 0,1 1 0,-1-1 0,1 1 0,-1-1 0,0 1 0,1-1 0,-1 0 0,0 1 0,1-1 0,-1 0 0,0 1 0,1-1 0,-1 0 0,0 0 0,1 0 0,-1 0 0,0 1 0,0-1 0,1 0 0,-1 0 0,0 0 0,0-1 0,1 1 0,-2 0 0,-42-5 0,-126-45 0,162 47 0,0 1 0,1-1 0,-1-1 0,1 1 0,0-1 0,-1-1 0,2 1 0,-13-12 0,-45-51 0,44 45 0,-125-146 0,-71-75 0,198 225 0,1-1 0,1-1 0,0-1 0,-13-24 0,23 34 0,1-1 0,0 0 0,0 0 0,1 0 0,1 0 0,0-1 0,1 1 0,0-1 0,1 1 0,0-17 0,1 17 0,0 0 0,1 0 0,0 0 0,1 0 0,0 0 0,6-16 0,-6 24 0,0 0 0,0 1 0,0-1 0,0 1 0,1 0 0,0-1 0,-1 1 0,1 0 0,0 1 0,0-1 0,0 0 0,1 1 0,-1 0 0,1 0 0,-1 0 0,1 0 0,0 0 0,0 1 0,0 0 0,0 0 0,0 0 0,6-1 0,15 0 0,1 0 0,-1 2 0,1 1 0,0 0 0,-1 2 0,0 2 0,0 0 0,32 11 0,47 1 0,-74-14 0,45 12 0,-14-1 0,-38-10 0,0 2 0,0 1 0,41 17 0,-41-14 0,0-1 0,1-2 0,0 0 0,1-2 0,-1 0 0,38 1 0,-43-4 0,36 7 0,-1 3 0,73 25 0,-67-18 0,81 14 0,-124-30-120,-9-3 7,-1 1 0,1 0 0,-1 1-1,1-1 1,-1 2 0,0-1 0,0 1 0,0 0-1,0 0 1,12 9 0,-2 5-6713</inkml:trace>
+</inkml:ink>
+</file>
+
 <file path=ppt/ink/ink4.xml><?xml version="1.0" encoding="utf-8"?>
 <inkml:ink xmlns:inkml="http://www.w3.org/2003/InkML">
   <inkml:definitions>
@@ -3977,7 +4156,7 @@
           <a:p>
             <a:fld id="{19F43255-63C2-45C3-A55E-F07DF58CF366}" type="datetimeFigureOut">
               <a:rPr lang="en-US" smtClean="0"/>
-              <a:t>10/9/2024</a:t>
+              <a:t>10/23/2024</a:t>
             </a:fld>
             <a:endParaRPr lang="en-US"/>
           </a:p>
@@ -4475,7 +4654,7 @@
           <a:p>
             <a:fld id="{4BAACB4A-D2BC-4616-96DC-36385AED944F}" type="datetimeFigureOut">
               <a:rPr lang="en-US" smtClean="0"/>
-              <a:t>10/9/2024</a:t>
+              <a:t>10/23/2024</a:t>
             </a:fld>
             <a:endParaRPr lang="en-US"/>
           </a:p>
@@ -4673,7 +4852,7 @@
           <a:p>
             <a:fld id="{4BAACB4A-D2BC-4616-96DC-36385AED944F}" type="datetimeFigureOut">
               <a:rPr lang="en-US" smtClean="0"/>
-              <a:t>10/9/2024</a:t>
+              <a:t>10/23/2024</a:t>
             </a:fld>
             <a:endParaRPr lang="en-US"/>
           </a:p>
@@ -4881,7 +5060,7 @@
           <a:p>
             <a:fld id="{4BAACB4A-D2BC-4616-96DC-36385AED944F}" type="datetimeFigureOut">
               <a:rPr lang="en-US" smtClean="0"/>
-              <a:t>10/9/2024</a:t>
+              <a:t>10/23/2024</a:t>
             </a:fld>
             <a:endParaRPr lang="en-US"/>
           </a:p>
@@ -5079,7 +5258,7 @@
           <a:p>
             <a:fld id="{4BAACB4A-D2BC-4616-96DC-36385AED944F}" type="datetimeFigureOut">
               <a:rPr lang="en-US" smtClean="0"/>
-              <a:t>10/9/2024</a:t>
+              <a:t>10/23/2024</a:t>
             </a:fld>
             <a:endParaRPr lang="en-US"/>
           </a:p>
@@ -5354,7 +5533,7 @@
           <a:p>
             <a:fld id="{4BAACB4A-D2BC-4616-96DC-36385AED944F}" type="datetimeFigureOut">
               <a:rPr lang="en-US" smtClean="0"/>
-              <a:t>10/9/2024</a:t>
+              <a:t>10/23/2024</a:t>
             </a:fld>
             <a:endParaRPr lang="en-US"/>
           </a:p>
@@ -5619,7 +5798,7 @@
           <a:p>
             <a:fld id="{4BAACB4A-D2BC-4616-96DC-36385AED944F}" type="datetimeFigureOut">
               <a:rPr lang="en-US" smtClean="0"/>
-              <a:t>10/9/2024</a:t>
+              <a:t>10/23/2024</a:t>
             </a:fld>
             <a:endParaRPr lang="en-US"/>
           </a:p>
@@ -6031,7 +6210,7 @@
           <a:p>
             <a:fld id="{4BAACB4A-D2BC-4616-96DC-36385AED944F}" type="datetimeFigureOut">
               <a:rPr lang="en-US" smtClean="0"/>
-              <a:t>10/9/2024</a:t>
+              <a:t>10/23/2024</a:t>
             </a:fld>
             <a:endParaRPr lang="en-US"/>
           </a:p>
@@ -6172,7 +6351,7 @@
           <a:p>
             <a:fld id="{4BAACB4A-D2BC-4616-96DC-36385AED944F}" type="datetimeFigureOut">
               <a:rPr lang="en-US" smtClean="0"/>
-              <a:t>10/9/2024</a:t>
+              <a:t>10/23/2024</a:t>
             </a:fld>
             <a:endParaRPr lang="en-US"/>
           </a:p>
@@ -6285,7 +6464,7 @@
           <a:p>
             <a:fld id="{4BAACB4A-D2BC-4616-96DC-36385AED944F}" type="datetimeFigureOut">
               <a:rPr lang="en-US" smtClean="0"/>
-              <a:t>10/9/2024</a:t>
+              <a:t>10/23/2024</a:t>
             </a:fld>
             <a:endParaRPr lang="en-US"/>
           </a:p>
@@ -6596,7 +6775,7 @@
           <a:p>
             <a:fld id="{4BAACB4A-D2BC-4616-96DC-36385AED944F}" type="datetimeFigureOut">
               <a:rPr lang="en-US" smtClean="0"/>
-              <a:t>10/9/2024</a:t>
+              <a:t>10/23/2024</a:t>
             </a:fld>
             <a:endParaRPr lang="en-US"/>
           </a:p>
@@ -6884,7 +7063,7 @@
           <a:p>
             <a:fld id="{4BAACB4A-D2BC-4616-96DC-36385AED944F}" type="datetimeFigureOut">
               <a:rPr lang="en-US" smtClean="0"/>
-              <a:t>10/9/2024</a:t>
+              <a:t>10/23/2024</a:t>
             </a:fld>
             <a:endParaRPr lang="en-US"/>
           </a:p>
@@ -7125,7 +7304,7 @@
           <a:p>
             <a:fld id="{4BAACB4A-D2BC-4616-96DC-36385AED944F}" type="datetimeFigureOut">
               <a:rPr lang="en-US" smtClean="0"/>
-              <a:t>10/9/2024</a:t>
+              <a:t>10/23/2024</a:t>
             </a:fld>
             <a:endParaRPr lang="en-US"/>
           </a:p>
@@ -7768,16 +7947,10 @@
               <a:buAutoNum type="arabicPeriod" startAt="4"/>
             </a:pPr>
             <a:r>
-              <a:rPr lang="en-US" sz="2000" dirty="0" err="1">
-                <a:sym typeface="Wingdings" panose="05000000000000000000" pitchFamily="2" charset="2"/>
-              </a:rPr>
-              <a:t>BigInt</a:t>
-            </a:r>
-            <a:r>
               <a:rPr lang="en-US" sz="2000" dirty="0">
                 <a:sym typeface="Wingdings" panose="05000000000000000000" pitchFamily="2" charset="2"/>
               </a:rPr>
-              <a:t> (ES2020): Larger integers than the Number type can hold</a:t>
+              <a:t>BigInt (ES2020): Larger integers than the Number type can hold</a:t>
             </a:r>
             <a:endParaRPr lang="en-US" sz="2000" dirty="0"/>
           </a:p>
@@ -21042,6 +21215,2786 @@
 </p:sld>
 </file>
 
+<file path=ppt/slides/slide60.xml><?xml version="1.0" encoding="utf-8"?>
+<p:sld xmlns:a="http://schemas.openxmlformats.org/drawingml/2006/main" xmlns:r="http://schemas.openxmlformats.org/officeDocument/2006/relationships" xmlns:p="http://schemas.openxmlformats.org/presentationml/2006/main">
+  <p:cSld>
+    <p:spTree>
+      <p:nvGrpSpPr>
+        <p:cNvPr id="1" name=""/>
+        <p:cNvGrpSpPr/>
+        <p:nvPr/>
+      </p:nvGrpSpPr>
+      <p:grpSpPr>
+        <a:xfrm>
+          <a:off x="0" y="0"/>
+          <a:ext cx="0" cy="0"/>
+          <a:chOff x="0" y="0"/>
+          <a:chExt cx="0" cy="0"/>
+        </a:xfrm>
+      </p:grpSpPr>
+      <p:sp>
+        <p:nvSpPr>
+          <p:cNvPr id="2" name="Title 1">
+            <a:extLst>
+              <a:ext uri="{FF2B5EF4-FFF2-40B4-BE49-F238E27FC236}">
+                <a16:creationId xmlns:a16="http://schemas.microsoft.com/office/drawing/2014/main" id="{F039E6E5-7419-D81F-DFCC-756A50EEEEC9}"/>
+              </a:ext>
+            </a:extLst>
+          </p:cNvPr>
+          <p:cNvSpPr>
+            <a:spLocks noGrp="1"/>
+          </p:cNvSpPr>
+          <p:nvPr>
+            <p:ph type="title"/>
+          </p:nvPr>
+        </p:nvSpPr>
+        <p:spPr/>
+        <p:txBody>
+          <a:bodyPr/>
+          <a:lstStyle/>
+          <a:p>
+            <a:r>
+              <a:rPr lang="en-US" dirty="0"/>
+              <a:t>JS works behind the scenes.</a:t>
+            </a:r>
+          </a:p>
+        </p:txBody>
+      </p:sp>
+    </p:spTree>
+    <p:extLst>
+      <p:ext uri="{BB962C8B-B14F-4D97-AF65-F5344CB8AC3E}">
+        <p14:creationId xmlns:p14="http://schemas.microsoft.com/office/powerpoint/2010/main" val="2529020653"/>
+      </p:ext>
+    </p:extLst>
+  </p:cSld>
+  <p:clrMapOvr>
+    <a:masterClrMapping/>
+  </p:clrMapOvr>
+</p:sld>
+</file>
+
+<file path=ppt/slides/slide61.xml><?xml version="1.0" encoding="utf-8"?>
+<p:sld xmlns:a="http://schemas.openxmlformats.org/drawingml/2006/main" xmlns:r="http://schemas.openxmlformats.org/officeDocument/2006/relationships" xmlns:p="http://schemas.openxmlformats.org/presentationml/2006/main">
+  <p:cSld>
+    <p:spTree>
+      <p:nvGrpSpPr>
+        <p:cNvPr id="1" name=""/>
+        <p:cNvGrpSpPr/>
+        <p:nvPr/>
+      </p:nvGrpSpPr>
+      <p:grpSpPr>
+        <a:xfrm>
+          <a:off x="0" y="0"/>
+          <a:ext cx="0" cy="0"/>
+          <a:chOff x="0" y="0"/>
+          <a:chExt cx="0" cy="0"/>
+        </a:xfrm>
+      </p:grpSpPr>
+      <p:sp>
+        <p:nvSpPr>
+          <p:cNvPr id="2" name="Title 1">
+            <a:extLst>
+              <a:ext uri="{FF2B5EF4-FFF2-40B4-BE49-F238E27FC236}">
+                <a16:creationId xmlns:a16="http://schemas.microsoft.com/office/drawing/2014/main" id="{01A2A9DD-3B46-C492-DC13-6FCBE629683A}"/>
+              </a:ext>
+            </a:extLst>
+          </p:cNvPr>
+          <p:cNvSpPr>
+            <a:spLocks noGrp="1"/>
+          </p:cNvSpPr>
+          <p:nvPr>
+            <p:ph type="title"/>
+          </p:nvPr>
+        </p:nvSpPr>
+        <p:spPr/>
+        <p:txBody>
+          <a:bodyPr/>
+          <a:lstStyle/>
+          <a:p>
+            <a:r>
+              <a:rPr lang="en-US" dirty="0"/>
+              <a:t>An High-level overview of JS</a:t>
+            </a:r>
+          </a:p>
+        </p:txBody>
+      </p:sp>
+      <p:sp>
+        <p:nvSpPr>
+          <p:cNvPr id="3" name="Content Placeholder 2">
+            <a:extLst>
+              <a:ext uri="{FF2B5EF4-FFF2-40B4-BE49-F238E27FC236}">
+                <a16:creationId xmlns:a16="http://schemas.microsoft.com/office/drawing/2014/main" id="{872A6326-417F-9BFB-4F4F-A25A419F5292}"/>
+              </a:ext>
+            </a:extLst>
+          </p:cNvPr>
+          <p:cNvSpPr>
+            <a:spLocks noGrp="1"/>
+          </p:cNvSpPr>
+          <p:nvPr>
+            <p:ph idx="1"/>
+          </p:nvPr>
+        </p:nvSpPr>
+        <p:spPr/>
+        <p:txBody>
+          <a:bodyPr/>
+          <a:lstStyle/>
+          <a:p>
+            <a:pPr marL="0" indent="0">
+              <a:buNone/>
+            </a:pPr>
+            <a:r>
+              <a:rPr lang="en-US" dirty="0"/>
+              <a:t>JS: </a:t>
+            </a:r>
+            <a:r>
+              <a:rPr lang="en-US" dirty="0" err="1"/>
+              <a:t>Js</a:t>
+            </a:r>
+            <a:r>
+              <a:rPr lang="en-US" dirty="0"/>
+              <a:t> is a high-level, object-oriented, multi-paradigm programming language.</a:t>
+            </a:r>
+          </a:p>
+        </p:txBody>
+      </p:sp>
+    </p:spTree>
+    <p:extLst>
+      <p:ext uri="{BB962C8B-B14F-4D97-AF65-F5344CB8AC3E}">
+        <p14:creationId xmlns:p14="http://schemas.microsoft.com/office/powerpoint/2010/main" val="2560837787"/>
+      </p:ext>
+    </p:extLst>
+  </p:cSld>
+  <p:clrMapOvr>
+    <a:masterClrMapping/>
+  </p:clrMapOvr>
+</p:sld>
+</file>
+
+<file path=ppt/slides/slide62.xml><?xml version="1.0" encoding="utf-8"?>
+<p:sld xmlns:a="http://schemas.openxmlformats.org/drawingml/2006/main" xmlns:r="http://schemas.openxmlformats.org/officeDocument/2006/relationships" xmlns:p="http://schemas.openxmlformats.org/presentationml/2006/main">
+  <p:cSld>
+    <p:spTree>
+      <p:nvGrpSpPr>
+        <p:cNvPr id="1" name="">
+          <a:extLst>
+            <a:ext uri="{FF2B5EF4-FFF2-40B4-BE49-F238E27FC236}">
+              <a16:creationId xmlns:a16="http://schemas.microsoft.com/office/drawing/2014/main" id="{D1B1C989-1422-93C7-4104-E3746B620090}"/>
+            </a:ext>
+          </a:extLst>
+        </p:cNvPr>
+        <p:cNvGrpSpPr/>
+        <p:nvPr/>
+      </p:nvGrpSpPr>
+      <p:grpSpPr>
+        <a:xfrm>
+          <a:off x="0" y="0"/>
+          <a:ext cx="0" cy="0"/>
+          <a:chOff x="0" y="0"/>
+          <a:chExt cx="0" cy="0"/>
+        </a:xfrm>
+      </p:grpSpPr>
+      <p:sp>
+        <p:nvSpPr>
+          <p:cNvPr id="2" name="Title 1">
+            <a:extLst>
+              <a:ext uri="{FF2B5EF4-FFF2-40B4-BE49-F238E27FC236}">
+                <a16:creationId xmlns:a16="http://schemas.microsoft.com/office/drawing/2014/main" id="{06871251-65CC-9102-7C55-76A29FBAC549}"/>
+              </a:ext>
+            </a:extLst>
+          </p:cNvPr>
+          <p:cNvSpPr>
+            <a:spLocks noGrp="1"/>
+          </p:cNvSpPr>
+          <p:nvPr>
+            <p:ph type="title"/>
+          </p:nvPr>
+        </p:nvSpPr>
+        <p:spPr>
+          <a:xfrm>
+            <a:off x="838200" y="365125"/>
+            <a:ext cx="10515600" cy="665389"/>
+          </a:xfrm>
+        </p:spPr>
+        <p:txBody>
+          <a:bodyPr>
+            <a:normAutofit fontScale="90000"/>
+          </a:bodyPr>
+          <a:lstStyle/>
+          <a:p>
+            <a:r>
+              <a:rPr lang="en-US" dirty="0"/>
+              <a:t>An High-level overview of JS</a:t>
+            </a:r>
+          </a:p>
+        </p:txBody>
+      </p:sp>
+      <p:sp>
+        <p:nvSpPr>
+          <p:cNvPr id="3" name="Content Placeholder 2">
+            <a:extLst>
+              <a:ext uri="{FF2B5EF4-FFF2-40B4-BE49-F238E27FC236}">
+                <a16:creationId xmlns:a16="http://schemas.microsoft.com/office/drawing/2014/main" id="{084F0E13-41EE-1ADD-DCCA-D7E5A36E2AC7}"/>
+              </a:ext>
+            </a:extLst>
+          </p:cNvPr>
+          <p:cNvSpPr>
+            <a:spLocks noGrp="1"/>
+          </p:cNvSpPr>
+          <p:nvPr>
+            <p:ph idx="1"/>
+          </p:nvPr>
+        </p:nvSpPr>
+        <p:spPr>
+          <a:xfrm>
+            <a:off x="838200" y="1306285"/>
+            <a:ext cx="10515600" cy="4914220"/>
+          </a:xfrm>
+        </p:spPr>
+        <p:txBody>
+          <a:bodyPr>
+            <a:normAutofit fontScale="62500" lnSpcReduction="20000"/>
+          </a:bodyPr>
+          <a:lstStyle/>
+          <a:p>
+            <a:pPr marL="0" indent="0">
+              <a:buNone/>
+            </a:pPr>
+            <a:r>
+              <a:rPr lang="en-US" dirty="0"/>
+              <a:t>JS: </a:t>
+            </a:r>
+            <a:r>
+              <a:rPr lang="en-US" dirty="0" err="1"/>
+              <a:t>Js</a:t>
+            </a:r>
+            <a:r>
+              <a:rPr lang="en-US" dirty="0"/>
+              <a:t> is a high-level, object-oriented, multi-paradigm programming language.</a:t>
+            </a:r>
+          </a:p>
+          <a:p>
+            <a:pPr marL="0" indent="0">
+              <a:buNone/>
+            </a:pPr>
+            <a:endParaRPr lang="en-US" dirty="0"/>
+          </a:p>
+          <a:p>
+            <a:pPr marL="0" indent="0">
+              <a:buNone/>
+            </a:pPr>
+            <a:endParaRPr lang="en-US" dirty="0"/>
+          </a:p>
+          <a:p>
+            <a:pPr marL="0" indent="0">
+              <a:buNone/>
+            </a:pPr>
+            <a:r>
+              <a:rPr lang="en-US" dirty="0"/>
+              <a:t>JS is a </a:t>
+            </a:r>
+          </a:p>
+          <a:p>
+            <a:pPr marL="0" indent="0">
+              <a:buNone/>
+            </a:pPr>
+            <a:r>
+              <a:rPr lang="en-US" dirty="0"/>
+              <a:t>	HIGH-LEVEL</a:t>
+            </a:r>
+          </a:p>
+          <a:p>
+            <a:pPr marL="0" indent="0">
+              <a:buNone/>
+            </a:pPr>
+            <a:r>
+              <a:rPr lang="en-US" dirty="0"/>
+              <a:t>	PROTOTYPE-BASED </a:t>
+            </a:r>
+          </a:p>
+          <a:p>
+            <a:pPr marL="0" indent="0">
+              <a:buNone/>
+            </a:pPr>
+            <a:r>
+              <a:rPr lang="en-US" dirty="0"/>
+              <a:t>	OBJECT-ORIENTED</a:t>
+            </a:r>
+          </a:p>
+          <a:p>
+            <a:pPr marL="0" indent="0">
+              <a:buNone/>
+            </a:pPr>
+            <a:r>
+              <a:rPr lang="en-US" dirty="0"/>
+              <a:t>	MULTI-PARADIGM</a:t>
+            </a:r>
+          </a:p>
+          <a:p>
+            <a:pPr marL="0" indent="0">
+              <a:buNone/>
+            </a:pPr>
+            <a:r>
+              <a:rPr lang="en-US" dirty="0"/>
+              <a:t>	INTERPRETED OR JUST-IN-TIME COMPILED</a:t>
+            </a:r>
+          </a:p>
+          <a:p>
+            <a:pPr marL="0" indent="0">
+              <a:buNone/>
+            </a:pPr>
+            <a:r>
+              <a:rPr lang="en-US" dirty="0"/>
+              <a:t>	DYNAMIC</a:t>
+            </a:r>
+          </a:p>
+          <a:p>
+            <a:pPr marL="0" indent="0">
+              <a:buNone/>
+            </a:pPr>
+            <a:r>
+              <a:rPr lang="en-US" dirty="0"/>
+              <a:t>	SINGLE-THREDED</a:t>
+            </a:r>
+          </a:p>
+          <a:p>
+            <a:pPr marL="0" indent="0">
+              <a:buNone/>
+            </a:pPr>
+            <a:r>
+              <a:rPr lang="en-US" dirty="0"/>
+              <a:t>	GARBAGE-COLLECTED</a:t>
+            </a:r>
+          </a:p>
+          <a:p>
+            <a:pPr marL="0" indent="0">
+              <a:buNone/>
+            </a:pPr>
+            <a:r>
+              <a:rPr lang="en-US" dirty="0"/>
+              <a:t>PROGRAMMING LANGUAGE WITH</a:t>
+            </a:r>
+          </a:p>
+          <a:p>
+            <a:pPr marL="0" indent="0">
+              <a:buNone/>
+            </a:pPr>
+            <a:r>
+              <a:rPr lang="en-US" dirty="0"/>
+              <a:t>	FIRST-CLASS FUNTIONS	</a:t>
+            </a:r>
+          </a:p>
+          <a:p>
+            <a:pPr marL="0" indent="0">
+              <a:buNone/>
+            </a:pPr>
+            <a:r>
+              <a:rPr lang="en-US" dirty="0"/>
+              <a:t>AND 	NON-BLOCKING EVENT LOOP CONCRRENCY MODEL.</a:t>
+            </a:r>
+          </a:p>
+        </p:txBody>
+      </p:sp>
+    </p:spTree>
+    <p:extLst>
+      <p:ext uri="{BB962C8B-B14F-4D97-AF65-F5344CB8AC3E}">
+        <p14:creationId xmlns:p14="http://schemas.microsoft.com/office/powerpoint/2010/main" val="1320196017"/>
+      </p:ext>
+    </p:extLst>
+  </p:cSld>
+  <p:clrMapOvr>
+    <a:masterClrMapping/>
+  </p:clrMapOvr>
+</p:sld>
+</file>
+
+<file path=ppt/slides/slide63.xml><?xml version="1.0" encoding="utf-8"?>
+<p:sld xmlns:a="http://schemas.openxmlformats.org/drawingml/2006/main" xmlns:r="http://schemas.openxmlformats.org/officeDocument/2006/relationships" xmlns:p="http://schemas.openxmlformats.org/presentationml/2006/main">
+  <p:cSld>
+    <p:spTree>
+      <p:nvGrpSpPr>
+        <p:cNvPr id="1" name=""/>
+        <p:cNvGrpSpPr/>
+        <p:nvPr/>
+      </p:nvGrpSpPr>
+      <p:grpSpPr>
+        <a:xfrm>
+          <a:off x="0" y="0"/>
+          <a:ext cx="0" cy="0"/>
+          <a:chOff x="0" y="0"/>
+          <a:chExt cx="0" cy="0"/>
+        </a:xfrm>
+      </p:grpSpPr>
+      <p:sp>
+        <p:nvSpPr>
+          <p:cNvPr id="2" name="Title 1">
+            <a:extLst>
+              <a:ext uri="{FF2B5EF4-FFF2-40B4-BE49-F238E27FC236}">
+                <a16:creationId xmlns:a16="http://schemas.microsoft.com/office/drawing/2014/main" id="{7B4051A9-7AC7-2C67-AA07-A42252123CB2}"/>
+              </a:ext>
+            </a:extLst>
+          </p:cNvPr>
+          <p:cNvSpPr>
+            <a:spLocks noGrp="1"/>
+          </p:cNvSpPr>
+          <p:nvPr>
+            <p:ph type="title"/>
+          </p:nvPr>
+        </p:nvSpPr>
+        <p:spPr>
+          <a:xfrm>
+            <a:off x="101600" y="365125"/>
+            <a:ext cx="3251200" cy="6209846"/>
+          </a:xfrm>
+        </p:spPr>
+        <p:txBody>
+          <a:bodyPr anchor="t">
+            <a:normAutofit/>
+          </a:bodyPr>
+          <a:lstStyle/>
+          <a:p>
+            <a:pPr>
+              <a:lnSpc>
+                <a:spcPct val="100000"/>
+              </a:lnSpc>
+            </a:pPr>
+            <a:r>
+              <a:rPr lang="en-US" sz="1800" dirty="0">
+                <a:solidFill>
+                  <a:srgbClr val="FF0000"/>
+                </a:solidFill>
+              </a:rPr>
+              <a:t>High-level –</a:t>
+            </a:r>
+            <a:br>
+              <a:rPr lang="en-US" sz="1800" dirty="0">
+                <a:solidFill>
+                  <a:srgbClr val="FF0000"/>
+                </a:solidFill>
+              </a:rPr>
+            </a:br>
+            <a:r>
+              <a:rPr lang="en-US" sz="1800" dirty="0">
+                <a:solidFill>
+                  <a:schemeClr val="accent4">
+                    <a:lumMod val="75000"/>
+                  </a:schemeClr>
+                </a:solidFill>
+              </a:rPr>
+              <a:t>Garbage-collected –</a:t>
+            </a:r>
+            <a:br>
+              <a:rPr lang="en-US" sz="1800" dirty="0">
+                <a:solidFill>
+                  <a:schemeClr val="accent4">
+                    <a:lumMod val="75000"/>
+                  </a:schemeClr>
+                </a:solidFill>
+              </a:rPr>
+            </a:br>
+            <a:r>
+              <a:rPr lang="en-US" sz="1800" dirty="0">
+                <a:solidFill>
+                  <a:schemeClr val="accent5">
+                    <a:lumMod val="50000"/>
+                  </a:schemeClr>
+                </a:solidFill>
+              </a:rPr>
+              <a:t>Interpreted or just-in-time compiled –</a:t>
+            </a:r>
+            <a:br>
+              <a:rPr lang="en-US" sz="1800" dirty="0">
+                <a:solidFill>
+                  <a:schemeClr val="accent5">
+                    <a:lumMod val="50000"/>
+                  </a:schemeClr>
+                </a:solidFill>
+              </a:rPr>
+            </a:br>
+            <a:r>
+              <a:rPr lang="en-US" sz="1800" dirty="0">
+                <a:solidFill>
+                  <a:schemeClr val="accent2">
+                    <a:lumMod val="60000"/>
+                    <a:lumOff val="40000"/>
+                  </a:schemeClr>
+                </a:solidFill>
+              </a:rPr>
+              <a:t>Multi-paradigm –</a:t>
+            </a:r>
+            <a:br>
+              <a:rPr lang="en-US" sz="1800" dirty="0">
+                <a:solidFill>
+                  <a:schemeClr val="accent2">
+                    <a:lumMod val="60000"/>
+                    <a:lumOff val="40000"/>
+                  </a:schemeClr>
+                </a:solidFill>
+              </a:rPr>
+            </a:br>
+            <a:r>
+              <a:rPr lang="en-US" sz="1800" dirty="0">
+                <a:solidFill>
+                  <a:schemeClr val="accent6">
+                    <a:lumMod val="50000"/>
+                  </a:schemeClr>
+                </a:solidFill>
+              </a:rPr>
+              <a:t>Prototype-based object-oriented</a:t>
+            </a:r>
+            <a:br>
+              <a:rPr lang="en-US" sz="1800" dirty="0">
+                <a:solidFill>
+                  <a:schemeClr val="accent6">
+                    <a:lumMod val="50000"/>
+                  </a:schemeClr>
+                </a:solidFill>
+              </a:rPr>
+            </a:br>
+            <a:r>
+              <a:rPr lang="en-US" sz="1800" dirty="0">
+                <a:solidFill>
+                  <a:srgbClr val="7030A0"/>
+                </a:solidFill>
+              </a:rPr>
+              <a:t>First-class functions</a:t>
+            </a:r>
+            <a:br>
+              <a:rPr lang="en-US" sz="1800" dirty="0">
+                <a:solidFill>
+                  <a:srgbClr val="7030A0"/>
+                </a:solidFill>
+              </a:rPr>
+            </a:br>
+            <a:r>
+              <a:rPr lang="en-US" sz="1800" dirty="0">
+                <a:solidFill>
+                  <a:srgbClr val="FFC000"/>
+                </a:solidFill>
+              </a:rPr>
+              <a:t>Dynamic</a:t>
+            </a:r>
+            <a:br>
+              <a:rPr lang="en-US" sz="1800" dirty="0">
+                <a:solidFill>
+                  <a:schemeClr val="accent2">
+                    <a:lumMod val="60000"/>
+                    <a:lumOff val="40000"/>
+                  </a:schemeClr>
+                </a:solidFill>
+              </a:rPr>
+            </a:br>
+            <a:r>
+              <a:rPr lang="en-US" sz="1800" dirty="0">
+                <a:solidFill>
+                  <a:srgbClr val="C00000"/>
+                </a:solidFill>
+              </a:rPr>
+              <a:t>Single-threaded</a:t>
+            </a:r>
+            <a:br>
+              <a:rPr lang="en-US" sz="1800" dirty="0">
+                <a:solidFill>
+                  <a:srgbClr val="C00000"/>
+                </a:solidFill>
+              </a:rPr>
+            </a:br>
+            <a:r>
+              <a:rPr lang="en-US" sz="1800" dirty="0">
+                <a:solidFill>
+                  <a:srgbClr val="C00000"/>
+                </a:solidFill>
+              </a:rPr>
+              <a:t>Non-blocking </a:t>
+            </a:r>
+          </a:p>
+        </p:txBody>
+      </p:sp>
+      <p:sp>
+        <p:nvSpPr>
+          <p:cNvPr id="3" name="Content Placeholder 2">
+            <a:extLst>
+              <a:ext uri="{FF2B5EF4-FFF2-40B4-BE49-F238E27FC236}">
+                <a16:creationId xmlns:a16="http://schemas.microsoft.com/office/drawing/2014/main" id="{7825C480-9841-9111-5155-5F0A3FBDBB14}"/>
+              </a:ext>
+            </a:extLst>
+          </p:cNvPr>
+          <p:cNvSpPr>
+            <a:spLocks noGrp="1"/>
+          </p:cNvSpPr>
+          <p:nvPr>
+            <p:ph idx="1"/>
+          </p:nvPr>
+        </p:nvSpPr>
+        <p:spPr>
+          <a:xfrm>
+            <a:off x="3715657" y="365125"/>
+            <a:ext cx="7638143" cy="6209846"/>
+          </a:xfrm>
+        </p:spPr>
+        <p:txBody>
+          <a:bodyPr>
+            <a:normAutofit fontScale="92500" lnSpcReduction="10000"/>
+          </a:bodyPr>
+          <a:lstStyle/>
+          <a:p>
+            <a:pPr marL="0" indent="0">
+              <a:buNone/>
+            </a:pPr>
+            <a:r>
+              <a:rPr lang="en-US" sz="1200" dirty="0">
+                <a:solidFill>
+                  <a:srgbClr val="FF0000"/>
+                </a:solidFill>
+              </a:rPr>
+              <a:t>C (</a:t>
+            </a:r>
+            <a:r>
+              <a:rPr lang="en-US" sz="1000" dirty="0">
+                <a:solidFill>
+                  <a:srgbClr val="FF0000"/>
+                </a:solidFill>
+              </a:rPr>
+              <a:t>Low Level Language: developer has to manage resources manually</a:t>
+            </a:r>
+            <a:r>
+              <a:rPr lang="en-US" sz="1200" dirty="0">
+                <a:solidFill>
+                  <a:srgbClr val="FF0000"/>
+                </a:solidFill>
+              </a:rPr>
+              <a:t>)</a:t>
+            </a:r>
+          </a:p>
+          <a:p>
+            <a:pPr marL="0" indent="0">
+              <a:buNone/>
+            </a:pPr>
+            <a:r>
+              <a:rPr lang="en-US" sz="1100" dirty="0">
+                <a:solidFill>
+                  <a:srgbClr val="FF0000"/>
+                </a:solidFill>
+              </a:rPr>
+              <a:t>Python, JS (</a:t>
+            </a:r>
+            <a:r>
+              <a:rPr lang="en-US" sz="900" dirty="0">
+                <a:solidFill>
+                  <a:srgbClr val="FF0000"/>
+                </a:solidFill>
+              </a:rPr>
+              <a:t>Developer does NOT have to worry, everything happens automatically</a:t>
+            </a:r>
+            <a:r>
+              <a:rPr lang="en-US" sz="1100" dirty="0">
+                <a:solidFill>
+                  <a:srgbClr val="FF0000"/>
+                </a:solidFill>
+              </a:rPr>
+              <a:t>)</a:t>
+            </a:r>
+          </a:p>
+          <a:p>
+            <a:pPr marL="0" indent="0">
+              <a:buNone/>
+            </a:pPr>
+            <a:r>
+              <a:rPr lang="en-US" sz="1200" dirty="0">
+                <a:solidFill>
+                  <a:schemeClr val="accent4">
+                    <a:lumMod val="75000"/>
+                  </a:schemeClr>
+                </a:solidFill>
+              </a:rPr>
+              <a:t>cleaning the memory so we don’t have to use.</a:t>
+            </a:r>
+          </a:p>
+          <a:p>
+            <a:pPr marL="0" indent="0">
+              <a:buNone/>
+            </a:pPr>
+            <a:r>
+              <a:rPr lang="en-US" sz="1200" dirty="0">
+                <a:solidFill>
+                  <a:schemeClr val="accent5">
+                    <a:lumMod val="50000"/>
+                  </a:schemeClr>
+                </a:solidFill>
+              </a:rPr>
+              <a:t>covert to machine code.</a:t>
+            </a:r>
+          </a:p>
+          <a:p>
+            <a:pPr marL="0" indent="0">
+              <a:buNone/>
+            </a:pPr>
+            <a:r>
+              <a:rPr lang="en-US" sz="1400" dirty="0">
+                <a:solidFill>
+                  <a:schemeClr val="accent2">
+                    <a:lumMod val="60000"/>
+                    <a:lumOff val="40000"/>
+                  </a:schemeClr>
+                </a:solidFill>
+              </a:rPr>
+              <a:t>Paradigm. An approach and mindset of structuring code, which will direct your coding style and technique.</a:t>
+            </a:r>
+          </a:p>
+          <a:p>
+            <a:pPr marL="514350" indent="-514350">
+              <a:buAutoNum type="arabicPeriod"/>
+            </a:pPr>
+            <a:r>
+              <a:rPr lang="en-US" sz="1400" dirty="0">
+                <a:solidFill>
+                  <a:schemeClr val="accent2">
+                    <a:lumMod val="60000"/>
+                    <a:lumOff val="40000"/>
+                  </a:schemeClr>
+                </a:solidFill>
+              </a:rPr>
+              <a:t>Procedural programming</a:t>
+            </a:r>
+          </a:p>
+          <a:p>
+            <a:pPr marL="514350" indent="-514350">
+              <a:buAutoNum type="arabicPeriod"/>
+            </a:pPr>
+            <a:r>
+              <a:rPr lang="en-US" sz="1400" dirty="0">
+                <a:solidFill>
+                  <a:schemeClr val="accent2">
+                    <a:lumMod val="60000"/>
+                    <a:lumOff val="40000"/>
+                  </a:schemeClr>
+                </a:solidFill>
+              </a:rPr>
+              <a:t>Object-oriented programming (OOP)</a:t>
+            </a:r>
+          </a:p>
+          <a:p>
+            <a:pPr marL="514350" indent="-514350">
+              <a:buAutoNum type="arabicPeriod"/>
+            </a:pPr>
+            <a:r>
+              <a:rPr lang="en-US" sz="1400" dirty="0">
+                <a:solidFill>
+                  <a:schemeClr val="accent2">
+                    <a:lumMod val="60000"/>
+                    <a:lumOff val="40000"/>
+                  </a:schemeClr>
+                </a:solidFill>
+              </a:rPr>
+              <a:t>Function programming (FP)</a:t>
+            </a:r>
+          </a:p>
+          <a:p>
+            <a:pPr marL="0" indent="0">
+              <a:buNone/>
+            </a:pPr>
+            <a:r>
+              <a:rPr lang="en-US" sz="1400" dirty="0">
+                <a:solidFill>
+                  <a:schemeClr val="accent6">
+                    <a:lumMod val="50000"/>
+                  </a:schemeClr>
+                </a:solidFill>
+              </a:rPr>
+              <a:t>Inherits methods from prototype.</a:t>
+            </a:r>
+          </a:p>
+          <a:p>
+            <a:pPr marL="0" indent="0">
+              <a:buNone/>
+            </a:pPr>
+            <a:r>
+              <a:rPr lang="en-US" sz="1400" dirty="0" err="1">
+                <a:solidFill>
+                  <a:schemeClr val="accent6">
+                    <a:lumMod val="50000"/>
+                  </a:schemeClr>
+                </a:solidFill>
+              </a:rPr>
+              <a:t>Array.protype.push</a:t>
+            </a:r>
+            <a:endParaRPr lang="en-US" sz="1400" dirty="0">
+              <a:solidFill>
+                <a:schemeClr val="accent6">
+                  <a:lumMod val="50000"/>
+                </a:schemeClr>
+              </a:solidFill>
+            </a:endParaRPr>
+          </a:p>
+          <a:p>
+            <a:pPr marL="0" indent="0">
+              <a:buNone/>
+            </a:pPr>
+            <a:r>
+              <a:rPr lang="en-US" sz="1400" dirty="0" err="1">
+                <a:solidFill>
+                  <a:schemeClr val="accent6">
+                    <a:lumMod val="50000"/>
+                  </a:schemeClr>
+                </a:solidFill>
+              </a:rPr>
+              <a:t>Arr.push</a:t>
+            </a:r>
+            <a:r>
+              <a:rPr lang="en-US" sz="1400" dirty="0">
+                <a:solidFill>
+                  <a:schemeClr val="accent6">
+                    <a:lumMod val="50000"/>
+                  </a:schemeClr>
+                </a:solidFill>
+              </a:rPr>
+              <a:t>()</a:t>
+            </a:r>
+            <a:endParaRPr lang="en-US" sz="1400" dirty="0">
+              <a:solidFill>
+                <a:srgbClr val="7030A0"/>
+              </a:solidFill>
+            </a:endParaRPr>
+          </a:p>
+          <a:p>
+            <a:pPr marL="0" indent="0">
+              <a:buNone/>
+            </a:pPr>
+            <a:r>
+              <a:rPr lang="en-US" sz="1400" dirty="0">
+                <a:solidFill>
+                  <a:srgbClr val="7030A0"/>
+                </a:solidFill>
+              </a:rPr>
+              <a:t>In a language with first-class functions, functions are simply treated as variables. We can pass them into other functions, and return them from functions.</a:t>
+            </a:r>
+          </a:p>
+          <a:p>
+            <a:pPr marL="0" indent="0">
+              <a:buNone/>
+            </a:pPr>
+            <a:r>
+              <a:rPr lang="en-US" sz="1400" dirty="0">
+                <a:solidFill>
+                  <a:srgbClr val="7030A0"/>
+                </a:solidFill>
+              </a:rPr>
+              <a:t>const modal = () =&gt;{console.log(‘hello’)}</a:t>
+            </a:r>
+          </a:p>
+          <a:p>
+            <a:pPr marL="0" indent="0">
+              <a:buNone/>
+            </a:pPr>
+            <a:r>
+              <a:rPr lang="en-US" sz="1400" dirty="0" err="1">
+                <a:solidFill>
+                  <a:srgbClr val="7030A0"/>
+                </a:solidFill>
+              </a:rPr>
+              <a:t>Button.addEventListner</a:t>
+            </a:r>
+            <a:r>
+              <a:rPr lang="en-US" sz="1400" dirty="0">
+                <a:solidFill>
+                  <a:srgbClr val="7030A0"/>
+                </a:solidFill>
+              </a:rPr>
+              <a:t>(‘</a:t>
+            </a:r>
+            <a:r>
+              <a:rPr lang="en-US" sz="1400" dirty="0" err="1">
+                <a:solidFill>
+                  <a:srgbClr val="7030A0"/>
+                </a:solidFill>
+              </a:rPr>
+              <a:t>click’,modal</a:t>
+            </a:r>
+            <a:r>
+              <a:rPr lang="en-US" sz="1400" dirty="0">
+                <a:solidFill>
+                  <a:srgbClr val="7030A0"/>
+                </a:solidFill>
+              </a:rPr>
+              <a:t>);</a:t>
+            </a:r>
+          </a:p>
+          <a:p>
+            <a:pPr marL="0" indent="0">
+              <a:buNone/>
+            </a:pPr>
+            <a:r>
+              <a:rPr lang="en-US" sz="1400" dirty="0">
+                <a:solidFill>
+                  <a:srgbClr val="7030A0"/>
+                </a:solidFill>
+              </a:rPr>
+              <a:t>*Passing a function into another function as an argument: First class functions!</a:t>
+            </a:r>
+          </a:p>
+          <a:p>
+            <a:pPr marL="0" indent="0">
+              <a:buNone/>
+            </a:pPr>
+            <a:r>
+              <a:rPr lang="en-US" sz="1400" dirty="0">
+                <a:solidFill>
+                  <a:srgbClr val="FFC000"/>
+                </a:solidFill>
+              </a:rPr>
+              <a:t>No data type definitions. Types becomes known at runtime.</a:t>
+            </a:r>
+          </a:p>
+          <a:p>
+            <a:pPr marL="0" indent="0">
+              <a:buNone/>
+            </a:pPr>
+            <a:r>
+              <a:rPr lang="en-US" sz="1400" dirty="0">
+                <a:solidFill>
+                  <a:srgbClr val="FFC000"/>
+                </a:solidFill>
+              </a:rPr>
+              <a:t>Data type of variable is automatically changed.</a:t>
+            </a:r>
+          </a:p>
+          <a:p>
+            <a:pPr marL="0" indent="0">
+              <a:buNone/>
+            </a:pPr>
+            <a:r>
+              <a:rPr lang="en-US" sz="1400" dirty="0">
+                <a:solidFill>
+                  <a:srgbClr val="C00000"/>
+                </a:solidFill>
+              </a:rPr>
+              <a:t>Concurrency Model: JS engine handles multiple tasks happing at the same time.</a:t>
+            </a:r>
+          </a:p>
+          <a:p>
+            <a:pPr marL="0" indent="0">
+              <a:buNone/>
+            </a:pPr>
+            <a:r>
+              <a:rPr lang="en-US" sz="1400" dirty="0">
+                <a:solidFill>
+                  <a:srgbClr val="C00000"/>
+                </a:solidFill>
+              </a:rPr>
+              <a:t>JS runs in one single thread, so it can only do one thing at a time.</a:t>
+            </a:r>
+          </a:p>
+          <a:p>
+            <a:pPr marL="0" indent="0">
+              <a:buNone/>
+            </a:pPr>
+            <a:r>
+              <a:rPr lang="en-US" sz="1400" dirty="0">
+                <a:solidFill>
+                  <a:srgbClr val="C00000"/>
+                </a:solidFill>
+              </a:rPr>
+              <a:t>*it would block the single thread but we want non-blocking behavior!</a:t>
+            </a:r>
+          </a:p>
+          <a:p>
+            <a:pPr marL="0" indent="0">
+              <a:buNone/>
+            </a:pPr>
+            <a:r>
+              <a:rPr lang="en-US" sz="1400" dirty="0">
+                <a:solidFill>
+                  <a:srgbClr val="C00000"/>
+                </a:solidFill>
+              </a:rPr>
+              <a:t>By using an </a:t>
+            </a:r>
+            <a:r>
+              <a:rPr lang="en-US" sz="1400" b="1" dirty="0">
+                <a:solidFill>
+                  <a:srgbClr val="C00000"/>
+                </a:solidFill>
+              </a:rPr>
+              <a:t>event loop </a:t>
+            </a:r>
+            <a:r>
+              <a:rPr lang="en-US" sz="1400" dirty="0">
+                <a:solidFill>
+                  <a:srgbClr val="C00000"/>
+                </a:solidFill>
+              </a:rPr>
+              <a:t> takes long running tasks, executes them in the “background” and puts them back in the main thread once they are finished.</a:t>
+            </a:r>
+            <a:endParaRPr lang="en-US" sz="1400" b="1" dirty="0">
+              <a:solidFill>
+                <a:srgbClr val="C00000"/>
+              </a:solidFill>
+            </a:endParaRPr>
+          </a:p>
+          <a:p>
+            <a:pPr marL="0" indent="0">
+              <a:buNone/>
+            </a:pPr>
+            <a:endParaRPr lang="en-US" sz="1400" dirty="0">
+              <a:solidFill>
+                <a:srgbClr val="C00000"/>
+              </a:solidFill>
+            </a:endParaRPr>
+          </a:p>
+        </p:txBody>
+      </p:sp>
+    </p:spTree>
+    <p:extLst>
+      <p:ext uri="{BB962C8B-B14F-4D97-AF65-F5344CB8AC3E}">
+        <p14:creationId xmlns:p14="http://schemas.microsoft.com/office/powerpoint/2010/main" val="2233817259"/>
+      </p:ext>
+    </p:extLst>
+  </p:cSld>
+  <p:clrMapOvr>
+    <a:masterClrMapping/>
+  </p:clrMapOvr>
+</p:sld>
+</file>
+
+<file path=ppt/slides/slide64.xml><?xml version="1.0" encoding="utf-8"?>
+<p:sld xmlns:a="http://schemas.openxmlformats.org/drawingml/2006/main" xmlns:r="http://schemas.openxmlformats.org/officeDocument/2006/relationships" xmlns:p="http://schemas.openxmlformats.org/presentationml/2006/main">
+  <p:cSld>
+    <p:spTree>
+      <p:nvGrpSpPr>
+        <p:cNvPr id="1" name=""/>
+        <p:cNvGrpSpPr/>
+        <p:nvPr/>
+      </p:nvGrpSpPr>
+      <p:grpSpPr>
+        <a:xfrm>
+          <a:off x="0" y="0"/>
+          <a:ext cx="0" cy="0"/>
+          <a:chOff x="0" y="0"/>
+          <a:chExt cx="0" cy="0"/>
+        </a:xfrm>
+      </p:grpSpPr>
+      <p:sp>
+        <p:nvSpPr>
+          <p:cNvPr id="3" name="Content Placeholder 2">
+            <a:extLst>
+              <a:ext uri="{FF2B5EF4-FFF2-40B4-BE49-F238E27FC236}">
+                <a16:creationId xmlns:a16="http://schemas.microsoft.com/office/drawing/2014/main" id="{6001247D-C823-D683-A6BB-B21EDF553D75}"/>
+              </a:ext>
+            </a:extLst>
+          </p:cNvPr>
+          <p:cNvSpPr>
+            <a:spLocks noGrp="1"/>
+          </p:cNvSpPr>
+          <p:nvPr>
+            <p:ph idx="1"/>
+          </p:nvPr>
+        </p:nvSpPr>
+        <p:spPr>
+          <a:xfrm>
+            <a:off x="838200" y="595086"/>
+            <a:ext cx="10515600" cy="5581877"/>
+          </a:xfrm>
+        </p:spPr>
+        <p:txBody>
+          <a:bodyPr/>
+          <a:lstStyle/>
+          <a:p>
+            <a:r>
+              <a:rPr lang="en-US" dirty="0"/>
+              <a:t>Scoping in Practice</a:t>
+            </a:r>
+          </a:p>
+        </p:txBody>
+      </p:sp>
+      <p:sp>
+        <p:nvSpPr>
+          <p:cNvPr id="2" name="Rectangle 1">
+            <a:extLst>
+              <a:ext uri="{FF2B5EF4-FFF2-40B4-BE49-F238E27FC236}">
+                <a16:creationId xmlns:a16="http://schemas.microsoft.com/office/drawing/2014/main" id="{3069824F-621D-5F62-B3E1-08DF2FE50393}"/>
+              </a:ext>
+            </a:extLst>
+          </p:cNvPr>
+          <p:cNvSpPr/>
+          <p:nvPr/>
+        </p:nvSpPr>
+        <p:spPr>
+          <a:xfrm>
+            <a:off x="8984343" y="1538514"/>
+            <a:ext cx="2104571" cy="3817257"/>
+          </a:xfrm>
+          <a:prstGeom prst="rect">
+            <a:avLst/>
+          </a:prstGeom>
+        </p:spPr>
+        <p:style>
+          <a:lnRef idx="2">
+            <a:schemeClr val="accent1">
+              <a:shade val="15000"/>
+            </a:schemeClr>
+          </a:lnRef>
+          <a:fillRef idx="1">
+            <a:schemeClr val="accent1"/>
+          </a:fillRef>
+          <a:effectRef idx="0">
+            <a:schemeClr val="accent1"/>
+          </a:effectRef>
+          <a:fontRef idx="minor">
+            <a:schemeClr val="lt1"/>
+          </a:fontRef>
+        </p:style>
+        <p:txBody>
+          <a:bodyPr rtlCol="0" anchor="ctr"/>
+          <a:lstStyle/>
+          <a:p>
+            <a:pPr algn="ctr"/>
+            <a:endParaRPr lang="en-US"/>
+          </a:p>
+        </p:txBody>
+      </p:sp>
+      <p:sp>
+        <p:nvSpPr>
+          <p:cNvPr id="4" name="Rectangle 3">
+            <a:extLst>
+              <a:ext uri="{FF2B5EF4-FFF2-40B4-BE49-F238E27FC236}">
+                <a16:creationId xmlns:a16="http://schemas.microsoft.com/office/drawing/2014/main" id="{EFBF915A-6FDA-48FB-F392-BDEA1EA0F7B6}"/>
+              </a:ext>
+            </a:extLst>
+          </p:cNvPr>
+          <p:cNvSpPr/>
+          <p:nvPr/>
+        </p:nvSpPr>
+        <p:spPr>
+          <a:xfrm>
+            <a:off x="6096000" y="1477395"/>
+            <a:ext cx="2104571" cy="3817257"/>
+          </a:xfrm>
+          <a:prstGeom prst="rect">
+            <a:avLst/>
+          </a:prstGeom>
+        </p:spPr>
+        <p:style>
+          <a:lnRef idx="2">
+            <a:schemeClr val="accent1">
+              <a:shade val="15000"/>
+            </a:schemeClr>
+          </a:lnRef>
+          <a:fillRef idx="1">
+            <a:schemeClr val="accent1"/>
+          </a:fillRef>
+          <a:effectRef idx="0">
+            <a:schemeClr val="accent1"/>
+          </a:effectRef>
+          <a:fontRef idx="minor">
+            <a:schemeClr val="lt1"/>
+          </a:fontRef>
+        </p:style>
+        <p:txBody>
+          <a:bodyPr rtlCol="0" anchor="ctr"/>
+          <a:lstStyle/>
+          <a:p>
+            <a:pPr algn="ctr"/>
+            <a:endParaRPr lang="en-US"/>
+          </a:p>
+        </p:txBody>
+      </p:sp>
+      <p:sp>
+        <p:nvSpPr>
+          <p:cNvPr id="5" name="TextBox 4">
+            <a:extLst>
+              <a:ext uri="{FF2B5EF4-FFF2-40B4-BE49-F238E27FC236}">
+                <a16:creationId xmlns:a16="http://schemas.microsoft.com/office/drawing/2014/main" id="{9AA00C9F-D253-44C5-2A0D-C8A81A007CAE}"/>
+              </a:ext>
+            </a:extLst>
+          </p:cNvPr>
+          <p:cNvSpPr txBox="1"/>
+          <p:nvPr/>
+        </p:nvSpPr>
+        <p:spPr>
+          <a:xfrm>
+            <a:off x="6357257" y="5545016"/>
+            <a:ext cx="1069908" cy="369332"/>
+          </a:xfrm>
+          <a:prstGeom prst="rect">
+            <a:avLst/>
+          </a:prstGeom>
+          <a:noFill/>
+        </p:spPr>
+        <p:txBody>
+          <a:bodyPr wrap="none" rtlCol="0">
+            <a:spAutoFit/>
+          </a:bodyPr>
+          <a:lstStyle/>
+          <a:p>
+            <a:r>
+              <a:rPr lang="en-US" dirty="0"/>
+              <a:t>Call Stack</a:t>
+            </a:r>
+          </a:p>
+        </p:txBody>
+      </p:sp>
+      <p:sp>
+        <p:nvSpPr>
+          <p:cNvPr id="6" name="TextBox 5">
+            <a:extLst>
+              <a:ext uri="{FF2B5EF4-FFF2-40B4-BE49-F238E27FC236}">
+                <a16:creationId xmlns:a16="http://schemas.microsoft.com/office/drawing/2014/main" id="{18EE16AF-A811-27D5-8113-31BB2D3BF3B4}"/>
+              </a:ext>
+            </a:extLst>
+          </p:cNvPr>
+          <p:cNvSpPr txBox="1"/>
+          <p:nvPr/>
+        </p:nvSpPr>
+        <p:spPr>
+          <a:xfrm>
+            <a:off x="9579429" y="5581701"/>
+            <a:ext cx="676788" cy="369332"/>
+          </a:xfrm>
+          <a:prstGeom prst="rect">
+            <a:avLst/>
+          </a:prstGeom>
+          <a:noFill/>
+        </p:spPr>
+        <p:txBody>
+          <a:bodyPr wrap="none" rtlCol="0">
+            <a:spAutoFit/>
+          </a:bodyPr>
+          <a:lstStyle/>
+          <a:p>
+            <a:r>
+              <a:rPr lang="en-US" dirty="0"/>
+              <a:t>Heap</a:t>
+            </a:r>
+          </a:p>
+        </p:txBody>
+      </p:sp>
+      <p:sp>
+        <p:nvSpPr>
+          <p:cNvPr id="7" name="TextBox 6">
+            <a:extLst>
+              <a:ext uri="{FF2B5EF4-FFF2-40B4-BE49-F238E27FC236}">
+                <a16:creationId xmlns:a16="http://schemas.microsoft.com/office/drawing/2014/main" id="{232EA9D4-0B0A-15D7-B8A7-74907B2D5A38}"/>
+              </a:ext>
+            </a:extLst>
+          </p:cNvPr>
+          <p:cNvSpPr txBox="1"/>
+          <p:nvPr/>
+        </p:nvSpPr>
+        <p:spPr>
+          <a:xfrm>
+            <a:off x="3291386" y="3123976"/>
+            <a:ext cx="2804614" cy="646331"/>
+          </a:xfrm>
+          <a:prstGeom prst="rect">
+            <a:avLst/>
+          </a:prstGeom>
+          <a:noFill/>
+        </p:spPr>
+        <p:txBody>
+          <a:bodyPr wrap="none" rtlCol="0">
+            <a:spAutoFit/>
+          </a:bodyPr>
+          <a:lstStyle/>
+          <a:p>
+            <a:r>
+              <a:rPr lang="en-US" dirty="0"/>
+              <a:t>Execution context</a:t>
+            </a:r>
+          </a:p>
+          <a:p>
+            <a:r>
+              <a:rPr lang="en-US" dirty="0"/>
+              <a:t>Where our code is executed</a:t>
+            </a:r>
+          </a:p>
+        </p:txBody>
+      </p:sp>
+      <p:sp>
+        <p:nvSpPr>
+          <p:cNvPr id="8" name="TextBox 7">
+            <a:extLst>
+              <a:ext uri="{FF2B5EF4-FFF2-40B4-BE49-F238E27FC236}">
+                <a16:creationId xmlns:a16="http://schemas.microsoft.com/office/drawing/2014/main" id="{13DF006F-63EF-E70A-CEE0-9118C56262A2}"/>
+              </a:ext>
+            </a:extLst>
+          </p:cNvPr>
+          <p:cNvSpPr txBox="1"/>
+          <p:nvPr/>
+        </p:nvSpPr>
+        <p:spPr>
+          <a:xfrm>
+            <a:off x="9579429" y="344722"/>
+            <a:ext cx="2557688" cy="646331"/>
+          </a:xfrm>
+          <a:prstGeom prst="rect">
+            <a:avLst/>
+          </a:prstGeom>
+          <a:noFill/>
+        </p:spPr>
+        <p:txBody>
+          <a:bodyPr wrap="none" rtlCol="0">
+            <a:spAutoFit/>
+          </a:bodyPr>
+          <a:lstStyle/>
+          <a:p>
+            <a:r>
+              <a:rPr lang="en-US" dirty="0"/>
+              <a:t>Object in memory</a:t>
+            </a:r>
+          </a:p>
+          <a:p>
+            <a:r>
+              <a:rPr lang="en-US" dirty="0"/>
+              <a:t>Where objects are stored</a:t>
+            </a:r>
+          </a:p>
+        </p:txBody>
+      </p:sp>
+      <mc:AlternateContent xmlns:mc="http://schemas.openxmlformats.org/markup-compatibility/2006" xmlns:p14="http://schemas.microsoft.com/office/powerpoint/2010/main">
+        <mc:Choice Requires="p14">
+          <p:contentPart p14:bwMode="auto" r:id="rId2">
+            <p14:nvContentPartPr>
+              <p14:cNvPr id="9" name="Ink 8">
+                <a:extLst>
+                  <a:ext uri="{FF2B5EF4-FFF2-40B4-BE49-F238E27FC236}">
+                    <a16:creationId xmlns:a16="http://schemas.microsoft.com/office/drawing/2014/main" id="{F61FD296-B1E9-E0E4-CC95-962B4D345AFC}"/>
+                  </a:ext>
+                </a:extLst>
+              </p14:cNvPr>
+              <p14:cNvContentPartPr/>
+              <p14:nvPr/>
+            </p14:nvContentPartPr>
+            <p14:xfrm>
+              <a:off x="4917994" y="2439903"/>
+              <a:ext cx="1092240" cy="724320"/>
+            </p14:xfrm>
+          </p:contentPart>
+        </mc:Choice>
+        <mc:Fallback xmlns="">
+          <p:pic>
+            <p:nvPicPr>
+              <p:cNvPr id="9" name="Ink 8">
+                <a:extLst>
+                  <a:ext uri="{FF2B5EF4-FFF2-40B4-BE49-F238E27FC236}">
+                    <a16:creationId xmlns:a16="http://schemas.microsoft.com/office/drawing/2014/main" id="{F61FD296-B1E9-E0E4-CC95-962B4D345AFC}"/>
+                  </a:ext>
+                </a:extLst>
+              </p:cNvPr>
+              <p:cNvPicPr/>
+              <p:nvPr/>
+            </p:nvPicPr>
+            <p:blipFill>
+              <a:blip r:embed="rId3"/>
+              <a:stretch>
+                <a:fillRect/>
+              </a:stretch>
+            </p:blipFill>
+            <p:spPr>
+              <a:xfrm>
+                <a:off x="4909354" y="2430903"/>
+                <a:ext cx="1109880" cy="741960"/>
+              </a:xfrm>
+              <a:prstGeom prst="rect">
+                <a:avLst/>
+              </a:prstGeom>
+            </p:spPr>
+          </p:pic>
+        </mc:Fallback>
+      </mc:AlternateContent>
+      <mc:AlternateContent xmlns:mc="http://schemas.openxmlformats.org/markup-compatibility/2006" xmlns:p14="http://schemas.microsoft.com/office/powerpoint/2010/main">
+        <mc:Choice Requires="p14">
+          <p:contentPart p14:bwMode="auto" r:id="rId4">
+            <p14:nvContentPartPr>
+              <p14:cNvPr id="10" name="Ink 9">
+                <a:extLst>
+                  <a:ext uri="{FF2B5EF4-FFF2-40B4-BE49-F238E27FC236}">
+                    <a16:creationId xmlns:a16="http://schemas.microsoft.com/office/drawing/2014/main" id="{CC275FD2-49B2-9F46-3681-5DA3ACC888BF}"/>
+                  </a:ext>
+                </a:extLst>
+              </p14:cNvPr>
+              <p14:cNvContentPartPr/>
+              <p14:nvPr/>
+            </p14:nvContentPartPr>
+            <p14:xfrm>
+              <a:off x="10824154" y="991983"/>
+              <a:ext cx="391320" cy="514080"/>
+            </p14:xfrm>
+          </p:contentPart>
+        </mc:Choice>
+        <mc:Fallback xmlns="">
+          <p:pic>
+            <p:nvPicPr>
+              <p:cNvPr id="10" name="Ink 9">
+                <a:extLst>
+                  <a:ext uri="{FF2B5EF4-FFF2-40B4-BE49-F238E27FC236}">
+                    <a16:creationId xmlns:a16="http://schemas.microsoft.com/office/drawing/2014/main" id="{CC275FD2-49B2-9F46-3681-5DA3ACC888BF}"/>
+                  </a:ext>
+                </a:extLst>
+              </p:cNvPr>
+              <p:cNvPicPr/>
+              <p:nvPr/>
+            </p:nvPicPr>
+            <p:blipFill>
+              <a:blip r:embed="rId5"/>
+              <a:stretch>
+                <a:fillRect/>
+              </a:stretch>
+            </p:blipFill>
+            <p:spPr>
+              <a:xfrm>
+                <a:off x="10815514" y="983343"/>
+                <a:ext cx="408960" cy="531720"/>
+              </a:xfrm>
+              <a:prstGeom prst="rect">
+                <a:avLst/>
+              </a:prstGeom>
+            </p:spPr>
+          </p:pic>
+        </mc:Fallback>
+      </mc:AlternateContent>
+    </p:spTree>
+    <p:extLst>
+      <p:ext uri="{BB962C8B-B14F-4D97-AF65-F5344CB8AC3E}">
+        <p14:creationId xmlns:p14="http://schemas.microsoft.com/office/powerpoint/2010/main" val="2840353511"/>
+      </p:ext>
+    </p:extLst>
+  </p:cSld>
+  <p:clrMapOvr>
+    <a:masterClrMapping/>
+  </p:clrMapOvr>
+</p:sld>
+</file>
+
+<file path=ppt/slides/slide65.xml><?xml version="1.0" encoding="utf-8"?>
+<p:sld xmlns:a="http://schemas.openxmlformats.org/drawingml/2006/main" xmlns:r="http://schemas.openxmlformats.org/officeDocument/2006/relationships" xmlns:p="http://schemas.openxmlformats.org/presentationml/2006/main">
+  <p:cSld>
+    <p:spTree>
+      <p:nvGrpSpPr>
+        <p:cNvPr id="1" name=""/>
+        <p:cNvGrpSpPr/>
+        <p:nvPr/>
+      </p:nvGrpSpPr>
+      <p:grpSpPr>
+        <a:xfrm>
+          <a:off x="0" y="0"/>
+          <a:ext cx="0" cy="0"/>
+          <a:chOff x="0" y="0"/>
+          <a:chExt cx="0" cy="0"/>
+        </a:xfrm>
+      </p:grpSpPr>
+      <p:sp>
+        <p:nvSpPr>
+          <p:cNvPr id="3" name="Content Placeholder 2">
+            <a:extLst>
+              <a:ext uri="{FF2B5EF4-FFF2-40B4-BE49-F238E27FC236}">
+                <a16:creationId xmlns:a16="http://schemas.microsoft.com/office/drawing/2014/main" id="{EDBC96D1-CEC5-218D-A18E-82FDF897B341}"/>
+              </a:ext>
+            </a:extLst>
+          </p:cNvPr>
+          <p:cNvSpPr>
+            <a:spLocks noGrp="1"/>
+          </p:cNvSpPr>
+          <p:nvPr>
+            <p:ph idx="1"/>
+          </p:nvPr>
+        </p:nvSpPr>
+        <p:spPr>
+          <a:xfrm>
+            <a:off x="838200" y="609960"/>
+            <a:ext cx="10515600" cy="5567003"/>
+          </a:xfrm>
+        </p:spPr>
+        <p:txBody>
+          <a:bodyPr/>
+          <a:lstStyle/>
+          <a:p>
+            <a:r>
+              <a:rPr lang="en-US" dirty="0"/>
+              <a:t>Compilation : Entire code is converted in machine code at once, and written to a binary file that can be executed by a computer.</a:t>
+            </a:r>
+          </a:p>
+          <a:p>
+            <a:pPr marL="0" indent="0">
+              <a:buNone/>
+            </a:pPr>
+            <a:endParaRPr lang="en-US" dirty="0"/>
+          </a:p>
+          <a:p>
+            <a:pPr marL="0" indent="0">
+              <a:buNone/>
+            </a:pPr>
+            <a:endParaRPr lang="en-US" dirty="0"/>
+          </a:p>
+          <a:p>
+            <a:r>
+              <a:rPr lang="en-US" dirty="0"/>
+              <a:t>Interpretation: Interpreter runs through the source code and executes it line by line.</a:t>
+            </a:r>
+          </a:p>
+          <a:p>
+            <a:r>
+              <a:rPr lang="en-US" dirty="0"/>
+              <a:t>Just-in-time compilation: Entire code is converted into machine code at once, then executed immediately.</a:t>
+            </a:r>
+          </a:p>
+        </p:txBody>
+      </p:sp>
+      <mc:AlternateContent xmlns:mc="http://schemas.openxmlformats.org/markup-compatibility/2006" xmlns:p14="http://schemas.microsoft.com/office/powerpoint/2010/main">
+        <mc:Choice Requires="p14">
+          <p:contentPart p14:bwMode="auto" r:id="rId2">
+            <p14:nvContentPartPr>
+              <p14:cNvPr id="4" name="Ink 3">
+                <a:extLst>
+                  <a:ext uri="{FF2B5EF4-FFF2-40B4-BE49-F238E27FC236}">
+                    <a16:creationId xmlns:a16="http://schemas.microsoft.com/office/drawing/2014/main" id="{F1123D25-B14C-F824-BB0A-81995E9A61CB}"/>
+                  </a:ext>
+                </a:extLst>
+              </p14:cNvPr>
+              <p14:cNvContentPartPr/>
+              <p14:nvPr/>
+            </p14:nvContentPartPr>
+            <p14:xfrm>
+              <a:off x="-1582526" y="5674503"/>
+              <a:ext cx="360" cy="360"/>
+            </p14:xfrm>
+          </p:contentPart>
+        </mc:Choice>
+        <mc:Fallback xmlns="">
+          <p:pic>
+            <p:nvPicPr>
+              <p:cNvPr id="4" name="Ink 3">
+                <a:extLst>
+                  <a:ext uri="{FF2B5EF4-FFF2-40B4-BE49-F238E27FC236}">
+                    <a16:creationId xmlns:a16="http://schemas.microsoft.com/office/drawing/2014/main" id="{F1123D25-B14C-F824-BB0A-81995E9A61CB}"/>
+                  </a:ext>
+                </a:extLst>
+              </p:cNvPr>
+              <p:cNvPicPr/>
+              <p:nvPr/>
+            </p:nvPicPr>
+            <p:blipFill>
+              <a:blip r:embed="rId3"/>
+              <a:stretch>
+                <a:fillRect/>
+              </a:stretch>
+            </p:blipFill>
+            <p:spPr>
+              <a:xfrm>
+                <a:off x="-1591526" y="5665863"/>
+                <a:ext cx="18000" cy="18000"/>
+              </a:xfrm>
+              <a:prstGeom prst="rect">
+                <a:avLst/>
+              </a:prstGeom>
+            </p:spPr>
+          </p:pic>
+        </mc:Fallback>
+      </mc:AlternateContent>
+      <mc:AlternateContent xmlns:mc="http://schemas.openxmlformats.org/markup-compatibility/2006" xmlns:p14="http://schemas.microsoft.com/office/powerpoint/2010/main">
+        <mc:Choice Requires="p14">
+          <p:contentPart p14:bwMode="auto" r:id="rId4">
+            <p14:nvContentPartPr>
+              <p14:cNvPr id="5" name="Ink 4">
+                <a:extLst>
+                  <a:ext uri="{FF2B5EF4-FFF2-40B4-BE49-F238E27FC236}">
+                    <a16:creationId xmlns:a16="http://schemas.microsoft.com/office/drawing/2014/main" id="{56DB248E-C9F7-1547-93B7-4B2ABE81A7DB}"/>
+                  </a:ext>
+                </a:extLst>
+              </p14:cNvPr>
+              <p14:cNvContentPartPr/>
+              <p14:nvPr/>
+            </p14:nvContentPartPr>
+            <p14:xfrm>
+              <a:off x="-348806" y="797943"/>
+              <a:ext cx="360" cy="360"/>
+            </p14:xfrm>
+          </p:contentPart>
+        </mc:Choice>
+        <mc:Fallback xmlns="">
+          <p:pic>
+            <p:nvPicPr>
+              <p:cNvPr id="5" name="Ink 4">
+                <a:extLst>
+                  <a:ext uri="{FF2B5EF4-FFF2-40B4-BE49-F238E27FC236}">
+                    <a16:creationId xmlns:a16="http://schemas.microsoft.com/office/drawing/2014/main" id="{56DB248E-C9F7-1547-93B7-4B2ABE81A7DB}"/>
+                  </a:ext>
+                </a:extLst>
+              </p:cNvPr>
+              <p:cNvPicPr/>
+              <p:nvPr/>
+            </p:nvPicPr>
+            <p:blipFill>
+              <a:blip r:embed="rId3"/>
+              <a:stretch>
+                <a:fillRect/>
+              </a:stretch>
+            </p:blipFill>
+            <p:spPr>
+              <a:xfrm>
+                <a:off x="-357806" y="788943"/>
+                <a:ext cx="18000" cy="18000"/>
+              </a:xfrm>
+              <a:prstGeom prst="rect">
+                <a:avLst/>
+              </a:prstGeom>
+            </p:spPr>
+          </p:pic>
+        </mc:Fallback>
+      </mc:AlternateContent>
+      <p:sp>
+        <p:nvSpPr>
+          <p:cNvPr id="6" name="Flowchart: Process 5">
+            <a:extLst>
+              <a:ext uri="{FF2B5EF4-FFF2-40B4-BE49-F238E27FC236}">
+                <a16:creationId xmlns:a16="http://schemas.microsoft.com/office/drawing/2014/main" id="{BCFE6929-F0EF-07B9-10D5-17EF8F775DEB}"/>
+              </a:ext>
+            </a:extLst>
+          </p:cNvPr>
+          <p:cNvSpPr/>
+          <p:nvPr/>
+        </p:nvSpPr>
+        <p:spPr>
+          <a:xfrm>
+            <a:off x="1567543" y="1640114"/>
+            <a:ext cx="1567543" cy="609600"/>
+          </a:xfrm>
+          <a:prstGeom prst="flowChartProcess">
+            <a:avLst/>
+          </a:prstGeom>
+        </p:spPr>
+        <p:style>
+          <a:lnRef idx="2">
+            <a:schemeClr val="accent1">
+              <a:shade val="15000"/>
+            </a:schemeClr>
+          </a:lnRef>
+          <a:fillRef idx="1">
+            <a:schemeClr val="accent1"/>
+          </a:fillRef>
+          <a:effectRef idx="0">
+            <a:schemeClr val="accent1"/>
+          </a:effectRef>
+          <a:fontRef idx="minor">
+            <a:schemeClr val="lt1"/>
+          </a:fontRef>
+        </p:style>
+        <p:txBody>
+          <a:bodyPr rtlCol="0" anchor="ctr"/>
+          <a:lstStyle/>
+          <a:p>
+            <a:pPr algn="ctr"/>
+            <a:r>
+              <a:rPr lang="en-US" dirty="0"/>
+              <a:t>Source code</a:t>
+            </a:r>
+          </a:p>
+        </p:txBody>
+      </p:sp>
+      <p:sp>
+        <p:nvSpPr>
+          <p:cNvPr id="7" name="Flowchart: Process 6">
+            <a:extLst>
+              <a:ext uri="{FF2B5EF4-FFF2-40B4-BE49-F238E27FC236}">
+                <a16:creationId xmlns:a16="http://schemas.microsoft.com/office/drawing/2014/main" id="{12F87EDE-445B-04A6-ED81-313A1E2A747F}"/>
+              </a:ext>
+            </a:extLst>
+          </p:cNvPr>
+          <p:cNvSpPr/>
+          <p:nvPr/>
+        </p:nvSpPr>
+        <p:spPr>
+          <a:xfrm>
+            <a:off x="5027440" y="1640114"/>
+            <a:ext cx="1567543" cy="609600"/>
+          </a:xfrm>
+          <a:prstGeom prst="flowChartProcess">
+            <a:avLst/>
+          </a:prstGeom>
+        </p:spPr>
+        <p:style>
+          <a:lnRef idx="2">
+            <a:schemeClr val="accent1">
+              <a:shade val="15000"/>
+            </a:schemeClr>
+          </a:lnRef>
+          <a:fillRef idx="1">
+            <a:schemeClr val="accent1"/>
+          </a:fillRef>
+          <a:effectRef idx="0">
+            <a:schemeClr val="accent1"/>
+          </a:effectRef>
+          <a:fontRef idx="minor">
+            <a:schemeClr val="lt1"/>
+          </a:fontRef>
+        </p:style>
+        <p:txBody>
+          <a:bodyPr rtlCol="0" anchor="ctr"/>
+          <a:lstStyle/>
+          <a:p>
+            <a:pPr algn="ctr"/>
+            <a:r>
+              <a:rPr lang="en-US" dirty="0"/>
+              <a:t>Portable file:</a:t>
+            </a:r>
+          </a:p>
+          <a:p>
+            <a:pPr algn="ctr"/>
+            <a:r>
+              <a:rPr lang="en-US" dirty="0"/>
+              <a:t>Machine code</a:t>
+            </a:r>
+          </a:p>
+        </p:txBody>
+      </p:sp>
+      <p:sp>
+        <p:nvSpPr>
+          <p:cNvPr id="8" name="Flowchart: Process 7">
+            <a:extLst>
+              <a:ext uri="{FF2B5EF4-FFF2-40B4-BE49-F238E27FC236}">
+                <a16:creationId xmlns:a16="http://schemas.microsoft.com/office/drawing/2014/main" id="{8E186B02-446A-FDD9-1603-5D1979E04104}"/>
+              </a:ext>
+            </a:extLst>
+          </p:cNvPr>
+          <p:cNvSpPr/>
+          <p:nvPr/>
+        </p:nvSpPr>
+        <p:spPr>
+          <a:xfrm>
+            <a:off x="8487337" y="1640114"/>
+            <a:ext cx="1567543" cy="609600"/>
+          </a:xfrm>
+          <a:prstGeom prst="flowChartProcess">
+            <a:avLst/>
+          </a:prstGeom>
+        </p:spPr>
+        <p:style>
+          <a:lnRef idx="2">
+            <a:schemeClr val="accent1">
+              <a:shade val="15000"/>
+            </a:schemeClr>
+          </a:lnRef>
+          <a:fillRef idx="1">
+            <a:schemeClr val="accent1"/>
+          </a:fillRef>
+          <a:effectRef idx="0">
+            <a:schemeClr val="accent1"/>
+          </a:effectRef>
+          <a:fontRef idx="minor">
+            <a:schemeClr val="lt1"/>
+          </a:fontRef>
+        </p:style>
+        <p:txBody>
+          <a:bodyPr rtlCol="0" anchor="ctr"/>
+          <a:lstStyle/>
+          <a:p>
+            <a:pPr algn="ctr"/>
+            <a:r>
+              <a:rPr lang="en-US" dirty="0"/>
+              <a:t>Program running</a:t>
+            </a:r>
+          </a:p>
+        </p:txBody>
+      </p:sp>
+      <p:cxnSp>
+        <p:nvCxnSpPr>
+          <p:cNvPr id="10" name="Straight Arrow Connector 9">
+            <a:extLst>
+              <a:ext uri="{FF2B5EF4-FFF2-40B4-BE49-F238E27FC236}">
+                <a16:creationId xmlns:a16="http://schemas.microsoft.com/office/drawing/2014/main" id="{D2557AAD-A126-0F8A-4588-8F22FE79A9A7}"/>
+              </a:ext>
+            </a:extLst>
+          </p:cNvPr>
+          <p:cNvCxnSpPr>
+            <a:stCxn id="6" idx="3"/>
+            <a:endCxn id="7" idx="1"/>
+          </p:cNvCxnSpPr>
+          <p:nvPr/>
+        </p:nvCxnSpPr>
+        <p:spPr>
+          <a:xfrm>
+            <a:off x="3135086" y="1944914"/>
+            <a:ext cx="1892354" cy="0"/>
+          </a:xfrm>
+          <a:prstGeom prst="straightConnector1">
+            <a:avLst/>
+          </a:prstGeom>
+          <a:ln>
+            <a:tailEnd type="triangle"/>
+          </a:ln>
+        </p:spPr>
+        <p:style>
+          <a:lnRef idx="1">
+            <a:schemeClr val="dk1"/>
+          </a:lnRef>
+          <a:fillRef idx="0">
+            <a:schemeClr val="dk1"/>
+          </a:fillRef>
+          <a:effectRef idx="0">
+            <a:schemeClr val="dk1"/>
+          </a:effectRef>
+          <a:fontRef idx="minor">
+            <a:schemeClr val="tx1"/>
+          </a:fontRef>
+        </p:style>
+      </p:cxnSp>
+      <p:cxnSp>
+        <p:nvCxnSpPr>
+          <p:cNvPr id="12" name="Straight Arrow Connector 11">
+            <a:extLst>
+              <a:ext uri="{FF2B5EF4-FFF2-40B4-BE49-F238E27FC236}">
+                <a16:creationId xmlns:a16="http://schemas.microsoft.com/office/drawing/2014/main" id="{7D1A9358-C840-73E2-B681-E834E44986EE}"/>
+              </a:ext>
+            </a:extLst>
+          </p:cNvPr>
+          <p:cNvCxnSpPr>
+            <a:stCxn id="7" idx="3"/>
+            <a:endCxn id="8" idx="1"/>
+          </p:cNvCxnSpPr>
+          <p:nvPr/>
+        </p:nvCxnSpPr>
+        <p:spPr>
+          <a:xfrm>
+            <a:off x="6594983" y="1944914"/>
+            <a:ext cx="1892354" cy="0"/>
+          </a:xfrm>
+          <a:prstGeom prst="straightConnector1">
+            <a:avLst/>
+          </a:prstGeom>
+          <a:ln>
+            <a:tailEnd type="triangle"/>
+          </a:ln>
+        </p:spPr>
+        <p:style>
+          <a:lnRef idx="1">
+            <a:schemeClr val="accent1"/>
+          </a:lnRef>
+          <a:fillRef idx="0">
+            <a:schemeClr val="accent1"/>
+          </a:fillRef>
+          <a:effectRef idx="0">
+            <a:schemeClr val="accent1"/>
+          </a:effectRef>
+          <a:fontRef idx="minor">
+            <a:schemeClr val="tx1"/>
+          </a:fontRef>
+        </p:style>
+      </p:cxnSp>
+    </p:spTree>
+    <p:extLst>
+      <p:ext uri="{BB962C8B-B14F-4D97-AF65-F5344CB8AC3E}">
+        <p14:creationId xmlns:p14="http://schemas.microsoft.com/office/powerpoint/2010/main" val="1098377285"/>
+      </p:ext>
+    </p:extLst>
+  </p:cSld>
+  <p:clrMapOvr>
+    <a:masterClrMapping/>
+  </p:clrMapOvr>
+</p:sld>
+</file>
+
+<file path=ppt/slides/slide66.xml><?xml version="1.0" encoding="utf-8"?>
+<p:sld xmlns:a="http://schemas.openxmlformats.org/drawingml/2006/main" xmlns:r="http://schemas.openxmlformats.org/officeDocument/2006/relationships" xmlns:p="http://schemas.openxmlformats.org/presentationml/2006/main">
+  <p:cSld>
+    <p:spTree>
+      <p:nvGrpSpPr>
+        <p:cNvPr id="1" name=""/>
+        <p:cNvGrpSpPr/>
+        <p:nvPr/>
+      </p:nvGrpSpPr>
+      <p:grpSpPr>
+        <a:xfrm>
+          <a:off x="0" y="0"/>
+          <a:ext cx="0" cy="0"/>
+          <a:chOff x="0" y="0"/>
+          <a:chExt cx="0" cy="0"/>
+        </a:xfrm>
+      </p:grpSpPr>
+      <p:sp>
+        <p:nvSpPr>
+          <p:cNvPr id="2" name="Title 1">
+            <a:extLst>
+              <a:ext uri="{FF2B5EF4-FFF2-40B4-BE49-F238E27FC236}">
+                <a16:creationId xmlns:a16="http://schemas.microsoft.com/office/drawing/2014/main" id="{F87548C2-D8FE-8A84-86FD-037DE927262D}"/>
+              </a:ext>
+            </a:extLst>
+          </p:cNvPr>
+          <p:cNvSpPr>
+            <a:spLocks noGrp="1"/>
+          </p:cNvSpPr>
+          <p:nvPr>
+            <p:ph type="title"/>
+          </p:nvPr>
+        </p:nvSpPr>
+        <p:spPr/>
+        <p:txBody>
+          <a:bodyPr/>
+          <a:lstStyle/>
+          <a:p>
+            <a:r>
+              <a:rPr lang="en-US" dirty="0"/>
+              <a:t>Hoisting and TDZ</a:t>
+            </a:r>
+          </a:p>
+        </p:txBody>
+      </p:sp>
+      <p:sp>
+        <p:nvSpPr>
+          <p:cNvPr id="3" name="Content Placeholder 2">
+            <a:extLst>
+              <a:ext uri="{FF2B5EF4-FFF2-40B4-BE49-F238E27FC236}">
+                <a16:creationId xmlns:a16="http://schemas.microsoft.com/office/drawing/2014/main" id="{7176ECB7-6E57-C7C6-6839-2A176C7AD98E}"/>
+              </a:ext>
+            </a:extLst>
+          </p:cNvPr>
+          <p:cNvSpPr>
+            <a:spLocks noGrp="1"/>
+          </p:cNvSpPr>
+          <p:nvPr>
+            <p:ph idx="1"/>
+          </p:nvPr>
+        </p:nvSpPr>
+        <p:spPr/>
+        <p:txBody>
+          <a:bodyPr/>
+          <a:lstStyle/>
+          <a:p>
+            <a:endParaRPr lang="en-US"/>
+          </a:p>
+        </p:txBody>
+      </p:sp>
+    </p:spTree>
+    <p:extLst>
+      <p:ext uri="{BB962C8B-B14F-4D97-AF65-F5344CB8AC3E}">
+        <p14:creationId xmlns:p14="http://schemas.microsoft.com/office/powerpoint/2010/main" val="1522279146"/>
+      </p:ext>
+    </p:extLst>
+  </p:cSld>
+  <p:clrMapOvr>
+    <a:masterClrMapping/>
+  </p:clrMapOvr>
+</p:sld>
+</file>
+
+<file path=ppt/slides/slide67.xml><?xml version="1.0" encoding="utf-8"?>
+<p:sld xmlns:a="http://schemas.openxmlformats.org/drawingml/2006/main" xmlns:r="http://schemas.openxmlformats.org/officeDocument/2006/relationships" xmlns:p="http://schemas.openxmlformats.org/presentationml/2006/main">
+  <p:cSld>
+    <p:spTree>
+      <p:nvGrpSpPr>
+        <p:cNvPr id="1" name=""/>
+        <p:cNvGrpSpPr/>
+        <p:nvPr/>
+      </p:nvGrpSpPr>
+      <p:grpSpPr>
+        <a:xfrm>
+          <a:off x="0" y="0"/>
+          <a:ext cx="0" cy="0"/>
+          <a:chOff x="0" y="0"/>
+          <a:chExt cx="0" cy="0"/>
+        </a:xfrm>
+      </p:grpSpPr>
+      <p:sp>
+        <p:nvSpPr>
+          <p:cNvPr id="2" name="Title 1">
+            <a:extLst>
+              <a:ext uri="{FF2B5EF4-FFF2-40B4-BE49-F238E27FC236}">
+                <a16:creationId xmlns:a16="http://schemas.microsoft.com/office/drawing/2014/main" id="{852A4CB4-B4A0-5D55-E9FF-CCE18C02E19E}"/>
+              </a:ext>
+            </a:extLst>
+          </p:cNvPr>
+          <p:cNvSpPr>
+            <a:spLocks noGrp="1"/>
+          </p:cNvSpPr>
+          <p:nvPr>
+            <p:ph type="title"/>
+          </p:nvPr>
+        </p:nvSpPr>
+        <p:spPr/>
+        <p:txBody>
+          <a:bodyPr/>
+          <a:lstStyle/>
+          <a:p>
+            <a:r>
+              <a:rPr lang="en-US" dirty="0"/>
+              <a:t>The THIS keyword</a:t>
+            </a:r>
+          </a:p>
+        </p:txBody>
+      </p:sp>
+      <p:sp>
+        <p:nvSpPr>
+          <p:cNvPr id="3" name="Content Placeholder 2">
+            <a:extLst>
+              <a:ext uri="{FF2B5EF4-FFF2-40B4-BE49-F238E27FC236}">
+                <a16:creationId xmlns:a16="http://schemas.microsoft.com/office/drawing/2014/main" id="{314B7F07-AAB9-F06A-54D2-8DCEF75BF4FE}"/>
+              </a:ext>
+            </a:extLst>
+          </p:cNvPr>
+          <p:cNvSpPr>
+            <a:spLocks noGrp="1"/>
+          </p:cNvSpPr>
+          <p:nvPr>
+            <p:ph idx="1"/>
+          </p:nvPr>
+        </p:nvSpPr>
+        <p:spPr/>
+        <p:txBody>
+          <a:bodyPr>
+            <a:normAutofit fontScale="92500" lnSpcReduction="20000"/>
+          </a:bodyPr>
+          <a:lstStyle/>
+          <a:p>
+            <a:pPr marL="0" indent="0">
+              <a:buNone/>
+            </a:pPr>
+            <a:r>
+              <a:rPr lang="en-US" dirty="0"/>
+              <a:t>This </a:t>
+            </a:r>
+            <a:r>
+              <a:rPr lang="en-US" dirty="0" err="1"/>
+              <a:t>keyworde</a:t>
+            </a:r>
+            <a:r>
+              <a:rPr lang="en-US" dirty="0"/>
+              <a:t>: Special variable that is created for every execution context. Takes the value of the “owner” of the function in which the this keyword is used.</a:t>
+            </a:r>
+          </a:p>
+          <a:p>
+            <a:pPr marL="0" indent="0">
+              <a:buNone/>
+            </a:pPr>
+            <a:endParaRPr lang="en-US" dirty="0"/>
+          </a:p>
+          <a:p>
+            <a:pPr marL="0" indent="0">
+              <a:buNone/>
+            </a:pPr>
+            <a:r>
+              <a:rPr lang="en-US" dirty="0"/>
+              <a:t>This is not static. It depends on how the function is called, and its value is only assigned when the function is actually called</a:t>
+            </a:r>
+          </a:p>
+          <a:p>
+            <a:pPr marL="0" indent="0">
+              <a:buNone/>
+            </a:pPr>
+            <a:endParaRPr lang="en-US" dirty="0"/>
+          </a:p>
+          <a:p>
+            <a:pPr marL="0" indent="0">
+              <a:buNone/>
+            </a:pPr>
+            <a:r>
+              <a:rPr lang="en-US" dirty="0"/>
+              <a:t>Method ==&gt; this </a:t>
+            </a:r>
+            <a:r>
+              <a:rPr lang="en-US" dirty="0">
+                <a:sym typeface="Wingdings" panose="05000000000000000000" pitchFamily="2" charset="2"/>
+              </a:rPr>
+              <a:t>&lt;Object that is calling the method)</a:t>
+            </a:r>
+          </a:p>
+          <a:p>
+            <a:pPr marL="0" indent="0">
+              <a:buNone/>
+            </a:pPr>
+            <a:r>
+              <a:rPr lang="en-US" dirty="0">
+                <a:sym typeface="Wingdings" panose="05000000000000000000" pitchFamily="2" charset="2"/>
+              </a:rPr>
+              <a:t>Simple function call  this = undefined</a:t>
+            </a:r>
+          </a:p>
+          <a:p>
+            <a:pPr marL="0" indent="0">
+              <a:buNone/>
+            </a:pPr>
+            <a:r>
+              <a:rPr lang="en-US" dirty="0">
+                <a:sym typeface="Wingdings" panose="05000000000000000000" pitchFamily="2" charset="2"/>
+              </a:rPr>
+              <a:t>Arrow functions  this = &lt;this of surrounding function (lexical this)&gt;</a:t>
+            </a:r>
+          </a:p>
+          <a:p>
+            <a:pPr marL="0" indent="0">
+              <a:buNone/>
+            </a:pPr>
+            <a:r>
+              <a:rPr lang="en-US" dirty="0">
+                <a:sym typeface="Wingdings" panose="05000000000000000000" pitchFamily="2" charset="2"/>
+              </a:rPr>
+              <a:t>Event </a:t>
+            </a:r>
+            <a:r>
+              <a:rPr lang="en-US" dirty="0" err="1">
+                <a:sym typeface="Wingdings" panose="05000000000000000000" pitchFamily="2" charset="2"/>
+              </a:rPr>
+              <a:t>listerner</a:t>
+            </a:r>
+            <a:r>
+              <a:rPr lang="en-US" dirty="0">
+                <a:sym typeface="Wingdings" panose="05000000000000000000" pitchFamily="2" charset="2"/>
+              </a:rPr>
+              <a:t>  this = &lt;DOM element that the handler is attached to&gt;</a:t>
+            </a:r>
+            <a:endParaRPr lang="en-US" dirty="0"/>
+          </a:p>
+        </p:txBody>
+      </p:sp>
+    </p:spTree>
+    <p:extLst>
+      <p:ext uri="{BB962C8B-B14F-4D97-AF65-F5344CB8AC3E}">
+        <p14:creationId xmlns:p14="http://schemas.microsoft.com/office/powerpoint/2010/main" val="2266997558"/>
+      </p:ext>
+    </p:extLst>
+  </p:cSld>
+  <p:clrMapOvr>
+    <a:masterClrMapping/>
+  </p:clrMapOvr>
+</p:sld>
+</file>
+
+<file path=ppt/slides/slide68.xml><?xml version="1.0" encoding="utf-8"?>
+<p:sld xmlns:a="http://schemas.openxmlformats.org/drawingml/2006/main" xmlns:r="http://schemas.openxmlformats.org/officeDocument/2006/relationships" xmlns:p="http://schemas.openxmlformats.org/presentationml/2006/main">
+  <p:cSld>
+    <p:spTree>
+      <p:nvGrpSpPr>
+        <p:cNvPr id="1" name=""/>
+        <p:cNvGrpSpPr/>
+        <p:nvPr/>
+      </p:nvGrpSpPr>
+      <p:grpSpPr>
+        <a:xfrm>
+          <a:off x="0" y="0"/>
+          <a:ext cx="0" cy="0"/>
+          <a:chOff x="0" y="0"/>
+          <a:chExt cx="0" cy="0"/>
+        </a:xfrm>
+      </p:grpSpPr>
+      <p:sp>
+        <p:nvSpPr>
+          <p:cNvPr id="2" name="Title 1">
+            <a:extLst>
+              <a:ext uri="{FF2B5EF4-FFF2-40B4-BE49-F238E27FC236}">
+                <a16:creationId xmlns:a16="http://schemas.microsoft.com/office/drawing/2014/main" id="{2705BD8C-CC6B-F656-F15A-E77A8BC04F1E}"/>
+              </a:ext>
+            </a:extLst>
+          </p:cNvPr>
+          <p:cNvSpPr>
+            <a:spLocks noGrp="1"/>
+          </p:cNvSpPr>
+          <p:nvPr>
+            <p:ph type="title"/>
+          </p:nvPr>
+        </p:nvSpPr>
+        <p:spPr/>
+        <p:txBody>
+          <a:bodyPr/>
+          <a:lstStyle/>
+          <a:p>
+            <a:endParaRPr lang="en-US"/>
+          </a:p>
+        </p:txBody>
+      </p:sp>
+      <p:sp>
+        <p:nvSpPr>
+          <p:cNvPr id="3" name="Content Placeholder 2">
+            <a:extLst>
+              <a:ext uri="{FF2B5EF4-FFF2-40B4-BE49-F238E27FC236}">
+                <a16:creationId xmlns:a16="http://schemas.microsoft.com/office/drawing/2014/main" id="{4F72FF44-2A9A-AB9A-303E-ADB35C7D919B}"/>
+              </a:ext>
+            </a:extLst>
+          </p:cNvPr>
+          <p:cNvSpPr>
+            <a:spLocks noGrp="1"/>
+          </p:cNvSpPr>
+          <p:nvPr>
+            <p:ph idx="1"/>
+          </p:nvPr>
+        </p:nvSpPr>
+        <p:spPr/>
+        <p:txBody>
+          <a:bodyPr/>
+          <a:lstStyle/>
+          <a:p>
+            <a:r>
+              <a:rPr lang="en-US" dirty="0"/>
+              <a:t>Regular Functions vs Arrow Function</a:t>
+            </a:r>
+          </a:p>
+          <a:p>
+            <a:endParaRPr lang="en-US" dirty="0"/>
+          </a:p>
+          <a:p>
+            <a:r>
+              <a:rPr lang="en-US" dirty="0"/>
+              <a:t>Primitive's vs objects (Primitives vs reference type)</a:t>
+            </a:r>
+          </a:p>
+        </p:txBody>
+      </p:sp>
+    </p:spTree>
+    <p:extLst>
+      <p:ext uri="{BB962C8B-B14F-4D97-AF65-F5344CB8AC3E}">
+        <p14:creationId xmlns:p14="http://schemas.microsoft.com/office/powerpoint/2010/main" val="1495707840"/>
+      </p:ext>
+    </p:extLst>
+  </p:cSld>
+  <p:clrMapOvr>
+    <a:masterClrMapping/>
+  </p:clrMapOvr>
+</p:sld>
+</file>
+
+<file path=ppt/slides/slide69.xml><?xml version="1.0" encoding="utf-8"?>
+<p:sld xmlns:a="http://schemas.openxmlformats.org/drawingml/2006/main" xmlns:r="http://schemas.openxmlformats.org/officeDocument/2006/relationships" xmlns:p="http://schemas.openxmlformats.org/presentationml/2006/main">
+  <p:cSld>
+    <p:spTree>
+      <p:nvGrpSpPr>
+        <p:cNvPr id="1" name=""/>
+        <p:cNvGrpSpPr/>
+        <p:nvPr/>
+      </p:nvGrpSpPr>
+      <p:grpSpPr>
+        <a:xfrm>
+          <a:off x="0" y="0"/>
+          <a:ext cx="0" cy="0"/>
+          <a:chOff x="0" y="0"/>
+          <a:chExt cx="0" cy="0"/>
+        </a:xfrm>
+      </p:grpSpPr>
+      <p:sp>
+        <p:nvSpPr>
+          <p:cNvPr id="4" name="Flowchart: Process 3">
+            <a:extLst>
+              <a:ext uri="{FF2B5EF4-FFF2-40B4-BE49-F238E27FC236}">
+                <a16:creationId xmlns:a16="http://schemas.microsoft.com/office/drawing/2014/main" id="{97756FA3-41D1-AC4B-8B4D-989E1CDEBED3}"/>
+              </a:ext>
+            </a:extLst>
+          </p:cNvPr>
+          <p:cNvSpPr/>
+          <p:nvPr/>
+        </p:nvSpPr>
+        <p:spPr>
+          <a:xfrm>
+            <a:off x="4441371" y="1567543"/>
+            <a:ext cx="1770743" cy="3686628"/>
+          </a:xfrm>
+          <a:prstGeom prst="flowChartProcess">
+            <a:avLst/>
+          </a:prstGeom>
+        </p:spPr>
+        <p:style>
+          <a:lnRef idx="2">
+            <a:schemeClr val="accent1">
+              <a:shade val="15000"/>
+            </a:schemeClr>
+          </a:lnRef>
+          <a:fillRef idx="1">
+            <a:schemeClr val="accent1"/>
+          </a:fillRef>
+          <a:effectRef idx="0">
+            <a:schemeClr val="accent1"/>
+          </a:effectRef>
+          <a:fontRef idx="minor">
+            <a:schemeClr val="lt1"/>
+          </a:fontRef>
+        </p:style>
+        <p:txBody>
+          <a:bodyPr rtlCol="0" anchor="ctr"/>
+          <a:lstStyle/>
+          <a:p>
+            <a:pPr algn="ctr"/>
+            <a:endParaRPr lang="en-US"/>
+          </a:p>
+        </p:txBody>
+      </p:sp>
+      <p:sp>
+        <p:nvSpPr>
+          <p:cNvPr id="5" name="Flowchart: Process 4">
+            <a:extLst>
+              <a:ext uri="{FF2B5EF4-FFF2-40B4-BE49-F238E27FC236}">
+                <a16:creationId xmlns:a16="http://schemas.microsoft.com/office/drawing/2014/main" id="{3DFDD489-3C94-6019-5E3F-7F1C1FEEEB7D}"/>
+              </a:ext>
+            </a:extLst>
+          </p:cNvPr>
+          <p:cNvSpPr/>
+          <p:nvPr/>
+        </p:nvSpPr>
+        <p:spPr>
+          <a:xfrm>
+            <a:off x="6560457" y="1567543"/>
+            <a:ext cx="1770743" cy="3686628"/>
+          </a:xfrm>
+          <a:prstGeom prst="flowChartProcess">
+            <a:avLst/>
+          </a:prstGeom>
+        </p:spPr>
+        <p:style>
+          <a:lnRef idx="2">
+            <a:schemeClr val="accent1">
+              <a:shade val="15000"/>
+            </a:schemeClr>
+          </a:lnRef>
+          <a:fillRef idx="1">
+            <a:schemeClr val="accent1"/>
+          </a:fillRef>
+          <a:effectRef idx="0">
+            <a:schemeClr val="accent1"/>
+          </a:effectRef>
+          <a:fontRef idx="minor">
+            <a:schemeClr val="lt1"/>
+          </a:fontRef>
+        </p:style>
+        <p:txBody>
+          <a:bodyPr rtlCol="0" anchor="ctr"/>
+          <a:lstStyle/>
+          <a:p>
+            <a:pPr algn="ctr"/>
+            <a:endParaRPr lang="en-US"/>
+          </a:p>
+        </p:txBody>
+      </p:sp>
+      <p:sp>
+        <p:nvSpPr>
+          <p:cNvPr id="6" name="TextBox 5">
+            <a:extLst>
+              <a:ext uri="{FF2B5EF4-FFF2-40B4-BE49-F238E27FC236}">
+                <a16:creationId xmlns:a16="http://schemas.microsoft.com/office/drawing/2014/main" id="{B772AB9D-BB93-8BDC-6A5C-9F2FEF953CFE}"/>
+              </a:ext>
+            </a:extLst>
+          </p:cNvPr>
+          <p:cNvSpPr txBox="1"/>
+          <p:nvPr/>
+        </p:nvSpPr>
+        <p:spPr>
+          <a:xfrm>
+            <a:off x="4601029" y="5660571"/>
+            <a:ext cx="1017010" cy="369332"/>
+          </a:xfrm>
+          <a:prstGeom prst="rect">
+            <a:avLst/>
+          </a:prstGeom>
+          <a:noFill/>
+        </p:spPr>
+        <p:txBody>
+          <a:bodyPr wrap="none" rtlCol="0">
+            <a:spAutoFit/>
+          </a:bodyPr>
+          <a:lstStyle/>
+          <a:p>
+            <a:r>
+              <a:rPr lang="en-US" dirty="0" err="1"/>
+              <a:t>CallStack</a:t>
+            </a:r>
+            <a:endParaRPr lang="en-US" dirty="0"/>
+          </a:p>
+        </p:txBody>
+      </p:sp>
+      <p:sp>
+        <p:nvSpPr>
+          <p:cNvPr id="7" name="TextBox 6">
+            <a:extLst>
+              <a:ext uri="{FF2B5EF4-FFF2-40B4-BE49-F238E27FC236}">
+                <a16:creationId xmlns:a16="http://schemas.microsoft.com/office/drawing/2014/main" id="{8EE0D8E7-FA65-71E7-AA15-09516E1AB056}"/>
+              </a:ext>
+            </a:extLst>
+          </p:cNvPr>
+          <p:cNvSpPr txBox="1"/>
+          <p:nvPr/>
+        </p:nvSpPr>
+        <p:spPr>
+          <a:xfrm>
+            <a:off x="6937323" y="5660571"/>
+            <a:ext cx="690317" cy="369332"/>
+          </a:xfrm>
+          <a:prstGeom prst="rect">
+            <a:avLst/>
+          </a:prstGeom>
+          <a:noFill/>
+        </p:spPr>
+        <p:txBody>
+          <a:bodyPr wrap="none" rtlCol="0">
+            <a:spAutoFit/>
+          </a:bodyPr>
+          <a:lstStyle/>
+          <a:p>
+            <a:r>
+              <a:rPr lang="en-US" dirty="0"/>
+              <a:t>HEAP</a:t>
+            </a:r>
+          </a:p>
+        </p:txBody>
+      </p:sp>
+      <p:sp>
+        <p:nvSpPr>
+          <p:cNvPr id="8" name="TextBox 7">
+            <a:extLst>
+              <a:ext uri="{FF2B5EF4-FFF2-40B4-BE49-F238E27FC236}">
+                <a16:creationId xmlns:a16="http://schemas.microsoft.com/office/drawing/2014/main" id="{1EC0A8A9-656B-0754-A74A-2762CF321A4D}"/>
+              </a:ext>
+            </a:extLst>
+          </p:cNvPr>
+          <p:cNvSpPr txBox="1"/>
+          <p:nvPr/>
+        </p:nvSpPr>
+        <p:spPr>
+          <a:xfrm>
+            <a:off x="1494972" y="2307771"/>
+            <a:ext cx="1460208" cy="2585323"/>
+          </a:xfrm>
+          <a:prstGeom prst="rect">
+            <a:avLst/>
+          </a:prstGeom>
+          <a:noFill/>
+        </p:spPr>
+        <p:txBody>
+          <a:bodyPr wrap="none" rtlCol="0">
+            <a:spAutoFit/>
+          </a:bodyPr>
+          <a:lstStyle/>
+          <a:p>
+            <a:r>
+              <a:rPr lang="en-US" dirty="0"/>
+              <a:t>Primitives</a:t>
+            </a:r>
+          </a:p>
+          <a:p>
+            <a:pPr marL="285750" indent="-285750">
+              <a:buFont typeface="Arial" panose="020B0604020202020204" pitchFamily="34" charset="0"/>
+              <a:buChar char="•"/>
+            </a:pPr>
+            <a:r>
+              <a:rPr lang="en-US" dirty="0"/>
+              <a:t>Numbers</a:t>
+            </a:r>
+          </a:p>
+          <a:p>
+            <a:pPr marL="285750" indent="-285750">
+              <a:buFont typeface="Arial" panose="020B0604020202020204" pitchFamily="34" charset="0"/>
+              <a:buChar char="•"/>
+            </a:pPr>
+            <a:r>
+              <a:rPr lang="en-US" dirty="0"/>
+              <a:t>Strings</a:t>
+            </a:r>
+          </a:p>
+          <a:p>
+            <a:pPr marL="285750" indent="-285750">
+              <a:buFont typeface="Arial" panose="020B0604020202020204" pitchFamily="34" charset="0"/>
+              <a:buChar char="•"/>
+            </a:pPr>
+            <a:r>
+              <a:rPr lang="en-US" dirty="0"/>
+              <a:t>Boolean</a:t>
+            </a:r>
+          </a:p>
+          <a:p>
+            <a:pPr marL="285750" indent="-285750">
+              <a:buFont typeface="Arial" panose="020B0604020202020204" pitchFamily="34" charset="0"/>
+              <a:buChar char="•"/>
+            </a:pPr>
+            <a:r>
+              <a:rPr lang="en-US" dirty="0"/>
+              <a:t>Undefined</a:t>
+            </a:r>
+          </a:p>
+          <a:p>
+            <a:pPr marL="285750" indent="-285750">
+              <a:buFont typeface="Arial" panose="020B0604020202020204" pitchFamily="34" charset="0"/>
+              <a:buChar char="•"/>
+            </a:pPr>
+            <a:r>
+              <a:rPr lang="en-US" dirty="0"/>
+              <a:t>Null</a:t>
+            </a:r>
+          </a:p>
+          <a:p>
+            <a:pPr marL="285750" indent="-285750">
+              <a:buFont typeface="Arial" panose="020B0604020202020204" pitchFamily="34" charset="0"/>
+              <a:buChar char="•"/>
+            </a:pPr>
+            <a:r>
+              <a:rPr lang="en-US" dirty="0"/>
+              <a:t>Symbol</a:t>
+            </a:r>
+          </a:p>
+          <a:p>
+            <a:pPr marL="285750" indent="-285750">
+              <a:buFont typeface="Arial" panose="020B0604020202020204" pitchFamily="34" charset="0"/>
+              <a:buChar char="•"/>
+            </a:pPr>
+            <a:r>
+              <a:rPr lang="en-US" dirty="0"/>
+              <a:t>bigInt</a:t>
+            </a:r>
+          </a:p>
+          <a:p>
+            <a:endParaRPr lang="en-US" dirty="0"/>
+          </a:p>
+        </p:txBody>
+      </p:sp>
+      <p:sp>
+        <p:nvSpPr>
+          <p:cNvPr id="9" name="TextBox 8">
+            <a:extLst>
+              <a:ext uri="{FF2B5EF4-FFF2-40B4-BE49-F238E27FC236}">
+                <a16:creationId xmlns:a16="http://schemas.microsoft.com/office/drawing/2014/main" id="{D4E82C44-CCF3-5909-EEBB-6F5DF6EB57F5}"/>
+              </a:ext>
+            </a:extLst>
+          </p:cNvPr>
+          <p:cNvSpPr txBox="1"/>
+          <p:nvPr/>
+        </p:nvSpPr>
+        <p:spPr>
+          <a:xfrm>
+            <a:off x="9681029" y="2123104"/>
+            <a:ext cx="1727461" cy="1477328"/>
+          </a:xfrm>
+          <a:prstGeom prst="rect">
+            <a:avLst/>
+          </a:prstGeom>
+          <a:noFill/>
+        </p:spPr>
+        <p:txBody>
+          <a:bodyPr wrap="none" rtlCol="0">
+            <a:spAutoFit/>
+          </a:bodyPr>
+          <a:lstStyle/>
+          <a:p>
+            <a:r>
+              <a:rPr lang="en-US" dirty="0"/>
+              <a:t>Objects</a:t>
+            </a:r>
+          </a:p>
+          <a:p>
+            <a:pPr marL="285750" indent="-285750">
+              <a:buFont typeface="Arial" panose="020B0604020202020204" pitchFamily="34" charset="0"/>
+              <a:buChar char="•"/>
+            </a:pPr>
+            <a:r>
+              <a:rPr lang="en-US" dirty="0"/>
+              <a:t>Object literal</a:t>
+            </a:r>
+          </a:p>
+          <a:p>
+            <a:pPr marL="285750" indent="-285750">
+              <a:buFont typeface="Arial" panose="020B0604020202020204" pitchFamily="34" charset="0"/>
+              <a:buChar char="•"/>
+            </a:pPr>
+            <a:r>
+              <a:rPr lang="en-US" dirty="0"/>
+              <a:t>Arrays</a:t>
+            </a:r>
+          </a:p>
+          <a:p>
+            <a:pPr marL="285750" indent="-285750">
+              <a:buFont typeface="Arial" panose="020B0604020202020204" pitchFamily="34" charset="0"/>
+              <a:buChar char="•"/>
+            </a:pPr>
+            <a:r>
+              <a:rPr lang="en-US" dirty="0"/>
+              <a:t>Functions</a:t>
+            </a:r>
+          </a:p>
+          <a:p>
+            <a:pPr marL="285750" indent="-285750">
+              <a:buFont typeface="Arial" panose="020B0604020202020204" pitchFamily="34" charset="0"/>
+              <a:buChar char="•"/>
+            </a:pPr>
+            <a:r>
+              <a:rPr lang="en-US" dirty="0"/>
+              <a:t>Many more…</a:t>
+            </a:r>
+          </a:p>
+        </p:txBody>
+      </p:sp>
+      <mc:AlternateContent xmlns:mc="http://schemas.openxmlformats.org/markup-compatibility/2006" xmlns:p14="http://schemas.microsoft.com/office/powerpoint/2010/main">
+        <mc:Choice Requires="p14">
+          <p:contentPart p14:bwMode="auto" r:id="rId2">
+            <p14:nvContentPartPr>
+              <p14:cNvPr id="10" name="Ink 9">
+                <a:extLst>
+                  <a:ext uri="{FF2B5EF4-FFF2-40B4-BE49-F238E27FC236}">
+                    <a16:creationId xmlns:a16="http://schemas.microsoft.com/office/drawing/2014/main" id="{404956E4-E5EE-735C-6B26-89FE7BD41C70}"/>
+                  </a:ext>
+                </a:extLst>
+              </p14:cNvPr>
+              <p14:cNvContentPartPr/>
+              <p14:nvPr/>
+            </p14:nvContentPartPr>
+            <p14:xfrm>
+              <a:off x="2815234" y="3353943"/>
+              <a:ext cx="2172240" cy="579960"/>
+            </p14:xfrm>
+          </p:contentPart>
+        </mc:Choice>
+        <mc:Fallback xmlns="">
+          <p:pic>
+            <p:nvPicPr>
+              <p:cNvPr id="10" name="Ink 9">
+                <a:extLst>
+                  <a:ext uri="{FF2B5EF4-FFF2-40B4-BE49-F238E27FC236}">
+                    <a16:creationId xmlns:a16="http://schemas.microsoft.com/office/drawing/2014/main" id="{404956E4-E5EE-735C-6B26-89FE7BD41C70}"/>
+                  </a:ext>
+                </a:extLst>
+              </p:cNvPr>
+              <p:cNvPicPr/>
+              <p:nvPr/>
+            </p:nvPicPr>
+            <p:blipFill>
+              <a:blip r:embed="rId3"/>
+              <a:stretch>
+                <a:fillRect/>
+              </a:stretch>
+            </p:blipFill>
+            <p:spPr>
+              <a:xfrm>
+                <a:off x="2806234" y="3344943"/>
+                <a:ext cx="2189880" cy="597600"/>
+              </a:xfrm>
+              <a:prstGeom prst="rect">
+                <a:avLst/>
+              </a:prstGeom>
+            </p:spPr>
+          </p:pic>
+        </mc:Fallback>
+      </mc:AlternateContent>
+      <mc:AlternateContent xmlns:mc="http://schemas.openxmlformats.org/markup-compatibility/2006" xmlns:p14="http://schemas.microsoft.com/office/powerpoint/2010/main">
+        <mc:Choice Requires="p14">
+          <p:contentPart p14:bwMode="auto" r:id="rId4">
+            <p14:nvContentPartPr>
+              <p14:cNvPr id="11" name="Ink 10">
+                <a:extLst>
+                  <a:ext uri="{FF2B5EF4-FFF2-40B4-BE49-F238E27FC236}">
+                    <a16:creationId xmlns:a16="http://schemas.microsoft.com/office/drawing/2014/main" id="{A9040A23-7621-9FA1-DE31-F9E765F33E9F}"/>
+                  </a:ext>
+                </a:extLst>
+              </p14:cNvPr>
+              <p14:cNvContentPartPr/>
+              <p14:nvPr/>
+            </p14:nvContentPartPr>
+            <p14:xfrm>
+              <a:off x="7484434" y="2908263"/>
+              <a:ext cx="2239920" cy="1365480"/>
+            </p14:xfrm>
+          </p:contentPart>
+        </mc:Choice>
+        <mc:Fallback xmlns="">
+          <p:pic>
+            <p:nvPicPr>
+              <p:cNvPr id="11" name="Ink 10">
+                <a:extLst>
+                  <a:ext uri="{FF2B5EF4-FFF2-40B4-BE49-F238E27FC236}">
+                    <a16:creationId xmlns:a16="http://schemas.microsoft.com/office/drawing/2014/main" id="{A9040A23-7621-9FA1-DE31-F9E765F33E9F}"/>
+                  </a:ext>
+                </a:extLst>
+              </p:cNvPr>
+              <p:cNvPicPr/>
+              <p:nvPr/>
+            </p:nvPicPr>
+            <p:blipFill>
+              <a:blip r:embed="rId5"/>
+              <a:stretch>
+                <a:fillRect/>
+              </a:stretch>
+            </p:blipFill>
+            <p:spPr>
+              <a:xfrm>
+                <a:off x="7475794" y="2899263"/>
+                <a:ext cx="2257560" cy="1383120"/>
+              </a:xfrm>
+              <a:prstGeom prst="rect">
+                <a:avLst/>
+              </a:prstGeom>
+            </p:spPr>
+          </p:pic>
+        </mc:Fallback>
+      </mc:AlternateContent>
+      <p:sp>
+        <p:nvSpPr>
+          <p:cNvPr id="12" name="TextBox 11">
+            <a:extLst>
+              <a:ext uri="{FF2B5EF4-FFF2-40B4-BE49-F238E27FC236}">
+                <a16:creationId xmlns:a16="http://schemas.microsoft.com/office/drawing/2014/main" id="{BDC6B34C-FEAC-2206-EE5F-9E3043F7D7D2}"/>
+              </a:ext>
+            </a:extLst>
+          </p:cNvPr>
+          <p:cNvSpPr txBox="1"/>
+          <p:nvPr/>
+        </p:nvSpPr>
+        <p:spPr>
+          <a:xfrm>
+            <a:off x="1016000" y="5355771"/>
+            <a:ext cx="1581843" cy="369332"/>
+          </a:xfrm>
+          <a:prstGeom prst="rect">
+            <a:avLst/>
+          </a:prstGeom>
+          <a:noFill/>
+        </p:spPr>
+        <p:txBody>
+          <a:bodyPr wrap="none" rtlCol="0">
+            <a:spAutoFit/>
+          </a:bodyPr>
+          <a:lstStyle/>
+          <a:p>
+            <a:r>
+              <a:rPr lang="en-US" dirty="0"/>
+              <a:t>Primitive types</a:t>
+            </a:r>
+          </a:p>
+        </p:txBody>
+      </p:sp>
+      <p:sp>
+        <p:nvSpPr>
+          <p:cNvPr id="13" name="TextBox 12">
+            <a:extLst>
+              <a:ext uri="{FF2B5EF4-FFF2-40B4-BE49-F238E27FC236}">
+                <a16:creationId xmlns:a16="http://schemas.microsoft.com/office/drawing/2014/main" id="{24A098EE-8A5E-F29D-031D-E688925EBAF6}"/>
+              </a:ext>
+            </a:extLst>
+          </p:cNvPr>
+          <p:cNvSpPr txBox="1"/>
+          <p:nvPr/>
+        </p:nvSpPr>
+        <p:spPr>
+          <a:xfrm>
+            <a:off x="9816523" y="4394625"/>
+            <a:ext cx="1687834" cy="369332"/>
+          </a:xfrm>
+          <a:prstGeom prst="rect">
+            <a:avLst/>
+          </a:prstGeom>
+          <a:noFill/>
+        </p:spPr>
+        <p:txBody>
+          <a:bodyPr wrap="none" rtlCol="0">
+            <a:spAutoFit/>
+          </a:bodyPr>
+          <a:lstStyle/>
+          <a:p>
+            <a:r>
+              <a:rPr lang="en-US" dirty="0"/>
+              <a:t>Reference types</a:t>
+            </a:r>
+          </a:p>
+        </p:txBody>
+      </p:sp>
+    </p:spTree>
+    <p:extLst>
+      <p:ext uri="{BB962C8B-B14F-4D97-AF65-F5344CB8AC3E}">
+        <p14:creationId xmlns:p14="http://schemas.microsoft.com/office/powerpoint/2010/main" val="3053280412"/>
+      </p:ext>
+    </p:extLst>
+  </p:cSld>
+  <p:clrMapOvr>
+    <a:masterClrMapping/>
+  </p:clrMapOvr>
+</p:sld>
+</file>
+
 <file path=ppt/slides/slide7.xml><?xml version="1.0" encoding="utf-8"?>
 <p:sld xmlns:a="http://schemas.openxmlformats.org/drawingml/2006/main" xmlns:r="http://schemas.openxmlformats.org/officeDocument/2006/relationships" xmlns:p="http://schemas.openxmlformats.org/presentationml/2006/main">
   <p:cSld>
@@ -22094,6 +25047,98 @@
     <p:extLst>
       <p:ext uri="{BB962C8B-B14F-4D97-AF65-F5344CB8AC3E}">
         <p14:creationId xmlns:p14="http://schemas.microsoft.com/office/powerpoint/2010/main" val="901602365"/>
+      </p:ext>
+    </p:extLst>
+  </p:cSld>
+  <p:clrMapOvr>
+    <a:masterClrMapping/>
+  </p:clrMapOvr>
+</p:sld>
+</file>
+
+<file path=ppt/slides/slide70.xml><?xml version="1.0" encoding="utf-8"?>
+<p:sld xmlns:a="http://schemas.openxmlformats.org/drawingml/2006/main" xmlns:r="http://schemas.openxmlformats.org/officeDocument/2006/relationships" xmlns:p="http://schemas.openxmlformats.org/presentationml/2006/main">
+  <p:cSld>
+    <p:spTree>
+      <p:nvGrpSpPr>
+        <p:cNvPr id="1" name=""/>
+        <p:cNvGrpSpPr/>
+        <p:nvPr/>
+      </p:nvGrpSpPr>
+      <p:grpSpPr>
+        <a:xfrm>
+          <a:off x="0" y="0"/>
+          <a:ext cx="0" cy="0"/>
+          <a:chOff x="0" y="0"/>
+          <a:chExt cx="0" cy="0"/>
+        </a:xfrm>
+      </p:grpSpPr>
+      <p:sp>
+        <p:nvSpPr>
+          <p:cNvPr id="2" name="Title 1">
+            <a:extLst>
+              <a:ext uri="{FF2B5EF4-FFF2-40B4-BE49-F238E27FC236}">
+                <a16:creationId xmlns:a16="http://schemas.microsoft.com/office/drawing/2014/main" id="{CA806FDB-DD39-1A07-9E39-088C16FBDAD1}"/>
+              </a:ext>
+            </a:extLst>
+          </p:cNvPr>
+          <p:cNvSpPr>
+            <a:spLocks noGrp="1"/>
+          </p:cNvSpPr>
+          <p:nvPr>
+            <p:ph type="title"/>
+          </p:nvPr>
+        </p:nvSpPr>
+        <p:spPr/>
+        <p:txBody>
+          <a:bodyPr/>
+          <a:lstStyle/>
+          <a:p>
+            <a:r>
+              <a:rPr lang="en-US" dirty="0"/>
+              <a:t>Data Structures, Modern Operators and Strings</a:t>
+            </a:r>
+          </a:p>
+        </p:txBody>
+      </p:sp>
+      <p:sp>
+        <p:nvSpPr>
+          <p:cNvPr id="3" name="Content Placeholder 2">
+            <a:extLst>
+              <a:ext uri="{FF2B5EF4-FFF2-40B4-BE49-F238E27FC236}">
+                <a16:creationId xmlns:a16="http://schemas.microsoft.com/office/drawing/2014/main" id="{4389F560-A811-A3D3-4AC5-E1E7C609B360}"/>
+              </a:ext>
+            </a:extLst>
+          </p:cNvPr>
+          <p:cNvSpPr>
+            <a:spLocks noGrp="1"/>
+          </p:cNvSpPr>
+          <p:nvPr>
+            <p:ph idx="1"/>
+          </p:nvPr>
+        </p:nvSpPr>
+        <p:spPr/>
+        <p:txBody>
+          <a:bodyPr/>
+          <a:lstStyle/>
+          <a:p>
+            <a:r>
+              <a:rPr lang="en-US" dirty="0"/>
+              <a:t>Destructing Arrays</a:t>
+            </a:r>
+          </a:p>
+          <a:p>
+            <a:r>
+              <a:rPr lang="en-US" dirty="0"/>
+              <a:t>Destructing Objects</a:t>
+            </a:r>
+          </a:p>
+        </p:txBody>
+      </p:sp>
+    </p:spTree>
+    <p:extLst>
+      <p:ext uri="{BB962C8B-B14F-4D97-AF65-F5344CB8AC3E}">
+        <p14:creationId xmlns:p14="http://schemas.microsoft.com/office/powerpoint/2010/main" val="1883674025"/>
       </p:ext>
     </p:extLst>
   </p:cSld>

--- a/JavaScript.pptx
+++ b/JavaScript.pptx
@@ -5,7 +5,7 @@
     <p:sldMasterId id="2147483648" r:id="rId1"/>
   </p:sldMasterIdLst>
   <p:notesMasterIdLst>
-    <p:notesMasterId r:id="rId72"/>
+    <p:notesMasterId r:id="rId75"/>
   </p:notesMasterIdLst>
   <p:sldIdLst>
     <p:sldId id="256" r:id="rId2"/>
@@ -78,6 +78,9 @@
     <p:sldId id="324" r:id="rId69"/>
     <p:sldId id="325" r:id="rId70"/>
     <p:sldId id="326" r:id="rId71"/>
+    <p:sldId id="327" r:id="rId72"/>
+    <p:sldId id="328" r:id="rId73"/>
+    <p:sldId id="329" r:id="rId74"/>
   </p:sldIdLst>
   <p:sldSz cx="12192000" cy="6858000"/>
   <p:notesSz cx="6858000" cy="9144000"/>
@@ -1202,9 +1205,9 @@
     <dgm:cxn modelId="{3E55F02F-4FA4-4916-97E6-68D506C3A06A}" type="presOf" srcId="{01D052F2-134C-44D1-8EEB-2A18FB723239}" destId="{C0541030-EC1F-4005-B26D-2CCCA9F19D89}" srcOrd="0" destOrd="0" presId="urn:microsoft.com/office/officeart/2005/8/layout/process1"/>
     <dgm:cxn modelId="{6DA1CD34-1152-404B-8D8E-7239CD2D4AA8}" srcId="{01D052F2-134C-44D1-8EEB-2A18FB723239}" destId="{793655EE-3FB8-40E2-AA24-A6C17864446F}" srcOrd="1" destOrd="0" parTransId="{A46BA98C-ACDD-493B-AB38-053D46EB5AFE}" sibTransId="{F10B47C9-1D13-49E4-851F-56B9B0B5D9C1}"/>
     <dgm:cxn modelId="{84CAFB45-E018-464A-A4F0-64C493CA367F}" type="presOf" srcId="{95353E7B-A6A7-4B97-B27F-B5836B667ED4}" destId="{806DFA7D-3DB9-4A5A-A245-8E639FAE4144}" srcOrd="0" destOrd="0" presId="urn:microsoft.com/office/officeart/2005/8/layout/process1"/>
+    <dgm:cxn modelId="{7F451058-BFEF-45D7-A77E-9356662A7F92}" type="presOf" srcId="{FD93A5B7-90F4-4817-B1BF-05A831857958}" destId="{4FD2AE1B-32E7-47F6-A1B4-523AB0098D07}" srcOrd="0" destOrd="0" presId="urn:microsoft.com/office/officeart/2005/8/layout/process1"/>
     <dgm:cxn modelId="{2C15C46A-9416-4ED3-872D-12F9329769E5}" srcId="{01D052F2-134C-44D1-8EEB-2A18FB723239}" destId="{41FE8959-29C8-46A1-8E8F-E4D0D58AC228}" srcOrd="0" destOrd="0" parTransId="{C6025E58-CF96-45C3-96B7-563DBD74D5EF}" sibTransId="{FD93A5B7-90F4-4817-B1BF-05A831857958}"/>
     <dgm:cxn modelId="{B264B36E-CC1E-49B1-BAEB-127174C88F60}" type="presOf" srcId="{ED245419-6F98-4AAB-A480-2BD6D5B03876}" destId="{42343EDD-56B8-49EA-B435-5F013BC574CC}" srcOrd="1" destOrd="0" presId="urn:microsoft.com/office/officeart/2005/8/layout/process1"/>
-    <dgm:cxn modelId="{7F451058-BFEF-45D7-A77E-9356662A7F92}" type="presOf" srcId="{FD93A5B7-90F4-4817-B1BF-05A831857958}" destId="{4FD2AE1B-32E7-47F6-A1B4-523AB0098D07}" srcOrd="0" destOrd="0" presId="urn:microsoft.com/office/officeart/2005/8/layout/process1"/>
     <dgm:cxn modelId="{7DDB34B1-D709-4C02-8E88-9F4FD04DF64B}" type="presOf" srcId="{793655EE-3FB8-40E2-AA24-A6C17864446F}" destId="{C36F2AC7-E901-49E4-86EA-66C3968236A0}" srcOrd="0" destOrd="0" presId="urn:microsoft.com/office/officeart/2005/8/layout/process1"/>
     <dgm:cxn modelId="{4B0BA3BC-49BF-4CAE-A9DB-882D2B4E42DC}" type="presOf" srcId="{ED245419-6F98-4AAB-A480-2BD6D5B03876}" destId="{3811656A-0A3D-40BA-A6B2-514A66CA802E}" srcOrd="0" destOrd="0" presId="urn:microsoft.com/office/officeart/2005/8/layout/process1"/>
     <dgm:cxn modelId="{3EA9ABC4-17BE-4EC9-ABA0-4D1C899C5651}" type="presOf" srcId="{FD93A5B7-90F4-4817-B1BF-05A831857958}" destId="{3FE82692-D1ED-4858-8C86-E31AA515B76D}" srcOrd="1" destOrd="0" presId="urn:microsoft.com/office/officeart/2005/8/layout/process1"/>
@@ -4156,7 +4159,7 @@
           <a:p>
             <a:fld id="{19F43255-63C2-45C3-A55E-F07DF58CF366}" type="datetimeFigureOut">
               <a:rPr lang="en-US" smtClean="0"/>
-              <a:t>10/23/2024</a:t>
+              <a:t>11/13/24</a:t>
             </a:fld>
             <a:endParaRPr lang="en-US"/>
           </a:p>
@@ -4654,7 +4657,7 @@
           <a:p>
             <a:fld id="{4BAACB4A-D2BC-4616-96DC-36385AED944F}" type="datetimeFigureOut">
               <a:rPr lang="en-US" smtClean="0"/>
-              <a:t>10/23/2024</a:t>
+              <a:t>11/13/24</a:t>
             </a:fld>
             <a:endParaRPr lang="en-US"/>
           </a:p>
@@ -4852,7 +4855,7 @@
           <a:p>
             <a:fld id="{4BAACB4A-D2BC-4616-96DC-36385AED944F}" type="datetimeFigureOut">
               <a:rPr lang="en-US" smtClean="0"/>
-              <a:t>10/23/2024</a:t>
+              <a:t>11/13/24</a:t>
             </a:fld>
             <a:endParaRPr lang="en-US"/>
           </a:p>
@@ -5060,7 +5063,7 @@
           <a:p>
             <a:fld id="{4BAACB4A-D2BC-4616-96DC-36385AED944F}" type="datetimeFigureOut">
               <a:rPr lang="en-US" smtClean="0"/>
-              <a:t>10/23/2024</a:t>
+              <a:t>11/13/24</a:t>
             </a:fld>
             <a:endParaRPr lang="en-US"/>
           </a:p>
@@ -5258,7 +5261,7 @@
           <a:p>
             <a:fld id="{4BAACB4A-D2BC-4616-96DC-36385AED944F}" type="datetimeFigureOut">
               <a:rPr lang="en-US" smtClean="0"/>
-              <a:t>10/23/2024</a:t>
+              <a:t>11/13/24</a:t>
             </a:fld>
             <a:endParaRPr lang="en-US"/>
           </a:p>
@@ -5533,7 +5536,7 @@
           <a:p>
             <a:fld id="{4BAACB4A-D2BC-4616-96DC-36385AED944F}" type="datetimeFigureOut">
               <a:rPr lang="en-US" smtClean="0"/>
-              <a:t>10/23/2024</a:t>
+              <a:t>11/13/24</a:t>
             </a:fld>
             <a:endParaRPr lang="en-US"/>
           </a:p>
@@ -5798,7 +5801,7 @@
           <a:p>
             <a:fld id="{4BAACB4A-D2BC-4616-96DC-36385AED944F}" type="datetimeFigureOut">
               <a:rPr lang="en-US" smtClean="0"/>
-              <a:t>10/23/2024</a:t>
+              <a:t>11/13/24</a:t>
             </a:fld>
             <a:endParaRPr lang="en-US"/>
           </a:p>
@@ -6210,7 +6213,7 @@
           <a:p>
             <a:fld id="{4BAACB4A-D2BC-4616-96DC-36385AED944F}" type="datetimeFigureOut">
               <a:rPr lang="en-US" smtClean="0"/>
-              <a:t>10/23/2024</a:t>
+              <a:t>11/13/24</a:t>
             </a:fld>
             <a:endParaRPr lang="en-US"/>
           </a:p>
@@ -6351,7 +6354,7 @@
           <a:p>
             <a:fld id="{4BAACB4A-D2BC-4616-96DC-36385AED944F}" type="datetimeFigureOut">
               <a:rPr lang="en-US" smtClean="0"/>
-              <a:t>10/23/2024</a:t>
+              <a:t>11/13/24</a:t>
             </a:fld>
             <a:endParaRPr lang="en-US"/>
           </a:p>
@@ -6464,7 +6467,7 @@
           <a:p>
             <a:fld id="{4BAACB4A-D2BC-4616-96DC-36385AED944F}" type="datetimeFigureOut">
               <a:rPr lang="en-US" smtClean="0"/>
-              <a:t>10/23/2024</a:t>
+              <a:t>11/13/24</a:t>
             </a:fld>
             <a:endParaRPr lang="en-US"/>
           </a:p>
@@ -6775,7 +6778,7 @@
           <a:p>
             <a:fld id="{4BAACB4A-D2BC-4616-96DC-36385AED944F}" type="datetimeFigureOut">
               <a:rPr lang="en-US" smtClean="0"/>
-              <a:t>10/23/2024</a:t>
+              <a:t>11/13/24</a:t>
             </a:fld>
             <a:endParaRPr lang="en-US"/>
           </a:p>
@@ -7063,7 +7066,7 @@
           <a:p>
             <a:fld id="{4BAACB4A-D2BC-4616-96DC-36385AED944F}" type="datetimeFigureOut">
               <a:rPr lang="en-US" smtClean="0"/>
-              <a:t>10/23/2024</a:t>
+              <a:t>11/13/24</a:t>
             </a:fld>
             <a:endParaRPr lang="en-US"/>
           </a:p>
@@ -7304,7 +7307,7 @@
           <a:p>
             <a:fld id="{4BAACB4A-D2BC-4616-96DC-36385AED944F}" type="datetimeFigureOut">
               <a:rPr lang="en-US" smtClean="0"/>
-              <a:t>10/23/2024</a:t>
+              <a:t>11/13/24</a:t>
             </a:fld>
             <a:endParaRPr lang="en-US"/>
           </a:p>
@@ -25119,7 +25122,9 @@
         </p:nvSpPr>
         <p:spPr/>
         <p:txBody>
-          <a:bodyPr/>
+          <a:bodyPr numCol="2">
+            <a:normAutofit/>
+          </a:bodyPr>
           <a:lstStyle/>
           <a:p>
             <a:r>
@@ -25131,6 +25136,70 @@
             <a:r>
               <a:rPr lang="en-US" dirty="0"/>
               <a:t>Destructing Objects</a:t>
+            </a:r>
+          </a:p>
+          <a:p>
+            <a:r>
+              <a:rPr lang="en-US" dirty="0"/>
+              <a:t>Short circuiting (&amp;&amp; and ||)</a:t>
+            </a:r>
+          </a:p>
+          <a:p>
+            <a:r>
+              <a:rPr lang="en-US" dirty="0" err="1"/>
+              <a:t>Nullish</a:t>
+            </a:r>
+            <a:r>
+              <a:rPr lang="en-US" dirty="0"/>
+              <a:t> operator</a:t>
+            </a:r>
+          </a:p>
+          <a:p>
+            <a:r>
+              <a:rPr lang="en-US" dirty="0"/>
+              <a:t>Logical assignment operators</a:t>
+            </a:r>
+          </a:p>
+          <a:p>
+            <a:r>
+              <a:rPr lang="en-US" dirty="0"/>
+              <a:t>Looping Arrays: The For-of loop</a:t>
+            </a:r>
+          </a:p>
+          <a:p>
+            <a:r>
+              <a:rPr lang="en-US" dirty="0"/>
+              <a:t>Enhanced object Literals</a:t>
+            </a:r>
+          </a:p>
+          <a:p>
+            <a:r>
+              <a:rPr lang="en-US" dirty="0"/>
+              <a:t>Optional chaining (.?)</a:t>
+            </a:r>
+          </a:p>
+          <a:p>
+            <a:r>
+              <a:rPr lang="en-US" dirty="0"/>
+              <a:t>Looping objects: object keys, values and entries</a:t>
+            </a:r>
+          </a:p>
+          <a:p>
+            <a:r>
+              <a:rPr lang="en-US" dirty="0"/>
+              <a:t>SETS</a:t>
+            </a:r>
+          </a:p>
+          <a:p>
+            <a:r>
+              <a:rPr lang="en-US" dirty="0"/>
+              <a:t>Maps: Fundamentals</a:t>
+            </a:r>
+          </a:p>
+          <a:p>
+            <a:r>
+              <a:rPr lang="en-US" dirty="0"/>
+              <a:t>Maps: Iteration</a:t>
             </a:r>
           </a:p>
         </p:txBody>
@@ -25139,6 +25208,1259 @@
     <p:extLst>
       <p:ext uri="{BB962C8B-B14F-4D97-AF65-F5344CB8AC3E}">
         <p14:creationId xmlns:p14="http://schemas.microsoft.com/office/powerpoint/2010/main" val="1883674025"/>
+      </p:ext>
+    </p:extLst>
+  </p:cSld>
+  <p:clrMapOvr>
+    <a:masterClrMapping/>
+  </p:clrMapOvr>
+</p:sld>
+</file>
+
+<file path=ppt/slides/slide71.xml><?xml version="1.0" encoding="utf-8"?>
+<p:sld xmlns:a="http://schemas.openxmlformats.org/drawingml/2006/main" xmlns:r="http://schemas.openxmlformats.org/officeDocument/2006/relationships" xmlns:p="http://schemas.openxmlformats.org/presentationml/2006/main">
+  <p:cSld>
+    <p:spTree>
+      <p:nvGrpSpPr>
+        <p:cNvPr id="1" name=""/>
+        <p:cNvGrpSpPr/>
+        <p:nvPr/>
+      </p:nvGrpSpPr>
+      <p:grpSpPr>
+        <a:xfrm>
+          <a:off x="0" y="0"/>
+          <a:ext cx="0" cy="0"/>
+          <a:chOff x="0" y="0"/>
+          <a:chExt cx="0" cy="0"/>
+        </a:xfrm>
+      </p:grpSpPr>
+      <p:sp>
+        <p:nvSpPr>
+          <p:cNvPr id="2" name="Title 1">
+            <a:extLst>
+              <a:ext uri="{FF2B5EF4-FFF2-40B4-BE49-F238E27FC236}">
+                <a16:creationId xmlns:a16="http://schemas.microsoft.com/office/drawing/2014/main" id="{AEBD806A-3C59-F87F-1893-45345EC91432}"/>
+              </a:ext>
+            </a:extLst>
+          </p:cNvPr>
+          <p:cNvSpPr>
+            <a:spLocks noGrp="1"/>
+          </p:cNvSpPr>
+          <p:nvPr>
+            <p:ph type="title"/>
+          </p:nvPr>
+        </p:nvSpPr>
+        <p:spPr>
+          <a:xfrm>
+            <a:off x="838200" y="365125"/>
+            <a:ext cx="10515600" cy="2584137"/>
+          </a:xfrm>
+        </p:spPr>
+        <p:txBody>
+          <a:bodyPr/>
+          <a:lstStyle/>
+          <a:p>
+            <a:r>
+              <a:rPr lang="en-US" dirty="0"/>
+              <a:t>Sources of Data</a:t>
+            </a:r>
+            <a:br>
+              <a:rPr lang="en-US" dirty="0"/>
+            </a:br>
+            <a:endParaRPr lang="en-US" dirty="0"/>
+          </a:p>
+        </p:txBody>
+      </p:sp>
+      <p:sp>
+        <p:nvSpPr>
+          <p:cNvPr id="5" name="TextBox 4">
+            <a:extLst>
+              <a:ext uri="{FF2B5EF4-FFF2-40B4-BE49-F238E27FC236}">
+                <a16:creationId xmlns:a16="http://schemas.microsoft.com/office/drawing/2014/main" id="{0DA81F71-D226-C46B-0D76-7EAC761687ED}"/>
+              </a:ext>
+            </a:extLst>
+          </p:cNvPr>
+          <p:cNvSpPr txBox="1"/>
+          <p:nvPr/>
+        </p:nvSpPr>
+        <p:spPr>
+          <a:xfrm>
+            <a:off x="1078606" y="1563589"/>
+            <a:ext cx="10988898" cy="1200329"/>
+          </a:xfrm>
+          <a:prstGeom prst="rect">
+            <a:avLst/>
+          </a:prstGeom>
+          <a:noFill/>
+        </p:spPr>
+        <p:txBody>
+          <a:bodyPr wrap="square">
+            <a:spAutoFit/>
+          </a:bodyPr>
+          <a:lstStyle/>
+          <a:p>
+            <a:pPr marL="342900" indent="-342900">
+              <a:buFont typeface="+mj-lt"/>
+              <a:buAutoNum type="arabicPeriod"/>
+            </a:pPr>
+            <a:r>
+              <a:rPr lang="en-US" dirty="0"/>
+              <a:t>From the program itself: Data written directly in source code (e.g. status message) </a:t>
+            </a:r>
+          </a:p>
+          <a:p>
+            <a:pPr marL="342900" indent="-342900">
+              <a:buFont typeface="+mj-lt"/>
+              <a:buAutoNum type="arabicPeriod"/>
+            </a:pPr>
+            <a:r>
+              <a:rPr lang="en-US" dirty="0"/>
+              <a:t>From the UI: Data input from the user or data written in DOM (e.g. tasks in </a:t>
+            </a:r>
+            <a:r>
+              <a:rPr lang="en-US" dirty="0" err="1"/>
+              <a:t>todo</a:t>
+            </a:r>
+            <a:r>
+              <a:rPr lang="en-US" dirty="0"/>
+              <a:t> app)</a:t>
+            </a:r>
+          </a:p>
+          <a:p>
+            <a:pPr marL="342900" indent="-342900">
+              <a:buFont typeface="+mj-lt"/>
+              <a:buAutoNum type="arabicPeriod"/>
+            </a:pPr>
+            <a:r>
+              <a:rPr lang="en-US" dirty="0"/>
+              <a:t>From external Sources: Data fetched from example from web API(Application Programming Interface)e.g. recipe objects (JSON data format example)</a:t>
+            </a:r>
+          </a:p>
+        </p:txBody>
+      </p:sp>
+      <p:grpSp>
+        <p:nvGrpSpPr>
+          <p:cNvPr id="8" name="Group 7">
+            <a:extLst>
+              <a:ext uri="{FF2B5EF4-FFF2-40B4-BE49-F238E27FC236}">
+                <a16:creationId xmlns:a16="http://schemas.microsoft.com/office/drawing/2014/main" id="{936E6E80-8049-AA7E-3036-133CB9C0B71C}"/>
+              </a:ext>
+            </a:extLst>
+          </p:cNvPr>
+          <p:cNvGrpSpPr/>
+          <p:nvPr/>
+        </p:nvGrpSpPr>
+        <p:grpSpPr>
+          <a:xfrm>
+            <a:off x="4455134" y="2561286"/>
+            <a:ext cx="1856470" cy="1145284"/>
+            <a:chOff x="4455134" y="2561286"/>
+            <a:chExt cx="1856470" cy="1145284"/>
+          </a:xfrm>
+        </p:grpSpPr>
+        <p:sp>
+          <p:nvSpPr>
+            <p:cNvPr id="6" name="Down Arrow 5">
+              <a:extLst>
+                <a:ext uri="{FF2B5EF4-FFF2-40B4-BE49-F238E27FC236}">
+                  <a16:creationId xmlns:a16="http://schemas.microsoft.com/office/drawing/2014/main" id="{A99BDDCC-166E-B754-40E1-CD6AE1AA6DDE}"/>
+                </a:ext>
+              </a:extLst>
+            </p:cNvPr>
+            <p:cNvSpPr/>
+            <p:nvPr/>
+          </p:nvSpPr>
+          <p:spPr>
+            <a:xfrm>
+              <a:off x="5087155" y="2561286"/>
+              <a:ext cx="592428" cy="775952"/>
+            </a:xfrm>
+            <a:prstGeom prst="downArrow">
+              <a:avLst/>
+            </a:prstGeom>
+            <a:solidFill>
+              <a:schemeClr val="accent4">
+                <a:lumMod val="40000"/>
+                <a:lumOff val="60000"/>
+              </a:schemeClr>
+            </a:solidFill>
+          </p:spPr>
+          <p:style>
+            <a:lnRef idx="2">
+              <a:schemeClr val="accent1">
+                <a:shade val="15000"/>
+              </a:schemeClr>
+            </a:lnRef>
+            <a:fillRef idx="1">
+              <a:schemeClr val="accent1"/>
+            </a:fillRef>
+            <a:effectRef idx="0">
+              <a:schemeClr val="accent1"/>
+            </a:effectRef>
+            <a:fontRef idx="minor">
+              <a:schemeClr val="lt1"/>
+            </a:fontRef>
+          </p:style>
+          <p:txBody>
+            <a:bodyPr rtlCol="0" anchor="ctr"/>
+            <a:lstStyle/>
+            <a:p>
+              <a:pPr algn="ctr"/>
+              <a:endParaRPr lang="en-US"/>
+            </a:p>
+          </p:txBody>
+        </p:sp>
+        <p:sp>
+          <p:nvSpPr>
+            <p:cNvPr id="7" name="TextBox 6">
+              <a:extLst>
+                <a:ext uri="{FF2B5EF4-FFF2-40B4-BE49-F238E27FC236}">
+                  <a16:creationId xmlns:a16="http://schemas.microsoft.com/office/drawing/2014/main" id="{228E952B-95DD-70A9-3632-5612ADDDD21E}"/>
+                </a:ext>
+              </a:extLst>
+            </p:cNvPr>
+            <p:cNvSpPr txBox="1"/>
+            <p:nvPr/>
+          </p:nvSpPr>
+          <p:spPr>
+            <a:xfrm>
+              <a:off x="4455134" y="3337238"/>
+              <a:ext cx="1856470" cy="369332"/>
+            </a:xfrm>
+            <a:prstGeom prst="rect">
+              <a:avLst/>
+            </a:prstGeom>
+            <a:noFill/>
+          </p:spPr>
+          <p:txBody>
+            <a:bodyPr wrap="none" rtlCol="0">
+              <a:spAutoFit/>
+            </a:bodyPr>
+            <a:lstStyle/>
+            <a:p>
+              <a:r>
+                <a:rPr lang="en-US" dirty="0"/>
+                <a:t>Collection of Data</a:t>
+              </a:r>
+            </a:p>
+          </p:txBody>
+        </p:sp>
+      </p:grpSp>
+      <p:grpSp>
+        <p:nvGrpSpPr>
+          <p:cNvPr id="9" name="Group 8">
+            <a:extLst>
+              <a:ext uri="{FF2B5EF4-FFF2-40B4-BE49-F238E27FC236}">
+                <a16:creationId xmlns:a16="http://schemas.microsoft.com/office/drawing/2014/main" id="{E379F15A-73E8-954C-37BB-6D3F45C160EC}"/>
+              </a:ext>
+            </a:extLst>
+          </p:cNvPr>
+          <p:cNvGrpSpPr/>
+          <p:nvPr/>
+        </p:nvGrpSpPr>
+        <p:grpSpPr>
+          <a:xfrm>
+            <a:off x="4455134" y="3706570"/>
+            <a:ext cx="1574342" cy="1145284"/>
+            <a:chOff x="4455134" y="2561286"/>
+            <a:chExt cx="1574342" cy="1145284"/>
+          </a:xfrm>
+        </p:grpSpPr>
+        <p:sp>
+          <p:nvSpPr>
+            <p:cNvPr id="10" name="Down Arrow 9">
+              <a:extLst>
+                <a:ext uri="{FF2B5EF4-FFF2-40B4-BE49-F238E27FC236}">
+                  <a16:creationId xmlns:a16="http://schemas.microsoft.com/office/drawing/2014/main" id="{9211C836-BDBB-4EB0-94DB-69CFC77056A4}"/>
+                </a:ext>
+              </a:extLst>
+            </p:cNvPr>
+            <p:cNvSpPr/>
+            <p:nvPr/>
+          </p:nvSpPr>
+          <p:spPr>
+            <a:xfrm>
+              <a:off x="5087155" y="2561286"/>
+              <a:ext cx="592428" cy="775952"/>
+            </a:xfrm>
+            <a:prstGeom prst="downArrow">
+              <a:avLst/>
+            </a:prstGeom>
+            <a:solidFill>
+              <a:schemeClr val="accent4">
+                <a:lumMod val="40000"/>
+                <a:lumOff val="60000"/>
+              </a:schemeClr>
+            </a:solidFill>
+          </p:spPr>
+          <p:style>
+            <a:lnRef idx="2">
+              <a:schemeClr val="accent1">
+                <a:shade val="15000"/>
+              </a:schemeClr>
+            </a:lnRef>
+            <a:fillRef idx="1">
+              <a:schemeClr val="accent1"/>
+            </a:fillRef>
+            <a:effectRef idx="0">
+              <a:schemeClr val="accent1"/>
+            </a:effectRef>
+            <a:fontRef idx="minor">
+              <a:schemeClr val="lt1"/>
+            </a:fontRef>
+          </p:style>
+          <p:txBody>
+            <a:bodyPr rtlCol="0" anchor="ctr"/>
+            <a:lstStyle/>
+            <a:p>
+              <a:pPr algn="ctr"/>
+              <a:endParaRPr lang="en-US"/>
+            </a:p>
+          </p:txBody>
+        </p:sp>
+        <p:sp>
+          <p:nvSpPr>
+            <p:cNvPr id="11" name="TextBox 10">
+              <a:extLst>
+                <a:ext uri="{FF2B5EF4-FFF2-40B4-BE49-F238E27FC236}">
+                  <a16:creationId xmlns:a16="http://schemas.microsoft.com/office/drawing/2014/main" id="{391D6A11-A7EA-F1A6-BC40-7F20DDFF3BDB}"/>
+                </a:ext>
+              </a:extLst>
+            </p:cNvPr>
+            <p:cNvSpPr txBox="1"/>
+            <p:nvPr/>
+          </p:nvSpPr>
+          <p:spPr>
+            <a:xfrm>
+              <a:off x="4455134" y="3337238"/>
+              <a:ext cx="1574342" cy="369332"/>
+            </a:xfrm>
+            <a:prstGeom prst="rect">
+              <a:avLst/>
+            </a:prstGeom>
+            <a:noFill/>
+          </p:spPr>
+          <p:txBody>
+            <a:bodyPr wrap="none" rtlCol="0">
+              <a:spAutoFit/>
+            </a:bodyPr>
+            <a:lstStyle/>
+            <a:p>
+              <a:r>
+                <a:rPr lang="en-US" dirty="0"/>
+                <a:t>DATA structure</a:t>
+              </a:r>
+            </a:p>
+          </p:txBody>
+        </p:sp>
+      </p:grpSp>
+      <p:sp>
+        <p:nvSpPr>
+          <p:cNvPr id="12" name="TextBox 11">
+            <a:extLst>
+              <a:ext uri="{FF2B5EF4-FFF2-40B4-BE49-F238E27FC236}">
+                <a16:creationId xmlns:a16="http://schemas.microsoft.com/office/drawing/2014/main" id="{758AEB8D-8932-D427-C76A-A2C9B769586D}"/>
+              </a:ext>
+            </a:extLst>
+          </p:cNvPr>
+          <p:cNvSpPr txBox="1"/>
+          <p:nvPr/>
+        </p:nvSpPr>
+        <p:spPr>
+          <a:xfrm>
+            <a:off x="3649754" y="5623389"/>
+            <a:ext cx="1465914" cy="369332"/>
+          </a:xfrm>
+          <a:prstGeom prst="rect">
+            <a:avLst/>
+          </a:prstGeom>
+          <a:noFill/>
+        </p:spPr>
+        <p:txBody>
+          <a:bodyPr wrap="none" rtlCol="0">
+            <a:spAutoFit/>
+          </a:bodyPr>
+          <a:lstStyle/>
+          <a:p>
+            <a:r>
+              <a:rPr lang="en-US" dirty="0"/>
+              <a:t>Arrays or Sets</a:t>
+            </a:r>
+          </a:p>
+        </p:txBody>
+      </p:sp>
+      <p:sp>
+        <p:nvSpPr>
+          <p:cNvPr id="13" name="TextBox 12">
+            <a:extLst>
+              <a:ext uri="{FF2B5EF4-FFF2-40B4-BE49-F238E27FC236}">
+                <a16:creationId xmlns:a16="http://schemas.microsoft.com/office/drawing/2014/main" id="{36087DF5-4C11-4996-1A88-BD37AE55AE6D}"/>
+              </a:ext>
+            </a:extLst>
+          </p:cNvPr>
+          <p:cNvSpPr txBox="1"/>
+          <p:nvPr/>
+        </p:nvSpPr>
+        <p:spPr>
+          <a:xfrm>
+            <a:off x="5679583" y="5627806"/>
+            <a:ext cx="1719189" cy="369332"/>
+          </a:xfrm>
+          <a:prstGeom prst="rect">
+            <a:avLst/>
+          </a:prstGeom>
+          <a:noFill/>
+        </p:spPr>
+        <p:txBody>
+          <a:bodyPr wrap="none" rtlCol="0">
+            <a:spAutoFit/>
+          </a:bodyPr>
+          <a:lstStyle/>
+          <a:p>
+            <a:r>
+              <a:rPr lang="en-US" dirty="0"/>
+              <a:t>Objects or Maps</a:t>
+            </a:r>
+          </a:p>
+        </p:txBody>
+      </p:sp>
+      <p:cxnSp>
+        <p:nvCxnSpPr>
+          <p:cNvPr id="15" name="Straight Arrow Connector 14">
+            <a:extLst>
+              <a:ext uri="{FF2B5EF4-FFF2-40B4-BE49-F238E27FC236}">
+                <a16:creationId xmlns:a16="http://schemas.microsoft.com/office/drawing/2014/main" id="{31BD1226-312D-0D1F-305E-E3C9DB92B92F}"/>
+              </a:ext>
+            </a:extLst>
+          </p:cNvPr>
+          <p:cNvCxnSpPr>
+            <a:stCxn id="11" idx="2"/>
+            <a:endCxn id="12" idx="0"/>
+          </p:cNvCxnSpPr>
+          <p:nvPr/>
+        </p:nvCxnSpPr>
+        <p:spPr>
+          <a:xfrm flipH="1">
+            <a:off x="4382711" y="4851854"/>
+            <a:ext cx="859594" cy="771535"/>
+          </a:xfrm>
+          <a:prstGeom prst="straightConnector1">
+            <a:avLst/>
+          </a:prstGeom>
+          <a:ln>
+            <a:tailEnd type="triangle"/>
+          </a:ln>
+        </p:spPr>
+        <p:style>
+          <a:lnRef idx="1">
+            <a:schemeClr val="accent1"/>
+          </a:lnRef>
+          <a:fillRef idx="0">
+            <a:schemeClr val="accent1"/>
+          </a:fillRef>
+          <a:effectRef idx="0">
+            <a:schemeClr val="accent1"/>
+          </a:effectRef>
+          <a:fontRef idx="minor">
+            <a:schemeClr val="tx1"/>
+          </a:fontRef>
+        </p:style>
+      </p:cxnSp>
+      <p:cxnSp>
+        <p:nvCxnSpPr>
+          <p:cNvPr id="17" name="Straight Arrow Connector 16">
+            <a:extLst>
+              <a:ext uri="{FF2B5EF4-FFF2-40B4-BE49-F238E27FC236}">
+                <a16:creationId xmlns:a16="http://schemas.microsoft.com/office/drawing/2014/main" id="{03011A1B-B804-09B2-314F-22CEFFB10E5B}"/>
+              </a:ext>
+            </a:extLst>
+          </p:cNvPr>
+          <p:cNvCxnSpPr>
+            <a:stCxn id="11" idx="2"/>
+            <a:endCxn id="13" idx="0"/>
+          </p:cNvCxnSpPr>
+          <p:nvPr/>
+        </p:nvCxnSpPr>
+        <p:spPr>
+          <a:xfrm>
+            <a:off x="5242305" y="4851854"/>
+            <a:ext cx="1296873" cy="775952"/>
+          </a:xfrm>
+          <a:prstGeom prst="straightConnector1">
+            <a:avLst/>
+          </a:prstGeom>
+          <a:ln>
+            <a:tailEnd type="triangle"/>
+          </a:ln>
+        </p:spPr>
+        <p:style>
+          <a:lnRef idx="1">
+            <a:schemeClr val="accent1"/>
+          </a:lnRef>
+          <a:fillRef idx="0">
+            <a:schemeClr val="accent1"/>
+          </a:fillRef>
+          <a:effectRef idx="0">
+            <a:schemeClr val="accent1"/>
+          </a:effectRef>
+          <a:fontRef idx="minor">
+            <a:schemeClr val="tx1"/>
+          </a:fontRef>
+        </p:style>
+      </p:cxnSp>
+      <p:sp>
+        <p:nvSpPr>
+          <p:cNvPr id="19" name="TextBox 18">
+            <a:extLst>
+              <a:ext uri="{FF2B5EF4-FFF2-40B4-BE49-F238E27FC236}">
+                <a16:creationId xmlns:a16="http://schemas.microsoft.com/office/drawing/2014/main" id="{7F2EB084-FF0D-68D0-6F56-E197AD6FF14F}"/>
+              </a:ext>
+            </a:extLst>
+          </p:cNvPr>
+          <p:cNvSpPr txBox="1"/>
+          <p:nvPr/>
+        </p:nvSpPr>
+        <p:spPr>
+          <a:xfrm>
+            <a:off x="3423442" y="5017479"/>
+            <a:ext cx="1185581" cy="369332"/>
+          </a:xfrm>
+          <a:prstGeom prst="rect">
+            <a:avLst/>
+          </a:prstGeom>
+          <a:noFill/>
+        </p:spPr>
+        <p:txBody>
+          <a:bodyPr wrap="none" rtlCol="0">
+            <a:spAutoFit/>
+          </a:bodyPr>
+          <a:lstStyle/>
+          <a:p>
+            <a:r>
+              <a:rPr lang="en-US" dirty="0"/>
+              <a:t>Simple List</a:t>
+            </a:r>
+          </a:p>
+        </p:txBody>
+      </p:sp>
+      <p:sp>
+        <p:nvSpPr>
+          <p:cNvPr id="20" name="TextBox 19">
+            <a:extLst>
+              <a:ext uri="{FF2B5EF4-FFF2-40B4-BE49-F238E27FC236}">
+                <a16:creationId xmlns:a16="http://schemas.microsoft.com/office/drawing/2014/main" id="{315A5C4B-C0AA-B0ED-4FF0-7F4B818621D3}"/>
+              </a:ext>
+            </a:extLst>
+          </p:cNvPr>
+          <p:cNvSpPr txBox="1"/>
+          <p:nvPr/>
+        </p:nvSpPr>
+        <p:spPr>
+          <a:xfrm>
+            <a:off x="5946386" y="4925079"/>
+            <a:ext cx="4673011" cy="369332"/>
+          </a:xfrm>
+          <a:prstGeom prst="rect">
+            <a:avLst/>
+          </a:prstGeom>
+          <a:noFill/>
+        </p:spPr>
+        <p:txBody>
+          <a:bodyPr wrap="none" rtlCol="0">
+            <a:spAutoFit/>
+          </a:bodyPr>
+          <a:lstStyle/>
+          <a:p>
+            <a:r>
+              <a:rPr lang="en-US" dirty="0"/>
+              <a:t>Key/Value List (Keys allow us to describe values)</a:t>
+            </a:r>
+          </a:p>
+        </p:txBody>
+      </p:sp>
+      <p:sp>
+        <p:nvSpPr>
+          <p:cNvPr id="21" name="TextBox 20">
+            <a:extLst>
+              <a:ext uri="{FF2B5EF4-FFF2-40B4-BE49-F238E27FC236}">
+                <a16:creationId xmlns:a16="http://schemas.microsoft.com/office/drawing/2014/main" id="{5110A5CA-2A3C-3F98-8BF9-65D964D328C5}"/>
+              </a:ext>
+            </a:extLst>
+          </p:cNvPr>
+          <p:cNvSpPr txBox="1"/>
+          <p:nvPr/>
+        </p:nvSpPr>
+        <p:spPr>
+          <a:xfrm>
+            <a:off x="656823" y="3429000"/>
+            <a:ext cx="1722459" cy="2862322"/>
+          </a:xfrm>
+          <a:prstGeom prst="rect">
+            <a:avLst/>
+          </a:prstGeom>
+          <a:noFill/>
+        </p:spPr>
+        <p:txBody>
+          <a:bodyPr wrap="none" rtlCol="0">
+            <a:spAutoFit/>
+          </a:bodyPr>
+          <a:lstStyle/>
+          <a:p>
+            <a:r>
+              <a:rPr lang="en-US" dirty="0"/>
+              <a:t>OTHER BUILT-IN:</a:t>
+            </a:r>
+          </a:p>
+          <a:p>
+            <a:r>
+              <a:rPr lang="en-US" dirty="0" err="1"/>
+              <a:t>WeakMap</a:t>
+            </a:r>
+            <a:endParaRPr lang="en-US" dirty="0"/>
+          </a:p>
+          <a:p>
+            <a:r>
+              <a:rPr lang="en-US" dirty="0" err="1"/>
+              <a:t>WeakSet</a:t>
+            </a:r>
+            <a:endParaRPr lang="en-US" dirty="0"/>
+          </a:p>
+          <a:p>
+            <a:endParaRPr lang="en-US" dirty="0"/>
+          </a:p>
+          <a:p>
+            <a:r>
+              <a:rPr lang="en-US" dirty="0"/>
+              <a:t>Non-Built IN:</a:t>
+            </a:r>
+          </a:p>
+          <a:p>
+            <a:r>
+              <a:rPr lang="en-US" dirty="0"/>
+              <a:t>Stacks</a:t>
+            </a:r>
+          </a:p>
+          <a:p>
+            <a:r>
+              <a:rPr lang="en-US" dirty="0"/>
+              <a:t>Queues</a:t>
+            </a:r>
+          </a:p>
+          <a:p>
+            <a:r>
+              <a:rPr lang="en-US" dirty="0"/>
+              <a:t>Linked Lists</a:t>
+            </a:r>
+          </a:p>
+          <a:p>
+            <a:r>
+              <a:rPr lang="en-US" dirty="0"/>
+              <a:t>Trees</a:t>
+            </a:r>
+          </a:p>
+          <a:p>
+            <a:r>
+              <a:rPr lang="en-US" dirty="0"/>
+              <a:t>Hash tables</a:t>
+            </a:r>
+          </a:p>
+        </p:txBody>
+      </p:sp>
+    </p:spTree>
+    <p:extLst>
+      <p:ext uri="{BB962C8B-B14F-4D97-AF65-F5344CB8AC3E}">
+        <p14:creationId xmlns:p14="http://schemas.microsoft.com/office/powerpoint/2010/main" val="2938899553"/>
+      </p:ext>
+    </p:extLst>
+  </p:cSld>
+  <p:clrMapOvr>
+    <a:masterClrMapping/>
+  </p:clrMapOvr>
+</p:sld>
+</file>
+
+<file path=ppt/slides/slide72.xml><?xml version="1.0" encoding="utf-8"?>
+<p:sld xmlns:a="http://schemas.openxmlformats.org/drawingml/2006/main" xmlns:r="http://schemas.openxmlformats.org/officeDocument/2006/relationships" xmlns:p="http://schemas.openxmlformats.org/presentationml/2006/main">
+  <p:cSld>
+    <p:spTree>
+      <p:nvGrpSpPr>
+        <p:cNvPr id="1" name=""/>
+        <p:cNvGrpSpPr/>
+        <p:nvPr/>
+      </p:nvGrpSpPr>
+      <p:grpSpPr>
+        <a:xfrm>
+          <a:off x="0" y="0"/>
+          <a:ext cx="0" cy="0"/>
+          <a:chOff x="0" y="0"/>
+          <a:chExt cx="0" cy="0"/>
+        </a:xfrm>
+      </p:grpSpPr>
+      <p:sp>
+        <p:nvSpPr>
+          <p:cNvPr id="2" name="Title 1">
+            <a:extLst>
+              <a:ext uri="{FF2B5EF4-FFF2-40B4-BE49-F238E27FC236}">
+                <a16:creationId xmlns:a16="http://schemas.microsoft.com/office/drawing/2014/main" id="{880E318A-CFF4-D145-898C-37D11AF2C85A}"/>
+              </a:ext>
+            </a:extLst>
+          </p:cNvPr>
+          <p:cNvSpPr>
+            <a:spLocks noGrp="1"/>
+          </p:cNvSpPr>
+          <p:nvPr>
+            <p:ph type="title"/>
+          </p:nvPr>
+        </p:nvSpPr>
+        <p:spPr/>
+        <p:txBody>
+          <a:bodyPr/>
+          <a:lstStyle/>
+          <a:p>
+            <a:r>
+              <a:rPr lang="en-US" dirty="0"/>
+              <a:t>Arrays vs </a:t>
+            </a:r>
+            <a:r>
+              <a:rPr lang="en-US" b="1" dirty="0">
+                <a:solidFill>
+                  <a:srgbClr val="FF0000"/>
+                </a:solidFill>
+              </a:rPr>
+              <a:t>Sets</a:t>
+            </a:r>
+          </a:p>
+        </p:txBody>
+      </p:sp>
+      <p:sp>
+        <p:nvSpPr>
+          <p:cNvPr id="3" name="Content Placeholder 2">
+            <a:extLst>
+              <a:ext uri="{FF2B5EF4-FFF2-40B4-BE49-F238E27FC236}">
+                <a16:creationId xmlns:a16="http://schemas.microsoft.com/office/drawing/2014/main" id="{6980BCD1-84F7-DB99-C117-CF92BB0865E1}"/>
+              </a:ext>
+            </a:extLst>
+          </p:cNvPr>
+          <p:cNvSpPr>
+            <a:spLocks noGrp="1"/>
+          </p:cNvSpPr>
+          <p:nvPr>
+            <p:ph idx="1"/>
+          </p:nvPr>
+        </p:nvSpPr>
+        <p:spPr/>
+        <p:txBody>
+          <a:bodyPr/>
+          <a:lstStyle/>
+          <a:p>
+            <a:pPr marL="0" indent="0">
+              <a:buNone/>
+            </a:pPr>
+            <a:r>
+              <a:rPr lang="en-US" dirty="0"/>
+              <a:t>Use when you need ordered list of values (might contain duplicates)</a:t>
+            </a:r>
+          </a:p>
+          <a:p>
+            <a:pPr marL="0" indent="0">
+              <a:buNone/>
+            </a:pPr>
+            <a:r>
+              <a:rPr lang="en-US" dirty="0">
+                <a:solidFill>
+                  <a:srgbClr val="FF0000"/>
+                </a:solidFill>
+              </a:rPr>
+              <a:t>Use when you need to work with </a:t>
+            </a:r>
+            <a:r>
+              <a:rPr lang="en-US" b="1" dirty="0">
+                <a:solidFill>
+                  <a:srgbClr val="FF0000"/>
+                </a:solidFill>
+              </a:rPr>
+              <a:t>unique values</a:t>
+            </a:r>
+            <a:r>
+              <a:rPr lang="en-US" dirty="0">
+                <a:solidFill>
+                  <a:srgbClr val="FF0000"/>
+                </a:solidFill>
+              </a:rPr>
+              <a:t>.</a:t>
+            </a:r>
+          </a:p>
+          <a:p>
+            <a:pPr marL="0" indent="0">
+              <a:buNone/>
+            </a:pPr>
+            <a:endParaRPr lang="en-US" dirty="0">
+              <a:solidFill>
+                <a:srgbClr val="FF0000"/>
+              </a:solidFill>
+            </a:endParaRPr>
+          </a:p>
+          <a:p>
+            <a:pPr marL="0" indent="0">
+              <a:buNone/>
+            </a:pPr>
+            <a:r>
+              <a:rPr lang="en-US" dirty="0"/>
+              <a:t>Use when you need to manipulate data.</a:t>
+            </a:r>
+          </a:p>
+          <a:p>
+            <a:pPr marL="0" indent="0">
+              <a:buNone/>
+            </a:pPr>
+            <a:r>
+              <a:rPr lang="en-US" dirty="0">
+                <a:solidFill>
+                  <a:srgbClr val="FF0000"/>
+                </a:solidFill>
+              </a:rPr>
+              <a:t>Use when </a:t>
+            </a:r>
+            <a:r>
+              <a:rPr lang="en-US" b="1" dirty="0">
+                <a:solidFill>
+                  <a:srgbClr val="FF0000"/>
+                </a:solidFill>
+              </a:rPr>
+              <a:t>high-performance</a:t>
+            </a:r>
+            <a:r>
+              <a:rPr lang="en-US" dirty="0">
+                <a:solidFill>
+                  <a:srgbClr val="FF0000"/>
+                </a:solidFill>
+              </a:rPr>
+              <a:t> is really important</a:t>
+            </a:r>
+          </a:p>
+          <a:p>
+            <a:pPr marL="0" indent="0">
+              <a:buNone/>
+            </a:pPr>
+            <a:r>
+              <a:rPr lang="en-US" dirty="0">
+                <a:solidFill>
+                  <a:srgbClr val="FF0000"/>
+                </a:solidFill>
+              </a:rPr>
+              <a:t>Use to </a:t>
+            </a:r>
+            <a:r>
+              <a:rPr lang="en-US" b="1" dirty="0">
+                <a:solidFill>
+                  <a:srgbClr val="FF0000"/>
+                </a:solidFill>
+              </a:rPr>
+              <a:t>remove duplicates</a:t>
+            </a:r>
+            <a:r>
+              <a:rPr lang="en-US" dirty="0">
+                <a:solidFill>
+                  <a:srgbClr val="FF0000"/>
+                </a:solidFill>
+              </a:rPr>
+              <a:t> from arrays.</a:t>
+            </a:r>
+          </a:p>
+        </p:txBody>
+      </p:sp>
+    </p:spTree>
+    <p:extLst>
+      <p:ext uri="{BB962C8B-B14F-4D97-AF65-F5344CB8AC3E}">
+        <p14:creationId xmlns:p14="http://schemas.microsoft.com/office/powerpoint/2010/main" val="2090561325"/>
+      </p:ext>
+    </p:extLst>
+  </p:cSld>
+  <p:clrMapOvr>
+    <a:masterClrMapping/>
+  </p:clrMapOvr>
+</p:sld>
+</file>
+
+<file path=ppt/slides/slide73.xml><?xml version="1.0" encoding="utf-8"?>
+<p:sld xmlns:a="http://schemas.openxmlformats.org/drawingml/2006/main" xmlns:r="http://schemas.openxmlformats.org/officeDocument/2006/relationships" xmlns:p="http://schemas.openxmlformats.org/presentationml/2006/main">
+  <p:cSld>
+    <p:spTree>
+      <p:nvGrpSpPr>
+        <p:cNvPr id="1" name="">
+          <a:extLst>
+            <a:ext uri="{FF2B5EF4-FFF2-40B4-BE49-F238E27FC236}">
+              <a16:creationId xmlns:a16="http://schemas.microsoft.com/office/drawing/2014/main" id="{B13C0ED4-26B5-7B4D-BAF1-8D9BCF2ADFF4}"/>
+            </a:ext>
+          </a:extLst>
+        </p:cNvPr>
+        <p:cNvGrpSpPr/>
+        <p:nvPr/>
+      </p:nvGrpSpPr>
+      <p:grpSpPr>
+        <a:xfrm>
+          <a:off x="0" y="0"/>
+          <a:ext cx="0" cy="0"/>
+          <a:chOff x="0" y="0"/>
+          <a:chExt cx="0" cy="0"/>
+        </a:xfrm>
+      </p:grpSpPr>
+      <p:sp>
+        <p:nvSpPr>
+          <p:cNvPr id="2" name="Title 1">
+            <a:extLst>
+              <a:ext uri="{FF2B5EF4-FFF2-40B4-BE49-F238E27FC236}">
+                <a16:creationId xmlns:a16="http://schemas.microsoft.com/office/drawing/2014/main" id="{ECD32815-6552-707E-7D06-D5AC3D9D077E}"/>
+              </a:ext>
+            </a:extLst>
+          </p:cNvPr>
+          <p:cNvSpPr>
+            <a:spLocks noGrp="1"/>
+          </p:cNvSpPr>
+          <p:nvPr>
+            <p:ph type="title"/>
+          </p:nvPr>
+        </p:nvSpPr>
+        <p:spPr/>
+        <p:txBody>
+          <a:bodyPr/>
+          <a:lstStyle/>
+          <a:p>
+            <a:r>
+              <a:rPr lang="en-US" dirty="0"/>
+              <a:t>Objects vs </a:t>
+            </a:r>
+            <a:r>
+              <a:rPr lang="en-US" b="1" dirty="0">
+                <a:solidFill>
+                  <a:srgbClr val="FF0000"/>
+                </a:solidFill>
+              </a:rPr>
+              <a:t>Maps</a:t>
+            </a:r>
+          </a:p>
+        </p:txBody>
+      </p:sp>
+      <p:sp>
+        <p:nvSpPr>
+          <p:cNvPr id="3" name="Content Placeholder 2">
+            <a:extLst>
+              <a:ext uri="{FF2B5EF4-FFF2-40B4-BE49-F238E27FC236}">
+                <a16:creationId xmlns:a16="http://schemas.microsoft.com/office/drawing/2014/main" id="{5EB9FFA9-F119-2624-C636-A3369DAECE45}"/>
+              </a:ext>
+            </a:extLst>
+          </p:cNvPr>
+          <p:cNvSpPr>
+            <a:spLocks noGrp="1"/>
+          </p:cNvSpPr>
+          <p:nvPr>
+            <p:ph idx="1"/>
+          </p:nvPr>
+        </p:nvSpPr>
+        <p:spPr>
+          <a:xfrm>
+            <a:off x="678286" y="1960562"/>
+            <a:ext cx="5257800" cy="4351338"/>
+          </a:xfrm>
+        </p:spPr>
+        <p:txBody>
+          <a:bodyPr/>
+          <a:lstStyle/>
+          <a:p>
+            <a:pPr marL="0" indent="0">
+              <a:buNone/>
+            </a:pPr>
+            <a:r>
+              <a:rPr lang="en-US" dirty="0"/>
+              <a:t>More ”traditional” key/value store.</a:t>
+            </a:r>
+          </a:p>
+          <a:p>
+            <a:pPr marL="0" indent="0">
+              <a:buNone/>
+            </a:pPr>
+            <a:r>
+              <a:rPr lang="en-US" dirty="0"/>
+              <a:t>Easier to write and access values with . And [].</a:t>
+            </a:r>
+          </a:p>
+          <a:p>
+            <a:pPr marL="0" indent="0">
+              <a:buNone/>
+            </a:pPr>
+            <a:r>
+              <a:rPr lang="en-US" dirty="0"/>
+              <a:t>Use when you need to include functions (methods)</a:t>
+            </a:r>
+          </a:p>
+          <a:p>
+            <a:pPr marL="0" indent="0">
+              <a:buNone/>
+            </a:pPr>
+            <a:r>
+              <a:rPr lang="en-US" dirty="0"/>
+              <a:t>Use when working with JSON(can convert to map)</a:t>
+            </a:r>
+          </a:p>
+        </p:txBody>
+      </p:sp>
+      <p:sp>
+        <p:nvSpPr>
+          <p:cNvPr id="4" name="Content Placeholder 2">
+            <a:extLst>
+              <a:ext uri="{FF2B5EF4-FFF2-40B4-BE49-F238E27FC236}">
+                <a16:creationId xmlns:a16="http://schemas.microsoft.com/office/drawing/2014/main" id="{05BA49E3-428A-BA67-F64F-0E4466B7BD2F}"/>
+              </a:ext>
+            </a:extLst>
+          </p:cNvPr>
+          <p:cNvSpPr txBox="1">
+            <a:spLocks/>
+          </p:cNvSpPr>
+          <p:nvPr/>
+        </p:nvSpPr>
+        <p:spPr>
+          <a:xfrm>
+            <a:off x="5936086" y="1825625"/>
+            <a:ext cx="6067023" cy="4351338"/>
+          </a:xfrm>
+          <a:prstGeom prst="rect">
+            <a:avLst/>
+          </a:prstGeom>
+        </p:spPr>
+        <p:txBody>
+          <a:bodyPr vert="horz" lIns="91440" tIns="45720" rIns="91440" bIns="45720" rtlCol="0">
+            <a:normAutofit/>
+          </a:bodyPr>
+          <a:lstStyle>
+            <a:lvl1pPr marL="228600" indent="-228600" algn="l" defTabSz="914400" rtl="0" eaLnBrk="1" latinLnBrk="0" hangingPunct="1">
+              <a:lnSpc>
+                <a:spcPct val="90000"/>
+              </a:lnSpc>
+              <a:spcBef>
+                <a:spcPts val="1000"/>
+              </a:spcBef>
+              <a:buFont typeface="Arial" panose="020B0604020202020204" pitchFamily="34" charset="0"/>
+              <a:buChar char="•"/>
+              <a:defRPr sz="2800" kern="1200">
+                <a:solidFill>
+                  <a:schemeClr val="tx1"/>
+                </a:solidFill>
+                <a:latin typeface="+mn-lt"/>
+                <a:ea typeface="+mn-ea"/>
+                <a:cs typeface="+mn-cs"/>
+              </a:defRPr>
+            </a:lvl1pPr>
+            <a:lvl2pPr marL="685800" indent="-228600" algn="l" defTabSz="914400" rtl="0" eaLnBrk="1" latinLnBrk="0" hangingPunct="1">
+              <a:lnSpc>
+                <a:spcPct val="90000"/>
+              </a:lnSpc>
+              <a:spcBef>
+                <a:spcPts val="500"/>
+              </a:spcBef>
+              <a:buFont typeface="Arial" panose="020B0604020202020204" pitchFamily="34" charset="0"/>
+              <a:buChar char="•"/>
+              <a:defRPr sz="2400" kern="1200">
+                <a:solidFill>
+                  <a:schemeClr val="tx1"/>
+                </a:solidFill>
+                <a:latin typeface="+mn-lt"/>
+                <a:ea typeface="+mn-ea"/>
+                <a:cs typeface="+mn-cs"/>
+              </a:defRPr>
+            </a:lvl2pPr>
+            <a:lvl3pPr marL="1143000" indent="-228600" algn="l" defTabSz="914400" rtl="0" eaLnBrk="1" latinLnBrk="0" hangingPunct="1">
+              <a:lnSpc>
+                <a:spcPct val="90000"/>
+              </a:lnSpc>
+              <a:spcBef>
+                <a:spcPts val="500"/>
+              </a:spcBef>
+              <a:buFont typeface="Arial" panose="020B0604020202020204" pitchFamily="34" charset="0"/>
+              <a:buChar char="•"/>
+              <a:defRPr sz="2000" kern="1200">
+                <a:solidFill>
+                  <a:schemeClr val="tx1"/>
+                </a:solidFill>
+                <a:latin typeface="+mn-lt"/>
+                <a:ea typeface="+mn-ea"/>
+                <a:cs typeface="+mn-cs"/>
+              </a:defRPr>
+            </a:lvl3pPr>
+            <a:lvl4pPr marL="1600200" indent="-228600" algn="l" defTabSz="914400" rtl="0" eaLnBrk="1" latinLnBrk="0" hangingPunct="1">
+              <a:lnSpc>
+                <a:spcPct val="90000"/>
+              </a:lnSpc>
+              <a:spcBef>
+                <a:spcPts val="500"/>
+              </a:spcBef>
+              <a:buFont typeface="Arial" panose="020B0604020202020204" pitchFamily="34" charset="0"/>
+              <a:buChar char="•"/>
+              <a:defRPr sz="1800" kern="1200">
+                <a:solidFill>
+                  <a:schemeClr val="tx1"/>
+                </a:solidFill>
+                <a:latin typeface="+mn-lt"/>
+                <a:ea typeface="+mn-ea"/>
+                <a:cs typeface="+mn-cs"/>
+              </a:defRPr>
+            </a:lvl4pPr>
+            <a:lvl5pPr marL="2057400" indent="-228600" algn="l" defTabSz="914400" rtl="0" eaLnBrk="1" latinLnBrk="0" hangingPunct="1">
+              <a:lnSpc>
+                <a:spcPct val="90000"/>
+              </a:lnSpc>
+              <a:spcBef>
+                <a:spcPts val="500"/>
+              </a:spcBef>
+              <a:buFont typeface="Arial" panose="020B0604020202020204" pitchFamily="34" charset="0"/>
+              <a:buChar char="•"/>
+              <a:defRPr sz="1800" kern="1200">
+                <a:solidFill>
+                  <a:schemeClr val="tx1"/>
+                </a:solidFill>
+                <a:latin typeface="+mn-lt"/>
+                <a:ea typeface="+mn-ea"/>
+                <a:cs typeface="+mn-cs"/>
+              </a:defRPr>
+            </a:lvl5pPr>
+            <a:lvl6pPr marL="2514600" indent="-228600" algn="l" defTabSz="914400" rtl="0" eaLnBrk="1" latinLnBrk="0" hangingPunct="1">
+              <a:lnSpc>
+                <a:spcPct val="90000"/>
+              </a:lnSpc>
+              <a:spcBef>
+                <a:spcPts val="500"/>
+              </a:spcBef>
+              <a:buFont typeface="Arial" panose="020B0604020202020204" pitchFamily="34" charset="0"/>
+              <a:buChar char="•"/>
+              <a:defRPr sz="1800" kern="1200">
+                <a:solidFill>
+                  <a:schemeClr val="tx1"/>
+                </a:solidFill>
+                <a:latin typeface="+mn-lt"/>
+                <a:ea typeface="+mn-ea"/>
+                <a:cs typeface="+mn-cs"/>
+              </a:defRPr>
+            </a:lvl6pPr>
+            <a:lvl7pPr marL="2971800" indent="-228600" algn="l" defTabSz="914400" rtl="0" eaLnBrk="1" latinLnBrk="0" hangingPunct="1">
+              <a:lnSpc>
+                <a:spcPct val="90000"/>
+              </a:lnSpc>
+              <a:spcBef>
+                <a:spcPts val="500"/>
+              </a:spcBef>
+              <a:buFont typeface="Arial" panose="020B0604020202020204" pitchFamily="34" charset="0"/>
+              <a:buChar char="•"/>
+              <a:defRPr sz="1800" kern="1200">
+                <a:solidFill>
+                  <a:schemeClr val="tx1"/>
+                </a:solidFill>
+                <a:latin typeface="+mn-lt"/>
+                <a:ea typeface="+mn-ea"/>
+                <a:cs typeface="+mn-cs"/>
+              </a:defRPr>
+            </a:lvl7pPr>
+            <a:lvl8pPr marL="3429000" indent="-228600" algn="l" defTabSz="914400" rtl="0" eaLnBrk="1" latinLnBrk="0" hangingPunct="1">
+              <a:lnSpc>
+                <a:spcPct val="90000"/>
+              </a:lnSpc>
+              <a:spcBef>
+                <a:spcPts val="500"/>
+              </a:spcBef>
+              <a:buFont typeface="Arial" panose="020B0604020202020204" pitchFamily="34" charset="0"/>
+              <a:buChar char="•"/>
+              <a:defRPr sz="1800" kern="1200">
+                <a:solidFill>
+                  <a:schemeClr val="tx1"/>
+                </a:solidFill>
+                <a:latin typeface="+mn-lt"/>
+                <a:ea typeface="+mn-ea"/>
+                <a:cs typeface="+mn-cs"/>
+              </a:defRPr>
+            </a:lvl8pPr>
+            <a:lvl9pPr marL="3886200" indent="-228600" algn="l" defTabSz="914400" rtl="0" eaLnBrk="1" latinLnBrk="0" hangingPunct="1">
+              <a:lnSpc>
+                <a:spcPct val="90000"/>
+              </a:lnSpc>
+              <a:spcBef>
+                <a:spcPts val="500"/>
+              </a:spcBef>
+              <a:buFont typeface="Arial" panose="020B0604020202020204" pitchFamily="34" charset="0"/>
+              <a:buChar char="•"/>
+              <a:defRPr sz="1800" kern="1200">
+                <a:solidFill>
+                  <a:schemeClr val="tx1"/>
+                </a:solidFill>
+                <a:latin typeface="+mn-lt"/>
+                <a:ea typeface="+mn-ea"/>
+                <a:cs typeface="+mn-cs"/>
+              </a:defRPr>
+            </a:lvl9pPr>
+          </a:lstStyle>
+          <a:p>
+            <a:pPr marL="0" indent="0">
+              <a:buFont typeface="Arial" panose="020B0604020202020204" pitchFamily="34" charset="0"/>
+              <a:buNone/>
+            </a:pPr>
+            <a:r>
+              <a:rPr lang="en-US" dirty="0"/>
+              <a:t>Better performance.</a:t>
+            </a:r>
+          </a:p>
+          <a:p>
+            <a:pPr marL="0" indent="0">
+              <a:buFont typeface="Arial" panose="020B0604020202020204" pitchFamily="34" charset="0"/>
+              <a:buNone/>
+            </a:pPr>
+            <a:r>
+              <a:rPr lang="en-US" dirty="0"/>
+              <a:t>Keys can have any data type.</a:t>
+            </a:r>
+          </a:p>
+          <a:p>
+            <a:pPr marL="0" indent="0">
+              <a:buFont typeface="Arial" panose="020B0604020202020204" pitchFamily="34" charset="0"/>
+              <a:buNone/>
+            </a:pPr>
+            <a:r>
+              <a:rPr lang="en-US" dirty="0"/>
+              <a:t>Easy to iterate.</a:t>
+            </a:r>
+          </a:p>
+          <a:p>
+            <a:pPr marL="0" indent="0">
+              <a:buFont typeface="Arial" panose="020B0604020202020204" pitchFamily="34" charset="0"/>
+              <a:buNone/>
+            </a:pPr>
+            <a:r>
+              <a:rPr lang="en-US" dirty="0"/>
+              <a:t>Easy to compute size.</a:t>
+            </a:r>
+          </a:p>
+          <a:p>
+            <a:pPr marL="0" indent="0">
+              <a:buFont typeface="Arial" panose="020B0604020202020204" pitchFamily="34" charset="0"/>
+              <a:buNone/>
+            </a:pPr>
+            <a:r>
+              <a:rPr lang="en-US" dirty="0"/>
+              <a:t>Use when you simply need to map key to values.</a:t>
+            </a:r>
+          </a:p>
+          <a:p>
+            <a:pPr marL="0" indent="0">
+              <a:buFont typeface="Arial" panose="020B0604020202020204" pitchFamily="34" charset="0"/>
+              <a:buNone/>
+            </a:pPr>
+            <a:r>
+              <a:rPr lang="en-US" dirty="0"/>
+              <a:t>Use when you need keys that are not strings.</a:t>
+            </a:r>
+          </a:p>
+        </p:txBody>
+      </p:sp>
+    </p:spTree>
+    <p:extLst>
+      <p:ext uri="{BB962C8B-B14F-4D97-AF65-F5344CB8AC3E}">
+        <p14:creationId xmlns:p14="http://schemas.microsoft.com/office/powerpoint/2010/main" val="3582808611"/>
       </p:ext>
     </p:extLst>
   </p:cSld>

--- a/JavaScript.pptx
+++ b/JavaScript.pptx
@@ -5,7 +5,7 @@
     <p:sldMasterId id="2147483648" r:id="rId1"/>
   </p:sldMasterIdLst>
   <p:notesMasterIdLst>
-    <p:notesMasterId r:id="rId75"/>
+    <p:notesMasterId r:id="rId83"/>
   </p:notesMasterIdLst>
   <p:sldIdLst>
     <p:sldId id="256" r:id="rId2"/>
@@ -81,6 +81,14 @@
     <p:sldId id="327" r:id="rId72"/>
     <p:sldId id="328" r:id="rId73"/>
     <p:sldId id="329" r:id="rId74"/>
+    <p:sldId id="330" r:id="rId75"/>
+    <p:sldId id="331" r:id="rId76"/>
+    <p:sldId id="332" r:id="rId77"/>
+    <p:sldId id="333" r:id="rId78"/>
+    <p:sldId id="335" r:id="rId79"/>
+    <p:sldId id="336" r:id="rId80"/>
+    <p:sldId id="337" r:id="rId81"/>
+    <p:sldId id="334" r:id="rId82"/>
   </p:sldIdLst>
   <p:sldSz cx="12192000" cy="6858000"/>
   <p:notesSz cx="6858000" cy="9144000"/>
@@ -3935,6 +3943,280 @@
 </inkml:ink>
 </file>
 
+<file path=ppt/ink/ink40.xml><?xml version="1.0" encoding="utf-8"?>
+<inkml:ink xmlns:inkml="http://www.w3.org/2003/InkML">
+  <inkml:definitions>
+    <inkml:context xml:id="ctx0">
+      <inkml:inkSource xml:id="inkSrc0">
+        <inkml:traceFormat>
+          <inkml:channel name="X" type="integer" min="-2.14748E9" max="2.14748E9" units="cm"/>
+          <inkml:channel name="Y" type="integer" min="-2.14748E9" max="2.14748E9" units="cm"/>
+        </inkml:traceFormat>
+        <inkml:channelProperties>
+          <inkml:channelProperty channel="X" name="resolution" value="1000" units="1/cm"/>
+          <inkml:channelProperty channel="Y" name="resolution" value="1000" units="1/cm"/>
+        </inkml:channelProperties>
+      </inkml:inkSource>
+      <inkml:timestamp xml:id="ts0" timeString="2024-11-18T14:46:55.421"/>
+    </inkml:context>
+    <inkml:brush xml:id="br0">
+      <inkml:brushProperty name="width" value="0.3" units="cm"/>
+      <inkml:brushProperty name="height" value="0.6" units="cm"/>
+      <inkml:brushProperty name="color" value="#FFFC00"/>
+      <inkml:brushProperty name="tip" value="rectangle"/>
+      <inkml:brushProperty name="rasterOp" value="maskPen"/>
+    </inkml:brush>
+  </inkml:definitions>
+  <inkml:trace contextRef="#ctx0" brushRef="#br0">1 38,'39'10,"-6"-2,-24-8,0 0,12 0,-9 0,14 0,-16 0,11 0,-6 0,3 0,-1 0,-2 0,3 0,0 0,-4 0,3 0,-3 0,4 0,1 0,-5 0,3 0,-3 0,4 0,4 0,-2 0,6 0,-11 0,6 0,-3 0,10 0,-8 0,9 0,-18 0,14 0,-9 0,6 0,-8 0,3 0,-3 0,4 0,0 0,-3 0,2 0,-3 0,4 0,0 0,-4 0,3 0,-2 0,3 0,0 0,-4 0,3 0,-3 0,5 0,-1 0,-4 0,3 0,1 0,-3 0,6 0,-6 0,-1 0,7 0,-6-4,7 3,-8-7,8 7,-11-3,10 4,-3 0,1 0,3 0,-3 0,7 0,-6 0,32 0,-27 0,37 0,-44 0,13 0,-22 0,4 0,6 0,-4 0,6 0,-7 0,4 0,4 0,-6 0,5-4,1-1,-6-1,9 2,-15 4,4-8,3 6,-6-6,10 8,-7 0,0 0,8 0,-11 0,14 0,-14 0,10 0,-7 0,4 0,26 0,-19 0,19 0,-30 0,-1 0,5 0,-3 0,3 0,-1 0,-3 0,4 0,5 0,-8 0,14 0,-5 0,9 0,6 0,-14 0,9 0,-14 0,6 0,-11 0,2 0,0 0,-6 0,11 0,-8 0,0 0,7 0,-10 0,10 0,-7 0,5 0,9 0,-12 0,27 0,-21 0,18 0,-13 0,-4 0,-5 0,-5 0,5 0,-3 0,3 0,-1 0,-3 0,4 0,10 0,3 0,27 0,-24 0,20 0,-38 0,6 0,-9 0,1 0,4 0,0 0,-4 0,3 0,-2 0,3 0,0 0,-4 0,3 0,1 0,-2 0,9 0,-14 0,10 4,-7 1,4 0,-4-1,8-4,-11 0,6 8,0-6,-6 6,10-8,-7 0,1 0,6 0,-10 0,10 0,-7 0,0 0,8 0,-7 0,7 0,-4 0,0 0,17 0,-13 0,48 0,-14 0,32 0,-38 0,-15 0,-31 0</inkml:trace>
+</inkml:ink>
+</file>
+
+<file path=ppt/ink/ink41.xml><?xml version="1.0" encoding="utf-8"?>
+<inkml:ink xmlns:inkml="http://www.w3.org/2003/InkML">
+  <inkml:definitions>
+    <inkml:context xml:id="ctx0">
+      <inkml:inkSource xml:id="inkSrc0">
+        <inkml:traceFormat>
+          <inkml:channel name="X" type="integer" min="-2.14748E9" max="2.14748E9" units="cm"/>
+          <inkml:channel name="Y" type="integer" min="-2.14748E9" max="2.14748E9" units="cm"/>
+        </inkml:traceFormat>
+        <inkml:channelProperties>
+          <inkml:channelProperty channel="X" name="resolution" value="1000" units="1/cm"/>
+          <inkml:channelProperty channel="Y" name="resolution" value="1000" units="1/cm"/>
+        </inkml:channelProperties>
+      </inkml:inkSource>
+      <inkml:timestamp xml:id="ts0" timeString="2024-11-18T14:47:05.731"/>
+    </inkml:context>
+    <inkml:brush xml:id="br0">
+      <inkml:brushProperty name="width" value="0.3" units="cm"/>
+      <inkml:brushProperty name="height" value="0.6" units="cm"/>
+      <inkml:brushProperty name="color" value="#00F900"/>
+      <inkml:brushProperty name="tip" value="rectangle"/>
+      <inkml:brushProperty name="rasterOp" value="maskPen"/>
+    </inkml:brush>
+  </inkml:definitions>
+  <inkml:trace contextRef="#ctx0" brushRef="#br0">1 37,'39'0,"-6"0,-24 0,0 0,13 0,-10 0,9 0,-8 0,1 0,4 0,0 0,-3 0,2 0,-3 0,4 0,0 0,-4 0,3 0,-2 0,7 0,-7 0,2 0,0 0,-6 0,11 0,-8 0,0 0,7 0,-10 0,10 0,-7 0,1 0,6 0,-10 0,10 0,-7 0,0 0,8 0,-11 0,10 0,-7 0,0 0,7 0,-10 0,11 0,-8 0,0 0,7 0,-10 0,10 0,-7 0,1 0,6 0,-10 0,10 0,-7 0,0 0,8 0,-11 0,10-8,-7 6,0-7,3 9,-7-8,3-2</inkml:trace>
+</inkml:ink>
+</file>
+
+<file path=ppt/ink/ink42.xml><?xml version="1.0" encoding="utf-8"?>
+<inkml:ink xmlns:inkml="http://www.w3.org/2003/InkML">
+  <inkml:definitions>
+    <inkml:context xml:id="ctx0">
+      <inkml:inkSource xml:id="inkSrc0">
+        <inkml:traceFormat>
+          <inkml:channel name="X" type="integer" min="-2.14748E9" max="2.14748E9" units="cm"/>
+          <inkml:channel name="Y" type="integer" min="-2.14748E9" max="2.14748E9" units="cm"/>
+          <inkml:channel name="F" type="integer" max="32767" units="dev"/>
+        </inkml:traceFormat>
+        <inkml:channelProperties>
+          <inkml:channelProperty channel="X" name="resolution" value="1000" units="1/cm"/>
+          <inkml:channelProperty channel="Y" name="resolution" value="1000" units="1/cm"/>
+          <inkml:channelProperty channel="F" name="resolution" value="0" units="1/dev"/>
+        </inkml:channelProperties>
+      </inkml:inkSource>
+      <inkml:timestamp xml:id="ts0" timeString="2024-11-18T14:47:19.159"/>
+    </inkml:context>
+    <inkml:brush xml:id="br0">
+      <inkml:brushProperty name="width" value="0.035" units="cm"/>
+      <inkml:brushProperty name="height" value="0.035" units="cm"/>
+    </inkml:brush>
+  </inkml:definitions>
+  <inkml:trace contextRef="#ctx0" brushRef="#br0">1 14 24575,'0'-9'0,"4"8"0,1-2 0,16 19 0,-9-9 0,13 10 0,-15-12 0,16 7 0,-6-2 0,3 4 0,-2 4 0,-15-4 0,6 0 0,-3-1 0,2-4 0,2-4 0,-4 3 0,0-3 0,0 0 0,0-1 0,-4 0 0,3-3 0,-7 7 0,7-7 0,-3 7 0,4-3 0,0 1 0,0-2 0,-3 0 0,2 1 0,-3 0 0,4-1 0,0 0 0,0 1 0,0 0 0,0 3 0,4 1 0,-3 1 0,3-1 0,-4-5 0,-3 0 0,2-3 0,1 7 0,-3-3 0,6 4 0,-7-3 0,4 2 0,0-3 0,8 4 0,-2 0 0,8 8 0,-9-10 0,11 13 0,-13-14 0,9 7 0,-12-8 0,0-1 0,-4 1 0,4 0 0,-4 0 0,4-1 0,4-4 0,1 8 0,0-6 0,7 6 0,-14-4 0,22 5 0,-21-3 0,25 14 0,-21-17 0,13 9 0,-15-12 0,8 0 0,-8 4 0,3 1 0,-4 0 0,0-1 0,0-4 0,0 0 0,0 0 0,0 0 0,0 0 0,-4 5 0,3 0 0,-3 0 0,5-1 0,-1-4 0,0 0 0,0 0 0,0 0 0,0 0 0,0 0 0,0 4 0,-4 1 0,3 0 0,-3-1 0,4-4 0,0 0 0,1 0 0,3 0 0,-3 0 0,3 0 0,-8 0 0,-1 0 0</inkml:trace>
+</inkml:ink>
+</file>
+
+<file path=ppt/ink/ink43.xml><?xml version="1.0" encoding="utf-8"?>
+<inkml:ink xmlns:inkml="http://www.w3.org/2003/InkML">
+  <inkml:definitions>
+    <inkml:context xml:id="ctx0">
+      <inkml:inkSource xml:id="inkSrc0">
+        <inkml:traceFormat>
+          <inkml:channel name="X" type="integer" min="-2.14748E9" max="2.14748E9" units="cm"/>
+          <inkml:channel name="Y" type="integer" min="-2.14748E9" max="2.14748E9" units="cm"/>
+          <inkml:channel name="F" type="integer" max="32767" units="dev"/>
+        </inkml:traceFormat>
+        <inkml:channelProperties>
+          <inkml:channelProperty channel="X" name="resolution" value="1000" units="1/cm"/>
+          <inkml:channelProperty channel="Y" name="resolution" value="1000" units="1/cm"/>
+          <inkml:channelProperty channel="F" name="resolution" value="0" units="1/dev"/>
+        </inkml:channelProperties>
+      </inkml:inkSource>
+      <inkml:timestamp xml:id="ts0" timeString="2024-11-18T14:47:21.823"/>
+    </inkml:context>
+    <inkml:brush xml:id="br0">
+      <inkml:brushProperty name="width" value="0.035" units="cm"/>
+      <inkml:brushProperty name="height" value="0.035" units="cm"/>
+    </inkml:brush>
+  </inkml:definitions>
+  <inkml:trace contextRef="#ctx0" brushRef="#br0">1 0 24575,'9'0'0,"0"0"0,0 0 0,0 0 0,0 0 0,0 4 0,0-3 0,8 11 0,-5-5 0,9 6 0,-11-4 0,7 0 0,-7 0 0,3-4 0,0 3 0,5 5 0,2-2 0,10 14 0,-14-13 0,13 5 0,-18-8 0,15 4 0,-15-3 0,10-1 0,-11-1 0,7-3 0,-7 0 0,-1 3 0,-1-7 0,2 7 0,0-3 0,11 5 0,-10-5 0,6-1 0,-8-4 0,4 4 0,-3 1 0,12 0 0,-7-1 0,11 4 0,-11-6 0,6 6 0,-11-8 0,4 0 0,-5 4 0,4 1 0,-3 0 0,7 7 0,-7-10 0,3 6 0,-4-8 0,12 4 0,-8-3 0,12 7 0,-15-7 0,15 3 0,-13-4 0,18 9 0,-19-7 0,6 6 0,-8-8 0,0 4 0,0-3 0,0 7 0,0-7 0,4 3 0,-3-4 0,4 4 0,-1-3 0,-3 7 0,3-7 0,0 3 0,-3-4 0,7 4 0,-7 1 0,3 0 0,1-1 0,4 0 0,-3 1 0,6 0 0,-11-1 0,11-4 0,-10 0 0,11 0 0,-12 0 0,-1 4 0,3 1 0,-2 0 0,4-1 0,7 1 0,-10-4 0,11 7 0,-12-7 0,3 7 0,-4-7 0,0 7 0,0-7 0,0 3 0,0-4 0,0 0 0,0 0 0,1 0 0,-1 4 0,-4 1 0,-1 0 0,-4-1 0</inkml:trace>
+</inkml:ink>
+</file>
+
+<file path=ppt/ink/ink44.xml><?xml version="1.0" encoding="utf-8"?>
+<inkml:ink xmlns:inkml="http://www.w3.org/2003/InkML">
+  <inkml:definitions>
+    <inkml:context xml:id="ctx0">
+      <inkml:inkSource xml:id="inkSrc0">
+        <inkml:traceFormat>
+          <inkml:channel name="X" type="integer" min="-2.14748E9" max="2.14748E9" units="cm"/>
+          <inkml:channel name="Y" type="integer" min="-2.14748E9" max="2.14748E9" units="cm"/>
+        </inkml:traceFormat>
+        <inkml:channelProperties>
+          <inkml:channelProperty channel="X" name="resolution" value="1000" units="1/cm"/>
+          <inkml:channelProperty channel="Y" name="resolution" value="1000" units="1/cm"/>
+        </inkml:channelProperties>
+      </inkml:inkSource>
+      <inkml:timestamp xml:id="ts0" timeString="2024-11-18T14:49:49.258"/>
+    </inkml:context>
+    <inkml:brush xml:id="br0">
+      <inkml:brushProperty name="width" value="0.3" units="cm"/>
+      <inkml:brushProperty name="height" value="0.6" units="cm"/>
+      <inkml:brushProperty name="color" value="#00F900"/>
+      <inkml:brushProperty name="tip" value="rectangle"/>
+      <inkml:brushProperty name="rasterOp" value="maskPen"/>
+    </inkml:brush>
+  </inkml:definitions>
+  <inkml:trace contextRef="#ctx0" brushRef="#br0">1 93,'39'0,"-5"0,-25 0,0 0,12 0,-9-4,9-1,-8 0,2-3,-1 2,3 1,-3 1,4 4,0 0,-4-4,4-1,-4 0,0 1,3 4,-3 0,4 0,0 0,-3 0,6 0,-10 0,10 0,-7 0,0 0,8 0,-7 0,7 0,-8 0,7 0,-10 0,15 0,-15 0,10 0,-3 0,-3 0,6-4,-11-1,8-1,-4 2,4 4,0 0,-4 0,3 0,-3 0,5 0,-1 0,-4 0,7 0,-10 0,10 0,-6 0,-1 0,7 0,-10 0,10 0,-7 0,0 0,8 0,-11 0,10 0,-7-4,0-1,3 0,2 1,4 4,-4 0,2 0,-11 0,7 0,2 0,-4 0,6 0,-7 0,0 0,7 0,-10 0,11 0,-8 0,0 0,7 0,-10 0,10 0,2 0,-7 0,9 0,-15 0,7 0,1 0,-3 0,7 0,-4 0,5 0,0 0,-5 0,4 0,-11 0,10 0,-7 0,0 0,7 0,-9 0,9 0,-7 0,0 4,3-3,-3 3,4-4,1 0,-5 0,3 0,-3 0,4 0,0 0,-4 0,4 0,-4 0,4 0,0 0,-4 0,3 0,-3 0,5 0,-1 0,-4 0,3 8,-3-6,0 6,4-8,-4 4,4 1,-4 0,3-1,-3-4,8 0,-6 0,5 0,-7 0,0 0,7 0,-10 0,11 0,-8 0,0 0,7 0,-10 0,10 0,-7 0,1 0,-2 0</inkml:trace>
+</inkml:ink>
+</file>
+
+<file path=ppt/ink/ink45.xml><?xml version="1.0" encoding="utf-8"?>
+<inkml:ink xmlns:inkml="http://www.w3.org/2003/InkML">
+  <inkml:definitions>
+    <inkml:context xml:id="ctx0">
+      <inkml:inkSource xml:id="inkSrc0">
+        <inkml:traceFormat>
+          <inkml:channel name="X" type="integer" min="-2.14748E9" max="2.14748E9" units="cm"/>
+          <inkml:channel name="Y" type="integer" min="-2.14748E9" max="2.14748E9" units="cm"/>
+        </inkml:traceFormat>
+        <inkml:channelProperties>
+          <inkml:channelProperty channel="X" name="resolution" value="1000" units="1/cm"/>
+          <inkml:channelProperty channel="Y" name="resolution" value="1000" units="1/cm"/>
+        </inkml:channelProperties>
+      </inkml:inkSource>
+      <inkml:timestamp xml:id="ts0" timeString="2024-11-18T14:49:59.920"/>
+    </inkml:context>
+    <inkml:brush xml:id="br0">
+      <inkml:brushProperty name="width" value="0.3" units="cm"/>
+      <inkml:brushProperty name="height" value="0.6" units="cm"/>
+      <inkml:brushProperty name="color" value="#FFFC00"/>
+      <inkml:brushProperty name="tip" value="rectangle"/>
+      <inkml:brushProperty name="rasterOp" value="maskPen"/>
+    </inkml:brush>
+  </inkml:definitions>
+  <inkml:trace contextRef="#ctx0" brushRef="#br0">0 1,'49'0,"-7"0,-28 0,3 0,6 0,-3 0,2 0,-1 0,2 0,18 0,-11 0,21 0,-33 0,19 0,-26 0,6 0,1 0,-3 0,3 0,7 0,-13 0,17 0,-13 0,10 0,-7 0,3 0,-4 0,1 0,25 4,-10-3,38 3,-37-4,35 0,-18 0,17 0,-1 0,-20 0,-6 0,-2 0,-15 0,9 0,-19 0,7 0,-8 0,0 0,7 0,-10 0,10 0,-2 0,0 0,3 0,-4 0,4 0,-7 0,3 0,-1 0,-2 0,3 0,-1 0,-3 0,9 0,23 0,-17 0,27 0,-36 0,34 0,-11 0,13 0,-10 0,-13 0,-6 0,-1 0,-11 0,7 0,-8 0,0 0,7 0,-10 0,10 0,-7 0,1 0,6 0,-6 0,3 0,-1 0,-3 0,5 0,-1 0,-4 0,3 0,-3 0,8 0,-7 0,7 0,-8 0,8 0,5 0,6 0,-1 0,-1 0,-4 0,9 0,-15 0,12 0,-22 0,10 0,-6 0,7 0,-7 0,6 0,-7 0,0 0,8 0,-11 0,10 0,-7 0,0 0,15 0,-11 0,20 0,-22 0,13 0,-14 0,12 0,-8 0,11 0,-14 0,6 0,-9 0,1 0,4 0,0 0,0 0,-4 0,8 0,-11 0,10 0,-7 0,0 0,7 0,-10 0,11 0,0 0,-6 0,9 0,-7 0,2 0,2 0,0 0,-7 0,10 0,-14 0,15 0,-15 0,10 0,-7 0,12 4,-10-3,14 7,-15-7,7 3,-8-4,3 0,-2 0,3 0,0 0,-4 4,3 1,-3 0,0-1,4-4,-4 0,4 0,0 0,-4 0,3 0,-3 0,5 0,-1 4,-4 1,3 0,-3 3,0-7,3 7,2-7,0 3,-1 0,3 1,-10 0,6-1,-7-4</inkml:trace>
+</inkml:ink>
+</file>
+
+<file path=ppt/ink/ink46.xml><?xml version="1.0" encoding="utf-8"?>
+<inkml:ink xmlns:inkml="http://www.w3.org/2003/InkML">
+  <inkml:definitions>
+    <inkml:context xml:id="ctx0">
+      <inkml:inkSource xml:id="inkSrc0">
+        <inkml:traceFormat>
+          <inkml:channel name="X" type="integer" min="-2.14748E9" max="2.14748E9" units="cm"/>
+          <inkml:channel name="Y" type="integer" min="-2.14748E9" max="2.14748E9" units="cm"/>
+          <inkml:channel name="F" type="integer" max="32767" units="dev"/>
+        </inkml:traceFormat>
+        <inkml:channelProperties>
+          <inkml:channelProperty channel="X" name="resolution" value="1000" units="1/cm"/>
+          <inkml:channelProperty channel="Y" name="resolution" value="1000" units="1/cm"/>
+          <inkml:channelProperty channel="F" name="resolution" value="0" units="1/dev"/>
+        </inkml:channelProperties>
+      </inkml:inkSource>
+      <inkml:timestamp xml:id="ts0" timeString="2024-11-18T14:50:07.718"/>
+    </inkml:context>
+    <inkml:brush xml:id="br0">
+      <inkml:brushProperty name="width" value="0.035" units="cm"/>
+      <inkml:brushProperty name="height" value="0.035" units="cm"/>
+    </inkml:brush>
+  </inkml:definitions>
+  <inkml:trace contextRef="#ctx0" brushRef="#br0">0 32 24575,'9'-13'0,"67"-5"-9831,8 23 8341,11-9 1490,-14 26 2818,-52-16-2818,5 4 1719,1-5-1719,-7 0 0,4 7 0,-5-10 6784,-4 10-6784,-5-7 0,7 4 0,-12-4 0,28 7 0,-15-6 0,15 8 0,4-5 0,-1 2 0,14 0 0,9 6 0,-25-8 0,38 16 0,-43-21 0,35 20 0,-30-22 0,30 16 0,-17-5 0,21 3 0,12 5 0,-13-3 0,16 0 0,-25 3 0,-26-9 0,40 3 0,-51-5 0,61 5 0,-66-9 0,37 6 0,-39-11 0,28 11 0,-23-6 0,16 7 0,-15-4 0,-1 0 0,-4-4 0,-5 4 0,-4-8 0,19 11 0,-15-6 0,33 11 0,-11-7 0,7 3 0,-1-4 0,0 0 0,-7 4 0,11-7 0,-21 3 0,13-9 0,-20 0 0,30 4 0,-29 1 0,30 0 0,-36-1 0,16 4 0,-14-6 0,0 6 0,3-8 0,-8 4 0,4-3 0,0 7 0,-4-7 0,7 7 0,-10-7 0,11 11 0,-12-10 0,15 10 0,-13-7 0,21 4 0,-12-4 0,6 0 0,-1-1 0,9 1 0,-8 4 0,33 6 0,-26-9 0,25 8 0,-32-9 0,6 4 0,-22-4 0,6-1 0,-8-4 0,1 0 0,-1 0 0,-4 4 0,3-3 0,-3 3 0,4-4 0,0 0 0,0 0 0,0 0 0,-4 5 0,3-4 0,-7 7 0,7-7 0,-3 3 0,4-4 0,1 0 0,-1 0 0,-4-4 0,-1 3 0,-4-4 0</inkml:trace>
+</inkml:ink>
+</file>
+
+<file path=ppt/ink/ink47.xml><?xml version="1.0" encoding="utf-8"?>
+<inkml:ink xmlns:inkml="http://www.w3.org/2003/InkML">
+  <inkml:definitions>
+    <inkml:context xml:id="ctx0">
+      <inkml:inkSource xml:id="inkSrc0">
+        <inkml:traceFormat>
+          <inkml:channel name="X" type="integer" min="-2.14748E9" max="2.14748E9" units="cm"/>
+          <inkml:channel name="Y" type="integer" min="-2.14748E9" max="2.14748E9" units="cm"/>
+          <inkml:channel name="F" type="integer" max="32767" units="dev"/>
+        </inkml:traceFormat>
+        <inkml:channelProperties>
+          <inkml:channelProperty channel="X" name="resolution" value="1000" units="1/cm"/>
+          <inkml:channelProperty channel="Y" name="resolution" value="1000" units="1/cm"/>
+          <inkml:channelProperty channel="F" name="resolution" value="0" units="1/dev"/>
+        </inkml:channelProperties>
+      </inkml:inkSource>
+      <inkml:timestamp xml:id="ts0" timeString="2024-11-18T14:50:10.247"/>
+    </inkml:context>
+    <inkml:brush xml:id="br0">
+      <inkml:brushProperty name="width" value="0.035" units="cm"/>
+      <inkml:brushProperty name="height" value="0.035" units="cm"/>
+    </inkml:brush>
+  </inkml:definitions>
+  <inkml:trace contextRef="#ctx0" brushRef="#br0">0 1 24575,'9'0'0,"5"0"0,-4 0 0,3 0 0,0 0 0,1 0 0,0 0 0,3 0 0,-7 0 0,8 0 0,-4 0 0,0 0 0,3 0 0,-7 0 0,3 0 0,-4 0 0,0 0 0,4 0 0,-2 0 0,10 0 0,-10 0 0,6 0 0,0 0 0,23 0 0,15 6 0,21 5 0,-14 3 0,10-2 0,-28-6 0,15-2 0,-24 1 0,4 4 0,3 2 0,15 2 0,-5-5 0,12 4 0,-23-7 0,23 1 0,-32-2 0,29 0 0,-31 5 0,24 7 0,-6 0 0,9 0 0,-7-9 0,22 8 0,-35-8 0,53 16 0,-54-10 0,56 10 0,-55-10 0,33 7 0,-40-9 0,25 2 0,-7-4 0,18 0 0,-23 0 0,17 4 0,-28-1 0,16-1 0,6-1 0,20 9-500,4-2 0,0 1 500,4 3 0,-27-8 0,-4 0 0,-3-2 0,-10-2 0,-11 0 0,-13-4 0,3 3 0,-7-7 1000,3 8-1000,-4-4 0,0 0 0,0-1 0,0-4 0,-4 4 0,3 1 0,-2 0 0,7 7 0,-3-6 0,3 7 0,-4-4 0,4-4 0,17 15 0,-3-8 0,12 15 0,-16-9 0,-5-4 0,-1-1 0,-2-4 0,3 4 0,4 1 0,5 5 0,10 7 0,-8-10 0,27 25 0,-31-27 0,35 27 0,-42-33 0,7 13 0,-17-20 0,-3 3 0,4-4 0,1 0 0,-5 0 0,-1 0 0</inkml:trace>
+</inkml:ink>
+</file>
+
+<file path=ppt/ink/ink48.xml><?xml version="1.0" encoding="utf-8"?>
+<inkml:ink xmlns:inkml="http://www.w3.org/2003/InkML">
+  <inkml:definitions>
+    <inkml:context xml:id="ctx0">
+      <inkml:inkSource xml:id="inkSrc0">
+        <inkml:traceFormat>
+          <inkml:channel name="X" type="integer" min="-2.14748E9" max="2.14748E9" units="cm"/>
+          <inkml:channel name="Y" type="integer" min="-2.14748E9" max="2.14748E9" units="cm"/>
+          <inkml:channel name="F" type="integer" max="32767" units="dev"/>
+        </inkml:traceFormat>
+        <inkml:channelProperties>
+          <inkml:channelProperty channel="X" name="resolution" value="1000" units="1/cm"/>
+          <inkml:channelProperty channel="Y" name="resolution" value="1000" units="1/cm"/>
+          <inkml:channelProperty channel="F" name="resolution" value="0" units="1/dev"/>
+        </inkml:channelProperties>
+      </inkml:inkSource>
+      <inkml:timestamp xml:id="ts0" timeString="2024-11-22T14:48:51.055"/>
+    </inkml:context>
+    <inkml:brush xml:id="br0">
+      <inkml:brushProperty name="width" value="0.035" units="cm"/>
+      <inkml:brushProperty name="height" value="0.035" units="cm"/>
+    </inkml:brush>
+  </inkml:definitions>
+  <inkml:trace contextRef="#ctx0" brushRef="#br0">1 36 24575,'23'64'0,"0"0"0,-9-21 0,11 27 0,-5-7 0,-19-44 0,3-5 0,-4 8 0,0-11 0,4 6 0,-3-7 0,3-1 0,-4 0 0,0 0 0,0 0 0,0 1 0,0-1 0,0 8 0,0 3 0,0-1 0,0-1 0,0-1 0,0-6 0,0 15 0,0-15 0,0 15 0,0-15 0,0 19 0,0-18 0,0 18 0,0-19 0,0 6 0,0-7 0,0-1 0,4 0 0,2 0 0,-1 0 0,-1 1 0,-4-1 0,0 0 0,0 0 0,4-4 0,-3 4 0,7-4 0,-7 12 0,7-6 0,-3 11 0,0-12 0,0 3 0,-5-3 0,4-5 0,1-1 0,4-4 0,0 0 0,0 0 0,1 0 0,-1 0 0,0 0 0,0 0 0,9 0 0,-7 0 0,19 0 0,-6 0 0,17 0 0,-11 0 0,13 0 0,-26 0 0,17 0 0,-23 0 0,11-4 0,-16-2 0,6 1 0,-7 1 0,9 4 0,-4 0 0,-1-4 0,-1-1 0,-3 0 0,5 0 0,-1 5 0,0 0 0,0 0 0,0 0 0,9 0 0,-7 0 0,11 0 0,-8 0 0,21 0 0,-5 0 0,11 0 0,-9 0 0,-4 0 0,4 0 0,18 0 0,-7 0 0,17 0 0,-21 0 0,12 0 0,-11 0 0,2 0 0,-18 0 0,1 0 0,-13 0 0,9 0 0,-6 0 0,3 0 0,-4 0 0,0 0 0,-5 0 0,0 0 0,0 0 0,0 0 0,1 0 0,-1 0 0,0 0 0,0 0 0,0 0 0,1 0 0,-1 0 0,0 0 0,17 0 0,-9 0 0,30 0 0,-24 0 0,24 0 0,-26 0 0,26 0 0,-12 0 0,7 0 0,-14 0 0,6 0 0,-17 0 0,22 0 0,-19 0 0,7 0 0,-9 0 0,-3 0 0,-2 0 0,-4 0 0,0 0 0,1 0 0,-1 0 0,0 0 0,0 0 0,1 0 0,7 0 0,7 0 0,-4 0 0,18 0 0,-17 0 0,15 0 0,-20-4 0,0-1 0,-11 0 0,4 1 0,0 4 0,1 0 0,-1 0 0,0 0 0,0 0 0,1 0 0,-1 0 0,-4-5 0,-1 0 0,0 0 0,-3-3 0,15 3 0,-8-5 0,9 1 0,-8 4 0,-4-4 0,-1 4 0,-4-4 0,0-1 0,0 1 0,-4 0 0,-1 4 0,0-8 0,1 7 0,0-8 0,-2 5 0,1 0 0,1-1 0,0 1 0,-1 0 0,-5 3 0,1-6 0,4 6 0,1-12 0,4 3 0,0-3 0,0 3 0,0-3 0,0 8 0,0-8 0,4 8 0,1-8 0,0 8 0,-1-4 0,0 5 0,1-4 0,0-2 0,8-8 0,-11 8 0,6-7 0,-8 11 0,0-2 0,0 3 0,0 1 0,0 0 0,0-5 0,0 0 0,0-5 0,0-4 0,0 0 0,0 3 0,8-6 0,-6 6 0,12-18 0,-12 16 0,8-18 0,-9 28 0,3-10 0,0 17 0,1 1 0,0 0 0,-1-2 0,-8 1 0,-1 1 0,-4 4 0,-1 0 0,1 0 0,0 0 0,-9 0 0,7 0 0,-11 0 0,11 0 0,-6-4 0,10-1 0,-13-5 0,12 5 0,-18-3 0,15 7 0,-15-8 0,6 4 0,-4 0 0,6 1 0,-12 4 0,4 0 0,-25 0 0,-9 0 0,-12 0 0,-11 0 0,-8 0 0,29 0 0,2 0 0,28 0 0,12 0 0,-2 0 0,13 0 0,-1 0 0,-3 0 0,-2 0 0,-8 0 0,8 0 0,-19 0 0,8 0 0,-16 0 0,9 0 0,1 0 0,13 0 0,1 0 0,9 0 0,-1 0 0,1 0 0,4 4 0,-12-3 0,6 3 0,-8-4 0,2 0 0,2 0 0,-4 0 0,-25 0 0,22 0 0,-26 0 0,37 0 0,-15 8 0,14-6 0,-9 7 0,-2-9 0,6 0 0,-9 0 0,8 0 0,2 0 0,-2 0 0,9 0 0,-17 0 0,13 0 0,-22 4 0,24-3 0,-19 7 0,18-7 0,-10 3 0,8-4 0,0 0 0,-1 0 0,2 0 0,3 0 0,1 0 0,-9 0 0,7 0 0,-7 0 0,9 0 0,-1 0 0,1 0 0,0 0 0,-1 0 0,-3 0 0,3 0 0,-8 0 0,7 0 0,-2 0 0,-1 0 0,0 0 0,-1 0 0,-7 0 0,11 0 0,-7 4 0,9 1 0,0 0 0,-1-1 0,1-4 0,0 0 0,-1 0 0,1 0 0,0 0 0,-1 0 0,1 0 0,-1 0 0,1 0 0,4 4 0,-3 2 0,2-1 0,-3-1 0,0-4 0,-1 4 0,1 1 0,0 0 0,-1-1 0,1-4 0,0 0 0,-1 0 0,1 0 0,0 0 0,-1 0 0,1-4 0,-1-1 0,5 0 0,1 1 0</inkml:trace>
+</inkml:ink>
+</file>
+
+<file path=ppt/ink/ink49.xml><?xml version="1.0" encoding="utf-8"?>
+<inkml:ink xmlns:inkml="http://www.w3.org/2003/InkML">
+  <inkml:definitions>
+    <inkml:context xml:id="ctx0">
+      <inkml:inkSource xml:id="inkSrc0">
+        <inkml:traceFormat>
+          <inkml:channel name="X" type="integer" min="-2.14748E9" max="2.14748E9" units="cm"/>
+          <inkml:channel name="Y" type="integer" min="-2.14748E9" max="2.14748E9" units="cm"/>
+          <inkml:channel name="F" type="integer" max="32767" units="dev"/>
+        </inkml:traceFormat>
+        <inkml:channelProperties>
+          <inkml:channelProperty channel="X" name="resolution" value="1000" units="1/cm"/>
+          <inkml:channelProperty channel="Y" name="resolution" value="1000" units="1/cm"/>
+          <inkml:channelProperty channel="F" name="resolution" value="0" units="1/dev"/>
+        </inkml:channelProperties>
+      </inkml:inkSource>
+      <inkml:timestamp xml:id="ts0" timeString="2024-11-22T14:49:01.226"/>
+    </inkml:context>
+    <inkml:brush xml:id="br0">
+      <inkml:brushProperty name="width" value="0.035" units="cm"/>
+      <inkml:brushProperty name="height" value="0.035" units="cm"/>
+    </inkml:brush>
+  </inkml:definitions>
+  <inkml:trace contextRef="#ctx0" brushRef="#br0">0 765 24575,'10'0'0,"-1"0"0,4 0 0,-3 0 0,4 0 0,-5 0 0,8 0 0,-6 0 0,7 0 0,-9 0 0,9-4 0,-7-1 0,6-1 0,-8 2 0,5 4 0,-4 0 0,3 0 0,-4 0 0,5 0 0,-4 0 0,3 0 0,-3 0 0,-1 0 0,0 0 0,0-4 0,0 3 0,1-7 0,-1 7 0,4-4 0,-3 5 0,8-8 0,-8 6 0,3-6 0,-3 8 0,-1 0 0,0 0 0,0 0 0,0 0 0,1 0 0,-1 0 0,0 0 0,0-4 0,9-2 0,-7 1 0,27-3 0,-24 7 0,32-7 0,-33 7 0,21-4 0,-23 5 0,11 0 0,-12 0 0,8 0 0,-8 0 0,11 0 0,-9 0 0,13-8 0,-9 6 0,10-11 0,2 8 0,5 0 0,-5 1 0,-1 4 0,-9 0 0,1 0 0,-5 0 0,-1 0 0,1 0 0,0 0 0,0 0 0,8 0 0,-11-4 0,15-1 0,-15-1 0,6 2 0,-7 4 0,-1 0 0,0 0 0,0 0 0,0 0 0,9 0 0,-3 0 0,8 0 0,-1-4 0,-2-1 0,6 0 0,-6 1 0,-2 4 0,-5 0 0,-3 0 0,-1 0 0,0 4 0,0-3 0,1 7 0,7-7 0,-6 3 0,7-4 0,-1 4 0,-2 1 0,12 0 0,-8-1 0,0-4 0,-10 4 0,-5 2 0,0-1 0,1-1 0,9-4 0,-4 0 0,3 4 0,-4-3 0,1 7 0,-1-7 0,0 3 0,13-8 0,-10 3 0,18-3 0,-11 4 0,13 4 0,-4 1 0,0 0 0,-10-1 0,0-4 0,-8 0 0,3 0 0,-3 0 0,3 0 0,-3 0 0,16 0 0,-10 0 0,7 0 0,-10 0 0,-4 0 0,0 0 0,1 0 0,-1 0 0,0 0 0,0 0 0,0 0 0,1 0 0,-1 0 0,4 0 0,-3 0 0,8 0 0,-4 0 0,5 0 0,-5 0 0,20 0 0,-12 0 0,14 0 0,-13 0 0,-9 0 0,-1 0 0,-4 0 0,1 0 0,-1 0 0,0 0 0,0 0 0,0 0 0,1 0 0,-1 0 0,0 0 0,0 0 0,1 0 0,-1 0 0,0 0 0,0 0 0,0 0 0,1 0 0,-1 0 0,0 0 0,4 4 0,-2 1 0,2 1 0,-4-2 0,0-4 0,1 0 0,-1 4 0,8 1 0,3 4 0,11 0 0,-6-4 0,42 10 0,-43-13 0,38 16 0,-47-16 0,4 7 0,-6-9 0,-4 0 0,5 0 0,-4 0 0,3 0 0,0 0 0,-2 0 0,2 0 0,-4 0 0,4 0 0,10-4 0,-3-2 0,3 1 0,3 1 0,-14 4 0,9 0 0,-11 0 0,-1 0 0,0 0 0,0 0 0,0 0 0,1 0 0,-1 0 0,0 0 0,0 0 0,0 0 0,1 0 0,-1 0 0,0 0 0,0 0 0,1 0 0,-1 0 0,0 0 0,0 0 0,4-4 0,-2 3 0,2-8 0,-4 8 0,5-3 0,-4 4 0,3 0 0,-4 0 0,1 0 0,-1 0 0,-4-4 0,3-1 0,-3 0 0,4 1 0,1 4 0,-1 0 0,-4-5 0,-1 0 0,-8-4 0,-1-1 0,-1-7 0,2 5 0,-4-34 0,6 29 0,-6-21 0,8 16 0,0 6 0,0-24 0,0 23 0,0-13 0,0 19 0,-5-10 0,4 9 0,-7-10 0,7 12 0,-3-4 0,4 5 0,-4 0 0,-1-1 0,-1 1 0,-2 0 0,3 4 0,0-4 0,-4 4 0,4-4 0,-4-1 0,-1 1 0,1 0 0,0-1 0,3 1 0,2 0 0,0 3 0,-1 2 0,-4 4 0,-1 0 0,1 0 0,0-4 0,-1 3 0,5-7 0,-3 7 0,-6-8 0,-1 4 0,-16-8 0,14 2 0,-17-6 0,22 6 0,-14 2 0,19 0 0,-9 0 0,5-1 0,-7 0 0,3 6 0,-11-4 0,5 2 0,-11-4 0,9 6 0,-13 0 0,15 3 0,-46-13 0,-7 5 0,-23-3 0,38 8 0,-2 2 0,-3 2 0,1 0 0,6 0 0,0 0 0,-13 0 0,2 0 0,-10 0 0,0 0 0,31 0 0,14 0 0,5 0 0,9 0 0,6 0 0,3 0 0,1 0 0,0 0 0,-1 0 0,1 0 0,0 0 0,-1 0 0,-3 4 0,-2 1 0,-7 5 0,2-1 0,-21 0 0,8-4 0,-19 3 0,21-7 0,-26 3 0,23-4 0,-9 0 0,17 5 0,8 0 0,-2 0 0,-3-1 0,5-4 0,3 0 0,2 0 0,8 4 0,0 1 0,1 0 0,-1-1 0,-4-4 0,-1 0 0,-3 0 0,2 0 0,-6 0 0,6 0 0,-14 0 0,4 0 0,-15 0 0,11 0 0,-6 0 0,11 0 0,-11 0 0,14 0 0,-8 0 0,14 0 0,-2 0 0,3 0 0,1 0 0,0 0 0,-5 0 0,4 0 0,-8 0 0,8 0 0,-12 0 0,6 0 0,-15 0 0,2 0 0,-8-4 0,0 3 0,4-3 0,1 4 0,4 0 0,4 0 0,-7 0 0,10 0 0,-6 0 0,13 0 0,0 0 0,5 0 0,0 0 0,-1 0 0,-7 0 0,5 0 0,-10 0 0,12 0 0,-4 0 0,5 0 0,0 0 0,-1 0 0,1 0 0,0 0 0,-1 0 0,1 0 0,0 0 0,-1 0 0,1 0 0,-5 0 0,4 0 0,-4 0 0,5 0 0,0 0 0,-1 4 0,5 1 0,-3 4 0,7 1 0,-8-1 0,-4 12 0,2-8 0,-3 8 0,6-12 0,-6 13 0,7-10 0,-6 10 0,13-13 0,0 0 0,0 0 0,0 0 0,0 1 0,0-1 0,0 0 0,0 0 0,5 1 0,0-1 0,0 0 0,3-4 0,-7 3 0,7-3 0,-7 5 0,3-1 0,-4 0 0,0 4 0,0-2 0,0 2 0,4-4 0,1 4 0,1-2 0,-2 10 0,-4-10 0,8 19 0,-6-14 0,6 7 0,-8-10 0,0-4 0,4 1 0,1-1 0,0 0 0,0 0 0,-5 1 0,4-1 0,-3 4 0,7-3 0,-7 12 0,3-3 0,-4 1 0,0 5 0,0-9 0,0 6 0,0-7 0,0 2 0,4-3 0,1 1 0,0-2 0,-1-4 0,-4-4 0,0-1 0</inkml:trace>
+</inkml:ink>
+</file>
+
 <file path=ppt/ink/ink5.xml><?xml version="1.0" encoding="utf-8"?>
 <inkml:ink xmlns:inkml="http://www.w3.org/2003/InkML">
   <inkml:definitions>
@@ -3960,6 +4242,258 @@
     </inkml:brush>
   </inkml:definitions>
   <inkml:trace contextRef="#ctx0" brushRef="#br0">5507 253 24575,'0'-2'0,"-1"0"0,0 0 0,0 0 0,1 1 0,-1-1 0,0 0 0,-1 1 0,1-1 0,0 1 0,0-1 0,-1 1 0,1 0 0,-1-1 0,1 1 0,-1 0 0,1 0 0,-1 0 0,0 0 0,1 0 0,-3 0 0,-42-19 0,40 18 0,-19-6 0,-1 1 0,0 1 0,0 1 0,-53-2 0,-112 9 0,77 1 0,-2559-1-906,1349-4 1677,1316 2-746,-1 0-1,1 1 1,0 0-1,-1 0 0,-11 4 1,16-4-26,1 0 0,-1 1 0,1 0 1,0 0-1,0 0 0,0 0 0,0 0 1,0 0-1,0 1 0,1 0 0,-1-1 1,1 1-1,0 0 0,-4 6 0,-58 80 1,19-30 0,26-34 0,-40 40 0,-6 7 0,33-16 0,1 0 0,22-42 0,-1-1 0,0-1 0,-1 0 0,0 0 0,-1-1 0,0 0 0,-1-1 0,0-1 0,-1 0 0,0-1 0,0 0 0,-17 6 0,-10 1 0,15-6 0,0 1 0,0 2 0,-31 19 0,33-17 0,0-1 0,-1 0 0,0-2 0,-46 14 0,178-21 0,-87-1 0,-1 0 0,0 2 0,0 0 0,0 1 0,29 14 0,13 3 0,-7-4 0,3 2 0,120 26 0,-137-42 0,-26-4 0,1 1 0,-1 1 0,0 0 0,20 7 0,-33-10 0,-1 0 0,1 0 0,-1 0 0,0 0 0,1 0 0,-1 0 0,0 1 0,1-1 0,-1 0 0,1 0 0,-1 0 0,0 0 0,1 0 0,-1 1 0,0-1 0,1 0 0,-1 0 0,0 1 0,0-1 0,1 0 0,-1 0 0,0 1 0,0-1 0,1 0 0,-1 1 0,0-1 0,0 0 0,0 1 0,0-1 0,1 0 0,-1 1 0,0-1 0,0 0 0,0 1 0,0-1 0,0 1 0,0-1 0,0 0 0,0 1 0,-16 6 0,-27-1 0,11-5 0,-1-2 0,1-1 0,-1-1 0,1-1 0,-36-11 0,49 10 0,-230-48 0,241 51 0,-1 0 0,1-1 0,0 0 0,-1 0 0,1-1 0,1 0 0,-1 0 0,0-1 0,1 0 0,0-1 0,0 1 0,1-1 0,0 0 0,0-1 0,0 0 0,1 1 0,-1-2 0,2 1 0,-1-1 0,1 0 0,0 0 0,1 0 0,0 0 0,0 0 0,-2-14 0,0-32 0,3 0 0,2 0 0,8-64 0,11 23 0,-13 69 0,0 0 0,1-32 0,-6-78 9,-4 100-284,3 0 0,1 0 1,2 0-1,12-65 0,-6 72-6551</inkml:trace>
+</inkml:ink>
+</file>
+
+<file path=ppt/ink/ink50.xml><?xml version="1.0" encoding="utf-8"?>
+<inkml:ink xmlns:inkml="http://www.w3.org/2003/InkML">
+  <inkml:definitions>
+    <inkml:context xml:id="ctx0">
+      <inkml:inkSource xml:id="inkSrc0">
+        <inkml:traceFormat>
+          <inkml:channel name="X" type="integer" min="-2.14748E9" max="2.14748E9" units="cm"/>
+          <inkml:channel name="Y" type="integer" min="-2.14748E9" max="2.14748E9" units="cm"/>
+          <inkml:channel name="F" type="integer" max="32767" units="dev"/>
+        </inkml:traceFormat>
+        <inkml:channelProperties>
+          <inkml:channelProperty channel="X" name="resolution" value="1000" units="1/cm"/>
+          <inkml:channelProperty channel="Y" name="resolution" value="1000" units="1/cm"/>
+          <inkml:channelProperty channel="F" name="resolution" value="0" units="1/dev"/>
+        </inkml:channelProperties>
+      </inkml:inkSource>
+      <inkml:timestamp xml:id="ts0" timeString="2024-11-22T14:51:20.332"/>
+    </inkml:context>
+    <inkml:brush xml:id="br0">
+      <inkml:brushProperty name="width" value="0.035" units="cm"/>
+      <inkml:brushProperty name="height" value="0.035" units="cm"/>
+      <inkml:brushProperty name="color" value="#E71224"/>
+    </inkml:brush>
+  </inkml:definitions>
+  <inkml:trace contextRef="#ctx0" brushRef="#br0">1 1480 24575,'9'0'0,"0"0"0,0 0 0,0 0 0,1 0 0,-1-5 0,0 0 0,4 0 0,-2-3 0,6 7 0,6-8 0,7 2 0,24-1 0,7 1 0,19-1-1187,-6 4 0,14 0 0,-11 2 1187,-22 2 0,1 0 0,37-2 0,17-1 0,-16-2 0,-36 0 0,-1-1 0,31-3 0,14-2 0,-15-1 0,-34 1 0,-1-2 0,18-4 0,9-3 0,-9 1 0,-19 6 0,-2-2 0,33-13 0,-6 1 0,-16 13 0,17-8 0,-55 16 0,16-7 0,-21 2 0,4 2 0,-11 5 0,3 4 3561,-3 0-3561,3-4 0,-7-1 0,10-13 0,-9 11 0,19-10 0,-15 12 0,15-17 0,-15 10 0,23-31 0,-21 25 0,25-30 0,-26 35 0,18-25 0,-19 26 0,10-23 0,-10 14 0,10-10 0,-14 11 0,6-3 0,-9 9 0,5-8 0,1 11 0,-1-15 0,-4 10 0,-1-7 0,1 9 0,0 0 0,-1 5 0,-4-5 0,0-4 0,0 2 0,4-6 0,-3 12 0,3-4 0,0 1 0,-3 2 0,7-6 0,-7 2 0,4 1 0,-5-4 0,0 8 0,4 0 0,1 2 0,0 3 0,-1-5 0,-4 1 0,0 0 0,0-1 0,0 1 0,0 0 0,0-1 0,0 1 0,0 0 0,0-5 0,4 0 0,-3-1 0,7-7 0,-3 7 0,9-12 0,-4 11 0,7-10 0,-10 15 0,5-7 0,-7 8 0,4 5 0,4 1 0,2-4 0,3 2 0,1-8 0,-1 1 0,0-2 0,-3 5 0,2 1 0,-11 9 0,3 0 0</inkml:trace>
+</inkml:ink>
+</file>
+
+<file path=ppt/ink/ink51.xml><?xml version="1.0" encoding="utf-8"?>
+<inkml:ink xmlns:inkml="http://www.w3.org/2003/InkML">
+  <inkml:definitions>
+    <inkml:context xml:id="ctx0">
+      <inkml:inkSource xml:id="inkSrc0">
+        <inkml:traceFormat>
+          <inkml:channel name="X" type="integer" min="-2.14748E9" max="2.14748E9" units="cm"/>
+          <inkml:channel name="Y" type="integer" min="-2.14748E9" max="2.14748E9" units="cm"/>
+          <inkml:channel name="F" type="integer" max="32767" units="dev"/>
+        </inkml:traceFormat>
+        <inkml:channelProperties>
+          <inkml:channelProperty channel="X" name="resolution" value="1000" units="1/cm"/>
+          <inkml:channelProperty channel="Y" name="resolution" value="1000" units="1/cm"/>
+          <inkml:channelProperty channel="F" name="resolution" value="0" units="1/dev"/>
+        </inkml:channelProperties>
+      </inkml:inkSource>
+      <inkml:timestamp xml:id="ts0" timeString="2024-11-22T14:59:35.506"/>
+    </inkml:context>
+    <inkml:brush xml:id="br0">
+      <inkml:brushProperty name="width" value="0.035" units="cm"/>
+      <inkml:brushProperty name="height" value="0.035" units="cm"/>
+      <inkml:brushProperty name="color" value="#F6630D"/>
+    </inkml:brush>
+  </inkml:definitions>
+  <inkml:trace contextRef="#ctx0" brushRef="#br0">0 1 24575,'0'0'0</inkml:trace>
+</inkml:ink>
+</file>
+
+<file path=ppt/ink/ink52.xml><?xml version="1.0" encoding="utf-8"?>
+<inkml:ink xmlns:inkml="http://www.w3.org/2003/InkML">
+  <inkml:definitions>
+    <inkml:context xml:id="ctx0">
+      <inkml:inkSource xml:id="inkSrc0">
+        <inkml:traceFormat>
+          <inkml:channel name="X" type="integer" min="-2.14748E9" max="2.14748E9" units="cm"/>
+          <inkml:channel name="Y" type="integer" min="-2.14748E9" max="2.14748E9" units="cm"/>
+          <inkml:channel name="F" type="integer" max="32767" units="dev"/>
+        </inkml:traceFormat>
+        <inkml:channelProperties>
+          <inkml:channelProperty channel="X" name="resolution" value="1000" units="1/cm"/>
+          <inkml:channelProperty channel="Y" name="resolution" value="1000" units="1/cm"/>
+          <inkml:channelProperty channel="F" name="resolution" value="0" units="1/dev"/>
+        </inkml:channelProperties>
+      </inkml:inkSource>
+      <inkml:timestamp xml:id="ts0" timeString="2024-11-22T14:59:37.764"/>
+    </inkml:context>
+    <inkml:brush xml:id="br0">
+      <inkml:brushProperty name="width" value="0.035" units="cm"/>
+      <inkml:brushProperty name="height" value="0.035" units="cm"/>
+      <inkml:brushProperty name="color" value="#F6630D"/>
+    </inkml:brush>
+  </inkml:definitions>
+  <inkml:trace contextRef="#ctx0" brushRef="#br0">618 703 24575,'0'-12'0,"-11"-11"0,3 8 0,-4-8 0,1 11 0,-1-5 0,-28-18 0,16 7 0,-15-2 0,16 3 0,8 18 0,-24-30 0,23 23 0,-12-12 0,16 16 0,0-6 0,0 5 0,-1-10 0,1 9 0,0-3 0,5 5 0,-3-1 0,3 1 0,0 0 0,-4 5 0,5 2 0,-1 0 0,-4-2 0,4 0 0,-5-4 0,0 5 0,0-6 0,0-1 0,0-4 0,-11-7 0,3-7 0,-4 5 0,1-2 0,15 15 0,-9 1 0,16 1 0,-10 9 0,10-3 0,-4 5 0</inkml:trace>
+</inkml:ink>
+</file>
+
+<file path=ppt/ink/ink53.xml><?xml version="1.0" encoding="utf-8"?>
+<inkml:ink xmlns:inkml="http://www.w3.org/2003/InkML">
+  <inkml:definitions>
+    <inkml:context xml:id="ctx0">
+      <inkml:inkSource xml:id="inkSrc0">
+        <inkml:traceFormat>
+          <inkml:channel name="X" type="integer" min="-2.14748E9" max="2.14748E9" units="cm"/>
+          <inkml:channel name="Y" type="integer" min="-2.14748E9" max="2.14748E9" units="cm"/>
+          <inkml:channel name="F" type="integer" max="32767" units="dev"/>
+        </inkml:traceFormat>
+        <inkml:channelProperties>
+          <inkml:channelProperty channel="X" name="resolution" value="1000" units="1/cm"/>
+          <inkml:channelProperty channel="Y" name="resolution" value="1000" units="1/cm"/>
+          <inkml:channelProperty channel="F" name="resolution" value="0" units="1/dev"/>
+        </inkml:channelProperties>
+      </inkml:inkSource>
+      <inkml:timestamp xml:id="ts0" timeString="2024-11-22T14:59:39.105"/>
+    </inkml:context>
+    <inkml:brush xml:id="br0">
+      <inkml:brushProperty name="width" value="0.035" units="cm"/>
+      <inkml:brushProperty name="height" value="0.035" units="cm"/>
+      <inkml:brushProperty name="color" value="#F6630D"/>
+    </inkml:brush>
+  </inkml:definitions>
+  <inkml:trace contextRef="#ctx0" brushRef="#br0">35 1747 24575,'-5'-12'0,"-2"6"0,0-5 0,2 4 0,5-5 0,0 0 0,0 0 0,-11-11 0,16-21 0,-8-15 0,20-7 0,-5 4 0,-3 28 0,17-46 0,-15 49 0,16-56 0,-20 64 0,-2-11 0,-5 22 0,0-5 0,0 3 0,6-9 0,0 10 0,1-10 0,-2 10 0,-5-10 0,0 9 0,0-3 0,0 5 0,0-1 0,0 1 0,0 0 0,0 0 0,0 0 0,-5 0 0,3-6 0,-11-13 0,-1-59 0,3 25 0,1 2 0,2 2 0,7 2-1035,-5-2 1035,6 11 0,0 10 0,6-11 0,0 12 0,6 4 0,-5-2 0,3 10 0,0-28 0,2 31 0,-3-17 0,-3 28 0,-1 1 0,1 6 1035,-4 6-1035,-4 0 0,-4 0 0,0 0 0</inkml:trace>
+</inkml:ink>
+</file>
+
+<file path=ppt/ink/ink54.xml><?xml version="1.0" encoding="utf-8"?>
+<inkml:ink xmlns:inkml="http://www.w3.org/2003/InkML">
+  <inkml:definitions>
+    <inkml:context xml:id="ctx0">
+      <inkml:inkSource xml:id="inkSrc0">
+        <inkml:traceFormat>
+          <inkml:channel name="X" type="integer" min="-2.14748E9" max="2.14748E9" units="cm"/>
+          <inkml:channel name="Y" type="integer" min="-2.14748E9" max="2.14748E9" units="cm"/>
+          <inkml:channel name="F" type="integer" max="32767" units="dev"/>
+        </inkml:traceFormat>
+        <inkml:channelProperties>
+          <inkml:channelProperty channel="X" name="resolution" value="1000" units="1/cm"/>
+          <inkml:channelProperty channel="Y" name="resolution" value="1000" units="1/cm"/>
+          <inkml:channelProperty channel="F" name="resolution" value="0" units="1/dev"/>
+        </inkml:channelProperties>
+      </inkml:inkSource>
+      <inkml:timestamp xml:id="ts0" timeString="2024-11-22T14:59:40.410"/>
+    </inkml:context>
+    <inkml:brush xml:id="br0">
+      <inkml:brushProperty name="width" value="0.035" units="cm"/>
+      <inkml:brushProperty name="height" value="0.035" units="cm"/>
+      <inkml:brushProperty name="color" value="#F6630D"/>
+    </inkml:brush>
+  </inkml:definitions>
+  <inkml:trace contextRef="#ctx0" brushRef="#br0">393 1328 24575,'-13'-12'0,"7"0"0,-5 0 0,4-5 0,0 3 0,2-3 0,-6 4 0,9 1 0,-9 0 0,5 5 0,0-3 0,-1 3 0,-15-27 0,18 17 0,-17-33 0,19 23 0,-14-20 0,14 15 0,-15-8 0,16 2 0,-15-11 0,8 19 0,-4-8 0,6 30 0,6-15 0,0 10 0,0-5 0,0 6 0,0 0 0,0 0 0,0 0 0,0-1 0,-5-4 0,-2-2 0,0-21 0,-3 12 0,3-12 0,-8 3 0,8 10 0,-6-5 0,11 9 0,-3 4 0,0-5 0,-5-13 0,-10-37 0,3 15 0,3-20 0,3 37 0,4 11 0,0 12 0,2 9 0</inkml:trace>
+</inkml:ink>
+</file>
+
+<file path=ppt/ink/ink55.xml><?xml version="1.0" encoding="utf-8"?>
+<inkml:ink xmlns:inkml="http://www.w3.org/2003/InkML">
+  <inkml:definitions>
+    <inkml:context xml:id="ctx0">
+      <inkml:inkSource xml:id="inkSrc0">
+        <inkml:traceFormat>
+          <inkml:channel name="X" type="integer" min="-2.14748E9" max="2.14748E9" units="cm"/>
+          <inkml:channel name="Y" type="integer" min="-2.14748E9" max="2.14748E9" units="cm"/>
+          <inkml:channel name="F" type="integer" max="32767" units="dev"/>
+        </inkml:traceFormat>
+        <inkml:channelProperties>
+          <inkml:channelProperty channel="X" name="resolution" value="1000" units="1/cm"/>
+          <inkml:channelProperty channel="Y" name="resolution" value="1000" units="1/cm"/>
+          <inkml:channelProperty channel="F" name="resolution" value="0" units="1/dev"/>
+        </inkml:channelProperties>
+      </inkml:inkSource>
+      <inkml:timestamp xml:id="ts0" timeString="2024-11-22T14:59:41.753"/>
+    </inkml:context>
+    <inkml:brush xml:id="br0">
+      <inkml:brushProperty name="width" value="0.035" units="cm"/>
+      <inkml:brushProperty name="height" value="0.035" units="cm"/>
+      <inkml:brushProperty name="color" value="#F6630D"/>
+    </inkml:brush>
+  </inkml:definitions>
+  <inkml:trace contextRef="#ctx0" brushRef="#br0">254 1804 24575,'0'-13'0,"-5"-4"0,-7-7 0,4-2 0,-9 2 0,16-4 0,-4 8 0,5-9 0,-11-30 0,3 16 0,-10-18 0,6 5 0,0 26 0,-11-31 0,14 33 0,-21-52 0,22 46 0,-15-48 0,10 53 0,4-13 0,4 23 0,5 2 0,-6 10 0,5-4 0,-10 10 0,10-15 0,-4 8 0,5-21 0,0 14 0,0-23 0,0 21 0,0-32 0,0 31 0,5-21 0,-4 26 0,10-5 0,-10 6 0,4-5 0,-5 3 0,0-14 0,0 13 0,0-19 0,0 14 0,0-10 0,0 6 0,0-11 0,0 14 0,0-24 0,0 29 0,0-12 0,0 11 0,0-2 0,0 0 0,0-4 0,0 10 0,0-5 0,0-4 0,0 1 0,0-3 0,0 7 0,0 4 0,6 7 0,0-5 0,1 4 0,-7 0 0,-1-3 0,1 3 0,6-5 0,1 0 0,-2-11 0,0 8 0,2-8 0,10 11 0,-9 5 0,3 2 0</inkml:trace>
+</inkml:ink>
+</file>
+
+<file path=ppt/ink/ink56.xml><?xml version="1.0" encoding="utf-8"?>
+<inkml:ink xmlns:inkml="http://www.w3.org/2003/InkML">
+  <inkml:definitions>
+    <inkml:context xml:id="ctx0">
+      <inkml:inkSource xml:id="inkSrc0">
+        <inkml:traceFormat>
+          <inkml:channel name="X" type="integer" min="-2.14748E9" max="2.14748E9" units="cm"/>
+          <inkml:channel name="Y" type="integer" min="-2.14748E9" max="2.14748E9" units="cm"/>
+          <inkml:channel name="F" type="integer" max="32767" units="dev"/>
+        </inkml:traceFormat>
+        <inkml:channelProperties>
+          <inkml:channelProperty channel="X" name="resolution" value="1000" units="1/cm"/>
+          <inkml:channelProperty channel="Y" name="resolution" value="1000" units="1/cm"/>
+          <inkml:channelProperty channel="F" name="resolution" value="0" units="1/dev"/>
+        </inkml:channelProperties>
+      </inkml:inkSource>
+      <inkml:timestamp xml:id="ts0" timeString="2024-11-22T14:59:43.145"/>
+    </inkml:context>
+    <inkml:brush xml:id="br0">
+      <inkml:brushProperty name="width" value="0.035" units="cm"/>
+      <inkml:brushProperty name="height" value="0.035" units="cm"/>
+      <inkml:brushProperty name="color" value="#F6630D"/>
+    </inkml:brush>
+  </inkml:definitions>
+  <inkml:trace contextRef="#ctx0" brushRef="#br0">1 1551 24575,'0'-12'0,"5"0"0,-4-6 0,10-1 0,11-52 0,-4 23 0,0-1 0,0 0 0,1-7-1473,1 6 1473,5 0 0,10-24 0,11-11 0,-25 39 0,-2-1 0,-2-6 0,-1 6 0,-1 1 245,4-49-245,-11 62 0,13-41 0,-18 51 0,34 6 0,-25 19 1108,21 5-1108,-21-9 120,-5-10-120,-2-5 0,-5 3 0,6-3 0,0-22 0,-5 15 0,-2-32 0,-6 34 0,2-11 0,5 14 0,0 0 0,5 1 0,2 6 0,-1 0 0,0 0 0,-6 0 0,0 0 0,5 0 0,2-6 0,-1-1 0,0 0 0,-6 2 0,0 5 0,0 0 0,0 0 0,0 5 0,0 1 0</inkml:trace>
+</inkml:ink>
+</file>
+
+<file path=ppt/ink/ink57.xml><?xml version="1.0" encoding="utf-8"?>
+<inkml:ink xmlns:inkml="http://www.w3.org/2003/InkML">
+  <inkml:definitions>
+    <inkml:context xml:id="ctx0">
+      <inkml:inkSource xml:id="inkSrc0">
+        <inkml:traceFormat>
+          <inkml:channel name="X" type="integer" min="-2.14748E9" max="2.14748E9" units="cm"/>
+          <inkml:channel name="Y" type="integer" min="-2.14748E9" max="2.14748E9" units="cm"/>
+          <inkml:channel name="F" type="integer" max="32767" units="dev"/>
+        </inkml:traceFormat>
+        <inkml:channelProperties>
+          <inkml:channelProperty channel="X" name="resolution" value="1000" units="1/cm"/>
+          <inkml:channelProperty channel="Y" name="resolution" value="1000" units="1/cm"/>
+          <inkml:channelProperty channel="F" name="resolution" value="0" units="1/dev"/>
+        </inkml:channelProperties>
+      </inkml:inkSource>
+      <inkml:timestamp xml:id="ts0" timeString="2024-11-22T14:59:44.442"/>
+    </inkml:context>
+    <inkml:brush xml:id="br0">
+      <inkml:brushProperty name="width" value="0.035" units="cm"/>
+      <inkml:brushProperty name="height" value="0.035" units="cm"/>
+      <inkml:brushProperty name="color" value="#F6630D"/>
+    </inkml:brush>
+  </inkml:definitions>
+  <inkml:trace contextRef="#ctx0" brushRef="#br0">258 1692 24575,'0'-12'0,"0"0"0,0 0 0,0 0 0,0-1 0,0 1 0,0-21 0,-8-3 0,1-7 0,-10-7 0,-2 1 0,9 7 0,-14-50 0,21 17-1901,-10-8 0,0-1 1901,10 0-758,-7 1 0,0 8 758,8 40-89,-5-16 1,-2 2 88,2 17 0,-16-55 0,-6-8 0,19 35 0,2-1 0,-3 4 0,2 3 0,3-31 3416,10 51-3416,-8 5 1839,10 17-1839,-6 0 240,0 0-240,0 0 0,5 5 0,1 2 0,1 5 0,-2 0 0</inkml:trace>
+</inkml:ink>
+</file>
+
+<file path=ppt/ink/ink58.xml><?xml version="1.0" encoding="utf-8"?>
+<inkml:ink xmlns:inkml="http://www.w3.org/2003/InkML">
+  <inkml:definitions>
+    <inkml:context xml:id="ctx0">
+      <inkml:inkSource xml:id="inkSrc0">
+        <inkml:traceFormat>
+          <inkml:channel name="X" type="integer" min="-2.14748E9" max="2.14748E9" units="cm"/>
+          <inkml:channel name="Y" type="integer" min="-2.14748E9" max="2.14748E9" units="cm"/>
+          <inkml:channel name="F" type="integer" max="32767" units="dev"/>
+        </inkml:traceFormat>
+        <inkml:channelProperties>
+          <inkml:channelProperty channel="X" name="resolution" value="1000" units="1/cm"/>
+          <inkml:channelProperty channel="Y" name="resolution" value="1000" units="1/cm"/>
+          <inkml:channelProperty channel="F" name="resolution" value="0" units="1/dev"/>
+        </inkml:channelProperties>
+      </inkml:inkSource>
+      <inkml:timestamp xml:id="ts0" timeString="2024-11-22T14:59:45.585"/>
+    </inkml:context>
+    <inkml:brush xml:id="br0">
+      <inkml:brushProperty name="width" value="0.035" units="cm"/>
+      <inkml:brushProperty name="height" value="0.035" units="cm"/>
+      <inkml:brushProperty name="color" value="#F6630D"/>
+    </inkml:brush>
+  </inkml:definitions>
+  <inkml:trace contextRef="#ctx0" brushRef="#br0">759 1662 24575,'0'-12'0,"-5"0"0,-2 0 0,1 0 0,-5 0 0,-14-35 0,2 21 0,-11-40 0,6 26 0,-5-23 0,7 20 0,-24-37 0,38 35-2449,-29-36 0,-2-9 2449,29 38 0,1 0 0,-28-36 0,0 6 0,18 19 0,1 16 0,16 34 0,6-10 0,-5 10 0,-2-5 4898,1 6-4898,0 0 0,6 0 0,0-1 0,-5 1 0,3 0 0,-8 0 0,-2-11 0,-2 3 0,-9-15 0,10 15 0,-5-14 0,11 20 0,-9-20 0,8 19 0,-9-19 0,5 20 0,-6-15 0,10 16 0,-8-10 0,14 9 0,-3-3 0,5 5 0,0 0 0,-5 0 0,-2-1 0,0 1 0,2 0 0,5 0 0,0 0 0,0 0 0,0 0 0,0 0 0,0 5 0,0 1 0</inkml:trace>
 </inkml:ink>
 </file>
 
@@ -4159,7 +4693,7 @@
           <a:p>
             <a:fld id="{19F43255-63C2-45C3-A55E-F07DF58CF366}" type="datetimeFigureOut">
               <a:rPr lang="en-US" smtClean="0"/>
-              <a:t>11/13/24</a:t>
+              <a:t>11/22/24</a:t>
             </a:fld>
             <a:endParaRPr lang="en-US"/>
           </a:p>
@@ -4657,7 +5191,7 @@
           <a:p>
             <a:fld id="{4BAACB4A-D2BC-4616-96DC-36385AED944F}" type="datetimeFigureOut">
               <a:rPr lang="en-US" smtClean="0"/>
-              <a:t>11/13/24</a:t>
+              <a:t>11/22/24</a:t>
             </a:fld>
             <a:endParaRPr lang="en-US"/>
           </a:p>
@@ -4855,7 +5389,7 @@
           <a:p>
             <a:fld id="{4BAACB4A-D2BC-4616-96DC-36385AED944F}" type="datetimeFigureOut">
               <a:rPr lang="en-US" smtClean="0"/>
-              <a:t>11/13/24</a:t>
+              <a:t>11/22/24</a:t>
             </a:fld>
             <a:endParaRPr lang="en-US"/>
           </a:p>
@@ -5063,7 +5597,7 @@
           <a:p>
             <a:fld id="{4BAACB4A-D2BC-4616-96DC-36385AED944F}" type="datetimeFigureOut">
               <a:rPr lang="en-US" smtClean="0"/>
-              <a:t>11/13/24</a:t>
+              <a:t>11/22/24</a:t>
             </a:fld>
             <a:endParaRPr lang="en-US"/>
           </a:p>
@@ -5261,7 +5795,7 @@
           <a:p>
             <a:fld id="{4BAACB4A-D2BC-4616-96DC-36385AED944F}" type="datetimeFigureOut">
               <a:rPr lang="en-US" smtClean="0"/>
-              <a:t>11/13/24</a:t>
+              <a:t>11/22/24</a:t>
             </a:fld>
             <a:endParaRPr lang="en-US"/>
           </a:p>
@@ -5536,7 +6070,7 @@
           <a:p>
             <a:fld id="{4BAACB4A-D2BC-4616-96DC-36385AED944F}" type="datetimeFigureOut">
               <a:rPr lang="en-US" smtClean="0"/>
-              <a:t>11/13/24</a:t>
+              <a:t>11/22/24</a:t>
             </a:fld>
             <a:endParaRPr lang="en-US"/>
           </a:p>
@@ -5801,7 +6335,7 @@
           <a:p>
             <a:fld id="{4BAACB4A-D2BC-4616-96DC-36385AED944F}" type="datetimeFigureOut">
               <a:rPr lang="en-US" smtClean="0"/>
-              <a:t>11/13/24</a:t>
+              <a:t>11/22/24</a:t>
             </a:fld>
             <a:endParaRPr lang="en-US"/>
           </a:p>
@@ -6213,7 +6747,7 @@
           <a:p>
             <a:fld id="{4BAACB4A-D2BC-4616-96DC-36385AED944F}" type="datetimeFigureOut">
               <a:rPr lang="en-US" smtClean="0"/>
-              <a:t>11/13/24</a:t>
+              <a:t>11/22/24</a:t>
             </a:fld>
             <a:endParaRPr lang="en-US"/>
           </a:p>
@@ -6354,7 +6888,7 @@
           <a:p>
             <a:fld id="{4BAACB4A-D2BC-4616-96DC-36385AED944F}" type="datetimeFigureOut">
               <a:rPr lang="en-US" smtClean="0"/>
-              <a:t>11/13/24</a:t>
+              <a:t>11/22/24</a:t>
             </a:fld>
             <a:endParaRPr lang="en-US"/>
           </a:p>
@@ -6467,7 +7001,7 @@
           <a:p>
             <a:fld id="{4BAACB4A-D2BC-4616-96DC-36385AED944F}" type="datetimeFigureOut">
               <a:rPr lang="en-US" smtClean="0"/>
-              <a:t>11/13/24</a:t>
+              <a:t>11/22/24</a:t>
             </a:fld>
             <a:endParaRPr lang="en-US"/>
           </a:p>
@@ -6778,7 +7312,7 @@
           <a:p>
             <a:fld id="{4BAACB4A-D2BC-4616-96DC-36385AED944F}" type="datetimeFigureOut">
               <a:rPr lang="en-US" smtClean="0"/>
-              <a:t>11/13/24</a:t>
+              <a:t>11/22/24</a:t>
             </a:fld>
             <a:endParaRPr lang="en-US"/>
           </a:p>
@@ -7066,7 +7600,7 @@
           <a:p>
             <a:fld id="{4BAACB4A-D2BC-4616-96DC-36385AED944F}" type="datetimeFigureOut">
               <a:rPr lang="en-US" smtClean="0"/>
-              <a:t>11/13/24</a:t>
+              <a:t>11/22/24</a:t>
             </a:fld>
             <a:endParaRPr lang="en-US"/>
           </a:p>
@@ -7307,7 +7841,7 @@
           <a:p>
             <a:fld id="{4BAACB4A-D2BC-4616-96DC-36385AED944F}" type="datetimeFigureOut">
               <a:rPr lang="en-US" smtClean="0"/>
-              <a:t>11/13/24</a:t>
+              <a:t>11/22/24</a:t>
             </a:fld>
             <a:endParaRPr lang="en-US"/>
           </a:p>
@@ -26470,6 +27004,2461 @@
 </p:sld>
 </file>
 
+<file path=ppt/slides/slide74.xml><?xml version="1.0" encoding="utf-8"?>
+<p:sld xmlns:a="http://schemas.openxmlformats.org/drawingml/2006/main" xmlns:r="http://schemas.openxmlformats.org/officeDocument/2006/relationships" xmlns:p="http://schemas.openxmlformats.org/presentationml/2006/main">
+  <p:cSld>
+    <p:spTree>
+      <p:nvGrpSpPr>
+        <p:cNvPr id="1" name="">
+          <a:extLst>
+            <a:ext uri="{FF2B5EF4-FFF2-40B4-BE49-F238E27FC236}">
+              <a16:creationId xmlns:a16="http://schemas.microsoft.com/office/drawing/2014/main" id="{D4D45C93-6A01-FE66-1D7A-C1A85BF1B3AC}"/>
+            </a:ext>
+          </a:extLst>
+        </p:cNvPr>
+        <p:cNvGrpSpPr/>
+        <p:nvPr/>
+      </p:nvGrpSpPr>
+      <p:grpSpPr>
+        <a:xfrm>
+          <a:off x="0" y="0"/>
+          <a:ext cx="0" cy="0"/>
+          <a:chOff x="0" y="0"/>
+          <a:chExt cx="0" cy="0"/>
+        </a:xfrm>
+      </p:grpSpPr>
+      <p:sp>
+        <p:nvSpPr>
+          <p:cNvPr id="2" name="Title 1">
+            <a:extLst>
+              <a:ext uri="{FF2B5EF4-FFF2-40B4-BE49-F238E27FC236}">
+                <a16:creationId xmlns:a16="http://schemas.microsoft.com/office/drawing/2014/main" id="{9FFF425D-6CFF-6FB6-0B23-04FFB71B8661}"/>
+              </a:ext>
+            </a:extLst>
+          </p:cNvPr>
+          <p:cNvSpPr>
+            <a:spLocks noGrp="1"/>
+          </p:cNvSpPr>
+          <p:nvPr>
+            <p:ph type="title"/>
+          </p:nvPr>
+        </p:nvSpPr>
+        <p:spPr>
+          <a:xfrm>
+            <a:off x="838200" y="365125"/>
+            <a:ext cx="10515600" cy="3910661"/>
+          </a:xfrm>
+        </p:spPr>
+        <p:txBody>
+          <a:bodyPr>
+            <a:normAutofit fontScale="90000"/>
+          </a:bodyPr>
+          <a:lstStyle/>
+          <a:p>
+            <a:r>
+              <a:rPr lang="en-US" dirty="0"/>
+              <a:t>Working with Strings</a:t>
+            </a:r>
+            <a:br>
+              <a:rPr lang="en-US" dirty="0"/>
+            </a:br>
+            <a:br>
+              <a:rPr lang="en-US" dirty="0"/>
+            </a:br>
+            <a:r>
+              <a:rPr lang="en-US" dirty="0"/>
+              <a:t>Part – 1</a:t>
+            </a:r>
+            <a:br>
+              <a:rPr lang="en-US" dirty="0"/>
+            </a:br>
+            <a:r>
+              <a:rPr lang="en-US" dirty="0"/>
+              <a:t>Part – 2</a:t>
+            </a:r>
+            <a:br>
+              <a:rPr lang="en-US" dirty="0"/>
+            </a:br>
+            <a:r>
+              <a:rPr lang="en-US" dirty="0"/>
+              <a:t>Part – 3 </a:t>
+            </a:r>
+            <a:br>
+              <a:rPr lang="en-US" dirty="0"/>
+            </a:br>
+            <a:br>
+              <a:rPr lang="en-US" dirty="0"/>
+            </a:br>
+            <a:endParaRPr lang="en-US" b="1" dirty="0">
+              <a:solidFill>
+                <a:srgbClr val="FF0000"/>
+              </a:solidFill>
+            </a:endParaRPr>
+          </a:p>
+        </p:txBody>
+      </p:sp>
+    </p:spTree>
+    <p:extLst>
+      <p:ext uri="{BB962C8B-B14F-4D97-AF65-F5344CB8AC3E}">
+        <p14:creationId xmlns:p14="http://schemas.microsoft.com/office/powerpoint/2010/main" val="4170467829"/>
+      </p:ext>
+    </p:extLst>
+  </p:cSld>
+  <p:clrMapOvr>
+    <a:masterClrMapping/>
+  </p:clrMapOvr>
+</p:sld>
+</file>
+
+<file path=ppt/slides/slide75.xml><?xml version="1.0" encoding="utf-8"?>
+<p:sld xmlns:a="http://schemas.openxmlformats.org/drawingml/2006/main" xmlns:r="http://schemas.openxmlformats.org/officeDocument/2006/relationships" xmlns:p="http://schemas.openxmlformats.org/presentationml/2006/main">
+  <p:cSld>
+    <p:spTree>
+      <p:nvGrpSpPr>
+        <p:cNvPr id="1" name="">
+          <a:extLst>
+            <a:ext uri="{FF2B5EF4-FFF2-40B4-BE49-F238E27FC236}">
+              <a16:creationId xmlns:a16="http://schemas.microsoft.com/office/drawing/2014/main" id="{B56CBFE4-07BC-9C07-4FF1-72703A19789F}"/>
+            </a:ext>
+          </a:extLst>
+        </p:cNvPr>
+        <p:cNvGrpSpPr/>
+        <p:nvPr/>
+      </p:nvGrpSpPr>
+      <p:grpSpPr>
+        <a:xfrm>
+          <a:off x="0" y="0"/>
+          <a:ext cx="0" cy="0"/>
+          <a:chOff x="0" y="0"/>
+          <a:chExt cx="0" cy="0"/>
+        </a:xfrm>
+      </p:grpSpPr>
+      <p:sp>
+        <p:nvSpPr>
+          <p:cNvPr id="2" name="Title 1">
+            <a:extLst>
+              <a:ext uri="{FF2B5EF4-FFF2-40B4-BE49-F238E27FC236}">
+                <a16:creationId xmlns:a16="http://schemas.microsoft.com/office/drawing/2014/main" id="{76F7FE4C-A5AB-CF5C-B0EF-6872E50F3120}"/>
+              </a:ext>
+            </a:extLst>
+          </p:cNvPr>
+          <p:cNvSpPr>
+            <a:spLocks noGrp="1"/>
+          </p:cNvSpPr>
+          <p:nvPr>
+            <p:ph type="title"/>
+          </p:nvPr>
+        </p:nvSpPr>
+        <p:spPr>
+          <a:xfrm>
+            <a:off x="838200" y="365125"/>
+            <a:ext cx="10515600" cy="3910661"/>
+          </a:xfrm>
+        </p:spPr>
+        <p:txBody>
+          <a:bodyPr>
+            <a:normAutofit/>
+          </a:bodyPr>
+          <a:lstStyle/>
+          <a:p>
+            <a:r>
+              <a:rPr lang="en-US" dirty="0"/>
+              <a:t>A closer look at function</a:t>
+            </a:r>
+            <a:br>
+              <a:rPr lang="en-US" dirty="0"/>
+            </a:br>
+            <a:br>
+              <a:rPr lang="en-US" dirty="0"/>
+            </a:br>
+            <a:r>
+              <a:rPr lang="en-US" dirty="0"/>
+              <a:t>How Passing Arguments works:</a:t>
+            </a:r>
+            <a:br>
+              <a:rPr lang="en-US" dirty="0"/>
+            </a:br>
+            <a:r>
+              <a:rPr lang="en-US" dirty="0"/>
+              <a:t>Value vs Reference</a:t>
+            </a:r>
+            <a:br>
+              <a:rPr lang="en-US" dirty="0"/>
+            </a:br>
+            <a:r>
+              <a:rPr lang="en-US" dirty="0"/>
+              <a:t>First-class and Higher-order functions</a:t>
+            </a:r>
+            <a:br>
+              <a:rPr lang="en-US" dirty="0"/>
+            </a:br>
+            <a:endParaRPr lang="en-US" b="1" dirty="0">
+              <a:solidFill>
+                <a:srgbClr val="FF0000"/>
+              </a:solidFill>
+            </a:endParaRPr>
+          </a:p>
+        </p:txBody>
+      </p:sp>
+    </p:spTree>
+    <p:extLst>
+      <p:ext uri="{BB962C8B-B14F-4D97-AF65-F5344CB8AC3E}">
+        <p14:creationId xmlns:p14="http://schemas.microsoft.com/office/powerpoint/2010/main" val="2280917362"/>
+      </p:ext>
+    </p:extLst>
+  </p:cSld>
+  <p:clrMapOvr>
+    <a:masterClrMapping/>
+  </p:clrMapOvr>
+</p:sld>
+</file>
+
+<file path=ppt/slides/slide76.xml><?xml version="1.0" encoding="utf-8"?>
+<p:sld xmlns:a="http://schemas.openxmlformats.org/drawingml/2006/main" xmlns:r="http://schemas.openxmlformats.org/officeDocument/2006/relationships" xmlns:p="http://schemas.openxmlformats.org/presentationml/2006/main">
+  <p:cSld>
+    <p:spTree>
+      <p:nvGrpSpPr>
+        <p:cNvPr id="1" name="">
+          <a:extLst>
+            <a:ext uri="{FF2B5EF4-FFF2-40B4-BE49-F238E27FC236}">
+              <a16:creationId xmlns:a16="http://schemas.microsoft.com/office/drawing/2014/main" id="{9795486D-E0D6-140B-5D48-1730B256517B}"/>
+            </a:ext>
+          </a:extLst>
+        </p:cNvPr>
+        <p:cNvGrpSpPr/>
+        <p:nvPr/>
+      </p:nvGrpSpPr>
+      <p:grpSpPr>
+        <a:xfrm>
+          <a:off x="0" y="0"/>
+          <a:ext cx="0" cy="0"/>
+          <a:chOff x="0" y="0"/>
+          <a:chExt cx="0" cy="0"/>
+        </a:xfrm>
+      </p:grpSpPr>
+      <p:sp>
+        <p:nvSpPr>
+          <p:cNvPr id="2" name="Title 1">
+            <a:extLst>
+              <a:ext uri="{FF2B5EF4-FFF2-40B4-BE49-F238E27FC236}">
+                <a16:creationId xmlns:a16="http://schemas.microsoft.com/office/drawing/2014/main" id="{12CB2372-FBB2-0C6B-9CA6-91476A08EEE6}"/>
+              </a:ext>
+            </a:extLst>
+          </p:cNvPr>
+          <p:cNvSpPr>
+            <a:spLocks noGrp="1"/>
+          </p:cNvSpPr>
+          <p:nvPr>
+            <p:ph type="title"/>
+          </p:nvPr>
+        </p:nvSpPr>
+        <p:spPr>
+          <a:xfrm>
+            <a:off x="838200" y="365126"/>
+            <a:ext cx="10515600" cy="652305"/>
+          </a:xfrm>
+        </p:spPr>
+        <p:txBody>
+          <a:bodyPr>
+            <a:normAutofit fontScale="90000"/>
+          </a:bodyPr>
+          <a:lstStyle/>
+          <a:p>
+            <a:r>
+              <a:rPr lang="en-US" dirty="0"/>
+              <a:t>First-class and Higher-order functions</a:t>
+            </a:r>
+            <a:endParaRPr lang="en-US" b="1" dirty="0">
+              <a:solidFill>
+                <a:srgbClr val="FF0000"/>
+              </a:solidFill>
+            </a:endParaRPr>
+          </a:p>
+        </p:txBody>
+      </p:sp>
+      <p:sp>
+        <p:nvSpPr>
+          <p:cNvPr id="3" name="TextBox 2">
+            <a:extLst>
+              <a:ext uri="{FF2B5EF4-FFF2-40B4-BE49-F238E27FC236}">
+                <a16:creationId xmlns:a16="http://schemas.microsoft.com/office/drawing/2014/main" id="{088478A4-A0FE-DF3E-AA91-AB0342F8CD08}"/>
+              </a:ext>
+            </a:extLst>
+          </p:cNvPr>
+          <p:cNvSpPr txBox="1"/>
+          <p:nvPr/>
+        </p:nvSpPr>
+        <p:spPr>
+          <a:xfrm>
+            <a:off x="321972" y="1017431"/>
+            <a:ext cx="5132559" cy="5078313"/>
+          </a:xfrm>
+          <a:prstGeom prst="rect">
+            <a:avLst/>
+          </a:prstGeom>
+          <a:noFill/>
+        </p:spPr>
+        <p:txBody>
+          <a:bodyPr wrap="none" rtlCol="0">
+            <a:spAutoFit/>
+          </a:bodyPr>
+          <a:lstStyle/>
+          <a:p>
+            <a:r>
+              <a:rPr lang="en-US" dirty="0"/>
+              <a:t>First-Class Functions</a:t>
+            </a:r>
+          </a:p>
+          <a:p>
+            <a:pPr marL="285750" indent="-285750">
+              <a:buFont typeface="Arial" panose="020B0604020202020204" pitchFamily="34" charset="0"/>
+              <a:buChar char="•"/>
+            </a:pPr>
+            <a:r>
+              <a:rPr lang="en-US" dirty="0"/>
+              <a:t>JavaScript treats functions as </a:t>
+            </a:r>
+            <a:r>
+              <a:rPr lang="en-US" b="1" dirty="0"/>
+              <a:t>first-class citizens</a:t>
+            </a:r>
+          </a:p>
+          <a:p>
+            <a:pPr marL="285750" indent="-285750">
+              <a:buFont typeface="Arial" panose="020B0604020202020204" pitchFamily="34" charset="0"/>
+              <a:buChar char="•"/>
+            </a:pPr>
+            <a:r>
+              <a:rPr lang="en-US" dirty="0"/>
+              <a:t>This means that functions are </a:t>
+            </a:r>
+            <a:r>
+              <a:rPr lang="en-US" b="1" dirty="0"/>
+              <a:t>simply values</a:t>
+            </a:r>
+          </a:p>
+          <a:p>
+            <a:pPr marL="285750" indent="-285750">
+              <a:buFont typeface="Arial" panose="020B0604020202020204" pitchFamily="34" charset="0"/>
+              <a:buChar char="•"/>
+            </a:pPr>
+            <a:r>
+              <a:rPr lang="en-US" dirty="0"/>
+              <a:t>Functions are just another </a:t>
+            </a:r>
+            <a:r>
+              <a:rPr lang="en-US" b="1" dirty="0"/>
+              <a:t>‘type” of object</a:t>
+            </a:r>
+          </a:p>
+          <a:p>
+            <a:pPr marL="285750" indent="-285750">
+              <a:buFont typeface="Arial" panose="020B0604020202020204" pitchFamily="34" charset="0"/>
+              <a:buChar char="•"/>
+            </a:pPr>
+            <a:endParaRPr lang="en-US" b="1" dirty="0"/>
+          </a:p>
+          <a:p>
+            <a:pPr marL="285750" indent="-285750">
+              <a:buFont typeface="Wingdings" pitchFamily="2" charset="2"/>
+              <a:buChar char="v"/>
+            </a:pPr>
+            <a:r>
+              <a:rPr lang="en-US" b="1" dirty="0"/>
+              <a:t>Store functions in variables or properties:</a:t>
+            </a:r>
+          </a:p>
+          <a:p>
+            <a:r>
+              <a:rPr lang="en-US" dirty="0"/>
+              <a:t>const add = (</a:t>
+            </a:r>
+            <a:r>
+              <a:rPr lang="en-US" dirty="0" err="1"/>
+              <a:t>a,b</a:t>
+            </a:r>
+            <a:r>
+              <a:rPr lang="en-US" dirty="0"/>
+              <a:t>) </a:t>
+            </a:r>
+            <a:r>
+              <a:rPr lang="en-US" dirty="0">
+                <a:sym typeface="Wingdings" pitchFamily="2" charset="2"/>
+              </a:rPr>
+              <a:t> a + b;</a:t>
+            </a:r>
+          </a:p>
+          <a:p>
+            <a:r>
+              <a:rPr lang="en-US" dirty="0">
+                <a:sym typeface="Wingdings" pitchFamily="2" charset="2"/>
+              </a:rPr>
+              <a:t>const counter ={</a:t>
+            </a:r>
+          </a:p>
+          <a:p>
+            <a:r>
+              <a:rPr lang="en-US" dirty="0">
+                <a:sym typeface="Wingdings" pitchFamily="2" charset="2"/>
+              </a:rPr>
+              <a:t>value:23,</a:t>
+            </a:r>
+          </a:p>
+          <a:p>
+            <a:r>
+              <a:rPr lang="en-US" dirty="0">
+                <a:sym typeface="Wingdings" pitchFamily="2" charset="2"/>
+              </a:rPr>
+              <a:t>Inc: function() {</a:t>
+            </a:r>
+            <a:r>
+              <a:rPr lang="en-US" dirty="0" err="1">
+                <a:sym typeface="Wingdings" pitchFamily="2" charset="2"/>
+              </a:rPr>
+              <a:t>this.value</a:t>
+            </a:r>
+            <a:r>
+              <a:rPr lang="en-US" dirty="0">
+                <a:sym typeface="Wingdings" pitchFamily="2" charset="2"/>
+              </a:rPr>
+              <a:t>++;}</a:t>
+            </a:r>
+          </a:p>
+          <a:p>
+            <a:endParaRPr lang="en-US" dirty="0">
+              <a:sym typeface="Wingdings" pitchFamily="2" charset="2"/>
+            </a:endParaRPr>
+          </a:p>
+          <a:p>
+            <a:pPr marL="285750" indent="-285750">
+              <a:buFont typeface="Wingdings" pitchFamily="2" charset="2"/>
+              <a:buChar char="v"/>
+            </a:pPr>
+            <a:r>
+              <a:rPr lang="en-US" b="1" dirty="0">
+                <a:sym typeface="Wingdings" pitchFamily="2" charset="2"/>
+              </a:rPr>
+              <a:t>Pass functions as arguments to OTHER functions:</a:t>
+            </a:r>
+          </a:p>
+          <a:p>
+            <a:r>
+              <a:rPr lang="en-US" dirty="0">
+                <a:sym typeface="Wingdings" pitchFamily="2" charset="2"/>
+              </a:rPr>
+              <a:t>const greet = ()  </a:t>
+            </a:r>
+            <a:r>
+              <a:rPr lang="en-US" dirty="0" err="1">
+                <a:sym typeface="Wingdings" pitchFamily="2" charset="2"/>
+              </a:rPr>
+              <a:t>console.log</a:t>
+            </a:r>
+            <a:r>
+              <a:rPr lang="en-US" dirty="0">
+                <a:sym typeface="Wingdings" pitchFamily="2" charset="2"/>
+              </a:rPr>
+              <a:t>(‘Hello Ram’);</a:t>
+            </a:r>
+          </a:p>
+          <a:p>
+            <a:r>
+              <a:rPr lang="en-US" dirty="0" err="1">
+                <a:sym typeface="Wingdings" pitchFamily="2" charset="2"/>
+              </a:rPr>
+              <a:t>btnClose.addEventListener</a:t>
+            </a:r>
+            <a:r>
+              <a:rPr lang="en-US" dirty="0">
+                <a:sym typeface="Wingdings" pitchFamily="2" charset="2"/>
+              </a:rPr>
+              <a:t>(‘</a:t>
+            </a:r>
+            <a:r>
+              <a:rPr lang="en-US" dirty="0" err="1">
+                <a:sym typeface="Wingdings" pitchFamily="2" charset="2"/>
+              </a:rPr>
+              <a:t>click’,greet</a:t>
+            </a:r>
+            <a:r>
+              <a:rPr lang="en-US" dirty="0">
+                <a:sym typeface="Wingdings" pitchFamily="2" charset="2"/>
+              </a:rPr>
+              <a:t>);</a:t>
+            </a:r>
+          </a:p>
+          <a:p>
+            <a:endParaRPr lang="en-US" dirty="0">
+              <a:sym typeface="Wingdings" pitchFamily="2" charset="2"/>
+            </a:endParaRPr>
+          </a:p>
+          <a:p>
+            <a:pPr marL="285750" indent="-285750">
+              <a:buFont typeface="Wingdings" pitchFamily="2" charset="2"/>
+              <a:buChar char="v"/>
+            </a:pPr>
+            <a:r>
+              <a:rPr lang="en-US" b="1" dirty="0">
+                <a:sym typeface="Wingdings" pitchFamily="2" charset="2"/>
+              </a:rPr>
+              <a:t>Return functions FROM functions</a:t>
+            </a:r>
+          </a:p>
+          <a:p>
+            <a:pPr marL="285750" indent="-285750">
+              <a:buFont typeface="Wingdings" pitchFamily="2" charset="2"/>
+              <a:buChar char="v"/>
+            </a:pPr>
+            <a:r>
+              <a:rPr lang="en-US" b="1" dirty="0">
+                <a:sym typeface="Wingdings" pitchFamily="2" charset="2"/>
+              </a:rPr>
+              <a:t>Call methods on functions:</a:t>
+            </a:r>
+          </a:p>
+          <a:p>
+            <a:r>
+              <a:rPr lang="en-US" dirty="0" err="1">
+                <a:sym typeface="Wingdings" pitchFamily="2" charset="2"/>
+              </a:rPr>
+              <a:t>Counter.inc.bind</a:t>
+            </a:r>
+            <a:r>
+              <a:rPr lang="en-US" dirty="0">
+                <a:sym typeface="Wingdings" pitchFamily="2" charset="2"/>
+              </a:rPr>
+              <a:t>(</a:t>
+            </a:r>
+            <a:r>
+              <a:rPr lang="en-US" dirty="0" err="1">
+                <a:sym typeface="Wingdings" pitchFamily="2" charset="2"/>
+              </a:rPr>
+              <a:t>someOtherObject</a:t>
+            </a:r>
+            <a:r>
+              <a:rPr lang="en-US" dirty="0">
+                <a:sym typeface="Wingdings" pitchFamily="2" charset="2"/>
+              </a:rPr>
+              <a:t>);</a:t>
+            </a:r>
+            <a:endParaRPr lang="en-US" dirty="0"/>
+          </a:p>
+        </p:txBody>
+      </p:sp>
+      <p:sp>
+        <p:nvSpPr>
+          <p:cNvPr id="4" name="TextBox 3">
+            <a:extLst>
+              <a:ext uri="{FF2B5EF4-FFF2-40B4-BE49-F238E27FC236}">
+                <a16:creationId xmlns:a16="http://schemas.microsoft.com/office/drawing/2014/main" id="{94FB346B-9DF4-D6D3-17EF-7107DB7419D9}"/>
+              </a:ext>
+            </a:extLst>
+          </p:cNvPr>
+          <p:cNvSpPr txBox="1"/>
+          <p:nvPr/>
+        </p:nvSpPr>
+        <p:spPr>
+          <a:xfrm>
+            <a:off x="5719793" y="1017431"/>
+            <a:ext cx="6257559" cy="5632311"/>
+          </a:xfrm>
+          <a:prstGeom prst="rect">
+            <a:avLst/>
+          </a:prstGeom>
+          <a:noFill/>
+        </p:spPr>
+        <p:txBody>
+          <a:bodyPr wrap="square" rtlCol="0">
+            <a:spAutoFit/>
+          </a:bodyPr>
+          <a:lstStyle/>
+          <a:p>
+            <a:r>
+              <a:rPr lang="en-US" dirty="0"/>
+              <a:t>Higher-Order Functions</a:t>
+            </a:r>
+          </a:p>
+          <a:p>
+            <a:pPr marL="285750" indent="-285750">
+              <a:buFont typeface="Arial" panose="020B0604020202020204" pitchFamily="34" charset="0"/>
+              <a:buChar char="•"/>
+            </a:pPr>
+            <a:r>
+              <a:rPr lang="en-US" dirty="0"/>
+              <a:t>A function that </a:t>
+            </a:r>
+            <a:r>
+              <a:rPr lang="en-US" b="1" dirty="0"/>
+              <a:t>receives </a:t>
+            </a:r>
+            <a:r>
+              <a:rPr lang="en-US" dirty="0"/>
+              <a:t>another function as an argument, that </a:t>
+            </a:r>
+            <a:r>
+              <a:rPr lang="en-US" b="1" dirty="0"/>
+              <a:t>returns </a:t>
+            </a:r>
+            <a:r>
+              <a:rPr lang="en-US" dirty="0"/>
+              <a:t>a new function, or </a:t>
+            </a:r>
+            <a:r>
+              <a:rPr lang="en-US" b="1" dirty="0"/>
+              <a:t>both.</a:t>
+            </a:r>
+          </a:p>
+          <a:p>
+            <a:pPr marL="285750" indent="-285750">
+              <a:buFont typeface="Arial" panose="020B0604020202020204" pitchFamily="34" charset="0"/>
+              <a:buChar char="•"/>
+            </a:pPr>
+            <a:r>
+              <a:rPr lang="en-US" dirty="0"/>
+              <a:t>This is only possible because of first-class functions</a:t>
+            </a:r>
+          </a:p>
+          <a:p>
+            <a:pPr marL="285750" indent="-285750">
+              <a:buFont typeface="Arial" panose="020B0604020202020204" pitchFamily="34" charset="0"/>
+              <a:buChar char="•"/>
+            </a:pPr>
+            <a:endParaRPr lang="en-US" dirty="0"/>
+          </a:p>
+          <a:p>
+            <a:pPr marL="285750" indent="-285750">
+              <a:buFont typeface="Arial" panose="020B0604020202020204" pitchFamily="34" charset="0"/>
+              <a:buChar char="•"/>
+            </a:pPr>
+            <a:endParaRPr lang="en-US" dirty="0"/>
+          </a:p>
+          <a:p>
+            <a:pPr marL="285750" indent="-285750">
+              <a:buFont typeface="Arial" panose="020B0604020202020204" pitchFamily="34" charset="0"/>
+              <a:buChar char="•"/>
+            </a:pPr>
+            <a:endParaRPr lang="en-US" dirty="0"/>
+          </a:p>
+          <a:p>
+            <a:pPr marL="342900" indent="-342900">
+              <a:buAutoNum type="arabicPeriod"/>
+            </a:pPr>
+            <a:r>
+              <a:rPr lang="en-US" b="1" dirty="0"/>
+              <a:t>Function that receives another function</a:t>
+            </a:r>
+          </a:p>
+          <a:p>
+            <a:r>
+              <a:rPr lang="en-US" dirty="0"/>
+              <a:t>const greet = () </a:t>
+            </a:r>
+            <a:r>
+              <a:rPr lang="en-US" dirty="0">
+                <a:sym typeface="Wingdings" pitchFamily="2" charset="2"/>
+              </a:rPr>
+              <a:t> </a:t>
+            </a:r>
+            <a:r>
+              <a:rPr lang="en-US" dirty="0" err="1">
+                <a:sym typeface="Wingdings" pitchFamily="2" charset="2"/>
+              </a:rPr>
+              <a:t>console.log</a:t>
+            </a:r>
+            <a:r>
+              <a:rPr lang="en-US" dirty="0">
+                <a:sym typeface="Wingdings" pitchFamily="2" charset="2"/>
+              </a:rPr>
+              <a:t>(‘Hello ram’);</a:t>
+            </a:r>
+          </a:p>
+          <a:p>
+            <a:r>
+              <a:rPr lang="en-US" dirty="0" err="1">
+                <a:sym typeface="Wingdings" pitchFamily="2" charset="2"/>
+              </a:rPr>
+              <a:t>btnClose.addEventListerner</a:t>
+            </a:r>
+            <a:r>
+              <a:rPr lang="en-US" dirty="0">
+                <a:sym typeface="Wingdings" pitchFamily="2" charset="2"/>
+              </a:rPr>
+              <a:t>(‘</a:t>
+            </a:r>
+            <a:r>
+              <a:rPr lang="en-US" dirty="0" err="1">
+                <a:sym typeface="Wingdings" pitchFamily="2" charset="2"/>
+              </a:rPr>
+              <a:t>click’,greet</a:t>
+            </a:r>
+            <a:r>
+              <a:rPr lang="en-US" dirty="0">
+                <a:sym typeface="Wingdings" pitchFamily="2" charset="2"/>
+              </a:rPr>
+              <a:t>)</a:t>
+            </a:r>
+          </a:p>
+          <a:p>
+            <a:endParaRPr lang="en-US" dirty="0">
+              <a:sym typeface="Wingdings" pitchFamily="2" charset="2"/>
+            </a:endParaRPr>
+          </a:p>
+          <a:p>
+            <a:endParaRPr lang="en-US" dirty="0">
+              <a:sym typeface="Wingdings" pitchFamily="2" charset="2"/>
+            </a:endParaRPr>
+          </a:p>
+          <a:p>
+            <a:endParaRPr lang="en-US" dirty="0">
+              <a:sym typeface="Wingdings" pitchFamily="2" charset="2"/>
+            </a:endParaRPr>
+          </a:p>
+          <a:p>
+            <a:r>
+              <a:rPr lang="en-US" b="1" dirty="0">
+                <a:sym typeface="Wingdings" pitchFamily="2" charset="2"/>
+              </a:rPr>
+              <a:t>2. Function that returns new function</a:t>
+            </a:r>
+          </a:p>
+          <a:p>
+            <a:r>
+              <a:rPr lang="en-US" dirty="0">
+                <a:sym typeface="Wingdings" pitchFamily="2" charset="2"/>
+              </a:rPr>
+              <a:t>Function count(){</a:t>
+            </a:r>
+          </a:p>
+          <a:p>
+            <a:r>
+              <a:rPr lang="en-US" dirty="0">
+                <a:sym typeface="Wingdings" pitchFamily="2" charset="2"/>
+              </a:rPr>
+              <a:t>Let counter = 0;</a:t>
+            </a:r>
+          </a:p>
+          <a:p>
+            <a:r>
+              <a:rPr lang="en-US" dirty="0">
+                <a:sym typeface="Wingdings" pitchFamily="2" charset="2"/>
+              </a:rPr>
+              <a:t>return function (){</a:t>
+            </a:r>
+          </a:p>
+          <a:p>
+            <a:r>
+              <a:rPr lang="en-US" dirty="0">
+                <a:sym typeface="Wingdings" pitchFamily="2" charset="2"/>
+              </a:rPr>
+              <a:t>counter++;</a:t>
+            </a:r>
+          </a:p>
+          <a:p>
+            <a:r>
+              <a:rPr lang="en-US" dirty="0">
+                <a:sym typeface="Wingdings" pitchFamily="2" charset="2"/>
+              </a:rPr>
+              <a:t> };</a:t>
+            </a:r>
+          </a:p>
+          <a:p>
+            <a:r>
+              <a:rPr lang="en-US" dirty="0">
+                <a:sym typeface="Wingdings" pitchFamily="2" charset="2"/>
+              </a:rPr>
+              <a:t>}</a:t>
+            </a:r>
+            <a:endParaRPr lang="en-US" dirty="0"/>
+          </a:p>
+        </p:txBody>
+      </p:sp>
+      <mc:AlternateContent xmlns:mc="http://schemas.openxmlformats.org/markup-compatibility/2006" xmlns:p14="http://schemas.microsoft.com/office/powerpoint/2010/main">
+        <mc:Choice Requires="p14">
+          <p:contentPart p14:bwMode="auto" r:id="rId2">
+            <p14:nvContentPartPr>
+              <p14:cNvPr id="5" name="Ink 4">
+                <a:extLst>
+                  <a:ext uri="{FF2B5EF4-FFF2-40B4-BE49-F238E27FC236}">
+                    <a16:creationId xmlns:a16="http://schemas.microsoft.com/office/drawing/2014/main" id="{E7E59627-D3BE-5D37-DA35-91C805061AF8}"/>
+                  </a:ext>
+                </a:extLst>
+              </p14:cNvPr>
+              <p14:cNvContentPartPr/>
+              <p14:nvPr/>
+            </p14:nvContentPartPr>
+            <p14:xfrm>
+              <a:off x="6768953" y="3705825"/>
+              <a:ext cx="1543320" cy="20160"/>
+            </p14:xfrm>
+          </p:contentPart>
+        </mc:Choice>
+        <mc:Fallback xmlns="">
+          <p:pic>
+            <p:nvPicPr>
+              <p:cNvPr id="5" name="Ink 4">
+                <a:extLst>
+                  <a:ext uri="{FF2B5EF4-FFF2-40B4-BE49-F238E27FC236}">
+                    <a16:creationId xmlns:a16="http://schemas.microsoft.com/office/drawing/2014/main" id="{E7E59627-D3BE-5D37-DA35-91C805061AF8}"/>
+                  </a:ext>
+                </a:extLst>
+              </p:cNvPr>
+              <p:cNvPicPr/>
+              <p:nvPr/>
+            </p:nvPicPr>
+            <p:blipFill>
+              <a:blip r:embed="rId3"/>
+              <a:stretch>
+                <a:fillRect/>
+              </a:stretch>
+            </p:blipFill>
+            <p:spPr>
+              <a:xfrm>
+                <a:off x="6715313" y="3598185"/>
+                <a:ext cx="1650960" cy="235800"/>
+              </a:xfrm>
+              <a:prstGeom prst="rect">
+                <a:avLst/>
+              </a:prstGeom>
+            </p:spPr>
+          </p:pic>
+        </mc:Fallback>
+      </mc:AlternateContent>
+      <mc:AlternateContent xmlns:mc="http://schemas.openxmlformats.org/markup-compatibility/2006" xmlns:p14="http://schemas.microsoft.com/office/powerpoint/2010/main">
+        <mc:Choice Requires="p14">
+          <p:contentPart p14:bwMode="auto" r:id="rId4">
+            <p14:nvContentPartPr>
+              <p14:cNvPr id="6" name="Ink 5">
+                <a:extLst>
+                  <a:ext uri="{FF2B5EF4-FFF2-40B4-BE49-F238E27FC236}">
+                    <a16:creationId xmlns:a16="http://schemas.microsoft.com/office/drawing/2014/main" id="{3B552A31-D02E-A63B-9E6B-274417C9AB3F}"/>
+                  </a:ext>
+                </a:extLst>
+              </p14:cNvPr>
+              <p14:cNvContentPartPr/>
+              <p14:nvPr/>
+            </p14:nvContentPartPr>
+            <p14:xfrm>
+              <a:off x="9085553" y="3687825"/>
+              <a:ext cx="389520" cy="13680"/>
+            </p14:xfrm>
+          </p:contentPart>
+        </mc:Choice>
+        <mc:Fallback xmlns="">
+          <p:pic>
+            <p:nvPicPr>
+              <p:cNvPr id="6" name="Ink 5">
+                <a:extLst>
+                  <a:ext uri="{FF2B5EF4-FFF2-40B4-BE49-F238E27FC236}">
+                    <a16:creationId xmlns:a16="http://schemas.microsoft.com/office/drawing/2014/main" id="{3B552A31-D02E-A63B-9E6B-274417C9AB3F}"/>
+                  </a:ext>
+                </a:extLst>
+              </p:cNvPr>
+              <p:cNvPicPr/>
+              <p:nvPr/>
+            </p:nvPicPr>
+            <p:blipFill>
+              <a:blip r:embed="rId5"/>
+              <a:stretch>
+                <a:fillRect/>
+              </a:stretch>
+            </p:blipFill>
+            <p:spPr>
+              <a:xfrm>
+                <a:off x="9031913" y="3579825"/>
+                <a:ext cx="497160" cy="229320"/>
+              </a:xfrm>
+              <a:prstGeom prst="rect">
+                <a:avLst/>
+              </a:prstGeom>
+            </p:spPr>
+          </p:pic>
+        </mc:Fallback>
+      </mc:AlternateContent>
+      <mc:AlternateContent xmlns:mc="http://schemas.openxmlformats.org/markup-compatibility/2006" xmlns:p14="http://schemas.microsoft.com/office/powerpoint/2010/main">
+        <mc:Choice Requires="p14">
+          <p:contentPart p14:bwMode="auto" r:id="rId6">
+            <p14:nvContentPartPr>
+              <p14:cNvPr id="7" name="Ink 6">
+                <a:extLst>
+                  <a:ext uri="{FF2B5EF4-FFF2-40B4-BE49-F238E27FC236}">
+                    <a16:creationId xmlns:a16="http://schemas.microsoft.com/office/drawing/2014/main" id="{64C6CC5D-2223-05F5-A980-CBFBA8AD594C}"/>
+                  </a:ext>
+                </a:extLst>
+              </p14:cNvPr>
+              <p14:cNvContentPartPr/>
+              <p14:nvPr/>
+            </p14:nvContentPartPr>
+            <p14:xfrm>
+              <a:off x="7388873" y="3849465"/>
+              <a:ext cx="405720" cy="204480"/>
+            </p14:xfrm>
+          </p:contentPart>
+        </mc:Choice>
+        <mc:Fallback xmlns="">
+          <p:pic>
+            <p:nvPicPr>
+              <p:cNvPr id="7" name="Ink 6">
+                <a:extLst>
+                  <a:ext uri="{FF2B5EF4-FFF2-40B4-BE49-F238E27FC236}">
+                    <a16:creationId xmlns:a16="http://schemas.microsoft.com/office/drawing/2014/main" id="{64C6CC5D-2223-05F5-A980-CBFBA8AD594C}"/>
+                  </a:ext>
+                </a:extLst>
+              </p:cNvPr>
+              <p:cNvPicPr/>
+              <p:nvPr/>
+            </p:nvPicPr>
+            <p:blipFill>
+              <a:blip r:embed="rId7"/>
+              <a:stretch>
+                <a:fillRect/>
+              </a:stretch>
+            </p:blipFill>
+            <p:spPr>
+              <a:xfrm>
+                <a:off x="7382753" y="3843345"/>
+                <a:ext cx="417960" cy="216720"/>
+              </a:xfrm>
+              <a:prstGeom prst="rect">
+                <a:avLst/>
+              </a:prstGeom>
+            </p:spPr>
+          </p:pic>
+        </mc:Fallback>
+      </mc:AlternateContent>
+      <mc:AlternateContent xmlns:mc="http://schemas.openxmlformats.org/markup-compatibility/2006" xmlns:p14="http://schemas.microsoft.com/office/powerpoint/2010/main">
+        <mc:Choice Requires="p14">
+          <p:contentPart p14:bwMode="auto" r:id="rId8">
+            <p14:nvContentPartPr>
+              <p14:cNvPr id="8" name="Ink 7">
+                <a:extLst>
+                  <a:ext uri="{FF2B5EF4-FFF2-40B4-BE49-F238E27FC236}">
+                    <a16:creationId xmlns:a16="http://schemas.microsoft.com/office/drawing/2014/main" id="{FFE1FDE9-3539-311B-A166-AAB454558E0E}"/>
+                  </a:ext>
+                </a:extLst>
+              </p14:cNvPr>
+              <p14:cNvContentPartPr/>
+              <p14:nvPr/>
+            </p14:nvContentPartPr>
+            <p14:xfrm>
+              <a:off x="9286073" y="3842625"/>
+              <a:ext cx="510480" cy="183600"/>
+            </p14:xfrm>
+          </p:contentPart>
+        </mc:Choice>
+        <mc:Fallback xmlns="">
+          <p:pic>
+            <p:nvPicPr>
+              <p:cNvPr id="8" name="Ink 7">
+                <a:extLst>
+                  <a:ext uri="{FF2B5EF4-FFF2-40B4-BE49-F238E27FC236}">
+                    <a16:creationId xmlns:a16="http://schemas.microsoft.com/office/drawing/2014/main" id="{FFE1FDE9-3539-311B-A166-AAB454558E0E}"/>
+                  </a:ext>
+                </a:extLst>
+              </p:cNvPr>
+              <p:cNvPicPr/>
+              <p:nvPr/>
+            </p:nvPicPr>
+            <p:blipFill>
+              <a:blip r:embed="rId9"/>
+              <a:stretch>
+                <a:fillRect/>
+              </a:stretch>
+            </p:blipFill>
+            <p:spPr>
+              <a:xfrm>
+                <a:off x="9279953" y="3836505"/>
+                <a:ext cx="522720" cy="195840"/>
+              </a:xfrm>
+              <a:prstGeom prst="rect">
+                <a:avLst/>
+              </a:prstGeom>
+            </p:spPr>
+          </p:pic>
+        </mc:Fallback>
+      </mc:AlternateContent>
+      <p:sp>
+        <p:nvSpPr>
+          <p:cNvPr id="9" name="TextBox 8">
+            <a:extLst>
+              <a:ext uri="{FF2B5EF4-FFF2-40B4-BE49-F238E27FC236}">
+                <a16:creationId xmlns:a16="http://schemas.microsoft.com/office/drawing/2014/main" id="{DBA0584D-35DD-0EE1-C8AD-59E662F53C50}"/>
+              </a:ext>
+            </a:extLst>
+          </p:cNvPr>
+          <p:cNvSpPr txBox="1"/>
+          <p:nvPr/>
+        </p:nvSpPr>
+        <p:spPr>
+          <a:xfrm>
+            <a:off x="6982352" y="3951705"/>
+            <a:ext cx="2226635" cy="369332"/>
+          </a:xfrm>
+          <a:prstGeom prst="rect">
+            <a:avLst/>
+          </a:prstGeom>
+          <a:noFill/>
+        </p:spPr>
+        <p:txBody>
+          <a:bodyPr wrap="none" rtlCol="0">
+            <a:spAutoFit/>
+          </a:bodyPr>
+          <a:lstStyle/>
+          <a:p>
+            <a:r>
+              <a:rPr lang="en-US" dirty="0"/>
+              <a:t>Higher-order function</a:t>
+            </a:r>
+          </a:p>
+        </p:txBody>
+      </p:sp>
+      <p:sp>
+        <p:nvSpPr>
+          <p:cNvPr id="10" name="TextBox 9">
+            <a:extLst>
+              <a:ext uri="{FF2B5EF4-FFF2-40B4-BE49-F238E27FC236}">
+                <a16:creationId xmlns:a16="http://schemas.microsoft.com/office/drawing/2014/main" id="{7F516051-E77B-855B-4FAC-B4471F3CACAC}"/>
+              </a:ext>
+            </a:extLst>
+          </p:cNvPr>
+          <p:cNvSpPr txBox="1"/>
+          <p:nvPr/>
+        </p:nvSpPr>
+        <p:spPr>
+          <a:xfrm>
+            <a:off x="9208987" y="3951705"/>
+            <a:ext cx="1797287" cy="369332"/>
+          </a:xfrm>
+          <a:prstGeom prst="rect">
+            <a:avLst/>
+          </a:prstGeom>
+          <a:noFill/>
+        </p:spPr>
+        <p:txBody>
+          <a:bodyPr wrap="none" rtlCol="0">
+            <a:spAutoFit/>
+          </a:bodyPr>
+          <a:lstStyle/>
+          <a:p>
+            <a:r>
+              <a:rPr lang="en-US" dirty="0"/>
+              <a:t>Callback function</a:t>
+            </a:r>
+          </a:p>
+        </p:txBody>
+      </p:sp>
+      <mc:AlternateContent xmlns:mc="http://schemas.openxmlformats.org/markup-compatibility/2006" xmlns:p14="http://schemas.microsoft.com/office/powerpoint/2010/main">
+        <mc:Choice Requires="p14">
+          <p:contentPart p14:bwMode="auto" r:id="rId10">
+            <p14:nvContentPartPr>
+              <p14:cNvPr id="11" name="Ink 10">
+                <a:extLst>
+                  <a:ext uri="{FF2B5EF4-FFF2-40B4-BE49-F238E27FC236}">
+                    <a16:creationId xmlns:a16="http://schemas.microsoft.com/office/drawing/2014/main" id="{8906ACB2-B410-F7D2-2B3D-DFEA8A32F942}"/>
+                  </a:ext>
+                </a:extLst>
+              </p14:cNvPr>
+              <p14:cNvContentPartPr/>
+              <p14:nvPr/>
+            </p14:nvContentPartPr>
+            <p14:xfrm>
+              <a:off x="6494273" y="5574945"/>
+              <a:ext cx="929160" cy="33480"/>
+            </p14:xfrm>
+          </p:contentPart>
+        </mc:Choice>
+        <mc:Fallback xmlns="">
+          <p:pic>
+            <p:nvPicPr>
+              <p:cNvPr id="11" name="Ink 10">
+                <a:extLst>
+                  <a:ext uri="{FF2B5EF4-FFF2-40B4-BE49-F238E27FC236}">
+                    <a16:creationId xmlns:a16="http://schemas.microsoft.com/office/drawing/2014/main" id="{8906ACB2-B410-F7D2-2B3D-DFEA8A32F942}"/>
+                  </a:ext>
+                </a:extLst>
+              </p:cNvPr>
+              <p:cNvPicPr/>
+              <p:nvPr/>
+            </p:nvPicPr>
+            <p:blipFill>
+              <a:blip r:embed="rId11"/>
+              <a:stretch>
+                <a:fillRect/>
+              </a:stretch>
+            </p:blipFill>
+            <p:spPr>
+              <a:xfrm>
+                <a:off x="6440633" y="5467305"/>
+                <a:ext cx="1036800" cy="249120"/>
+              </a:xfrm>
+              <a:prstGeom prst="rect">
+                <a:avLst/>
+              </a:prstGeom>
+            </p:spPr>
+          </p:pic>
+        </mc:Fallback>
+      </mc:AlternateContent>
+      <mc:AlternateContent xmlns:mc="http://schemas.openxmlformats.org/markup-compatibility/2006" xmlns:p14="http://schemas.microsoft.com/office/powerpoint/2010/main">
+        <mc:Choice Requires="p14">
+          <p:contentPart p14:bwMode="auto" r:id="rId12">
+            <p14:nvContentPartPr>
+              <p14:cNvPr id="12" name="Ink 11">
+                <a:extLst>
+                  <a:ext uri="{FF2B5EF4-FFF2-40B4-BE49-F238E27FC236}">
+                    <a16:creationId xmlns:a16="http://schemas.microsoft.com/office/drawing/2014/main" id="{C929F3FD-88C0-A733-7FEE-3C1F369A1350}"/>
+                  </a:ext>
+                </a:extLst>
+              </p14:cNvPr>
+              <p14:cNvContentPartPr/>
+              <p14:nvPr/>
+            </p14:nvContentPartPr>
+            <p14:xfrm>
+              <a:off x="5888033" y="4983825"/>
+              <a:ext cx="1551600" cy="36360"/>
+            </p14:xfrm>
+          </p:contentPart>
+        </mc:Choice>
+        <mc:Fallback xmlns="">
+          <p:pic>
+            <p:nvPicPr>
+              <p:cNvPr id="12" name="Ink 11">
+                <a:extLst>
+                  <a:ext uri="{FF2B5EF4-FFF2-40B4-BE49-F238E27FC236}">
+                    <a16:creationId xmlns:a16="http://schemas.microsoft.com/office/drawing/2014/main" id="{C929F3FD-88C0-A733-7FEE-3C1F369A1350}"/>
+                  </a:ext>
+                </a:extLst>
+              </p:cNvPr>
+              <p:cNvPicPr/>
+              <p:nvPr/>
+            </p:nvPicPr>
+            <p:blipFill>
+              <a:blip r:embed="rId13"/>
+              <a:stretch>
+                <a:fillRect/>
+              </a:stretch>
+            </p:blipFill>
+            <p:spPr>
+              <a:xfrm>
+                <a:off x="5834033" y="4876185"/>
+                <a:ext cx="1659240" cy="252000"/>
+              </a:xfrm>
+              <a:prstGeom prst="rect">
+                <a:avLst/>
+              </a:prstGeom>
+            </p:spPr>
+          </p:pic>
+        </mc:Fallback>
+      </mc:AlternateContent>
+      <mc:AlternateContent xmlns:mc="http://schemas.openxmlformats.org/markup-compatibility/2006" xmlns:p14="http://schemas.microsoft.com/office/powerpoint/2010/main">
+        <mc:Choice Requires="p14">
+          <p:contentPart p14:bwMode="auto" r:id="rId14">
+            <p14:nvContentPartPr>
+              <p14:cNvPr id="13" name="Ink 12">
+                <a:extLst>
+                  <a:ext uri="{FF2B5EF4-FFF2-40B4-BE49-F238E27FC236}">
+                    <a16:creationId xmlns:a16="http://schemas.microsoft.com/office/drawing/2014/main" id="{B304F56A-4723-2D89-2560-C039F6B2B64F}"/>
+                  </a:ext>
+                </a:extLst>
+              </p14:cNvPr>
+              <p14:cNvContentPartPr/>
+              <p14:nvPr/>
+            </p14:nvContentPartPr>
+            <p14:xfrm>
+              <a:off x="7601633" y="5063025"/>
+              <a:ext cx="1341360" cy="293760"/>
+            </p14:xfrm>
+          </p:contentPart>
+        </mc:Choice>
+        <mc:Fallback xmlns="">
+          <p:pic>
+            <p:nvPicPr>
+              <p:cNvPr id="13" name="Ink 12">
+                <a:extLst>
+                  <a:ext uri="{FF2B5EF4-FFF2-40B4-BE49-F238E27FC236}">
+                    <a16:creationId xmlns:a16="http://schemas.microsoft.com/office/drawing/2014/main" id="{B304F56A-4723-2D89-2560-C039F6B2B64F}"/>
+                  </a:ext>
+                </a:extLst>
+              </p:cNvPr>
+              <p:cNvPicPr/>
+              <p:nvPr/>
+            </p:nvPicPr>
+            <p:blipFill>
+              <a:blip r:embed="rId15"/>
+              <a:stretch>
+                <a:fillRect/>
+              </a:stretch>
+            </p:blipFill>
+            <p:spPr>
+              <a:xfrm>
+                <a:off x="7595513" y="5056905"/>
+                <a:ext cx="1353600" cy="306000"/>
+              </a:xfrm>
+              <a:prstGeom prst="rect">
+                <a:avLst/>
+              </a:prstGeom>
+            </p:spPr>
+          </p:pic>
+        </mc:Fallback>
+      </mc:AlternateContent>
+      <mc:AlternateContent xmlns:mc="http://schemas.openxmlformats.org/markup-compatibility/2006" xmlns:p14="http://schemas.microsoft.com/office/powerpoint/2010/main">
+        <mc:Choice Requires="p14">
+          <p:contentPart p14:bwMode="auto" r:id="rId16">
+            <p14:nvContentPartPr>
+              <p14:cNvPr id="14" name="Ink 13">
+                <a:extLst>
+                  <a:ext uri="{FF2B5EF4-FFF2-40B4-BE49-F238E27FC236}">
+                    <a16:creationId xmlns:a16="http://schemas.microsoft.com/office/drawing/2014/main" id="{E9A739DF-B33F-A0A7-15E3-8E01454EF9CB}"/>
+                  </a:ext>
+                </a:extLst>
+              </p14:cNvPr>
+              <p14:cNvContentPartPr/>
+              <p14:nvPr/>
+            </p14:nvContentPartPr>
+            <p14:xfrm>
+              <a:off x="7582553" y="5626065"/>
+              <a:ext cx="1273320" cy="346680"/>
+            </p14:xfrm>
+          </p:contentPart>
+        </mc:Choice>
+        <mc:Fallback xmlns="">
+          <p:pic>
+            <p:nvPicPr>
+              <p:cNvPr id="14" name="Ink 13">
+                <a:extLst>
+                  <a:ext uri="{FF2B5EF4-FFF2-40B4-BE49-F238E27FC236}">
+                    <a16:creationId xmlns:a16="http://schemas.microsoft.com/office/drawing/2014/main" id="{E9A739DF-B33F-A0A7-15E3-8E01454EF9CB}"/>
+                  </a:ext>
+                </a:extLst>
+              </p:cNvPr>
+              <p:cNvPicPr/>
+              <p:nvPr/>
+            </p:nvPicPr>
+            <p:blipFill>
+              <a:blip r:embed="rId17"/>
+              <a:stretch>
+                <a:fillRect/>
+              </a:stretch>
+            </p:blipFill>
+            <p:spPr>
+              <a:xfrm>
+                <a:off x="7576433" y="5619945"/>
+                <a:ext cx="1285560" cy="358920"/>
+              </a:xfrm>
+              <a:prstGeom prst="rect">
+                <a:avLst/>
+              </a:prstGeom>
+            </p:spPr>
+          </p:pic>
+        </mc:Fallback>
+      </mc:AlternateContent>
+      <p:sp>
+        <p:nvSpPr>
+          <p:cNvPr id="15" name="TextBox 14">
+            <a:extLst>
+              <a:ext uri="{FF2B5EF4-FFF2-40B4-BE49-F238E27FC236}">
+                <a16:creationId xmlns:a16="http://schemas.microsoft.com/office/drawing/2014/main" id="{550AD4A7-7801-442C-2816-5FE863340046}"/>
+              </a:ext>
+            </a:extLst>
+          </p:cNvPr>
+          <p:cNvSpPr txBox="1"/>
+          <p:nvPr/>
+        </p:nvSpPr>
+        <p:spPr>
+          <a:xfrm>
+            <a:off x="8855873" y="5172119"/>
+            <a:ext cx="2226635" cy="369332"/>
+          </a:xfrm>
+          <a:prstGeom prst="rect">
+            <a:avLst/>
+          </a:prstGeom>
+          <a:noFill/>
+        </p:spPr>
+        <p:txBody>
+          <a:bodyPr wrap="none" rtlCol="0">
+            <a:spAutoFit/>
+          </a:bodyPr>
+          <a:lstStyle/>
+          <a:p>
+            <a:r>
+              <a:rPr lang="en-US" dirty="0"/>
+              <a:t>Higher-order function</a:t>
+            </a:r>
+          </a:p>
+        </p:txBody>
+      </p:sp>
+      <p:sp>
+        <p:nvSpPr>
+          <p:cNvPr id="16" name="TextBox 15">
+            <a:extLst>
+              <a:ext uri="{FF2B5EF4-FFF2-40B4-BE49-F238E27FC236}">
+                <a16:creationId xmlns:a16="http://schemas.microsoft.com/office/drawing/2014/main" id="{128557F2-9C8D-FFF8-F8F1-CBA05596EB3D}"/>
+              </a:ext>
+            </a:extLst>
+          </p:cNvPr>
+          <p:cNvSpPr txBox="1"/>
+          <p:nvPr/>
+        </p:nvSpPr>
+        <p:spPr>
+          <a:xfrm>
+            <a:off x="8779639" y="5783246"/>
+            <a:ext cx="1896225" cy="369332"/>
+          </a:xfrm>
+          <a:prstGeom prst="rect">
+            <a:avLst/>
+          </a:prstGeom>
+          <a:noFill/>
+        </p:spPr>
+        <p:txBody>
+          <a:bodyPr wrap="none" rtlCol="0">
+            <a:spAutoFit/>
+          </a:bodyPr>
+          <a:lstStyle/>
+          <a:p>
+            <a:r>
+              <a:rPr lang="en-US" dirty="0"/>
+              <a:t>Returned function</a:t>
+            </a:r>
+          </a:p>
+        </p:txBody>
+      </p:sp>
+    </p:spTree>
+    <p:extLst>
+      <p:ext uri="{BB962C8B-B14F-4D97-AF65-F5344CB8AC3E}">
+        <p14:creationId xmlns:p14="http://schemas.microsoft.com/office/powerpoint/2010/main" val="3454784581"/>
+      </p:ext>
+    </p:extLst>
+  </p:cSld>
+  <p:clrMapOvr>
+    <a:masterClrMapping/>
+  </p:clrMapOvr>
+</p:sld>
+</file>
+
+<file path=ppt/slides/slide77.xml><?xml version="1.0" encoding="utf-8"?>
+<p:sld xmlns:a="http://schemas.openxmlformats.org/drawingml/2006/main" xmlns:r="http://schemas.openxmlformats.org/officeDocument/2006/relationships" xmlns:p="http://schemas.openxmlformats.org/presentationml/2006/main">
+  <p:cSld>
+    <p:spTree>
+      <p:nvGrpSpPr>
+        <p:cNvPr id="1" name="">
+          <a:extLst>
+            <a:ext uri="{FF2B5EF4-FFF2-40B4-BE49-F238E27FC236}">
+              <a16:creationId xmlns:a16="http://schemas.microsoft.com/office/drawing/2014/main" id="{18084B71-C97A-058C-1ECB-5F3CACC58E10}"/>
+            </a:ext>
+          </a:extLst>
+        </p:cNvPr>
+        <p:cNvGrpSpPr/>
+        <p:nvPr/>
+      </p:nvGrpSpPr>
+      <p:grpSpPr>
+        <a:xfrm>
+          <a:off x="0" y="0"/>
+          <a:ext cx="0" cy="0"/>
+          <a:chOff x="0" y="0"/>
+          <a:chExt cx="0" cy="0"/>
+        </a:xfrm>
+      </p:grpSpPr>
+      <p:sp>
+        <p:nvSpPr>
+          <p:cNvPr id="2" name="Title 1">
+            <a:extLst>
+              <a:ext uri="{FF2B5EF4-FFF2-40B4-BE49-F238E27FC236}">
+                <a16:creationId xmlns:a16="http://schemas.microsoft.com/office/drawing/2014/main" id="{B9938672-35C7-989B-B257-73E2EBCB6AA2}"/>
+              </a:ext>
+            </a:extLst>
+          </p:cNvPr>
+          <p:cNvSpPr>
+            <a:spLocks noGrp="1"/>
+          </p:cNvSpPr>
+          <p:nvPr>
+            <p:ph type="title"/>
+          </p:nvPr>
+        </p:nvSpPr>
+        <p:spPr>
+          <a:xfrm>
+            <a:off x="838200" y="365126"/>
+            <a:ext cx="10515600" cy="6179365"/>
+          </a:xfrm>
+        </p:spPr>
+        <p:txBody>
+          <a:bodyPr>
+            <a:normAutofit fontScale="90000"/>
+          </a:bodyPr>
+          <a:lstStyle/>
+          <a:p>
+            <a:r>
+              <a:rPr lang="en-US" dirty="0"/>
+              <a:t>Functions accepting callback functions</a:t>
+            </a:r>
+            <a:br>
+              <a:rPr lang="en-US" dirty="0"/>
+            </a:br>
+            <a:r>
+              <a:rPr lang="en-US" dirty="0"/>
+              <a:t>Functions returning functions</a:t>
+            </a:r>
+            <a:br>
+              <a:rPr lang="en-US" dirty="0"/>
+            </a:br>
+            <a:br>
+              <a:rPr lang="en-US" dirty="0"/>
+            </a:br>
+            <a:r>
+              <a:rPr lang="en-US" dirty="0"/>
+              <a:t>The Call and Apply Methods</a:t>
+            </a:r>
+            <a:br>
+              <a:rPr lang="en-US" dirty="0"/>
+            </a:br>
+            <a:br>
+              <a:rPr lang="en-US" dirty="0"/>
+            </a:br>
+            <a:r>
+              <a:rPr lang="en-US" dirty="0"/>
+              <a:t>The BIND Method – return a new function</a:t>
+            </a:r>
+            <a:br>
+              <a:rPr lang="en-US" dirty="0"/>
+            </a:br>
+            <a:r>
+              <a:rPr lang="en-US" dirty="0"/>
+              <a:t>Challenge 1</a:t>
+            </a:r>
+            <a:br>
+              <a:rPr lang="en-US" dirty="0"/>
+            </a:br>
+            <a:br>
+              <a:rPr lang="en-US" dirty="0"/>
+            </a:br>
+            <a:r>
+              <a:rPr lang="en-US" dirty="0"/>
+              <a:t>IIFE(Immediately Invoked Function Expressions</a:t>
+            </a:r>
+            <a:br>
+              <a:rPr lang="en-US" dirty="0"/>
+            </a:br>
+            <a:br>
+              <a:rPr lang="en-US" dirty="0"/>
+            </a:br>
+            <a:r>
+              <a:rPr lang="en-US" dirty="0"/>
+              <a:t>Closures</a:t>
+            </a:r>
+            <a:endParaRPr lang="en-US" b="1" dirty="0">
+              <a:solidFill>
+                <a:srgbClr val="FF0000"/>
+              </a:solidFill>
+            </a:endParaRPr>
+          </a:p>
+        </p:txBody>
+      </p:sp>
+    </p:spTree>
+    <p:extLst>
+      <p:ext uri="{BB962C8B-B14F-4D97-AF65-F5344CB8AC3E}">
+        <p14:creationId xmlns:p14="http://schemas.microsoft.com/office/powerpoint/2010/main" val="887416971"/>
+      </p:ext>
+    </p:extLst>
+  </p:cSld>
+  <p:clrMapOvr>
+    <a:masterClrMapping/>
+  </p:clrMapOvr>
+</p:sld>
+</file>
+
+<file path=ppt/slides/slide78.xml><?xml version="1.0" encoding="utf-8"?>
+<p:sld xmlns:a="http://schemas.openxmlformats.org/drawingml/2006/main" xmlns:r="http://schemas.openxmlformats.org/officeDocument/2006/relationships" xmlns:p="http://schemas.openxmlformats.org/presentationml/2006/main">
+  <p:cSld>
+    <p:spTree>
+      <p:nvGrpSpPr>
+        <p:cNvPr id="1" name="">
+          <a:extLst>
+            <a:ext uri="{FF2B5EF4-FFF2-40B4-BE49-F238E27FC236}">
+              <a16:creationId xmlns:a16="http://schemas.microsoft.com/office/drawing/2014/main" id="{304D344A-E905-4CB4-7697-0ED47EAA7853}"/>
+            </a:ext>
+          </a:extLst>
+        </p:cNvPr>
+        <p:cNvGrpSpPr/>
+        <p:nvPr/>
+      </p:nvGrpSpPr>
+      <p:grpSpPr>
+        <a:xfrm>
+          <a:off x="0" y="0"/>
+          <a:ext cx="0" cy="0"/>
+          <a:chOff x="0" y="0"/>
+          <a:chExt cx="0" cy="0"/>
+        </a:xfrm>
+      </p:grpSpPr>
+      <p:sp>
+        <p:nvSpPr>
+          <p:cNvPr id="2" name="Title 1">
+            <a:extLst>
+              <a:ext uri="{FF2B5EF4-FFF2-40B4-BE49-F238E27FC236}">
+                <a16:creationId xmlns:a16="http://schemas.microsoft.com/office/drawing/2014/main" id="{0D25A2A4-06A8-050C-7414-801B2FCEB14F}"/>
+              </a:ext>
+            </a:extLst>
+          </p:cNvPr>
+          <p:cNvSpPr>
+            <a:spLocks noGrp="1"/>
+          </p:cNvSpPr>
+          <p:nvPr>
+            <p:ph type="title"/>
+          </p:nvPr>
+        </p:nvSpPr>
+        <p:spPr>
+          <a:xfrm>
+            <a:off x="3941717" y="339317"/>
+            <a:ext cx="4308566" cy="6179365"/>
+          </a:xfrm>
+        </p:spPr>
+        <p:txBody>
+          <a:bodyPr>
+            <a:normAutofit/>
+          </a:bodyPr>
+          <a:lstStyle/>
+          <a:p>
+            <a:pPr>
+              <a:lnSpc>
+                <a:spcPts val="1575"/>
+              </a:lnSpc>
+            </a:pPr>
+            <a:r>
+              <a:rPr lang="en-IN" sz="1600" b="0" dirty="0" err="1">
+                <a:solidFill>
+                  <a:srgbClr val="FF0000"/>
+                </a:solidFill>
+                <a:effectLst/>
+                <a:latin typeface="Menlo" panose="020B0609030804020204" pitchFamily="49" charset="0"/>
+              </a:rPr>
+              <a:t>const</a:t>
+            </a:r>
+            <a:r>
+              <a:rPr lang="en-IN" sz="1600" b="0" dirty="0">
+                <a:solidFill>
+                  <a:srgbClr val="FF0000"/>
+                </a:solidFill>
+                <a:effectLst/>
+                <a:latin typeface="Menlo" panose="020B0609030804020204" pitchFamily="49" charset="0"/>
+              </a:rPr>
+              <a:t> </a:t>
+            </a:r>
+            <a:r>
+              <a:rPr lang="en-IN" sz="1600" b="0" dirty="0" err="1">
+                <a:solidFill>
+                  <a:srgbClr val="FF0000"/>
+                </a:solidFill>
+                <a:effectLst/>
+                <a:latin typeface="Menlo" panose="020B0609030804020204" pitchFamily="49" charset="0"/>
+              </a:rPr>
+              <a:t>secureBooking</a:t>
+            </a:r>
+            <a:r>
+              <a:rPr lang="en-IN" sz="1600" b="0" dirty="0">
+                <a:solidFill>
+                  <a:srgbClr val="FF0000"/>
+                </a:solidFill>
+                <a:effectLst/>
+                <a:latin typeface="Menlo" panose="020B0609030804020204" pitchFamily="49" charset="0"/>
+              </a:rPr>
+              <a:t> = function(){</a:t>
+            </a:r>
+            <a:br>
+              <a:rPr lang="en-IN" sz="1600" b="0" dirty="0">
+                <a:solidFill>
+                  <a:srgbClr val="FF0000"/>
+                </a:solidFill>
+                <a:effectLst/>
+                <a:latin typeface="Menlo" panose="020B0609030804020204" pitchFamily="49" charset="0"/>
+              </a:rPr>
+            </a:br>
+            <a:br>
+              <a:rPr lang="en-IN" sz="1600" b="0" dirty="0">
+                <a:solidFill>
+                  <a:srgbClr val="FF0000"/>
+                </a:solidFill>
+                <a:effectLst/>
+                <a:latin typeface="Menlo" panose="020B0609030804020204" pitchFamily="49" charset="0"/>
+              </a:rPr>
+            </a:br>
+            <a:r>
+              <a:rPr lang="en-IN" sz="1600" b="0" dirty="0">
+                <a:solidFill>
+                  <a:srgbClr val="FF0000"/>
+                </a:solidFill>
+                <a:effectLst/>
+                <a:latin typeface="Menlo" panose="020B0609030804020204" pitchFamily="49" charset="0"/>
+              </a:rPr>
+              <a:t>let </a:t>
+            </a:r>
+            <a:r>
+              <a:rPr lang="en-IN" sz="1600" b="0" dirty="0" err="1">
+                <a:solidFill>
+                  <a:srgbClr val="FF0000"/>
+                </a:solidFill>
+                <a:effectLst/>
+                <a:latin typeface="Menlo" panose="020B0609030804020204" pitchFamily="49" charset="0"/>
+              </a:rPr>
+              <a:t>passengerCount</a:t>
+            </a:r>
+            <a:r>
+              <a:rPr lang="en-IN" sz="1600" b="0" dirty="0">
+                <a:solidFill>
+                  <a:srgbClr val="FF0000"/>
+                </a:solidFill>
+                <a:effectLst/>
+                <a:latin typeface="Menlo" panose="020B0609030804020204" pitchFamily="49" charset="0"/>
+              </a:rPr>
+              <a:t> = 0;</a:t>
+            </a:r>
+            <a:br>
+              <a:rPr lang="en-IN" sz="1600" b="0" dirty="0">
+                <a:solidFill>
+                  <a:srgbClr val="FF0000"/>
+                </a:solidFill>
+                <a:effectLst/>
+                <a:latin typeface="Menlo" panose="020B0609030804020204" pitchFamily="49" charset="0"/>
+              </a:rPr>
+            </a:br>
+            <a:br>
+              <a:rPr lang="en-IN" sz="1600" b="0" dirty="0">
+                <a:solidFill>
+                  <a:srgbClr val="FF0000"/>
+                </a:solidFill>
+                <a:effectLst/>
+                <a:latin typeface="Menlo" panose="020B0609030804020204" pitchFamily="49" charset="0"/>
+              </a:rPr>
+            </a:br>
+            <a:r>
+              <a:rPr lang="en-IN" sz="1600" b="0" dirty="0">
+                <a:solidFill>
+                  <a:srgbClr val="FF0000"/>
+                </a:solidFill>
+                <a:effectLst/>
+                <a:latin typeface="Menlo" panose="020B0609030804020204" pitchFamily="49" charset="0"/>
+              </a:rPr>
+              <a:t>return function () {</a:t>
+            </a:r>
+            <a:br>
+              <a:rPr lang="en-IN" sz="1600" b="0" dirty="0">
+                <a:solidFill>
+                  <a:srgbClr val="FF0000"/>
+                </a:solidFill>
+                <a:effectLst/>
+                <a:latin typeface="Menlo" panose="020B0609030804020204" pitchFamily="49" charset="0"/>
+              </a:rPr>
+            </a:br>
+            <a:br>
+              <a:rPr lang="en-IN" sz="1600" b="0" dirty="0">
+                <a:solidFill>
+                  <a:srgbClr val="FF0000"/>
+                </a:solidFill>
+                <a:effectLst/>
+                <a:latin typeface="Menlo" panose="020B0609030804020204" pitchFamily="49" charset="0"/>
+              </a:rPr>
+            </a:br>
+            <a:r>
+              <a:rPr lang="en-IN" sz="1600" b="0" dirty="0" err="1">
+                <a:solidFill>
+                  <a:srgbClr val="FF0000"/>
+                </a:solidFill>
+                <a:effectLst/>
+                <a:latin typeface="Menlo" panose="020B0609030804020204" pitchFamily="49" charset="0"/>
+              </a:rPr>
+              <a:t>passengerCount</a:t>
+            </a:r>
+            <a:r>
+              <a:rPr lang="en-IN" sz="1600" b="0" dirty="0">
+                <a:solidFill>
+                  <a:srgbClr val="FF0000"/>
+                </a:solidFill>
+                <a:effectLst/>
+                <a:latin typeface="Menlo" panose="020B0609030804020204" pitchFamily="49" charset="0"/>
+              </a:rPr>
+              <a:t>++;</a:t>
+            </a:r>
+            <a:br>
+              <a:rPr lang="en-IN" sz="1600" b="0" dirty="0">
+                <a:solidFill>
+                  <a:srgbClr val="FF0000"/>
+                </a:solidFill>
+                <a:effectLst/>
+                <a:latin typeface="Menlo" panose="020B0609030804020204" pitchFamily="49" charset="0"/>
+              </a:rPr>
+            </a:br>
+            <a:br>
+              <a:rPr lang="en-IN" sz="1600" b="0" dirty="0">
+                <a:solidFill>
+                  <a:srgbClr val="FF0000"/>
+                </a:solidFill>
+                <a:effectLst/>
+                <a:latin typeface="Menlo" panose="020B0609030804020204" pitchFamily="49" charset="0"/>
+              </a:rPr>
+            </a:br>
+            <a:r>
+              <a:rPr lang="en-IN" sz="1600" b="0" dirty="0" err="1">
+                <a:solidFill>
+                  <a:srgbClr val="FF0000"/>
+                </a:solidFill>
+                <a:effectLst/>
+                <a:latin typeface="Menlo" panose="020B0609030804020204" pitchFamily="49" charset="0"/>
+              </a:rPr>
+              <a:t>console.log</a:t>
+            </a:r>
+            <a:r>
+              <a:rPr lang="en-IN" sz="1600" b="0" dirty="0">
+                <a:solidFill>
+                  <a:srgbClr val="FF0000"/>
+                </a:solidFill>
+                <a:effectLst/>
+                <a:latin typeface="Menlo" panose="020B0609030804020204" pitchFamily="49" charset="0"/>
+              </a:rPr>
+              <a:t>(`${</a:t>
+            </a:r>
+            <a:r>
+              <a:rPr lang="en-IN" sz="1600" b="0" dirty="0" err="1">
+                <a:solidFill>
+                  <a:srgbClr val="FF0000"/>
+                </a:solidFill>
+                <a:effectLst/>
+                <a:latin typeface="Menlo" panose="020B0609030804020204" pitchFamily="49" charset="0"/>
+              </a:rPr>
+              <a:t>passengerCount</a:t>
+            </a:r>
+            <a:r>
+              <a:rPr lang="en-IN" sz="1600" b="0" dirty="0">
+                <a:solidFill>
+                  <a:srgbClr val="FF0000"/>
+                </a:solidFill>
+                <a:effectLst/>
+                <a:latin typeface="Menlo" panose="020B0609030804020204" pitchFamily="49" charset="0"/>
+              </a:rPr>
+              <a:t>} passengers`);</a:t>
+            </a:r>
+            <a:br>
+              <a:rPr lang="en-IN" sz="1600" b="0" dirty="0">
+                <a:solidFill>
+                  <a:srgbClr val="FF0000"/>
+                </a:solidFill>
+                <a:effectLst/>
+                <a:latin typeface="Menlo" panose="020B0609030804020204" pitchFamily="49" charset="0"/>
+              </a:rPr>
+            </a:br>
+            <a:br>
+              <a:rPr lang="en-IN" sz="1600" b="0" dirty="0">
+                <a:solidFill>
+                  <a:srgbClr val="FF0000"/>
+                </a:solidFill>
+                <a:effectLst/>
+                <a:latin typeface="Menlo" panose="020B0609030804020204" pitchFamily="49" charset="0"/>
+              </a:rPr>
+            </a:br>
+            <a:r>
+              <a:rPr lang="en-IN" sz="1600" b="0" dirty="0">
+                <a:solidFill>
+                  <a:srgbClr val="FF0000"/>
+                </a:solidFill>
+                <a:effectLst/>
+                <a:latin typeface="Menlo" panose="020B0609030804020204" pitchFamily="49" charset="0"/>
+              </a:rPr>
+              <a:t>}</a:t>
+            </a:r>
+            <a:br>
+              <a:rPr lang="en-IN" sz="1600" b="0" dirty="0">
+                <a:solidFill>
+                  <a:srgbClr val="FF0000"/>
+                </a:solidFill>
+                <a:effectLst/>
+                <a:latin typeface="Menlo" panose="020B0609030804020204" pitchFamily="49" charset="0"/>
+              </a:rPr>
+            </a:br>
+            <a:br>
+              <a:rPr lang="en-IN" sz="1600" b="0" dirty="0">
+                <a:solidFill>
+                  <a:srgbClr val="FF0000"/>
+                </a:solidFill>
+                <a:effectLst/>
+                <a:latin typeface="Menlo" panose="020B0609030804020204" pitchFamily="49" charset="0"/>
+              </a:rPr>
+            </a:br>
+            <a:r>
+              <a:rPr lang="en-IN" sz="1600" b="0" dirty="0">
+                <a:solidFill>
+                  <a:srgbClr val="FF0000"/>
+                </a:solidFill>
+                <a:effectLst/>
+                <a:latin typeface="Menlo" panose="020B0609030804020204" pitchFamily="49" charset="0"/>
+              </a:rPr>
+              <a:t>}</a:t>
+            </a:r>
+            <a:br>
+              <a:rPr lang="en-IN" sz="1600" b="0" dirty="0">
+                <a:solidFill>
+                  <a:srgbClr val="FF0000"/>
+                </a:solidFill>
+                <a:effectLst/>
+                <a:latin typeface="Menlo" panose="020B0609030804020204" pitchFamily="49" charset="0"/>
+              </a:rPr>
+            </a:br>
+            <a:br>
+              <a:rPr lang="en-IN" sz="1600" b="0" dirty="0">
+                <a:solidFill>
+                  <a:srgbClr val="FF0000"/>
+                </a:solidFill>
+                <a:effectLst/>
+                <a:latin typeface="Menlo" panose="020B0609030804020204" pitchFamily="49" charset="0"/>
+              </a:rPr>
+            </a:br>
+            <a:r>
+              <a:rPr lang="en-IN" sz="1600" b="0" dirty="0" err="1">
+                <a:solidFill>
+                  <a:srgbClr val="FF0000"/>
+                </a:solidFill>
+                <a:effectLst/>
+                <a:latin typeface="Menlo" panose="020B0609030804020204" pitchFamily="49" charset="0"/>
+              </a:rPr>
+              <a:t>const</a:t>
+            </a:r>
+            <a:r>
+              <a:rPr lang="en-IN" sz="1600" b="0" dirty="0">
+                <a:solidFill>
+                  <a:srgbClr val="FF0000"/>
+                </a:solidFill>
+                <a:effectLst/>
+                <a:latin typeface="Menlo" panose="020B0609030804020204" pitchFamily="49" charset="0"/>
+              </a:rPr>
+              <a:t> booker = </a:t>
+            </a:r>
+            <a:r>
+              <a:rPr lang="en-IN" sz="1600" b="0" dirty="0" err="1">
+                <a:solidFill>
+                  <a:srgbClr val="FF0000"/>
+                </a:solidFill>
+                <a:effectLst/>
+                <a:latin typeface="Menlo" panose="020B0609030804020204" pitchFamily="49" charset="0"/>
+              </a:rPr>
+              <a:t>secureBooking</a:t>
+            </a:r>
+            <a:r>
+              <a:rPr lang="en-IN" sz="1600" b="0" dirty="0">
+                <a:solidFill>
+                  <a:srgbClr val="FF0000"/>
+                </a:solidFill>
+                <a:effectLst/>
+                <a:latin typeface="Menlo" panose="020B0609030804020204" pitchFamily="49" charset="0"/>
+              </a:rPr>
+              <a:t>();</a:t>
+            </a:r>
+            <a:br>
+              <a:rPr lang="en-IN" sz="1600" b="0" dirty="0">
+                <a:solidFill>
+                  <a:srgbClr val="FF0000"/>
+                </a:solidFill>
+                <a:effectLst/>
+                <a:latin typeface="Menlo" panose="020B0609030804020204" pitchFamily="49" charset="0"/>
+              </a:rPr>
+            </a:br>
+            <a:br>
+              <a:rPr lang="en-IN" sz="1600" b="0" dirty="0">
+                <a:solidFill>
+                  <a:srgbClr val="FF0000"/>
+                </a:solidFill>
+                <a:effectLst/>
+                <a:latin typeface="Menlo" panose="020B0609030804020204" pitchFamily="49" charset="0"/>
+              </a:rPr>
+            </a:br>
+            <a:r>
+              <a:rPr lang="en-IN" sz="1600" b="0" dirty="0">
+                <a:solidFill>
+                  <a:srgbClr val="FF0000"/>
+                </a:solidFill>
+                <a:effectLst/>
+                <a:latin typeface="Menlo" panose="020B0609030804020204" pitchFamily="49" charset="0"/>
+              </a:rPr>
+              <a:t>booker();</a:t>
+            </a:r>
+            <a:br>
+              <a:rPr lang="en-IN" sz="1600" b="0" dirty="0">
+                <a:solidFill>
+                  <a:srgbClr val="FF0000"/>
+                </a:solidFill>
+                <a:effectLst/>
+                <a:latin typeface="Menlo" panose="020B0609030804020204" pitchFamily="49" charset="0"/>
+              </a:rPr>
+            </a:br>
+            <a:r>
+              <a:rPr lang="en-IN" sz="1600" b="0" dirty="0">
+                <a:solidFill>
+                  <a:srgbClr val="FF0000"/>
+                </a:solidFill>
+                <a:effectLst/>
+                <a:latin typeface="Menlo" panose="020B0609030804020204" pitchFamily="49" charset="0"/>
+              </a:rPr>
+              <a:t>booker();</a:t>
+            </a:r>
+            <a:br>
+              <a:rPr lang="en-IN" sz="1600" b="0" dirty="0">
+                <a:solidFill>
+                  <a:srgbClr val="FF0000"/>
+                </a:solidFill>
+                <a:effectLst/>
+                <a:latin typeface="Menlo" panose="020B0609030804020204" pitchFamily="49" charset="0"/>
+              </a:rPr>
+            </a:br>
+            <a:r>
+              <a:rPr lang="en-IN" sz="1600" b="0" dirty="0">
+                <a:solidFill>
+                  <a:srgbClr val="FF0000"/>
+                </a:solidFill>
+                <a:effectLst/>
+                <a:latin typeface="Menlo" panose="020B0609030804020204" pitchFamily="49" charset="0"/>
+              </a:rPr>
+              <a:t>booker();</a:t>
+            </a:r>
+            <a:br>
+              <a:rPr lang="en-IN" sz="1600" b="0" dirty="0">
+                <a:solidFill>
+                  <a:srgbClr val="FF0000"/>
+                </a:solidFill>
+                <a:effectLst/>
+                <a:latin typeface="Menlo" panose="020B0609030804020204" pitchFamily="49" charset="0"/>
+              </a:rPr>
+            </a:br>
+            <a:br>
+              <a:rPr lang="en-IN" sz="1600" b="0" dirty="0">
+                <a:solidFill>
+                  <a:srgbClr val="FF0000"/>
+                </a:solidFill>
+                <a:effectLst/>
+                <a:latin typeface="Menlo" panose="020B0609030804020204" pitchFamily="49" charset="0"/>
+              </a:rPr>
+            </a:br>
+            <a:endParaRPr lang="en-US" sz="1600" b="1" dirty="0">
+              <a:solidFill>
+                <a:srgbClr val="FF0000"/>
+              </a:solidFill>
+            </a:endParaRPr>
+          </a:p>
+        </p:txBody>
+      </p:sp>
+      <p:sp>
+        <p:nvSpPr>
+          <p:cNvPr id="3" name="Rectangle 2">
+            <a:extLst>
+              <a:ext uri="{FF2B5EF4-FFF2-40B4-BE49-F238E27FC236}">
+                <a16:creationId xmlns:a16="http://schemas.microsoft.com/office/drawing/2014/main" id="{3A28C866-5B66-5AC3-9EA8-FE4717BF1DEA}"/>
+              </a:ext>
+            </a:extLst>
+          </p:cNvPr>
+          <p:cNvSpPr/>
+          <p:nvPr/>
+        </p:nvSpPr>
+        <p:spPr>
+          <a:xfrm>
+            <a:off x="809897" y="1580606"/>
+            <a:ext cx="2638697" cy="4754880"/>
+          </a:xfrm>
+          <a:prstGeom prst="rect">
+            <a:avLst/>
+          </a:prstGeom>
+        </p:spPr>
+        <p:style>
+          <a:lnRef idx="2">
+            <a:schemeClr val="accent6"/>
+          </a:lnRef>
+          <a:fillRef idx="1">
+            <a:schemeClr val="lt1"/>
+          </a:fillRef>
+          <a:effectRef idx="0">
+            <a:schemeClr val="accent6"/>
+          </a:effectRef>
+          <a:fontRef idx="minor">
+            <a:schemeClr val="dk1"/>
+          </a:fontRef>
+        </p:style>
+        <p:txBody>
+          <a:bodyPr rtlCol="0" anchor="ctr"/>
+          <a:lstStyle/>
+          <a:p>
+            <a:pPr algn="ctr"/>
+            <a:endParaRPr lang="en-US" dirty="0"/>
+          </a:p>
+          <a:p>
+            <a:pPr algn="ctr"/>
+            <a:endParaRPr lang="en-US" dirty="0"/>
+          </a:p>
+          <a:p>
+            <a:pPr algn="ctr"/>
+            <a:endParaRPr lang="en-US" dirty="0"/>
+          </a:p>
+          <a:p>
+            <a:pPr algn="ctr"/>
+            <a:endParaRPr lang="en-US" dirty="0"/>
+          </a:p>
+          <a:p>
+            <a:pPr algn="ctr"/>
+            <a:endParaRPr lang="en-US" dirty="0"/>
+          </a:p>
+          <a:p>
+            <a:pPr algn="ctr"/>
+            <a:endParaRPr lang="en-US" dirty="0"/>
+          </a:p>
+          <a:p>
+            <a:pPr algn="ctr"/>
+            <a:endParaRPr lang="en-US" dirty="0"/>
+          </a:p>
+          <a:p>
+            <a:pPr algn="ctr"/>
+            <a:endParaRPr lang="en-US" dirty="0"/>
+          </a:p>
+          <a:p>
+            <a:pPr algn="ctr"/>
+            <a:endParaRPr lang="en-US" dirty="0"/>
+          </a:p>
+          <a:p>
+            <a:pPr algn="ctr"/>
+            <a:r>
+              <a:rPr lang="en-US" dirty="0"/>
+              <a:t>Secure booking = &lt;f&gt;</a:t>
+            </a:r>
+          </a:p>
+          <a:p>
+            <a:pPr algn="ctr"/>
+            <a:r>
+              <a:rPr lang="en-US" dirty="0"/>
+              <a:t>Booker = &lt;f&gt;</a:t>
+            </a:r>
+          </a:p>
+        </p:txBody>
+      </p:sp>
+      <p:sp>
+        <p:nvSpPr>
+          <p:cNvPr id="4" name="TextBox 3">
+            <a:extLst>
+              <a:ext uri="{FF2B5EF4-FFF2-40B4-BE49-F238E27FC236}">
+                <a16:creationId xmlns:a16="http://schemas.microsoft.com/office/drawing/2014/main" id="{CEB2C2B4-CEF6-1BE7-560B-176B9BBBF002}"/>
+              </a:ext>
+            </a:extLst>
+          </p:cNvPr>
+          <p:cNvSpPr txBox="1"/>
+          <p:nvPr/>
+        </p:nvSpPr>
+        <p:spPr>
+          <a:xfrm>
+            <a:off x="1567543" y="6440304"/>
+            <a:ext cx="1069908" cy="369332"/>
+          </a:xfrm>
+          <a:prstGeom prst="rect">
+            <a:avLst/>
+          </a:prstGeom>
+          <a:noFill/>
+        </p:spPr>
+        <p:txBody>
+          <a:bodyPr wrap="none" rtlCol="0">
+            <a:spAutoFit/>
+          </a:bodyPr>
+          <a:lstStyle/>
+          <a:p>
+            <a:r>
+              <a:rPr lang="en-US" dirty="0"/>
+              <a:t>Call Stack</a:t>
+            </a:r>
+          </a:p>
+        </p:txBody>
+      </p:sp>
+      <mc:AlternateContent xmlns:mc="http://schemas.openxmlformats.org/markup-compatibility/2006">
+        <mc:Choice xmlns:p14="http://schemas.microsoft.com/office/powerpoint/2010/main" Requires="p14">
+          <p:contentPart p14:bwMode="auto" r:id="rId2">
+            <p14:nvContentPartPr>
+              <p14:cNvPr id="5" name="Ink 4">
+                <a:extLst>
+                  <a:ext uri="{FF2B5EF4-FFF2-40B4-BE49-F238E27FC236}">
+                    <a16:creationId xmlns:a16="http://schemas.microsoft.com/office/drawing/2014/main" id="{0B4AD29B-C605-1599-7A37-29735A1B09C4}"/>
+                  </a:ext>
+                </a:extLst>
+              </p14:cNvPr>
+              <p14:cNvContentPartPr/>
+              <p14:nvPr/>
+            </p14:nvContentPartPr>
+            <p14:xfrm>
+              <a:off x="4697434" y="4152651"/>
+              <a:ext cx="881280" cy="344880"/>
+            </p14:xfrm>
+          </p:contentPart>
+        </mc:Choice>
+        <mc:Fallback>
+          <p:pic>
+            <p:nvPicPr>
+              <p:cNvPr id="5" name="Ink 4">
+                <a:extLst>
+                  <a:ext uri="{FF2B5EF4-FFF2-40B4-BE49-F238E27FC236}">
+                    <a16:creationId xmlns:a16="http://schemas.microsoft.com/office/drawing/2014/main" id="{0B4AD29B-C605-1599-7A37-29735A1B09C4}"/>
+                  </a:ext>
+                </a:extLst>
+              </p:cNvPr>
+              <p:cNvPicPr/>
+              <p:nvPr/>
+            </p:nvPicPr>
+            <p:blipFill>
+              <a:blip r:embed="rId3"/>
+              <a:stretch>
+                <a:fillRect/>
+              </a:stretch>
+            </p:blipFill>
+            <p:spPr>
+              <a:xfrm>
+                <a:off x="4691314" y="4146531"/>
+                <a:ext cx="893520" cy="357120"/>
+              </a:xfrm>
+              <a:prstGeom prst="rect">
+                <a:avLst/>
+              </a:prstGeom>
+            </p:spPr>
+          </p:pic>
+        </mc:Fallback>
+      </mc:AlternateContent>
+      <mc:AlternateContent xmlns:mc="http://schemas.openxmlformats.org/markup-compatibility/2006">
+        <mc:Choice xmlns:p14="http://schemas.microsoft.com/office/powerpoint/2010/main" Requires="p14">
+          <p:contentPart p14:bwMode="auto" r:id="rId4">
+            <p14:nvContentPartPr>
+              <p14:cNvPr id="6" name="Ink 5">
+                <a:extLst>
+                  <a:ext uri="{FF2B5EF4-FFF2-40B4-BE49-F238E27FC236}">
+                    <a16:creationId xmlns:a16="http://schemas.microsoft.com/office/drawing/2014/main" id="{B0D582BC-6DF3-9E58-08BF-84111670B1B3}"/>
+                  </a:ext>
+                </a:extLst>
+              </p14:cNvPr>
+              <p14:cNvContentPartPr/>
+              <p14:nvPr/>
+            </p14:nvContentPartPr>
+            <p14:xfrm>
+              <a:off x="3981754" y="4582491"/>
+              <a:ext cx="1217160" cy="315720"/>
+            </p14:xfrm>
+          </p:contentPart>
+        </mc:Choice>
+        <mc:Fallback>
+          <p:pic>
+            <p:nvPicPr>
+              <p:cNvPr id="6" name="Ink 5">
+                <a:extLst>
+                  <a:ext uri="{FF2B5EF4-FFF2-40B4-BE49-F238E27FC236}">
+                    <a16:creationId xmlns:a16="http://schemas.microsoft.com/office/drawing/2014/main" id="{B0D582BC-6DF3-9E58-08BF-84111670B1B3}"/>
+                  </a:ext>
+                </a:extLst>
+              </p:cNvPr>
+              <p:cNvPicPr/>
+              <p:nvPr/>
+            </p:nvPicPr>
+            <p:blipFill>
+              <a:blip r:embed="rId5"/>
+              <a:stretch>
+                <a:fillRect/>
+              </a:stretch>
+            </p:blipFill>
+            <p:spPr>
+              <a:xfrm>
+                <a:off x="3975634" y="4576371"/>
+                <a:ext cx="1229400" cy="327960"/>
+              </a:xfrm>
+              <a:prstGeom prst="rect">
+                <a:avLst/>
+              </a:prstGeom>
+            </p:spPr>
+          </p:pic>
+        </mc:Fallback>
+      </mc:AlternateContent>
+      <p:sp>
+        <p:nvSpPr>
+          <p:cNvPr id="7" name="TextBox 6">
+            <a:extLst>
+              <a:ext uri="{FF2B5EF4-FFF2-40B4-BE49-F238E27FC236}">
+                <a16:creationId xmlns:a16="http://schemas.microsoft.com/office/drawing/2014/main" id="{EAE28223-D382-87CF-99F1-71908A469015}"/>
+              </a:ext>
+            </a:extLst>
+          </p:cNvPr>
+          <p:cNvSpPr txBox="1"/>
+          <p:nvPr/>
+        </p:nvSpPr>
+        <p:spPr>
+          <a:xfrm>
+            <a:off x="1220108" y="4140425"/>
+            <a:ext cx="1764778" cy="369332"/>
+          </a:xfrm>
+          <a:prstGeom prst="rect">
+            <a:avLst/>
+          </a:prstGeom>
+          <a:noFill/>
+        </p:spPr>
+        <p:txBody>
+          <a:bodyPr wrap="none" rtlCol="0">
+            <a:spAutoFit/>
+          </a:bodyPr>
+          <a:lstStyle/>
+          <a:p>
+            <a:r>
+              <a:rPr lang="en-US" dirty="0"/>
+              <a:t>Booker() - empty</a:t>
+            </a:r>
+          </a:p>
+        </p:txBody>
+      </p:sp>
+      <p:sp>
+        <p:nvSpPr>
+          <p:cNvPr id="8" name="TextBox 7">
+            <a:extLst>
+              <a:ext uri="{FF2B5EF4-FFF2-40B4-BE49-F238E27FC236}">
+                <a16:creationId xmlns:a16="http://schemas.microsoft.com/office/drawing/2014/main" id="{8BE6B03B-40CB-69E9-F355-243CFC8DC93B}"/>
+              </a:ext>
+            </a:extLst>
+          </p:cNvPr>
+          <p:cNvSpPr txBox="1"/>
+          <p:nvPr/>
+        </p:nvSpPr>
+        <p:spPr>
+          <a:xfrm>
+            <a:off x="1299607" y="499775"/>
+            <a:ext cx="2038507" cy="369332"/>
+          </a:xfrm>
+          <a:prstGeom prst="rect">
+            <a:avLst/>
+          </a:prstGeom>
+          <a:noFill/>
+        </p:spPr>
+        <p:txBody>
+          <a:bodyPr wrap="none" rtlCol="0">
+            <a:spAutoFit/>
+          </a:bodyPr>
+          <a:lstStyle/>
+          <a:p>
+            <a:r>
+              <a:rPr lang="en-US" dirty="0" err="1"/>
+              <a:t>passengerCount</a:t>
+            </a:r>
+            <a:r>
+              <a:rPr lang="en-US" dirty="0"/>
+              <a:t> = 0</a:t>
+            </a:r>
+          </a:p>
+        </p:txBody>
+      </p:sp>
+      <p:sp>
+        <p:nvSpPr>
+          <p:cNvPr id="9" name="TextBox 8">
+            <a:extLst>
+              <a:ext uri="{FF2B5EF4-FFF2-40B4-BE49-F238E27FC236}">
+                <a16:creationId xmlns:a16="http://schemas.microsoft.com/office/drawing/2014/main" id="{7719E6F1-525B-CD06-40D5-2D7F5CC53A61}"/>
+              </a:ext>
+            </a:extLst>
+          </p:cNvPr>
+          <p:cNvSpPr txBox="1"/>
+          <p:nvPr/>
+        </p:nvSpPr>
+        <p:spPr>
+          <a:xfrm>
+            <a:off x="5749687" y="3955759"/>
+            <a:ext cx="2038507" cy="369332"/>
+          </a:xfrm>
+          <a:prstGeom prst="rect">
+            <a:avLst/>
+          </a:prstGeom>
+          <a:noFill/>
+        </p:spPr>
+        <p:txBody>
+          <a:bodyPr wrap="none" rtlCol="0">
+            <a:spAutoFit/>
+          </a:bodyPr>
+          <a:lstStyle/>
+          <a:p>
+            <a:r>
+              <a:rPr lang="en-US" dirty="0" err="1"/>
+              <a:t>passengerCount</a:t>
+            </a:r>
+            <a:r>
+              <a:rPr lang="en-US" dirty="0"/>
+              <a:t> = 0</a:t>
+            </a:r>
+          </a:p>
+        </p:txBody>
+      </p:sp>
+      <mc:AlternateContent xmlns:mc="http://schemas.openxmlformats.org/markup-compatibility/2006">
+        <mc:Choice xmlns:p14="http://schemas.microsoft.com/office/powerpoint/2010/main" Requires="p14">
+          <p:contentPart p14:bwMode="auto" r:id="rId6">
+            <p14:nvContentPartPr>
+              <p14:cNvPr id="10" name="Ink 9">
+                <a:extLst>
+                  <a:ext uri="{FF2B5EF4-FFF2-40B4-BE49-F238E27FC236}">
+                    <a16:creationId xmlns:a16="http://schemas.microsoft.com/office/drawing/2014/main" id="{0C055849-A313-EEF9-262B-31F21D6CA05E}"/>
+                  </a:ext>
+                </a:extLst>
+              </p14:cNvPr>
+              <p14:cNvContentPartPr/>
+              <p14:nvPr/>
+            </p14:nvContentPartPr>
+            <p14:xfrm>
+              <a:off x="7725034" y="3585651"/>
+              <a:ext cx="1047960" cy="532800"/>
+            </p14:xfrm>
+          </p:contentPart>
+        </mc:Choice>
+        <mc:Fallback>
+          <p:pic>
+            <p:nvPicPr>
+              <p:cNvPr id="10" name="Ink 9">
+                <a:extLst>
+                  <a:ext uri="{FF2B5EF4-FFF2-40B4-BE49-F238E27FC236}">
+                    <a16:creationId xmlns:a16="http://schemas.microsoft.com/office/drawing/2014/main" id="{0C055849-A313-EEF9-262B-31F21D6CA05E}"/>
+                  </a:ext>
+                </a:extLst>
+              </p:cNvPr>
+              <p:cNvPicPr/>
+              <p:nvPr/>
+            </p:nvPicPr>
+            <p:blipFill>
+              <a:blip r:embed="rId7"/>
+              <a:stretch>
+                <a:fillRect/>
+              </a:stretch>
+            </p:blipFill>
+            <p:spPr>
+              <a:xfrm>
+                <a:off x="7718914" y="3579531"/>
+                <a:ext cx="1060200" cy="545040"/>
+              </a:xfrm>
+              <a:prstGeom prst="rect">
+                <a:avLst/>
+              </a:prstGeom>
+            </p:spPr>
+          </p:pic>
+        </mc:Fallback>
+      </mc:AlternateContent>
+      <p:sp>
+        <p:nvSpPr>
+          <p:cNvPr id="11" name="TextBox 10">
+            <a:extLst>
+              <a:ext uri="{FF2B5EF4-FFF2-40B4-BE49-F238E27FC236}">
+                <a16:creationId xmlns:a16="http://schemas.microsoft.com/office/drawing/2014/main" id="{16FA33A0-5F47-A208-7D38-4F454F2776E1}"/>
+              </a:ext>
+            </a:extLst>
+          </p:cNvPr>
+          <p:cNvSpPr txBox="1"/>
+          <p:nvPr/>
+        </p:nvSpPr>
+        <p:spPr>
+          <a:xfrm>
+            <a:off x="8921931" y="3428999"/>
+            <a:ext cx="886974" cy="369332"/>
+          </a:xfrm>
+          <a:prstGeom prst="rect">
+            <a:avLst/>
+          </a:prstGeom>
+          <a:noFill/>
+        </p:spPr>
+        <p:txBody>
+          <a:bodyPr wrap="none" rtlCol="0">
+            <a:spAutoFit/>
+          </a:bodyPr>
+          <a:lstStyle/>
+          <a:p>
+            <a:r>
+              <a:rPr lang="en-US" dirty="0"/>
+              <a:t>Closure</a:t>
+            </a:r>
+          </a:p>
+        </p:txBody>
+      </p:sp>
+    </p:spTree>
+    <p:extLst>
+      <p:ext uri="{BB962C8B-B14F-4D97-AF65-F5344CB8AC3E}">
+        <p14:creationId xmlns:p14="http://schemas.microsoft.com/office/powerpoint/2010/main" val="3144055518"/>
+      </p:ext>
+    </p:extLst>
+  </p:cSld>
+  <p:clrMapOvr>
+    <a:masterClrMapping/>
+  </p:clrMapOvr>
+</p:sld>
+</file>
+
+<file path=ppt/slides/slide79.xml><?xml version="1.0" encoding="utf-8"?>
+<p:sld xmlns:a="http://schemas.openxmlformats.org/drawingml/2006/main" xmlns:r="http://schemas.openxmlformats.org/officeDocument/2006/relationships" xmlns:p="http://schemas.openxmlformats.org/presentationml/2006/main">
+  <p:cSld>
+    <p:spTree>
+      <p:nvGrpSpPr>
+        <p:cNvPr id="1" name="">
+          <a:extLst>
+            <a:ext uri="{FF2B5EF4-FFF2-40B4-BE49-F238E27FC236}">
+              <a16:creationId xmlns:a16="http://schemas.microsoft.com/office/drawing/2014/main" id="{CD11C272-6910-71ED-ADC3-AADD22D93767}"/>
+            </a:ext>
+          </a:extLst>
+        </p:cNvPr>
+        <p:cNvGrpSpPr/>
+        <p:nvPr/>
+      </p:nvGrpSpPr>
+      <p:grpSpPr>
+        <a:xfrm>
+          <a:off x="0" y="0"/>
+          <a:ext cx="0" cy="0"/>
+          <a:chOff x="0" y="0"/>
+          <a:chExt cx="0" cy="0"/>
+        </a:xfrm>
+      </p:grpSpPr>
+      <p:sp>
+        <p:nvSpPr>
+          <p:cNvPr id="2" name="Title 1">
+            <a:extLst>
+              <a:ext uri="{FF2B5EF4-FFF2-40B4-BE49-F238E27FC236}">
+                <a16:creationId xmlns:a16="http://schemas.microsoft.com/office/drawing/2014/main" id="{DB4599FD-466B-8D5D-870F-660E51EE72A9}"/>
+              </a:ext>
+            </a:extLst>
+          </p:cNvPr>
+          <p:cNvSpPr>
+            <a:spLocks noGrp="1"/>
+          </p:cNvSpPr>
+          <p:nvPr>
+            <p:ph type="title"/>
+          </p:nvPr>
+        </p:nvSpPr>
+        <p:spPr>
+          <a:xfrm>
+            <a:off x="838200" y="365126"/>
+            <a:ext cx="10515600" cy="6179365"/>
+          </a:xfrm>
+        </p:spPr>
+        <p:txBody>
+          <a:bodyPr>
+            <a:normAutofit/>
+          </a:bodyPr>
+          <a:lstStyle/>
+          <a:p>
+            <a:r>
+              <a:rPr lang="en-US" sz="3200" dirty="0"/>
+              <a:t>A function has access to the variable environment (VE) of the execution context in which it was created.</a:t>
+            </a:r>
+            <a:br>
+              <a:rPr lang="en-US" sz="3200" dirty="0"/>
+            </a:br>
+            <a:r>
+              <a:rPr lang="en-US" sz="3200" dirty="0"/>
+              <a:t>Closure: VE attached to the function, exactly as it was at the time and place the function was created.</a:t>
+            </a:r>
+            <a:endParaRPr lang="en-US" sz="3200" b="1" dirty="0">
+              <a:solidFill>
+                <a:srgbClr val="FF0000"/>
+              </a:solidFill>
+            </a:endParaRPr>
+          </a:p>
+        </p:txBody>
+      </p:sp>
+    </p:spTree>
+    <p:extLst>
+      <p:ext uri="{BB962C8B-B14F-4D97-AF65-F5344CB8AC3E}">
+        <p14:creationId xmlns:p14="http://schemas.microsoft.com/office/powerpoint/2010/main" val="2605374723"/>
+      </p:ext>
+    </p:extLst>
+  </p:cSld>
+  <p:clrMapOvr>
+    <a:masterClrMapping/>
+  </p:clrMapOvr>
+</p:sld>
+</file>
+
 <file path=ppt/slides/slide8.xml><?xml version="1.0" encoding="utf-8"?>
 <p:sld xmlns:a="http://schemas.openxmlformats.org/drawingml/2006/main" xmlns:r="http://schemas.openxmlformats.org/officeDocument/2006/relationships" xmlns:p="http://schemas.openxmlformats.org/presentationml/2006/main">
   <p:cSld>
@@ -26524,6 +29513,1086 @@
     <p:extLst>
       <p:ext uri="{BB962C8B-B14F-4D97-AF65-F5344CB8AC3E}">
         <p14:creationId xmlns:p14="http://schemas.microsoft.com/office/powerpoint/2010/main" val="2325494601"/>
+      </p:ext>
+    </p:extLst>
+  </p:cSld>
+  <p:clrMapOvr>
+    <a:masterClrMapping/>
+  </p:clrMapOvr>
+</p:sld>
+</file>
+
+<file path=ppt/slides/slide80.xml><?xml version="1.0" encoding="utf-8"?>
+<p:sld xmlns:a="http://schemas.openxmlformats.org/drawingml/2006/main" xmlns:r="http://schemas.openxmlformats.org/officeDocument/2006/relationships" xmlns:p="http://schemas.openxmlformats.org/presentationml/2006/main">
+  <p:cSld>
+    <p:spTree>
+      <p:nvGrpSpPr>
+        <p:cNvPr id="1" name="">
+          <a:extLst>
+            <a:ext uri="{FF2B5EF4-FFF2-40B4-BE49-F238E27FC236}">
+              <a16:creationId xmlns:a16="http://schemas.microsoft.com/office/drawing/2014/main" id="{7D7DE25A-C2FB-A311-D6DF-7BEF7D24240D}"/>
+            </a:ext>
+          </a:extLst>
+        </p:cNvPr>
+        <p:cNvGrpSpPr/>
+        <p:nvPr/>
+      </p:nvGrpSpPr>
+      <p:grpSpPr>
+        <a:xfrm>
+          <a:off x="0" y="0"/>
+          <a:ext cx="0" cy="0"/>
+          <a:chOff x="0" y="0"/>
+          <a:chExt cx="0" cy="0"/>
+        </a:xfrm>
+      </p:grpSpPr>
+      <p:sp>
+        <p:nvSpPr>
+          <p:cNvPr id="2" name="Title 1">
+            <a:extLst>
+              <a:ext uri="{FF2B5EF4-FFF2-40B4-BE49-F238E27FC236}">
+                <a16:creationId xmlns:a16="http://schemas.microsoft.com/office/drawing/2014/main" id="{16FBB5FC-1B1F-6D7D-C5AA-7E6DDAE55965}"/>
+              </a:ext>
+            </a:extLst>
+          </p:cNvPr>
+          <p:cNvSpPr>
+            <a:spLocks noGrp="1"/>
+          </p:cNvSpPr>
+          <p:nvPr>
+            <p:ph type="title"/>
+          </p:nvPr>
+        </p:nvSpPr>
+        <p:spPr>
+          <a:xfrm>
+            <a:off x="838199" y="365126"/>
+            <a:ext cx="10670177" cy="1724931"/>
+          </a:xfrm>
+        </p:spPr>
+        <p:txBody>
+          <a:bodyPr>
+            <a:normAutofit fontScale="90000"/>
+          </a:bodyPr>
+          <a:lstStyle/>
+          <a:p>
+            <a:r>
+              <a:rPr lang="en-US" sz="3200" dirty="0"/>
+              <a:t>A closure is the closed-over variable environment of the execution context in which a function was  created, even after that execution context is gone;</a:t>
+            </a:r>
+            <a:br>
+              <a:rPr lang="en-US" sz="3200" dirty="0"/>
+            </a:br>
+            <a:endParaRPr lang="en-US" sz="3200" b="1" dirty="0">
+              <a:solidFill>
+                <a:srgbClr val="FF0000"/>
+              </a:solidFill>
+            </a:endParaRPr>
+          </a:p>
+        </p:txBody>
+      </p:sp>
+      <p:pic>
+        <p:nvPicPr>
+          <p:cNvPr id="4" name="Graphic 3" descr="Child with balloon with solid fill">
+            <a:extLst>
+              <a:ext uri="{FF2B5EF4-FFF2-40B4-BE49-F238E27FC236}">
+                <a16:creationId xmlns:a16="http://schemas.microsoft.com/office/drawing/2014/main" id="{187D215A-0B77-47EC-739D-E934B21D5FB3}"/>
+              </a:ext>
+            </a:extLst>
+          </p:cNvPr>
+          <p:cNvPicPr>
+            <a:picLocks noChangeAspect="1"/>
+          </p:cNvPicPr>
+          <p:nvPr/>
+        </p:nvPicPr>
+        <p:blipFill>
+          <a:blip r:embed="rId2">
+            <a:extLst>
+              <a:ext uri="{96DAC541-7B7A-43D3-8B79-37D633B846F1}">
+                <asvg:svgBlip xmlns:asvg="http://schemas.microsoft.com/office/drawing/2016/SVG/main" r:embed="rId3"/>
+              </a:ext>
+            </a:extLst>
+          </a:blip>
+          <a:stretch>
+            <a:fillRect/>
+          </a:stretch>
+        </p:blipFill>
+        <p:spPr>
+          <a:xfrm>
+            <a:off x="5382622" y="2446866"/>
+            <a:ext cx="914400" cy="914400"/>
+          </a:xfrm>
+          <a:prstGeom prst="rect">
+            <a:avLst/>
+          </a:prstGeom>
+        </p:spPr>
+      </p:pic>
+      <p:pic>
+        <p:nvPicPr>
+          <p:cNvPr id="6" name="Graphic 5" descr="Network with solid fill">
+            <a:extLst>
+              <a:ext uri="{FF2B5EF4-FFF2-40B4-BE49-F238E27FC236}">
+                <a16:creationId xmlns:a16="http://schemas.microsoft.com/office/drawing/2014/main" id="{4E7CFF1D-1A1A-1457-56A5-5E3988D150D4}"/>
+              </a:ext>
+            </a:extLst>
+          </p:cNvPr>
+          <p:cNvPicPr>
+            <a:picLocks noChangeAspect="1"/>
+          </p:cNvPicPr>
+          <p:nvPr/>
+        </p:nvPicPr>
+        <p:blipFill>
+          <a:blip r:embed="rId4">
+            <a:extLst>
+              <a:ext uri="{96DAC541-7B7A-43D3-8B79-37D633B846F1}">
+                <asvg:svgBlip xmlns:asvg="http://schemas.microsoft.com/office/drawing/2016/SVG/main" r:embed="rId5"/>
+              </a:ext>
+            </a:extLst>
+          </a:blip>
+          <a:stretch>
+            <a:fillRect/>
+          </a:stretch>
+        </p:blipFill>
+        <p:spPr>
+          <a:xfrm>
+            <a:off x="6595532" y="2396066"/>
+            <a:ext cx="914400" cy="914400"/>
+          </a:xfrm>
+          <a:prstGeom prst="rect">
+            <a:avLst/>
+          </a:prstGeom>
+        </p:spPr>
+      </p:pic>
+      <p:pic>
+        <p:nvPicPr>
+          <p:cNvPr id="8" name="Graphic 7" descr="House with solid fill">
+            <a:extLst>
+              <a:ext uri="{FF2B5EF4-FFF2-40B4-BE49-F238E27FC236}">
+                <a16:creationId xmlns:a16="http://schemas.microsoft.com/office/drawing/2014/main" id="{2C57D916-04E5-90BE-8060-D0C93318A97C}"/>
+              </a:ext>
+            </a:extLst>
+          </p:cNvPr>
+          <p:cNvPicPr>
+            <a:picLocks noChangeAspect="1"/>
+          </p:cNvPicPr>
+          <p:nvPr/>
+        </p:nvPicPr>
+        <p:blipFill>
+          <a:blip r:embed="rId6">
+            <a:extLst>
+              <a:ext uri="{96DAC541-7B7A-43D3-8B79-37D633B846F1}">
+                <asvg:svgBlip xmlns:asvg="http://schemas.microsoft.com/office/drawing/2016/SVG/main" r:embed="rId7"/>
+              </a:ext>
+            </a:extLst>
+          </a:blip>
+          <a:stretch>
+            <a:fillRect/>
+          </a:stretch>
+        </p:blipFill>
+        <p:spPr>
+          <a:xfrm>
+            <a:off x="7890934" y="2260599"/>
+            <a:ext cx="1151466" cy="1151466"/>
+          </a:xfrm>
+          <a:prstGeom prst="rect">
+            <a:avLst/>
+          </a:prstGeom>
+        </p:spPr>
+      </p:pic>
+      <p:pic>
+        <p:nvPicPr>
+          <p:cNvPr id="10" name="Graphic 9" descr="Daily calendar with solid fill">
+            <a:extLst>
+              <a:ext uri="{FF2B5EF4-FFF2-40B4-BE49-F238E27FC236}">
+                <a16:creationId xmlns:a16="http://schemas.microsoft.com/office/drawing/2014/main" id="{CB6E8B9F-B951-29DC-04C3-2A5F3EED7630}"/>
+              </a:ext>
+            </a:extLst>
+          </p:cNvPr>
+          <p:cNvPicPr>
+            <a:picLocks noChangeAspect="1"/>
+          </p:cNvPicPr>
+          <p:nvPr/>
+        </p:nvPicPr>
+        <p:blipFill>
+          <a:blip r:embed="rId8">
+            <a:extLst>
+              <a:ext uri="{96DAC541-7B7A-43D3-8B79-37D633B846F1}">
+                <asvg:svgBlip xmlns:asvg="http://schemas.microsoft.com/office/drawing/2016/SVG/main" r:embed="rId9"/>
+              </a:ext>
+            </a:extLst>
+          </a:blip>
+          <a:stretch>
+            <a:fillRect/>
+          </a:stretch>
+        </p:blipFill>
+        <p:spPr>
+          <a:xfrm>
+            <a:off x="9347199" y="2015066"/>
+            <a:ext cx="1405467" cy="1405467"/>
+          </a:xfrm>
+          <a:prstGeom prst="rect">
+            <a:avLst/>
+          </a:prstGeom>
+        </p:spPr>
+      </p:pic>
+      <p:sp>
+        <p:nvSpPr>
+          <p:cNvPr id="11" name="TextBox 10">
+            <a:extLst>
+              <a:ext uri="{FF2B5EF4-FFF2-40B4-BE49-F238E27FC236}">
+                <a16:creationId xmlns:a16="http://schemas.microsoft.com/office/drawing/2014/main" id="{F6C8D0D4-930D-022C-5EBA-D297FE56CD27}"/>
+              </a:ext>
+            </a:extLst>
+          </p:cNvPr>
+          <p:cNvSpPr txBox="1"/>
+          <p:nvPr/>
+        </p:nvSpPr>
+        <p:spPr>
+          <a:xfrm>
+            <a:off x="5621867" y="3657600"/>
+            <a:ext cx="5133778" cy="369332"/>
+          </a:xfrm>
+          <a:prstGeom prst="rect">
+            <a:avLst/>
+          </a:prstGeom>
+          <a:noFill/>
+        </p:spPr>
+        <p:txBody>
+          <a:bodyPr wrap="none" rtlCol="0">
+            <a:spAutoFit/>
+          </a:bodyPr>
+          <a:lstStyle/>
+          <a:p>
+            <a:r>
+              <a:rPr lang="en-US" dirty="0"/>
+              <a:t>Function	 Connection     Parent scope.          variables</a:t>
+            </a:r>
+          </a:p>
+        </p:txBody>
+      </p:sp>
+      <p:pic>
+        <p:nvPicPr>
+          <p:cNvPr id="12" name="Graphic 11" descr="Child with balloon with solid fill">
+            <a:extLst>
+              <a:ext uri="{FF2B5EF4-FFF2-40B4-BE49-F238E27FC236}">
+                <a16:creationId xmlns:a16="http://schemas.microsoft.com/office/drawing/2014/main" id="{A5F28542-D13A-C745-45D5-4741B4E391E0}"/>
+              </a:ext>
+            </a:extLst>
+          </p:cNvPr>
+          <p:cNvPicPr>
+            <a:picLocks noChangeAspect="1"/>
+          </p:cNvPicPr>
+          <p:nvPr/>
+        </p:nvPicPr>
+        <p:blipFill>
+          <a:blip r:embed="rId2">
+            <a:extLst>
+              <a:ext uri="{96DAC541-7B7A-43D3-8B79-37D633B846F1}">
+                <asvg:svgBlip xmlns:asvg="http://schemas.microsoft.com/office/drawing/2016/SVG/main" r:embed="rId3"/>
+              </a:ext>
+            </a:extLst>
+          </a:blip>
+          <a:stretch>
+            <a:fillRect/>
+          </a:stretch>
+        </p:blipFill>
+        <p:spPr>
+          <a:xfrm>
+            <a:off x="5403786" y="4259765"/>
+            <a:ext cx="914400" cy="914400"/>
+          </a:xfrm>
+          <a:prstGeom prst="rect">
+            <a:avLst/>
+          </a:prstGeom>
+        </p:spPr>
+      </p:pic>
+      <p:pic>
+        <p:nvPicPr>
+          <p:cNvPr id="14" name="Graphic 13" descr="Briefcase with solid fill">
+            <a:extLst>
+              <a:ext uri="{FF2B5EF4-FFF2-40B4-BE49-F238E27FC236}">
+                <a16:creationId xmlns:a16="http://schemas.microsoft.com/office/drawing/2014/main" id="{52B0E5A0-DFD9-44F0-3867-F7F4C0946F8E}"/>
+              </a:ext>
+            </a:extLst>
+          </p:cNvPr>
+          <p:cNvPicPr>
+            <a:picLocks noChangeAspect="1"/>
+          </p:cNvPicPr>
+          <p:nvPr/>
+        </p:nvPicPr>
+        <p:blipFill>
+          <a:blip r:embed="rId10">
+            <a:extLst>
+              <a:ext uri="{96DAC541-7B7A-43D3-8B79-37D633B846F1}">
+                <asvg:svgBlip xmlns:asvg="http://schemas.microsoft.com/office/drawing/2016/SVG/main" r:embed="rId11"/>
+              </a:ext>
+            </a:extLst>
+          </a:blip>
+          <a:stretch>
+            <a:fillRect/>
+          </a:stretch>
+        </p:blipFill>
+        <p:spPr>
+          <a:xfrm>
+            <a:off x="6603998" y="4323266"/>
+            <a:ext cx="914400" cy="914400"/>
+          </a:xfrm>
+          <a:prstGeom prst="rect">
+            <a:avLst/>
+          </a:prstGeom>
+        </p:spPr>
+      </p:pic>
+      <p:pic>
+        <p:nvPicPr>
+          <p:cNvPr id="15" name="Graphic 14" descr="Daily calendar with solid fill">
+            <a:extLst>
+              <a:ext uri="{FF2B5EF4-FFF2-40B4-BE49-F238E27FC236}">
+                <a16:creationId xmlns:a16="http://schemas.microsoft.com/office/drawing/2014/main" id="{6A0A04D6-583D-2F5E-0661-494D110D1159}"/>
+              </a:ext>
+            </a:extLst>
+          </p:cNvPr>
+          <p:cNvPicPr>
+            <a:picLocks noChangeAspect="1"/>
+          </p:cNvPicPr>
+          <p:nvPr/>
+        </p:nvPicPr>
+        <p:blipFill>
+          <a:blip r:embed="rId8">
+            <a:extLst>
+              <a:ext uri="{96DAC541-7B7A-43D3-8B79-37D633B846F1}">
+                <asvg:svgBlip xmlns:asvg="http://schemas.microsoft.com/office/drawing/2016/SVG/main" r:embed="rId9"/>
+              </a:ext>
+            </a:extLst>
+          </a:blip>
+          <a:stretch>
+            <a:fillRect/>
+          </a:stretch>
+        </p:blipFill>
+        <p:spPr>
+          <a:xfrm>
+            <a:off x="7804210" y="4014231"/>
+            <a:ext cx="1405467" cy="1405467"/>
+          </a:xfrm>
+          <a:prstGeom prst="rect">
+            <a:avLst/>
+          </a:prstGeom>
+        </p:spPr>
+      </p:pic>
+      <p:sp>
+        <p:nvSpPr>
+          <p:cNvPr id="16" name="TextBox 15">
+            <a:extLst>
+              <a:ext uri="{FF2B5EF4-FFF2-40B4-BE49-F238E27FC236}">
+                <a16:creationId xmlns:a16="http://schemas.microsoft.com/office/drawing/2014/main" id="{5EE0D6F1-01B9-AB8D-A987-E849DC179B14}"/>
+              </a:ext>
+            </a:extLst>
+          </p:cNvPr>
+          <p:cNvSpPr txBox="1"/>
+          <p:nvPr/>
+        </p:nvSpPr>
+        <p:spPr>
+          <a:xfrm>
+            <a:off x="5618888" y="5652531"/>
+            <a:ext cx="3182281" cy="369332"/>
+          </a:xfrm>
+          <a:prstGeom prst="rect">
+            <a:avLst/>
+          </a:prstGeom>
+          <a:noFill/>
+        </p:spPr>
+        <p:txBody>
+          <a:bodyPr wrap="none" rtlCol="0">
+            <a:spAutoFit/>
+          </a:bodyPr>
+          <a:lstStyle/>
+          <a:p>
+            <a:r>
+              <a:rPr lang="en-US" dirty="0"/>
+              <a:t>Function     closure.      </a:t>
+            </a:r>
+            <a:r>
+              <a:rPr lang="en-US" dirty="0" err="1"/>
+              <a:t>variablee</a:t>
+            </a:r>
+            <a:endParaRPr lang="en-US" dirty="0"/>
+          </a:p>
+        </p:txBody>
+      </p:sp>
+      <mc:AlternateContent xmlns:mc="http://schemas.openxmlformats.org/markup-compatibility/2006">
+        <mc:Choice xmlns:p14="http://schemas.microsoft.com/office/powerpoint/2010/main" Requires="p14">
+          <p:contentPart p14:bwMode="auto" r:id="rId12">
+            <p14:nvContentPartPr>
+              <p14:cNvPr id="17" name="Ink 16">
+                <a:extLst>
+                  <a:ext uri="{FF2B5EF4-FFF2-40B4-BE49-F238E27FC236}">
+                    <a16:creationId xmlns:a16="http://schemas.microsoft.com/office/drawing/2014/main" id="{0828A3AF-55E8-5660-E818-4E93E94CE5D9}"/>
+                  </a:ext>
+                </a:extLst>
+              </p14:cNvPr>
+              <p14:cNvContentPartPr/>
+              <p14:nvPr/>
+            </p14:nvContentPartPr>
+            <p14:xfrm>
+              <a:off x="2867760" y="2826680"/>
+              <a:ext cx="360" cy="360"/>
+            </p14:xfrm>
+          </p:contentPart>
+        </mc:Choice>
+        <mc:Fallback>
+          <p:pic>
+            <p:nvPicPr>
+              <p:cNvPr id="17" name="Ink 16">
+                <a:extLst>
+                  <a:ext uri="{FF2B5EF4-FFF2-40B4-BE49-F238E27FC236}">
+                    <a16:creationId xmlns:a16="http://schemas.microsoft.com/office/drawing/2014/main" id="{0828A3AF-55E8-5660-E818-4E93E94CE5D9}"/>
+                  </a:ext>
+                </a:extLst>
+              </p:cNvPr>
+              <p:cNvPicPr/>
+              <p:nvPr/>
+            </p:nvPicPr>
+            <p:blipFill>
+              <a:blip r:embed="rId13"/>
+              <a:stretch>
+                <a:fillRect/>
+              </a:stretch>
+            </p:blipFill>
+            <p:spPr>
+              <a:xfrm>
+                <a:off x="2861640" y="2820560"/>
+                <a:ext cx="12600" cy="12600"/>
+              </a:xfrm>
+              <a:prstGeom prst="rect">
+                <a:avLst/>
+              </a:prstGeom>
+            </p:spPr>
+          </p:pic>
+        </mc:Fallback>
+      </mc:AlternateContent>
+      <mc:AlternateContent xmlns:mc="http://schemas.openxmlformats.org/markup-compatibility/2006">
+        <mc:Choice xmlns:p14="http://schemas.microsoft.com/office/powerpoint/2010/main" Requires="p14">
+          <p:contentPart p14:bwMode="auto" r:id="rId14">
+            <p14:nvContentPartPr>
+              <p14:cNvPr id="18" name="Ink 17">
+                <a:extLst>
+                  <a:ext uri="{FF2B5EF4-FFF2-40B4-BE49-F238E27FC236}">
+                    <a16:creationId xmlns:a16="http://schemas.microsoft.com/office/drawing/2014/main" id="{EEE1A4E7-487B-99B4-7421-E193B26EF7A4}"/>
+                  </a:ext>
+                </a:extLst>
+              </p14:cNvPr>
+              <p14:cNvContentPartPr/>
+              <p14:nvPr/>
+            </p14:nvContentPartPr>
+            <p14:xfrm>
+              <a:off x="5879160" y="3471440"/>
+              <a:ext cx="222840" cy="253080"/>
+            </p14:xfrm>
+          </p:contentPart>
+        </mc:Choice>
+        <mc:Fallback>
+          <p:pic>
+            <p:nvPicPr>
+              <p:cNvPr id="18" name="Ink 17">
+                <a:extLst>
+                  <a:ext uri="{FF2B5EF4-FFF2-40B4-BE49-F238E27FC236}">
+                    <a16:creationId xmlns:a16="http://schemas.microsoft.com/office/drawing/2014/main" id="{EEE1A4E7-487B-99B4-7421-E193B26EF7A4}"/>
+                  </a:ext>
+                </a:extLst>
+              </p:cNvPr>
+              <p:cNvPicPr/>
+              <p:nvPr/>
+            </p:nvPicPr>
+            <p:blipFill>
+              <a:blip r:embed="rId15"/>
+              <a:stretch>
+                <a:fillRect/>
+              </a:stretch>
+            </p:blipFill>
+            <p:spPr>
+              <a:xfrm>
+                <a:off x="5873040" y="3465320"/>
+                <a:ext cx="235080" cy="265320"/>
+              </a:xfrm>
+              <a:prstGeom prst="rect">
+                <a:avLst/>
+              </a:prstGeom>
+            </p:spPr>
+          </p:pic>
+        </mc:Fallback>
+      </mc:AlternateContent>
+      <mc:AlternateContent xmlns:mc="http://schemas.openxmlformats.org/markup-compatibility/2006">
+        <mc:Choice xmlns:p14="http://schemas.microsoft.com/office/powerpoint/2010/main" Requires="p14">
+          <p:contentPart p14:bwMode="auto" r:id="rId16">
+            <p14:nvContentPartPr>
+              <p14:cNvPr id="19" name="Ink 18">
+                <a:extLst>
+                  <a:ext uri="{FF2B5EF4-FFF2-40B4-BE49-F238E27FC236}">
+                    <a16:creationId xmlns:a16="http://schemas.microsoft.com/office/drawing/2014/main" id="{7C75FAF6-199A-1C71-F4CF-06770AE8356C}"/>
+                  </a:ext>
+                </a:extLst>
+              </p14:cNvPr>
+              <p14:cNvContentPartPr/>
+              <p14:nvPr/>
+            </p14:nvContentPartPr>
+            <p14:xfrm>
+              <a:off x="7133040" y="3209360"/>
+              <a:ext cx="57960" cy="629280"/>
+            </p14:xfrm>
+          </p:contentPart>
+        </mc:Choice>
+        <mc:Fallback>
+          <p:pic>
+            <p:nvPicPr>
+              <p:cNvPr id="19" name="Ink 18">
+                <a:extLst>
+                  <a:ext uri="{FF2B5EF4-FFF2-40B4-BE49-F238E27FC236}">
+                    <a16:creationId xmlns:a16="http://schemas.microsoft.com/office/drawing/2014/main" id="{7C75FAF6-199A-1C71-F4CF-06770AE8356C}"/>
+                  </a:ext>
+                </a:extLst>
+              </p:cNvPr>
+              <p:cNvPicPr/>
+              <p:nvPr/>
+            </p:nvPicPr>
+            <p:blipFill>
+              <a:blip r:embed="rId17"/>
+              <a:stretch>
+                <a:fillRect/>
+              </a:stretch>
+            </p:blipFill>
+            <p:spPr>
+              <a:xfrm>
+                <a:off x="7126920" y="3203240"/>
+                <a:ext cx="70200" cy="641520"/>
+              </a:xfrm>
+              <a:prstGeom prst="rect">
+                <a:avLst/>
+              </a:prstGeom>
+            </p:spPr>
+          </p:pic>
+        </mc:Fallback>
+      </mc:AlternateContent>
+      <mc:AlternateContent xmlns:mc="http://schemas.openxmlformats.org/markup-compatibility/2006">
+        <mc:Choice xmlns:p14="http://schemas.microsoft.com/office/powerpoint/2010/main" Requires="p14">
+          <p:contentPart p14:bwMode="auto" r:id="rId18">
+            <p14:nvContentPartPr>
+              <p14:cNvPr id="20" name="Ink 19">
+                <a:extLst>
+                  <a:ext uri="{FF2B5EF4-FFF2-40B4-BE49-F238E27FC236}">
+                    <a16:creationId xmlns:a16="http://schemas.microsoft.com/office/drawing/2014/main" id="{835CD0CF-1B5C-8047-F80A-00D891ADA9A6}"/>
+                  </a:ext>
+                </a:extLst>
+              </p14:cNvPr>
+              <p14:cNvContentPartPr/>
+              <p14:nvPr/>
+            </p14:nvContentPartPr>
+            <p14:xfrm>
+              <a:off x="8541000" y="3367760"/>
+              <a:ext cx="141480" cy="478440"/>
+            </p14:xfrm>
+          </p:contentPart>
+        </mc:Choice>
+        <mc:Fallback>
+          <p:pic>
+            <p:nvPicPr>
+              <p:cNvPr id="20" name="Ink 19">
+                <a:extLst>
+                  <a:ext uri="{FF2B5EF4-FFF2-40B4-BE49-F238E27FC236}">
+                    <a16:creationId xmlns:a16="http://schemas.microsoft.com/office/drawing/2014/main" id="{835CD0CF-1B5C-8047-F80A-00D891ADA9A6}"/>
+                  </a:ext>
+                </a:extLst>
+              </p:cNvPr>
+              <p:cNvPicPr/>
+              <p:nvPr/>
+            </p:nvPicPr>
+            <p:blipFill>
+              <a:blip r:embed="rId19"/>
+              <a:stretch>
+                <a:fillRect/>
+              </a:stretch>
+            </p:blipFill>
+            <p:spPr>
+              <a:xfrm>
+                <a:off x="8534880" y="3361640"/>
+                <a:ext cx="153720" cy="490680"/>
+              </a:xfrm>
+              <a:prstGeom prst="rect">
+                <a:avLst/>
+              </a:prstGeom>
+            </p:spPr>
+          </p:pic>
+        </mc:Fallback>
+      </mc:AlternateContent>
+      <mc:AlternateContent xmlns:mc="http://schemas.openxmlformats.org/markup-compatibility/2006">
+        <mc:Choice xmlns:p14="http://schemas.microsoft.com/office/powerpoint/2010/main" Requires="p14">
+          <p:contentPart p14:bwMode="auto" r:id="rId20">
+            <p14:nvContentPartPr>
+              <p14:cNvPr id="21" name="Ink 20">
+                <a:extLst>
+                  <a:ext uri="{FF2B5EF4-FFF2-40B4-BE49-F238E27FC236}">
+                    <a16:creationId xmlns:a16="http://schemas.microsoft.com/office/drawing/2014/main" id="{33E4588D-6B89-C3B5-F32C-0934E4C4E007}"/>
+                  </a:ext>
+                </a:extLst>
+              </p14:cNvPr>
+              <p14:cNvContentPartPr/>
+              <p14:nvPr/>
+            </p14:nvContentPartPr>
+            <p14:xfrm>
+              <a:off x="10094040" y="3184520"/>
+              <a:ext cx="91800" cy="649440"/>
+            </p14:xfrm>
+          </p:contentPart>
+        </mc:Choice>
+        <mc:Fallback>
+          <p:pic>
+            <p:nvPicPr>
+              <p:cNvPr id="21" name="Ink 20">
+                <a:extLst>
+                  <a:ext uri="{FF2B5EF4-FFF2-40B4-BE49-F238E27FC236}">
+                    <a16:creationId xmlns:a16="http://schemas.microsoft.com/office/drawing/2014/main" id="{33E4588D-6B89-C3B5-F32C-0934E4C4E007}"/>
+                  </a:ext>
+                </a:extLst>
+              </p:cNvPr>
+              <p:cNvPicPr/>
+              <p:nvPr/>
+            </p:nvPicPr>
+            <p:blipFill>
+              <a:blip r:embed="rId21"/>
+              <a:stretch>
+                <a:fillRect/>
+              </a:stretch>
+            </p:blipFill>
+            <p:spPr>
+              <a:xfrm>
+                <a:off x="10087920" y="3178400"/>
+                <a:ext cx="104040" cy="661680"/>
+              </a:xfrm>
+              <a:prstGeom prst="rect">
+                <a:avLst/>
+              </a:prstGeom>
+            </p:spPr>
+          </p:pic>
+        </mc:Fallback>
+      </mc:AlternateContent>
+      <mc:AlternateContent xmlns:mc="http://schemas.openxmlformats.org/markup-compatibility/2006">
+        <mc:Choice xmlns:p14="http://schemas.microsoft.com/office/powerpoint/2010/main" Requires="p14">
+          <p:contentPart p14:bwMode="auto" r:id="rId22">
+            <p14:nvContentPartPr>
+              <p14:cNvPr id="22" name="Ink 21">
+                <a:extLst>
+                  <a:ext uri="{FF2B5EF4-FFF2-40B4-BE49-F238E27FC236}">
+                    <a16:creationId xmlns:a16="http://schemas.microsoft.com/office/drawing/2014/main" id="{7FDCA8EB-8BC9-31F0-7120-4CBFAACA1B7D}"/>
+                  </a:ext>
+                </a:extLst>
+              </p14:cNvPr>
+              <p14:cNvContentPartPr/>
+              <p14:nvPr/>
+            </p14:nvContentPartPr>
+            <p14:xfrm>
+              <a:off x="8478000" y="5363960"/>
+              <a:ext cx="191520" cy="558720"/>
+            </p14:xfrm>
+          </p:contentPart>
+        </mc:Choice>
+        <mc:Fallback>
+          <p:pic>
+            <p:nvPicPr>
+              <p:cNvPr id="22" name="Ink 21">
+                <a:extLst>
+                  <a:ext uri="{FF2B5EF4-FFF2-40B4-BE49-F238E27FC236}">
+                    <a16:creationId xmlns:a16="http://schemas.microsoft.com/office/drawing/2014/main" id="{7FDCA8EB-8BC9-31F0-7120-4CBFAACA1B7D}"/>
+                  </a:ext>
+                </a:extLst>
+              </p:cNvPr>
+              <p:cNvPicPr/>
+              <p:nvPr/>
+            </p:nvPicPr>
+            <p:blipFill>
+              <a:blip r:embed="rId23"/>
+              <a:stretch>
+                <a:fillRect/>
+              </a:stretch>
+            </p:blipFill>
+            <p:spPr>
+              <a:xfrm>
+                <a:off x="8471880" y="5357840"/>
+                <a:ext cx="203760" cy="570960"/>
+              </a:xfrm>
+              <a:prstGeom prst="rect">
+                <a:avLst/>
+              </a:prstGeom>
+            </p:spPr>
+          </p:pic>
+        </mc:Fallback>
+      </mc:AlternateContent>
+      <mc:AlternateContent xmlns:mc="http://schemas.openxmlformats.org/markup-compatibility/2006">
+        <mc:Choice xmlns:p14="http://schemas.microsoft.com/office/powerpoint/2010/main" Requires="p14">
+          <p:contentPart p14:bwMode="auto" r:id="rId24">
+            <p14:nvContentPartPr>
+              <p14:cNvPr id="23" name="Ink 22">
+                <a:extLst>
+                  <a:ext uri="{FF2B5EF4-FFF2-40B4-BE49-F238E27FC236}">
+                    <a16:creationId xmlns:a16="http://schemas.microsoft.com/office/drawing/2014/main" id="{3B14639E-8EDD-607F-1108-9C0F4A96077F}"/>
+                  </a:ext>
+                </a:extLst>
+              </p14:cNvPr>
+              <p14:cNvContentPartPr/>
+              <p14:nvPr/>
+            </p14:nvContentPartPr>
+            <p14:xfrm>
+              <a:off x="7023960" y="5194040"/>
+              <a:ext cx="93240" cy="609120"/>
+            </p14:xfrm>
+          </p:contentPart>
+        </mc:Choice>
+        <mc:Fallback>
+          <p:pic>
+            <p:nvPicPr>
+              <p:cNvPr id="23" name="Ink 22">
+                <a:extLst>
+                  <a:ext uri="{FF2B5EF4-FFF2-40B4-BE49-F238E27FC236}">
+                    <a16:creationId xmlns:a16="http://schemas.microsoft.com/office/drawing/2014/main" id="{3B14639E-8EDD-607F-1108-9C0F4A96077F}"/>
+                  </a:ext>
+                </a:extLst>
+              </p:cNvPr>
+              <p:cNvPicPr/>
+              <p:nvPr/>
+            </p:nvPicPr>
+            <p:blipFill>
+              <a:blip r:embed="rId25"/>
+              <a:stretch>
+                <a:fillRect/>
+              </a:stretch>
+            </p:blipFill>
+            <p:spPr>
+              <a:xfrm>
+                <a:off x="7017840" y="5187920"/>
+                <a:ext cx="105480" cy="621360"/>
+              </a:xfrm>
+              <a:prstGeom prst="rect">
+                <a:avLst/>
+              </a:prstGeom>
+            </p:spPr>
+          </p:pic>
+        </mc:Fallback>
+      </mc:AlternateContent>
+      <mc:AlternateContent xmlns:mc="http://schemas.openxmlformats.org/markup-compatibility/2006">
+        <mc:Choice xmlns:p14="http://schemas.microsoft.com/office/powerpoint/2010/main" Requires="p14">
+          <p:contentPart p14:bwMode="auto" r:id="rId26">
+            <p14:nvContentPartPr>
+              <p14:cNvPr id="24" name="Ink 23">
+                <a:extLst>
+                  <a:ext uri="{FF2B5EF4-FFF2-40B4-BE49-F238E27FC236}">
+                    <a16:creationId xmlns:a16="http://schemas.microsoft.com/office/drawing/2014/main" id="{1A8CC877-A655-0ED0-2091-CE7757ADDDF5}"/>
+                  </a:ext>
+                </a:extLst>
+              </p14:cNvPr>
+              <p14:cNvContentPartPr/>
+              <p14:nvPr/>
+            </p14:nvContentPartPr>
+            <p14:xfrm>
+              <a:off x="5898600" y="5242640"/>
+              <a:ext cx="273600" cy="598680"/>
+            </p14:xfrm>
+          </p:contentPart>
+        </mc:Choice>
+        <mc:Fallback>
+          <p:pic>
+            <p:nvPicPr>
+              <p:cNvPr id="24" name="Ink 23">
+                <a:extLst>
+                  <a:ext uri="{FF2B5EF4-FFF2-40B4-BE49-F238E27FC236}">
+                    <a16:creationId xmlns:a16="http://schemas.microsoft.com/office/drawing/2014/main" id="{1A8CC877-A655-0ED0-2091-CE7757ADDDF5}"/>
+                  </a:ext>
+                </a:extLst>
+              </p:cNvPr>
+              <p:cNvPicPr/>
+              <p:nvPr/>
+            </p:nvPicPr>
+            <p:blipFill>
+              <a:blip r:embed="rId27"/>
+              <a:stretch>
+                <a:fillRect/>
+              </a:stretch>
+            </p:blipFill>
+            <p:spPr>
+              <a:xfrm>
+                <a:off x="5892480" y="5236520"/>
+                <a:ext cx="285840" cy="610920"/>
+              </a:xfrm>
+              <a:prstGeom prst="rect">
+                <a:avLst/>
+              </a:prstGeom>
+            </p:spPr>
+          </p:pic>
+        </mc:Fallback>
+      </mc:AlternateContent>
+      <p:sp>
+        <p:nvSpPr>
+          <p:cNvPr id="25" name="TextBox 24">
+            <a:extLst>
+              <a:ext uri="{FF2B5EF4-FFF2-40B4-BE49-F238E27FC236}">
+                <a16:creationId xmlns:a16="http://schemas.microsoft.com/office/drawing/2014/main" id="{99D7D1EB-A669-F2D0-D737-192E9636C53B}"/>
+              </a:ext>
+            </a:extLst>
+          </p:cNvPr>
+          <p:cNvSpPr txBox="1"/>
+          <p:nvPr/>
+        </p:nvSpPr>
+        <p:spPr>
+          <a:xfrm>
+            <a:off x="640853" y="2090057"/>
+            <a:ext cx="4502037" cy="2585323"/>
+          </a:xfrm>
+          <a:prstGeom prst="rect">
+            <a:avLst/>
+          </a:prstGeom>
+          <a:noFill/>
+        </p:spPr>
+        <p:txBody>
+          <a:bodyPr wrap="square" rtlCol="0">
+            <a:spAutoFit/>
+          </a:bodyPr>
+          <a:lstStyle/>
+          <a:p>
+            <a:r>
+              <a:rPr lang="en-US" dirty="0"/>
+              <a:t>A closure makes sure that a function doesn’t loose connection to variables that existed at the function’s birth place;</a:t>
+            </a:r>
+          </a:p>
+          <a:p>
+            <a:endParaRPr lang="en-US" dirty="0"/>
+          </a:p>
+          <a:p>
+            <a:r>
+              <a:rPr lang="en-US" dirty="0"/>
+              <a:t>A closure is like a backpack that a function carries around wherever it goes. This backpack has all the variables that were present in the environment where the function was created.</a:t>
+            </a:r>
+          </a:p>
+        </p:txBody>
+      </p:sp>
+    </p:spTree>
+    <p:extLst>
+      <p:ext uri="{BB962C8B-B14F-4D97-AF65-F5344CB8AC3E}">
+        <p14:creationId xmlns:p14="http://schemas.microsoft.com/office/powerpoint/2010/main" val="2560272920"/>
+      </p:ext>
+    </p:extLst>
+  </p:cSld>
+  <p:clrMapOvr>
+    <a:masterClrMapping/>
+  </p:clrMapOvr>
+</p:sld>
+</file>
+
+<file path=ppt/slides/slide81.xml><?xml version="1.0" encoding="utf-8"?>
+<p:sld xmlns:a="http://schemas.openxmlformats.org/drawingml/2006/main" xmlns:r="http://schemas.openxmlformats.org/officeDocument/2006/relationships" xmlns:p="http://schemas.openxmlformats.org/presentationml/2006/main">
+  <p:cSld>
+    <p:spTree>
+      <p:nvGrpSpPr>
+        <p:cNvPr id="1" name="">
+          <a:extLst>
+            <a:ext uri="{FF2B5EF4-FFF2-40B4-BE49-F238E27FC236}">
+              <a16:creationId xmlns:a16="http://schemas.microsoft.com/office/drawing/2014/main" id="{F4C60486-E79F-50AE-149C-669EC68B02CE}"/>
+            </a:ext>
+          </a:extLst>
+        </p:cNvPr>
+        <p:cNvGrpSpPr/>
+        <p:nvPr/>
+      </p:nvGrpSpPr>
+      <p:grpSpPr>
+        <a:xfrm>
+          <a:off x="0" y="0"/>
+          <a:ext cx="0" cy="0"/>
+          <a:chOff x="0" y="0"/>
+          <a:chExt cx="0" cy="0"/>
+        </a:xfrm>
+      </p:grpSpPr>
+      <p:sp>
+        <p:nvSpPr>
+          <p:cNvPr id="2" name="Title 1">
+            <a:extLst>
+              <a:ext uri="{FF2B5EF4-FFF2-40B4-BE49-F238E27FC236}">
+                <a16:creationId xmlns:a16="http://schemas.microsoft.com/office/drawing/2014/main" id="{DAB00B8F-2BF7-98EF-A774-E6C3668C7063}"/>
+              </a:ext>
+            </a:extLst>
+          </p:cNvPr>
+          <p:cNvSpPr>
+            <a:spLocks noGrp="1"/>
+          </p:cNvSpPr>
+          <p:nvPr>
+            <p:ph type="title"/>
+          </p:nvPr>
+        </p:nvSpPr>
+        <p:spPr>
+          <a:xfrm>
+            <a:off x="838200" y="365126"/>
+            <a:ext cx="10515600" cy="6179365"/>
+          </a:xfrm>
+        </p:spPr>
+        <p:txBody>
+          <a:bodyPr>
+            <a:normAutofit fontScale="90000"/>
+          </a:bodyPr>
+          <a:lstStyle/>
+          <a:p>
+            <a:r>
+              <a:rPr lang="en-US" b="1" dirty="0">
+                <a:solidFill>
+                  <a:srgbClr val="FF0000"/>
+                </a:solidFill>
+              </a:rPr>
+              <a:t>Intro</a:t>
+            </a:r>
+            <a:br>
+              <a:rPr lang="en-US" b="1" dirty="0">
+                <a:solidFill>
+                  <a:srgbClr val="FF0000"/>
+                </a:solidFill>
+              </a:rPr>
+            </a:br>
+            <a:r>
+              <a:rPr lang="en-US" b="1" dirty="0">
+                <a:solidFill>
+                  <a:srgbClr val="FF0000"/>
+                </a:solidFill>
+              </a:rPr>
+              <a:t>what is Nodejs?</a:t>
+            </a:r>
+            <a:br>
+              <a:rPr lang="en-US" b="1" dirty="0">
+                <a:solidFill>
+                  <a:srgbClr val="FF0000"/>
+                </a:solidFill>
+              </a:rPr>
+            </a:br>
+            <a:r>
+              <a:rPr lang="en-US" b="1" dirty="0">
+                <a:solidFill>
+                  <a:srgbClr val="FF0000"/>
+                </a:solidFill>
+              </a:rPr>
+              <a:t>JS</a:t>
+            </a:r>
+            <a:br>
+              <a:rPr lang="en-US" b="1" dirty="0">
+                <a:solidFill>
+                  <a:srgbClr val="FF0000"/>
+                </a:solidFill>
+              </a:rPr>
+            </a:br>
+            <a:r>
+              <a:rPr lang="en-US" b="1" dirty="0">
+                <a:solidFill>
+                  <a:srgbClr val="FF0000"/>
+                </a:solidFill>
+              </a:rPr>
+              <a:t>Arrow function</a:t>
+            </a:r>
+            <a:br>
+              <a:rPr lang="en-US" b="1" dirty="0">
+                <a:solidFill>
+                  <a:srgbClr val="FF0000"/>
+                </a:solidFill>
+              </a:rPr>
+            </a:br>
+            <a:r>
+              <a:rPr lang="en-US" b="1" dirty="0">
+                <a:solidFill>
+                  <a:srgbClr val="FF0000"/>
+                </a:solidFill>
+              </a:rPr>
+              <a:t>Arrays &amp; method</a:t>
+            </a:r>
+            <a:br>
+              <a:rPr lang="en-US" b="1" dirty="0">
+                <a:solidFill>
+                  <a:srgbClr val="FF0000"/>
+                </a:solidFill>
+              </a:rPr>
+            </a:br>
+            <a:r>
+              <a:rPr lang="en-US" b="1" dirty="0">
+                <a:solidFill>
+                  <a:srgbClr val="FF0000"/>
+                </a:solidFill>
+              </a:rPr>
+              <a:t>Object property method</a:t>
+            </a:r>
+            <a:br>
+              <a:rPr lang="en-US" b="1" dirty="0">
+                <a:solidFill>
+                  <a:srgbClr val="FF0000"/>
+                </a:solidFill>
+              </a:rPr>
+            </a:br>
+            <a:r>
+              <a:rPr lang="en-US" b="1" dirty="0">
+                <a:solidFill>
+                  <a:srgbClr val="FF0000"/>
+                </a:solidFill>
+              </a:rPr>
+              <a:t>primitive vs refer</a:t>
+            </a:r>
+            <a:br>
+              <a:rPr lang="en-US" b="1" dirty="0">
+                <a:solidFill>
+                  <a:srgbClr val="FF0000"/>
+                </a:solidFill>
+              </a:rPr>
+            </a:br>
+            <a:r>
+              <a:rPr lang="en-US" b="1" dirty="0">
+                <a:solidFill>
+                  <a:srgbClr val="FF0000"/>
+                </a:solidFill>
+              </a:rPr>
+              <a:t>destructing</a:t>
+            </a:r>
+            <a:br>
+              <a:rPr lang="en-US" b="1" dirty="0">
+                <a:solidFill>
+                  <a:srgbClr val="FF0000"/>
+                </a:solidFill>
+              </a:rPr>
+            </a:br>
+            <a:r>
+              <a:rPr lang="en-US" b="1" dirty="0">
+                <a:solidFill>
+                  <a:srgbClr val="FF0000"/>
+                </a:solidFill>
+              </a:rPr>
+              <a:t>async &amp; Promises</a:t>
+            </a:r>
+            <a:br>
+              <a:rPr lang="en-US" b="1" dirty="0">
+                <a:solidFill>
+                  <a:srgbClr val="FF0000"/>
+                </a:solidFill>
+              </a:rPr>
+            </a:br>
+            <a:r>
+              <a:rPr lang="en-US" b="1" dirty="0">
+                <a:solidFill>
+                  <a:srgbClr val="FF0000"/>
+                </a:solidFill>
+              </a:rPr>
+              <a:t>template Literals</a:t>
+            </a:r>
+            <a:br>
+              <a:rPr lang="en-US" b="1" dirty="0">
+                <a:solidFill>
+                  <a:srgbClr val="FF0000"/>
+                </a:solidFill>
+              </a:rPr>
+            </a:br>
+            <a:endParaRPr lang="en-US" b="1" dirty="0">
+              <a:solidFill>
+                <a:srgbClr val="FF0000"/>
+              </a:solidFill>
+            </a:endParaRPr>
+          </a:p>
+        </p:txBody>
+      </p:sp>
+    </p:spTree>
+    <p:extLst>
+      <p:ext uri="{BB962C8B-B14F-4D97-AF65-F5344CB8AC3E}">
+        <p14:creationId xmlns:p14="http://schemas.microsoft.com/office/powerpoint/2010/main" val="779639545"/>
       </p:ext>
     </p:extLst>
   </p:cSld>
